--- a/Slides/Clase.pptx
+++ b/Slides/Clase.pptx
@@ -9,8 +9,23 @@
     <p:sldId id="258" r:id="rId3"/>
     <p:sldId id="260" r:id="rId4"/>
     <p:sldId id="257" r:id="rId5"/>
-    <p:sldId id="259" r:id="rId6"/>
-    <p:sldId id="261" r:id="rId7"/>
+    <p:sldId id="262" r:id="rId6"/>
+    <p:sldId id="263" r:id="rId7"/>
+    <p:sldId id="265" r:id="rId8"/>
+    <p:sldId id="267" r:id="rId9"/>
+    <p:sldId id="264" r:id="rId10"/>
+    <p:sldId id="266" r:id="rId11"/>
+    <p:sldId id="268" r:id="rId12"/>
+    <p:sldId id="269" r:id="rId13"/>
+    <p:sldId id="270" r:id="rId14"/>
+    <p:sldId id="271" r:id="rId15"/>
+    <p:sldId id="272" r:id="rId16"/>
+    <p:sldId id="274" r:id="rId17"/>
+    <p:sldId id="273" r:id="rId18"/>
+    <p:sldId id="275" r:id="rId19"/>
+    <p:sldId id="276" r:id="rId20"/>
+    <p:sldId id="259" r:id="rId21"/>
+    <p:sldId id="261" r:id="rId22"/>
   </p:sldIdLst>
   <p:sldSz cx="12192000" cy="6858000"/>
   <p:notesSz cx="6858000" cy="9144000"/>
@@ -109,6 +124,11 @@
       </a:defRPr>
     </a:lvl9pPr>
   </p:defaultTextStyle>
+  <p:extLst>
+    <p:ext uri="{EFAFB233-063F-42B5-8137-9DF3F51BA10A}">
+      <p15:sldGuideLst xmlns:p15="http://schemas.microsoft.com/office/powerpoint/2012/main"/>
+    </p:ext>
+  </p:extLst>
 </p:presentation>
 </file>
 
@@ -243,7 +263,7 @@
           <a:p>
             <a:fld id="{8C91A079-CAE8-47E0-8427-4BEC14467E6E}" type="datetimeFigureOut">
               <a:rPr lang="en-US" smtClean="0"/>
-              <a:t>5/27/2013</a:t>
+              <a:t>6/2/2013</a:t>
             </a:fld>
             <a:endParaRPr lang="en-US"/>
           </a:p>
@@ -413,7 +433,7 @@
           <a:p>
             <a:fld id="{8C91A079-CAE8-47E0-8427-4BEC14467E6E}" type="datetimeFigureOut">
               <a:rPr lang="en-US" smtClean="0"/>
-              <a:t>5/27/2013</a:t>
+              <a:t>6/2/2013</a:t>
             </a:fld>
             <a:endParaRPr lang="en-US"/>
           </a:p>
@@ -593,7 +613,7 @@
           <a:p>
             <a:fld id="{8C91A079-CAE8-47E0-8427-4BEC14467E6E}" type="datetimeFigureOut">
               <a:rPr lang="en-US" smtClean="0"/>
-              <a:t>5/27/2013</a:t>
+              <a:t>6/2/2013</a:t>
             </a:fld>
             <a:endParaRPr lang="en-US"/>
           </a:p>
@@ -763,7 +783,7 @@
           <a:p>
             <a:fld id="{8C91A079-CAE8-47E0-8427-4BEC14467E6E}" type="datetimeFigureOut">
               <a:rPr lang="en-US" smtClean="0"/>
-              <a:t>5/27/2013</a:t>
+              <a:t>6/2/2013</a:t>
             </a:fld>
             <a:endParaRPr lang="en-US"/>
           </a:p>
@@ -1009,7 +1029,7 @@
           <a:p>
             <a:fld id="{8C91A079-CAE8-47E0-8427-4BEC14467E6E}" type="datetimeFigureOut">
               <a:rPr lang="en-US" smtClean="0"/>
-              <a:t>5/27/2013</a:t>
+              <a:t>6/2/2013</a:t>
             </a:fld>
             <a:endParaRPr lang="en-US"/>
           </a:p>
@@ -1241,7 +1261,7 @@
           <a:p>
             <a:fld id="{8C91A079-CAE8-47E0-8427-4BEC14467E6E}" type="datetimeFigureOut">
               <a:rPr lang="en-US" smtClean="0"/>
-              <a:t>5/27/2013</a:t>
+              <a:t>6/2/2013</a:t>
             </a:fld>
             <a:endParaRPr lang="en-US"/>
           </a:p>
@@ -1608,7 +1628,7 @@
           <a:p>
             <a:fld id="{8C91A079-CAE8-47E0-8427-4BEC14467E6E}" type="datetimeFigureOut">
               <a:rPr lang="en-US" smtClean="0"/>
-              <a:t>5/27/2013</a:t>
+              <a:t>6/2/2013</a:t>
             </a:fld>
             <a:endParaRPr lang="en-US"/>
           </a:p>
@@ -1726,7 +1746,7 @@
           <a:p>
             <a:fld id="{8C91A079-CAE8-47E0-8427-4BEC14467E6E}" type="datetimeFigureOut">
               <a:rPr lang="en-US" smtClean="0"/>
-              <a:t>5/27/2013</a:t>
+              <a:t>6/2/2013</a:t>
             </a:fld>
             <a:endParaRPr lang="en-US"/>
           </a:p>
@@ -1821,7 +1841,7 @@
           <a:p>
             <a:fld id="{8C91A079-CAE8-47E0-8427-4BEC14467E6E}" type="datetimeFigureOut">
               <a:rPr lang="en-US" smtClean="0"/>
-              <a:t>5/27/2013</a:t>
+              <a:t>6/2/2013</a:t>
             </a:fld>
             <a:endParaRPr lang="en-US"/>
           </a:p>
@@ -2098,7 +2118,7 @@
           <a:p>
             <a:fld id="{8C91A079-CAE8-47E0-8427-4BEC14467E6E}" type="datetimeFigureOut">
               <a:rPr lang="en-US" smtClean="0"/>
-              <a:t>5/27/2013</a:t>
+              <a:t>6/2/2013</a:t>
             </a:fld>
             <a:endParaRPr lang="en-US"/>
           </a:p>
@@ -2351,7 +2371,7 @@
           <a:p>
             <a:fld id="{8C91A079-CAE8-47E0-8427-4BEC14467E6E}" type="datetimeFigureOut">
               <a:rPr lang="en-US" smtClean="0"/>
-              <a:t>5/27/2013</a:t>
+              <a:t>6/2/2013</a:t>
             </a:fld>
             <a:endParaRPr lang="en-US"/>
           </a:p>
@@ -2564,7 +2584,7 @@
           <a:p>
             <a:fld id="{8C91A079-CAE8-47E0-8427-4BEC14467E6E}" type="datetimeFigureOut">
               <a:rPr lang="en-US" smtClean="0"/>
-              <a:t>5/27/2013</a:t>
+              <a:t>6/2/2013</a:t>
             </a:fld>
             <a:endParaRPr lang="en-US"/>
           </a:p>
@@ -3028,6 +3048,1313 @@
 </p:sld>
 </file>
 
+<file path=ppt/slides/slide10.xml><?xml version="1.0" encoding="utf-8"?>
+<p:sld xmlns:a="http://schemas.openxmlformats.org/drawingml/2006/main" xmlns:r="http://schemas.openxmlformats.org/officeDocument/2006/relationships" xmlns:p="http://schemas.openxmlformats.org/presentationml/2006/main">
+  <p:cSld>
+    <p:spTree>
+      <p:nvGrpSpPr>
+        <p:cNvPr id="1" name=""/>
+        <p:cNvGrpSpPr/>
+        <p:nvPr/>
+      </p:nvGrpSpPr>
+      <p:grpSpPr>
+        <a:xfrm>
+          <a:off x="0" y="0"/>
+          <a:ext cx="0" cy="0"/>
+          <a:chOff x="0" y="0"/>
+          <a:chExt cx="0" cy="0"/>
+        </a:xfrm>
+      </p:grpSpPr>
+      <p:sp>
+        <p:nvSpPr>
+          <p:cNvPr id="2" name="Title 1"/>
+          <p:cNvSpPr>
+            <a:spLocks noGrp="1"/>
+          </p:cNvSpPr>
+          <p:nvPr>
+            <p:ph type="title"/>
+          </p:nvPr>
+        </p:nvSpPr>
+        <p:spPr/>
+        <p:txBody>
+          <a:bodyPr/>
+          <a:lstStyle/>
+          <a:p>
+            <a:r>
+              <a:rPr lang="es-ES_tradnl" dirty="0" smtClean="0"/>
+              <a:t>Elementos básicos Head</a:t>
+            </a:r>
+            <a:endParaRPr lang="en-US" dirty="0"/>
+          </a:p>
+        </p:txBody>
+      </p:sp>
+      <p:sp>
+        <p:nvSpPr>
+          <p:cNvPr id="3" name="Content Placeholder 2"/>
+          <p:cNvSpPr>
+            <a:spLocks noGrp="1"/>
+          </p:cNvSpPr>
+          <p:nvPr>
+            <p:ph idx="1"/>
+          </p:nvPr>
+        </p:nvSpPr>
+        <p:spPr/>
+        <p:txBody>
+          <a:bodyPr/>
+          <a:lstStyle/>
+          <a:p>
+            <a:r>
+              <a:rPr lang="es-ES_tradnl" dirty="0" smtClean="0"/>
+              <a:t>&lt;</a:t>
+            </a:r>
+            <a:r>
+              <a:rPr lang="es-ES_tradnl" dirty="0" err="1"/>
+              <a:t>t</a:t>
+            </a:r>
+            <a:r>
+              <a:rPr lang="es-ES_tradnl" dirty="0" err="1" smtClean="0"/>
+              <a:t>itle</a:t>
+            </a:r>
+            <a:r>
+              <a:rPr lang="es-ES_tradnl" dirty="0" smtClean="0"/>
+              <a:t>&gt;</a:t>
+            </a:r>
+          </a:p>
+          <a:p>
+            <a:r>
+              <a:rPr lang="es-ES_tradnl" dirty="0" smtClean="0"/>
+              <a:t>&lt;meta&gt;</a:t>
+            </a:r>
+          </a:p>
+          <a:p>
+            <a:r>
+              <a:rPr lang="es-ES_tradnl" dirty="0" smtClean="0"/>
+              <a:t>&lt;link&gt;</a:t>
+            </a:r>
+          </a:p>
+          <a:p>
+            <a:r>
+              <a:rPr lang="es-ES_tradnl" dirty="0" smtClean="0"/>
+              <a:t>&lt;script&gt;</a:t>
+            </a:r>
+          </a:p>
+          <a:p>
+            <a:r>
+              <a:rPr lang="es-ES_tradnl" dirty="0" smtClean="0"/>
+              <a:t>&lt;</a:t>
+            </a:r>
+            <a:r>
+              <a:rPr lang="es-ES_tradnl" dirty="0" err="1" smtClean="0"/>
+              <a:t>style</a:t>
+            </a:r>
+            <a:r>
+              <a:rPr lang="es-ES_tradnl" dirty="0" smtClean="0"/>
+              <a:t>&gt;</a:t>
+            </a:r>
+            <a:endParaRPr lang="en-US" dirty="0"/>
+          </a:p>
+        </p:txBody>
+      </p:sp>
+    </p:spTree>
+    <p:extLst>
+      <p:ext uri="{BB962C8B-B14F-4D97-AF65-F5344CB8AC3E}">
+        <p14:creationId xmlns:p14="http://schemas.microsoft.com/office/powerpoint/2010/main" val="202465279"/>
+      </p:ext>
+    </p:extLst>
+  </p:cSld>
+  <p:clrMapOvr>
+    <a:masterClrMapping/>
+  </p:clrMapOvr>
+</p:sld>
+</file>
+
+<file path=ppt/slides/slide11.xml><?xml version="1.0" encoding="utf-8"?>
+<p:sld xmlns:a="http://schemas.openxmlformats.org/drawingml/2006/main" xmlns:r="http://schemas.openxmlformats.org/officeDocument/2006/relationships" xmlns:p="http://schemas.openxmlformats.org/presentationml/2006/main">
+  <p:cSld>
+    <p:spTree>
+      <p:nvGrpSpPr>
+        <p:cNvPr id="1" name=""/>
+        <p:cNvGrpSpPr/>
+        <p:nvPr/>
+      </p:nvGrpSpPr>
+      <p:grpSpPr>
+        <a:xfrm>
+          <a:off x="0" y="0"/>
+          <a:ext cx="0" cy="0"/>
+          <a:chOff x="0" y="0"/>
+          <a:chExt cx="0" cy="0"/>
+        </a:xfrm>
+      </p:grpSpPr>
+      <p:sp>
+        <p:nvSpPr>
+          <p:cNvPr id="2" name="Title 1"/>
+          <p:cNvSpPr>
+            <a:spLocks noGrp="1"/>
+          </p:cNvSpPr>
+          <p:nvPr>
+            <p:ph type="title"/>
+          </p:nvPr>
+        </p:nvSpPr>
+        <p:spPr/>
+        <p:txBody>
+          <a:bodyPr/>
+          <a:lstStyle/>
+          <a:p>
+            <a:r>
+              <a:rPr lang="es-ES_tradnl" dirty="0" smtClean="0"/>
+              <a:t>HTML 5</a:t>
+            </a:r>
+            <a:endParaRPr lang="en-US" dirty="0"/>
+          </a:p>
+        </p:txBody>
+      </p:sp>
+      <p:sp>
+        <p:nvSpPr>
+          <p:cNvPr id="3" name="Content Placeholder 2"/>
+          <p:cNvSpPr>
+            <a:spLocks noGrp="1"/>
+          </p:cNvSpPr>
+          <p:nvPr>
+            <p:ph idx="1"/>
+          </p:nvPr>
+        </p:nvSpPr>
+        <p:spPr/>
+        <p:txBody>
+          <a:bodyPr/>
+          <a:lstStyle/>
+          <a:p>
+            <a:endParaRPr lang="en-US" dirty="0"/>
+          </a:p>
+        </p:txBody>
+      </p:sp>
+    </p:spTree>
+    <p:extLst>
+      <p:ext uri="{BB962C8B-B14F-4D97-AF65-F5344CB8AC3E}">
+        <p14:creationId xmlns:p14="http://schemas.microsoft.com/office/powerpoint/2010/main" val="1199194102"/>
+      </p:ext>
+    </p:extLst>
+  </p:cSld>
+  <p:clrMapOvr>
+    <a:masterClrMapping/>
+  </p:clrMapOvr>
+</p:sld>
+</file>
+
+<file path=ppt/slides/slide12.xml><?xml version="1.0" encoding="utf-8"?>
+<p:sld xmlns:a="http://schemas.openxmlformats.org/drawingml/2006/main" xmlns:r="http://schemas.openxmlformats.org/officeDocument/2006/relationships" xmlns:p="http://schemas.openxmlformats.org/presentationml/2006/main">
+  <p:cSld>
+    <p:spTree>
+      <p:nvGrpSpPr>
+        <p:cNvPr id="1" name=""/>
+        <p:cNvGrpSpPr/>
+        <p:nvPr/>
+      </p:nvGrpSpPr>
+      <p:grpSpPr>
+        <a:xfrm>
+          <a:off x="0" y="0"/>
+          <a:ext cx="0" cy="0"/>
+          <a:chOff x="0" y="0"/>
+          <a:chExt cx="0" cy="0"/>
+        </a:xfrm>
+      </p:grpSpPr>
+      <p:sp>
+        <p:nvSpPr>
+          <p:cNvPr id="2" name="Title 1"/>
+          <p:cNvSpPr>
+            <a:spLocks noGrp="1"/>
+          </p:cNvSpPr>
+          <p:nvPr>
+            <p:ph type="title"/>
+          </p:nvPr>
+        </p:nvSpPr>
+        <p:spPr/>
+        <p:txBody>
+          <a:bodyPr/>
+          <a:lstStyle/>
+          <a:p>
+            <a:r>
+              <a:rPr lang="es-ES_tradnl" dirty="0" smtClean="0"/>
+              <a:t>Nuevos </a:t>
+            </a:r>
+            <a:r>
+              <a:rPr lang="es-ES_tradnl" dirty="0" err="1" smtClean="0"/>
+              <a:t>Tags</a:t>
+            </a:r>
+            <a:r>
+              <a:rPr lang="es-ES_tradnl" dirty="0" smtClean="0"/>
+              <a:t> (media)</a:t>
+            </a:r>
+            <a:endParaRPr lang="en-US" dirty="0"/>
+          </a:p>
+        </p:txBody>
+      </p:sp>
+      <p:sp>
+        <p:nvSpPr>
+          <p:cNvPr id="3" name="Content Placeholder 2"/>
+          <p:cNvSpPr>
+            <a:spLocks noGrp="1"/>
+          </p:cNvSpPr>
+          <p:nvPr>
+            <p:ph idx="1"/>
+          </p:nvPr>
+        </p:nvSpPr>
+        <p:spPr/>
+        <p:txBody>
+          <a:bodyPr/>
+          <a:lstStyle/>
+          <a:p>
+            <a:r>
+              <a:rPr lang="es-ES_tradnl" dirty="0" smtClean="0"/>
+              <a:t>&lt;audio&gt;</a:t>
+            </a:r>
+          </a:p>
+          <a:p>
+            <a:r>
+              <a:rPr lang="es-ES_tradnl" dirty="0" smtClean="0"/>
+              <a:t>&lt;video&gt;</a:t>
+            </a:r>
+          </a:p>
+          <a:p>
+            <a:r>
+              <a:rPr lang="es-ES_tradnl" dirty="0" smtClean="0"/>
+              <a:t>&lt;</a:t>
+            </a:r>
+            <a:r>
+              <a:rPr lang="es-ES_tradnl" dirty="0" err="1" smtClean="0"/>
+              <a:t>canvas</a:t>
+            </a:r>
+            <a:r>
+              <a:rPr lang="es-ES_tradnl" dirty="0" smtClean="0"/>
+              <a:t>&gt;</a:t>
+            </a:r>
+            <a:endParaRPr lang="en-US" dirty="0"/>
+          </a:p>
+        </p:txBody>
+      </p:sp>
+    </p:spTree>
+    <p:extLst>
+      <p:ext uri="{BB962C8B-B14F-4D97-AF65-F5344CB8AC3E}">
+        <p14:creationId xmlns:p14="http://schemas.microsoft.com/office/powerpoint/2010/main" val="2125965985"/>
+      </p:ext>
+    </p:extLst>
+  </p:cSld>
+  <p:clrMapOvr>
+    <a:masterClrMapping/>
+  </p:clrMapOvr>
+</p:sld>
+</file>
+
+<file path=ppt/slides/slide13.xml><?xml version="1.0" encoding="utf-8"?>
+<p:sld xmlns:a="http://schemas.openxmlformats.org/drawingml/2006/main" xmlns:r="http://schemas.openxmlformats.org/officeDocument/2006/relationships" xmlns:p="http://schemas.openxmlformats.org/presentationml/2006/main">
+  <p:cSld>
+    <p:spTree>
+      <p:nvGrpSpPr>
+        <p:cNvPr id="1" name=""/>
+        <p:cNvGrpSpPr/>
+        <p:nvPr/>
+      </p:nvGrpSpPr>
+      <p:grpSpPr>
+        <a:xfrm>
+          <a:off x="0" y="0"/>
+          <a:ext cx="0" cy="0"/>
+          <a:chOff x="0" y="0"/>
+          <a:chExt cx="0" cy="0"/>
+        </a:xfrm>
+      </p:grpSpPr>
+      <p:sp>
+        <p:nvSpPr>
+          <p:cNvPr id="2" name="Title 1"/>
+          <p:cNvSpPr>
+            <a:spLocks noGrp="1"/>
+          </p:cNvSpPr>
+          <p:nvPr>
+            <p:ph type="title"/>
+          </p:nvPr>
+        </p:nvSpPr>
+        <p:spPr/>
+        <p:txBody>
+          <a:bodyPr/>
+          <a:lstStyle/>
+          <a:p>
+            <a:r>
+              <a:rPr lang="es-ES_tradnl" dirty="0" smtClean="0"/>
+              <a:t>Nuevos </a:t>
+            </a:r>
+            <a:r>
+              <a:rPr lang="es-ES_tradnl" dirty="0" err="1" smtClean="0"/>
+              <a:t>tags</a:t>
+            </a:r>
+            <a:r>
+              <a:rPr lang="es-ES_tradnl" dirty="0" smtClean="0"/>
+              <a:t> (estructurales)</a:t>
+            </a:r>
+            <a:endParaRPr lang="en-US" dirty="0"/>
+          </a:p>
+        </p:txBody>
+      </p:sp>
+      <p:sp>
+        <p:nvSpPr>
+          <p:cNvPr id="3" name="Content Placeholder 2"/>
+          <p:cNvSpPr>
+            <a:spLocks noGrp="1"/>
+          </p:cNvSpPr>
+          <p:nvPr>
+            <p:ph idx="1"/>
+          </p:nvPr>
+        </p:nvSpPr>
+        <p:spPr/>
+        <p:txBody>
+          <a:bodyPr/>
+          <a:lstStyle/>
+          <a:p>
+            <a:r>
+              <a:rPr lang="es-ES_tradnl" dirty="0" smtClean="0"/>
+              <a:t>&lt;</a:t>
+            </a:r>
+            <a:r>
+              <a:rPr lang="es-ES_tradnl" dirty="0" err="1" smtClean="0"/>
+              <a:t>header</a:t>
+            </a:r>
+            <a:r>
+              <a:rPr lang="es-ES_tradnl" dirty="0" smtClean="0"/>
+              <a:t>&gt; </a:t>
+            </a:r>
+            <a:r>
+              <a:rPr lang="es-ES_tradnl" dirty="0" smtClean="0">
+                <a:sym typeface="Wingdings" panose="05000000000000000000" pitchFamily="2" charset="2"/>
+              </a:rPr>
+              <a:t> encabezado</a:t>
+            </a:r>
+            <a:endParaRPr lang="es-ES_tradnl" dirty="0" smtClean="0"/>
+          </a:p>
+          <a:p>
+            <a:r>
+              <a:rPr lang="es-ES_tradnl" dirty="0" smtClean="0"/>
+              <a:t>&lt;</a:t>
+            </a:r>
+            <a:r>
+              <a:rPr lang="es-ES_tradnl" dirty="0" err="1" smtClean="0"/>
+              <a:t>aside</a:t>
+            </a:r>
+            <a:r>
+              <a:rPr lang="es-ES_tradnl" dirty="0" smtClean="0"/>
+              <a:t>&gt; </a:t>
+            </a:r>
+            <a:r>
+              <a:rPr lang="es-ES_tradnl" dirty="0" smtClean="0">
+                <a:sym typeface="Wingdings" panose="05000000000000000000" pitchFamily="2" charset="2"/>
+              </a:rPr>
+              <a:t> </a:t>
+            </a:r>
+            <a:r>
+              <a:rPr lang="es-ES_tradnl" dirty="0" err="1" smtClean="0">
+                <a:sym typeface="Wingdings" panose="05000000000000000000" pitchFamily="2" charset="2"/>
+              </a:rPr>
+              <a:t>info</a:t>
+            </a:r>
+            <a:r>
+              <a:rPr lang="es-ES_tradnl" dirty="0" smtClean="0">
+                <a:sym typeface="Wingdings" panose="05000000000000000000" pitchFamily="2" charset="2"/>
+              </a:rPr>
+              <a:t> complementaria / </a:t>
+            </a:r>
+            <a:r>
+              <a:rPr lang="es-ES_tradnl" dirty="0" err="1" smtClean="0">
+                <a:sym typeface="Wingdings" panose="05000000000000000000" pitchFamily="2" charset="2"/>
+              </a:rPr>
+              <a:t>sidebar</a:t>
+            </a:r>
+            <a:endParaRPr lang="es-ES_tradnl" dirty="0" smtClean="0"/>
+          </a:p>
+          <a:p>
+            <a:r>
+              <a:rPr lang="es-ES_tradnl" dirty="0" smtClean="0"/>
+              <a:t>&lt;</a:t>
+            </a:r>
+            <a:r>
+              <a:rPr lang="es-ES_tradnl" dirty="0" err="1" smtClean="0"/>
+              <a:t>footer</a:t>
+            </a:r>
+            <a:r>
+              <a:rPr lang="es-ES_tradnl" dirty="0" smtClean="0"/>
+              <a:t>&gt; </a:t>
+            </a:r>
+            <a:r>
+              <a:rPr lang="es-ES_tradnl" dirty="0" smtClean="0">
+                <a:sym typeface="Wingdings" panose="05000000000000000000" pitchFamily="2" charset="2"/>
+              </a:rPr>
+              <a:t> pie de página</a:t>
+            </a:r>
+            <a:endParaRPr lang="es-ES_tradnl" dirty="0" smtClean="0"/>
+          </a:p>
+          <a:p>
+            <a:r>
+              <a:rPr lang="es-ES_tradnl" dirty="0" smtClean="0"/>
+              <a:t>&lt;</a:t>
+            </a:r>
+            <a:r>
+              <a:rPr lang="es-ES_tradnl" dirty="0" err="1" smtClean="0"/>
+              <a:t>hgroup</a:t>
+            </a:r>
+            <a:r>
+              <a:rPr lang="es-ES_tradnl" dirty="0" smtClean="0"/>
+              <a:t>&gt; </a:t>
+            </a:r>
+            <a:r>
+              <a:rPr lang="es-ES_tradnl" dirty="0" smtClean="0">
+                <a:sym typeface="Wingdings" panose="05000000000000000000" pitchFamily="2" charset="2"/>
+              </a:rPr>
+              <a:t> grupo de encabezados</a:t>
+            </a:r>
+            <a:endParaRPr lang="es-ES_tradnl" dirty="0" smtClean="0"/>
+          </a:p>
+          <a:p>
+            <a:r>
+              <a:rPr lang="es-ES_tradnl" dirty="0" smtClean="0"/>
+              <a:t>&lt;</a:t>
+            </a:r>
+            <a:r>
+              <a:rPr lang="es-ES_tradnl" dirty="0" err="1" smtClean="0"/>
+              <a:t>nav</a:t>
+            </a:r>
+            <a:r>
+              <a:rPr lang="es-ES_tradnl" dirty="0" smtClean="0"/>
+              <a:t>&gt; </a:t>
+            </a:r>
+            <a:r>
+              <a:rPr lang="es-ES_tradnl" dirty="0" smtClean="0">
+                <a:sym typeface="Wingdings" panose="05000000000000000000" pitchFamily="2" charset="2"/>
+              </a:rPr>
+              <a:t> menú de navegación</a:t>
+            </a:r>
+            <a:endParaRPr lang="en-US" dirty="0" smtClean="0"/>
+          </a:p>
+        </p:txBody>
+      </p:sp>
+    </p:spTree>
+    <p:extLst>
+      <p:ext uri="{BB962C8B-B14F-4D97-AF65-F5344CB8AC3E}">
+        <p14:creationId xmlns:p14="http://schemas.microsoft.com/office/powerpoint/2010/main" val="3014043091"/>
+      </p:ext>
+    </p:extLst>
+  </p:cSld>
+  <p:clrMapOvr>
+    <a:masterClrMapping/>
+  </p:clrMapOvr>
+</p:sld>
+</file>
+
+<file path=ppt/slides/slide14.xml><?xml version="1.0" encoding="utf-8"?>
+<p:sld xmlns:a="http://schemas.openxmlformats.org/drawingml/2006/main" xmlns:r="http://schemas.openxmlformats.org/officeDocument/2006/relationships" xmlns:p="http://schemas.openxmlformats.org/presentationml/2006/main">
+  <p:cSld>
+    <p:spTree>
+      <p:nvGrpSpPr>
+        <p:cNvPr id="1" name=""/>
+        <p:cNvGrpSpPr/>
+        <p:nvPr/>
+      </p:nvGrpSpPr>
+      <p:grpSpPr>
+        <a:xfrm>
+          <a:off x="0" y="0"/>
+          <a:ext cx="0" cy="0"/>
+          <a:chOff x="0" y="0"/>
+          <a:chExt cx="0" cy="0"/>
+        </a:xfrm>
+      </p:grpSpPr>
+      <p:sp>
+        <p:nvSpPr>
+          <p:cNvPr id="2" name="Title 1"/>
+          <p:cNvSpPr>
+            <a:spLocks noGrp="1"/>
+          </p:cNvSpPr>
+          <p:nvPr>
+            <p:ph type="title"/>
+          </p:nvPr>
+        </p:nvSpPr>
+        <p:spPr/>
+        <p:txBody>
+          <a:bodyPr/>
+          <a:lstStyle/>
+          <a:p>
+            <a:r>
+              <a:rPr lang="es-ES_tradnl" dirty="0" smtClean="0"/>
+              <a:t>Nuevos </a:t>
+            </a:r>
+            <a:r>
+              <a:rPr lang="es-ES_tradnl" dirty="0" err="1" smtClean="0"/>
+              <a:t>tags</a:t>
+            </a:r>
+            <a:r>
+              <a:rPr lang="es-ES_tradnl" dirty="0" smtClean="0"/>
+              <a:t> (semánticos)</a:t>
+            </a:r>
+            <a:endParaRPr lang="en-US" dirty="0"/>
+          </a:p>
+        </p:txBody>
+      </p:sp>
+      <p:sp>
+        <p:nvSpPr>
+          <p:cNvPr id="3" name="Content Placeholder 2"/>
+          <p:cNvSpPr>
+            <a:spLocks noGrp="1"/>
+          </p:cNvSpPr>
+          <p:nvPr>
+            <p:ph idx="1"/>
+          </p:nvPr>
+        </p:nvSpPr>
+        <p:spPr/>
+        <p:txBody>
+          <a:bodyPr/>
+          <a:lstStyle/>
+          <a:p>
+            <a:r>
+              <a:rPr lang="es-ES_tradnl" dirty="0"/>
+              <a:t>&lt;</a:t>
+            </a:r>
+            <a:r>
+              <a:rPr lang="es-ES_tradnl" dirty="0" err="1"/>
+              <a:t>article</a:t>
+            </a:r>
+            <a:r>
+              <a:rPr lang="es-ES_tradnl" dirty="0" smtClean="0"/>
+              <a:t>&gt; </a:t>
+            </a:r>
+            <a:r>
+              <a:rPr lang="es-ES_tradnl" dirty="0" smtClean="0">
+                <a:sym typeface="Wingdings" panose="05000000000000000000" pitchFamily="2" charset="2"/>
+              </a:rPr>
+              <a:t> unidad de información</a:t>
+            </a:r>
+            <a:endParaRPr lang="es-ES_tradnl" dirty="0"/>
+          </a:p>
+          <a:p>
+            <a:r>
+              <a:rPr lang="es-ES_tradnl" dirty="0" smtClean="0"/>
+              <a:t>&lt;</a:t>
+            </a:r>
+            <a:r>
+              <a:rPr lang="es-ES_tradnl" dirty="0" err="1" smtClean="0"/>
+              <a:t>section</a:t>
+            </a:r>
+            <a:r>
+              <a:rPr lang="es-ES_tradnl" dirty="0" smtClean="0"/>
+              <a:t>&gt; </a:t>
+            </a:r>
+            <a:r>
+              <a:rPr lang="es-ES_tradnl" dirty="0" smtClean="0">
+                <a:sym typeface="Wingdings" panose="05000000000000000000" pitchFamily="2" charset="2"/>
+              </a:rPr>
+              <a:t> grupo de unidades de información</a:t>
+            </a:r>
+            <a:endParaRPr lang="es-ES_tradnl" dirty="0" smtClean="0"/>
+          </a:p>
+          <a:p>
+            <a:r>
+              <a:rPr lang="es-ES_tradnl" dirty="0" smtClean="0"/>
+              <a:t>&lt;time&gt; </a:t>
+            </a:r>
+            <a:r>
+              <a:rPr lang="es-ES_tradnl" dirty="0" smtClean="0">
+                <a:sym typeface="Wingdings" panose="05000000000000000000" pitchFamily="2" charset="2"/>
+              </a:rPr>
+              <a:t> fecha/hora</a:t>
+            </a:r>
+            <a:endParaRPr lang="en-US" dirty="0"/>
+          </a:p>
+        </p:txBody>
+      </p:sp>
+    </p:spTree>
+    <p:extLst>
+      <p:ext uri="{BB962C8B-B14F-4D97-AF65-F5344CB8AC3E}">
+        <p14:creationId xmlns:p14="http://schemas.microsoft.com/office/powerpoint/2010/main" val="3573270690"/>
+      </p:ext>
+    </p:extLst>
+  </p:cSld>
+  <p:clrMapOvr>
+    <a:masterClrMapping/>
+  </p:clrMapOvr>
+</p:sld>
+</file>
+
+<file path=ppt/slides/slide15.xml><?xml version="1.0" encoding="utf-8"?>
+<p:sld xmlns:a="http://schemas.openxmlformats.org/drawingml/2006/main" xmlns:r="http://schemas.openxmlformats.org/officeDocument/2006/relationships" xmlns:p="http://schemas.openxmlformats.org/presentationml/2006/main">
+  <p:cSld>
+    <p:spTree>
+      <p:nvGrpSpPr>
+        <p:cNvPr id="1" name=""/>
+        <p:cNvGrpSpPr/>
+        <p:nvPr/>
+      </p:nvGrpSpPr>
+      <p:grpSpPr>
+        <a:xfrm>
+          <a:off x="0" y="0"/>
+          <a:ext cx="0" cy="0"/>
+          <a:chOff x="0" y="0"/>
+          <a:chExt cx="0" cy="0"/>
+        </a:xfrm>
+      </p:grpSpPr>
+      <p:sp>
+        <p:nvSpPr>
+          <p:cNvPr id="2" name="Title 1"/>
+          <p:cNvSpPr>
+            <a:spLocks noGrp="1"/>
+          </p:cNvSpPr>
+          <p:nvPr>
+            <p:ph type="title"/>
+          </p:nvPr>
+        </p:nvSpPr>
+        <p:spPr/>
+        <p:txBody>
+          <a:bodyPr/>
+          <a:lstStyle/>
+          <a:p>
+            <a:r>
+              <a:rPr lang="es-ES_tradnl" dirty="0" err="1" smtClean="0"/>
+              <a:t>Class</a:t>
+            </a:r>
+            <a:r>
+              <a:rPr lang="es-ES_tradnl" dirty="0" smtClean="0"/>
+              <a:t> vs Id</a:t>
+            </a:r>
+            <a:endParaRPr lang="en-US" dirty="0"/>
+          </a:p>
+        </p:txBody>
+      </p:sp>
+      <p:sp>
+        <p:nvSpPr>
+          <p:cNvPr id="3" name="Content Placeholder 2"/>
+          <p:cNvSpPr>
+            <a:spLocks noGrp="1"/>
+          </p:cNvSpPr>
+          <p:nvPr>
+            <p:ph idx="1"/>
+          </p:nvPr>
+        </p:nvSpPr>
+        <p:spPr/>
+        <p:txBody>
+          <a:bodyPr/>
+          <a:lstStyle/>
+          <a:p>
+            <a:r>
+              <a:rPr lang="es-ES_tradnl" dirty="0" err="1" smtClean="0"/>
+              <a:t>Class</a:t>
+            </a:r>
+            <a:r>
+              <a:rPr lang="es-ES_tradnl" dirty="0" smtClean="0"/>
+              <a:t> == muchas veces</a:t>
+            </a:r>
+          </a:p>
+          <a:p>
+            <a:pPr lvl="1"/>
+            <a:r>
+              <a:rPr lang="es-ES_tradnl" dirty="0" smtClean="0"/>
+              <a:t>reutilización</a:t>
+            </a:r>
+          </a:p>
+          <a:p>
+            <a:r>
+              <a:rPr lang="es-ES_tradnl" dirty="0" smtClean="0"/>
+              <a:t>Id == solo una vez</a:t>
+            </a:r>
+          </a:p>
+          <a:p>
+            <a:pPr lvl="1"/>
+            <a:r>
+              <a:rPr lang="es-ES_tradnl" dirty="0" smtClean="0"/>
+              <a:t>diferenciación</a:t>
+            </a:r>
+            <a:endParaRPr lang="en-US" dirty="0"/>
+          </a:p>
+        </p:txBody>
+      </p:sp>
+    </p:spTree>
+    <p:extLst>
+      <p:ext uri="{BB962C8B-B14F-4D97-AF65-F5344CB8AC3E}">
+        <p14:creationId xmlns:p14="http://schemas.microsoft.com/office/powerpoint/2010/main" val="1580177591"/>
+      </p:ext>
+    </p:extLst>
+  </p:cSld>
+  <p:clrMapOvr>
+    <a:masterClrMapping/>
+  </p:clrMapOvr>
+</p:sld>
+</file>
+
+<file path=ppt/slides/slide16.xml><?xml version="1.0" encoding="utf-8"?>
+<p:sld xmlns:a="http://schemas.openxmlformats.org/drawingml/2006/main" xmlns:r="http://schemas.openxmlformats.org/officeDocument/2006/relationships" xmlns:p="http://schemas.openxmlformats.org/presentationml/2006/main">
+  <p:cSld>
+    <p:spTree>
+      <p:nvGrpSpPr>
+        <p:cNvPr id="1" name=""/>
+        <p:cNvGrpSpPr/>
+        <p:nvPr/>
+      </p:nvGrpSpPr>
+      <p:grpSpPr>
+        <a:xfrm>
+          <a:off x="0" y="0"/>
+          <a:ext cx="0" cy="0"/>
+          <a:chOff x="0" y="0"/>
+          <a:chExt cx="0" cy="0"/>
+        </a:xfrm>
+      </p:grpSpPr>
+      <p:sp>
+        <p:nvSpPr>
+          <p:cNvPr id="4" name="Title 3"/>
+          <p:cNvSpPr>
+            <a:spLocks noGrp="1"/>
+          </p:cNvSpPr>
+          <p:nvPr>
+            <p:ph type="title"/>
+          </p:nvPr>
+        </p:nvSpPr>
+        <p:spPr/>
+        <p:txBody>
+          <a:bodyPr/>
+          <a:lstStyle/>
+          <a:p>
+            <a:r>
+              <a:rPr lang="es-ES_tradnl" dirty="0" smtClean="0"/>
+              <a:t>CSS :  </a:t>
+            </a:r>
+            <a:r>
+              <a:rPr lang="es-ES_tradnl" dirty="0" err="1" smtClean="0"/>
+              <a:t>Cascading</a:t>
+            </a:r>
+            <a:r>
+              <a:rPr lang="es-ES_tradnl" dirty="0" smtClean="0"/>
+              <a:t> </a:t>
+            </a:r>
+            <a:r>
+              <a:rPr lang="es-ES_tradnl" dirty="0" err="1" smtClean="0"/>
+              <a:t>style</a:t>
+            </a:r>
+            <a:r>
+              <a:rPr lang="es-ES_tradnl" dirty="0" smtClean="0"/>
+              <a:t> </a:t>
+            </a:r>
+            <a:r>
+              <a:rPr lang="es-ES_tradnl" dirty="0" err="1" smtClean="0"/>
+              <a:t>sheets</a:t>
+            </a:r>
+            <a:endParaRPr lang="en-US" dirty="0"/>
+          </a:p>
+        </p:txBody>
+      </p:sp>
+    </p:spTree>
+    <p:extLst>
+      <p:ext uri="{BB962C8B-B14F-4D97-AF65-F5344CB8AC3E}">
+        <p14:creationId xmlns:p14="http://schemas.microsoft.com/office/powerpoint/2010/main" val="769260831"/>
+      </p:ext>
+    </p:extLst>
+  </p:cSld>
+  <p:clrMapOvr>
+    <a:masterClrMapping/>
+  </p:clrMapOvr>
+</p:sld>
+</file>
+
+<file path=ppt/slides/slide17.xml><?xml version="1.0" encoding="utf-8"?>
+<p:sld xmlns:a="http://schemas.openxmlformats.org/drawingml/2006/main" xmlns:r="http://schemas.openxmlformats.org/officeDocument/2006/relationships" xmlns:p="http://schemas.openxmlformats.org/presentationml/2006/main">
+  <p:cSld>
+    <p:spTree>
+      <p:nvGrpSpPr>
+        <p:cNvPr id="1" name=""/>
+        <p:cNvGrpSpPr/>
+        <p:nvPr/>
+      </p:nvGrpSpPr>
+      <p:grpSpPr>
+        <a:xfrm>
+          <a:off x="0" y="0"/>
+          <a:ext cx="0" cy="0"/>
+          <a:chOff x="0" y="0"/>
+          <a:chExt cx="0" cy="0"/>
+        </a:xfrm>
+      </p:grpSpPr>
+      <p:sp>
+        <p:nvSpPr>
+          <p:cNvPr id="2" name="Title 1"/>
+          <p:cNvSpPr>
+            <a:spLocks noGrp="1"/>
+          </p:cNvSpPr>
+          <p:nvPr>
+            <p:ph type="title"/>
+          </p:nvPr>
+        </p:nvSpPr>
+        <p:spPr/>
+        <p:txBody>
+          <a:bodyPr/>
+          <a:lstStyle/>
+          <a:p>
+            <a:r>
+              <a:rPr lang="es-ES_tradnl" dirty="0" smtClean="0"/>
+              <a:t>Sintaxis CSS</a:t>
+            </a:r>
+            <a:endParaRPr lang="en-US" dirty="0"/>
+          </a:p>
+        </p:txBody>
+      </p:sp>
+      <p:sp>
+        <p:nvSpPr>
+          <p:cNvPr id="3" name="Content Placeholder 2"/>
+          <p:cNvSpPr>
+            <a:spLocks noGrp="1"/>
+          </p:cNvSpPr>
+          <p:nvPr>
+            <p:ph idx="1"/>
+          </p:nvPr>
+        </p:nvSpPr>
+        <p:spPr>
+          <a:xfrm>
+            <a:off x="4544792" y="3110138"/>
+            <a:ext cx="3494314" cy="2115004"/>
+          </a:xfrm>
+        </p:spPr>
+        <p:txBody>
+          <a:bodyPr/>
+          <a:lstStyle/>
+          <a:p>
+            <a:pPr marL="0" indent="0">
+              <a:buNone/>
+            </a:pPr>
+            <a:r>
+              <a:rPr lang="es-ES_tradnl" dirty="0">
+                <a:solidFill>
+                  <a:schemeClr val="accent2">
+                    <a:lumMod val="75000"/>
+                  </a:schemeClr>
+                </a:solidFill>
+              </a:rPr>
+              <a:t>s</a:t>
+            </a:r>
+            <a:r>
+              <a:rPr lang="es-ES_tradnl" dirty="0" smtClean="0">
+                <a:solidFill>
+                  <a:schemeClr val="accent2">
+                    <a:lumMod val="75000"/>
+                  </a:schemeClr>
+                </a:solidFill>
+              </a:rPr>
+              <a:t>elector {</a:t>
+            </a:r>
+          </a:p>
+          <a:p>
+            <a:pPr marL="0" indent="0">
+              <a:buNone/>
+            </a:pPr>
+            <a:r>
+              <a:rPr lang="es-ES_tradnl" dirty="0"/>
+              <a:t>	</a:t>
+            </a:r>
+            <a:r>
+              <a:rPr lang="es-ES_tradnl" dirty="0" smtClean="0">
+                <a:solidFill>
+                  <a:schemeClr val="accent6"/>
+                </a:solidFill>
+              </a:rPr>
+              <a:t>regla1</a:t>
+            </a:r>
+            <a:r>
+              <a:rPr lang="es-ES_tradnl" dirty="0" smtClean="0"/>
+              <a:t>: valor1;</a:t>
+            </a:r>
+          </a:p>
+          <a:p>
+            <a:pPr marL="0" indent="0">
+              <a:buNone/>
+            </a:pPr>
+            <a:r>
+              <a:rPr lang="es-ES_tradnl" dirty="0"/>
+              <a:t>	</a:t>
+            </a:r>
+            <a:r>
+              <a:rPr lang="es-ES_tradnl" dirty="0" smtClean="0">
+                <a:solidFill>
+                  <a:schemeClr val="accent6"/>
+                </a:solidFill>
+              </a:rPr>
+              <a:t>regla2</a:t>
+            </a:r>
+            <a:r>
+              <a:rPr lang="es-ES_tradnl" dirty="0" smtClean="0"/>
+              <a:t>: valor2;</a:t>
+            </a:r>
+          </a:p>
+          <a:p>
+            <a:pPr marL="0" indent="0">
+              <a:buNone/>
+            </a:pPr>
+            <a:r>
+              <a:rPr lang="es-ES_tradnl" dirty="0">
+                <a:solidFill>
+                  <a:schemeClr val="accent2">
+                    <a:lumMod val="75000"/>
+                  </a:schemeClr>
+                </a:solidFill>
+              </a:rPr>
+              <a:t>}</a:t>
+            </a:r>
+            <a:endParaRPr lang="en-US" dirty="0">
+              <a:solidFill>
+                <a:schemeClr val="accent2">
+                  <a:lumMod val="75000"/>
+                </a:schemeClr>
+              </a:solidFill>
+            </a:endParaRPr>
+          </a:p>
+        </p:txBody>
+      </p:sp>
+      <p:sp>
+        <p:nvSpPr>
+          <p:cNvPr id="4" name="Rounded Rectangular Callout 3"/>
+          <p:cNvSpPr/>
+          <p:nvPr/>
+        </p:nvSpPr>
+        <p:spPr>
+          <a:xfrm>
+            <a:off x="1752606" y="2148517"/>
+            <a:ext cx="2198914" cy="961621"/>
+          </a:xfrm>
+          <a:prstGeom prst="wedgeRoundRectCallout">
+            <a:avLst>
+              <a:gd name="adj1" fmla="val 78106"/>
+              <a:gd name="adj2" fmla="val 54705"/>
+              <a:gd name="adj3" fmla="val 16667"/>
+            </a:avLst>
+          </a:prstGeom>
+        </p:spPr>
+        <p:style>
+          <a:lnRef idx="2">
+            <a:schemeClr val="accent1">
+              <a:shade val="50000"/>
+            </a:schemeClr>
+          </a:lnRef>
+          <a:fillRef idx="1">
+            <a:schemeClr val="accent1"/>
+          </a:fillRef>
+          <a:effectRef idx="0">
+            <a:schemeClr val="accent1"/>
+          </a:effectRef>
+          <a:fontRef idx="minor">
+            <a:schemeClr val="lt1"/>
+          </a:fontRef>
+        </p:style>
+        <p:txBody>
+          <a:bodyPr rtlCol="0" anchor="ctr"/>
+          <a:lstStyle/>
+          <a:p>
+            <a:pPr algn="ctr"/>
+            <a:r>
+              <a:rPr lang="es-ES_tradnl" sz="3200" dirty="0" smtClean="0"/>
+              <a:t>Que se modifica</a:t>
+            </a:r>
+            <a:endParaRPr lang="en-US" sz="3200" dirty="0"/>
+          </a:p>
+        </p:txBody>
+      </p:sp>
+      <p:sp>
+        <p:nvSpPr>
+          <p:cNvPr id="5" name="Rounded Rectangular Callout 4"/>
+          <p:cNvSpPr/>
+          <p:nvPr/>
+        </p:nvSpPr>
+        <p:spPr>
+          <a:xfrm>
+            <a:off x="8382006" y="3686829"/>
+            <a:ext cx="2198914" cy="961621"/>
+          </a:xfrm>
+          <a:prstGeom prst="wedgeRoundRectCallout">
+            <a:avLst>
+              <a:gd name="adj1" fmla="val -74368"/>
+              <a:gd name="adj2" fmla="val -20009"/>
+              <a:gd name="adj3" fmla="val 16667"/>
+            </a:avLst>
+          </a:prstGeom>
+        </p:spPr>
+        <p:style>
+          <a:lnRef idx="2">
+            <a:schemeClr val="accent1">
+              <a:shade val="50000"/>
+            </a:schemeClr>
+          </a:lnRef>
+          <a:fillRef idx="1">
+            <a:schemeClr val="accent1"/>
+          </a:fillRef>
+          <a:effectRef idx="0">
+            <a:schemeClr val="accent1"/>
+          </a:effectRef>
+          <a:fontRef idx="minor">
+            <a:schemeClr val="lt1"/>
+          </a:fontRef>
+        </p:style>
+        <p:txBody>
+          <a:bodyPr rtlCol="0" anchor="ctr"/>
+          <a:lstStyle/>
+          <a:p>
+            <a:pPr algn="ctr"/>
+            <a:r>
+              <a:rPr lang="es-ES_tradnl" sz="3200" dirty="0" smtClean="0"/>
+              <a:t>Como se modifica</a:t>
+            </a:r>
+            <a:endParaRPr lang="en-US" sz="3200" dirty="0"/>
+          </a:p>
+        </p:txBody>
+      </p:sp>
+    </p:spTree>
+    <p:extLst>
+      <p:ext uri="{BB962C8B-B14F-4D97-AF65-F5344CB8AC3E}">
+        <p14:creationId xmlns:p14="http://schemas.microsoft.com/office/powerpoint/2010/main" val="3042965058"/>
+      </p:ext>
+    </p:extLst>
+  </p:cSld>
+  <p:clrMapOvr>
+    <a:masterClrMapping/>
+  </p:clrMapOvr>
+</p:sld>
+</file>
+
+<file path=ppt/slides/slide18.xml><?xml version="1.0" encoding="utf-8"?>
+<p:sld xmlns:a="http://schemas.openxmlformats.org/drawingml/2006/main" xmlns:r="http://schemas.openxmlformats.org/officeDocument/2006/relationships" xmlns:p="http://schemas.openxmlformats.org/presentationml/2006/main">
+  <p:cSld>
+    <p:spTree>
+      <p:nvGrpSpPr>
+        <p:cNvPr id="1" name=""/>
+        <p:cNvGrpSpPr/>
+        <p:nvPr/>
+      </p:nvGrpSpPr>
+      <p:grpSpPr>
+        <a:xfrm>
+          <a:off x="0" y="0"/>
+          <a:ext cx="0" cy="0"/>
+          <a:chOff x="0" y="0"/>
+          <a:chExt cx="0" cy="0"/>
+        </a:xfrm>
+      </p:grpSpPr>
+      <p:sp>
+        <p:nvSpPr>
+          <p:cNvPr id="2" name="Title 1"/>
+          <p:cNvSpPr>
+            <a:spLocks noGrp="1"/>
+          </p:cNvSpPr>
+          <p:nvPr>
+            <p:ph type="title"/>
+          </p:nvPr>
+        </p:nvSpPr>
+        <p:spPr/>
+        <p:txBody>
+          <a:bodyPr/>
+          <a:lstStyle/>
+          <a:p>
+            <a:r>
+              <a:rPr lang="es-ES_tradnl" dirty="0" smtClean="0"/>
+              <a:t>Sintaxis de selectores</a:t>
+            </a:r>
+            <a:endParaRPr lang="en-US" dirty="0"/>
+          </a:p>
+        </p:txBody>
+      </p:sp>
+      <p:sp>
+        <p:nvSpPr>
+          <p:cNvPr id="3" name="Content Placeholder 2"/>
+          <p:cNvSpPr>
+            <a:spLocks noGrp="1"/>
+          </p:cNvSpPr>
+          <p:nvPr>
+            <p:ph idx="1"/>
+          </p:nvPr>
+        </p:nvSpPr>
+        <p:spPr/>
+        <p:txBody>
+          <a:bodyPr/>
+          <a:lstStyle/>
+          <a:p>
+            <a:pPr marL="0" indent="0">
+              <a:buNone/>
+            </a:pPr>
+            <a:endParaRPr lang="es-ES_tradnl" dirty="0" smtClean="0"/>
+          </a:p>
+          <a:p>
+            <a:pPr marL="0" indent="0">
+              <a:buNone/>
+            </a:pPr>
+            <a:r>
+              <a:rPr lang="es-ES_tradnl" dirty="0" smtClean="0"/>
+              <a:t>Etiqueta </a:t>
+            </a:r>
+            <a:r>
+              <a:rPr lang="es-ES_tradnl" dirty="0" smtClean="0">
+                <a:sym typeface="Wingdings" panose="05000000000000000000" pitchFamily="2" charset="2"/>
+              </a:rPr>
+              <a:t> &lt;etiqueta&gt;</a:t>
+            </a:r>
+            <a:endParaRPr lang="es-ES_tradnl" dirty="0" smtClean="0"/>
+          </a:p>
+          <a:p>
+            <a:pPr marL="0" indent="0">
+              <a:buNone/>
+            </a:pPr>
+            <a:r>
+              <a:rPr lang="es-ES_tradnl" dirty="0" smtClean="0"/>
+              <a:t>.clase </a:t>
+            </a:r>
+            <a:r>
+              <a:rPr lang="es-ES_tradnl" dirty="0" smtClean="0">
+                <a:sym typeface="Wingdings" panose="05000000000000000000" pitchFamily="2" charset="2"/>
+              </a:rPr>
+              <a:t> </a:t>
+            </a:r>
+            <a:r>
+              <a:rPr lang="es-ES_tradnl" dirty="0" err="1" smtClean="0">
+                <a:sym typeface="Wingdings" panose="05000000000000000000" pitchFamily="2" charset="2"/>
+              </a:rPr>
+              <a:t>class</a:t>
+            </a:r>
+            <a:r>
+              <a:rPr lang="es-ES_tradnl" dirty="0" smtClean="0">
+                <a:sym typeface="Wingdings" panose="05000000000000000000" pitchFamily="2" charset="2"/>
+              </a:rPr>
+              <a:t>=“clase”</a:t>
+            </a:r>
+            <a:endParaRPr lang="es-ES_tradnl" dirty="0" smtClean="0"/>
+          </a:p>
+          <a:p>
+            <a:pPr marL="0" indent="0">
+              <a:buNone/>
+            </a:pPr>
+            <a:r>
+              <a:rPr lang="es-ES_tradnl" dirty="0" smtClean="0"/>
+              <a:t>#id </a:t>
+            </a:r>
+            <a:r>
+              <a:rPr lang="es-ES_tradnl" dirty="0" smtClean="0">
+                <a:sym typeface="Wingdings" panose="05000000000000000000" pitchFamily="2" charset="2"/>
+              </a:rPr>
+              <a:t>id=“id”</a:t>
+            </a:r>
+            <a:endParaRPr lang="en-US" dirty="0"/>
+          </a:p>
+        </p:txBody>
+      </p:sp>
+    </p:spTree>
+    <p:extLst>
+      <p:ext uri="{BB962C8B-B14F-4D97-AF65-F5344CB8AC3E}">
+        <p14:creationId xmlns:p14="http://schemas.microsoft.com/office/powerpoint/2010/main" val="660177771"/>
+      </p:ext>
+    </p:extLst>
+  </p:cSld>
+  <p:clrMapOvr>
+    <a:masterClrMapping/>
+  </p:clrMapOvr>
+</p:sld>
+</file>
+
+<file path=ppt/slides/slide19.xml><?xml version="1.0" encoding="utf-8"?>
+<p:sld xmlns:a="http://schemas.openxmlformats.org/drawingml/2006/main" xmlns:r="http://schemas.openxmlformats.org/officeDocument/2006/relationships" xmlns:p="http://schemas.openxmlformats.org/presentationml/2006/main">
+  <p:cSld>
+    <p:spTree>
+      <p:nvGrpSpPr>
+        <p:cNvPr id="1" name=""/>
+        <p:cNvGrpSpPr/>
+        <p:nvPr/>
+      </p:nvGrpSpPr>
+      <p:grpSpPr>
+        <a:xfrm>
+          <a:off x="0" y="0"/>
+          <a:ext cx="0" cy="0"/>
+          <a:chOff x="0" y="0"/>
+          <a:chExt cx="0" cy="0"/>
+        </a:xfrm>
+      </p:grpSpPr>
+      <p:sp>
+        <p:nvSpPr>
+          <p:cNvPr id="2" name="Title 1"/>
+          <p:cNvSpPr>
+            <a:spLocks noGrp="1"/>
+          </p:cNvSpPr>
+          <p:nvPr>
+            <p:ph type="title"/>
+          </p:nvPr>
+        </p:nvSpPr>
+        <p:spPr/>
+        <p:txBody>
+          <a:bodyPr/>
+          <a:lstStyle/>
+          <a:p>
+            <a:r>
+              <a:rPr lang="es-ES_tradnl" dirty="0" smtClean="0"/>
+              <a:t>Modelo de caja</a:t>
+            </a:r>
+            <a:endParaRPr lang="en-US" dirty="0"/>
+          </a:p>
+        </p:txBody>
+      </p:sp>
+      <p:sp>
+        <p:nvSpPr>
+          <p:cNvPr id="3" name="Content Placeholder 2"/>
+          <p:cNvSpPr>
+            <a:spLocks noGrp="1"/>
+          </p:cNvSpPr>
+          <p:nvPr>
+            <p:ph idx="1"/>
+          </p:nvPr>
+        </p:nvSpPr>
+        <p:spPr/>
+        <p:txBody>
+          <a:bodyPr/>
+          <a:lstStyle/>
+          <a:p>
+            <a:r>
+              <a:rPr lang="es-ES_tradnl" dirty="0" err="1" smtClean="0"/>
+              <a:t>Margin</a:t>
+            </a:r>
+            <a:r>
+              <a:rPr lang="es-ES_tradnl" dirty="0" smtClean="0"/>
+              <a:t>, </a:t>
+            </a:r>
+            <a:r>
+              <a:rPr lang="es-ES_tradnl" dirty="0" err="1" smtClean="0"/>
+              <a:t>border</a:t>
+            </a:r>
+            <a:r>
+              <a:rPr lang="es-ES_tradnl" dirty="0" smtClean="0"/>
+              <a:t>, </a:t>
+            </a:r>
+            <a:r>
+              <a:rPr lang="es-ES_tradnl" dirty="0" err="1" smtClean="0"/>
+              <a:t>padding</a:t>
+            </a:r>
+            <a:r>
+              <a:rPr lang="es-ES_tradnl" dirty="0" smtClean="0"/>
+              <a:t>, </a:t>
+            </a:r>
+            <a:r>
+              <a:rPr lang="es-ES_tradnl" dirty="0" err="1" smtClean="0"/>
+              <a:t>height</a:t>
+            </a:r>
+            <a:r>
+              <a:rPr lang="es-ES_tradnl" dirty="0" smtClean="0"/>
+              <a:t> &amp; </a:t>
+            </a:r>
+            <a:r>
+              <a:rPr lang="es-ES_tradnl" dirty="0" err="1" smtClean="0"/>
+              <a:t>width</a:t>
+            </a:r>
+            <a:endParaRPr lang="en-US" dirty="0"/>
+          </a:p>
+        </p:txBody>
+      </p:sp>
+    </p:spTree>
+    <p:extLst>
+      <p:ext uri="{BB962C8B-B14F-4D97-AF65-F5344CB8AC3E}">
+        <p14:creationId xmlns:p14="http://schemas.microsoft.com/office/powerpoint/2010/main" val="3680185540"/>
+      </p:ext>
+    </p:extLst>
+  </p:cSld>
+  <p:clrMapOvr>
+    <a:masterClrMapping/>
+  </p:clrMapOvr>
+</p:sld>
+</file>
+
 <file path=ppt/slides/slide2.xml><?xml version="1.0" encoding="utf-8"?>
 <p:sld xmlns:a="http://schemas.openxmlformats.org/drawingml/2006/main" xmlns:r="http://schemas.openxmlformats.org/officeDocument/2006/relationships" xmlns:p="http://schemas.openxmlformats.org/presentationml/2006/main">
   <p:cSld>
@@ -3111,6 +4438,237 @@
     <p:extLst>
       <p:ext uri="{BB962C8B-B14F-4D97-AF65-F5344CB8AC3E}">
         <p14:creationId xmlns:p14="http://schemas.microsoft.com/office/powerpoint/2010/main" val="2884283473"/>
+      </p:ext>
+    </p:extLst>
+  </p:cSld>
+  <p:clrMapOvr>
+    <a:masterClrMapping/>
+  </p:clrMapOvr>
+</p:sld>
+</file>
+
+<file path=ppt/slides/slide20.xml><?xml version="1.0" encoding="utf-8"?>
+<p:sld xmlns:a="http://schemas.openxmlformats.org/drawingml/2006/main" xmlns:r="http://schemas.openxmlformats.org/officeDocument/2006/relationships" xmlns:p="http://schemas.openxmlformats.org/presentationml/2006/main">
+  <p:cSld>
+    <p:spTree>
+      <p:nvGrpSpPr>
+        <p:cNvPr id="1" name=""/>
+        <p:cNvGrpSpPr/>
+        <p:nvPr/>
+      </p:nvGrpSpPr>
+      <p:grpSpPr>
+        <a:xfrm>
+          <a:off x="0" y="0"/>
+          <a:ext cx="0" cy="0"/>
+          <a:chOff x="0" y="0"/>
+          <a:chExt cx="0" cy="0"/>
+        </a:xfrm>
+      </p:grpSpPr>
+      <p:sp>
+        <p:nvSpPr>
+          <p:cNvPr id="2" name="Title 1"/>
+          <p:cNvSpPr>
+            <a:spLocks noGrp="1"/>
+          </p:cNvSpPr>
+          <p:nvPr>
+            <p:ph type="title"/>
+          </p:nvPr>
+        </p:nvSpPr>
+        <p:spPr/>
+        <p:txBody>
+          <a:bodyPr/>
+          <a:lstStyle/>
+          <a:p>
+            <a:r>
+              <a:rPr lang="es-ES_tradnl" dirty="0" smtClean="0"/>
+              <a:t>Para ver	</a:t>
+            </a:r>
+            <a:endParaRPr lang="en-US" dirty="0"/>
+          </a:p>
+        </p:txBody>
+      </p:sp>
+      <p:sp>
+        <p:nvSpPr>
+          <p:cNvPr id="3" name="Content Placeholder 2"/>
+          <p:cNvSpPr>
+            <a:spLocks noGrp="1"/>
+          </p:cNvSpPr>
+          <p:nvPr>
+            <p:ph idx="1"/>
+          </p:nvPr>
+        </p:nvSpPr>
+        <p:spPr/>
+        <p:txBody>
+          <a:bodyPr>
+            <a:normAutofit lnSpcReduction="10000"/>
+          </a:bodyPr>
+          <a:lstStyle/>
+          <a:p>
+            <a:r>
+              <a:rPr lang="en-US" dirty="0" smtClean="0">
+                <a:hlinkClick r:id="rId2"/>
+              </a:rPr>
+              <a:t>https://speakerdeck.com/shesho/html-plus-css</a:t>
+            </a:r>
+            <a:endParaRPr lang="en-US" dirty="0" smtClean="0"/>
+          </a:p>
+          <a:p>
+            <a:r>
+              <a:rPr lang="en-US" dirty="0" smtClean="0">
+                <a:hlinkClick r:id="rId3"/>
+              </a:rPr>
+              <a:t>https://speakerdeck.com/ryhan/introductory-html-and-css</a:t>
+            </a:r>
+            <a:endParaRPr lang="en-US" dirty="0" smtClean="0"/>
+          </a:p>
+          <a:p>
+            <a:endParaRPr lang="es-ES_tradnl" dirty="0" smtClean="0"/>
+          </a:p>
+          <a:p>
+            <a:r>
+              <a:rPr lang="en-US" dirty="0" smtClean="0">
+                <a:hlinkClick r:id="rId4"/>
+              </a:rPr>
+              <a:t>https://speakerdeck.com/lumilux/intro-to-html</a:t>
+            </a:r>
+            <a:endParaRPr lang="en-US" dirty="0" smtClean="0"/>
+          </a:p>
+          <a:p>
+            <a:endParaRPr lang="es-ES_tradnl" dirty="0"/>
+          </a:p>
+          <a:p>
+            <a:r>
+              <a:rPr lang="en-US" dirty="0" smtClean="0">
+                <a:hlinkClick r:id="rId5"/>
+              </a:rPr>
+              <a:t>https://speakerdeck.com/stupig/html-and-css-basics</a:t>
+            </a:r>
+            <a:endParaRPr lang="es-ES_tradnl" dirty="0"/>
+          </a:p>
+          <a:p>
+            <a:endParaRPr lang="es-ES_tradnl" dirty="0" smtClean="0"/>
+          </a:p>
+          <a:p>
+            <a:r>
+              <a:rPr lang="en-US" dirty="0" smtClean="0">
+                <a:hlinkClick r:id="rId6"/>
+              </a:rPr>
+              <a:t>https://speakerdeck.com/pacheco_hn/html-5</a:t>
+            </a:r>
+            <a:endParaRPr lang="en-US" dirty="0" smtClean="0"/>
+          </a:p>
+          <a:p>
+            <a:r>
+              <a:rPr lang="en-US" dirty="0" smtClean="0">
+                <a:hlinkClick r:id="rId7"/>
+              </a:rPr>
+              <a:t>https://speakerdeck.com/slant/html-and-css</a:t>
+            </a:r>
+            <a:endParaRPr lang="en-US" dirty="0" smtClean="0"/>
+          </a:p>
+          <a:p>
+            <a:endParaRPr lang="en-US" dirty="0"/>
+          </a:p>
+        </p:txBody>
+      </p:sp>
+    </p:spTree>
+    <p:extLst>
+      <p:ext uri="{BB962C8B-B14F-4D97-AF65-F5344CB8AC3E}">
+        <p14:creationId xmlns:p14="http://schemas.microsoft.com/office/powerpoint/2010/main" val="982115055"/>
+      </p:ext>
+    </p:extLst>
+  </p:cSld>
+  <p:clrMapOvr>
+    <a:masterClrMapping/>
+  </p:clrMapOvr>
+</p:sld>
+</file>
+
+<file path=ppt/slides/slide21.xml><?xml version="1.0" encoding="utf-8"?>
+<p:sld xmlns:a="http://schemas.openxmlformats.org/drawingml/2006/main" xmlns:r="http://schemas.openxmlformats.org/officeDocument/2006/relationships" xmlns:p="http://schemas.openxmlformats.org/presentationml/2006/main">
+  <p:cSld>
+    <p:spTree>
+      <p:nvGrpSpPr>
+        <p:cNvPr id="1" name=""/>
+        <p:cNvGrpSpPr/>
+        <p:nvPr/>
+      </p:nvGrpSpPr>
+      <p:grpSpPr>
+        <a:xfrm>
+          <a:off x="0" y="0"/>
+          <a:ext cx="0" cy="0"/>
+          <a:chOff x="0" y="0"/>
+          <a:chExt cx="0" cy="0"/>
+        </a:xfrm>
+      </p:grpSpPr>
+      <p:sp>
+        <p:nvSpPr>
+          <p:cNvPr id="2" name="Title 1"/>
+          <p:cNvSpPr>
+            <a:spLocks noGrp="1"/>
+          </p:cNvSpPr>
+          <p:nvPr>
+            <p:ph type="title"/>
+          </p:nvPr>
+        </p:nvSpPr>
+        <p:spPr/>
+        <p:txBody>
+          <a:bodyPr/>
+          <a:lstStyle/>
+          <a:p>
+            <a:r>
+              <a:rPr lang="es-ES_tradnl" dirty="0" err="1" smtClean="0"/>
+              <a:t>Frameworks</a:t>
+            </a:r>
+            <a:r>
+              <a:rPr lang="es-ES_tradnl" dirty="0" smtClean="0"/>
+              <a:t> CSS</a:t>
+            </a:r>
+            <a:endParaRPr lang="en-US" dirty="0"/>
+          </a:p>
+        </p:txBody>
+      </p:sp>
+      <p:sp>
+        <p:nvSpPr>
+          <p:cNvPr id="3" name="Content Placeholder 2"/>
+          <p:cNvSpPr>
+            <a:spLocks noGrp="1"/>
+          </p:cNvSpPr>
+          <p:nvPr>
+            <p:ph idx="1"/>
+          </p:nvPr>
+        </p:nvSpPr>
+        <p:spPr/>
+        <p:txBody>
+          <a:bodyPr/>
+          <a:lstStyle/>
+          <a:p>
+            <a:r>
+              <a:rPr lang="en-US" dirty="0" smtClean="0">
+                <a:hlinkClick r:id="rId2"/>
+              </a:rPr>
+              <a:t>http://www.getskeleton.com/</a:t>
+            </a:r>
+            <a:endParaRPr lang="en-US" dirty="0" smtClean="0"/>
+          </a:p>
+          <a:p>
+            <a:endParaRPr lang="es-ES_tradnl" dirty="0"/>
+          </a:p>
+          <a:p>
+            <a:r>
+              <a:rPr lang="en-US" smtClean="0">
+                <a:hlinkClick r:id="rId3"/>
+              </a:rPr>
+              <a:t>http://twitter.github.io/bootstrap/</a:t>
+            </a:r>
+            <a:endParaRPr lang="en-US"/>
+          </a:p>
+        </p:txBody>
+      </p:sp>
+    </p:spTree>
+    <p:extLst>
+      <p:ext uri="{BB962C8B-B14F-4D97-AF65-F5344CB8AC3E}">
+        <p14:creationId xmlns:p14="http://schemas.microsoft.com/office/powerpoint/2010/main" val="2313433037"/>
       </p:ext>
     </p:extLst>
   </p:cSld>
@@ -3340,117 +4898,630 @@
           <a:chExt cx="0" cy="0"/>
         </a:xfrm>
       </p:grpSpPr>
-      <p:sp>
-        <p:nvSpPr>
-          <p:cNvPr id="2" name="Title 1"/>
-          <p:cNvSpPr>
-            <a:spLocks noGrp="1"/>
-          </p:cNvSpPr>
-          <p:nvPr>
-            <p:ph type="title"/>
-          </p:nvPr>
-        </p:nvSpPr>
-        <p:spPr/>
-        <p:txBody>
-          <a:bodyPr/>
-          <a:lstStyle/>
-          <a:p>
-            <a:r>
-              <a:rPr lang="es-ES_tradnl" dirty="0" smtClean="0"/>
-              <a:t>Para ver	</a:t>
-            </a:r>
-            <a:endParaRPr lang="en-US" dirty="0"/>
-          </a:p>
-        </p:txBody>
-      </p:sp>
-      <p:sp>
-        <p:nvSpPr>
-          <p:cNvPr id="3" name="Content Placeholder 2"/>
-          <p:cNvSpPr>
-            <a:spLocks noGrp="1"/>
-          </p:cNvSpPr>
-          <p:nvPr>
-            <p:ph idx="1"/>
-          </p:nvPr>
-        </p:nvSpPr>
-        <p:spPr/>
-        <p:txBody>
-          <a:bodyPr>
-            <a:normAutofit lnSpcReduction="10000"/>
-          </a:bodyPr>
-          <a:lstStyle/>
-          <a:p>
-            <a:r>
-              <a:rPr lang="en-US" dirty="0" smtClean="0">
-                <a:hlinkClick r:id="rId2"/>
-              </a:rPr>
-              <a:t>https://speakerdeck.com/shesho/html-plus-css</a:t>
-            </a:r>
-            <a:endParaRPr lang="en-US" dirty="0" smtClean="0"/>
-          </a:p>
-          <a:p>
-            <a:r>
-              <a:rPr lang="en-US" dirty="0" smtClean="0">
-                <a:hlinkClick r:id="rId3"/>
-              </a:rPr>
-              <a:t>https://speakerdeck.com/ryhan/introductory-html-and-css</a:t>
-            </a:r>
-            <a:endParaRPr lang="en-US" dirty="0" smtClean="0"/>
-          </a:p>
-          <a:p>
-            <a:endParaRPr lang="es-ES_tradnl" dirty="0" smtClean="0"/>
-          </a:p>
-          <a:p>
-            <a:r>
-              <a:rPr lang="en-US" dirty="0" smtClean="0">
-                <a:hlinkClick r:id="rId4"/>
-              </a:rPr>
-              <a:t>https://speakerdeck.com/lumilux/intro-to-html</a:t>
-            </a:r>
-            <a:endParaRPr lang="en-US" dirty="0" smtClean="0"/>
-          </a:p>
-          <a:p>
-            <a:endParaRPr lang="es-ES_tradnl" dirty="0"/>
-          </a:p>
-          <a:p>
-            <a:r>
-              <a:rPr lang="en-US" dirty="0" smtClean="0">
-                <a:hlinkClick r:id="rId5"/>
-              </a:rPr>
-              <a:t>https://speakerdeck.com/stupig/html-and-css-basics</a:t>
-            </a:r>
-            <a:endParaRPr lang="es-ES_tradnl" dirty="0"/>
-          </a:p>
-          <a:p>
-            <a:endParaRPr lang="es-ES_tradnl" dirty="0" smtClean="0"/>
-          </a:p>
-          <a:p>
-            <a:r>
-              <a:rPr lang="en-US" dirty="0" smtClean="0">
-                <a:hlinkClick r:id="rId6"/>
-              </a:rPr>
-              <a:t>https://speakerdeck.com/pacheco_hn/html-5</a:t>
-            </a:r>
-            <a:endParaRPr lang="en-US" dirty="0" smtClean="0"/>
-          </a:p>
-          <a:p>
-            <a:r>
-              <a:rPr lang="en-US" dirty="0" smtClean="0">
-                <a:hlinkClick r:id="rId7"/>
-              </a:rPr>
-              <a:t>https://speakerdeck.com/slant/html-and-css</a:t>
-            </a:r>
-            <a:endParaRPr lang="en-US" dirty="0" smtClean="0"/>
-          </a:p>
-          <a:p>
-            <a:endParaRPr lang="en-US" dirty="0"/>
-          </a:p>
-        </p:txBody>
-      </p:sp>
+      <p:grpSp>
+        <p:nvGrpSpPr>
+          <p:cNvPr id="28" name="Group 27"/>
+          <p:cNvGrpSpPr/>
+          <p:nvPr/>
+        </p:nvGrpSpPr>
+        <p:grpSpPr>
+          <a:xfrm>
+            <a:off x="2783347" y="901336"/>
+            <a:ext cx="6625306" cy="5055328"/>
+            <a:chOff x="2783347" y="945405"/>
+            <a:chExt cx="6625306" cy="5055328"/>
+          </a:xfrm>
+        </p:grpSpPr>
+        <p:grpSp>
+          <p:nvGrpSpPr>
+            <p:cNvPr id="21" name="Group 20"/>
+            <p:cNvGrpSpPr/>
+            <p:nvPr/>
+          </p:nvGrpSpPr>
+          <p:grpSpPr>
+            <a:xfrm>
+              <a:off x="2783347" y="1530179"/>
+              <a:ext cx="6625306" cy="3885779"/>
+              <a:chOff x="1971523" y="772523"/>
+              <a:chExt cx="6625306" cy="3885779"/>
+            </a:xfrm>
+          </p:grpSpPr>
+          <p:pic>
+            <p:nvPicPr>
+              <p:cNvPr id="1026" name="Picture 2" descr="http://3.bp.blogspot.com/-sY7whMXT83o/UECGK-oSdeI/AAAAAAAAABM/-OXkkmppfvE/s1600/text-file-icon.png"/>
+              <p:cNvPicPr>
+                <a:picLocks noChangeAspect="1" noChangeArrowheads="1"/>
+              </p:cNvPicPr>
+              <p:nvPr/>
+            </p:nvPicPr>
+            <p:blipFill>
+              <a:blip r:embed="rId2" cstate="print">
+                <a:duotone>
+                  <a:prstClr val="black"/>
+                  <a:schemeClr val="accent2">
+                    <a:tint val="45000"/>
+                    <a:satMod val="400000"/>
+                  </a:schemeClr>
+                </a:duotone>
+                <a:extLst>
+                  <a:ext uri="{28A0092B-C50C-407E-A947-70E740481C1C}">
+                    <a14:useLocalDpi xmlns:a14="http://schemas.microsoft.com/office/drawing/2010/main" val="0"/>
+                  </a:ext>
+                </a:extLst>
+              </a:blip>
+              <a:srcRect/>
+              <a:stretch>
+                <a:fillRect/>
+              </a:stretch>
+            </p:blipFill>
+            <p:spPr bwMode="auto">
+              <a:xfrm flipV="1">
+                <a:off x="4617407" y="772523"/>
+                <a:ext cx="1408820" cy="1408820"/>
+              </a:xfrm>
+              <a:prstGeom prst="rect">
+                <a:avLst/>
+              </a:prstGeom>
+              <a:noFill/>
+              <a:extLst>
+                <a:ext uri="{909E8E84-426E-40DD-AFC4-6F175D3DCCD1}">
+                  <a14:hiddenFill xmlns:a14="http://schemas.microsoft.com/office/drawing/2010/main">
+                    <a:solidFill>
+                      <a:srgbClr val="FFFFFF"/>
+                    </a:solidFill>
+                  </a14:hiddenFill>
+                </a:ext>
+              </a:extLst>
+            </p:spPr>
+          </p:pic>
+          <p:pic>
+            <p:nvPicPr>
+              <p:cNvPr id="5" name="Picture 2" descr="http://3.bp.blogspot.com/-sY7whMXT83o/UECGK-oSdeI/AAAAAAAAABM/-OXkkmppfvE/s1600/text-file-icon.png"/>
+              <p:cNvPicPr>
+                <a:picLocks noChangeAspect="1" noChangeArrowheads="1"/>
+              </p:cNvPicPr>
+              <p:nvPr/>
+            </p:nvPicPr>
+            <p:blipFill>
+              <a:blip r:embed="rId2" cstate="print">
+                <a:duotone>
+                  <a:prstClr val="black"/>
+                  <a:schemeClr val="accent6">
+                    <a:tint val="45000"/>
+                    <a:satMod val="400000"/>
+                  </a:schemeClr>
+                </a:duotone>
+                <a:extLst>
+                  <a:ext uri="{28A0092B-C50C-407E-A947-70E740481C1C}">
+                    <a14:useLocalDpi xmlns:a14="http://schemas.microsoft.com/office/drawing/2010/main" val="0"/>
+                  </a:ext>
+                </a:extLst>
+              </a:blip>
+              <a:srcRect/>
+              <a:stretch>
+                <a:fillRect/>
+              </a:stretch>
+            </p:blipFill>
+            <p:spPr bwMode="auto">
+              <a:xfrm flipV="1">
+                <a:off x="1971523" y="3249482"/>
+                <a:ext cx="1408820" cy="1408820"/>
+              </a:xfrm>
+              <a:prstGeom prst="rect">
+                <a:avLst/>
+              </a:prstGeom>
+              <a:noFill/>
+              <a:extLst>
+                <a:ext uri="{909E8E84-426E-40DD-AFC4-6F175D3DCCD1}">
+                  <a14:hiddenFill xmlns:a14="http://schemas.microsoft.com/office/drawing/2010/main">
+                    <a:solidFill>
+                      <a:srgbClr val="FFFFFF"/>
+                    </a:solidFill>
+                  </a14:hiddenFill>
+                </a:ext>
+              </a:extLst>
+            </p:spPr>
+          </p:pic>
+          <p:pic>
+            <p:nvPicPr>
+              <p:cNvPr id="6" name="Picture 2" descr="http://3.bp.blogspot.com/-sY7whMXT83o/UECGK-oSdeI/AAAAAAAAABM/-OXkkmppfvE/s1600/text-file-icon.png"/>
+              <p:cNvPicPr>
+                <a:picLocks noChangeAspect="1" noChangeArrowheads="1"/>
+              </p:cNvPicPr>
+              <p:nvPr/>
+            </p:nvPicPr>
+            <p:blipFill>
+              <a:blip r:embed="rId2" cstate="print">
+                <a:duotone>
+                  <a:prstClr val="black"/>
+                  <a:schemeClr val="accent6">
+                    <a:tint val="45000"/>
+                    <a:satMod val="400000"/>
+                  </a:schemeClr>
+                </a:duotone>
+                <a:extLst>
+                  <a:ext uri="{28A0092B-C50C-407E-A947-70E740481C1C}">
+                    <a14:useLocalDpi xmlns:a14="http://schemas.microsoft.com/office/drawing/2010/main" val="0"/>
+                  </a:ext>
+                </a:extLst>
+              </a:blip>
+              <a:srcRect/>
+              <a:stretch>
+                <a:fillRect/>
+              </a:stretch>
+            </p:blipFill>
+            <p:spPr bwMode="auto">
+              <a:xfrm flipV="1">
+                <a:off x="3710352" y="3249482"/>
+                <a:ext cx="1408820" cy="1408820"/>
+              </a:xfrm>
+              <a:prstGeom prst="rect">
+                <a:avLst/>
+              </a:prstGeom>
+              <a:noFill/>
+              <a:extLst>
+                <a:ext uri="{909E8E84-426E-40DD-AFC4-6F175D3DCCD1}">
+                  <a14:hiddenFill xmlns:a14="http://schemas.microsoft.com/office/drawing/2010/main">
+                    <a:solidFill>
+                      <a:srgbClr val="FFFFFF"/>
+                    </a:solidFill>
+                  </a14:hiddenFill>
+                </a:ext>
+              </a:extLst>
+            </p:spPr>
+          </p:pic>
+          <p:pic>
+            <p:nvPicPr>
+              <p:cNvPr id="8" name="Picture 2" descr="http://3.bp.blogspot.com/-sY7whMXT83o/UECGK-oSdeI/AAAAAAAAABM/-OXkkmppfvE/s1600/text-file-icon.png"/>
+              <p:cNvPicPr>
+                <a:picLocks noChangeAspect="1" noChangeArrowheads="1"/>
+              </p:cNvPicPr>
+              <p:nvPr/>
+            </p:nvPicPr>
+            <p:blipFill>
+              <a:blip r:embed="rId2" cstate="print">
+                <a:duotone>
+                  <a:prstClr val="black"/>
+                  <a:schemeClr val="accent6">
+                    <a:tint val="45000"/>
+                    <a:satMod val="400000"/>
+                  </a:schemeClr>
+                </a:duotone>
+                <a:extLst>
+                  <a:ext uri="{28A0092B-C50C-407E-A947-70E740481C1C}">
+                    <a14:useLocalDpi xmlns:a14="http://schemas.microsoft.com/office/drawing/2010/main" val="0"/>
+                  </a:ext>
+                </a:extLst>
+              </a:blip>
+              <a:srcRect/>
+              <a:stretch>
+                <a:fillRect/>
+              </a:stretch>
+            </p:blipFill>
+            <p:spPr bwMode="auto">
+              <a:xfrm flipV="1">
+                <a:off x="5449181" y="3249482"/>
+                <a:ext cx="1408820" cy="1408820"/>
+              </a:xfrm>
+              <a:prstGeom prst="rect">
+                <a:avLst/>
+              </a:prstGeom>
+              <a:noFill/>
+              <a:extLst>
+                <a:ext uri="{909E8E84-426E-40DD-AFC4-6F175D3DCCD1}">
+                  <a14:hiddenFill xmlns:a14="http://schemas.microsoft.com/office/drawing/2010/main">
+                    <a:solidFill>
+                      <a:srgbClr val="FFFFFF"/>
+                    </a:solidFill>
+                  </a14:hiddenFill>
+                </a:ext>
+              </a:extLst>
+            </p:spPr>
+          </p:pic>
+          <p:pic>
+            <p:nvPicPr>
+              <p:cNvPr id="9" name="Picture 2" descr="http://3.bp.blogspot.com/-sY7whMXT83o/UECGK-oSdeI/AAAAAAAAABM/-OXkkmppfvE/s1600/text-file-icon.png"/>
+              <p:cNvPicPr>
+                <a:picLocks noChangeAspect="1" noChangeArrowheads="1"/>
+              </p:cNvPicPr>
+              <p:nvPr/>
+            </p:nvPicPr>
+            <p:blipFill>
+              <a:blip r:embed="rId2" cstate="print">
+                <a:duotone>
+                  <a:prstClr val="black"/>
+                  <a:schemeClr val="accent6">
+                    <a:tint val="45000"/>
+                    <a:satMod val="400000"/>
+                  </a:schemeClr>
+                </a:duotone>
+                <a:extLst>
+                  <a:ext uri="{28A0092B-C50C-407E-A947-70E740481C1C}">
+                    <a14:useLocalDpi xmlns:a14="http://schemas.microsoft.com/office/drawing/2010/main" val="0"/>
+                  </a:ext>
+                </a:extLst>
+              </a:blip>
+              <a:srcRect/>
+              <a:stretch>
+                <a:fillRect/>
+              </a:stretch>
+            </p:blipFill>
+            <p:spPr bwMode="auto">
+              <a:xfrm flipV="1">
+                <a:off x="7188009" y="3249482"/>
+                <a:ext cx="1408820" cy="1408820"/>
+              </a:xfrm>
+              <a:prstGeom prst="rect">
+                <a:avLst/>
+              </a:prstGeom>
+              <a:noFill/>
+              <a:extLst>
+                <a:ext uri="{909E8E84-426E-40DD-AFC4-6F175D3DCCD1}">
+                  <a14:hiddenFill xmlns:a14="http://schemas.microsoft.com/office/drawing/2010/main">
+                    <a:solidFill>
+                      <a:srgbClr val="FFFFFF"/>
+                    </a:solidFill>
+                  </a14:hiddenFill>
+                </a:ext>
+              </a:extLst>
+            </p:spPr>
+          </p:pic>
+          <p:cxnSp>
+            <p:nvCxnSpPr>
+              <p:cNvPr id="10" name="Elbow Connector 9"/>
+              <p:cNvCxnSpPr>
+                <a:stCxn id="5" idx="2"/>
+                <a:endCxn id="1026" idx="0"/>
+              </p:cNvCxnSpPr>
+              <p:nvPr/>
+            </p:nvCxnSpPr>
+            <p:spPr>
+              <a:xfrm rot="5400000" flipH="1" flipV="1">
+                <a:off x="3464806" y="1392471"/>
+                <a:ext cx="1068139" cy="2645884"/>
+              </a:xfrm>
+              <a:prstGeom prst="bentConnector3">
+                <a:avLst/>
+              </a:prstGeom>
+              <a:ln w="28575">
+                <a:tailEnd type="triangle"/>
+              </a:ln>
+            </p:spPr>
+            <p:style>
+              <a:lnRef idx="3">
+                <a:schemeClr val="dk1"/>
+              </a:lnRef>
+              <a:fillRef idx="0">
+                <a:schemeClr val="dk1"/>
+              </a:fillRef>
+              <a:effectRef idx="2">
+                <a:schemeClr val="dk1"/>
+              </a:effectRef>
+              <a:fontRef idx="minor">
+                <a:schemeClr val="tx1"/>
+              </a:fontRef>
+            </p:style>
+          </p:cxnSp>
+          <p:cxnSp>
+            <p:nvCxnSpPr>
+              <p:cNvPr id="12" name="Elbow Connector 11"/>
+              <p:cNvCxnSpPr>
+                <a:stCxn id="6" idx="2"/>
+                <a:endCxn id="1026" idx="0"/>
+              </p:cNvCxnSpPr>
+              <p:nvPr/>
+            </p:nvCxnSpPr>
+            <p:spPr>
+              <a:xfrm rot="5400000" flipH="1" flipV="1">
+                <a:off x="4334220" y="2261886"/>
+                <a:ext cx="1068139" cy="907055"/>
+              </a:xfrm>
+              <a:prstGeom prst="bentConnector3">
+                <a:avLst/>
+              </a:prstGeom>
+              <a:ln w="28575">
+                <a:tailEnd type="triangle"/>
+              </a:ln>
+            </p:spPr>
+            <p:style>
+              <a:lnRef idx="3">
+                <a:schemeClr val="dk1"/>
+              </a:lnRef>
+              <a:fillRef idx="0">
+                <a:schemeClr val="dk1"/>
+              </a:fillRef>
+              <a:effectRef idx="2">
+                <a:schemeClr val="dk1"/>
+              </a:effectRef>
+              <a:fontRef idx="minor">
+                <a:schemeClr val="tx1"/>
+              </a:fontRef>
+            </p:style>
+          </p:cxnSp>
+          <p:cxnSp>
+            <p:nvCxnSpPr>
+              <p:cNvPr id="18" name="Elbow Connector 17"/>
+              <p:cNvCxnSpPr>
+                <a:stCxn id="8" idx="2"/>
+                <a:endCxn id="1026" idx="0"/>
+              </p:cNvCxnSpPr>
+              <p:nvPr/>
+            </p:nvCxnSpPr>
+            <p:spPr>
+              <a:xfrm rot="16200000" flipV="1">
+                <a:off x="5203635" y="2299526"/>
+                <a:ext cx="1068139" cy="831774"/>
+              </a:xfrm>
+              <a:prstGeom prst="bentConnector3">
+                <a:avLst/>
+              </a:prstGeom>
+              <a:ln w="28575">
+                <a:tailEnd type="triangle"/>
+              </a:ln>
+            </p:spPr>
+            <p:style>
+              <a:lnRef idx="3">
+                <a:schemeClr val="dk1"/>
+              </a:lnRef>
+              <a:fillRef idx="0">
+                <a:schemeClr val="dk1"/>
+              </a:fillRef>
+              <a:effectRef idx="2">
+                <a:schemeClr val="dk1"/>
+              </a:effectRef>
+              <a:fontRef idx="minor">
+                <a:schemeClr val="tx1"/>
+              </a:fontRef>
+            </p:style>
+          </p:cxnSp>
+          <p:cxnSp>
+            <p:nvCxnSpPr>
+              <p:cNvPr id="20" name="Elbow Connector 19"/>
+              <p:cNvCxnSpPr>
+                <a:stCxn id="9" idx="2"/>
+                <a:endCxn id="1026" idx="0"/>
+              </p:cNvCxnSpPr>
+              <p:nvPr/>
+            </p:nvCxnSpPr>
+            <p:spPr>
+              <a:xfrm rot="16200000" flipV="1">
+                <a:off x="6073049" y="1430112"/>
+                <a:ext cx="1068139" cy="2570602"/>
+              </a:xfrm>
+              <a:prstGeom prst="bentConnector3">
+                <a:avLst/>
+              </a:prstGeom>
+              <a:ln w="28575">
+                <a:tailEnd type="triangle"/>
+              </a:ln>
+            </p:spPr>
+            <p:style>
+              <a:lnRef idx="3">
+                <a:schemeClr val="dk1"/>
+              </a:lnRef>
+              <a:fillRef idx="0">
+                <a:schemeClr val="dk1"/>
+              </a:fillRef>
+              <a:effectRef idx="2">
+                <a:schemeClr val="dk1"/>
+              </a:effectRef>
+              <a:fontRef idx="minor">
+                <a:schemeClr val="tx1"/>
+              </a:fontRef>
+            </p:style>
+          </p:cxnSp>
+        </p:grpSp>
+        <p:sp>
+          <p:nvSpPr>
+            <p:cNvPr id="22" name="TextBox 21"/>
+            <p:cNvSpPr txBox="1"/>
+            <p:nvPr/>
+          </p:nvSpPr>
+          <p:spPr>
+            <a:xfrm>
+              <a:off x="5747133" y="945405"/>
+              <a:ext cx="782587" cy="584775"/>
+            </a:xfrm>
+            <a:prstGeom prst="rect">
+              <a:avLst/>
+            </a:prstGeom>
+            <a:noFill/>
+          </p:spPr>
+          <p:txBody>
+            <a:bodyPr wrap="none" rtlCol="0">
+              <a:spAutoFit/>
+            </a:bodyPr>
+            <a:lstStyle/>
+            <a:p>
+              <a:r>
+                <a:rPr lang="es-ES_tradnl" sz="3200" dirty="0" smtClean="0">
+                  <a:solidFill>
+                    <a:srgbClr val="C00000"/>
+                  </a:solidFill>
+                </a:rPr>
+                <a:t>CSS</a:t>
+              </a:r>
+              <a:endParaRPr lang="en-US" sz="3200" dirty="0">
+                <a:solidFill>
+                  <a:srgbClr val="C00000"/>
+                </a:solidFill>
+              </a:endParaRPr>
+            </a:p>
+          </p:txBody>
+        </p:sp>
+        <p:sp>
+          <p:nvSpPr>
+            <p:cNvPr id="24" name="TextBox 23"/>
+            <p:cNvSpPr txBox="1"/>
+            <p:nvPr/>
+          </p:nvSpPr>
+          <p:spPr>
+            <a:xfrm>
+              <a:off x="2904905" y="5415958"/>
+              <a:ext cx="1165704" cy="584775"/>
+            </a:xfrm>
+            <a:prstGeom prst="rect">
+              <a:avLst/>
+            </a:prstGeom>
+            <a:noFill/>
+          </p:spPr>
+          <p:txBody>
+            <a:bodyPr wrap="none" rtlCol="0">
+              <a:spAutoFit/>
+            </a:bodyPr>
+            <a:lstStyle/>
+            <a:p>
+              <a:r>
+                <a:rPr lang="es-ES_tradnl" sz="3200" dirty="0" smtClean="0">
+                  <a:solidFill>
+                    <a:schemeClr val="accent6">
+                      <a:lumMod val="75000"/>
+                    </a:schemeClr>
+                  </a:solidFill>
+                </a:rPr>
+                <a:t>HTML</a:t>
+              </a:r>
+              <a:endParaRPr lang="en-US" sz="3200" dirty="0">
+                <a:solidFill>
+                  <a:schemeClr val="accent6">
+                    <a:lumMod val="75000"/>
+                  </a:schemeClr>
+                </a:solidFill>
+              </a:endParaRPr>
+            </a:p>
+          </p:txBody>
+        </p:sp>
+        <p:sp>
+          <p:nvSpPr>
+            <p:cNvPr id="25" name="TextBox 24"/>
+            <p:cNvSpPr txBox="1"/>
+            <p:nvPr/>
+          </p:nvSpPr>
+          <p:spPr>
+            <a:xfrm>
+              <a:off x="4643733" y="5415957"/>
+              <a:ext cx="1165704" cy="584775"/>
+            </a:xfrm>
+            <a:prstGeom prst="rect">
+              <a:avLst/>
+            </a:prstGeom>
+            <a:noFill/>
+          </p:spPr>
+          <p:txBody>
+            <a:bodyPr wrap="none" rtlCol="0">
+              <a:spAutoFit/>
+            </a:bodyPr>
+            <a:lstStyle/>
+            <a:p>
+              <a:r>
+                <a:rPr lang="es-ES_tradnl" sz="3200" dirty="0" smtClean="0">
+                  <a:solidFill>
+                    <a:schemeClr val="accent6">
+                      <a:lumMod val="75000"/>
+                    </a:schemeClr>
+                  </a:solidFill>
+                </a:rPr>
+                <a:t>HTML</a:t>
+              </a:r>
+              <a:endParaRPr lang="en-US" sz="3200" dirty="0">
+                <a:solidFill>
+                  <a:schemeClr val="accent6">
+                    <a:lumMod val="75000"/>
+                  </a:schemeClr>
+                </a:solidFill>
+              </a:endParaRPr>
+            </a:p>
+          </p:txBody>
+        </p:sp>
+        <p:sp>
+          <p:nvSpPr>
+            <p:cNvPr id="26" name="TextBox 25"/>
+            <p:cNvSpPr txBox="1"/>
+            <p:nvPr/>
+          </p:nvSpPr>
+          <p:spPr>
+            <a:xfrm>
+              <a:off x="6382563" y="5415956"/>
+              <a:ext cx="1165704" cy="584775"/>
+            </a:xfrm>
+            <a:prstGeom prst="rect">
+              <a:avLst/>
+            </a:prstGeom>
+            <a:noFill/>
+          </p:spPr>
+          <p:txBody>
+            <a:bodyPr wrap="none" rtlCol="0">
+              <a:spAutoFit/>
+            </a:bodyPr>
+            <a:lstStyle/>
+            <a:p>
+              <a:r>
+                <a:rPr lang="es-ES_tradnl" sz="3200" dirty="0" smtClean="0">
+                  <a:solidFill>
+                    <a:schemeClr val="accent6">
+                      <a:lumMod val="75000"/>
+                    </a:schemeClr>
+                  </a:solidFill>
+                </a:rPr>
+                <a:t>HTML</a:t>
+              </a:r>
+              <a:endParaRPr lang="en-US" sz="3200" dirty="0">
+                <a:solidFill>
+                  <a:schemeClr val="accent6">
+                    <a:lumMod val="75000"/>
+                  </a:schemeClr>
+                </a:solidFill>
+              </a:endParaRPr>
+            </a:p>
+          </p:txBody>
+        </p:sp>
+        <p:sp>
+          <p:nvSpPr>
+            <p:cNvPr id="27" name="TextBox 26"/>
+            <p:cNvSpPr txBox="1"/>
+            <p:nvPr/>
+          </p:nvSpPr>
+          <p:spPr>
+            <a:xfrm>
+              <a:off x="8121391" y="5415955"/>
+              <a:ext cx="1165704" cy="584775"/>
+            </a:xfrm>
+            <a:prstGeom prst="rect">
+              <a:avLst/>
+            </a:prstGeom>
+            <a:noFill/>
+          </p:spPr>
+          <p:txBody>
+            <a:bodyPr wrap="none" rtlCol="0">
+              <a:spAutoFit/>
+            </a:bodyPr>
+            <a:lstStyle/>
+            <a:p>
+              <a:r>
+                <a:rPr lang="es-ES_tradnl" sz="3200" dirty="0" smtClean="0">
+                  <a:solidFill>
+                    <a:schemeClr val="accent6">
+                      <a:lumMod val="75000"/>
+                    </a:schemeClr>
+                  </a:solidFill>
+                </a:rPr>
+                <a:t>HTML</a:t>
+              </a:r>
+              <a:endParaRPr lang="en-US" sz="3200" dirty="0">
+                <a:solidFill>
+                  <a:schemeClr val="accent6">
+                    <a:lumMod val="75000"/>
+                  </a:schemeClr>
+                </a:solidFill>
+              </a:endParaRPr>
+            </a:p>
+          </p:txBody>
+        </p:sp>
+      </p:grpSp>
     </p:spTree>
     <p:extLst>
       <p:ext uri="{BB962C8B-B14F-4D97-AF65-F5344CB8AC3E}">
-        <p14:creationId xmlns:p14="http://schemas.microsoft.com/office/powerpoint/2010/main" val="982115055"/>
+        <p14:creationId xmlns:p14="http://schemas.microsoft.com/office/powerpoint/2010/main" val="665291203"/>
       </p:ext>
     </p:extLst>
   </p:cSld>
@@ -3493,12 +5564,8 @@
           <a:lstStyle/>
           <a:p>
             <a:r>
-              <a:rPr lang="es-ES_tradnl" dirty="0" err="1" smtClean="0"/>
-              <a:t>Frameworks</a:t>
-            </a:r>
-            <a:r>
-              <a:rPr lang="es-ES_tradnl" dirty="0" smtClean="0"/>
-              <a:t> CSS</a:t>
+              <a:rPr lang="es-ES_tradnl" dirty="0" smtClean="0"/>
+              <a:t>Sintaxis HTML</a:t>
             </a:r>
             <a:endParaRPr lang="en-US" dirty="0"/>
           </a:p>
@@ -3514,37 +5581,651 @@
             <p:ph idx="1"/>
           </p:nvPr>
         </p:nvSpPr>
-        <p:spPr/>
-        <p:txBody>
-          <a:bodyPr/>
-          <a:lstStyle/>
-          <a:p>
-            <a:r>
-              <a:rPr lang="en-US" dirty="0" smtClean="0">
-                <a:hlinkClick r:id="rId2"/>
+        <p:spPr>
+          <a:xfrm>
+            <a:off x="2733102" y="2872227"/>
+            <a:ext cx="2885501" cy="1611638"/>
+          </a:xfrm>
+        </p:spPr>
+        <p:txBody>
+          <a:bodyPr/>
+          <a:lstStyle/>
+          <a:p>
+            <a:pPr marL="0" indent="0">
+              <a:buNone/>
+            </a:pPr>
+            <a:r>
+              <a:rPr lang="es-ES_tradnl" dirty="0" smtClean="0">
+                <a:solidFill>
+                  <a:schemeClr val="accent2"/>
+                </a:solidFill>
               </a:rPr>
-              <a:t>http://www.getskeleton.com/</a:t>
-            </a:r>
-            <a:endParaRPr lang="en-US" dirty="0" smtClean="0"/>
-          </a:p>
-          <a:p>
-            <a:endParaRPr lang="es-ES_tradnl" dirty="0"/>
-          </a:p>
-          <a:p>
-            <a:r>
-              <a:rPr lang="en-US" smtClean="0">
-                <a:hlinkClick r:id="rId3"/>
+              <a:t>&lt;etiqueta&gt;</a:t>
+            </a:r>
+          </a:p>
+          <a:p>
+            <a:pPr marL="0" indent="0">
+              <a:buNone/>
+            </a:pPr>
+            <a:r>
+              <a:rPr lang="es-ES_tradnl" dirty="0"/>
+              <a:t>	</a:t>
+            </a:r>
+            <a:r>
+              <a:rPr lang="es-ES_tradnl" dirty="0" smtClean="0">
+                <a:solidFill>
+                  <a:srgbClr val="00B050"/>
+                </a:solidFill>
               </a:rPr>
-              <a:t>http://twitter.github.io/bootstrap/</a:t>
-            </a:r>
-            <a:endParaRPr lang="en-US"/>
+              <a:t>contenido</a:t>
+            </a:r>
+          </a:p>
+          <a:p>
+            <a:pPr marL="0" indent="0">
+              <a:buNone/>
+            </a:pPr>
+            <a:r>
+              <a:rPr lang="es-ES_tradnl" dirty="0" smtClean="0">
+                <a:solidFill>
+                  <a:schemeClr val="accent2"/>
+                </a:solidFill>
+              </a:rPr>
+              <a:t>&lt;/etiqueta</a:t>
+            </a:r>
+            <a:r>
+              <a:rPr lang="es-ES_tradnl" dirty="0">
+                <a:solidFill>
+                  <a:schemeClr val="accent2"/>
+                </a:solidFill>
+              </a:rPr>
+              <a:t>&gt;</a:t>
+            </a:r>
+            <a:endParaRPr lang="en-US" dirty="0">
+              <a:solidFill>
+                <a:schemeClr val="accent2"/>
+              </a:solidFill>
+            </a:endParaRPr>
+          </a:p>
+        </p:txBody>
+      </p:sp>
+      <p:sp>
+        <p:nvSpPr>
+          <p:cNvPr id="4" name="Rounded Rectangular Callout 3"/>
+          <p:cNvSpPr/>
+          <p:nvPr/>
+        </p:nvSpPr>
+        <p:spPr>
+          <a:xfrm>
+            <a:off x="5051232" y="1776269"/>
+            <a:ext cx="2175831" cy="1010377"/>
+          </a:xfrm>
+          <a:prstGeom prst="wedgeRoundRectCallout">
+            <a:avLst>
+              <a:gd name="adj1" fmla="val -78555"/>
+              <a:gd name="adj2" fmla="val 62500"/>
+              <a:gd name="adj3" fmla="val 16667"/>
+            </a:avLst>
+          </a:prstGeom>
+        </p:spPr>
+        <p:style>
+          <a:lnRef idx="2">
+            <a:schemeClr val="accent1">
+              <a:shade val="50000"/>
+            </a:schemeClr>
+          </a:lnRef>
+          <a:fillRef idx="1">
+            <a:schemeClr val="accent1"/>
+          </a:fillRef>
+          <a:effectRef idx="0">
+            <a:schemeClr val="accent1"/>
+          </a:effectRef>
+          <a:fontRef idx="minor">
+            <a:schemeClr val="lt1"/>
+          </a:fontRef>
+        </p:style>
+        <p:txBody>
+          <a:bodyPr rtlCol="0" anchor="ctr"/>
+          <a:lstStyle/>
+          <a:p>
+            <a:pPr algn="ctr"/>
+            <a:r>
+              <a:rPr lang="es-ES_tradnl" sz="3200" dirty="0" smtClean="0"/>
+              <a:t>Apertura</a:t>
+            </a:r>
+            <a:endParaRPr lang="en-US" sz="3200" dirty="0"/>
+          </a:p>
+        </p:txBody>
+      </p:sp>
+      <p:sp>
+        <p:nvSpPr>
+          <p:cNvPr id="5" name="Rounded Rectangular Callout 4"/>
+          <p:cNvSpPr/>
+          <p:nvPr/>
+        </p:nvSpPr>
+        <p:spPr>
+          <a:xfrm>
+            <a:off x="4996149" y="4483865"/>
+            <a:ext cx="1779225" cy="1010377"/>
+          </a:xfrm>
+          <a:prstGeom prst="wedgeRoundRectCallout">
+            <a:avLst>
+              <a:gd name="adj1" fmla="val -78555"/>
+              <a:gd name="adj2" fmla="val -70525"/>
+              <a:gd name="adj3" fmla="val 16667"/>
+            </a:avLst>
+          </a:prstGeom>
+        </p:spPr>
+        <p:style>
+          <a:lnRef idx="2">
+            <a:schemeClr val="accent1">
+              <a:shade val="50000"/>
+            </a:schemeClr>
+          </a:lnRef>
+          <a:fillRef idx="1">
+            <a:schemeClr val="accent1"/>
+          </a:fillRef>
+          <a:effectRef idx="0">
+            <a:schemeClr val="accent1"/>
+          </a:effectRef>
+          <a:fontRef idx="minor">
+            <a:schemeClr val="lt1"/>
+          </a:fontRef>
+        </p:style>
+        <p:txBody>
+          <a:bodyPr rtlCol="0" anchor="ctr"/>
+          <a:lstStyle/>
+          <a:p>
+            <a:pPr algn="ctr"/>
+            <a:r>
+              <a:rPr lang="es-ES_tradnl" sz="3200" dirty="0" smtClean="0"/>
+              <a:t>Cierre</a:t>
+            </a:r>
+            <a:endParaRPr lang="en-US" sz="3200" dirty="0"/>
           </a:p>
         </p:txBody>
       </p:sp>
     </p:spTree>
     <p:extLst>
       <p:ext uri="{BB962C8B-B14F-4D97-AF65-F5344CB8AC3E}">
-        <p14:creationId xmlns:p14="http://schemas.microsoft.com/office/powerpoint/2010/main" val="2313433037"/>
+        <p14:creationId xmlns:p14="http://schemas.microsoft.com/office/powerpoint/2010/main" val="2483002363"/>
+      </p:ext>
+    </p:extLst>
+  </p:cSld>
+  <p:clrMapOvr>
+    <a:masterClrMapping/>
+  </p:clrMapOvr>
+</p:sld>
+</file>
+
+<file path=ppt/slides/slide7.xml><?xml version="1.0" encoding="utf-8"?>
+<p:sld xmlns:a="http://schemas.openxmlformats.org/drawingml/2006/main" xmlns:r="http://schemas.openxmlformats.org/officeDocument/2006/relationships" xmlns:p="http://schemas.openxmlformats.org/presentationml/2006/main">
+  <p:cSld>
+    <p:spTree>
+      <p:nvGrpSpPr>
+        <p:cNvPr id="1" name=""/>
+        <p:cNvGrpSpPr/>
+        <p:nvPr/>
+      </p:nvGrpSpPr>
+      <p:grpSpPr>
+        <a:xfrm>
+          <a:off x="0" y="0"/>
+          <a:ext cx="0" cy="0"/>
+          <a:chOff x="0" y="0"/>
+          <a:chExt cx="0" cy="0"/>
+        </a:xfrm>
+      </p:grpSpPr>
+      <p:sp>
+        <p:nvSpPr>
+          <p:cNvPr id="2" name="Title 1"/>
+          <p:cNvSpPr>
+            <a:spLocks noGrp="1"/>
+          </p:cNvSpPr>
+          <p:nvPr>
+            <p:ph type="title"/>
+          </p:nvPr>
+        </p:nvSpPr>
+        <p:spPr/>
+        <p:txBody>
+          <a:bodyPr/>
+          <a:lstStyle/>
+          <a:p>
+            <a:r>
+              <a:rPr lang="es-ES_tradnl" dirty="0" smtClean="0"/>
+              <a:t>Estructura básica</a:t>
+            </a:r>
+            <a:endParaRPr lang="en-US" dirty="0"/>
+          </a:p>
+        </p:txBody>
+      </p:sp>
+      <p:sp>
+        <p:nvSpPr>
+          <p:cNvPr id="3" name="Content Placeholder 2"/>
+          <p:cNvSpPr>
+            <a:spLocks noGrp="1"/>
+          </p:cNvSpPr>
+          <p:nvPr>
+            <p:ph idx="1"/>
+          </p:nvPr>
+        </p:nvSpPr>
+        <p:spPr/>
+        <p:txBody>
+          <a:bodyPr/>
+          <a:lstStyle/>
+          <a:p>
+            <a:pPr marL="0" indent="0">
+              <a:buNone/>
+            </a:pPr>
+            <a:r>
+              <a:rPr lang="es-ES_tradnl" dirty="0" smtClean="0"/>
+              <a:t>&lt;</a:t>
+            </a:r>
+            <a:r>
+              <a:rPr lang="es-ES_tradnl" dirty="0" err="1" smtClean="0"/>
+              <a:t>html</a:t>
+            </a:r>
+            <a:r>
+              <a:rPr lang="es-ES_tradnl" dirty="0" smtClean="0"/>
+              <a:t>&gt;</a:t>
+            </a:r>
+          </a:p>
+          <a:p>
+            <a:pPr marL="457200" lvl="1" indent="0">
+              <a:buNone/>
+            </a:pPr>
+            <a:r>
+              <a:rPr lang="es-ES_tradnl" dirty="0" smtClean="0">
+                <a:solidFill>
+                  <a:srgbClr val="00B050"/>
+                </a:solidFill>
+              </a:rPr>
+              <a:t>&lt;head&gt;</a:t>
+            </a:r>
+          </a:p>
+          <a:p>
+            <a:pPr marL="457200" lvl="1" indent="0">
+              <a:buNone/>
+            </a:pPr>
+            <a:r>
+              <a:rPr lang="es-ES_tradnl" dirty="0" smtClean="0">
+                <a:solidFill>
+                  <a:srgbClr val="00B050"/>
+                </a:solidFill>
+              </a:rPr>
+              <a:t>…</a:t>
+            </a:r>
+          </a:p>
+          <a:p>
+            <a:pPr marL="457200" lvl="1" indent="0">
+              <a:buNone/>
+            </a:pPr>
+            <a:r>
+              <a:rPr lang="es-ES_tradnl" dirty="0" smtClean="0">
+                <a:solidFill>
+                  <a:srgbClr val="00B050"/>
+                </a:solidFill>
+              </a:rPr>
+              <a:t>&lt;/head&gt;</a:t>
+            </a:r>
+          </a:p>
+          <a:p>
+            <a:pPr marL="457200" lvl="1" indent="0">
+              <a:buNone/>
+            </a:pPr>
+            <a:r>
+              <a:rPr lang="es-ES_tradnl" dirty="0" smtClean="0">
+                <a:solidFill>
+                  <a:schemeClr val="accent2">
+                    <a:lumMod val="75000"/>
+                  </a:schemeClr>
+                </a:solidFill>
+              </a:rPr>
+              <a:t>&lt;</a:t>
+            </a:r>
+            <a:r>
+              <a:rPr lang="es-ES_tradnl" dirty="0" err="1" smtClean="0">
+                <a:solidFill>
+                  <a:schemeClr val="accent2">
+                    <a:lumMod val="75000"/>
+                  </a:schemeClr>
+                </a:solidFill>
+              </a:rPr>
+              <a:t>body</a:t>
+            </a:r>
+            <a:r>
+              <a:rPr lang="es-ES_tradnl" dirty="0" smtClean="0">
+                <a:solidFill>
+                  <a:schemeClr val="accent2">
+                    <a:lumMod val="75000"/>
+                  </a:schemeClr>
+                </a:solidFill>
+              </a:rPr>
+              <a:t>&gt;</a:t>
+            </a:r>
+          </a:p>
+          <a:p>
+            <a:pPr marL="457200" lvl="1" indent="0">
+              <a:buNone/>
+            </a:pPr>
+            <a:r>
+              <a:rPr lang="es-ES_tradnl" dirty="0" smtClean="0">
+                <a:solidFill>
+                  <a:schemeClr val="accent2">
+                    <a:lumMod val="75000"/>
+                  </a:schemeClr>
+                </a:solidFill>
+              </a:rPr>
+              <a:t>…</a:t>
+            </a:r>
+          </a:p>
+          <a:p>
+            <a:pPr marL="457200" lvl="1" indent="0">
+              <a:buNone/>
+            </a:pPr>
+            <a:r>
+              <a:rPr lang="es-ES_tradnl" dirty="0" smtClean="0">
+                <a:solidFill>
+                  <a:schemeClr val="accent2">
+                    <a:lumMod val="75000"/>
+                  </a:schemeClr>
+                </a:solidFill>
+              </a:rPr>
+              <a:t>&lt;/</a:t>
+            </a:r>
+            <a:r>
+              <a:rPr lang="es-ES_tradnl" dirty="0" err="1" smtClean="0">
+                <a:solidFill>
+                  <a:schemeClr val="accent2">
+                    <a:lumMod val="75000"/>
+                  </a:schemeClr>
+                </a:solidFill>
+              </a:rPr>
+              <a:t>body</a:t>
+            </a:r>
+            <a:r>
+              <a:rPr lang="es-ES_tradnl" dirty="0" smtClean="0">
+                <a:solidFill>
+                  <a:schemeClr val="accent2">
+                    <a:lumMod val="75000"/>
+                  </a:schemeClr>
+                </a:solidFill>
+              </a:rPr>
+              <a:t>&gt;</a:t>
+            </a:r>
+          </a:p>
+          <a:p>
+            <a:pPr marL="0" indent="0">
+              <a:buNone/>
+            </a:pPr>
+            <a:r>
+              <a:rPr lang="es-ES_tradnl" dirty="0" smtClean="0"/>
+              <a:t>&lt;/</a:t>
+            </a:r>
+            <a:r>
+              <a:rPr lang="es-ES_tradnl" dirty="0" err="1" smtClean="0"/>
+              <a:t>html</a:t>
+            </a:r>
+            <a:r>
+              <a:rPr lang="es-ES_tradnl" dirty="0" smtClean="0"/>
+              <a:t>&gt;</a:t>
+            </a:r>
+            <a:endParaRPr lang="en-US" dirty="0"/>
+          </a:p>
+        </p:txBody>
+      </p:sp>
+    </p:spTree>
+    <p:extLst>
+      <p:ext uri="{BB962C8B-B14F-4D97-AF65-F5344CB8AC3E}">
+        <p14:creationId xmlns:p14="http://schemas.microsoft.com/office/powerpoint/2010/main" val="2347869269"/>
+      </p:ext>
+    </p:extLst>
+  </p:cSld>
+  <p:clrMapOvr>
+    <a:masterClrMapping/>
+  </p:clrMapOvr>
+</p:sld>
+</file>
+
+<file path=ppt/slides/slide8.xml><?xml version="1.0" encoding="utf-8"?>
+<p:sld xmlns:a="http://schemas.openxmlformats.org/drawingml/2006/main" xmlns:r="http://schemas.openxmlformats.org/officeDocument/2006/relationships" xmlns:p="http://schemas.openxmlformats.org/presentationml/2006/main">
+  <p:cSld>
+    <p:spTree>
+      <p:nvGrpSpPr>
+        <p:cNvPr id="1" name=""/>
+        <p:cNvGrpSpPr/>
+        <p:nvPr/>
+      </p:nvGrpSpPr>
+      <p:grpSpPr>
+        <a:xfrm>
+          <a:off x="0" y="0"/>
+          <a:ext cx="0" cy="0"/>
+          <a:chOff x="0" y="0"/>
+          <a:chExt cx="0" cy="0"/>
+        </a:xfrm>
+      </p:grpSpPr>
+      <p:sp>
+        <p:nvSpPr>
+          <p:cNvPr id="2" name="Title 1"/>
+          <p:cNvSpPr>
+            <a:spLocks noGrp="1"/>
+          </p:cNvSpPr>
+          <p:nvPr>
+            <p:ph type="title"/>
+          </p:nvPr>
+        </p:nvSpPr>
+        <p:spPr/>
+        <p:txBody>
+          <a:bodyPr/>
+          <a:lstStyle/>
+          <a:p>
+            <a:r>
+              <a:rPr lang="es-ES_tradnl" dirty="0" smtClean="0"/>
+              <a:t>Modelo basado en cajas</a:t>
+            </a:r>
+            <a:endParaRPr lang="en-US" dirty="0"/>
+          </a:p>
+        </p:txBody>
+      </p:sp>
+      <p:sp>
+        <p:nvSpPr>
+          <p:cNvPr id="3" name="Content Placeholder 2"/>
+          <p:cNvSpPr>
+            <a:spLocks noGrp="1"/>
+          </p:cNvSpPr>
+          <p:nvPr>
+            <p:ph idx="1"/>
+          </p:nvPr>
+        </p:nvSpPr>
+        <p:spPr/>
+        <p:txBody>
+          <a:bodyPr/>
+          <a:lstStyle/>
+          <a:p>
+            <a:r>
+              <a:rPr lang="es-ES_tradnl" dirty="0" err="1" smtClean="0"/>
+              <a:t>Boxing</a:t>
+            </a:r>
+            <a:r>
+              <a:rPr lang="es-ES_tradnl" dirty="0" smtClean="0"/>
+              <a:t> vs </a:t>
+            </a:r>
+            <a:r>
+              <a:rPr lang="es-ES_tradnl" dirty="0" err="1" smtClean="0"/>
+              <a:t>inline</a:t>
+            </a:r>
+            <a:endParaRPr lang="en-US" dirty="0"/>
+          </a:p>
+        </p:txBody>
+      </p:sp>
+    </p:spTree>
+    <p:extLst>
+      <p:ext uri="{BB962C8B-B14F-4D97-AF65-F5344CB8AC3E}">
+        <p14:creationId xmlns:p14="http://schemas.microsoft.com/office/powerpoint/2010/main" val="3714999485"/>
+      </p:ext>
+    </p:extLst>
+  </p:cSld>
+  <p:clrMapOvr>
+    <a:masterClrMapping/>
+  </p:clrMapOvr>
+</p:sld>
+</file>
+
+<file path=ppt/slides/slide9.xml><?xml version="1.0" encoding="utf-8"?>
+<p:sld xmlns:a="http://schemas.openxmlformats.org/drawingml/2006/main" xmlns:r="http://schemas.openxmlformats.org/officeDocument/2006/relationships" xmlns:p="http://schemas.openxmlformats.org/presentationml/2006/main">
+  <p:cSld>
+    <p:spTree>
+      <p:nvGrpSpPr>
+        <p:cNvPr id="1" name=""/>
+        <p:cNvGrpSpPr/>
+        <p:nvPr/>
+      </p:nvGrpSpPr>
+      <p:grpSpPr>
+        <a:xfrm>
+          <a:off x="0" y="0"/>
+          <a:ext cx="0" cy="0"/>
+          <a:chOff x="0" y="0"/>
+          <a:chExt cx="0" cy="0"/>
+        </a:xfrm>
+      </p:grpSpPr>
+      <p:sp>
+        <p:nvSpPr>
+          <p:cNvPr id="2" name="Title 1"/>
+          <p:cNvSpPr>
+            <a:spLocks noGrp="1"/>
+          </p:cNvSpPr>
+          <p:nvPr>
+            <p:ph type="title"/>
+          </p:nvPr>
+        </p:nvSpPr>
+        <p:spPr/>
+        <p:txBody>
+          <a:bodyPr/>
+          <a:lstStyle/>
+          <a:p>
+            <a:r>
+              <a:rPr lang="es-ES_tradnl" dirty="0" smtClean="0"/>
+              <a:t>Elementos Básicos </a:t>
+            </a:r>
+            <a:r>
+              <a:rPr lang="es-ES_tradnl" dirty="0" err="1" smtClean="0"/>
+              <a:t>body</a:t>
+            </a:r>
+            <a:endParaRPr lang="en-US" dirty="0"/>
+          </a:p>
+        </p:txBody>
+      </p:sp>
+      <p:sp>
+        <p:nvSpPr>
+          <p:cNvPr id="3" name="Content Placeholder 2"/>
+          <p:cNvSpPr>
+            <a:spLocks noGrp="1"/>
+          </p:cNvSpPr>
+          <p:nvPr>
+            <p:ph idx="1"/>
+          </p:nvPr>
+        </p:nvSpPr>
+        <p:spPr/>
+        <p:txBody>
+          <a:bodyPr>
+            <a:normAutofit lnSpcReduction="10000"/>
+          </a:bodyPr>
+          <a:lstStyle/>
+          <a:p>
+            <a:r>
+              <a:rPr lang="es-ES_tradnl" dirty="0" smtClean="0"/>
+              <a:t>&lt;p&gt;</a:t>
+            </a:r>
+          </a:p>
+          <a:p>
+            <a:r>
+              <a:rPr lang="es-ES_tradnl" dirty="0" smtClean="0"/>
+              <a:t>&lt;a&gt;</a:t>
+            </a:r>
+          </a:p>
+          <a:p>
+            <a:r>
+              <a:rPr lang="es-ES_tradnl" dirty="0" smtClean="0"/>
+              <a:t>&lt;</a:t>
+            </a:r>
+            <a:r>
+              <a:rPr lang="es-ES_tradnl" dirty="0" err="1"/>
+              <a:t>s</a:t>
+            </a:r>
+            <a:r>
+              <a:rPr lang="es-ES_tradnl" dirty="0" err="1" smtClean="0"/>
+              <a:t>trong</a:t>
+            </a:r>
+            <a:r>
+              <a:rPr lang="es-ES_tradnl" dirty="0" smtClean="0"/>
+              <a:t>&gt;</a:t>
+            </a:r>
+          </a:p>
+          <a:p>
+            <a:r>
+              <a:rPr lang="es-ES_tradnl" dirty="0" smtClean="0"/>
+              <a:t>&lt;</a:t>
+            </a:r>
+            <a:r>
+              <a:rPr lang="es-ES_tradnl" dirty="0" err="1" smtClean="0"/>
+              <a:t>em</a:t>
+            </a:r>
+            <a:r>
+              <a:rPr lang="es-ES_tradnl" dirty="0" smtClean="0"/>
+              <a:t>&gt;</a:t>
+            </a:r>
+          </a:p>
+          <a:p>
+            <a:r>
+              <a:rPr lang="es-ES_tradnl" dirty="0" smtClean="0"/>
+              <a:t>&lt;h1&gt; &lt;h2&gt; … &lt;h6&gt;</a:t>
+            </a:r>
+          </a:p>
+          <a:p>
+            <a:r>
+              <a:rPr lang="es-ES_tradnl" dirty="0" smtClean="0"/>
+              <a:t>&lt;div&gt;</a:t>
+            </a:r>
+          </a:p>
+          <a:p>
+            <a:r>
+              <a:rPr lang="es-ES_tradnl" dirty="0" smtClean="0"/>
+              <a:t>&lt;</a:t>
+            </a:r>
+            <a:r>
+              <a:rPr lang="es-ES_tradnl" dirty="0" err="1" smtClean="0"/>
+              <a:t>span</a:t>
+            </a:r>
+            <a:r>
+              <a:rPr lang="es-ES_tradnl" dirty="0" smtClean="0"/>
+              <a:t>&gt;</a:t>
+            </a:r>
+          </a:p>
+          <a:p>
+            <a:r>
+              <a:rPr lang="es-ES_tradnl" dirty="0" smtClean="0"/>
+              <a:t>&lt;</a:t>
+            </a:r>
+            <a:r>
+              <a:rPr lang="es-ES_tradnl" dirty="0" err="1" smtClean="0"/>
+              <a:t>img</a:t>
+            </a:r>
+            <a:r>
+              <a:rPr lang="es-ES_tradnl" dirty="0" smtClean="0"/>
+              <a:t>&gt;</a:t>
+            </a:r>
+          </a:p>
+          <a:p>
+            <a:r>
+              <a:rPr lang="es-ES_tradnl" dirty="0" smtClean="0"/>
+              <a:t>&lt;input&gt;</a:t>
+            </a:r>
+            <a:endParaRPr lang="en-US" dirty="0"/>
+          </a:p>
+        </p:txBody>
+      </p:sp>
+    </p:spTree>
+    <p:extLst>
+      <p:ext uri="{BB962C8B-B14F-4D97-AF65-F5344CB8AC3E}">
+        <p14:creationId xmlns:p14="http://schemas.microsoft.com/office/powerpoint/2010/main" val="1457222021"/>
       </p:ext>
     </p:extLst>
   </p:cSld>

--- a/Slides/Clase.pptx
+++ b/Slides/Clase.pptx
@@ -4,28 +4,41 @@
   <p:sldMasterIdLst>
     <p:sldMasterId id="2147483648" r:id="rId1"/>
   </p:sldMasterIdLst>
+  <p:notesMasterIdLst>
+    <p:notesMasterId r:id="rId33"/>
+  </p:notesMasterIdLst>
   <p:sldIdLst>
     <p:sldId id="256" r:id="rId2"/>
     <p:sldId id="258" r:id="rId3"/>
     <p:sldId id="260" r:id="rId4"/>
-    <p:sldId id="257" r:id="rId5"/>
-    <p:sldId id="262" r:id="rId6"/>
-    <p:sldId id="263" r:id="rId7"/>
-    <p:sldId id="265" r:id="rId8"/>
-    <p:sldId id="267" r:id="rId9"/>
-    <p:sldId id="264" r:id="rId10"/>
-    <p:sldId id="266" r:id="rId11"/>
-    <p:sldId id="268" r:id="rId12"/>
-    <p:sldId id="269" r:id="rId13"/>
-    <p:sldId id="270" r:id="rId14"/>
-    <p:sldId id="271" r:id="rId15"/>
-    <p:sldId id="272" r:id="rId16"/>
-    <p:sldId id="274" r:id="rId17"/>
-    <p:sldId id="273" r:id="rId18"/>
-    <p:sldId id="275" r:id="rId19"/>
-    <p:sldId id="276" r:id="rId20"/>
-    <p:sldId id="259" r:id="rId21"/>
-    <p:sldId id="261" r:id="rId22"/>
+    <p:sldId id="277" r:id="rId5"/>
+    <p:sldId id="278" r:id="rId6"/>
+    <p:sldId id="257" r:id="rId7"/>
+    <p:sldId id="262" r:id="rId8"/>
+    <p:sldId id="263" r:id="rId9"/>
+    <p:sldId id="282" r:id="rId10"/>
+    <p:sldId id="265" r:id="rId11"/>
+    <p:sldId id="267" r:id="rId12"/>
+    <p:sldId id="264" r:id="rId13"/>
+    <p:sldId id="266" r:id="rId14"/>
+    <p:sldId id="268" r:id="rId15"/>
+    <p:sldId id="269" r:id="rId16"/>
+    <p:sldId id="270" r:id="rId17"/>
+    <p:sldId id="271" r:id="rId18"/>
+    <p:sldId id="280" r:id="rId19"/>
+    <p:sldId id="272" r:id="rId20"/>
+    <p:sldId id="274" r:id="rId21"/>
+    <p:sldId id="273" r:id="rId22"/>
+    <p:sldId id="279" r:id="rId23"/>
+    <p:sldId id="275" r:id="rId24"/>
+    <p:sldId id="285" r:id="rId25"/>
+    <p:sldId id="284" r:id="rId26"/>
+    <p:sldId id="276" r:id="rId27"/>
+    <p:sldId id="286" r:id="rId28"/>
+    <p:sldId id="287" r:id="rId29"/>
+    <p:sldId id="259" r:id="rId30"/>
+    <p:sldId id="261" r:id="rId31"/>
+    <p:sldId id="283" r:id="rId32"/>
   </p:sldIdLst>
   <p:sldSz cx="12192000" cy="6858000"/>
   <p:notesSz cx="6858000" cy="9144000"/>
@@ -132,6 +145,763 @@
 </p:presentation>
 </file>
 
+<file path=ppt/commentAuthors.xml><?xml version="1.0" encoding="utf-8"?>
+<p:cmAuthorLst xmlns:a="http://schemas.openxmlformats.org/drawingml/2006/main" xmlns:r="http://schemas.openxmlformats.org/officeDocument/2006/relationships" xmlns:p="http://schemas.openxmlformats.org/presentationml/2006/main">
+  <p:cmAuthor id="1" name="Nicolás Bello Camilletti" initials="NBC" lastIdx="2" clrIdx="0">
+    <p:extLst>
+      <p:ext uri="{19B8F6BF-5375-455C-9EA6-DF929625EA0E}">
+        <p15:presenceInfo xmlns:p15="http://schemas.microsoft.com/office/powerpoint/2012/main" userId="f22474c758a67a7a" providerId="Windows Live"/>
+      </p:ext>
+    </p:extLst>
+  </p:cmAuthor>
+</p:cmAuthorLst>
+</file>
+
+<file path=ppt/comments/comment1.xml><?xml version="1.0" encoding="utf-8"?>
+<p:cmLst xmlns:a="http://schemas.openxmlformats.org/drawingml/2006/main" xmlns:r="http://schemas.openxmlformats.org/officeDocument/2006/relationships" xmlns:p="http://schemas.openxmlformats.org/presentationml/2006/main">
+  <p:cm authorId="1" dt="2013-06-03T08:53:21.128" idx="2">
+    <p:pos x="10" y="10"/>
+    <p:text>ver como mejorar la presentación de este tema</p:text>
+    <p:extLst>
+      <p:ext uri="{C676402C-5697-4E1C-873F-D02D1690AC5C}">
+        <p15:threadingInfo xmlns:p15="http://schemas.microsoft.com/office/powerpoint/2012/main" timeZoneBias="180"/>
+      </p:ext>
+    </p:extLst>
+  </p:cm>
+</p:cmLst>
+</file>
+
+<file path=ppt/comments/comment2.xml><?xml version="1.0" encoding="utf-8"?>
+<p:cmLst xmlns:a="http://schemas.openxmlformats.org/drawingml/2006/main" xmlns:r="http://schemas.openxmlformats.org/officeDocument/2006/relationships" xmlns:p="http://schemas.openxmlformats.org/presentationml/2006/main">
+  <p:cm authorId="1" dt="2013-06-03T08:53:05.655" idx="1">
+    <p:pos x="1130" y="1978"/>
+    <p:text>Separar en algo mas consumible</p:text>
+    <p:extLst>
+      <p:ext uri="{C676402C-5697-4E1C-873F-D02D1690AC5C}">
+        <p15:threadingInfo xmlns:p15="http://schemas.microsoft.com/office/powerpoint/2012/main" timeZoneBias="180"/>
+      </p:ext>
+    </p:extLst>
+  </p:cm>
+</p:cmLst>
+</file>
+
+<file path=ppt/notesMasters/notesMaster1.xml><?xml version="1.0" encoding="utf-8"?>
+<p:notesMaster xmlns:a="http://schemas.openxmlformats.org/drawingml/2006/main" xmlns:r="http://schemas.openxmlformats.org/officeDocument/2006/relationships" xmlns:p="http://schemas.openxmlformats.org/presentationml/2006/main">
+  <p:cSld>
+    <p:bg>
+      <p:bgRef idx="1001">
+        <a:schemeClr val="bg1"/>
+      </p:bgRef>
+    </p:bg>
+    <p:spTree>
+      <p:nvGrpSpPr>
+        <p:cNvPr id="1" name=""/>
+        <p:cNvGrpSpPr/>
+        <p:nvPr/>
+      </p:nvGrpSpPr>
+      <p:grpSpPr>
+        <a:xfrm>
+          <a:off x="0" y="0"/>
+          <a:ext cx="0" cy="0"/>
+          <a:chOff x="0" y="0"/>
+          <a:chExt cx="0" cy="0"/>
+        </a:xfrm>
+      </p:grpSpPr>
+      <p:sp>
+        <p:nvSpPr>
+          <p:cNvPr id="2" name="Header Placeholder 1"/>
+          <p:cNvSpPr>
+            <a:spLocks noGrp="1"/>
+          </p:cNvSpPr>
+          <p:nvPr>
+            <p:ph type="hdr" sz="quarter"/>
+          </p:nvPr>
+        </p:nvSpPr>
+        <p:spPr>
+          <a:xfrm>
+            <a:off x="0" y="0"/>
+            <a:ext cx="2971800" cy="458788"/>
+          </a:xfrm>
+          <a:prstGeom prst="rect">
+            <a:avLst/>
+          </a:prstGeom>
+        </p:spPr>
+        <p:txBody>
+          <a:bodyPr vert="horz" lIns="91440" tIns="45720" rIns="91440" bIns="45720" rtlCol="0"/>
+          <a:lstStyle>
+            <a:lvl1pPr algn="l">
+              <a:defRPr sz="1200"/>
+            </a:lvl1pPr>
+          </a:lstStyle>
+          <a:p>
+            <a:endParaRPr lang="en-US"/>
+          </a:p>
+        </p:txBody>
+      </p:sp>
+      <p:sp>
+        <p:nvSpPr>
+          <p:cNvPr id="3" name="Date Placeholder 2"/>
+          <p:cNvSpPr>
+            <a:spLocks noGrp="1"/>
+          </p:cNvSpPr>
+          <p:nvPr>
+            <p:ph type="dt" idx="1"/>
+          </p:nvPr>
+        </p:nvSpPr>
+        <p:spPr>
+          <a:xfrm>
+            <a:off x="3884613" y="0"/>
+            <a:ext cx="2971800" cy="458788"/>
+          </a:xfrm>
+          <a:prstGeom prst="rect">
+            <a:avLst/>
+          </a:prstGeom>
+        </p:spPr>
+        <p:txBody>
+          <a:bodyPr vert="horz" lIns="91440" tIns="45720" rIns="91440" bIns="45720" rtlCol="0"/>
+          <a:lstStyle>
+            <a:lvl1pPr algn="r">
+              <a:defRPr sz="1200"/>
+            </a:lvl1pPr>
+          </a:lstStyle>
+          <a:p>
+            <a:fld id="{9EE80FC8-2411-480F-8805-F0ECF3A4843D}" type="datetimeFigureOut">
+              <a:rPr lang="en-US" smtClean="0"/>
+              <a:t>6/3/2013</a:t>
+            </a:fld>
+            <a:endParaRPr lang="en-US"/>
+          </a:p>
+        </p:txBody>
+      </p:sp>
+      <p:sp>
+        <p:nvSpPr>
+          <p:cNvPr id="4" name="Slide Image Placeholder 3"/>
+          <p:cNvSpPr>
+            <a:spLocks noGrp="1" noRot="1" noChangeAspect="1"/>
+          </p:cNvSpPr>
+          <p:nvPr>
+            <p:ph type="sldImg" idx="2"/>
+          </p:nvPr>
+        </p:nvSpPr>
+        <p:spPr>
+          <a:xfrm>
+            <a:off x="685800" y="1143000"/>
+            <a:ext cx="5486400" cy="3086100"/>
+          </a:xfrm>
+          <a:prstGeom prst="rect">
+            <a:avLst/>
+          </a:prstGeom>
+          <a:noFill/>
+          <a:ln w="12700">
+            <a:solidFill>
+              <a:prstClr val="black"/>
+            </a:solidFill>
+          </a:ln>
+        </p:spPr>
+        <p:txBody>
+          <a:bodyPr vert="horz" lIns="91440" tIns="45720" rIns="91440" bIns="45720" rtlCol="0" anchor="ctr"/>
+          <a:lstStyle/>
+          <a:p>
+            <a:endParaRPr lang="en-US"/>
+          </a:p>
+        </p:txBody>
+      </p:sp>
+      <p:sp>
+        <p:nvSpPr>
+          <p:cNvPr id="5" name="Notes Placeholder 4"/>
+          <p:cNvSpPr>
+            <a:spLocks noGrp="1"/>
+          </p:cNvSpPr>
+          <p:nvPr>
+            <p:ph type="body" sz="quarter" idx="3"/>
+          </p:nvPr>
+        </p:nvSpPr>
+        <p:spPr>
+          <a:xfrm>
+            <a:off x="685800" y="4400550"/>
+            <a:ext cx="5486400" cy="3600450"/>
+          </a:xfrm>
+          <a:prstGeom prst="rect">
+            <a:avLst/>
+          </a:prstGeom>
+        </p:spPr>
+        <p:txBody>
+          <a:bodyPr vert="horz" lIns="91440" tIns="45720" rIns="91440" bIns="45720" rtlCol="0"/>
+          <a:lstStyle/>
+          <a:p>
+            <a:pPr lvl="0"/>
+            <a:r>
+              <a:rPr lang="en-US" smtClean="0"/>
+              <a:t>Click to edit Master text styles</a:t>
+            </a:r>
+          </a:p>
+          <a:p>
+            <a:pPr lvl="1"/>
+            <a:r>
+              <a:rPr lang="en-US" smtClean="0"/>
+              <a:t>Second level</a:t>
+            </a:r>
+          </a:p>
+          <a:p>
+            <a:pPr lvl="2"/>
+            <a:r>
+              <a:rPr lang="en-US" smtClean="0"/>
+              <a:t>Third level</a:t>
+            </a:r>
+          </a:p>
+          <a:p>
+            <a:pPr lvl="3"/>
+            <a:r>
+              <a:rPr lang="en-US" smtClean="0"/>
+              <a:t>Fourth level</a:t>
+            </a:r>
+          </a:p>
+          <a:p>
+            <a:pPr lvl="4"/>
+            <a:r>
+              <a:rPr lang="en-US" smtClean="0"/>
+              <a:t>Fifth level</a:t>
+            </a:r>
+            <a:endParaRPr lang="en-US"/>
+          </a:p>
+        </p:txBody>
+      </p:sp>
+      <p:sp>
+        <p:nvSpPr>
+          <p:cNvPr id="6" name="Footer Placeholder 5"/>
+          <p:cNvSpPr>
+            <a:spLocks noGrp="1"/>
+          </p:cNvSpPr>
+          <p:nvPr>
+            <p:ph type="ftr" sz="quarter" idx="4"/>
+          </p:nvPr>
+        </p:nvSpPr>
+        <p:spPr>
+          <a:xfrm>
+            <a:off x="0" y="8685213"/>
+            <a:ext cx="2971800" cy="458787"/>
+          </a:xfrm>
+          <a:prstGeom prst="rect">
+            <a:avLst/>
+          </a:prstGeom>
+        </p:spPr>
+        <p:txBody>
+          <a:bodyPr vert="horz" lIns="91440" tIns="45720" rIns="91440" bIns="45720" rtlCol="0" anchor="b"/>
+          <a:lstStyle>
+            <a:lvl1pPr algn="l">
+              <a:defRPr sz="1200"/>
+            </a:lvl1pPr>
+          </a:lstStyle>
+          <a:p>
+            <a:endParaRPr lang="en-US"/>
+          </a:p>
+        </p:txBody>
+      </p:sp>
+      <p:sp>
+        <p:nvSpPr>
+          <p:cNvPr id="7" name="Slide Number Placeholder 6"/>
+          <p:cNvSpPr>
+            <a:spLocks noGrp="1"/>
+          </p:cNvSpPr>
+          <p:nvPr>
+            <p:ph type="sldNum" sz="quarter" idx="5"/>
+          </p:nvPr>
+        </p:nvSpPr>
+        <p:spPr>
+          <a:xfrm>
+            <a:off x="3884613" y="8685213"/>
+            <a:ext cx="2971800" cy="458787"/>
+          </a:xfrm>
+          <a:prstGeom prst="rect">
+            <a:avLst/>
+          </a:prstGeom>
+        </p:spPr>
+        <p:txBody>
+          <a:bodyPr vert="horz" lIns="91440" tIns="45720" rIns="91440" bIns="45720" rtlCol="0" anchor="b"/>
+          <a:lstStyle>
+            <a:lvl1pPr algn="r">
+              <a:defRPr sz="1200"/>
+            </a:lvl1pPr>
+          </a:lstStyle>
+          <a:p>
+            <a:fld id="{33490EC4-9ED2-4743-9A12-62D7D00FD99C}" type="slidenum">
+              <a:rPr lang="en-US" smtClean="0"/>
+              <a:t>‹#›</a:t>
+            </a:fld>
+            <a:endParaRPr lang="en-US"/>
+          </a:p>
+        </p:txBody>
+      </p:sp>
+    </p:spTree>
+    <p:extLst>
+      <p:ext uri="{BB962C8B-B14F-4D97-AF65-F5344CB8AC3E}">
+        <p14:creationId xmlns:p14="http://schemas.microsoft.com/office/powerpoint/2010/main" val="3541218989"/>
+      </p:ext>
+    </p:extLst>
+  </p:cSld>
+  <p:clrMap bg1="lt1" tx1="dk1" bg2="lt2" tx2="dk2" accent1="accent1" accent2="accent2" accent3="accent3" accent4="accent4" accent5="accent5" accent6="accent6" hlink="hlink" folHlink="folHlink"/>
+  <p:notesStyle>
+    <a:lvl1pPr marL="0" algn="l" defTabSz="914400" rtl="0" eaLnBrk="1" latinLnBrk="0" hangingPunct="1">
+      <a:defRPr sz="1200" kern="1200">
+        <a:solidFill>
+          <a:schemeClr val="tx1"/>
+        </a:solidFill>
+        <a:latin typeface="+mn-lt"/>
+        <a:ea typeface="+mn-ea"/>
+        <a:cs typeface="+mn-cs"/>
+      </a:defRPr>
+    </a:lvl1pPr>
+    <a:lvl2pPr marL="457200" algn="l" defTabSz="914400" rtl="0" eaLnBrk="1" latinLnBrk="0" hangingPunct="1">
+      <a:defRPr sz="1200" kern="1200">
+        <a:solidFill>
+          <a:schemeClr val="tx1"/>
+        </a:solidFill>
+        <a:latin typeface="+mn-lt"/>
+        <a:ea typeface="+mn-ea"/>
+        <a:cs typeface="+mn-cs"/>
+      </a:defRPr>
+    </a:lvl2pPr>
+    <a:lvl3pPr marL="914400" algn="l" defTabSz="914400" rtl="0" eaLnBrk="1" latinLnBrk="0" hangingPunct="1">
+      <a:defRPr sz="1200" kern="1200">
+        <a:solidFill>
+          <a:schemeClr val="tx1"/>
+        </a:solidFill>
+        <a:latin typeface="+mn-lt"/>
+        <a:ea typeface="+mn-ea"/>
+        <a:cs typeface="+mn-cs"/>
+      </a:defRPr>
+    </a:lvl3pPr>
+    <a:lvl4pPr marL="1371600" algn="l" defTabSz="914400" rtl="0" eaLnBrk="1" latinLnBrk="0" hangingPunct="1">
+      <a:defRPr sz="1200" kern="1200">
+        <a:solidFill>
+          <a:schemeClr val="tx1"/>
+        </a:solidFill>
+        <a:latin typeface="+mn-lt"/>
+        <a:ea typeface="+mn-ea"/>
+        <a:cs typeface="+mn-cs"/>
+      </a:defRPr>
+    </a:lvl4pPr>
+    <a:lvl5pPr marL="1828800" algn="l" defTabSz="914400" rtl="0" eaLnBrk="1" latinLnBrk="0" hangingPunct="1">
+      <a:defRPr sz="1200" kern="1200">
+        <a:solidFill>
+          <a:schemeClr val="tx1"/>
+        </a:solidFill>
+        <a:latin typeface="+mn-lt"/>
+        <a:ea typeface="+mn-ea"/>
+        <a:cs typeface="+mn-cs"/>
+      </a:defRPr>
+    </a:lvl5pPr>
+    <a:lvl6pPr marL="2286000" algn="l" defTabSz="914400" rtl="0" eaLnBrk="1" latinLnBrk="0" hangingPunct="1">
+      <a:defRPr sz="1200" kern="1200">
+        <a:solidFill>
+          <a:schemeClr val="tx1"/>
+        </a:solidFill>
+        <a:latin typeface="+mn-lt"/>
+        <a:ea typeface="+mn-ea"/>
+        <a:cs typeface="+mn-cs"/>
+      </a:defRPr>
+    </a:lvl6pPr>
+    <a:lvl7pPr marL="2743200" algn="l" defTabSz="914400" rtl="0" eaLnBrk="1" latinLnBrk="0" hangingPunct="1">
+      <a:defRPr sz="1200" kern="1200">
+        <a:solidFill>
+          <a:schemeClr val="tx1"/>
+        </a:solidFill>
+        <a:latin typeface="+mn-lt"/>
+        <a:ea typeface="+mn-ea"/>
+        <a:cs typeface="+mn-cs"/>
+      </a:defRPr>
+    </a:lvl7pPr>
+    <a:lvl8pPr marL="3200400" algn="l" defTabSz="914400" rtl="0" eaLnBrk="1" latinLnBrk="0" hangingPunct="1">
+      <a:defRPr sz="1200" kern="1200">
+        <a:solidFill>
+          <a:schemeClr val="tx1"/>
+        </a:solidFill>
+        <a:latin typeface="+mn-lt"/>
+        <a:ea typeface="+mn-ea"/>
+        <a:cs typeface="+mn-cs"/>
+      </a:defRPr>
+    </a:lvl8pPr>
+    <a:lvl9pPr marL="3657600" algn="l" defTabSz="914400" rtl="0" eaLnBrk="1" latinLnBrk="0" hangingPunct="1">
+      <a:defRPr sz="1200" kern="1200">
+        <a:solidFill>
+          <a:schemeClr val="tx1"/>
+        </a:solidFill>
+        <a:latin typeface="+mn-lt"/>
+        <a:ea typeface="+mn-ea"/>
+        <a:cs typeface="+mn-cs"/>
+      </a:defRPr>
+    </a:lvl9pPr>
+  </p:notesStyle>
+</p:notesMaster>
+</file>
+
+<file path=ppt/notesSlides/notesSlide1.xml><?xml version="1.0" encoding="utf-8"?>
+<p:notes xmlns:a="http://schemas.openxmlformats.org/drawingml/2006/main" xmlns:r="http://schemas.openxmlformats.org/officeDocument/2006/relationships" xmlns:p="http://schemas.openxmlformats.org/presentationml/2006/main">
+  <p:cSld>
+    <p:spTree>
+      <p:nvGrpSpPr>
+        <p:cNvPr id="1" name=""/>
+        <p:cNvGrpSpPr/>
+        <p:nvPr/>
+      </p:nvGrpSpPr>
+      <p:grpSpPr>
+        <a:xfrm>
+          <a:off x="0" y="0"/>
+          <a:ext cx="0" cy="0"/>
+          <a:chOff x="0" y="0"/>
+          <a:chExt cx="0" cy="0"/>
+        </a:xfrm>
+      </p:grpSpPr>
+      <p:sp>
+        <p:nvSpPr>
+          <p:cNvPr id="2" name="Slide Image Placeholder 1"/>
+          <p:cNvSpPr>
+            <a:spLocks noGrp="1" noRot="1" noChangeAspect="1"/>
+          </p:cNvSpPr>
+          <p:nvPr>
+            <p:ph type="sldImg"/>
+          </p:nvPr>
+        </p:nvSpPr>
+        <p:spPr/>
+      </p:sp>
+      <p:sp>
+        <p:nvSpPr>
+          <p:cNvPr id="3" name="Notes Placeholder 2"/>
+          <p:cNvSpPr>
+            <a:spLocks noGrp="1"/>
+          </p:cNvSpPr>
+          <p:nvPr>
+            <p:ph type="body" idx="1"/>
+          </p:nvPr>
+        </p:nvSpPr>
+        <p:spPr/>
+        <p:txBody>
+          <a:bodyPr/>
+          <a:lstStyle/>
+          <a:p>
+            <a:r>
+              <a:rPr lang="es-ES_tradnl" dirty="0" smtClean="0"/>
+              <a:t>Semántico: los humanos entienden la estructura del documento y su sentido</a:t>
+            </a:r>
+          </a:p>
+          <a:p>
+            <a:r>
+              <a:rPr lang="es-ES_tradnl" dirty="0" smtClean="0"/>
+              <a:t>No sirve para diseño y presentación. Para eso es CSS</a:t>
+            </a:r>
+          </a:p>
+          <a:p>
+            <a:r>
+              <a:rPr lang="es-ES_tradnl" dirty="0" smtClean="0"/>
+              <a:t>No tiene comportamiento.</a:t>
+            </a:r>
+            <a:r>
+              <a:rPr lang="es-ES_tradnl" baseline="0" dirty="0" smtClean="0"/>
+              <a:t> Para eso está JavaScript</a:t>
+            </a:r>
+            <a:endParaRPr lang="es-ES_tradnl" dirty="0" smtClean="0"/>
+          </a:p>
+          <a:p>
+            <a:endParaRPr lang="en-US" dirty="0"/>
+          </a:p>
+        </p:txBody>
+      </p:sp>
+      <p:sp>
+        <p:nvSpPr>
+          <p:cNvPr id="4" name="Slide Number Placeholder 3"/>
+          <p:cNvSpPr>
+            <a:spLocks noGrp="1"/>
+          </p:cNvSpPr>
+          <p:nvPr>
+            <p:ph type="sldNum" sz="quarter" idx="10"/>
+          </p:nvPr>
+        </p:nvSpPr>
+        <p:spPr/>
+        <p:txBody>
+          <a:bodyPr/>
+          <a:lstStyle/>
+          <a:p>
+            <a:fld id="{33490EC4-9ED2-4743-9A12-62D7D00FD99C}" type="slidenum">
+              <a:rPr lang="en-US" smtClean="0"/>
+              <a:t>3</a:t>
+            </a:fld>
+            <a:endParaRPr lang="en-US"/>
+          </a:p>
+        </p:txBody>
+      </p:sp>
+    </p:spTree>
+    <p:extLst>
+      <p:ext uri="{BB962C8B-B14F-4D97-AF65-F5344CB8AC3E}">
+        <p14:creationId xmlns:p14="http://schemas.microsoft.com/office/powerpoint/2010/main" val="4253486836"/>
+      </p:ext>
+    </p:extLst>
+  </p:cSld>
+  <p:clrMapOvr>
+    <a:masterClrMapping/>
+  </p:clrMapOvr>
+</p:notes>
+</file>
+
+<file path=ppt/notesSlides/notesSlide2.xml><?xml version="1.0" encoding="utf-8"?>
+<p:notes xmlns:a="http://schemas.openxmlformats.org/drawingml/2006/main" xmlns:r="http://schemas.openxmlformats.org/officeDocument/2006/relationships" xmlns:p="http://schemas.openxmlformats.org/presentationml/2006/main">
+  <p:cSld>
+    <p:spTree>
+      <p:nvGrpSpPr>
+        <p:cNvPr id="1" name=""/>
+        <p:cNvGrpSpPr/>
+        <p:nvPr/>
+      </p:nvGrpSpPr>
+      <p:grpSpPr>
+        <a:xfrm>
+          <a:off x="0" y="0"/>
+          <a:ext cx="0" cy="0"/>
+          <a:chOff x="0" y="0"/>
+          <a:chExt cx="0" cy="0"/>
+        </a:xfrm>
+      </p:grpSpPr>
+      <p:sp>
+        <p:nvSpPr>
+          <p:cNvPr id="2" name="Slide Image Placeholder 1"/>
+          <p:cNvSpPr>
+            <a:spLocks noGrp="1" noRot="1" noChangeAspect="1"/>
+          </p:cNvSpPr>
+          <p:nvPr>
+            <p:ph type="sldImg"/>
+          </p:nvPr>
+        </p:nvSpPr>
+        <p:spPr/>
+      </p:sp>
+      <p:sp>
+        <p:nvSpPr>
+          <p:cNvPr id="3" name="Notes Placeholder 2"/>
+          <p:cNvSpPr>
+            <a:spLocks noGrp="1"/>
+          </p:cNvSpPr>
+          <p:nvPr>
+            <p:ph type="body" idx="1"/>
+          </p:nvPr>
+        </p:nvSpPr>
+        <p:spPr/>
+        <p:txBody>
+          <a:bodyPr/>
+          <a:lstStyle/>
+          <a:p>
+            <a:pPr marL="0" marR="0" indent="0" algn="l" defTabSz="914400" rtl="0" eaLnBrk="1" fontAlgn="auto" latinLnBrk="0" hangingPunct="1">
+              <a:lnSpc>
+                <a:spcPct val="100000"/>
+              </a:lnSpc>
+              <a:spcBef>
+                <a:spcPts val="0"/>
+              </a:spcBef>
+              <a:spcAft>
+                <a:spcPts val="0"/>
+              </a:spcAft>
+              <a:buClrTx/>
+              <a:buSzTx/>
+              <a:buFontTx/>
+              <a:buNone/>
+              <a:tabLst/>
+              <a:defRPr/>
+            </a:pPr>
+            <a:r>
+              <a:rPr lang="es-ES_tradnl" dirty="0" smtClean="0"/>
+              <a:t>Todo en </a:t>
+            </a:r>
+            <a:r>
+              <a:rPr lang="es-ES_tradnl" dirty="0" err="1" smtClean="0"/>
+              <a:t>html</a:t>
+            </a:r>
+            <a:r>
+              <a:rPr lang="es-ES_tradnl" dirty="0" smtClean="0"/>
+              <a:t>/</a:t>
+            </a:r>
+            <a:r>
+              <a:rPr lang="es-ES_tradnl" dirty="0" err="1" smtClean="0"/>
+              <a:t>css</a:t>
+            </a:r>
+            <a:r>
+              <a:rPr lang="es-ES_tradnl" dirty="0" smtClean="0"/>
+              <a:t> son cajas</a:t>
+            </a:r>
+          </a:p>
+        </p:txBody>
+      </p:sp>
+      <p:sp>
+        <p:nvSpPr>
+          <p:cNvPr id="4" name="Slide Number Placeholder 3"/>
+          <p:cNvSpPr>
+            <a:spLocks noGrp="1"/>
+          </p:cNvSpPr>
+          <p:nvPr>
+            <p:ph type="sldNum" sz="quarter" idx="10"/>
+          </p:nvPr>
+        </p:nvSpPr>
+        <p:spPr/>
+        <p:txBody>
+          <a:bodyPr/>
+          <a:lstStyle/>
+          <a:p>
+            <a:fld id="{33490EC4-9ED2-4743-9A12-62D7D00FD99C}" type="slidenum">
+              <a:rPr lang="en-US" smtClean="0"/>
+              <a:t>11</a:t>
+            </a:fld>
+            <a:endParaRPr lang="en-US"/>
+          </a:p>
+        </p:txBody>
+      </p:sp>
+    </p:spTree>
+    <p:extLst>
+      <p:ext uri="{BB962C8B-B14F-4D97-AF65-F5344CB8AC3E}">
+        <p14:creationId xmlns:p14="http://schemas.microsoft.com/office/powerpoint/2010/main" val="2515815111"/>
+      </p:ext>
+    </p:extLst>
+  </p:cSld>
+  <p:clrMapOvr>
+    <a:masterClrMapping/>
+  </p:clrMapOvr>
+</p:notes>
+</file>
+
+<file path=ppt/notesSlides/notesSlide3.xml><?xml version="1.0" encoding="utf-8"?>
+<p:notes xmlns:a="http://schemas.openxmlformats.org/drawingml/2006/main" xmlns:r="http://schemas.openxmlformats.org/officeDocument/2006/relationships" xmlns:p="http://schemas.openxmlformats.org/presentationml/2006/main">
+  <p:cSld>
+    <p:spTree>
+      <p:nvGrpSpPr>
+        <p:cNvPr id="1" name=""/>
+        <p:cNvGrpSpPr/>
+        <p:nvPr/>
+      </p:nvGrpSpPr>
+      <p:grpSpPr>
+        <a:xfrm>
+          <a:off x="0" y="0"/>
+          <a:ext cx="0" cy="0"/>
+          <a:chOff x="0" y="0"/>
+          <a:chExt cx="0" cy="0"/>
+        </a:xfrm>
+      </p:grpSpPr>
+      <p:sp>
+        <p:nvSpPr>
+          <p:cNvPr id="2" name="Slide Image Placeholder 1"/>
+          <p:cNvSpPr>
+            <a:spLocks noGrp="1" noRot="1" noChangeAspect="1"/>
+          </p:cNvSpPr>
+          <p:nvPr>
+            <p:ph type="sldImg"/>
+          </p:nvPr>
+        </p:nvSpPr>
+        <p:spPr/>
+      </p:sp>
+      <p:sp>
+        <p:nvSpPr>
+          <p:cNvPr id="3" name="Notes Placeholder 2"/>
+          <p:cNvSpPr>
+            <a:spLocks noGrp="1"/>
+          </p:cNvSpPr>
+          <p:nvPr>
+            <p:ph type="body" idx="1"/>
+          </p:nvPr>
+        </p:nvSpPr>
+        <p:spPr/>
+        <p:txBody>
+          <a:bodyPr/>
+          <a:lstStyle/>
+          <a:p>
+            <a:pPr marL="0" marR="0" indent="0" algn="l" defTabSz="914400" rtl="0" eaLnBrk="1" fontAlgn="auto" latinLnBrk="0" hangingPunct="1">
+              <a:lnSpc>
+                <a:spcPct val="100000"/>
+              </a:lnSpc>
+              <a:spcBef>
+                <a:spcPts val="0"/>
+              </a:spcBef>
+              <a:spcAft>
+                <a:spcPts val="0"/>
+              </a:spcAft>
+              <a:buClrTx/>
+              <a:buSzTx/>
+              <a:buFontTx/>
+              <a:buNone/>
+              <a:tabLst/>
+              <a:defRPr/>
+            </a:pPr>
+            <a:r>
+              <a:rPr lang="es-ES_tradnl" dirty="0" err="1" smtClean="0"/>
+              <a:t>Margin</a:t>
+            </a:r>
+            <a:r>
+              <a:rPr lang="es-ES_tradnl" dirty="0" smtClean="0"/>
+              <a:t>, </a:t>
+            </a:r>
+            <a:r>
+              <a:rPr lang="es-ES_tradnl" dirty="0" err="1" smtClean="0"/>
+              <a:t>border</a:t>
+            </a:r>
+            <a:r>
+              <a:rPr lang="es-ES_tradnl" dirty="0" smtClean="0"/>
+              <a:t>, </a:t>
+            </a:r>
+            <a:r>
+              <a:rPr lang="es-ES_tradnl" dirty="0" err="1" smtClean="0"/>
+              <a:t>padding</a:t>
+            </a:r>
+            <a:r>
+              <a:rPr lang="es-ES_tradnl" dirty="0" smtClean="0"/>
+              <a:t>, </a:t>
+            </a:r>
+            <a:r>
+              <a:rPr lang="es-ES_tradnl" dirty="0" err="1" smtClean="0"/>
+              <a:t>height</a:t>
+            </a:r>
+            <a:r>
+              <a:rPr lang="es-ES_tradnl" dirty="0" smtClean="0"/>
+              <a:t> &amp; </a:t>
+            </a:r>
+            <a:r>
+              <a:rPr lang="es-ES_tradnl" dirty="0" err="1" smtClean="0"/>
+              <a:t>width</a:t>
+            </a:r>
+            <a:endParaRPr lang="en-US" dirty="0" smtClean="0"/>
+          </a:p>
+          <a:p>
+            <a:endParaRPr lang="en-US" dirty="0"/>
+          </a:p>
+        </p:txBody>
+      </p:sp>
+      <p:sp>
+        <p:nvSpPr>
+          <p:cNvPr id="4" name="Slide Number Placeholder 3"/>
+          <p:cNvSpPr>
+            <a:spLocks noGrp="1"/>
+          </p:cNvSpPr>
+          <p:nvPr>
+            <p:ph type="sldNum" sz="quarter" idx="10"/>
+          </p:nvPr>
+        </p:nvSpPr>
+        <p:spPr/>
+        <p:txBody>
+          <a:bodyPr/>
+          <a:lstStyle/>
+          <a:p>
+            <a:fld id="{33490EC4-9ED2-4743-9A12-62D7D00FD99C}" type="slidenum">
+              <a:rPr lang="en-US" smtClean="0"/>
+              <a:t>26</a:t>
+            </a:fld>
+            <a:endParaRPr lang="en-US"/>
+          </a:p>
+        </p:txBody>
+      </p:sp>
+    </p:spTree>
+    <p:extLst>
+      <p:ext uri="{BB962C8B-B14F-4D97-AF65-F5344CB8AC3E}">
+        <p14:creationId xmlns:p14="http://schemas.microsoft.com/office/powerpoint/2010/main" val="4179861764"/>
+      </p:ext>
+    </p:extLst>
+  </p:cSld>
+  <p:clrMapOvr>
+    <a:masterClrMapping/>
+  </p:clrMapOvr>
+</p:notes>
+</file>
+
 <file path=ppt/slideLayouts/slideLayout1.xml><?xml version="1.0" encoding="utf-8"?>
 <p:sldLayout xmlns:a="http://schemas.openxmlformats.org/drawingml/2006/main" xmlns:r="http://schemas.openxmlformats.org/officeDocument/2006/relationships" xmlns:p="http://schemas.openxmlformats.org/presentationml/2006/main" type="title" preserve="1">
   <p:cSld name="Title Slide">
@@ -263,7 +1033,7 @@
           <a:p>
             <a:fld id="{8C91A079-CAE8-47E0-8427-4BEC14467E6E}" type="datetimeFigureOut">
               <a:rPr lang="en-US" smtClean="0"/>
-              <a:t>6/2/2013</a:t>
+              <a:t>6/3/2013</a:t>
             </a:fld>
             <a:endParaRPr lang="en-US"/>
           </a:p>
@@ -433,7 +1203,7 @@
           <a:p>
             <a:fld id="{8C91A079-CAE8-47E0-8427-4BEC14467E6E}" type="datetimeFigureOut">
               <a:rPr lang="en-US" smtClean="0"/>
-              <a:t>6/2/2013</a:t>
+              <a:t>6/3/2013</a:t>
             </a:fld>
             <a:endParaRPr lang="en-US"/>
           </a:p>
@@ -613,7 +1383,7 @@
           <a:p>
             <a:fld id="{8C91A079-CAE8-47E0-8427-4BEC14467E6E}" type="datetimeFigureOut">
               <a:rPr lang="en-US" smtClean="0"/>
-              <a:t>6/2/2013</a:t>
+              <a:t>6/3/2013</a:t>
             </a:fld>
             <a:endParaRPr lang="en-US"/>
           </a:p>
@@ -783,7 +1553,7 @@
           <a:p>
             <a:fld id="{8C91A079-CAE8-47E0-8427-4BEC14467E6E}" type="datetimeFigureOut">
               <a:rPr lang="en-US" smtClean="0"/>
-              <a:t>6/2/2013</a:t>
+              <a:t>6/3/2013</a:t>
             </a:fld>
             <a:endParaRPr lang="en-US"/>
           </a:p>
@@ -1029,7 +1799,7 @@
           <a:p>
             <a:fld id="{8C91A079-CAE8-47E0-8427-4BEC14467E6E}" type="datetimeFigureOut">
               <a:rPr lang="en-US" smtClean="0"/>
-              <a:t>6/2/2013</a:t>
+              <a:t>6/3/2013</a:t>
             </a:fld>
             <a:endParaRPr lang="en-US"/>
           </a:p>
@@ -1261,7 +2031,7 @@
           <a:p>
             <a:fld id="{8C91A079-CAE8-47E0-8427-4BEC14467E6E}" type="datetimeFigureOut">
               <a:rPr lang="en-US" smtClean="0"/>
-              <a:t>6/2/2013</a:t>
+              <a:t>6/3/2013</a:t>
             </a:fld>
             <a:endParaRPr lang="en-US"/>
           </a:p>
@@ -1628,7 +2398,7 @@
           <a:p>
             <a:fld id="{8C91A079-CAE8-47E0-8427-4BEC14467E6E}" type="datetimeFigureOut">
               <a:rPr lang="en-US" smtClean="0"/>
-              <a:t>6/2/2013</a:t>
+              <a:t>6/3/2013</a:t>
             </a:fld>
             <a:endParaRPr lang="en-US"/>
           </a:p>
@@ -1746,7 +2516,7 @@
           <a:p>
             <a:fld id="{8C91A079-CAE8-47E0-8427-4BEC14467E6E}" type="datetimeFigureOut">
               <a:rPr lang="en-US" smtClean="0"/>
-              <a:t>6/2/2013</a:t>
+              <a:t>6/3/2013</a:t>
             </a:fld>
             <a:endParaRPr lang="en-US"/>
           </a:p>
@@ -1841,7 +2611,7 @@
           <a:p>
             <a:fld id="{8C91A079-CAE8-47E0-8427-4BEC14467E6E}" type="datetimeFigureOut">
               <a:rPr lang="en-US" smtClean="0"/>
-              <a:t>6/2/2013</a:t>
+              <a:t>6/3/2013</a:t>
             </a:fld>
             <a:endParaRPr lang="en-US"/>
           </a:p>
@@ -2118,7 +2888,7 @@
           <a:p>
             <a:fld id="{8C91A079-CAE8-47E0-8427-4BEC14467E6E}" type="datetimeFigureOut">
               <a:rPr lang="en-US" smtClean="0"/>
-              <a:t>6/2/2013</a:t>
+              <a:t>6/3/2013</a:t>
             </a:fld>
             <a:endParaRPr lang="en-US"/>
           </a:p>
@@ -2371,7 +3141,7 @@
           <a:p>
             <a:fld id="{8C91A079-CAE8-47E0-8427-4BEC14467E6E}" type="datetimeFigureOut">
               <a:rPr lang="en-US" smtClean="0"/>
-              <a:t>6/2/2013</a:t>
+              <a:t>6/3/2013</a:t>
             </a:fld>
             <a:endParaRPr lang="en-US"/>
           </a:p>
@@ -2584,7 +3354,7 @@
           <a:p>
             <a:fld id="{8C91A079-CAE8-47E0-8427-4BEC14467E6E}" type="datetimeFigureOut">
               <a:rPr lang="en-US" smtClean="0"/>
-              <a:t>6/2/2013</a:t>
+              <a:t>6/3/2013</a:t>
             </a:fld>
             <a:endParaRPr lang="en-US"/>
           </a:p>
@@ -3082,7 +3852,7 @@
           <a:p>
             <a:r>
               <a:rPr lang="es-ES_tradnl" dirty="0" smtClean="0"/>
-              <a:t>Elementos básicos Head</a:t>
+              <a:t>Estructura básica</a:t>
             </a:r>
             <a:endParaRPr lang="en-US" dirty="0"/>
           </a:p>
@@ -3103,17 +3873,16 @@
           <a:bodyPr/>
           <a:lstStyle/>
           <a:p>
+            <a:pPr marL="0" indent="0">
+              <a:buNone/>
+            </a:pPr>
             <a:r>
               <a:rPr lang="es-ES_tradnl" dirty="0" smtClean="0"/>
               <a:t>&lt;</a:t>
             </a:r>
             <a:r>
-              <a:rPr lang="es-ES_tradnl" dirty="0" err="1"/>
-              <a:t>t</a:t>
-            </a:r>
-            <a:r>
               <a:rPr lang="es-ES_tradnl" dirty="0" err="1" smtClean="0"/>
-              <a:t>itle</a:t>
+              <a:t>html</a:t>
             </a:r>
             <a:r>
               <a:rPr lang="es-ES_tradnl" dirty="0" smtClean="0"/>
@@ -3121,31 +3890,140 @@
             </a:r>
           </a:p>
           <a:p>
-            <a:r>
-              <a:rPr lang="es-ES_tradnl" dirty="0" smtClean="0"/>
-              <a:t>&lt;meta&gt;</a:t>
-            </a:r>
-          </a:p>
-          <a:p>
-            <a:r>
-              <a:rPr lang="es-ES_tradnl" dirty="0" smtClean="0"/>
-              <a:t>&lt;link&gt;</a:t>
-            </a:r>
-          </a:p>
-          <a:p>
-            <a:r>
-              <a:rPr lang="es-ES_tradnl" dirty="0" smtClean="0"/>
-              <a:t>&lt;script&gt;</a:t>
-            </a:r>
-          </a:p>
-          <a:p>
-            <a:r>
-              <a:rPr lang="es-ES_tradnl" dirty="0" smtClean="0"/>
+            <a:pPr marL="457200" lvl="1" indent="0">
+              <a:buNone/>
+            </a:pPr>
+            <a:r>
+              <a:rPr lang="es-ES_tradnl" dirty="0" smtClean="0">
+                <a:solidFill>
+                  <a:srgbClr val="00B050"/>
+                </a:solidFill>
+              </a:rPr>
+              <a:t>&lt;head&gt;</a:t>
+            </a:r>
+          </a:p>
+          <a:p>
+            <a:pPr marL="457200" lvl="1" indent="0">
+              <a:buNone/>
+            </a:pPr>
+            <a:r>
+              <a:rPr lang="es-ES_tradnl" dirty="0" smtClean="0">
+                <a:solidFill>
+                  <a:srgbClr val="00B050"/>
+                </a:solidFill>
+              </a:rPr>
+              <a:t>…</a:t>
+            </a:r>
+          </a:p>
+          <a:p>
+            <a:pPr marL="457200" lvl="1" indent="0">
+              <a:buNone/>
+            </a:pPr>
+            <a:r>
+              <a:rPr lang="es-ES_tradnl" dirty="0" smtClean="0">
+                <a:solidFill>
+                  <a:srgbClr val="00B050"/>
+                </a:solidFill>
+              </a:rPr>
+              <a:t>&lt;/head&gt;</a:t>
+            </a:r>
+          </a:p>
+          <a:p>
+            <a:pPr marL="457200" lvl="1" indent="0">
+              <a:buNone/>
+            </a:pPr>
+            <a:r>
+              <a:rPr lang="es-ES_tradnl" dirty="0" smtClean="0">
+                <a:solidFill>
+                  <a:schemeClr val="accent2">
+                    <a:lumMod val="75000"/>
+                  </a:schemeClr>
+                </a:solidFill>
+              </a:rPr>
               <a:t>&lt;</a:t>
             </a:r>
             <a:r>
+              <a:rPr lang="es-ES_tradnl" dirty="0" err="1" smtClean="0">
+                <a:solidFill>
+                  <a:schemeClr val="accent2">
+                    <a:lumMod val="75000"/>
+                  </a:schemeClr>
+                </a:solidFill>
+              </a:rPr>
+              <a:t>body</a:t>
+            </a:r>
+            <a:r>
+              <a:rPr lang="es-ES_tradnl" dirty="0" smtClean="0">
+                <a:solidFill>
+                  <a:schemeClr val="accent2">
+                    <a:lumMod val="75000"/>
+                  </a:schemeClr>
+                </a:solidFill>
+              </a:rPr>
+              <a:t>&gt;</a:t>
+            </a:r>
+          </a:p>
+          <a:p>
+            <a:pPr marL="457200" lvl="1" indent="0">
+              <a:buNone/>
+            </a:pPr>
+            <a:r>
+              <a:rPr lang="es-ES_tradnl" dirty="0" smtClean="0">
+                <a:solidFill>
+                  <a:schemeClr val="accent2">
+                    <a:lumMod val="75000"/>
+                  </a:schemeClr>
+                </a:solidFill>
+              </a:rPr>
+              <a:t>…</a:t>
+            </a:r>
+          </a:p>
+          <a:p>
+            <a:pPr marL="457200" lvl="1" indent="0">
+              <a:buNone/>
+            </a:pPr>
+            <a:r>
+              <a:rPr lang="es-ES_tradnl" dirty="0" smtClean="0">
+                <a:solidFill>
+                  <a:schemeClr val="accent2">
+                    <a:lumMod val="75000"/>
+                  </a:schemeClr>
+                </a:solidFill>
+              </a:rPr>
+              <a:t>&lt;/</a:t>
+            </a:r>
+            <a:r>
+              <a:rPr lang="es-ES_tradnl" dirty="0" err="1" smtClean="0">
+                <a:solidFill>
+                  <a:schemeClr val="accent2">
+                    <a:lumMod val="75000"/>
+                  </a:schemeClr>
+                </a:solidFill>
+              </a:rPr>
+              <a:t>body</a:t>
+            </a:r>
+            <a:r>
+              <a:rPr lang="es-ES_tradnl" dirty="0" smtClean="0">
+                <a:solidFill>
+                  <a:schemeClr val="accent2">
+                    <a:lumMod val="75000"/>
+                  </a:schemeClr>
+                </a:solidFill>
+              </a:rPr>
+              <a:t>&gt;</a:t>
+            </a:r>
+          </a:p>
+          <a:p>
+            <a:pPr marL="0" indent="0">
+              <a:buNone/>
+            </a:pPr>
+            <a:r>
+              <a:rPr lang="es-ES_tradnl" dirty="0" smtClean="0"/>
+              <a:t>&lt;/</a:t>
+            </a:r>
+            <a:r>
               <a:rPr lang="es-ES_tradnl" dirty="0" err="1" smtClean="0"/>
-              <a:t>style</a:t>
+              <a:t>html</a:t>
             </a:r>
             <a:r>
               <a:rPr lang="es-ES_tradnl" dirty="0" smtClean="0"/>
@@ -3158,7 +4036,7 @@
     </p:spTree>
     <p:extLst>
       <p:ext uri="{BB962C8B-B14F-4D97-AF65-F5344CB8AC3E}">
-        <p14:creationId xmlns:p14="http://schemas.microsoft.com/office/powerpoint/2010/main" val="202465279"/>
+        <p14:creationId xmlns:p14="http://schemas.microsoft.com/office/powerpoint/2010/main" val="2347869269"/>
       </p:ext>
     </p:extLst>
   </p:cSld>
@@ -3201,36 +4079,284 @@
           <a:lstStyle/>
           <a:p>
             <a:r>
-              <a:rPr lang="es-ES_tradnl" dirty="0" smtClean="0"/>
-              <a:t>HTML 5</a:t>
+              <a:rPr lang="es-ES_tradnl" dirty="0"/>
+              <a:t>Block vs </a:t>
+            </a:r>
+            <a:r>
+              <a:rPr lang="es-ES_tradnl" dirty="0" err="1" smtClean="0"/>
+              <a:t>inline</a:t>
             </a:r>
             <a:endParaRPr lang="en-US" dirty="0"/>
           </a:p>
         </p:txBody>
       </p:sp>
-      <p:sp>
-        <p:nvSpPr>
-          <p:cNvPr id="3" name="Content Placeholder 2"/>
-          <p:cNvSpPr>
-            <a:spLocks noGrp="1"/>
-          </p:cNvSpPr>
-          <p:nvPr>
-            <p:ph idx="1"/>
-          </p:nvPr>
-        </p:nvSpPr>
-        <p:spPr/>
-        <p:txBody>
-          <a:bodyPr/>
-          <a:lstStyle/>
-          <a:p>
-            <a:endParaRPr lang="en-US" dirty="0"/>
-          </a:p>
-        </p:txBody>
-      </p:sp>
+      <p:grpSp>
+        <p:nvGrpSpPr>
+          <p:cNvPr id="14" name="Group 13"/>
+          <p:cNvGrpSpPr/>
+          <p:nvPr/>
+        </p:nvGrpSpPr>
+        <p:grpSpPr>
+          <a:xfrm>
+            <a:off x="1823047" y="2644131"/>
+            <a:ext cx="8545906" cy="2674638"/>
+            <a:chOff x="2233883" y="2702225"/>
+            <a:chExt cx="8545906" cy="2674638"/>
+          </a:xfrm>
+        </p:grpSpPr>
+        <p:grpSp>
+          <p:nvGrpSpPr>
+            <p:cNvPr id="12" name="Group 11"/>
+            <p:cNvGrpSpPr/>
+            <p:nvPr/>
+          </p:nvGrpSpPr>
+          <p:grpSpPr>
+            <a:xfrm>
+              <a:off x="2233883" y="2961019"/>
+              <a:ext cx="1897812" cy="1828800"/>
+              <a:chOff x="2398145" y="3657601"/>
+              <a:chExt cx="1897812" cy="1828800"/>
+            </a:xfrm>
+          </p:grpSpPr>
+          <p:sp>
+            <p:nvSpPr>
+              <p:cNvPr id="4" name="Rectangle 3"/>
+              <p:cNvSpPr/>
+              <p:nvPr/>
+            </p:nvSpPr>
+            <p:spPr>
+              <a:xfrm>
+                <a:off x="2398146" y="3657601"/>
+                <a:ext cx="1897811" cy="914400"/>
+              </a:xfrm>
+              <a:prstGeom prst="rect">
+                <a:avLst/>
+              </a:prstGeom>
+            </p:spPr>
+            <p:style>
+              <a:lnRef idx="2">
+                <a:schemeClr val="accent1">
+                  <a:shade val="50000"/>
+                </a:schemeClr>
+              </a:lnRef>
+              <a:fillRef idx="1">
+                <a:schemeClr val="accent1"/>
+              </a:fillRef>
+              <a:effectRef idx="0">
+                <a:schemeClr val="accent1"/>
+              </a:effectRef>
+              <a:fontRef idx="minor">
+                <a:schemeClr val="lt1"/>
+              </a:fontRef>
+            </p:style>
+            <p:txBody>
+              <a:bodyPr rtlCol="0" anchor="ctr"/>
+              <a:lstStyle/>
+              <a:p>
+                <a:pPr algn="ctr"/>
+                <a:r>
+                  <a:rPr lang="es-ES_tradnl" sz="3200" dirty="0"/>
+                  <a:t>b</a:t>
+                </a:r>
+                <a:r>
+                  <a:rPr lang="es-ES_tradnl" sz="3200" dirty="0" smtClean="0"/>
+                  <a:t>lock</a:t>
+                </a:r>
+                <a:endParaRPr lang="en-US" sz="3200" dirty="0"/>
+              </a:p>
+            </p:txBody>
+          </p:sp>
+          <p:sp>
+            <p:nvSpPr>
+              <p:cNvPr id="5" name="Rectangle 4"/>
+              <p:cNvSpPr/>
+              <p:nvPr/>
+            </p:nvSpPr>
+            <p:spPr>
+              <a:xfrm>
+                <a:off x="2398145" y="4572001"/>
+                <a:ext cx="1897811" cy="914400"/>
+              </a:xfrm>
+              <a:prstGeom prst="rect">
+                <a:avLst/>
+              </a:prstGeom>
+            </p:spPr>
+            <p:style>
+              <a:lnRef idx="2">
+                <a:schemeClr val="accent1">
+                  <a:shade val="50000"/>
+                </a:schemeClr>
+              </a:lnRef>
+              <a:fillRef idx="1">
+                <a:schemeClr val="accent1"/>
+              </a:fillRef>
+              <a:effectRef idx="0">
+                <a:schemeClr val="accent1"/>
+              </a:effectRef>
+              <a:fontRef idx="minor">
+                <a:schemeClr val="lt1"/>
+              </a:fontRef>
+            </p:style>
+            <p:txBody>
+              <a:bodyPr rtlCol="0" anchor="ctr"/>
+              <a:lstStyle/>
+              <a:p>
+                <a:pPr algn="ctr"/>
+                <a:r>
+                  <a:rPr lang="es-ES_tradnl" sz="3200" dirty="0" smtClean="0"/>
+                  <a:t>block</a:t>
+                </a:r>
+                <a:endParaRPr lang="en-US" sz="3200" dirty="0"/>
+              </a:p>
+            </p:txBody>
+          </p:sp>
+        </p:grpSp>
+        <p:grpSp>
+          <p:nvGrpSpPr>
+            <p:cNvPr id="11" name="Group 10"/>
+            <p:cNvGrpSpPr/>
+            <p:nvPr/>
+          </p:nvGrpSpPr>
+          <p:grpSpPr>
+            <a:xfrm>
+              <a:off x="6984167" y="3339218"/>
+              <a:ext cx="3795622" cy="914400"/>
+              <a:chOff x="6648094" y="3725246"/>
+              <a:chExt cx="3795622" cy="914400"/>
+            </a:xfrm>
+          </p:grpSpPr>
+          <p:sp>
+            <p:nvSpPr>
+              <p:cNvPr id="6" name="Rectangle 5"/>
+              <p:cNvSpPr/>
+              <p:nvPr/>
+            </p:nvSpPr>
+            <p:spPr>
+              <a:xfrm>
+                <a:off x="6648094" y="3725246"/>
+                <a:ext cx="1897811" cy="914400"/>
+              </a:xfrm>
+              <a:prstGeom prst="rect">
+                <a:avLst/>
+              </a:prstGeom>
+            </p:spPr>
+            <p:style>
+              <a:lnRef idx="2">
+                <a:schemeClr val="accent1">
+                  <a:shade val="50000"/>
+                </a:schemeClr>
+              </a:lnRef>
+              <a:fillRef idx="1">
+                <a:schemeClr val="accent1"/>
+              </a:fillRef>
+              <a:effectRef idx="0">
+                <a:schemeClr val="accent1"/>
+              </a:effectRef>
+              <a:fontRef idx="minor">
+                <a:schemeClr val="lt1"/>
+              </a:fontRef>
+            </p:style>
+            <p:txBody>
+              <a:bodyPr rtlCol="0" anchor="ctr"/>
+              <a:lstStyle/>
+              <a:p>
+                <a:pPr algn="ctr"/>
+                <a:r>
+                  <a:rPr lang="es-ES_tradnl" sz="3200" dirty="0" err="1" smtClean="0"/>
+                  <a:t>inline</a:t>
+                </a:r>
+                <a:endParaRPr lang="en-US" sz="3200" dirty="0"/>
+              </a:p>
+            </p:txBody>
+          </p:sp>
+          <p:sp>
+            <p:nvSpPr>
+              <p:cNvPr id="7" name="Rectangle 6"/>
+              <p:cNvSpPr/>
+              <p:nvPr/>
+            </p:nvSpPr>
+            <p:spPr>
+              <a:xfrm>
+                <a:off x="8545905" y="3725246"/>
+                <a:ext cx="1897811" cy="914400"/>
+              </a:xfrm>
+              <a:prstGeom prst="rect">
+                <a:avLst/>
+              </a:prstGeom>
+            </p:spPr>
+            <p:style>
+              <a:lnRef idx="2">
+                <a:schemeClr val="accent1">
+                  <a:shade val="50000"/>
+                </a:schemeClr>
+              </a:lnRef>
+              <a:fillRef idx="1">
+                <a:schemeClr val="accent1"/>
+              </a:fillRef>
+              <a:effectRef idx="0">
+                <a:schemeClr val="accent1"/>
+              </a:effectRef>
+              <a:fontRef idx="minor">
+                <a:schemeClr val="lt1"/>
+              </a:fontRef>
+            </p:style>
+            <p:txBody>
+              <a:bodyPr rtlCol="0" anchor="ctr"/>
+              <a:lstStyle/>
+              <a:p>
+                <a:pPr algn="ctr"/>
+                <a:r>
+                  <a:rPr lang="es-ES_tradnl" sz="3200" dirty="0" err="1" smtClean="0"/>
+                  <a:t>inline</a:t>
+                </a:r>
+                <a:endParaRPr lang="en-US" sz="3200" dirty="0"/>
+              </a:p>
+            </p:txBody>
+          </p:sp>
+        </p:grpSp>
+        <p:cxnSp>
+          <p:nvCxnSpPr>
+            <p:cNvPr id="9" name="Straight Connector 8"/>
+            <p:cNvCxnSpPr/>
+            <p:nvPr/>
+          </p:nvCxnSpPr>
+          <p:spPr>
+            <a:xfrm>
+              <a:off x="6000750" y="2702225"/>
+              <a:ext cx="0" cy="2674638"/>
+            </a:xfrm>
+            <a:prstGeom prst="line">
+              <a:avLst/>
+            </a:prstGeom>
+            <a:ln w="28575">
+              <a:solidFill>
+                <a:schemeClr val="bg2">
+                  <a:lumMod val="75000"/>
+                </a:schemeClr>
+              </a:solidFill>
+              <a:prstDash val="dash"/>
+            </a:ln>
+          </p:spPr>
+          <p:style>
+            <a:lnRef idx="1">
+              <a:schemeClr val="accent1"/>
+            </a:lnRef>
+            <a:fillRef idx="0">
+              <a:schemeClr val="accent1"/>
+            </a:fillRef>
+            <a:effectRef idx="0">
+              <a:schemeClr val="accent1"/>
+            </a:effectRef>
+            <a:fontRef idx="minor">
+              <a:schemeClr val="tx1"/>
+            </a:fontRef>
+          </p:style>
+        </p:cxnSp>
+      </p:grpSp>
     </p:spTree>
     <p:extLst>
       <p:ext uri="{BB962C8B-B14F-4D97-AF65-F5344CB8AC3E}">
-        <p14:creationId xmlns:p14="http://schemas.microsoft.com/office/powerpoint/2010/main" val="1199194102"/>
+        <p14:creationId xmlns:p14="http://schemas.microsoft.com/office/powerpoint/2010/main" val="3714999485"/>
       </p:ext>
     </p:extLst>
   </p:cSld>
@@ -3274,15 +4400,11 @@
           <a:p>
             <a:r>
               <a:rPr lang="es-ES_tradnl" dirty="0" smtClean="0"/>
-              <a:t>Nuevos </a:t>
+              <a:t>Elementos Básicos </a:t>
             </a:r>
             <a:r>
               <a:rPr lang="es-ES_tradnl" dirty="0" err="1" smtClean="0"/>
-              <a:t>Tags</a:t>
-            </a:r>
-            <a:r>
-              <a:rPr lang="es-ES_tradnl" dirty="0" smtClean="0"/>
-              <a:t> (media)</a:t>
+              <a:t>body</a:t>
             </a:r>
             <a:endParaRPr lang="en-US" dirty="0"/>
           </a:p>
@@ -3300,19 +4422,43 @@
         </p:nvSpPr>
         <p:spPr/>
         <p:txBody>
-          <a:bodyPr/>
-          <a:lstStyle/>
-          <a:p>
-            <a:r>
-              <a:rPr lang="es-ES_tradnl" dirty="0" smtClean="0"/>
-              <a:t>&lt;audio&gt;</a:t>
-            </a:r>
-          </a:p>
-          <a:p>
-            <a:r>
-              <a:rPr lang="es-ES_tradnl" dirty="0" smtClean="0"/>
-              <a:t>&lt;video&gt;</a:t>
-            </a:r>
+          <a:bodyPr>
+            <a:normAutofit lnSpcReduction="10000"/>
+          </a:bodyPr>
+          <a:lstStyle/>
+          <a:p>
+            <a:r>
+              <a:rPr lang="es-ES_tradnl" dirty="0" smtClean="0"/>
+              <a:t>&lt;p</a:t>
+            </a:r>
+            <a:r>
+              <a:rPr lang="es-ES_tradnl" dirty="0" smtClean="0"/>
+              <a:t>&gt; </a:t>
+            </a:r>
+            <a:r>
+              <a:rPr lang="es-ES_tradnl" dirty="0" smtClean="0">
+                <a:sym typeface="Wingdings" panose="05000000000000000000" pitchFamily="2" charset="2"/>
+              </a:rPr>
+              <a:t> párrafo</a:t>
+            </a:r>
+            <a:endParaRPr lang="es-ES_tradnl" dirty="0" smtClean="0"/>
+          </a:p>
+          <a:p>
+            <a:r>
+              <a:rPr lang="es-ES_tradnl" dirty="0" smtClean="0"/>
+              <a:t>&lt;a</a:t>
+            </a:r>
+            <a:r>
+              <a:rPr lang="es-ES_tradnl" dirty="0" smtClean="0"/>
+              <a:t>&gt; </a:t>
+            </a:r>
+            <a:r>
+              <a:rPr lang="es-ES_tradnl" dirty="0" smtClean="0">
+                <a:sym typeface="Wingdings" panose="05000000000000000000" pitchFamily="2" charset="2"/>
+              </a:rPr>
+              <a:t> link</a:t>
+            </a:r>
+            <a:endParaRPr lang="es-ES_tradnl" dirty="0" smtClean="0"/>
           </a:p>
           <a:p>
             <a:r>
@@ -3320,12 +4466,160 @@
               <a:t>&lt;</a:t>
             </a:r>
             <a:r>
+              <a:rPr lang="es-ES_tradnl" dirty="0" err="1"/>
+              <a:t>s</a:t>
+            </a:r>
+            <a:r>
               <a:rPr lang="es-ES_tradnl" dirty="0" err="1" smtClean="0"/>
-              <a:t>canvas</a:t>
-            </a:r>
-            <a:r>
-              <a:rPr lang="es-ES_tradnl" dirty="0" smtClean="0"/>
-              <a:t>&gt;</a:t>
+              <a:t>trong</a:t>
+            </a:r>
+            <a:r>
+              <a:rPr lang="es-ES_tradnl" dirty="0" smtClean="0"/>
+              <a:t>&gt; </a:t>
+            </a:r>
+            <a:r>
+              <a:rPr lang="es-ES_tradnl" dirty="0" smtClean="0">
+                <a:sym typeface="Wingdings" panose="05000000000000000000" pitchFamily="2" charset="2"/>
+              </a:rPr>
+              <a:t> negrita</a:t>
+            </a:r>
+            <a:endParaRPr lang="es-ES_tradnl" dirty="0" smtClean="0"/>
+          </a:p>
+          <a:p>
+            <a:r>
+              <a:rPr lang="es-ES_tradnl" dirty="0" smtClean="0"/>
+              <a:t>&lt;</a:t>
+            </a:r>
+            <a:r>
+              <a:rPr lang="es-ES_tradnl" dirty="0" err="1" smtClean="0"/>
+              <a:t>em</a:t>
+            </a:r>
+            <a:r>
+              <a:rPr lang="es-ES_tradnl" dirty="0" smtClean="0"/>
+              <a:t>&gt; </a:t>
+            </a:r>
+            <a:r>
+              <a:rPr lang="es-ES_tradnl" dirty="0" smtClean="0">
+                <a:sym typeface="Wingdings" panose="05000000000000000000" pitchFamily="2" charset="2"/>
+              </a:rPr>
+              <a:t> itálica</a:t>
+            </a:r>
+            <a:endParaRPr lang="es-ES_tradnl" dirty="0" smtClean="0"/>
+          </a:p>
+          <a:p>
+            <a:r>
+              <a:rPr lang="es-ES_tradnl" dirty="0" smtClean="0"/>
+              <a:t>&lt;h1&gt; &lt;h2&gt; … &lt;h6</a:t>
+            </a:r>
+            <a:r>
+              <a:rPr lang="es-ES_tradnl" dirty="0" smtClean="0"/>
+              <a:t>&gt; </a:t>
+            </a:r>
+            <a:r>
+              <a:rPr lang="es-ES_tradnl" dirty="0" smtClean="0">
+                <a:sym typeface="Wingdings" panose="05000000000000000000" pitchFamily="2" charset="2"/>
+              </a:rPr>
+              <a:t> </a:t>
+            </a:r>
+            <a:r>
+              <a:rPr lang="es-ES_tradnl" dirty="0" err="1" smtClean="0">
+                <a:sym typeface="Wingdings" panose="05000000000000000000" pitchFamily="2" charset="2"/>
+              </a:rPr>
+              <a:t>titulos</a:t>
+            </a:r>
+            <a:endParaRPr lang="es-ES_tradnl" dirty="0" smtClean="0"/>
+          </a:p>
+          <a:p>
+            <a:r>
+              <a:rPr lang="es-ES_tradnl" dirty="0" smtClean="0"/>
+              <a:t>&lt;div</a:t>
+            </a:r>
+            <a:r>
+              <a:rPr lang="es-ES_tradnl" dirty="0" smtClean="0"/>
+              <a:t>&gt; </a:t>
+            </a:r>
+            <a:r>
+              <a:rPr lang="es-ES_tradnl" dirty="0">
+                <a:sym typeface="Wingdings" panose="05000000000000000000" pitchFamily="2" charset="2"/>
+              </a:rPr>
+              <a:t> agrupación de elementos </a:t>
+            </a:r>
+            <a:r>
+              <a:rPr lang="es-ES_tradnl" dirty="0" smtClean="0">
+                <a:sym typeface="Wingdings" panose="05000000000000000000" pitchFamily="2" charset="2"/>
+              </a:rPr>
+              <a:t>con box</a:t>
+            </a:r>
+            <a:endParaRPr lang="es-ES_tradnl" dirty="0" smtClean="0"/>
+          </a:p>
+          <a:p>
+            <a:r>
+              <a:rPr lang="es-ES_tradnl" dirty="0" smtClean="0"/>
+              <a:t>&lt;</a:t>
+            </a:r>
+            <a:r>
+              <a:rPr lang="es-ES_tradnl" dirty="0" err="1" smtClean="0"/>
+              <a:t>span</a:t>
+            </a:r>
+            <a:r>
+              <a:rPr lang="es-ES_tradnl" dirty="0" smtClean="0"/>
+              <a:t>&gt; </a:t>
+            </a:r>
+            <a:r>
+              <a:rPr lang="es-ES_tradnl" dirty="0" smtClean="0">
+                <a:sym typeface="Wingdings" panose="05000000000000000000" pitchFamily="2" charset="2"/>
+              </a:rPr>
+              <a:t> agrupación de elementos </a:t>
+            </a:r>
+            <a:r>
+              <a:rPr lang="es-ES_tradnl" dirty="0" err="1" smtClean="0">
+                <a:sym typeface="Wingdings" panose="05000000000000000000" pitchFamily="2" charset="2"/>
+              </a:rPr>
+              <a:t>inline</a:t>
+            </a:r>
+            <a:endParaRPr lang="es-ES_tradnl" dirty="0" smtClean="0"/>
+          </a:p>
+          <a:p>
+            <a:r>
+              <a:rPr lang="es-ES_tradnl" dirty="0" smtClean="0"/>
+              <a:t>&lt;</a:t>
+            </a:r>
+            <a:r>
+              <a:rPr lang="es-ES_tradnl" dirty="0" err="1" smtClean="0"/>
+              <a:t>img</a:t>
+            </a:r>
+            <a:r>
+              <a:rPr lang="es-ES_tradnl" dirty="0" smtClean="0"/>
+              <a:t>&gt; </a:t>
+            </a:r>
+            <a:r>
+              <a:rPr lang="es-ES_tradnl" dirty="0" smtClean="0">
+                <a:sym typeface="Wingdings" panose="05000000000000000000" pitchFamily="2" charset="2"/>
+              </a:rPr>
+              <a:t> </a:t>
+            </a:r>
+            <a:r>
+              <a:rPr lang="es-ES_tradnl" dirty="0" err="1" smtClean="0">
+                <a:sym typeface="Wingdings" panose="05000000000000000000" pitchFamily="2" charset="2"/>
+              </a:rPr>
+              <a:t>imagenes</a:t>
+            </a:r>
+            <a:endParaRPr lang="es-ES_tradnl" dirty="0" smtClean="0"/>
+          </a:p>
+          <a:p>
+            <a:r>
+              <a:rPr lang="es-ES_tradnl" dirty="0" smtClean="0"/>
+              <a:t>&lt;input</a:t>
+            </a:r>
+            <a:r>
+              <a:rPr lang="es-ES_tradnl" dirty="0" smtClean="0"/>
+              <a:t>&gt; </a:t>
+            </a:r>
+            <a:r>
+              <a:rPr lang="es-ES_tradnl" dirty="0" smtClean="0">
+                <a:sym typeface="Wingdings" panose="05000000000000000000" pitchFamily="2" charset="2"/>
+              </a:rPr>
+              <a:t> inputs en formularios</a:t>
             </a:r>
             <a:endParaRPr lang="en-US" dirty="0"/>
           </a:p>
@@ -3334,7 +4628,7 @@
     </p:spTree>
     <p:extLst>
       <p:ext uri="{BB962C8B-B14F-4D97-AF65-F5344CB8AC3E}">
-        <p14:creationId xmlns:p14="http://schemas.microsoft.com/office/powerpoint/2010/main" val="2125965985"/>
+        <p14:creationId xmlns:p14="http://schemas.microsoft.com/office/powerpoint/2010/main" val="1457222021"/>
       </p:ext>
     </p:extLst>
   </p:cSld>
@@ -3378,163 +4672,83 @@
           <a:p>
             <a:r>
               <a:rPr lang="es-ES_tradnl" dirty="0" smtClean="0"/>
-              <a:t>Nuevos </a:t>
+              <a:t>Elementos básicos Head</a:t>
+            </a:r>
+            <a:endParaRPr lang="en-US" dirty="0"/>
+          </a:p>
+        </p:txBody>
+      </p:sp>
+      <p:sp>
+        <p:nvSpPr>
+          <p:cNvPr id="3" name="Content Placeholder 2"/>
+          <p:cNvSpPr>
+            <a:spLocks noGrp="1"/>
+          </p:cNvSpPr>
+          <p:nvPr>
+            <p:ph idx="1"/>
+          </p:nvPr>
+        </p:nvSpPr>
+        <p:spPr/>
+        <p:txBody>
+          <a:bodyPr/>
+          <a:lstStyle/>
+          <a:p>
+            <a:r>
+              <a:rPr lang="es-ES_tradnl" dirty="0" smtClean="0"/>
+              <a:t>&lt;</a:t>
+            </a:r>
+            <a:r>
+              <a:rPr lang="es-ES_tradnl" dirty="0" err="1"/>
+              <a:t>t</a:t>
             </a:r>
             <a:r>
               <a:rPr lang="es-ES_tradnl" dirty="0" err="1" smtClean="0"/>
-              <a:t>tags</a:t>
-            </a:r>
-            <a:r>
-              <a:rPr lang="es-ES_tradnl" dirty="0" smtClean="0"/>
-              <a:t> (estructurales)</a:t>
+              <a:t>itle</a:t>
+            </a:r>
+            <a:r>
+              <a:rPr lang="es-ES_tradnl" dirty="0" smtClean="0"/>
+              <a:t>&gt;</a:t>
+            </a:r>
+          </a:p>
+          <a:p>
+            <a:r>
+              <a:rPr lang="es-ES_tradnl" dirty="0" smtClean="0"/>
+              <a:t>&lt;meta&gt;</a:t>
+            </a:r>
+          </a:p>
+          <a:p>
+            <a:r>
+              <a:rPr lang="es-ES_tradnl" dirty="0" smtClean="0"/>
+              <a:t>&lt;link&gt;</a:t>
+            </a:r>
+          </a:p>
+          <a:p>
+            <a:r>
+              <a:rPr lang="es-ES_tradnl" dirty="0" smtClean="0"/>
+              <a:t>&lt;script&gt;</a:t>
+            </a:r>
+          </a:p>
+          <a:p>
+            <a:r>
+              <a:rPr lang="es-ES_tradnl" dirty="0" smtClean="0"/>
+              <a:t>&lt;</a:t>
+            </a:r>
+            <a:r>
+              <a:rPr lang="es-ES_tradnl" dirty="0" err="1" smtClean="0"/>
+              <a:t>style</a:t>
+            </a:r>
+            <a:r>
+              <a:rPr lang="es-ES_tradnl" dirty="0" smtClean="0"/>
+              <a:t>&gt;</a:t>
             </a:r>
             <a:endParaRPr lang="en-US" dirty="0"/>
-          </a:p>
-        </p:txBody>
-      </p:sp>
-      <p:sp>
-        <p:nvSpPr>
-          <p:cNvPr id="3" name="Content Placeholder 2"/>
-          <p:cNvSpPr>
-            <a:spLocks noGrp="1"/>
-          </p:cNvSpPr>
-          <p:nvPr>
-            <p:ph idx="1"/>
-          </p:nvPr>
-        </p:nvSpPr>
-        <p:spPr/>
-        <p:txBody>
-          <a:bodyPr/>
-          <a:lstStyle/>
-          <a:p>
-            <a:r>
-              <a:rPr lang="es-ES_tradnl" dirty="0" smtClean="0"/>
-              <a:t>&lt;</a:t>
-            </a:r>
-            <a:r>
-              <a:rPr lang="es-ES_tradnl" dirty="0" err="1" smtClean="0"/>
-              <a:t>header</a:t>
-            </a:r>
-            <a:r>
-              <a:rPr lang="es-ES_tradnl" dirty="0" smtClean="0"/>
-              <a:t>&gt; </a:t>
-            </a:r>
-            <a:r>
-              <a:rPr lang="es-ES_tradnl" dirty="0" smtClean="0">
-                <a:sym typeface="Wingdings" panose="05000000000000000000" pitchFamily="2" charset="2"/>
-              </a:rPr>
-              <a:t> encabezado</a:t>
-            </a:r>
-            <a:endParaRPr lang="es-ES_tradnl" dirty="0" smtClean="0"/>
-          </a:p>
-          <a:p>
-            <a:r>
-              <a:rPr lang="es-ES_tradnl" dirty="0" smtClean="0"/>
-              <a:t>&lt;</a:t>
-            </a:r>
-            <a:r>
-              <a:rPr lang="es-ES_tradnl" dirty="0" err="1" smtClean="0"/>
-              <a:t>aside</a:t>
-            </a:r>
-            <a:r>
-              <a:rPr lang="es-ES_tradnl" dirty="0" smtClean="0"/>
-              <a:t>&gt; </a:t>
-            </a:r>
-            <a:r>
-              <a:rPr lang="es-ES_tradnl" dirty="0" smtClean="0">
-                <a:sym typeface="Wingdings" panose="05000000000000000000" pitchFamily="2" charset="2"/>
-              </a:rPr>
-              <a:t> </a:t>
-            </a:r>
-            <a:r>
-              <a:rPr lang="es-ES_tradnl" dirty="0" err="1" smtClean="0">
-                <a:sym typeface="Wingdings" panose="05000000000000000000" pitchFamily="2" charset="2"/>
-              </a:rPr>
-              <a:t>info</a:t>
-            </a:r>
-            <a:r>
-              <a:rPr lang="es-ES_tradnl" dirty="0" smtClean="0">
-                <a:sym typeface="Wingdings" panose="05000000000000000000" pitchFamily="2" charset="2"/>
-              </a:rPr>
-              <a:t> complementaria / </a:t>
-            </a:r>
-            <a:r>
-              <a:rPr lang="es-ES_tradnl" dirty="0" err="1" smtClean="0">
-                <a:sym typeface="Wingdings" panose="05000000000000000000" pitchFamily="2" charset="2"/>
-              </a:rPr>
-              <a:t>sidebar</a:t>
-            </a:r>
-            <a:endParaRPr lang="es-ES_tradnl" dirty="0" smtClean="0"/>
-          </a:p>
-          <a:p>
-            <a:r>
-              <a:rPr lang="es-ES_tradnl" dirty="0" smtClean="0"/>
-              <a:t>&lt;</a:t>
-            </a:r>
-            <a:r>
-              <a:rPr lang="es-ES_tradnl" dirty="0" err="1" smtClean="0"/>
-              <a:t>footer</a:t>
-            </a:r>
-            <a:r>
-              <a:rPr lang="es-ES_tradnl" dirty="0" smtClean="0"/>
-              <a:t>&gt; </a:t>
-            </a:r>
-            <a:r>
-              <a:rPr lang="es-ES_tradnl" dirty="0" smtClean="0">
-                <a:sym typeface="Wingdings" panose="05000000000000000000" pitchFamily="2" charset="2"/>
-              </a:rPr>
-              <a:t> pie de página</a:t>
-            </a:r>
-            <a:endParaRPr lang="es-ES_tradnl" dirty="0" smtClean="0"/>
-          </a:p>
-          <a:p>
-            <a:r>
-              <a:rPr lang="es-ES_tradnl" dirty="0" smtClean="0"/>
-              <a:t>&lt;</a:t>
-            </a:r>
-            <a:r>
-              <a:rPr lang="es-ES_tradnl" dirty="0" err="1" smtClean="0"/>
-              <a:t>hgroup</a:t>
-            </a:r>
-            <a:r>
-              <a:rPr lang="es-ES_tradnl" dirty="0" smtClean="0"/>
-              <a:t>&gt; </a:t>
-            </a:r>
-            <a:r>
-              <a:rPr lang="es-ES_tradnl" dirty="0" smtClean="0">
-                <a:sym typeface="Wingdings" panose="05000000000000000000" pitchFamily="2" charset="2"/>
-              </a:rPr>
-              <a:t> grupo de encabezados</a:t>
-            </a:r>
-            <a:endParaRPr lang="es-ES_tradnl" dirty="0" smtClean="0"/>
-          </a:p>
-          <a:p>
-            <a:r>
-              <a:rPr lang="es-ES_tradnl" dirty="0" smtClean="0"/>
-              <a:t>&lt;</a:t>
-            </a:r>
-            <a:r>
-              <a:rPr lang="es-ES_tradnl" dirty="0" err="1" smtClean="0"/>
-              <a:t>nav</a:t>
-            </a:r>
-            <a:r>
-              <a:rPr lang="es-ES_tradnl" dirty="0" smtClean="0"/>
-              <a:t>&gt; </a:t>
-            </a:r>
-            <a:r>
-              <a:rPr lang="es-ES_tradnl" dirty="0" smtClean="0">
-                <a:sym typeface="Wingdings" panose="05000000000000000000" pitchFamily="2" charset="2"/>
-              </a:rPr>
-              <a:t> menú de navegación</a:t>
-            </a:r>
-            <a:endParaRPr lang="en-US" dirty="0" smtClean="0"/>
           </a:p>
         </p:txBody>
       </p:sp>
     </p:spTree>
     <p:extLst>
       <p:ext uri="{BB962C8B-B14F-4D97-AF65-F5344CB8AC3E}">
-        <p14:creationId xmlns:p14="http://schemas.microsoft.com/office/powerpoint/2010/main" val="3014043091"/>
+        <p14:creationId xmlns:p14="http://schemas.microsoft.com/office/powerpoint/2010/main" val="202465279"/>
       </p:ext>
     </p:extLst>
   </p:cSld>
@@ -3578,86 +4792,48 @@
           <a:p>
             <a:r>
               <a:rPr lang="es-ES_tradnl" dirty="0" smtClean="0"/>
+              <a:t>HTML 5</a:t>
+            </a:r>
+            <a:endParaRPr lang="en-US" dirty="0"/>
+          </a:p>
+        </p:txBody>
+      </p:sp>
+      <p:sp>
+        <p:nvSpPr>
+          <p:cNvPr id="3" name="Content Placeholder 2"/>
+          <p:cNvSpPr>
+            <a:spLocks noGrp="1"/>
+          </p:cNvSpPr>
+          <p:nvPr>
+            <p:ph idx="1"/>
+          </p:nvPr>
+        </p:nvSpPr>
+        <p:spPr/>
+        <p:txBody>
+          <a:bodyPr/>
+          <a:lstStyle/>
+          <a:p>
+            <a:r>
+              <a:rPr lang="es-ES_tradnl" dirty="0" smtClean="0"/>
+              <a:t>&lt;!DOCTYPE </a:t>
+            </a:r>
+            <a:r>
+              <a:rPr lang="es-ES_tradnl" dirty="0" err="1" smtClean="0"/>
+              <a:t>html</a:t>
+            </a:r>
+            <a:r>
+              <a:rPr lang="es-ES_tradnl" dirty="0" smtClean="0"/>
+              <a:t>&gt;</a:t>
+            </a:r>
+          </a:p>
+          <a:p>
+            <a:r>
+              <a:rPr lang="es-ES_tradnl" dirty="0" smtClean="0"/>
               <a:t>Nuevos </a:t>
             </a:r>
             <a:r>
               <a:rPr lang="es-ES_tradnl" dirty="0" err="1" smtClean="0"/>
               <a:t>tags</a:t>
-            </a:r>
-            <a:r>
-              <a:rPr lang="es-ES_tradnl" dirty="0" smtClean="0"/>
-              <a:t> (semánticos)</a:t>
-            </a:r>
-            <a:endParaRPr lang="en-US" dirty="0"/>
-          </a:p>
-        </p:txBody>
-      </p:sp>
-      <p:sp>
-        <p:nvSpPr>
-          <p:cNvPr id="3" name="Content Placeholder 2"/>
-          <p:cNvSpPr>
-            <a:spLocks noGrp="1"/>
-          </p:cNvSpPr>
-          <p:nvPr>
-            <p:ph idx="1"/>
-          </p:nvPr>
-        </p:nvSpPr>
-        <p:spPr/>
-        <p:txBody>
-          <a:bodyPr/>
-          <a:lstStyle/>
-          <a:p>
-            <a:r>
-              <a:rPr lang="es-ES_tradnl" dirty="0"/>
-              <a:t>&lt;</a:t>
-            </a:r>
-            <a:r>
-              <a:rPr lang="es-ES_tradnl" dirty="0" err="1"/>
-              <a:t>article</a:t>
-            </a:r>
-            <a:r>
-              <a:rPr lang="es-ES_tradnl" dirty="0" smtClean="0"/>
-              <a:t>&gt; </a:t>
-            </a:r>
-            <a:r>
-              <a:rPr lang="es-ES_tradnl" dirty="0" smtClean="0">
-                <a:sym typeface="Wingdings" panose="05000000000000000000" pitchFamily="2" charset="2"/>
-              </a:rPr>
-              <a:t> unidad de información</a:t>
-            </a:r>
-            <a:endParaRPr lang="es-ES_tradnl" dirty="0"/>
-          </a:p>
-          <a:p>
-            <a:r>
-              <a:rPr lang="es-ES_tradnl" dirty="0" smtClean="0"/>
-              <a:t>&lt;</a:t>
-            </a:r>
-            <a:r>
-              <a:rPr lang="es-ES_tradnl" dirty="0" err="1" smtClean="0"/>
-              <a:t>section</a:t>
-            </a:r>
-            <a:r>
-              <a:rPr lang="es-ES_tradnl" dirty="0" smtClean="0"/>
-              <a:t>&gt; </a:t>
-            </a:r>
-            <a:r>
-              <a:rPr lang="es-ES_tradnl" dirty="0" smtClean="0">
-                <a:sym typeface="Wingdings" panose="05000000000000000000" pitchFamily="2" charset="2"/>
-              </a:rPr>
-              <a:t> grupo de unidades de información</a:t>
-            </a:r>
-            <a:endParaRPr lang="es-ES_tradnl" dirty="0" smtClean="0"/>
-          </a:p>
-          <a:p>
-            <a:r>
-              <a:rPr lang="es-ES_tradnl" dirty="0" smtClean="0"/>
-              <a:t>&lt;time&gt; </a:t>
-            </a:r>
-            <a:r>
-              <a:rPr lang="es-ES_tradnl" dirty="0" smtClean="0">
-                <a:sym typeface="Wingdings" panose="05000000000000000000" pitchFamily="2" charset="2"/>
-              </a:rPr>
-              <a:t> fecha/hora</a:t>
             </a:r>
             <a:endParaRPr lang="en-US" dirty="0"/>
           </a:p>
@@ -3666,7 +4842,7 @@
     </p:spTree>
     <p:extLst>
       <p:ext uri="{BB962C8B-B14F-4D97-AF65-F5344CB8AC3E}">
-        <p14:creationId xmlns:p14="http://schemas.microsoft.com/office/powerpoint/2010/main" val="3573270690"/>
+        <p14:creationId xmlns:p14="http://schemas.microsoft.com/office/powerpoint/2010/main" val="1199194102"/>
       </p:ext>
     </p:extLst>
   </p:cSld>
@@ -3709,12 +4885,16 @@
           <a:lstStyle/>
           <a:p>
             <a:r>
+              <a:rPr lang="es-ES_tradnl" dirty="0" smtClean="0"/>
+              <a:t>Nuevos </a:t>
+            </a:r>
+            <a:r>
               <a:rPr lang="es-ES_tradnl" dirty="0" err="1" smtClean="0"/>
-              <a:t>Class</a:t>
-            </a:r>
-            <a:r>
-              <a:rPr lang="es-ES_tradnl" dirty="0" smtClean="0"/>
-              <a:t> vs Id</a:t>
+              <a:t>Tags</a:t>
+            </a:r>
+            <a:r>
+              <a:rPr lang="es-ES_tradnl" dirty="0" smtClean="0"/>
+              <a:t> (media)</a:t>
             </a:r>
             <a:endParaRPr lang="en-US" dirty="0"/>
           </a:p>
@@ -3736,32 +4916,28 @@
           <a:lstStyle/>
           <a:p>
             <a:r>
+              <a:rPr lang="es-ES_tradnl" dirty="0" smtClean="0"/>
+              <a:t>&lt;audio&gt;</a:t>
+            </a:r>
+          </a:p>
+          <a:p>
+            <a:r>
+              <a:rPr lang="es-ES_tradnl" dirty="0" smtClean="0"/>
+              <a:t>&lt;video&gt;</a:t>
+            </a:r>
+          </a:p>
+          <a:p>
+            <a:r>
+              <a:rPr lang="es-ES_tradnl" dirty="0" smtClean="0"/>
+              <a:t>&lt;</a:t>
+            </a:r>
+            <a:r>
               <a:rPr lang="es-ES_tradnl" dirty="0" err="1" smtClean="0"/>
-              <a:t>Class</a:t>
-            </a:r>
-            <a:r>
-              <a:rPr lang="es-ES_tradnl" dirty="0" smtClean="0"/>
-              <a:t> == muchas veces</a:t>
-            </a:r>
-          </a:p>
-          <a:p>
-            <a:pPr lvl="1"/>
-            <a:r>
-              <a:rPr lang="es-ES_tradnl" dirty="0" smtClean="0"/>
-              <a:t>reutilización</a:t>
-            </a:r>
-          </a:p>
-          <a:p>
-            <a:r>
-              <a:rPr lang="es-ES_tradnl" dirty="0" smtClean="0"/>
-              <a:t>Id == solo una vez</a:t>
-            </a:r>
-          </a:p>
-          <a:p>
-            <a:pPr lvl="1"/>
-            <a:r>
-              <a:rPr lang="es-ES_tradnl" dirty="0" smtClean="0"/>
-              <a:t>diferenciación</a:t>
+              <a:t>canvas</a:t>
+            </a:r>
+            <a:r>
+              <a:rPr lang="es-ES_tradnl" dirty="0" smtClean="0"/>
+              <a:t>&gt;</a:t>
             </a:r>
             <a:endParaRPr lang="en-US" dirty="0"/>
           </a:p>
@@ -3770,7 +4946,7 @@
     </p:spTree>
     <p:extLst>
       <p:ext uri="{BB962C8B-B14F-4D97-AF65-F5344CB8AC3E}">
-        <p14:creationId xmlns:p14="http://schemas.microsoft.com/office/powerpoint/2010/main" val="1580177591"/>
+        <p14:creationId xmlns:p14="http://schemas.microsoft.com/office/powerpoint/2010/main" val="2125965985"/>
       </p:ext>
     </p:extLst>
   </p:cSld>
@@ -3799,7 +4975,7 @@
       </p:grpSpPr>
       <p:sp>
         <p:nvSpPr>
-          <p:cNvPr id="4" name="Title 3"/>
+          <p:cNvPr id="2" name="Title 1"/>
           <p:cNvSpPr>
             <a:spLocks noGrp="1"/>
           </p:cNvSpPr>
@@ -3814,36 +4990,163 @@
           <a:p>
             <a:r>
               <a:rPr lang="es-ES_tradnl" dirty="0" smtClean="0"/>
-              <a:t>CSS :  </a:t>
+              <a:t>Nuevos </a:t>
             </a:r>
             <a:r>
               <a:rPr lang="es-ES_tradnl" dirty="0" err="1" smtClean="0"/>
-              <a:t>Cascading</a:t>
-            </a:r>
-            <a:r>
-              <a:rPr lang="es-ES_tradnl" dirty="0" smtClean="0"/>
-              <a:t> </a:t>
+              <a:t>tags</a:t>
+            </a:r>
+            <a:r>
+              <a:rPr lang="es-ES_tradnl" dirty="0" smtClean="0"/>
+              <a:t> (estructurales)</a:t>
+            </a:r>
+            <a:endParaRPr lang="en-US" dirty="0"/>
+          </a:p>
+        </p:txBody>
+      </p:sp>
+      <p:sp>
+        <p:nvSpPr>
+          <p:cNvPr id="3" name="Content Placeholder 2"/>
+          <p:cNvSpPr>
+            <a:spLocks noGrp="1"/>
+          </p:cNvSpPr>
+          <p:nvPr>
+            <p:ph idx="1"/>
+          </p:nvPr>
+        </p:nvSpPr>
+        <p:spPr/>
+        <p:txBody>
+          <a:bodyPr/>
+          <a:lstStyle/>
+          <a:p>
+            <a:r>
+              <a:rPr lang="es-ES_tradnl" dirty="0" smtClean="0"/>
+              <a:t>&lt;</a:t>
             </a:r>
             <a:r>
               <a:rPr lang="es-ES_tradnl" dirty="0" err="1" smtClean="0"/>
-              <a:t>style</a:t>
-            </a:r>
-            <a:r>
-              <a:rPr lang="es-ES_tradnl" dirty="0" smtClean="0"/>
-              <a:t> </a:t>
+              <a:t>header</a:t>
+            </a:r>
+            <a:r>
+              <a:rPr lang="es-ES_tradnl" dirty="0" smtClean="0"/>
+              <a:t>&gt; </a:t>
+            </a:r>
+            <a:r>
+              <a:rPr lang="es-ES_tradnl" dirty="0" smtClean="0">
+                <a:sym typeface="Wingdings" panose="05000000000000000000" pitchFamily="2" charset="2"/>
+              </a:rPr>
+              <a:t> encabezado</a:t>
+            </a:r>
+            <a:endParaRPr lang="es-ES_tradnl" dirty="0" smtClean="0"/>
+          </a:p>
+          <a:p>
+            <a:r>
+              <a:rPr lang="es-ES_tradnl" dirty="0" smtClean="0"/>
+              <a:t>&lt;</a:t>
             </a:r>
             <a:r>
               <a:rPr lang="es-ES_tradnl" dirty="0" err="1" smtClean="0"/>
-              <a:t>sheets</a:t>
-            </a:r>
-            <a:endParaRPr lang="en-US" dirty="0"/>
+              <a:t>aside</a:t>
+            </a:r>
+            <a:r>
+              <a:rPr lang="es-ES_tradnl" dirty="0" smtClean="0"/>
+              <a:t>&gt; </a:t>
+            </a:r>
+            <a:r>
+              <a:rPr lang="es-ES_tradnl" dirty="0" smtClean="0">
+                <a:sym typeface="Wingdings" panose="05000000000000000000" pitchFamily="2" charset="2"/>
+              </a:rPr>
+              <a:t> </a:t>
+            </a:r>
+            <a:r>
+              <a:rPr lang="es-ES_tradnl" dirty="0" err="1" smtClean="0">
+                <a:sym typeface="Wingdings" panose="05000000000000000000" pitchFamily="2" charset="2"/>
+              </a:rPr>
+              <a:t>info</a:t>
+            </a:r>
+            <a:r>
+              <a:rPr lang="es-ES_tradnl" dirty="0" smtClean="0">
+                <a:sym typeface="Wingdings" panose="05000000000000000000" pitchFamily="2" charset="2"/>
+              </a:rPr>
+              <a:t> complementaria / </a:t>
+            </a:r>
+            <a:r>
+              <a:rPr lang="es-ES_tradnl" dirty="0" err="1" smtClean="0">
+                <a:sym typeface="Wingdings" panose="05000000000000000000" pitchFamily="2" charset="2"/>
+              </a:rPr>
+              <a:t>sidebar</a:t>
+            </a:r>
+            <a:endParaRPr lang="es-ES_tradnl" dirty="0" smtClean="0"/>
+          </a:p>
+          <a:p>
+            <a:r>
+              <a:rPr lang="es-ES_tradnl" dirty="0" smtClean="0"/>
+              <a:t>&lt;</a:t>
+            </a:r>
+            <a:r>
+              <a:rPr lang="es-ES_tradnl" dirty="0" err="1" smtClean="0"/>
+              <a:t>footer</a:t>
+            </a:r>
+            <a:r>
+              <a:rPr lang="es-ES_tradnl" dirty="0" smtClean="0"/>
+              <a:t>&gt; </a:t>
+            </a:r>
+            <a:r>
+              <a:rPr lang="es-ES_tradnl" dirty="0" smtClean="0">
+                <a:sym typeface="Wingdings" panose="05000000000000000000" pitchFamily="2" charset="2"/>
+              </a:rPr>
+              <a:t> pie de página</a:t>
+            </a:r>
+            <a:endParaRPr lang="es-ES_tradnl" dirty="0" smtClean="0"/>
+          </a:p>
+          <a:p>
+            <a:r>
+              <a:rPr lang="es-ES_tradnl" dirty="0" smtClean="0"/>
+              <a:t>&lt;</a:t>
+            </a:r>
+            <a:r>
+              <a:rPr lang="es-ES_tradnl" dirty="0" err="1" smtClean="0"/>
+              <a:t>hgroup</a:t>
+            </a:r>
+            <a:r>
+              <a:rPr lang="es-ES_tradnl" dirty="0" smtClean="0"/>
+              <a:t>&gt; </a:t>
+            </a:r>
+            <a:r>
+              <a:rPr lang="es-ES_tradnl" dirty="0" smtClean="0">
+                <a:sym typeface="Wingdings" panose="05000000000000000000" pitchFamily="2" charset="2"/>
+              </a:rPr>
+              <a:t> grupo de encabezados</a:t>
+            </a:r>
+            <a:endParaRPr lang="es-ES_tradnl" dirty="0" smtClean="0"/>
+          </a:p>
+          <a:p>
+            <a:r>
+              <a:rPr lang="es-ES_tradnl" dirty="0" smtClean="0"/>
+              <a:t>&lt;</a:t>
+            </a:r>
+            <a:r>
+              <a:rPr lang="es-ES_tradnl" dirty="0" err="1" smtClean="0"/>
+              <a:t>nav</a:t>
+            </a:r>
+            <a:r>
+              <a:rPr lang="es-ES_tradnl" dirty="0" smtClean="0"/>
+              <a:t>&gt; </a:t>
+            </a:r>
+            <a:r>
+              <a:rPr lang="es-ES_tradnl" dirty="0" smtClean="0">
+                <a:sym typeface="Wingdings" panose="05000000000000000000" pitchFamily="2" charset="2"/>
+              </a:rPr>
+              <a:t> menú de navegación</a:t>
+            </a:r>
+            <a:endParaRPr lang="en-US" dirty="0" smtClean="0"/>
           </a:p>
         </p:txBody>
       </p:sp>
     </p:spTree>
     <p:extLst>
       <p:ext uri="{BB962C8B-B14F-4D97-AF65-F5344CB8AC3E}">
-        <p14:creationId xmlns:p14="http://schemas.microsoft.com/office/powerpoint/2010/main" val="769260831"/>
+        <p14:creationId xmlns:p14="http://schemas.microsoft.com/office/powerpoint/2010/main" val="3014043091"/>
       </p:ext>
     </p:extLst>
   </p:cSld>
@@ -3887,7 +5190,15 @@
           <a:p>
             <a:r>
               <a:rPr lang="es-ES_tradnl" dirty="0" smtClean="0"/>
-              <a:t>Sintaxis CSS</a:t>
+              <a:t>Nuevos </a:t>
+            </a:r>
+            <a:r>
+              <a:rPr lang="es-ES_tradnl" dirty="0" err="1" smtClean="0"/>
+              <a:t>tags</a:t>
+            </a:r>
+            <a:r>
+              <a:rPr lang="es-ES_tradnl" dirty="0" smtClean="0"/>
+              <a:t> (semánticos)</a:t>
             </a:r>
             <a:endParaRPr lang="en-US" dirty="0"/>
           </a:p>
@@ -3903,206 +5214,71 @@
             <p:ph idx="1"/>
           </p:nvPr>
         </p:nvSpPr>
-        <p:spPr>
-          <a:xfrm>
-            <a:off x="4544792" y="3110138"/>
-            <a:ext cx="3494314" cy="2115004"/>
-          </a:xfrm>
-        </p:spPr>
+        <p:spPr/>
         <p:txBody>
           <a:bodyPr/>
           <a:lstStyle/>
           <a:p>
-            <a:pPr marL="0" indent="0">
-              <a:buNone/>
-            </a:pPr>
-            <a:r>
-              <a:rPr lang="es-ES_tradnl" dirty="0">
-                <a:solidFill>
-                  <a:schemeClr val="accent2">
-                    <a:lumMod val="75000"/>
-                  </a:schemeClr>
-                </a:solidFill>
-              </a:rPr>
-              <a:t>s</a:t>
+            <a:r>
+              <a:rPr lang="es-ES_tradnl" dirty="0"/>
+              <a:t>&lt;</a:t>
+            </a:r>
+            <a:r>
+              <a:rPr lang="es-ES_tradnl" dirty="0" err="1"/>
+              <a:t>article</a:t>
+            </a:r>
+            <a:r>
+              <a:rPr lang="es-ES_tradnl" dirty="0" smtClean="0"/>
+              <a:t>&gt; </a:t>
             </a:r>
             <a:r>
               <a:rPr lang="es-ES_tradnl" dirty="0" smtClean="0">
-                <a:solidFill>
-                  <a:schemeClr val="accent2">
-                    <a:lumMod val="75000"/>
-                  </a:schemeClr>
-                </a:solidFill>
-              </a:rPr>
-              <a:t>elector {</a:t>
-            </a:r>
-          </a:p>
-          <a:p>
-            <a:pPr marL="0" indent="0">
-              <a:buNone/>
-            </a:pPr>
-            <a:r>
-              <a:rPr lang="es-ES_tradnl" dirty="0"/>
-              <a:t>	</a:t>
+                <a:sym typeface="Wingdings" panose="05000000000000000000" pitchFamily="2" charset="2"/>
+              </a:rPr>
+              <a:t> unidad de información</a:t>
+            </a:r>
+            <a:endParaRPr lang="es-ES_tradnl" dirty="0"/>
+          </a:p>
+          <a:p>
+            <a:r>
+              <a:rPr lang="es-ES_tradnl" dirty="0" smtClean="0"/>
+              <a:t>&lt;</a:t>
+            </a:r>
+            <a:r>
+              <a:rPr lang="es-ES_tradnl" dirty="0" err="1" smtClean="0"/>
+              <a:t>section</a:t>
+            </a:r>
+            <a:r>
+              <a:rPr lang="es-ES_tradnl" dirty="0" smtClean="0"/>
+              <a:t>&gt; </a:t>
             </a:r>
             <a:r>
               <a:rPr lang="es-ES_tradnl" dirty="0" smtClean="0">
-                <a:solidFill>
-                  <a:schemeClr val="accent6"/>
-                </a:solidFill>
-              </a:rPr>
-              <a:t>regla1</a:t>
-            </a:r>
-            <a:r>
-              <a:rPr lang="es-ES_tradnl" dirty="0" smtClean="0"/>
-              <a:t>: valor1;</a:t>
-            </a:r>
-          </a:p>
-          <a:p>
-            <a:pPr marL="0" indent="0">
-              <a:buNone/>
-            </a:pPr>
-            <a:r>
-              <a:rPr lang="es-ES_tradnl" dirty="0"/>
-              <a:t>	</a:t>
+                <a:sym typeface="Wingdings" panose="05000000000000000000" pitchFamily="2" charset="2"/>
+              </a:rPr>
+              <a:t> grupo de unidades de información</a:t>
+            </a:r>
+            <a:endParaRPr lang="es-ES_tradnl" dirty="0" smtClean="0"/>
+          </a:p>
+          <a:p>
+            <a:r>
+              <a:rPr lang="es-ES_tradnl" dirty="0" smtClean="0"/>
+              <a:t>&lt;time&gt; </a:t>
             </a:r>
             <a:r>
               <a:rPr lang="es-ES_tradnl" dirty="0" smtClean="0">
-                <a:solidFill>
-                  <a:schemeClr val="accent6"/>
-                </a:solidFill>
-              </a:rPr>
-              <a:t>regla2</a:t>
-            </a:r>
-            <a:r>
-              <a:rPr lang="es-ES_tradnl" dirty="0" smtClean="0"/>
-              <a:t>: valor2;</a:t>
-            </a:r>
-          </a:p>
-          <a:p>
-            <a:pPr marL="0" indent="0">
-              <a:buNone/>
-            </a:pPr>
-            <a:r>
-              <a:rPr lang="es-ES_tradnl" dirty="0">
-                <a:solidFill>
-                  <a:schemeClr val="accent2">
-                    <a:lumMod val="75000"/>
-                  </a:schemeClr>
-                </a:solidFill>
-              </a:rPr>
-              <a:t>}</a:t>
-            </a:r>
-            <a:endParaRPr lang="en-US" dirty="0">
-              <a:solidFill>
-                <a:schemeClr val="accent2">
-                  <a:lumMod val="75000"/>
-                </a:schemeClr>
-              </a:solidFill>
-            </a:endParaRPr>
-          </a:p>
-        </p:txBody>
-      </p:sp>
-      <p:sp>
-        <p:nvSpPr>
-          <p:cNvPr id="4" name="Rounded Rectangular Callout 3"/>
-          <p:cNvSpPr/>
-          <p:nvPr/>
-        </p:nvSpPr>
-        <p:spPr>
-          <a:xfrm>
-            <a:off x="1752606" y="2148517"/>
-            <a:ext cx="2198914" cy="961621"/>
-          </a:xfrm>
-          <a:prstGeom prst="wedgeRoundRectCallout">
-            <a:avLst>
-              <a:gd name="adj1" fmla="val 78106"/>
-              <a:gd name="adj2" fmla="val 54705"/>
-              <a:gd name="adj3" fmla="val 16667"/>
-            </a:avLst>
-          </a:prstGeom>
-        </p:spPr>
-        <p:style>
-          <a:lnRef idx="2">
-            <a:schemeClr val="accent1">
-              <a:shade val="50000"/>
-            </a:schemeClr>
-          </a:lnRef>
-          <a:fillRef idx="1">
-            <a:schemeClr val="accent1"/>
-          </a:fillRef>
-          <a:effectRef idx="0">
-            <a:schemeClr val="accent1"/>
-          </a:effectRef>
-          <a:fontRef idx="minor">
-            <a:schemeClr val="lt1"/>
-          </a:fontRef>
-        </p:style>
-        <p:txBody>
-          <a:bodyPr rtlCol="0" anchor="ctr"/>
-          <a:lstStyle/>
-          <a:p>
-            <a:pPr algn="ctr"/>
-            <a:r>
-              <a:rPr lang="es-ES_tradnl" sz="3200" dirty="0" smtClean="0"/>
-              <a:t>Que se modifica</a:t>
-            </a:r>
-            <a:endParaRPr lang="en-US" sz="3200" dirty="0"/>
-          </a:p>
-        </p:txBody>
-      </p:sp>
-      <p:sp>
-        <p:nvSpPr>
-          <p:cNvPr id="5" name="Rounded Rectangular Callout 4"/>
-          <p:cNvSpPr/>
-          <p:nvPr/>
-        </p:nvSpPr>
-        <p:spPr>
-          <a:xfrm>
-            <a:off x="8382006" y="3686829"/>
-            <a:ext cx="2198914" cy="961621"/>
-          </a:xfrm>
-          <a:prstGeom prst="wedgeRoundRectCallout">
-            <a:avLst>
-              <a:gd name="adj1" fmla="val -74368"/>
-              <a:gd name="adj2" fmla="val -20009"/>
-              <a:gd name="adj3" fmla="val 16667"/>
-            </a:avLst>
-          </a:prstGeom>
-        </p:spPr>
-        <p:style>
-          <a:lnRef idx="2">
-            <a:schemeClr val="accent1">
-              <a:shade val="50000"/>
-            </a:schemeClr>
-          </a:lnRef>
-          <a:fillRef idx="1">
-            <a:schemeClr val="accent1"/>
-          </a:fillRef>
-          <a:effectRef idx="0">
-            <a:schemeClr val="accent1"/>
-          </a:effectRef>
-          <a:fontRef idx="minor">
-            <a:schemeClr val="lt1"/>
-          </a:fontRef>
-        </p:style>
-        <p:txBody>
-          <a:bodyPr rtlCol="0" anchor="ctr"/>
-          <a:lstStyle/>
-          <a:p>
-            <a:pPr algn="ctr"/>
-            <a:r>
-              <a:rPr lang="es-ES_tradnl" sz="3200" dirty="0" smtClean="0"/>
-              <a:t>Como se modifica</a:t>
-            </a:r>
-            <a:endParaRPr lang="en-US" sz="3200" dirty="0"/>
+                <a:sym typeface="Wingdings" panose="05000000000000000000" pitchFamily="2" charset="2"/>
+              </a:rPr>
+              <a:t> fecha/hora</a:t>
+            </a:r>
+            <a:endParaRPr lang="en-US" dirty="0"/>
           </a:p>
         </p:txBody>
       </p:sp>
     </p:spTree>
     <p:extLst>
       <p:ext uri="{BB962C8B-B14F-4D97-AF65-F5344CB8AC3E}">
-        <p14:creationId xmlns:p14="http://schemas.microsoft.com/office/powerpoint/2010/main" val="3042965058"/>
+        <p14:creationId xmlns:p14="http://schemas.microsoft.com/office/powerpoint/2010/main" val="3573270690"/>
       </p:ext>
     </p:extLst>
   </p:cSld>
@@ -4131,113 +5307,519 @@
       </p:grpSpPr>
       <p:sp>
         <p:nvSpPr>
-          <p:cNvPr id="2" name="Title 1"/>
-          <p:cNvSpPr>
-            <a:spLocks noGrp="1"/>
-          </p:cNvSpPr>
-          <p:nvPr>
-            <p:ph type="title"/>
-          </p:nvPr>
-        </p:nvSpPr>
-        <p:spPr/>
-        <p:txBody>
-          <a:bodyPr/>
-          <a:lstStyle/>
-          <a:p>
-            <a:r>
-              <a:rPr lang="es-ES_tradnl" dirty="0" smtClean="0"/>
-              <a:t>Sintaxis de selectores</a:t>
-            </a:r>
-            <a:endParaRPr lang="en-US" dirty="0"/>
-          </a:p>
-        </p:txBody>
-      </p:sp>
-      <p:sp>
-        <p:nvSpPr>
-          <p:cNvPr id="3" name="Content Placeholder 2"/>
-          <p:cNvSpPr>
-            <a:spLocks noGrp="1"/>
-          </p:cNvSpPr>
-          <p:nvPr>
-            <p:ph idx="1"/>
-          </p:nvPr>
-        </p:nvSpPr>
-        <p:spPr/>
-        <p:txBody>
-          <a:bodyPr/>
-          <a:lstStyle/>
-          <a:p>
-            <a:pPr marL="0" indent="0">
-              <a:buNone/>
-            </a:pPr>
-            <a:endParaRPr lang="es-ES_tradnl" dirty="0" smtClean="0"/>
-          </a:p>
-          <a:p>
-            <a:pPr marL="0" indent="0">
-              <a:buNone/>
-            </a:pPr>
-            <a:r>
-              <a:rPr lang="es-ES_tradnl" dirty="0" smtClean="0"/>
-              <a:t>Etiqueta </a:t>
-            </a:r>
-            <a:r>
-              <a:rPr lang="es-ES_tradnl" dirty="0" smtClean="0">
-                <a:sym typeface="Wingdings" panose="05000000000000000000" pitchFamily="2" charset="2"/>
-              </a:rPr>
-              <a:t> &lt;etiqueta&gt;</a:t>
-            </a:r>
-            <a:endParaRPr lang="es-ES_tradnl" dirty="0" smtClean="0"/>
-          </a:p>
-          <a:p>
-            <a:pPr marL="0" indent="0">
-              <a:buNone/>
-            </a:pPr>
-            <a:r>
-              <a:rPr lang="es-ES_tradnl" dirty="0" smtClean="0"/>
-              <a:t>.clase </a:t>
-            </a:r>
-            <a:r>
-              <a:rPr lang="es-ES_tradnl" dirty="0" smtClean="0">
-                <a:sym typeface="Wingdings" panose="05000000000000000000" pitchFamily="2" charset="2"/>
-              </a:rPr>
-              <a:t> </a:t>
-            </a:r>
-            <a:r>
-              <a:rPr lang="es-ES_tradnl" dirty="0" err="1" smtClean="0">
-                <a:sym typeface="Wingdings" panose="05000000000000000000" pitchFamily="2" charset="2"/>
-              </a:rPr>
-              <a:t>class</a:t>
-            </a:r>
-            <a:r>
-              <a:rPr lang="es-ES_tradnl" dirty="0" smtClean="0">
-                <a:sym typeface="Wingdings" panose="05000000000000000000" pitchFamily="2" charset="2"/>
-              </a:rPr>
-              <a:t>=“clase”</a:t>
-            </a:r>
-            <a:endParaRPr lang="es-ES_tradnl" dirty="0" smtClean="0"/>
-          </a:p>
-          <a:p>
-            <a:pPr marL="0" indent="0">
-              <a:buNone/>
-            </a:pPr>
-            <a:r>
-              <a:rPr lang="es-ES_tradnl" dirty="0" smtClean="0"/>
-              <a:t>#id </a:t>
-            </a:r>
-            <a:r>
-              <a:rPr lang="es-ES_tradnl" dirty="0" smtClean="0">
-                <a:sym typeface="Wingdings" panose="05000000000000000000" pitchFamily="2" charset="2"/>
-              </a:rPr>
-              <a:t>id=“id”</a:t>
-            </a:r>
-            <a:endParaRPr lang="en-US" dirty="0"/>
-          </a:p>
-        </p:txBody>
-      </p:sp>
+          <p:cNvPr id="16" name="Rectangle 15"/>
+          <p:cNvSpPr/>
+          <p:nvPr/>
+        </p:nvSpPr>
+        <p:spPr>
+          <a:xfrm>
+            <a:off x="2970333" y="1794514"/>
+            <a:ext cx="4362119" cy="3950678"/>
+          </a:xfrm>
+          <a:prstGeom prst="rect">
+            <a:avLst/>
+          </a:prstGeom>
+        </p:spPr>
+        <p:style>
+          <a:lnRef idx="2">
+            <a:schemeClr val="accent6">
+              <a:shade val="50000"/>
+            </a:schemeClr>
+          </a:lnRef>
+          <a:fillRef idx="1">
+            <a:schemeClr val="accent6"/>
+          </a:fillRef>
+          <a:effectRef idx="0">
+            <a:schemeClr val="accent6"/>
+          </a:effectRef>
+          <a:fontRef idx="minor">
+            <a:schemeClr val="lt1"/>
+          </a:fontRef>
+        </p:style>
+        <p:txBody>
+          <a:bodyPr rtlCol="0" anchor="t"/>
+          <a:lstStyle/>
+          <a:p>
+            <a:pPr algn="ctr"/>
+            <a:r>
+              <a:rPr lang="es-ES_tradnl" sz="3200" b="1" dirty="0" smtClean="0"/>
+              <a:t>&lt;</a:t>
+            </a:r>
+            <a:r>
+              <a:rPr lang="es-ES_tradnl" sz="3200" b="1" dirty="0" err="1" smtClean="0"/>
+              <a:t>section</a:t>
+            </a:r>
+            <a:r>
+              <a:rPr lang="es-ES_tradnl" sz="3200" b="1" dirty="0" smtClean="0"/>
+              <a:t>&gt;</a:t>
+            </a:r>
+            <a:endParaRPr lang="en-US" sz="3200" b="1" dirty="0"/>
+          </a:p>
+        </p:txBody>
+      </p:sp>
+      <p:sp>
+        <p:nvSpPr>
+          <p:cNvPr id="6" name="Rectangle 5"/>
+          <p:cNvSpPr/>
+          <p:nvPr/>
+        </p:nvSpPr>
+        <p:spPr>
+          <a:xfrm>
+            <a:off x="3166253" y="3695207"/>
+            <a:ext cx="3918384" cy="1894710"/>
+          </a:xfrm>
+          <a:prstGeom prst="rect">
+            <a:avLst/>
+          </a:prstGeom>
+        </p:spPr>
+        <p:style>
+          <a:lnRef idx="2">
+            <a:schemeClr val="accent5">
+              <a:shade val="50000"/>
+            </a:schemeClr>
+          </a:lnRef>
+          <a:fillRef idx="1">
+            <a:schemeClr val="accent5"/>
+          </a:fillRef>
+          <a:effectRef idx="0">
+            <a:schemeClr val="accent5"/>
+          </a:effectRef>
+          <a:fontRef idx="minor">
+            <a:schemeClr val="lt1"/>
+          </a:fontRef>
+        </p:style>
+        <p:txBody>
+          <a:bodyPr rtlCol="0" anchor="t"/>
+          <a:lstStyle/>
+          <a:p>
+            <a:pPr algn="ctr"/>
+            <a:r>
+              <a:rPr lang="es-ES_tradnl" sz="3200" b="1" dirty="0" smtClean="0"/>
+              <a:t>&lt;</a:t>
+            </a:r>
+            <a:r>
+              <a:rPr lang="es-ES_tradnl" sz="3200" b="1" dirty="0" err="1" smtClean="0"/>
+              <a:t>article</a:t>
+            </a:r>
+            <a:r>
+              <a:rPr lang="es-ES_tradnl" sz="3200" b="1" dirty="0" smtClean="0"/>
+              <a:t>&gt;</a:t>
+            </a:r>
+            <a:endParaRPr lang="en-US" sz="3200" b="1" dirty="0"/>
+          </a:p>
+        </p:txBody>
+      </p:sp>
+      <p:sp>
+        <p:nvSpPr>
+          <p:cNvPr id="4" name="Rectangle 3"/>
+          <p:cNvSpPr/>
+          <p:nvPr/>
+        </p:nvSpPr>
+        <p:spPr>
+          <a:xfrm>
+            <a:off x="3279517" y="4285301"/>
+            <a:ext cx="3691856" cy="555765"/>
+          </a:xfrm>
+          <a:prstGeom prst="rect">
+            <a:avLst/>
+          </a:prstGeom>
+        </p:spPr>
+        <p:style>
+          <a:lnRef idx="2">
+            <a:schemeClr val="accent1">
+              <a:shade val="50000"/>
+            </a:schemeClr>
+          </a:lnRef>
+          <a:fillRef idx="1">
+            <a:schemeClr val="accent1"/>
+          </a:fillRef>
+          <a:effectRef idx="0">
+            <a:schemeClr val="accent1"/>
+          </a:effectRef>
+          <a:fontRef idx="minor">
+            <a:schemeClr val="lt1"/>
+          </a:fontRef>
+        </p:style>
+        <p:txBody>
+          <a:bodyPr rtlCol="0" anchor="ctr"/>
+          <a:lstStyle/>
+          <a:p>
+            <a:pPr algn="ctr"/>
+            <a:r>
+              <a:rPr lang="es-ES_tradnl" sz="3200" b="1" dirty="0" smtClean="0"/>
+              <a:t>&lt;p&gt;</a:t>
+            </a:r>
+            <a:endParaRPr lang="en-US" sz="3200" b="1" dirty="0"/>
+          </a:p>
+        </p:txBody>
+      </p:sp>
+      <p:sp>
+        <p:nvSpPr>
+          <p:cNvPr id="5" name="Rectangle 4"/>
+          <p:cNvSpPr/>
+          <p:nvPr/>
+        </p:nvSpPr>
+        <p:spPr>
+          <a:xfrm>
+            <a:off x="3279517" y="4908962"/>
+            <a:ext cx="3691856" cy="567771"/>
+          </a:xfrm>
+          <a:prstGeom prst="rect">
+            <a:avLst/>
+          </a:prstGeom>
+        </p:spPr>
+        <p:style>
+          <a:lnRef idx="2">
+            <a:schemeClr val="accent1">
+              <a:shade val="50000"/>
+            </a:schemeClr>
+          </a:lnRef>
+          <a:fillRef idx="1">
+            <a:schemeClr val="accent1"/>
+          </a:fillRef>
+          <a:effectRef idx="0">
+            <a:schemeClr val="accent1"/>
+          </a:effectRef>
+          <a:fontRef idx="minor">
+            <a:schemeClr val="lt1"/>
+          </a:fontRef>
+        </p:style>
+        <p:txBody>
+          <a:bodyPr rtlCol="0" anchor="ctr"/>
+          <a:lstStyle/>
+          <a:p>
+            <a:pPr algn="ctr"/>
+            <a:r>
+              <a:rPr lang="es-ES_tradnl" sz="3200" b="1" dirty="0" smtClean="0"/>
+              <a:t>&lt;p&gt;</a:t>
+            </a:r>
+            <a:endParaRPr lang="en-US" sz="3200" b="1" dirty="0"/>
+          </a:p>
+        </p:txBody>
+      </p:sp>
+      <p:sp>
+        <p:nvSpPr>
+          <p:cNvPr id="7" name="Rectangle 6"/>
+          <p:cNvSpPr/>
+          <p:nvPr/>
+        </p:nvSpPr>
+        <p:spPr>
+          <a:xfrm>
+            <a:off x="7504982" y="1794515"/>
+            <a:ext cx="1854709" cy="3950678"/>
+          </a:xfrm>
+          <a:prstGeom prst="rect">
+            <a:avLst/>
+          </a:prstGeom>
+        </p:spPr>
+        <p:style>
+          <a:lnRef idx="2">
+            <a:schemeClr val="accent6">
+              <a:shade val="50000"/>
+            </a:schemeClr>
+          </a:lnRef>
+          <a:fillRef idx="1">
+            <a:schemeClr val="accent6"/>
+          </a:fillRef>
+          <a:effectRef idx="0">
+            <a:schemeClr val="accent6"/>
+          </a:effectRef>
+          <a:fontRef idx="minor">
+            <a:schemeClr val="lt1"/>
+          </a:fontRef>
+        </p:style>
+        <p:txBody>
+          <a:bodyPr rtlCol="0" anchor="ctr"/>
+          <a:lstStyle/>
+          <a:p>
+            <a:pPr algn="ctr"/>
+            <a:r>
+              <a:rPr lang="es-ES_tradnl" sz="3200" b="1" dirty="0" smtClean="0"/>
+              <a:t>&lt;</a:t>
+            </a:r>
+            <a:r>
+              <a:rPr lang="es-ES_tradnl" sz="3200" b="1" dirty="0" err="1" smtClean="0"/>
+              <a:t>aside</a:t>
+            </a:r>
+            <a:r>
+              <a:rPr lang="es-ES_tradnl" sz="3200" b="1" dirty="0" smtClean="0"/>
+              <a:t>&gt;</a:t>
+            </a:r>
+            <a:endParaRPr lang="en-US" sz="3200" b="1" dirty="0"/>
+          </a:p>
+        </p:txBody>
+      </p:sp>
+      <p:sp>
+        <p:nvSpPr>
+          <p:cNvPr id="8" name="Rectangle 7"/>
+          <p:cNvSpPr/>
+          <p:nvPr/>
+        </p:nvSpPr>
+        <p:spPr>
+          <a:xfrm>
+            <a:off x="2970334" y="1105438"/>
+            <a:ext cx="6386482" cy="540059"/>
+          </a:xfrm>
+          <a:prstGeom prst="rect">
+            <a:avLst/>
+          </a:prstGeom>
+        </p:spPr>
+        <p:style>
+          <a:lnRef idx="2">
+            <a:schemeClr val="accent6">
+              <a:shade val="50000"/>
+            </a:schemeClr>
+          </a:lnRef>
+          <a:fillRef idx="1">
+            <a:schemeClr val="accent6"/>
+          </a:fillRef>
+          <a:effectRef idx="0">
+            <a:schemeClr val="accent6"/>
+          </a:effectRef>
+          <a:fontRef idx="minor">
+            <a:schemeClr val="lt1"/>
+          </a:fontRef>
+        </p:style>
+        <p:txBody>
+          <a:bodyPr rtlCol="0" anchor="ctr"/>
+          <a:lstStyle/>
+          <a:p>
+            <a:pPr algn="ctr"/>
+            <a:r>
+              <a:rPr lang="es-ES_tradnl" sz="3200" b="1" dirty="0" smtClean="0"/>
+              <a:t>&lt;</a:t>
+            </a:r>
+            <a:r>
+              <a:rPr lang="es-ES_tradnl" sz="3200" b="1" dirty="0" err="1" smtClean="0"/>
+              <a:t>nav</a:t>
+            </a:r>
+            <a:r>
+              <a:rPr lang="es-ES_tradnl" sz="3200" b="1" dirty="0" smtClean="0"/>
+              <a:t>&gt;</a:t>
+            </a:r>
+            <a:endParaRPr lang="en-US" sz="3200" b="1" dirty="0"/>
+          </a:p>
+        </p:txBody>
+      </p:sp>
+      <p:sp>
+        <p:nvSpPr>
+          <p:cNvPr id="9" name="Rectangle 8"/>
+          <p:cNvSpPr/>
+          <p:nvPr/>
+        </p:nvSpPr>
+        <p:spPr>
+          <a:xfrm>
+            <a:off x="2970334" y="362356"/>
+            <a:ext cx="6386482" cy="594065"/>
+          </a:xfrm>
+          <a:prstGeom prst="rect">
+            <a:avLst/>
+          </a:prstGeom>
+        </p:spPr>
+        <p:style>
+          <a:lnRef idx="2">
+            <a:schemeClr val="accent6">
+              <a:shade val="50000"/>
+            </a:schemeClr>
+          </a:lnRef>
+          <a:fillRef idx="1">
+            <a:schemeClr val="accent6"/>
+          </a:fillRef>
+          <a:effectRef idx="0">
+            <a:schemeClr val="accent6"/>
+          </a:effectRef>
+          <a:fontRef idx="minor">
+            <a:schemeClr val="lt1"/>
+          </a:fontRef>
+        </p:style>
+        <p:txBody>
+          <a:bodyPr rtlCol="0" anchor="ctr"/>
+          <a:lstStyle/>
+          <a:p>
+            <a:pPr algn="ctr"/>
+            <a:r>
+              <a:rPr lang="es-ES_tradnl" sz="3200" b="1" dirty="0" smtClean="0"/>
+              <a:t>&lt;</a:t>
+            </a:r>
+            <a:r>
+              <a:rPr lang="es-ES_tradnl" sz="3200" b="1" dirty="0" err="1" smtClean="0"/>
+              <a:t>header</a:t>
+            </a:r>
+            <a:r>
+              <a:rPr lang="es-ES_tradnl" sz="3200" b="1" dirty="0" smtClean="0"/>
+              <a:t>&gt;</a:t>
+            </a:r>
+            <a:endParaRPr lang="en-US" sz="3200" b="1" dirty="0"/>
+          </a:p>
+        </p:txBody>
+      </p:sp>
+      <p:sp>
+        <p:nvSpPr>
+          <p:cNvPr id="10" name="Rectangle 9"/>
+          <p:cNvSpPr/>
+          <p:nvPr/>
+        </p:nvSpPr>
+        <p:spPr>
+          <a:xfrm>
+            <a:off x="2970334" y="5901716"/>
+            <a:ext cx="6386482" cy="594065"/>
+          </a:xfrm>
+          <a:prstGeom prst="rect">
+            <a:avLst/>
+          </a:prstGeom>
+        </p:spPr>
+        <p:style>
+          <a:lnRef idx="2">
+            <a:schemeClr val="accent6">
+              <a:shade val="50000"/>
+            </a:schemeClr>
+          </a:lnRef>
+          <a:fillRef idx="1">
+            <a:schemeClr val="accent6"/>
+          </a:fillRef>
+          <a:effectRef idx="0">
+            <a:schemeClr val="accent6"/>
+          </a:effectRef>
+          <a:fontRef idx="minor">
+            <a:schemeClr val="lt1"/>
+          </a:fontRef>
+        </p:style>
+        <p:txBody>
+          <a:bodyPr rtlCol="0" anchor="ctr"/>
+          <a:lstStyle/>
+          <a:p>
+            <a:pPr algn="ctr"/>
+            <a:r>
+              <a:rPr lang="es-ES_tradnl" sz="3200" b="1" dirty="0" smtClean="0"/>
+              <a:t>&lt;</a:t>
+            </a:r>
+            <a:r>
+              <a:rPr lang="es-ES_tradnl" sz="3200" b="1" dirty="0" err="1" smtClean="0"/>
+              <a:t>footer</a:t>
+            </a:r>
+            <a:r>
+              <a:rPr lang="es-ES_tradnl" sz="3200" b="1" dirty="0" smtClean="0"/>
+              <a:t>&gt;</a:t>
+            </a:r>
+            <a:endParaRPr lang="en-US" sz="3200" b="1" dirty="0"/>
+          </a:p>
+        </p:txBody>
+      </p:sp>
+      <p:grpSp>
+        <p:nvGrpSpPr>
+          <p:cNvPr id="15" name="Group 14"/>
+          <p:cNvGrpSpPr/>
+          <p:nvPr/>
+        </p:nvGrpSpPr>
+        <p:grpSpPr>
+          <a:xfrm>
+            <a:off x="3166253" y="2372881"/>
+            <a:ext cx="3918384" cy="1192537"/>
+            <a:chOff x="3166253" y="2045074"/>
+            <a:chExt cx="3918384" cy="1192537"/>
+          </a:xfrm>
+        </p:grpSpPr>
+        <p:sp>
+          <p:nvSpPr>
+            <p:cNvPr id="12" name="Rectangle 11"/>
+            <p:cNvSpPr/>
+            <p:nvPr/>
+          </p:nvSpPr>
+          <p:spPr>
+            <a:xfrm>
+              <a:off x="3166253" y="2045074"/>
+              <a:ext cx="3918384" cy="1192537"/>
+            </a:xfrm>
+            <a:prstGeom prst="rect">
+              <a:avLst/>
+            </a:prstGeom>
+          </p:spPr>
+          <p:style>
+            <a:lnRef idx="2">
+              <a:schemeClr val="accent5">
+                <a:shade val="50000"/>
+              </a:schemeClr>
+            </a:lnRef>
+            <a:fillRef idx="1">
+              <a:schemeClr val="accent5"/>
+            </a:fillRef>
+            <a:effectRef idx="0">
+              <a:schemeClr val="accent5"/>
+            </a:effectRef>
+            <a:fontRef idx="minor">
+              <a:schemeClr val="lt1"/>
+            </a:fontRef>
+          </p:style>
+          <p:txBody>
+            <a:bodyPr rtlCol="0" anchor="t"/>
+            <a:lstStyle/>
+            <a:p>
+              <a:pPr algn="ctr"/>
+              <a:r>
+                <a:rPr lang="es-ES_tradnl" sz="3200" b="1" dirty="0" smtClean="0"/>
+                <a:t>&lt;</a:t>
+              </a:r>
+              <a:r>
+                <a:rPr lang="es-ES_tradnl" sz="3200" b="1" dirty="0" err="1" smtClean="0"/>
+                <a:t>article</a:t>
+              </a:r>
+              <a:r>
+                <a:rPr lang="es-ES_tradnl" sz="3200" b="1" dirty="0" smtClean="0"/>
+                <a:t>&gt;</a:t>
+              </a:r>
+              <a:endParaRPr lang="en-US" sz="3200" b="1" dirty="0"/>
+            </a:p>
+          </p:txBody>
+        </p:sp>
+        <p:sp>
+          <p:nvSpPr>
+            <p:cNvPr id="14" name="Rectangle 13"/>
+            <p:cNvSpPr/>
+            <p:nvPr/>
+          </p:nvSpPr>
+          <p:spPr>
+            <a:xfrm>
+              <a:off x="3279517" y="2606205"/>
+              <a:ext cx="3691856" cy="516558"/>
+            </a:xfrm>
+            <a:prstGeom prst="rect">
+              <a:avLst/>
+            </a:prstGeom>
+          </p:spPr>
+          <p:style>
+            <a:lnRef idx="2">
+              <a:schemeClr val="accent1">
+                <a:shade val="50000"/>
+              </a:schemeClr>
+            </a:lnRef>
+            <a:fillRef idx="1">
+              <a:schemeClr val="accent1"/>
+            </a:fillRef>
+            <a:effectRef idx="0">
+              <a:schemeClr val="accent1"/>
+            </a:effectRef>
+            <a:fontRef idx="minor">
+              <a:schemeClr val="lt1"/>
+            </a:fontRef>
+          </p:style>
+          <p:txBody>
+            <a:bodyPr rtlCol="0" anchor="ctr"/>
+            <a:lstStyle/>
+            <a:p>
+              <a:pPr algn="ctr"/>
+              <a:r>
+                <a:rPr lang="es-ES_tradnl" sz="3200" b="1" dirty="0" smtClean="0"/>
+                <a:t>&lt;p&gt;</a:t>
+              </a:r>
+              <a:endParaRPr lang="en-US" sz="3200" b="1" dirty="0"/>
+            </a:p>
+          </p:txBody>
+        </p:sp>
+      </p:grpSp>
     </p:spTree>
     <p:extLst>
       <p:ext uri="{BB962C8B-B14F-4D97-AF65-F5344CB8AC3E}">
-        <p14:creationId xmlns:p14="http://schemas.microsoft.com/office/powerpoint/2010/main" val="660177771"/>
+        <p14:creationId xmlns:p14="http://schemas.microsoft.com/office/powerpoint/2010/main" val="2455534035"/>
       </p:ext>
     </p:extLst>
   </p:cSld>
@@ -4280,8 +5862,12 @@
           <a:lstStyle/>
           <a:p>
             <a:r>
-              <a:rPr lang="es-ES_tradnl" dirty="0" smtClean="0"/>
-              <a:t>Modelo de caja</a:t>
+              <a:rPr lang="es-ES_tradnl" dirty="0" err="1" smtClean="0"/>
+              <a:t>Class</a:t>
+            </a:r>
+            <a:r>
+              <a:rPr lang="es-ES_tradnl" dirty="0" smtClean="0"/>
+              <a:t> vs Id</a:t>
             </a:r>
             <a:endParaRPr lang="en-US" dirty="0"/>
           </a:p>
@@ -4304,39 +5890,31 @@
           <a:p>
             <a:r>
               <a:rPr lang="es-ES_tradnl" dirty="0" err="1" smtClean="0"/>
-              <a:t>Margin</a:t>
-            </a:r>
-            <a:r>
-              <a:rPr lang="es-ES_tradnl" dirty="0" smtClean="0"/>
-              <a:t>, </a:t>
-            </a:r>
-            <a:r>
-              <a:rPr lang="es-ES_tradnl" dirty="0" err="1" smtClean="0"/>
-              <a:t>border</a:t>
-            </a:r>
-            <a:r>
-              <a:rPr lang="es-ES_tradnl" dirty="0" smtClean="0"/>
-              <a:t>, </a:t>
-            </a:r>
-            <a:r>
-              <a:rPr lang="es-ES_tradnl" dirty="0" err="1" smtClean="0"/>
-              <a:t>padding</a:t>
-            </a:r>
-            <a:r>
-              <a:rPr lang="es-ES_tradnl" dirty="0" smtClean="0"/>
-              <a:t>, </a:t>
-            </a:r>
-            <a:r>
-              <a:rPr lang="es-ES_tradnl" dirty="0" err="1" smtClean="0"/>
-              <a:t>height</a:t>
-            </a:r>
-            <a:r>
-              <a:rPr lang="es-ES_tradnl" dirty="0" smtClean="0"/>
-              <a:t> &amp; </a:t>
-            </a:r>
-            <a:r>
-              <a:rPr lang="es-ES_tradnl" dirty="0" err="1" smtClean="0"/>
-              <a:t>width</a:t>
+              <a:t>Class</a:t>
+            </a:r>
+            <a:r>
+              <a:rPr lang="es-ES_tradnl" dirty="0" smtClean="0"/>
+              <a:t> == muchas veces</a:t>
+            </a:r>
+          </a:p>
+          <a:p>
+            <a:pPr lvl="1"/>
+            <a:r>
+              <a:rPr lang="es-ES_tradnl" dirty="0" smtClean="0"/>
+              <a:t>reutilización</a:t>
+            </a:r>
+          </a:p>
+          <a:p>
+            <a:r>
+              <a:rPr lang="es-ES_tradnl" dirty="0" smtClean="0"/>
+              <a:t>Id == solo una vez</a:t>
+            </a:r>
+          </a:p>
+          <a:p>
+            <a:pPr lvl="1"/>
+            <a:r>
+              <a:rPr lang="es-ES_tradnl" dirty="0" smtClean="0"/>
+              <a:t>diferenciación</a:t>
             </a:r>
             <a:endParaRPr lang="en-US" dirty="0"/>
           </a:p>
@@ -4345,7 +5923,7 @@
     </p:spTree>
     <p:extLst>
       <p:ext uri="{BB962C8B-B14F-4D97-AF65-F5344CB8AC3E}">
-        <p14:creationId xmlns:p14="http://schemas.microsoft.com/office/powerpoint/2010/main" val="3680185540"/>
+        <p14:creationId xmlns:p14="http://schemas.microsoft.com/office/powerpoint/2010/main" val="1580177591"/>
       </p:ext>
     </p:extLst>
   </p:cSld>
@@ -4466,7 +6044,7 @@
       </p:grpSpPr>
       <p:sp>
         <p:nvSpPr>
-          <p:cNvPr id="2" name="Title 1"/>
+          <p:cNvPr id="4" name="Title 3"/>
           <p:cNvSpPr>
             <a:spLocks noGrp="1"/>
           </p:cNvSpPr>
@@ -4481,92 +6059,28 @@
           <a:p>
             <a:r>
               <a:rPr lang="es-ES_tradnl" dirty="0" smtClean="0"/>
-              <a:t>Para ver	</a:t>
-            </a:r>
-            <a:endParaRPr lang="en-US" dirty="0"/>
-          </a:p>
-        </p:txBody>
-      </p:sp>
-      <p:sp>
-        <p:nvSpPr>
-          <p:cNvPr id="3" name="Content Placeholder 2"/>
-          <p:cNvSpPr>
-            <a:spLocks noGrp="1"/>
-          </p:cNvSpPr>
-          <p:nvPr>
-            <p:ph idx="1"/>
-          </p:nvPr>
-        </p:nvSpPr>
-        <p:spPr/>
-        <p:txBody>
-          <a:bodyPr>
-            <a:normAutofit lnSpcReduction="10000"/>
-          </a:bodyPr>
-          <a:lstStyle/>
-          <a:p>
-            <a:r>
-              <a:rPr lang="en-US" dirty="0" smtClean="0">
-                <a:hlinkClick r:id="rId2"/>
-              </a:rPr>
-              <a:t>https://speakerdeck.com/shesho/html-plus-css</a:t>
-            </a:r>
-            <a:endParaRPr lang="en-US" dirty="0" smtClean="0"/>
-          </a:p>
-          <a:p>
-            <a:r>
-              <a:rPr lang="en-US" dirty="0" smtClean="0">
-                <a:hlinkClick r:id="rId3"/>
-              </a:rPr>
-              <a:t>https://speakerdeck.com/ryhan/introductory-html-and-css</a:t>
-            </a:r>
-            <a:endParaRPr lang="en-US" dirty="0" smtClean="0"/>
-          </a:p>
-          <a:p>
-            <a:endParaRPr lang="es-ES_tradnl" dirty="0" smtClean="0"/>
-          </a:p>
-          <a:p>
-            <a:r>
-              <a:rPr lang="en-US" dirty="0" smtClean="0">
-                <a:hlinkClick r:id="rId4"/>
-              </a:rPr>
-              <a:t>https://speakerdeck.com/lumilux/intro-to-html</a:t>
-            </a:r>
-            <a:endParaRPr lang="en-US" dirty="0" smtClean="0"/>
-          </a:p>
-          <a:p>
-            <a:endParaRPr lang="es-ES_tradnl" dirty="0"/>
-          </a:p>
-          <a:p>
-            <a:r>
-              <a:rPr lang="en-US" dirty="0" smtClean="0">
-                <a:hlinkClick r:id="rId5"/>
-              </a:rPr>
-              <a:t>https://speakerdeck.com/stupig/html-and-css-basics</a:t>
-            </a:r>
-            <a:endParaRPr lang="es-ES_tradnl" dirty="0"/>
-          </a:p>
-          <a:p>
-            <a:endParaRPr lang="es-ES_tradnl" dirty="0" smtClean="0"/>
-          </a:p>
-          <a:p>
-            <a:r>
-              <a:rPr lang="en-US" dirty="0" smtClean="0">
-                <a:hlinkClick r:id="rId6"/>
-              </a:rPr>
-              <a:t>https://speakerdeck.com/pacheco_hn/html-5</a:t>
-            </a:r>
-            <a:endParaRPr lang="en-US" dirty="0" smtClean="0"/>
-          </a:p>
-          <a:p>
-            <a:r>
-              <a:rPr lang="en-US" dirty="0" smtClean="0">
-                <a:hlinkClick r:id="rId7"/>
-              </a:rPr>
-              <a:t>https://speakerdeck.com/slant/html-and-css</a:t>
-            </a:r>
-            <a:endParaRPr lang="en-US" dirty="0" smtClean="0"/>
-          </a:p>
-          <a:p>
+              <a:t>CSS :  </a:t>
+            </a:r>
+            <a:r>
+              <a:rPr lang="es-ES_tradnl" dirty="0" err="1" smtClean="0"/>
+              <a:t>Cascading</a:t>
+            </a:r>
+            <a:r>
+              <a:rPr lang="es-ES_tradnl" dirty="0" smtClean="0"/>
+              <a:t> </a:t>
+            </a:r>
+            <a:r>
+              <a:rPr lang="es-ES_tradnl" dirty="0" err="1" smtClean="0"/>
+              <a:t>style</a:t>
+            </a:r>
+            <a:r>
+              <a:rPr lang="es-ES_tradnl" dirty="0" smtClean="0"/>
+              <a:t> </a:t>
+            </a:r>
+            <a:r>
+              <a:rPr lang="es-ES_tradnl" dirty="0" err="1" smtClean="0"/>
+              <a:t>sheets</a:t>
+            </a:r>
             <a:endParaRPr lang="en-US" dirty="0"/>
           </a:p>
         </p:txBody>
@@ -4574,7 +6088,7 @@
     </p:spTree>
     <p:extLst>
       <p:ext uri="{BB962C8B-B14F-4D97-AF65-F5344CB8AC3E}">
-        <p14:creationId xmlns:p14="http://schemas.microsoft.com/office/powerpoint/2010/main" val="982115055"/>
+        <p14:creationId xmlns:p14="http://schemas.microsoft.com/office/powerpoint/2010/main" val="769260831"/>
       </p:ext>
     </p:extLst>
   </p:cSld>
@@ -4617,12 +6131,8 @@
           <a:lstStyle/>
           <a:p>
             <a:r>
-              <a:rPr lang="es-ES_tradnl" dirty="0" err="1" smtClean="0"/>
-              <a:t>Frameworks</a:t>
-            </a:r>
-            <a:r>
-              <a:rPr lang="es-ES_tradnl" dirty="0" smtClean="0"/>
-              <a:t> CSS</a:t>
+              <a:rPr lang="es-ES_tradnl" dirty="0" smtClean="0"/>
+              <a:t>Sintaxis CSS</a:t>
             </a:r>
             <a:endParaRPr lang="en-US" dirty="0"/>
           </a:p>
@@ -4638,37 +6148,1674 @@
             <p:ph idx="1"/>
           </p:nvPr>
         </p:nvSpPr>
-        <p:spPr/>
+        <p:spPr>
+          <a:xfrm>
+            <a:off x="4544792" y="3110138"/>
+            <a:ext cx="3494314" cy="2115004"/>
+          </a:xfrm>
+        </p:spPr>
         <p:txBody>
           <a:bodyPr/>
           <a:lstStyle/>
           <a:p>
-            <a:r>
-              <a:rPr lang="en-US" dirty="0" smtClean="0">
-                <a:hlinkClick r:id="rId2"/>
-              </a:rPr>
-              <a:t>http://www.getskeleton.com/</a:t>
-            </a:r>
-            <a:endParaRPr lang="en-US" dirty="0" smtClean="0"/>
-          </a:p>
-          <a:p>
-            <a:endParaRPr lang="es-ES_tradnl" dirty="0"/>
-          </a:p>
-          <a:p>
-            <a:r>
-              <a:rPr lang="en-US" smtClean="0">
-                <a:hlinkClick r:id="rId3"/>
-              </a:rPr>
-              <a:t>http://twitter.github.io/bootstrap/</a:t>
-            </a:r>
-            <a:endParaRPr lang="en-US"/>
+            <a:pPr marL="0" indent="0">
+              <a:buNone/>
+            </a:pPr>
+            <a:r>
+              <a:rPr lang="es-ES_tradnl" dirty="0">
+                <a:solidFill>
+                  <a:schemeClr val="accent2">
+                    <a:lumMod val="75000"/>
+                  </a:schemeClr>
+                </a:solidFill>
+              </a:rPr>
+              <a:t>s</a:t>
+            </a:r>
+            <a:r>
+              <a:rPr lang="es-ES_tradnl" dirty="0" smtClean="0">
+                <a:solidFill>
+                  <a:schemeClr val="accent2">
+                    <a:lumMod val="75000"/>
+                  </a:schemeClr>
+                </a:solidFill>
+              </a:rPr>
+              <a:t>elector {</a:t>
+            </a:r>
+          </a:p>
+          <a:p>
+            <a:pPr marL="0" indent="0">
+              <a:buNone/>
+            </a:pPr>
+            <a:r>
+              <a:rPr lang="es-ES_tradnl" dirty="0"/>
+              <a:t>	</a:t>
+            </a:r>
+            <a:r>
+              <a:rPr lang="es-ES_tradnl" dirty="0" smtClean="0">
+                <a:solidFill>
+                  <a:schemeClr val="accent6"/>
+                </a:solidFill>
+              </a:rPr>
+              <a:t>regla1</a:t>
+            </a:r>
+            <a:r>
+              <a:rPr lang="es-ES_tradnl" dirty="0" smtClean="0"/>
+              <a:t>: </a:t>
+            </a:r>
+            <a:r>
+              <a:rPr lang="es-ES_tradnl" dirty="0" smtClean="0">
+                <a:solidFill>
+                  <a:srgbClr val="0070C0"/>
+                </a:solidFill>
+              </a:rPr>
+              <a:t>valor1</a:t>
+            </a:r>
+            <a:r>
+              <a:rPr lang="es-ES_tradnl" dirty="0" smtClean="0"/>
+              <a:t>;</a:t>
+            </a:r>
+          </a:p>
+          <a:p>
+            <a:pPr marL="0" indent="0">
+              <a:buNone/>
+            </a:pPr>
+            <a:r>
+              <a:rPr lang="es-ES_tradnl" dirty="0"/>
+              <a:t>	</a:t>
+            </a:r>
+            <a:r>
+              <a:rPr lang="es-ES_tradnl" dirty="0" smtClean="0">
+                <a:solidFill>
+                  <a:schemeClr val="accent6"/>
+                </a:solidFill>
+              </a:rPr>
+              <a:t>regla2</a:t>
+            </a:r>
+            <a:r>
+              <a:rPr lang="es-ES_tradnl" dirty="0" smtClean="0"/>
+              <a:t>: </a:t>
+            </a:r>
+            <a:r>
+              <a:rPr lang="es-ES_tradnl" dirty="0" smtClean="0">
+                <a:solidFill>
+                  <a:srgbClr val="0070C0"/>
+                </a:solidFill>
+              </a:rPr>
+              <a:t>valor2</a:t>
+            </a:r>
+            <a:r>
+              <a:rPr lang="es-ES_tradnl" dirty="0" smtClean="0"/>
+              <a:t>;</a:t>
+            </a:r>
+          </a:p>
+          <a:p>
+            <a:pPr marL="0" indent="0">
+              <a:buNone/>
+            </a:pPr>
+            <a:r>
+              <a:rPr lang="es-ES_tradnl" dirty="0">
+                <a:solidFill>
+                  <a:schemeClr val="accent2">
+                    <a:lumMod val="75000"/>
+                  </a:schemeClr>
+                </a:solidFill>
+              </a:rPr>
+              <a:t>}</a:t>
+            </a:r>
+            <a:endParaRPr lang="en-US" dirty="0">
+              <a:solidFill>
+                <a:schemeClr val="accent2">
+                  <a:lumMod val="75000"/>
+                </a:schemeClr>
+              </a:solidFill>
+            </a:endParaRPr>
+          </a:p>
+        </p:txBody>
+      </p:sp>
+      <p:sp>
+        <p:nvSpPr>
+          <p:cNvPr id="4" name="Rounded Rectangular Callout 3"/>
+          <p:cNvSpPr/>
+          <p:nvPr/>
+        </p:nvSpPr>
+        <p:spPr>
+          <a:xfrm>
+            <a:off x="1976895" y="2114011"/>
+            <a:ext cx="2198914" cy="961621"/>
+          </a:xfrm>
+          <a:prstGeom prst="wedgeRoundRectCallout">
+            <a:avLst>
+              <a:gd name="adj1" fmla="val 78106"/>
+              <a:gd name="adj2" fmla="val 54705"/>
+              <a:gd name="adj3" fmla="val 16667"/>
+            </a:avLst>
+          </a:prstGeom>
+        </p:spPr>
+        <p:style>
+          <a:lnRef idx="2">
+            <a:schemeClr val="accent2">
+              <a:shade val="50000"/>
+            </a:schemeClr>
+          </a:lnRef>
+          <a:fillRef idx="1">
+            <a:schemeClr val="accent2"/>
+          </a:fillRef>
+          <a:effectRef idx="0">
+            <a:schemeClr val="accent2"/>
+          </a:effectRef>
+          <a:fontRef idx="minor">
+            <a:schemeClr val="lt1"/>
+          </a:fontRef>
+        </p:style>
+        <p:txBody>
+          <a:bodyPr rtlCol="0" anchor="ctr"/>
+          <a:lstStyle/>
+          <a:p>
+            <a:pPr algn="ctr"/>
+            <a:r>
+              <a:rPr lang="es-ES_tradnl" sz="3200" dirty="0" smtClean="0"/>
+              <a:t>Que se modifica</a:t>
+            </a:r>
+            <a:endParaRPr lang="en-US" sz="3200" dirty="0"/>
+          </a:p>
+        </p:txBody>
+      </p:sp>
+      <p:sp>
+        <p:nvSpPr>
+          <p:cNvPr id="5" name="Rounded Rectangular Callout 4"/>
+          <p:cNvSpPr/>
+          <p:nvPr/>
+        </p:nvSpPr>
+        <p:spPr>
+          <a:xfrm>
+            <a:off x="8382006" y="3686829"/>
+            <a:ext cx="2198914" cy="961621"/>
+          </a:xfrm>
+          <a:prstGeom prst="wedgeRoundRectCallout">
+            <a:avLst>
+              <a:gd name="adj1" fmla="val -74368"/>
+              <a:gd name="adj2" fmla="val -20009"/>
+              <a:gd name="adj3" fmla="val 16667"/>
+            </a:avLst>
+          </a:prstGeom>
+        </p:spPr>
+        <p:style>
+          <a:lnRef idx="2">
+            <a:schemeClr val="accent3">
+              <a:shade val="50000"/>
+            </a:schemeClr>
+          </a:lnRef>
+          <a:fillRef idx="1">
+            <a:schemeClr val="accent3"/>
+          </a:fillRef>
+          <a:effectRef idx="0">
+            <a:schemeClr val="accent3"/>
+          </a:effectRef>
+          <a:fontRef idx="minor">
+            <a:schemeClr val="lt1"/>
+          </a:fontRef>
+        </p:style>
+        <p:txBody>
+          <a:bodyPr rtlCol="0" anchor="ctr"/>
+          <a:lstStyle/>
+          <a:p>
+            <a:pPr algn="ctr"/>
+            <a:r>
+              <a:rPr lang="es-ES_tradnl" sz="3200" dirty="0" smtClean="0"/>
+              <a:t>Como se modifica</a:t>
+            </a:r>
+            <a:endParaRPr lang="en-US" sz="3200" dirty="0"/>
           </a:p>
         </p:txBody>
       </p:sp>
     </p:spTree>
     <p:extLst>
       <p:ext uri="{BB962C8B-B14F-4D97-AF65-F5344CB8AC3E}">
-        <p14:creationId xmlns:p14="http://schemas.microsoft.com/office/powerpoint/2010/main" val="2313433037"/>
+        <p14:creationId xmlns:p14="http://schemas.microsoft.com/office/powerpoint/2010/main" val="3042965058"/>
+      </p:ext>
+    </p:extLst>
+  </p:cSld>
+  <p:clrMapOvr>
+    <a:masterClrMapping/>
+  </p:clrMapOvr>
+</p:sld>
+</file>
+
+<file path=ppt/slides/slide22.xml><?xml version="1.0" encoding="utf-8"?>
+<p:sld xmlns:a="http://schemas.openxmlformats.org/drawingml/2006/main" xmlns:r="http://schemas.openxmlformats.org/officeDocument/2006/relationships" xmlns:p="http://schemas.openxmlformats.org/presentationml/2006/main">
+  <p:cSld>
+    <p:spTree>
+      <p:nvGrpSpPr>
+        <p:cNvPr id="1" name=""/>
+        <p:cNvGrpSpPr/>
+        <p:nvPr/>
+      </p:nvGrpSpPr>
+      <p:grpSpPr>
+        <a:xfrm>
+          <a:off x="0" y="0"/>
+          <a:ext cx="0" cy="0"/>
+          <a:chOff x="0" y="0"/>
+          <a:chExt cx="0" cy="0"/>
+        </a:xfrm>
+      </p:grpSpPr>
+      <p:sp>
+        <p:nvSpPr>
+          <p:cNvPr id="2" name="Title 1"/>
+          <p:cNvSpPr>
+            <a:spLocks noGrp="1"/>
+          </p:cNvSpPr>
+          <p:nvPr>
+            <p:ph type="title"/>
+          </p:nvPr>
+        </p:nvSpPr>
+        <p:spPr/>
+        <p:txBody>
+          <a:bodyPr/>
+          <a:lstStyle/>
+          <a:p>
+            <a:r>
+              <a:rPr lang="es-ES_tradnl" dirty="0" smtClean="0"/>
+              <a:t>Sintaxis CSS</a:t>
+            </a:r>
+            <a:endParaRPr lang="en-US" dirty="0"/>
+          </a:p>
+        </p:txBody>
+      </p:sp>
+      <p:sp>
+        <p:nvSpPr>
+          <p:cNvPr id="3" name="Content Placeholder 2"/>
+          <p:cNvSpPr>
+            <a:spLocks noGrp="1"/>
+          </p:cNvSpPr>
+          <p:nvPr>
+            <p:ph idx="1"/>
+          </p:nvPr>
+        </p:nvSpPr>
+        <p:spPr>
+          <a:xfrm>
+            <a:off x="4544792" y="3110138"/>
+            <a:ext cx="3494314" cy="2115004"/>
+          </a:xfrm>
+        </p:spPr>
+        <p:txBody>
+          <a:bodyPr/>
+          <a:lstStyle/>
+          <a:p>
+            <a:pPr marL="0" indent="0">
+              <a:buNone/>
+            </a:pPr>
+            <a:r>
+              <a:rPr lang="es-ES_tradnl" dirty="0">
+                <a:solidFill>
+                  <a:schemeClr val="accent2">
+                    <a:lumMod val="75000"/>
+                  </a:schemeClr>
+                </a:solidFill>
+              </a:rPr>
+              <a:t>s</a:t>
+            </a:r>
+            <a:r>
+              <a:rPr lang="es-ES_tradnl" dirty="0" smtClean="0">
+                <a:solidFill>
+                  <a:schemeClr val="accent2">
+                    <a:lumMod val="75000"/>
+                  </a:schemeClr>
+                </a:solidFill>
+              </a:rPr>
+              <a:t>elector {</a:t>
+            </a:r>
+          </a:p>
+          <a:p>
+            <a:pPr marL="0" indent="0">
+              <a:buNone/>
+            </a:pPr>
+            <a:r>
+              <a:rPr lang="es-ES_tradnl" dirty="0"/>
+              <a:t>	</a:t>
+            </a:r>
+            <a:r>
+              <a:rPr lang="es-ES_tradnl" dirty="0" smtClean="0">
+                <a:solidFill>
+                  <a:schemeClr val="accent6"/>
+                </a:solidFill>
+              </a:rPr>
+              <a:t>regla1</a:t>
+            </a:r>
+            <a:r>
+              <a:rPr lang="es-ES_tradnl" dirty="0" smtClean="0"/>
+              <a:t>: </a:t>
+            </a:r>
+            <a:r>
+              <a:rPr lang="es-ES_tradnl" dirty="0" smtClean="0">
+                <a:solidFill>
+                  <a:srgbClr val="0070C0"/>
+                </a:solidFill>
+              </a:rPr>
+              <a:t>valor1</a:t>
+            </a:r>
+            <a:r>
+              <a:rPr lang="es-ES_tradnl" dirty="0" smtClean="0"/>
+              <a:t>;</a:t>
+            </a:r>
+          </a:p>
+          <a:p>
+            <a:pPr marL="0" indent="0">
+              <a:buNone/>
+            </a:pPr>
+            <a:r>
+              <a:rPr lang="es-ES_tradnl" dirty="0"/>
+              <a:t>	</a:t>
+            </a:r>
+            <a:r>
+              <a:rPr lang="es-ES_tradnl" dirty="0" smtClean="0">
+                <a:solidFill>
+                  <a:schemeClr val="accent6"/>
+                </a:solidFill>
+              </a:rPr>
+              <a:t>regla2</a:t>
+            </a:r>
+            <a:r>
+              <a:rPr lang="es-ES_tradnl" dirty="0" smtClean="0"/>
+              <a:t>: </a:t>
+            </a:r>
+            <a:r>
+              <a:rPr lang="es-ES_tradnl" dirty="0" smtClean="0">
+                <a:solidFill>
+                  <a:srgbClr val="0070C0"/>
+                </a:solidFill>
+              </a:rPr>
+              <a:t>valor2</a:t>
+            </a:r>
+            <a:r>
+              <a:rPr lang="es-ES_tradnl" dirty="0" smtClean="0"/>
+              <a:t>;</a:t>
+            </a:r>
+          </a:p>
+          <a:p>
+            <a:pPr marL="0" indent="0">
+              <a:buNone/>
+            </a:pPr>
+            <a:r>
+              <a:rPr lang="es-ES_tradnl" dirty="0">
+                <a:solidFill>
+                  <a:schemeClr val="accent2">
+                    <a:lumMod val="75000"/>
+                  </a:schemeClr>
+                </a:solidFill>
+              </a:rPr>
+              <a:t>}</a:t>
+            </a:r>
+            <a:endParaRPr lang="en-US" dirty="0">
+              <a:solidFill>
+                <a:schemeClr val="accent2">
+                  <a:lumMod val="75000"/>
+                </a:schemeClr>
+              </a:solidFill>
+            </a:endParaRPr>
+          </a:p>
+        </p:txBody>
+      </p:sp>
+      <p:sp>
+        <p:nvSpPr>
+          <p:cNvPr id="4" name="Rounded Rectangular Callout 3"/>
+          <p:cNvSpPr/>
+          <p:nvPr/>
+        </p:nvSpPr>
+        <p:spPr>
+          <a:xfrm>
+            <a:off x="2391998" y="2421698"/>
+            <a:ext cx="1817285" cy="656800"/>
+          </a:xfrm>
+          <a:prstGeom prst="wedgeRoundRectCallout">
+            <a:avLst>
+              <a:gd name="adj1" fmla="val 78106"/>
+              <a:gd name="adj2" fmla="val 54705"/>
+              <a:gd name="adj3" fmla="val 16667"/>
+            </a:avLst>
+          </a:prstGeom>
+        </p:spPr>
+        <p:style>
+          <a:lnRef idx="2">
+            <a:schemeClr val="accent2">
+              <a:shade val="50000"/>
+            </a:schemeClr>
+          </a:lnRef>
+          <a:fillRef idx="1">
+            <a:schemeClr val="accent2"/>
+          </a:fillRef>
+          <a:effectRef idx="0">
+            <a:schemeClr val="accent2"/>
+          </a:effectRef>
+          <a:fontRef idx="minor">
+            <a:schemeClr val="lt1"/>
+          </a:fontRef>
+        </p:style>
+        <p:txBody>
+          <a:bodyPr rtlCol="0" anchor="ctr"/>
+          <a:lstStyle/>
+          <a:p>
+            <a:pPr algn="ctr"/>
+            <a:r>
+              <a:rPr lang="es-ES_tradnl" sz="3200" dirty="0" smtClean="0"/>
+              <a:t>Selector</a:t>
+            </a:r>
+            <a:endParaRPr lang="en-US" sz="3200" dirty="0"/>
+          </a:p>
+        </p:txBody>
+      </p:sp>
+      <p:sp>
+        <p:nvSpPr>
+          <p:cNvPr id="5" name="Rounded Rectangular Callout 4"/>
+          <p:cNvSpPr/>
+          <p:nvPr/>
+        </p:nvSpPr>
+        <p:spPr>
+          <a:xfrm>
+            <a:off x="8039106" y="3839240"/>
+            <a:ext cx="1501888" cy="656800"/>
+          </a:xfrm>
+          <a:prstGeom prst="wedgeRoundRectCallout">
+            <a:avLst>
+              <a:gd name="adj1" fmla="val -74368"/>
+              <a:gd name="adj2" fmla="val -20009"/>
+              <a:gd name="adj3" fmla="val 16667"/>
+            </a:avLst>
+          </a:prstGeom>
+        </p:spPr>
+        <p:style>
+          <a:lnRef idx="2">
+            <a:schemeClr val="accent5">
+              <a:shade val="50000"/>
+            </a:schemeClr>
+          </a:lnRef>
+          <a:fillRef idx="1">
+            <a:schemeClr val="accent5"/>
+          </a:fillRef>
+          <a:effectRef idx="0">
+            <a:schemeClr val="accent5"/>
+          </a:effectRef>
+          <a:fontRef idx="minor">
+            <a:schemeClr val="lt1"/>
+          </a:fontRef>
+        </p:style>
+        <p:txBody>
+          <a:bodyPr rtlCol="0" anchor="ctr"/>
+          <a:lstStyle/>
+          <a:p>
+            <a:pPr algn="ctr"/>
+            <a:r>
+              <a:rPr lang="es-ES_tradnl" sz="3200" dirty="0"/>
+              <a:t>V</a:t>
+            </a:r>
+            <a:r>
+              <a:rPr lang="es-ES_tradnl" sz="3200" dirty="0" smtClean="0"/>
+              <a:t>alor</a:t>
+            </a:r>
+            <a:endParaRPr lang="en-US" sz="3200" dirty="0"/>
+          </a:p>
+        </p:txBody>
+      </p:sp>
+      <p:sp>
+        <p:nvSpPr>
+          <p:cNvPr id="6" name="Rounded Rectangular Callout 5"/>
+          <p:cNvSpPr/>
+          <p:nvPr/>
+        </p:nvSpPr>
+        <p:spPr>
+          <a:xfrm>
+            <a:off x="4383799" y="5225142"/>
+            <a:ext cx="1999014" cy="656800"/>
+          </a:xfrm>
+          <a:prstGeom prst="wedgeRoundRectCallout">
+            <a:avLst>
+              <a:gd name="adj1" fmla="val 25890"/>
+              <a:gd name="adj2" fmla="val -139678"/>
+              <a:gd name="adj3" fmla="val 16667"/>
+            </a:avLst>
+          </a:prstGeom>
+        </p:spPr>
+        <p:style>
+          <a:lnRef idx="2">
+            <a:schemeClr val="accent6">
+              <a:shade val="50000"/>
+            </a:schemeClr>
+          </a:lnRef>
+          <a:fillRef idx="1">
+            <a:schemeClr val="accent6"/>
+          </a:fillRef>
+          <a:effectRef idx="0">
+            <a:schemeClr val="accent6"/>
+          </a:effectRef>
+          <a:fontRef idx="minor">
+            <a:schemeClr val="lt1"/>
+          </a:fontRef>
+        </p:style>
+        <p:txBody>
+          <a:bodyPr rtlCol="0" anchor="ctr"/>
+          <a:lstStyle/>
+          <a:p>
+            <a:pPr algn="ctr"/>
+            <a:r>
+              <a:rPr lang="es-ES_tradnl" sz="3200" dirty="0" smtClean="0"/>
+              <a:t>Propiedad</a:t>
+            </a:r>
+            <a:endParaRPr lang="en-US" sz="3200" dirty="0"/>
+          </a:p>
+        </p:txBody>
+      </p:sp>
+    </p:spTree>
+    <p:extLst>
+      <p:ext uri="{BB962C8B-B14F-4D97-AF65-F5344CB8AC3E}">
+        <p14:creationId xmlns:p14="http://schemas.microsoft.com/office/powerpoint/2010/main" val="2342396325"/>
+      </p:ext>
+    </p:extLst>
+  </p:cSld>
+  <p:clrMapOvr>
+    <a:masterClrMapping/>
+  </p:clrMapOvr>
+</p:sld>
+</file>
+
+<file path=ppt/slides/slide23.xml><?xml version="1.0" encoding="utf-8"?>
+<p:sld xmlns:a="http://schemas.openxmlformats.org/drawingml/2006/main" xmlns:r="http://schemas.openxmlformats.org/officeDocument/2006/relationships" xmlns:p="http://schemas.openxmlformats.org/presentationml/2006/main">
+  <p:cSld>
+    <p:spTree>
+      <p:nvGrpSpPr>
+        <p:cNvPr id="1" name=""/>
+        <p:cNvGrpSpPr/>
+        <p:nvPr/>
+      </p:nvGrpSpPr>
+      <p:grpSpPr>
+        <a:xfrm>
+          <a:off x="0" y="0"/>
+          <a:ext cx="0" cy="0"/>
+          <a:chOff x="0" y="0"/>
+          <a:chExt cx="0" cy="0"/>
+        </a:xfrm>
+      </p:grpSpPr>
+      <p:sp>
+        <p:nvSpPr>
+          <p:cNvPr id="2" name="Title 1"/>
+          <p:cNvSpPr>
+            <a:spLocks noGrp="1"/>
+          </p:cNvSpPr>
+          <p:nvPr>
+            <p:ph type="title"/>
+          </p:nvPr>
+        </p:nvSpPr>
+        <p:spPr/>
+        <p:txBody>
+          <a:bodyPr/>
+          <a:lstStyle/>
+          <a:p>
+            <a:r>
+              <a:rPr lang="es-ES_tradnl" dirty="0" smtClean="0"/>
+              <a:t>Sintaxis de selectores</a:t>
+            </a:r>
+            <a:endParaRPr lang="en-US" dirty="0"/>
+          </a:p>
+        </p:txBody>
+      </p:sp>
+      <p:sp>
+        <p:nvSpPr>
+          <p:cNvPr id="3" name="Content Placeholder 2"/>
+          <p:cNvSpPr>
+            <a:spLocks noGrp="1"/>
+          </p:cNvSpPr>
+          <p:nvPr>
+            <p:ph idx="1"/>
+          </p:nvPr>
+        </p:nvSpPr>
+        <p:spPr/>
+        <p:txBody>
+          <a:bodyPr/>
+          <a:lstStyle/>
+          <a:p>
+            <a:pPr marL="0" indent="0">
+              <a:buNone/>
+            </a:pPr>
+            <a:endParaRPr lang="es-ES_tradnl" dirty="0" smtClean="0"/>
+          </a:p>
+          <a:p>
+            <a:pPr marL="0" indent="0">
+              <a:buNone/>
+            </a:pPr>
+            <a:r>
+              <a:rPr lang="es-ES_tradnl" dirty="0" smtClean="0"/>
+              <a:t>Etiqueta </a:t>
+            </a:r>
+            <a:r>
+              <a:rPr lang="es-ES_tradnl" dirty="0" smtClean="0">
+                <a:sym typeface="Wingdings" panose="05000000000000000000" pitchFamily="2" charset="2"/>
+              </a:rPr>
+              <a:t> &lt;etiqueta&gt;</a:t>
+            </a:r>
+            <a:endParaRPr lang="es-ES_tradnl" dirty="0" smtClean="0"/>
+          </a:p>
+          <a:p>
+            <a:pPr marL="0" indent="0">
+              <a:buNone/>
+            </a:pPr>
+            <a:r>
+              <a:rPr lang="es-ES_tradnl" dirty="0" smtClean="0"/>
+              <a:t>.clase </a:t>
+            </a:r>
+            <a:r>
+              <a:rPr lang="es-ES_tradnl" dirty="0" smtClean="0">
+                <a:sym typeface="Wingdings" panose="05000000000000000000" pitchFamily="2" charset="2"/>
+              </a:rPr>
+              <a:t> </a:t>
+            </a:r>
+            <a:r>
+              <a:rPr lang="es-ES_tradnl" dirty="0" err="1" smtClean="0">
+                <a:sym typeface="Wingdings" panose="05000000000000000000" pitchFamily="2" charset="2"/>
+              </a:rPr>
+              <a:t>class</a:t>
+            </a:r>
+            <a:r>
+              <a:rPr lang="es-ES_tradnl" dirty="0" smtClean="0">
+                <a:sym typeface="Wingdings" panose="05000000000000000000" pitchFamily="2" charset="2"/>
+              </a:rPr>
+              <a:t>=“clase”</a:t>
+            </a:r>
+            <a:endParaRPr lang="es-ES_tradnl" dirty="0" smtClean="0"/>
+          </a:p>
+          <a:p>
+            <a:pPr marL="0" indent="0">
+              <a:buNone/>
+            </a:pPr>
+            <a:r>
+              <a:rPr lang="es-ES_tradnl" dirty="0" smtClean="0"/>
+              <a:t>#id </a:t>
+            </a:r>
+            <a:r>
+              <a:rPr lang="es-ES_tradnl" dirty="0" smtClean="0">
+                <a:sym typeface="Wingdings" panose="05000000000000000000" pitchFamily="2" charset="2"/>
+              </a:rPr>
+              <a:t>id=“id”</a:t>
+            </a:r>
+            <a:endParaRPr lang="en-US" dirty="0"/>
+          </a:p>
+        </p:txBody>
+      </p:sp>
+    </p:spTree>
+    <p:extLst>
+      <p:ext uri="{BB962C8B-B14F-4D97-AF65-F5344CB8AC3E}">
+        <p14:creationId xmlns:p14="http://schemas.microsoft.com/office/powerpoint/2010/main" val="660177771"/>
+      </p:ext>
+    </p:extLst>
+  </p:cSld>
+  <p:clrMapOvr>
+    <a:masterClrMapping/>
+  </p:clrMapOvr>
+</p:sld>
+</file>
+
+<file path=ppt/slides/slide24.xml><?xml version="1.0" encoding="utf-8"?>
+<p:sld xmlns:a="http://schemas.openxmlformats.org/drawingml/2006/main" xmlns:r="http://schemas.openxmlformats.org/officeDocument/2006/relationships" xmlns:p="http://schemas.openxmlformats.org/presentationml/2006/main">
+  <p:cSld>
+    <p:spTree>
+      <p:nvGrpSpPr>
+        <p:cNvPr id="1" name=""/>
+        <p:cNvGrpSpPr/>
+        <p:nvPr/>
+      </p:nvGrpSpPr>
+      <p:grpSpPr>
+        <a:xfrm>
+          <a:off x="0" y="0"/>
+          <a:ext cx="0" cy="0"/>
+          <a:chOff x="0" y="0"/>
+          <a:chExt cx="0" cy="0"/>
+        </a:xfrm>
+      </p:grpSpPr>
+      <p:sp>
+        <p:nvSpPr>
+          <p:cNvPr id="2" name="Title 1"/>
+          <p:cNvSpPr>
+            <a:spLocks noGrp="1"/>
+          </p:cNvSpPr>
+          <p:nvPr>
+            <p:ph type="title"/>
+          </p:nvPr>
+        </p:nvSpPr>
+        <p:spPr/>
+        <p:txBody>
+          <a:bodyPr/>
+          <a:lstStyle/>
+          <a:p>
+            <a:r>
+              <a:rPr lang="es-ES_tradnl" dirty="0" smtClean="0"/>
+              <a:t>Selectores 2</a:t>
+            </a:r>
+            <a:endParaRPr lang="en-US" dirty="0"/>
+          </a:p>
+        </p:txBody>
+      </p:sp>
+      <p:sp>
+        <p:nvSpPr>
+          <p:cNvPr id="3" name="Content Placeholder 2"/>
+          <p:cNvSpPr>
+            <a:spLocks noGrp="1"/>
+          </p:cNvSpPr>
+          <p:nvPr>
+            <p:ph idx="1"/>
+          </p:nvPr>
+        </p:nvSpPr>
+        <p:spPr/>
+        <p:txBody>
+          <a:bodyPr/>
+          <a:lstStyle/>
+          <a:p>
+            <a:r>
+              <a:rPr lang="es-ES_tradnl" dirty="0" smtClean="0"/>
+              <a:t> </a:t>
+            </a:r>
+            <a:r>
+              <a:rPr lang="es-ES_tradnl" dirty="0" err="1" smtClean="0"/>
+              <a:t>ul</a:t>
+            </a:r>
+            <a:r>
+              <a:rPr lang="es-ES_tradnl" dirty="0" smtClean="0"/>
+              <a:t> &gt; li  </a:t>
+            </a:r>
+            <a:r>
+              <a:rPr lang="es-ES_tradnl" dirty="0" smtClean="0">
+                <a:sym typeface="Wingdings" panose="05000000000000000000" pitchFamily="2" charset="2"/>
+              </a:rPr>
+              <a:t> </a:t>
+            </a:r>
+            <a:r>
+              <a:rPr lang="es-ES_tradnl" dirty="0" err="1" smtClean="0"/>
+              <a:t>child</a:t>
+            </a:r>
+            <a:r>
+              <a:rPr lang="es-ES_tradnl" dirty="0" smtClean="0"/>
+              <a:t> selector</a:t>
+            </a:r>
+          </a:p>
+          <a:p>
+            <a:r>
+              <a:rPr lang="es-ES_tradnl" dirty="0"/>
+              <a:t>h</a:t>
+            </a:r>
+            <a:r>
+              <a:rPr lang="es-ES_tradnl" dirty="0" smtClean="0"/>
+              <a:t>3 + p </a:t>
+            </a:r>
+            <a:r>
+              <a:rPr lang="es-ES_tradnl" dirty="0" smtClean="0">
+                <a:sym typeface="Wingdings" panose="05000000000000000000" pitchFamily="2" charset="2"/>
+              </a:rPr>
+              <a:t> </a:t>
+            </a:r>
+            <a:r>
+              <a:rPr lang="es-ES_tradnl" dirty="0" err="1" smtClean="0">
+                <a:sym typeface="Wingdings" panose="05000000000000000000" pitchFamily="2" charset="2"/>
+              </a:rPr>
+              <a:t>adjacent</a:t>
+            </a:r>
+            <a:r>
+              <a:rPr lang="es-ES_tradnl" dirty="0" smtClean="0">
+                <a:sym typeface="Wingdings" panose="05000000000000000000" pitchFamily="2" charset="2"/>
+              </a:rPr>
+              <a:t> selector</a:t>
+            </a:r>
+          </a:p>
+          <a:p>
+            <a:r>
+              <a:rPr lang="es-ES_tradnl" dirty="0">
+                <a:sym typeface="Wingdings" panose="05000000000000000000" pitchFamily="2" charset="2"/>
+              </a:rPr>
+              <a:t>i</a:t>
+            </a:r>
+            <a:r>
+              <a:rPr lang="es-ES_tradnl" dirty="0" smtClean="0">
+                <a:sym typeface="Wingdings" panose="05000000000000000000" pitchFamily="2" charset="2"/>
+              </a:rPr>
+              <a:t>nput[</a:t>
+            </a:r>
+            <a:r>
+              <a:rPr lang="es-ES_tradnl" dirty="0" err="1" smtClean="0">
+                <a:sym typeface="Wingdings" panose="05000000000000000000" pitchFamily="2" charset="2"/>
+              </a:rPr>
+              <a:t>name</a:t>
+            </a:r>
+            <a:r>
+              <a:rPr lang="es-ES_tradnl" dirty="0" smtClean="0">
+                <a:sym typeface="Wingdings" panose="05000000000000000000" pitchFamily="2" charset="2"/>
+              </a:rPr>
+              <a:t>=“</a:t>
+            </a:r>
+            <a:r>
+              <a:rPr lang="es-ES_tradnl" dirty="0" err="1" smtClean="0">
+                <a:sym typeface="Wingdings" panose="05000000000000000000" pitchFamily="2" charset="2"/>
+              </a:rPr>
+              <a:t>mobile</a:t>
+            </a:r>
+            <a:r>
+              <a:rPr lang="es-ES_tradnl" dirty="0" smtClean="0">
+                <a:sym typeface="Wingdings" panose="05000000000000000000" pitchFamily="2" charset="2"/>
+              </a:rPr>
+              <a:t>”]  </a:t>
+            </a:r>
+            <a:r>
+              <a:rPr lang="es-ES_tradnl" dirty="0" err="1" smtClean="0">
+                <a:sym typeface="Wingdings" panose="05000000000000000000" pitchFamily="2" charset="2"/>
+              </a:rPr>
+              <a:t>attribute</a:t>
+            </a:r>
+            <a:r>
+              <a:rPr lang="es-ES_tradnl" dirty="0" smtClean="0">
+                <a:sym typeface="Wingdings" panose="05000000000000000000" pitchFamily="2" charset="2"/>
+              </a:rPr>
+              <a:t> selector</a:t>
+            </a:r>
+          </a:p>
+          <a:p>
+            <a:r>
+              <a:rPr lang="es-ES_tradnl" dirty="0" err="1" smtClean="0">
+                <a:sym typeface="Wingdings" panose="05000000000000000000" pitchFamily="2" charset="2"/>
+              </a:rPr>
+              <a:t>li:first-child</a:t>
+            </a:r>
+            <a:r>
+              <a:rPr lang="es-ES_tradnl" dirty="0" smtClean="0">
+                <a:sym typeface="Wingdings" panose="05000000000000000000" pitchFamily="2" charset="2"/>
+              </a:rPr>
+              <a:t>  </a:t>
+            </a:r>
+            <a:r>
+              <a:rPr lang="es-ES_tradnl" dirty="0" err="1" smtClean="0">
+                <a:sym typeface="Wingdings" panose="05000000000000000000" pitchFamily="2" charset="2"/>
+              </a:rPr>
+              <a:t>first</a:t>
+            </a:r>
+            <a:r>
+              <a:rPr lang="es-ES_tradnl" dirty="0" smtClean="0">
+                <a:sym typeface="Wingdings" panose="05000000000000000000" pitchFamily="2" charset="2"/>
+              </a:rPr>
+              <a:t> </a:t>
+            </a:r>
+            <a:r>
+              <a:rPr lang="es-ES_tradnl" dirty="0" err="1" smtClean="0">
+                <a:sym typeface="Wingdings" panose="05000000000000000000" pitchFamily="2" charset="2"/>
+              </a:rPr>
+              <a:t>child</a:t>
+            </a:r>
+            <a:r>
+              <a:rPr lang="es-ES_tradnl" dirty="0" smtClean="0">
+                <a:sym typeface="Wingdings" panose="05000000000000000000" pitchFamily="2" charset="2"/>
+              </a:rPr>
+              <a:t> selector</a:t>
+            </a:r>
+          </a:p>
+          <a:p>
+            <a:r>
+              <a:rPr lang="es-ES_tradnl" dirty="0" err="1" smtClean="0">
+                <a:sym typeface="Wingdings" panose="05000000000000000000" pitchFamily="2" charset="2"/>
+              </a:rPr>
+              <a:t>li:nth-child</a:t>
+            </a:r>
+            <a:r>
+              <a:rPr lang="es-ES_tradnl" dirty="0" smtClean="0">
+                <a:sym typeface="Wingdings" panose="05000000000000000000" pitchFamily="2" charset="2"/>
+              </a:rPr>
+              <a:t>(2n+1)  selector de impares</a:t>
+            </a:r>
+          </a:p>
+          <a:p>
+            <a:r>
+              <a:rPr lang="es-ES_tradnl" dirty="0" smtClean="0">
+                <a:sym typeface="Wingdings" panose="05000000000000000000" pitchFamily="2" charset="2"/>
+              </a:rPr>
+              <a:t>Selectores </a:t>
+            </a:r>
+            <a:r>
+              <a:rPr lang="es-ES_tradnl" dirty="0" err="1" smtClean="0">
+                <a:sym typeface="Wingdings" panose="05000000000000000000" pitchFamily="2" charset="2"/>
+              </a:rPr>
+              <a:t>pseudo</a:t>
+            </a:r>
+            <a:r>
+              <a:rPr lang="es-ES_tradnl" dirty="0" smtClean="0">
+                <a:sym typeface="Wingdings" panose="05000000000000000000" pitchFamily="2" charset="2"/>
+              </a:rPr>
+              <a:t> dinámicos (:</a:t>
+            </a:r>
+            <a:r>
+              <a:rPr lang="es-ES_tradnl" dirty="0" err="1" smtClean="0">
+                <a:sym typeface="Wingdings" panose="05000000000000000000" pitchFamily="2" charset="2"/>
+              </a:rPr>
+              <a:t>hover</a:t>
+            </a:r>
+            <a:r>
+              <a:rPr lang="es-ES_tradnl" dirty="0" smtClean="0">
+                <a:sym typeface="Wingdings" panose="05000000000000000000" pitchFamily="2" charset="2"/>
+              </a:rPr>
+              <a:t>, :</a:t>
+            </a:r>
+            <a:r>
+              <a:rPr lang="es-ES_tradnl" dirty="0" err="1" smtClean="0">
+                <a:sym typeface="Wingdings" panose="05000000000000000000" pitchFamily="2" charset="2"/>
+              </a:rPr>
+              <a:t>focus</a:t>
+            </a:r>
+            <a:r>
+              <a:rPr lang="es-ES_tradnl" dirty="0" smtClean="0">
+                <a:sym typeface="Wingdings" panose="05000000000000000000" pitchFamily="2" charset="2"/>
+              </a:rPr>
+              <a:t>, :active…)</a:t>
+            </a:r>
+            <a:endParaRPr lang="en-US" dirty="0"/>
+          </a:p>
+        </p:txBody>
+      </p:sp>
+    </p:spTree>
+    <p:extLst>
+      <p:ext uri="{BB962C8B-B14F-4D97-AF65-F5344CB8AC3E}">
+        <p14:creationId xmlns:p14="http://schemas.microsoft.com/office/powerpoint/2010/main" val="2272240497"/>
+      </p:ext>
+    </p:extLst>
+  </p:cSld>
+  <p:clrMapOvr>
+    <a:masterClrMapping/>
+  </p:clrMapOvr>
+</p:sld>
+</file>
+
+<file path=ppt/slides/slide25.xml><?xml version="1.0" encoding="utf-8"?>
+<p:sld xmlns:a="http://schemas.openxmlformats.org/drawingml/2006/main" xmlns:r="http://schemas.openxmlformats.org/officeDocument/2006/relationships" xmlns:p="http://schemas.openxmlformats.org/presentationml/2006/main">
+  <p:cSld>
+    <p:spTree>
+      <p:nvGrpSpPr>
+        <p:cNvPr id="1" name=""/>
+        <p:cNvGrpSpPr/>
+        <p:nvPr/>
+      </p:nvGrpSpPr>
+      <p:grpSpPr>
+        <a:xfrm>
+          <a:off x="0" y="0"/>
+          <a:ext cx="0" cy="0"/>
+          <a:chOff x="0" y="0"/>
+          <a:chExt cx="0" cy="0"/>
+        </a:xfrm>
+      </p:grpSpPr>
+      <p:sp>
+        <p:nvSpPr>
+          <p:cNvPr id="2" name="Title 1"/>
+          <p:cNvSpPr>
+            <a:spLocks noGrp="1"/>
+          </p:cNvSpPr>
+          <p:nvPr>
+            <p:ph type="title"/>
+          </p:nvPr>
+        </p:nvSpPr>
+        <p:spPr/>
+        <p:txBody>
+          <a:bodyPr/>
+          <a:lstStyle/>
+          <a:p>
+            <a:endParaRPr lang="en-US"/>
+          </a:p>
+        </p:txBody>
+      </p:sp>
+      <p:pic>
+        <p:nvPicPr>
+          <p:cNvPr id="4" name="Picture 3"/>
+          <p:cNvPicPr>
+            <a:picLocks noChangeAspect="1"/>
+          </p:cNvPicPr>
+          <p:nvPr/>
+        </p:nvPicPr>
+        <p:blipFill>
+          <a:blip r:embed="rId2"/>
+          <a:stretch>
+            <a:fillRect/>
+          </a:stretch>
+        </p:blipFill>
+        <p:spPr>
+          <a:xfrm>
+            <a:off x="3300412" y="2162175"/>
+            <a:ext cx="5591175" cy="4019550"/>
+          </a:xfrm>
+          <a:prstGeom prst="rect">
+            <a:avLst/>
+          </a:prstGeom>
+        </p:spPr>
+      </p:pic>
+    </p:spTree>
+    <p:extLst>
+      <p:ext uri="{BB962C8B-B14F-4D97-AF65-F5344CB8AC3E}">
+        <p14:creationId xmlns:p14="http://schemas.microsoft.com/office/powerpoint/2010/main" val="2234335239"/>
+      </p:ext>
+    </p:extLst>
+  </p:cSld>
+  <p:clrMapOvr>
+    <a:masterClrMapping/>
+  </p:clrMapOvr>
+</p:sld>
+</file>
+
+<file path=ppt/slides/slide26.xml><?xml version="1.0" encoding="utf-8"?>
+<p:sld xmlns:a="http://schemas.openxmlformats.org/drawingml/2006/main" xmlns:r="http://schemas.openxmlformats.org/officeDocument/2006/relationships" xmlns:p="http://schemas.openxmlformats.org/presentationml/2006/main">
+  <p:cSld>
+    <p:spTree>
+      <p:nvGrpSpPr>
+        <p:cNvPr id="1" name=""/>
+        <p:cNvGrpSpPr/>
+        <p:nvPr/>
+      </p:nvGrpSpPr>
+      <p:grpSpPr>
+        <a:xfrm>
+          <a:off x="0" y="0"/>
+          <a:ext cx="0" cy="0"/>
+          <a:chOff x="0" y="0"/>
+          <a:chExt cx="0" cy="0"/>
+        </a:xfrm>
+      </p:grpSpPr>
+      <p:sp>
+        <p:nvSpPr>
+          <p:cNvPr id="2" name="Title 1"/>
+          <p:cNvSpPr>
+            <a:spLocks noGrp="1"/>
+          </p:cNvSpPr>
+          <p:nvPr>
+            <p:ph type="title"/>
+          </p:nvPr>
+        </p:nvSpPr>
+        <p:spPr/>
+        <p:txBody>
+          <a:bodyPr/>
+          <a:lstStyle/>
+          <a:p>
+            <a:r>
+              <a:rPr lang="es-ES_tradnl" dirty="0" smtClean="0"/>
+              <a:t>Modelo de caja</a:t>
+            </a:r>
+            <a:endParaRPr lang="en-US" dirty="0"/>
+          </a:p>
+        </p:txBody>
+      </p:sp>
+      <p:sp>
+        <p:nvSpPr>
+          <p:cNvPr id="4" name="Rectangle 3"/>
+          <p:cNvSpPr/>
+          <p:nvPr/>
+        </p:nvSpPr>
+        <p:spPr>
+          <a:xfrm>
+            <a:off x="1057275" y="1690688"/>
+            <a:ext cx="10039350" cy="4729162"/>
+          </a:xfrm>
+          <a:prstGeom prst="rect">
+            <a:avLst/>
+          </a:prstGeom>
+        </p:spPr>
+        <p:style>
+          <a:lnRef idx="2">
+            <a:schemeClr val="accent6">
+              <a:shade val="50000"/>
+            </a:schemeClr>
+          </a:lnRef>
+          <a:fillRef idx="1">
+            <a:schemeClr val="accent6"/>
+          </a:fillRef>
+          <a:effectRef idx="0">
+            <a:schemeClr val="accent6"/>
+          </a:effectRef>
+          <a:fontRef idx="minor">
+            <a:schemeClr val="lt1"/>
+          </a:fontRef>
+        </p:style>
+        <p:txBody>
+          <a:bodyPr rtlCol="0" anchor="t"/>
+          <a:lstStyle/>
+          <a:p>
+            <a:pPr algn="ctr"/>
+            <a:r>
+              <a:rPr lang="es-ES_tradnl" sz="3200" dirty="0" err="1" smtClean="0"/>
+              <a:t>Margin</a:t>
+            </a:r>
+            <a:endParaRPr lang="en-US" sz="3200" dirty="0"/>
+          </a:p>
+        </p:txBody>
+      </p:sp>
+      <p:sp>
+        <p:nvSpPr>
+          <p:cNvPr id="5" name="Rectangle 4"/>
+          <p:cNvSpPr/>
+          <p:nvPr/>
+        </p:nvSpPr>
+        <p:spPr>
+          <a:xfrm>
+            <a:off x="2305594" y="2265723"/>
+            <a:ext cx="7542713" cy="3579091"/>
+          </a:xfrm>
+          <a:prstGeom prst="rect">
+            <a:avLst/>
+          </a:prstGeom>
+        </p:spPr>
+        <p:style>
+          <a:lnRef idx="2">
+            <a:schemeClr val="accent3">
+              <a:shade val="50000"/>
+            </a:schemeClr>
+          </a:lnRef>
+          <a:fillRef idx="1">
+            <a:schemeClr val="accent3"/>
+          </a:fillRef>
+          <a:effectRef idx="0">
+            <a:schemeClr val="accent3"/>
+          </a:effectRef>
+          <a:fontRef idx="minor">
+            <a:schemeClr val="lt1"/>
+          </a:fontRef>
+        </p:style>
+        <p:txBody>
+          <a:bodyPr rtlCol="0" anchor="t"/>
+          <a:lstStyle/>
+          <a:p>
+            <a:pPr algn="ctr"/>
+            <a:r>
+              <a:rPr lang="es-ES_tradnl" sz="3200" dirty="0" err="1" smtClean="0"/>
+              <a:t>Padding</a:t>
+            </a:r>
+            <a:endParaRPr lang="en-US" sz="3200" dirty="0"/>
+          </a:p>
+        </p:txBody>
+      </p:sp>
+      <p:sp>
+        <p:nvSpPr>
+          <p:cNvPr id="6" name="Rectangle 5"/>
+          <p:cNvSpPr/>
+          <p:nvPr/>
+        </p:nvSpPr>
+        <p:spPr>
+          <a:xfrm>
+            <a:off x="3262523" y="2944102"/>
+            <a:ext cx="5666953" cy="2222334"/>
+          </a:xfrm>
+          <a:prstGeom prst="rect">
+            <a:avLst/>
+          </a:prstGeom>
+        </p:spPr>
+        <p:style>
+          <a:lnRef idx="2">
+            <a:schemeClr val="accent5">
+              <a:shade val="50000"/>
+            </a:schemeClr>
+          </a:lnRef>
+          <a:fillRef idx="1">
+            <a:schemeClr val="accent5"/>
+          </a:fillRef>
+          <a:effectRef idx="0">
+            <a:schemeClr val="accent5"/>
+          </a:effectRef>
+          <a:fontRef idx="minor">
+            <a:schemeClr val="lt1"/>
+          </a:fontRef>
+        </p:style>
+        <p:txBody>
+          <a:bodyPr rtlCol="0" anchor="t"/>
+          <a:lstStyle/>
+          <a:p>
+            <a:pPr algn="ctr"/>
+            <a:r>
+              <a:rPr lang="es-ES_tradnl" sz="3200" dirty="0" err="1" smtClean="0"/>
+              <a:t>Border</a:t>
+            </a:r>
+            <a:endParaRPr lang="en-US" sz="3200" dirty="0"/>
+          </a:p>
+        </p:txBody>
+      </p:sp>
+      <p:sp>
+        <p:nvSpPr>
+          <p:cNvPr id="7" name="Rectangle 6"/>
+          <p:cNvSpPr/>
+          <p:nvPr/>
+        </p:nvSpPr>
+        <p:spPr>
+          <a:xfrm>
+            <a:off x="4622928" y="3536901"/>
+            <a:ext cx="2908043" cy="1036735"/>
+          </a:xfrm>
+          <a:prstGeom prst="rect">
+            <a:avLst/>
+          </a:prstGeom>
+        </p:spPr>
+        <p:style>
+          <a:lnRef idx="2">
+            <a:schemeClr val="accent2">
+              <a:shade val="50000"/>
+            </a:schemeClr>
+          </a:lnRef>
+          <a:fillRef idx="1">
+            <a:schemeClr val="accent2"/>
+          </a:fillRef>
+          <a:effectRef idx="0">
+            <a:schemeClr val="accent2"/>
+          </a:effectRef>
+          <a:fontRef idx="minor">
+            <a:schemeClr val="lt1"/>
+          </a:fontRef>
+        </p:style>
+        <p:txBody>
+          <a:bodyPr rtlCol="0" anchor="ctr"/>
+          <a:lstStyle/>
+          <a:p>
+            <a:pPr algn="ctr"/>
+            <a:r>
+              <a:rPr lang="es-ES_tradnl" sz="3200" dirty="0" smtClean="0"/>
+              <a:t>Content</a:t>
+            </a:r>
+            <a:endParaRPr lang="en-US" sz="3200" dirty="0"/>
+          </a:p>
+        </p:txBody>
+      </p:sp>
+    </p:spTree>
+    <p:extLst>
+      <p:ext uri="{BB962C8B-B14F-4D97-AF65-F5344CB8AC3E}">
+        <p14:creationId xmlns:p14="http://schemas.microsoft.com/office/powerpoint/2010/main" val="3680185540"/>
+      </p:ext>
+    </p:extLst>
+  </p:cSld>
+  <p:clrMapOvr>
+    <a:masterClrMapping/>
+  </p:clrMapOvr>
+</p:sld>
+</file>
+
+<file path=ppt/slides/slide27.xml><?xml version="1.0" encoding="utf-8"?>
+<p:sld xmlns:a="http://schemas.openxmlformats.org/drawingml/2006/main" xmlns:r="http://schemas.openxmlformats.org/officeDocument/2006/relationships" xmlns:p="http://schemas.openxmlformats.org/presentationml/2006/main">
+  <p:cSld>
+    <p:spTree>
+      <p:nvGrpSpPr>
+        <p:cNvPr id="1" name=""/>
+        <p:cNvGrpSpPr/>
+        <p:nvPr/>
+      </p:nvGrpSpPr>
+      <p:grpSpPr>
+        <a:xfrm>
+          <a:off x="0" y="0"/>
+          <a:ext cx="0" cy="0"/>
+          <a:chOff x="0" y="0"/>
+          <a:chExt cx="0" cy="0"/>
+        </a:xfrm>
+      </p:grpSpPr>
+      <p:sp>
+        <p:nvSpPr>
+          <p:cNvPr id="2" name="Title 1"/>
+          <p:cNvSpPr>
+            <a:spLocks noGrp="1"/>
+          </p:cNvSpPr>
+          <p:nvPr>
+            <p:ph type="title"/>
+          </p:nvPr>
+        </p:nvSpPr>
+        <p:spPr/>
+        <p:txBody>
+          <a:bodyPr/>
+          <a:lstStyle/>
+          <a:p>
+            <a:r>
+              <a:rPr lang="es-ES_tradnl" dirty="0" smtClean="0"/>
+              <a:t>Esquema de posicionamiento</a:t>
+            </a:r>
+            <a:endParaRPr lang="en-US" dirty="0"/>
+          </a:p>
+        </p:txBody>
+      </p:sp>
+      <p:sp>
+        <p:nvSpPr>
+          <p:cNvPr id="3" name="Content Placeholder 2"/>
+          <p:cNvSpPr>
+            <a:spLocks noGrp="1"/>
+          </p:cNvSpPr>
+          <p:nvPr>
+            <p:ph idx="1"/>
+          </p:nvPr>
+        </p:nvSpPr>
+        <p:spPr/>
+        <p:txBody>
+          <a:bodyPr/>
+          <a:lstStyle/>
+          <a:p>
+            <a:r>
+              <a:rPr lang="es-ES_tradnl" dirty="0" err="1"/>
+              <a:t>s</a:t>
+            </a:r>
+            <a:r>
+              <a:rPr lang="es-ES_tradnl" dirty="0" err="1" smtClean="0"/>
+              <a:t>tatic</a:t>
+            </a:r>
+            <a:r>
+              <a:rPr lang="es-ES_tradnl" dirty="0" smtClean="0"/>
+              <a:t> (default)</a:t>
+            </a:r>
+          </a:p>
+          <a:p>
+            <a:r>
+              <a:rPr lang="es-ES_tradnl" dirty="0" err="1"/>
+              <a:t>r</a:t>
+            </a:r>
+            <a:r>
+              <a:rPr lang="es-ES_tradnl" dirty="0" err="1" smtClean="0"/>
+              <a:t>elative</a:t>
+            </a:r>
+            <a:endParaRPr lang="es-ES_tradnl" dirty="0" smtClean="0"/>
+          </a:p>
+          <a:p>
+            <a:r>
+              <a:rPr lang="es-ES_tradnl" dirty="0" err="1"/>
+              <a:t>a</a:t>
+            </a:r>
+            <a:r>
+              <a:rPr lang="es-ES_tradnl" dirty="0" err="1" smtClean="0"/>
+              <a:t>bsolute</a:t>
+            </a:r>
+            <a:endParaRPr lang="es-ES_tradnl" dirty="0" smtClean="0"/>
+          </a:p>
+          <a:p>
+            <a:r>
+              <a:rPr lang="es-ES_tradnl" dirty="0" err="1" smtClean="0"/>
+              <a:t>fixed</a:t>
+            </a:r>
+            <a:endParaRPr lang="en-US" dirty="0"/>
+          </a:p>
+        </p:txBody>
+      </p:sp>
+    </p:spTree>
+    <p:extLst>
+      <p:ext uri="{BB962C8B-B14F-4D97-AF65-F5344CB8AC3E}">
+        <p14:creationId xmlns:p14="http://schemas.microsoft.com/office/powerpoint/2010/main" val="3431599845"/>
+      </p:ext>
+    </p:extLst>
+  </p:cSld>
+  <p:clrMapOvr>
+    <a:masterClrMapping/>
+  </p:clrMapOvr>
+</p:sld>
+</file>
+
+<file path=ppt/slides/slide28.xml><?xml version="1.0" encoding="utf-8"?>
+<p:sld xmlns:a="http://schemas.openxmlformats.org/drawingml/2006/main" xmlns:r="http://schemas.openxmlformats.org/officeDocument/2006/relationships" xmlns:p="http://schemas.openxmlformats.org/presentationml/2006/main">
+  <p:cSld>
+    <p:spTree>
+      <p:nvGrpSpPr>
+        <p:cNvPr id="1" name=""/>
+        <p:cNvGrpSpPr/>
+        <p:nvPr/>
+      </p:nvGrpSpPr>
+      <p:grpSpPr>
+        <a:xfrm>
+          <a:off x="0" y="0"/>
+          <a:ext cx="0" cy="0"/>
+          <a:chOff x="0" y="0"/>
+          <a:chExt cx="0" cy="0"/>
+        </a:xfrm>
+      </p:grpSpPr>
+      <p:sp>
+        <p:nvSpPr>
+          <p:cNvPr id="2" name="Title 1"/>
+          <p:cNvSpPr>
+            <a:spLocks noGrp="1"/>
+          </p:cNvSpPr>
+          <p:nvPr>
+            <p:ph type="title"/>
+          </p:nvPr>
+        </p:nvSpPr>
+        <p:spPr/>
+        <p:txBody>
+          <a:bodyPr/>
+          <a:lstStyle/>
+          <a:p>
+            <a:r>
+              <a:rPr lang="es-ES_tradnl" dirty="0" err="1" smtClean="0"/>
+              <a:t>Fload</a:t>
+            </a:r>
+            <a:endParaRPr lang="en-US" dirty="0"/>
+          </a:p>
+        </p:txBody>
+      </p:sp>
+      <p:sp>
+        <p:nvSpPr>
+          <p:cNvPr id="3" name="Content Placeholder 2"/>
+          <p:cNvSpPr>
+            <a:spLocks noGrp="1"/>
+          </p:cNvSpPr>
+          <p:nvPr>
+            <p:ph idx="1"/>
+          </p:nvPr>
+        </p:nvSpPr>
+        <p:spPr/>
+        <p:txBody>
+          <a:bodyPr/>
+          <a:lstStyle/>
+          <a:p>
+            <a:r>
+              <a:rPr lang="es-ES_tradnl" dirty="0" err="1"/>
+              <a:t>n</a:t>
+            </a:r>
+            <a:r>
+              <a:rPr lang="es-ES_tradnl" dirty="0" err="1" smtClean="0"/>
+              <a:t>one</a:t>
+            </a:r>
+            <a:r>
+              <a:rPr lang="es-ES_tradnl" dirty="0" smtClean="0"/>
+              <a:t> (default)</a:t>
+            </a:r>
+          </a:p>
+          <a:p>
+            <a:r>
+              <a:rPr lang="es-ES_tradnl" dirty="0" err="1"/>
+              <a:t>l</a:t>
+            </a:r>
+            <a:r>
+              <a:rPr lang="es-ES_tradnl" dirty="0" err="1" smtClean="0"/>
+              <a:t>eft</a:t>
+            </a:r>
+            <a:endParaRPr lang="es-ES_tradnl" dirty="0" smtClean="0"/>
+          </a:p>
+          <a:p>
+            <a:r>
+              <a:rPr lang="es-ES_tradnl" dirty="0" err="1" smtClean="0"/>
+              <a:t>Right</a:t>
+            </a:r>
+            <a:endParaRPr lang="es-ES_tradnl" dirty="0" smtClean="0"/>
+          </a:p>
+          <a:p>
+            <a:r>
+              <a:rPr lang="es-ES_tradnl" dirty="0" err="1"/>
+              <a:t>c</a:t>
+            </a:r>
+            <a:r>
+              <a:rPr lang="es-ES_tradnl" dirty="0" err="1" smtClean="0"/>
+              <a:t>lear</a:t>
+            </a:r>
+            <a:endParaRPr lang="es-ES_tradnl" dirty="0" smtClean="0"/>
+          </a:p>
+          <a:p>
+            <a:r>
+              <a:rPr lang="es-ES_tradnl" dirty="0" err="1"/>
+              <a:t>c</a:t>
+            </a:r>
+            <a:r>
+              <a:rPr lang="es-ES_tradnl" dirty="0" err="1" smtClean="0"/>
+              <a:t>learfix</a:t>
+            </a:r>
+            <a:r>
+              <a:rPr lang="es-ES_tradnl" dirty="0" smtClean="0"/>
+              <a:t> (ejemplo y para que se usa)</a:t>
+            </a:r>
+            <a:endParaRPr lang="en-US" dirty="0"/>
+          </a:p>
+        </p:txBody>
+      </p:sp>
+      <p:pic>
+        <p:nvPicPr>
+          <p:cNvPr id="4" name="Picture 3"/>
+          <p:cNvPicPr>
+            <a:picLocks noChangeAspect="1"/>
+          </p:cNvPicPr>
+          <p:nvPr/>
+        </p:nvPicPr>
+        <p:blipFill>
+          <a:blip r:embed="rId2"/>
+          <a:stretch>
+            <a:fillRect/>
+          </a:stretch>
+        </p:blipFill>
+        <p:spPr>
+          <a:xfrm>
+            <a:off x="6867525" y="3738562"/>
+            <a:ext cx="2419350" cy="2200275"/>
+          </a:xfrm>
+          <a:prstGeom prst="rect">
+            <a:avLst/>
+          </a:prstGeom>
+        </p:spPr>
+      </p:pic>
+    </p:spTree>
+    <p:extLst>
+      <p:ext uri="{BB962C8B-B14F-4D97-AF65-F5344CB8AC3E}">
+        <p14:creationId xmlns:p14="http://schemas.microsoft.com/office/powerpoint/2010/main" val="327458156"/>
+      </p:ext>
+    </p:extLst>
+  </p:cSld>
+  <p:clrMapOvr>
+    <a:masterClrMapping/>
+  </p:clrMapOvr>
+</p:sld>
+</file>
+
+<file path=ppt/slides/slide29.xml><?xml version="1.0" encoding="utf-8"?>
+<p:sld xmlns:a="http://schemas.openxmlformats.org/drawingml/2006/main" xmlns:r="http://schemas.openxmlformats.org/officeDocument/2006/relationships" xmlns:p="http://schemas.openxmlformats.org/presentationml/2006/main">
+  <p:cSld>
+    <p:spTree>
+      <p:nvGrpSpPr>
+        <p:cNvPr id="1" name=""/>
+        <p:cNvGrpSpPr/>
+        <p:nvPr/>
+      </p:nvGrpSpPr>
+      <p:grpSpPr>
+        <a:xfrm>
+          <a:off x="0" y="0"/>
+          <a:ext cx="0" cy="0"/>
+          <a:chOff x="0" y="0"/>
+          <a:chExt cx="0" cy="0"/>
+        </a:xfrm>
+      </p:grpSpPr>
+      <p:sp>
+        <p:nvSpPr>
+          <p:cNvPr id="2" name="Title 1"/>
+          <p:cNvSpPr>
+            <a:spLocks noGrp="1"/>
+          </p:cNvSpPr>
+          <p:nvPr>
+            <p:ph type="title"/>
+          </p:nvPr>
+        </p:nvSpPr>
+        <p:spPr/>
+        <p:txBody>
+          <a:bodyPr/>
+          <a:lstStyle/>
+          <a:p>
+            <a:r>
+              <a:rPr lang="es-ES_tradnl" dirty="0" smtClean="0"/>
+              <a:t>Para ver	</a:t>
+            </a:r>
+            <a:endParaRPr lang="en-US" dirty="0"/>
+          </a:p>
+        </p:txBody>
+      </p:sp>
+      <p:sp>
+        <p:nvSpPr>
+          <p:cNvPr id="3" name="Content Placeholder 2"/>
+          <p:cNvSpPr>
+            <a:spLocks noGrp="1"/>
+          </p:cNvSpPr>
+          <p:nvPr>
+            <p:ph idx="1"/>
+          </p:nvPr>
+        </p:nvSpPr>
+        <p:spPr/>
+        <p:txBody>
+          <a:bodyPr>
+            <a:normAutofit lnSpcReduction="10000"/>
+          </a:bodyPr>
+          <a:lstStyle/>
+          <a:p>
+            <a:r>
+              <a:rPr lang="en-US" dirty="0" smtClean="0">
+                <a:hlinkClick r:id="rId2"/>
+              </a:rPr>
+              <a:t>https://speakerdeck.com/shesho/html-plus-css</a:t>
+            </a:r>
+            <a:endParaRPr lang="en-US" dirty="0" smtClean="0"/>
+          </a:p>
+          <a:p>
+            <a:r>
+              <a:rPr lang="en-US" dirty="0" smtClean="0">
+                <a:hlinkClick r:id="rId3"/>
+              </a:rPr>
+              <a:t>https://speakerdeck.com/ryhan/introductory-html-and-css</a:t>
+            </a:r>
+            <a:endParaRPr lang="en-US" dirty="0" smtClean="0"/>
+          </a:p>
+          <a:p>
+            <a:endParaRPr lang="es-ES_tradnl" dirty="0" smtClean="0"/>
+          </a:p>
+          <a:p>
+            <a:r>
+              <a:rPr lang="en-US" dirty="0" smtClean="0">
+                <a:hlinkClick r:id="rId4"/>
+              </a:rPr>
+              <a:t>https://speakerdeck.com/lumilux/intro-to-html</a:t>
+            </a:r>
+            <a:endParaRPr lang="en-US" dirty="0" smtClean="0"/>
+          </a:p>
+          <a:p>
+            <a:endParaRPr lang="es-ES_tradnl" dirty="0"/>
+          </a:p>
+          <a:p>
+            <a:r>
+              <a:rPr lang="en-US" dirty="0" smtClean="0">
+                <a:hlinkClick r:id="rId5"/>
+              </a:rPr>
+              <a:t>https://speakerdeck.com/stupig/html-and-css-basics</a:t>
+            </a:r>
+            <a:endParaRPr lang="es-ES_tradnl" dirty="0"/>
+          </a:p>
+          <a:p>
+            <a:endParaRPr lang="es-ES_tradnl" dirty="0" smtClean="0"/>
+          </a:p>
+          <a:p>
+            <a:r>
+              <a:rPr lang="en-US" dirty="0" smtClean="0">
+                <a:hlinkClick r:id="rId6"/>
+              </a:rPr>
+              <a:t>https://speakerdeck.com/pacheco_hn/html-5</a:t>
+            </a:r>
+            <a:endParaRPr lang="en-US" dirty="0" smtClean="0"/>
+          </a:p>
+          <a:p>
+            <a:r>
+              <a:rPr lang="en-US" dirty="0" smtClean="0">
+                <a:hlinkClick r:id="rId7"/>
+              </a:rPr>
+              <a:t>https://speakerdeck.com/slant/html-and-css</a:t>
+            </a:r>
+            <a:endParaRPr lang="en-US" dirty="0" smtClean="0"/>
+          </a:p>
+          <a:p>
+            <a:endParaRPr lang="en-US" dirty="0"/>
+          </a:p>
+        </p:txBody>
+      </p:sp>
+    </p:spTree>
+    <p:extLst>
+      <p:ext uri="{BB962C8B-B14F-4D97-AF65-F5344CB8AC3E}">
+        <p14:creationId xmlns:p14="http://schemas.microsoft.com/office/powerpoint/2010/main" val="982115055"/>
       </p:ext>
     </p:extLst>
   </p:cSld>
@@ -4712,35 +7859,21 @@
           <a:p>
             <a:r>
               <a:rPr lang="es-ES_tradnl" dirty="0" smtClean="0"/>
-              <a:t>HTML</a:t>
-            </a:r>
-            <a:endParaRPr lang="en-US" dirty="0"/>
-          </a:p>
-        </p:txBody>
-      </p:sp>
-      <p:sp>
-        <p:nvSpPr>
-          <p:cNvPr id="3" name="Content Placeholder 2"/>
-          <p:cNvSpPr>
-            <a:spLocks noGrp="1"/>
-          </p:cNvSpPr>
-          <p:nvPr>
-            <p:ph idx="1"/>
-          </p:nvPr>
-        </p:nvSpPr>
-        <p:spPr/>
-        <p:txBody>
-          <a:bodyPr/>
-          <a:lstStyle/>
-          <a:p>
+              <a:t>HTML: </a:t>
+            </a:r>
             <a:r>
               <a:rPr lang="en-US" dirty="0" err="1"/>
               <a:t>HyperText</a:t>
             </a:r>
             <a:r>
               <a:rPr lang="en-US" dirty="0"/>
-              <a:t> Markup Language</a:t>
-            </a:r>
+              <a:t> Markup </a:t>
+            </a:r>
+            <a:r>
+              <a:rPr lang="en-US" dirty="0" smtClean="0"/>
+              <a:t>Language</a:t>
+            </a:r>
+            <a:endParaRPr lang="en-US" dirty="0"/>
           </a:p>
         </p:txBody>
       </p:sp>
@@ -4748,6 +7881,283 @@
     <p:extLst>
       <p:ext uri="{BB962C8B-B14F-4D97-AF65-F5344CB8AC3E}">
         <p14:creationId xmlns:p14="http://schemas.microsoft.com/office/powerpoint/2010/main" val="1469098206"/>
+      </p:ext>
+    </p:extLst>
+  </p:cSld>
+  <p:clrMapOvr>
+    <a:masterClrMapping/>
+  </p:clrMapOvr>
+</p:sld>
+</file>
+
+<file path=ppt/slides/slide30.xml><?xml version="1.0" encoding="utf-8"?>
+<p:sld xmlns:a="http://schemas.openxmlformats.org/drawingml/2006/main" xmlns:r="http://schemas.openxmlformats.org/officeDocument/2006/relationships" xmlns:p="http://schemas.openxmlformats.org/presentationml/2006/main">
+  <p:cSld>
+    <p:spTree>
+      <p:nvGrpSpPr>
+        <p:cNvPr id="1" name=""/>
+        <p:cNvGrpSpPr/>
+        <p:nvPr/>
+      </p:nvGrpSpPr>
+      <p:grpSpPr>
+        <a:xfrm>
+          <a:off x="0" y="0"/>
+          <a:ext cx="0" cy="0"/>
+          <a:chOff x="0" y="0"/>
+          <a:chExt cx="0" cy="0"/>
+        </a:xfrm>
+      </p:grpSpPr>
+      <p:sp>
+        <p:nvSpPr>
+          <p:cNvPr id="2" name="Title 1"/>
+          <p:cNvSpPr>
+            <a:spLocks noGrp="1"/>
+          </p:cNvSpPr>
+          <p:nvPr>
+            <p:ph type="title"/>
+          </p:nvPr>
+        </p:nvSpPr>
+        <p:spPr/>
+        <p:txBody>
+          <a:bodyPr/>
+          <a:lstStyle/>
+          <a:p>
+            <a:r>
+              <a:rPr lang="es-ES_tradnl" dirty="0" err="1" smtClean="0"/>
+              <a:t>Frameworks</a:t>
+            </a:r>
+            <a:r>
+              <a:rPr lang="es-ES_tradnl" dirty="0" smtClean="0"/>
+              <a:t> CSS</a:t>
+            </a:r>
+            <a:endParaRPr lang="en-US" dirty="0"/>
+          </a:p>
+        </p:txBody>
+      </p:sp>
+      <p:sp>
+        <p:nvSpPr>
+          <p:cNvPr id="3" name="Content Placeholder 2"/>
+          <p:cNvSpPr>
+            <a:spLocks noGrp="1"/>
+          </p:cNvSpPr>
+          <p:nvPr>
+            <p:ph idx="1"/>
+          </p:nvPr>
+        </p:nvSpPr>
+        <p:spPr/>
+        <p:txBody>
+          <a:bodyPr/>
+          <a:lstStyle/>
+          <a:p>
+            <a:r>
+              <a:rPr lang="en-US" dirty="0" smtClean="0">
+                <a:hlinkClick r:id="rId2"/>
+              </a:rPr>
+              <a:t>http://www.getskeleton.com/</a:t>
+            </a:r>
+            <a:endParaRPr lang="en-US" dirty="0" smtClean="0"/>
+          </a:p>
+          <a:p>
+            <a:endParaRPr lang="es-ES_tradnl" dirty="0"/>
+          </a:p>
+          <a:p>
+            <a:r>
+              <a:rPr lang="en-US" dirty="0" smtClean="0">
+                <a:hlinkClick r:id="rId3"/>
+              </a:rPr>
+              <a:t>http://twitter.github.io/bootstrap</a:t>
+            </a:r>
+            <a:r>
+              <a:rPr lang="en-US" dirty="0" smtClean="0">
+                <a:hlinkClick r:id="rId3"/>
+              </a:rPr>
+              <a:t>/</a:t>
+            </a:r>
+            <a:endParaRPr lang="en-US" dirty="0" smtClean="0"/>
+          </a:p>
+          <a:p>
+            <a:endParaRPr lang="es-ES_tradnl" dirty="0"/>
+          </a:p>
+          <a:p>
+            <a:r>
+              <a:rPr lang="en-US" dirty="0">
+                <a:hlinkClick r:id="rId4"/>
+              </a:rPr>
+              <a:t>http://foundation.zurb.com</a:t>
+            </a:r>
+            <a:r>
+              <a:rPr lang="en-US" dirty="0" smtClean="0">
+                <a:hlinkClick r:id="rId4"/>
+              </a:rPr>
+              <a:t>/</a:t>
+            </a:r>
+            <a:endParaRPr lang="en-US" dirty="0" smtClean="0"/>
+          </a:p>
+          <a:p>
+            <a:endParaRPr lang="es-ES_tradnl" dirty="0"/>
+          </a:p>
+          <a:p>
+            <a:r>
+              <a:rPr lang="en-US" dirty="0">
+                <a:hlinkClick r:id="rId5"/>
+              </a:rPr>
+              <a:t>http://purecss.io/</a:t>
+            </a:r>
+            <a:endParaRPr lang="en-US" dirty="0"/>
+          </a:p>
+        </p:txBody>
+      </p:sp>
+    </p:spTree>
+    <p:extLst>
+      <p:ext uri="{BB962C8B-B14F-4D97-AF65-F5344CB8AC3E}">
+        <p14:creationId xmlns:p14="http://schemas.microsoft.com/office/powerpoint/2010/main" val="2313433037"/>
+      </p:ext>
+    </p:extLst>
+  </p:cSld>
+  <p:clrMapOvr>
+    <a:masterClrMapping/>
+  </p:clrMapOvr>
+</p:sld>
+</file>
+
+<file path=ppt/slides/slide31.xml><?xml version="1.0" encoding="utf-8"?>
+<p:sld xmlns:a="http://schemas.openxmlformats.org/drawingml/2006/main" xmlns:r="http://schemas.openxmlformats.org/officeDocument/2006/relationships" xmlns:p="http://schemas.openxmlformats.org/presentationml/2006/main">
+  <p:cSld>
+    <p:spTree>
+      <p:nvGrpSpPr>
+        <p:cNvPr id="1" name=""/>
+        <p:cNvGrpSpPr/>
+        <p:nvPr/>
+      </p:nvGrpSpPr>
+      <p:grpSpPr>
+        <a:xfrm>
+          <a:off x="0" y="0"/>
+          <a:ext cx="0" cy="0"/>
+          <a:chOff x="0" y="0"/>
+          <a:chExt cx="0" cy="0"/>
+        </a:xfrm>
+      </p:grpSpPr>
+      <p:sp>
+        <p:nvSpPr>
+          <p:cNvPr id="2" name="Title 1"/>
+          <p:cNvSpPr>
+            <a:spLocks noGrp="1"/>
+          </p:cNvSpPr>
+          <p:nvPr>
+            <p:ph type="title"/>
+          </p:nvPr>
+        </p:nvSpPr>
+        <p:spPr/>
+        <p:txBody>
+          <a:bodyPr/>
+          <a:lstStyle/>
+          <a:p>
+            <a:r>
+              <a:rPr lang="es-ES_tradnl" dirty="0" smtClean="0"/>
+              <a:t>Recursos</a:t>
+            </a:r>
+            <a:endParaRPr lang="en-US" dirty="0"/>
+          </a:p>
+        </p:txBody>
+      </p:sp>
+      <p:sp>
+        <p:nvSpPr>
+          <p:cNvPr id="3" name="Content Placeholder 2"/>
+          <p:cNvSpPr>
+            <a:spLocks noGrp="1"/>
+          </p:cNvSpPr>
+          <p:nvPr>
+            <p:ph idx="1"/>
+          </p:nvPr>
+        </p:nvSpPr>
+        <p:spPr/>
+        <p:txBody>
+          <a:bodyPr/>
+          <a:lstStyle/>
+          <a:p>
+            <a:r>
+              <a:rPr lang="es-ES_tradnl" dirty="0">
+                <a:hlinkClick r:id="rId2"/>
+              </a:rPr>
+              <a:t>https://</a:t>
+            </a:r>
+            <a:r>
+              <a:rPr lang="es-ES_tradnl" dirty="0" smtClean="0">
+                <a:hlinkClick r:id="rId2"/>
+              </a:rPr>
+              <a:t>developer.mozilla.org/en-US/docs/Web/HTML</a:t>
+            </a:r>
+            <a:endParaRPr lang="es-ES_tradnl" dirty="0" smtClean="0"/>
+          </a:p>
+          <a:p>
+            <a:r>
+              <a:rPr lang="en-US" dirty="0" smtClean="0">
+                <a:hlinkClick r:id="rId3"/>
+              </a:rPr>
+              <a:t>https</a:t>
+            </a:r>
+            <a:r>
+              <a:rPr lang="en-US" dirty="0">
+                <a:hlinkClick r:id="rId3"/>
+              </a:rPr>
+              <a:t>://developer.mozilla.org/en-US/docs/Web/CSS</a:t>
+            </a:r>
+            <a:endParaRPr lang="es-ES_tradnl" dirty="0" smtClean="0"/>
+          </a:p>
+          <a:p>
+            <a:r>
+              <a:rPr lang="en-US" dirty="0">
+                <a:hlinkClick r:id="rId4"/>
+              </a:rPr>
+              <a:t>http://www.w3.org</a:t>
+            </a:r>
+            <a:r>
+              <a:rPr lang="en-US" dirty="0" smtClean="0">
+                <a:hlinkClick r:id="rId4"/>
+              </a:rPr>
+              <a:t>/</a:t>
+            </a:r>
+            <a:endParaRPr lang="en-US" dirty="0" smtClean="0"/>
+          </a:p>
+          <a:p>
+            <a:r>
+              <a:rPr lang="en-US" dirty="0">
+                <a:hlinkClick r:id="rId5"/>
+              </a:rPr>
+              <a:t>http://validator.w3.org/</a:t>
+            </a:r>
+            <a:endParaRPr lang="en-US" dirty="0" smtClean="0"/>
+          </a:p>
+          <a:p>
+            <a:r>
+              <a:rPr lang="en-US" dirty="0">
+                <a:hlinkClick r:id="rId6"/>
+              </a:rPr>
+              <a:t>http://</a:t>
+            </a:r>
+            <a:r>
+              <a:rPr lang="en-US" dirty="0" smtClean="0">
+                <a:hlinkClick r:id="rId6"/>
+              </a:rPr>
+              <a:t>www.codecademy.com/tracks/web</a:t>
+            </a:r>
+            <a:endParaRPr lang="en-US" dirty="0" smtClean="0"/>
+          </a:p>
+          <a:p>
+            <a:r>
+              <a:rPr lang="en-US" dirty="0">
+                <a:hlinkClick r:id="rId7"/>
+              </a:rPr>
+              <a:t>http://www.w3schools.com/</a:t>
+            </a:r>
+            <a:endParaRPr lang="es-ES_tradnl" dirty="0" smtClean="0"/>
+          </a:p>
+        </p:txBody>
+      </p:sp>
+    </p:spTree>
+    <p:extLst>
+      <p:ext uri="{BB962C8B-B14F-4D97-AF65-F5344CB8AC3E}">
+        <p14:creationId xmlns:p14="http://schemas.microsoft.com/office/powerpoint/2010/main" val="1310797858"/>
       </p:ext>
     </p:extLst>
   </p:cSld>
@@ -4774,6 +8184,642 @@
           <a:chExt cx="0" cy="0"/>
         </a:xfrm>
       </p:grpSpPr>
+      <p:grpSp>
+        <p:nvGrpSpPr>
+          <p:cNvPr id="7" name="Group 6"/>
+          <p:cNvGrpSpPr/>
+          <p:nvPr/>
+        </p:nvGrpSpPr>
+        <p:grpSpPr>
+          <a:xfrm>
+            <a:off x="3440981" y="994884"/>
+            <a:ext cx="5310038" cy="4868233"/>
+            <a:chOff x="2852438" y="1196165"/>
+            <a:chExt cx="5310038" cy="4868233"/>
+          </a:xfrm>
+        </p:grpSpPr>
+        <p:sp>
+          <p:nvSpPr>
+            <p:cNvPr id="4" name="Oval 3"/>
+            <p:cNvSpPr/>
+            <p:nvPr/>
+          </p:nvSpPr>
+          <p:spPr>
+            <a:xfrm>
+              <a:off x="2852438" y="1196165"/>
+              <a:ext cx="2869780" cy="2869780"/>
+            </a:xfrm>
+            <a:prstGeom prst="ellipse">
+              <a:avLst/>
+            </a:prstGeom>
+            <a:solidFill>
+              <a:srgbClr val="0070C0">
+                <a:alpha val="50196"/>
+              </a:srgbClr>
+            </a:solidFill>
+          </p:spPr>
+          <p:style>
+            <a:lnRef idx="2">
+              <a:schemeClr val="accent1">
+                <a:shade val="50000"/>
+              </a:schemeClr>
+            </a:lnRef>
+            <a:fillRef idx="1">
+              <a:schemeClr val="accent1"/>
+            </a:fillRef>
+            <a:effectRef idx="0">
+              <a:schemeClr val="accent1"/>
+            </a:effectRef>
+            <a:fontRef idx="minor">
+              <a:schemeClr val="lt1"/>
+            </a:fontRef>
+          </p:style>
+          <p:txBody>
+            <a:bodyPr rtlCol="0" anchor="ctr"/>
+            <a:lstStyle/>
+            <a:p>
+              <a:pPr algn="ctr"/>
+              <a:r>
+                <a:rPr lang="es-ES_tradnl" sz="3200" b="1" dirty="0">
+                  <a:ln w="3175">
+                    <a:solidFill>
+                      <a:schemeClr val="tx1">
+                        <a:lumMod val="50000"/>
+                        <a:lumOff val="50000"/>
+                      </a:schemeClr>
+                    </a:solidFill>
+                  </a:ln>
+                </a:rPr>
+                <a:t>HTML</a:t>
+              </a:r>
+              <a:endParaRPr lang="en-US" sz="3200" b="1" dirty="0">
+                <a:ln w="3175">
+                  <a:solidFill>
+                    <a:schemeClr val="tx1">
+                      <a:lumMod val="50000"/>
+                      <a:lumOff val="50000"/>
+                    </a:schemeClr>
+                  </a:solidFill>
+                </a:ln>
+              </a:endParaRPr>
+            </a:p>
+          </p:txBody>
+        </p:sp>
+        <p:sp>
+          <p:nvSpPr>
+            <p:cNvPr id="5" name="Oval 4"/>
+            <p:cNvSpPr/>
+            <p:nvPr/>
+          </p:nvSpPr>
+          <p:spPr>
+            <a:xfrm>
+              <a:off x="5292696" y="1196165"/>
+              <a:ext cx="2869780" cy="2869780"/>
+            </a:xfrm>
+            <a:prstGeom prst="ellipse">
+              <a:avLst/>
+            </a:prstGeom>
+            <a:solidFill>
+              <a:schemeClr val="accent2">
+                <a:alpha val="50196"/>
+              </a:schemeClr>
+            </a:solidFill>
+          </p:spPr>
+          <p:style>
+            <a:lnRef idx="2">
+              <a:schemeClr val="accent2">
+                <a:shade val="50000"/>
+              </a:schemeClr>
+            </a:lnRef>
+            <a:fillRef idx="1">
+              <a:schemeClr val="accent2"/>
+            </a:fillRef>
+            <a:effectRef idx="0">
+              <a:schemeClr val="accent2"/>
+            </a:effectRef>
+            <a:fontRef idx="minor">
+              <a:schemeClr val="lt1"/>
+            </a:fontRef>
+          </p:style>
+          <p:txBody>
+            <a:bodyPr rtlCol="0" anchor="ctr"/>
+            <a:lstStyle/>
+            <a:p>
+              <a:pPr algn="ctr"/>
+              <a:r>
+                <a:rPr lang="es-ES_tradnl" sz="3200" b="1" dirty="0">
+                  <a:ln w="3175">
+                    <a:solidFill>
+                      <a:schemeClr val="tx1">
+                        <a:lumMod val="50000"/>
+                        <a:lumOff val="50000"/>
+                      </a:schemeClr>
+                    </a:solidFill>
+                  </a:ln>
+                </a:rPr>
+                <a:t>CSS</a:t>
+              </a:r>
+              <a:endParaRPr lang="en-US" sz="3200" b="1" dirty="0">
+                <a:ln w="3175">
+                  <a:solidFill>
+                    <a:schemeClr val="tx1">
+                      <a:lumMod val="50000"/>
+                      <a:lumOff val="50000"/>
+                    </a:schemeClr>
+                  </a:solidFill>
+                </a:ln>
+              </a:endParaRPr>
+            </a:p>
+          </p:txBody>
+        </p:sp>
+        <p:sp>
+          <p:nvSpPr>
+            <p:cNvPr id="6" name="Oval 5"/>
+            <p:cNvSpPr/>
+            <p:nvPr/>
+          </p:nvSpPr>
+          <p:spPr>
+            <a:xfrm>
+              <a:off x="4072567" y="3194618"/>
+              <a:ext cx="2869780" cy="2869780"/>
+            </a:xfrm>
+            <a:prstGeom prst="ellipse">
+              <a:avLst/>
+            </a:prstGeom>
+            <a:solidFill>
+              <a:srgbClr val="92D050">
+                <a:alpha val="50196"/>
+              </a:srgbClr>
+            </a:solidFill>
+          </p:spPr>
+          <p:style>
+            <a:lnRef idx="2">
+              <a:schemeClr val="accent6">
+                <a:shade val="50000"/>
+              </a:schemeClr>
+            </a:lnRef>
+            <a:fillRef idx="1">
+              <a:schemeClr val="accent6"/>
+            </a:fillRef>
+            <a:effectRef idx="0">
+              <a:schemeClr val="accent6"/>
+            </a:effectRef>
+            <a:fontRef idx="minor">
+              <a:schemeClr val="lt1"/>
+            </a:fontRef>
+          </p:style>
+          <p:txBody>
+            <a:bodyPr rtlCol="0" anchor="ctr"/>
+            <a:lstStyle/>
+            <a:p>
+              <a:pPr algn="ctr"/>
+              <a:r>
+                <a:rPr lang="es-ES_tradnl" sz="3200" b="1" dirty="0" smtClean="0">
+                  <a:ln w="3175">
+                    <a:solidFill>
+                      <a:schemeClr val="tx1">
+                        <a:lumMod val="50000"/>
+                        <a:lumOff val="50000"/>
+                      </a:schemeClr>
+                    </a:solidFill>
+                  </a:ln>
+                </a:rPr>
+                <a:t>JavaScript</a:t>
+              </a:r>
+              <a:endParaRPr lang="en-US" b="1" dirty="0">
+                <a:ln w="3175">
+                  <a:solidFill>
+                    <a:schemeClr val="tx1">
+                      <a:lumMod val="50000"/>
+                      <a:lumOff val="50000"/>
+                    </a:schemeClr>
+                  </a:solidFill>
+                </a:ln>
+              </a:endParaRPr>
+            </a:p>
+          </p:txBody>
+        </p:sp>
+      </p:grpSp>
+    </p:spTree>
+    <p:extLst>
+      <p:ext uri="{BB962C8B-B14F-4D97-AF65-F5344CB8AC3E}">
+        <p14:creationId xmlns:p14="http://schemas.microsoft.com/office/powerpoint/2010/main" val="1321226762"/>
+      </p:ext>
+    </p:extLst>
+  </p:cSld>
+  <p:clrMapOvr>
+    <a:masterClrMapping/>
+  </p:clrMapOvr>
+</p:sld>
+</file>
+
+<file path=ppt/slides/slide5.xml><?xml version="1.0" encoding="utf-8"?>
+<p:sld xmlns:a="http://schemas.openxmlformats.org/drawingml/2006/main" xmlns:r="http://schemas.openxmlformats.org/officeDocument/2006/relationships" xmlns:p="http://schemas.openxmlformats.org/presentationml/2006/main">
+  <p:cSld>
+    <p:spTree>
+      <p:nvGrpSpPr>
+        <p:cNvPr id="1" name=""/>
+        <p:cNvGrpSpPr/>
+        <p:nvPr/>
+      </p:nvGrpSpPr>
+      <p:grpSpPr>
+        <a:xfrm>
+          <a:off x="0" y="0"/>
+          <a:ext cx="0" cy="0"/>
+          <a:chOff x="0" y="0"/>
+          <a:chExt cx="0" cy="0"/>
+        </a:xfrm>
+      </p:grpSpPr>
+      <p:sp>
+        <p:nvSpPr>
+          <p:cNvPr id="4" name="Oval 3"/>
+          <p:cNvSpPr/>
+          <p:nvPr/>
+        </p:nvSpPr>
+        <p:spPr>
+          <a:xfrm>
+            <a:off x="1129103" y="958942"/>
+            <a:ext cx="2869780" cy="2869780"/>
+          </a:xfrm>
+          <a:prstGeom prst="ellipse">
+            <a:avLst/>
+          </a:prstGeom>
+          <a:solidFill>
+            <a:srgbClr val="0070C0">
+              <a:alpha val="50196"/>
+            </a:srgbClr>
+          </a:solidFill>
+        </p:spPr>
+        <p:style>
+          <a:lnRef idx="2">
+            <a:schemeClr val="accent1">
+              <a:shade val="50000"/>
+            </a:schemeClr>
+          </a:lnRef>
+          <a:fillRef idx="1">
+            <a:schemeClr val="accent1"/>
+          </a:fillRef>
+          <a:effectRef idx="0">
+            <a:schemeClr val="accent1"/>
+          </a:effectRef>
+          <a:fontRef idx="minor">
+            <a:schemeClr val="lt1"/>
+          </a:fontRef>
+        </p:style>
+        <p:txBody>
+          <a:bodyPr rtlCol="0" anchor="ctr"/>
+          <a:lstStyle/>
+          <a:p>
+            <a:pPr algn="ctr"/>
+            <a:r>
+              <a:rPr lang="es-ES_tradnl" sz="3200" b="1" dirty="0">
+                <a:ln w="3175">
+                  <a:solidFill>
+                    <a:schemeClr val="tx1">
+                      <a:lumMod val="50000"/>
+                      <a:lumOff val="50000"/>
+                    </a:schemeClr>
+                  </a:solidFill>
+                </a:ln>
+              </a:rPr>
+              <a:t>HTML</a:t>
+            </a:r>
+            <a:endParaRPr lang="en-US" sz="3200" b="1" dirty="0">
+              <a:ln w="3175">
+                <a:solidFill>
+                  <a:schemeClr val="tx1">
+                    <a:lumMod val="50000"/>
+                    <a:lumOff val="50000"/>
+                  </a:schemeClr>
+                </a:solidFill>
+              </a:ln>
+            </a:endParaRPr>
+          </a:p>
+        </p:txBody>
+      </p:sp>
+      <p:sp>
+        <p:nvSpPr>
+          <p:cNvPr id="6" name="Oval 5"/>
+          <p:cNvSpPr/>
+          <p:nvPr/>
+        </p:nvSpPr>
+        <p:spPr>
+          <a:xfrm>
+            <a:off x="8543640" y="946910"/>
+            <a:ext cx="2869780" cy="2869780"/>
+          </a:xfrm>
+          <a:prstGeom prst="ellipse">
+            <a:avLst/>
+          </a:prstGeom>
+          <a:solidFill>
+            <a:srgbClr val="92D050">
+              <a:alpha val="50196"/>
+            </a:srgbClr>
+          </a:solidFill>
+        </p:spPr>
+        <p:style>
+          <a:lnRef idx="2">
+            <a:schemeClr val="accent6">
+              <a:shade val="50000"/>
+            </a:schemeClr>
+          </a:lnRef>
+          <a:fillRef idx="1">
+            <a:schemeClr val="accent6"/>
+          </a:fillRef>
+          <a:effectRef idx="0">
+            <a:schemeClr val="accent6"/>
+          </a:effectRef>
+          <a:fontRef idx="minor">
+            <a:schemeClr val="lt1"/>
+          </a:fontRef>
+        </p:style>
+        <p:txBody>
+          <a:bodyPr rtlCol="0" anchor="ctr"/>
+          <a:lstStyle/>
+          <a:p>
+            <a:pPr algn="ctr"/>
+            <a:r>
+              <a:rPr lang="es-ES_tradnl" sz="3200" b="1" dirty="0" smtClean="0">
+                <a:ln w="3175">
+                  <a:solidFill>
+                    <a:schemeClr val="tx1">
+                      <a:lumMod val="50000"/>
+                      <a:lumOff val="50000"/>
+                    </a:schemeClr>
+                  </a:solidFill>
+                </a:ln>
+              </a:rPr>
+              <a:t>JavaScript</a:t>
+            </a:r>
+            <a:endParaRPr lang="en-US" b="1" dirty="0">
+              <a:ln w="3175">
+                <a:solidFill>
+                  <a:schemeClr val="tx1">
+                    <a:lumMod val="50000"/>
+                    <a:lumOff val="50000"/>
+                  </a:schemeClr>
+                </a:solidFill>
+              </a:ln>
+            </a:endParaRPr>
+          </a:p>
+        </p:txBody>
+      </p:sp>
+      <p:sp>
+        <p:nvSpPr>
+          <p:cNvPr id="2" name="Rounded Rectangular Callout 1"/>
+          <p:cNvSpPr/>
+          <p:nvPr/>
+        </p:nvSpPr>
+        <p:spPr>
+          <a:xfrm>
+            <a:off x="1485939" y="4109399"/>
+            <a:ext cx="2156108" cy="896977"/>
+          </a:xfrm>
+          <a:prstGeom prst="wedgeRoundRectCallout">
+            <a:avLst>
+              <a:gd name="adj1" fmla="val 17367"/>
+              <a:gd name="adj2" fmla="val -117869"/>
+              <a:gd name="adj3" fmla="val 16667"/>
+            </a:avLst>
+          </a:prstGeom>
+        </p:spPr>
+        <p:style>
+          <a:lnRef idx="2">
+            <a:schemeClr val="accent5">
+              <a:shade val="50000"/>
+            </a:schemeClr>
+          </a:lnRef>
+          <a:fillRef idx="1">
+            <a:schemeClr val="accent5"/>
+          </a:fillRef>
+          <a:effectRef idx="0">
+            <a:schemeClr val="accent5"/>
+          </a:effectRef>
+          <a:fontRef idx="minor">
+            <a:schemeClr val="lt1"/>
+          </a:fontRef>
+        </p:style>
+        <p:txBody>
+          <a:bodyPr rtlCol="0" anchor="ctr"/>
+          <a:lstStyle/>
+          <a:p>
+            <a:pPr algn="ctr"/>
+            <a:r>
+              <a:rPr lang="es-ES_tradnl" sz="3200" dirty="0" smtClean="0"/>
+              <a:t>Estructura</a:t>
+            </a:r>
+            <a:endParaRPr lang="en-US" sz="3200" dirty="0"/>
+          </a:p>
+        </p:txBody>
+      </p:sp>
+      <p:sp>
+        <p:nvSpPr>
+          <p:cNvPr id="8" name="Rounded Rectangular Callout 7"/>
+          <p:cNvSpPr/>
+          <p:nvPr/>
+        </p:nvSpPr>
+        <p:spPr>
+          <a:xfrm>
+            <a:off x="8400151" y="4097367"/>
+            <a:ext cx="3156758" cy="896977"/>
+          </a:xfrm>
+          <a:prstGeom prst="wedgeRoundRectCallout">
+            <a:avLst>
+              <a:gd name="adj1" fmla="val 11724"/>
+              <a:gd name="adj2" fmla="val -125563"/>
+              <a:gd name="adj3" fmla="val 16667"/>
+            </a:avLst>
+          </a:prstGeom>
+        </p:spPr>
+        <p:style>
+          <a:lnRef idx="2">
+            <a:schemeClr val="accent6">
+              <a:shade val="50000"/>
+            </a:schemeClr>
+          </a:lnRef>
+          <a:fillRef idx="1">
+            <a:schemeClr val="accent6"/>
+          </a:fillRef>
+          <a:effectRef idx="0">
+            <a:schemeClr val="accent6"/>
+          </a:effectRef>
+          <a:fontRef idx="minor">
+            <a:schemeClr val="lt1"/>
+          </a:fontRef>
+        </p:style>
+        <p:txBody>
+          <a:bodyPr rtlCol="0" anchor="ctr"/>
+          <a:lstStyle/>
+          <a:p>
+            <a:pPr algn="ctr"/>
+            <a:r>
+              <a:rPr lang="es-ES_tradnl" sz="3200" dirty="0" smtClean="0"/>
+              <a:t>Comportamiento</a:t>
+            </a:r>
+            <a:endParaRPr lang="en-US" sz="3200" dirty="0"/>
+          </a:p>
+        </p:txBody>
+      </p:sp>
+      <p:grpSp>
+        <p:nvGrpSpPr>
+          <p:cNvPr id="3" name="Group 2"/>
+          <p:cNvGrpSpPr/>
+          <p:nvPr/>
+        </p:nvGrpSpPr>
+        <p:grpSpPr>
+          <a:xfrm>
+            <a:off x="4764627" y="946910"/>
+            <a:ext cx="2869780" cy="4047434"/>
+            <a:chOff x="8400151" y="958942"/>
+            <a:chExt cx="2869780" cy="4047434"/>
+          </a:xfrm>
+        </p:grpSpPr>
+        <p:sp>
+          <p:nvSpPr>
+            <p:cNvPr id="10" name="Oval 9"/>
+            <p:cNvSpPr/>
+            <p:nvPr/>
+          </p:nvSpPr>
+          <p:spPr>
+            <a:xfrm>
+              <a:off x="8400151" y="958942"/>
+              <a:ext cx="2869780" cy="2869780"/>
+            </a:xfrm>
+            <a:prstGeom prst="ellipse">
+              <a:avLst/>
+            </a:prstGeom>
+            <a:solidFill>
+              <a:schemeClr val="accent2">
+                <a:alpha val="50196"/>
+              </a:schemeClr>
+            </a:solidFill>
+          </p:spPr>
+          <p:style>
+            <a:lnRef idx="2">
+              <a:schemeClr val="accent2">
+                <a:shade val="50000"/>
+              </a:schemeClr>
+            </a:lnRef>
+            <a:fillRef idx="1">
+              <a:schemeClr val="accent2"/>
+            </a:fillRef>
+            <a:effectRef idx="0">
+              <a:schemeClr val="accent2"/>
+            </a:effectRef>
+            <a:fontRef idx="minor">
+              <a:schemeClr val="lt1"/>
+            </a:fontRef>
+          </p:style>
+          <p:txBody>
+            <a:bodyPr rtlCol="0" anchor="ctr"/>
+            <a:lstStyle/>
+            <a:p>
+              <a:pPr algn="ctr"/>
+              <a:r>
+                <a:rPr lang="es-ES_tradnl" sz="3200" b="1" dirty="0">
+                  <a:ln w="3175">
+                    <a:solidFill>
+                      <a:schemeClr val="tx1">
+                        <a:lumMod val="50000"/>
+                        <a:lumOff val="50000"/>
+                      </a:schemeClr>
+                    </a:solidFill>
+                  </a:ln>
+                </a:rPr>
+                <a:t>CSS</a:t>
+              </a:r>
+              <a:endParaRPr lang="en-US" sz="3200" b="1" dirty="0">
+                <a:ln w="3175">
+                  <a:solidFill>
+                    <a:schemeClr val="tx1">
+                      <a:lumMod val="50000"/>
+                      <a:lumOff val="50000"/>
+                    </a:schemeClr>
+                  </a:solidFill>
+                </a:ln>
+              </a:endParaRPr>
+            </a:p>
+          </p:txBody>
+        </p:sp>
+        <p:sp>
+          <p:nvSpPr>
+            <p:cNvPr id="11" name="Rounded Rectangular Callout 10"/>
+            <p:cNvSpPr/>
+            <p:nvPr/>
+          </p:nvSpPr>
+          <p:spPr>
+            <a:xfrm>
+              <a:off x="8530595" y="4109399"/>
+              <a:ext cx="2608891" cy="896977"/>
+            </a:xfrm>
+            <a:prstGeom prst="wedgeRoundRectCallout">
+              <a:avLst>
+                <a:gd name="adj1" fmla="val 7996"/>
+                <a:gd name="adj2" fmla="val -108252"/>
+                <a:gd name="adj3" fmla="val 16667"/>
+              </a:avLst>
+            </a:prstGeom>
+          </p:spPr>
+          <p:style>
+            <a:lnRef idx="2">
+              <a:schemeClr val="accent2">
+                <a:shade val="50000"/>
+              </a:schemeClr>
+            </a:lnRef>
+            <a:fillRef idx="1">
+              <a:schemeClr val="accent2"/>
+            </a:fillRef>
+            <a:effectRef idx="0">
+              <a:schemeClr val="accent2"/>
+            </a:effectRef>
+            <a:fontRef idx="minor">
+              <a:schemeClr val="lt1"/>
+            </a:fontRef>
+          </p:style>
+          <p:txBody>
+            <a:bodyPr rtlCol="0" anchor="ctr"/>
+            <a:lstStyle/>
+            <a:p>
+              <a:pPr algn="ctr"/>
+              <a:r>
+                <a:rPr lang="es-ES_tradnl" sz="3200" dirty="0" smtClean="0"/>
+                <a:t>Presentación</a:t>
+              </a:r>
+              <a:endParaRPr lang="en-US" sz="3200" dirty="0"/>
+            </a:p>
+          </p:txBody>
+        </p:sp>
+      </p:grpSp>
+    </p:spTree>
+    <p:extLst>
+      <p:ext uri="{BB962C8B-B14F-4D97-AF65-F5344CB8AC3E}">
+        <p14:creationId xmlns:p14="http://schemas.microsoft.com/office/powerpoint/2010/main" val="546208204"/>
+      </p:ext>
+    </p:extLst>
+  </p:cSld>
+  <p:clrMapOvr>
+    <a:masterClrMapping/>
+  </p:clrMapOvr>
+</p:sld>
+</file>
+
+<file path=ppt/slides/slide6.xml><?xml version="1.0" encoding="utf-8"?>
+<p:sld xmlns:a="http://schemas.openxmlformats.org/drawingml/2006/main" xmlns:r="http://schemas.openxmlformats.org/officeDocument/2006/relationships" xmlns:p="http://schemas.openxmlformats.org/presentationml/2006/main">
+  <p:cSld>
+    <p:spTree>
+      <p:nvGrpSpPr>
+        <p:cNvPr id="1" name=""/>
+        <p:cNvGrpSpPr/>
+        <p:nvPr/>
+      </p:nvGrpSpPr>
+      <p:grpSpPr>
+        <a:xfrm>
+          <a:off x="0" y="0"/>
+          <a:ext cx="0" cy="0"/>
+          <a:chOff x="0" y="0"/>
+          <a:chExt cx="0" cy="0"/>
+        </a:xfrm>
+      </p:grpSpPr>
       <p:sp>
         <p:nvSpPr>
           <p:cNvPr id="2" name="Title 1"/>
@@ -4881,7 +8927,7 @@
 </p:sld>
 </file>
 
-<file path=ppt/slides/slide5.xml><?xml version="1.0" encoding="utf-8"?>
+<file path=ppt/slides/slide7.xml><?xml version="1.0" encoding="utf-8"?>
 <p:sld xmlns:a="http://schemas.openxmlformats.org/drawingml/2006/main" xmlns:r="http://schemas.openxmlformats.org/officeDocument/2006/relationships" xmlns:p="http://schemas.openxmlformats.org/presentationml/2006/main">
   <p:cSld>
     <p:spTree>
@@ -5531,7 +9577,7 @@
 </p:sld>
 </file>
 
-<file path=ppt/slides/slide6.xml><?xml version="1.0" encoding="utf-8"?>
+<file path=ppt/slides/slide8.xml><?xml version="1.0" encoding="utf-8"?>
 <p:sld xmlns:a="http://schemas.openxmlformats.org/drawingml/2006/main" xmlns:r="http://schemas.openxmlformats.org/officeDocument/2006/relationships" xmlns:p="http://schemas.openxmlformats.org/presentationml/2006/main">
   <p:cSld>
     <p:spTree>
@@ -5583,7 +9629,7 @@
         </p:nvSpPr>
         <p:spPr>
           <a:xfrm>
-            <a:off x="2733102" y="2872227"/>
+            <a:off x="3837288" y="3217286"/>
             <a:ext cx="2885501" cy="1611638"/>
           </a:xfrm>
         </p:spPr>
@@ -5656,7 +9702,7 @@
         </p:nvSpPr>
         <p:spPr>
           <a:xfrm>
-            <a:off x="5051232" y="1776269"/>
+            <a:off x="6155418" y="2121328"/>
             <a:ext cx="2175831" cy="1010377"/>
           </a:xfrm>
           <a:prstGeom prst="wedgeRoundRectCallout">
@@ -5704,7 +9750,7 @@
         </p:nvSpPr>
         <p:spPr>
           <a:xfrm>
-            <a:off x="4996149" y="4483865"/>
+            <a:off x="6100335" y="4828924"/>
             <a:ext cx="1779225" cy="1010377"/>
           </a:xfrm>
           <a:prstGeom prst="wedgeRoundRectCallout">
@@ -5757,318 +9803,6 @@
 </p:sld>
 </file>
 
-<file path=ppt/slides/slide7.xml><?xml version="1.0" encoding="utf-8"?>
-<p:sld xmlns:a="http://schemas.openxmlformats.org/drawingml/2006/main" xmlns:r="http://schemas.openxmlformats.org/officeDocument/2006/relationships" xmlns:p="http://schemas.openxmlformats.org/presentationml/2006/main">
-  <p:cSld>
-    <p:spTree>
-      <p:nvGrpSpPr>
-        <p:cNvPr id="1" name=""/>
-        <p:cNvGrpSpPr/>
-        <p:nvPr/>
-      </p:nvGrpSpPr>
-      <p:grpSpPr>
-        <a:xfrm>
-          <a:off x="0" y="0"/>
-          <a:ext cx="0" cy="0"/>
-          <a:chOff x="0" y="0"/>
-          <a:chExt cx="0" cy="0"/>
-        </a:xfrm>
-      </p:grpSpPr>
-      <p:sp>
-        <p:nvSpPr>
-          <p:cNvPr id="2" name="Title 1"/>
-          <p:cNvSpPr>
-            <a:spLocks noGrp="1"/>
-          </p:cNvSpPr>
-          <p:nvPr>
-            <p:ph type="title"/>
-          </p:nvPr>
-        </p:nvSpPr>
-        <p:spPr/>
-        <p:txBody>
-          <a:bodyPr/>
-          <a:lstStyle/>
-          <a:p>
-            <a:r>
-              <a:rPr lang="es-ES_tradnl" dirty="0" smtClean="0"/>
-              <a:t>Estructura básica</a:t>
-            </a:r>
-            <a:endParaRPr lang="en-US" dirty="0"/>
-          </a:p>
-        </p:txBody>
-      </p:sp>
-      <p:sp>
-        <p:nvSpPr>
-          <p:cNvPr id="3" name="Content Placeholder 2"/>
-          <p:cNvSpPr>
-            <a:spLocks noGrp="1"/>
-          </p:cNvSpPr>
-          <p:nvPr>
-            <p:ph idx="1"/>
-          </p:nvPr>
-        </p:nvSpPr>
-        <p:spPr/>
-        <p:txBody>
-          <a:bodyPr/>
-          <a:lstStyle/>
-          <a:p>
-            <a:pPr marL="0" indent="0">
-              <a:buNone/>
-            </a:pPr>
-            <a:r>
-              <a:rPr lang="es-ES_tradnl" dirty="0" smtClean="0"/>
-              <a:t>&lt;</a:t>
-            </a:r>
-            <a:r>
-              <a:rPr lang="es-ES_tradnl" dirty="0" err="1" smtClean="0"/>
-              <a:t>html</a:t>
-            </a:r>
-            <a:r>
-              <a:rPr lang="es-ES_tradnl" dirty="0" smtClean="0"/>
-              <a:t>&gt;</a:t>
-            </a:r>
-          </a:p>
-          <a:p>
-            <a:pPr marL="457200" lvl="1" indent="0">
-              <a:buNone/>
-            </a:pPr>
-            <a:r>
-              <a:rPr lang="es-ES_tradnl" dirty="0" smtClean="0">
-                <a:solidFill>
-                  <a:srgbClr val="00B050"/>
-                </a:solidFill>
-              </a:rPr>
-              <a:t>&lt;head&gt;</a:t>
-            </a:r>
-          </a:p>
-          <a:p>
-            <a:pPr marL="457200" lvl="1" indent="0">
-              <a:buNone/>
-            </a:pPr>
-            <a:r>
-              <a:rPr lang="es-ES_tradnl" dirty="0" smtClean="0">
-                <a:solidFill>
-                  <a:srgbClr val="00B050"/>
-                </a:solidFill>
-              </a:rPr>
-              <a:t>…</a:t>
-            </a:r>
-          </a:p>
-          <a:p>
-            <a:pPr marL="457200" lvl="1" indent="0">
-              <a:buNone/>
-            </a:pPr>
-            <a:r>
-              <a:rPr lang="es-ES_tradnl" dirty="0" smtClean="0">
-                <a:solidFill>
-                  <a:srgbClr val="00B050"/>
-                </a:solidFill>
-              </a:rPr>
-              <a:t>&lt;/head&gt;</a:t>
-            </a:r>
-          </a:p>
-          <a:p>
-            <a:pPr marL="457200" lvl="1" indent="0">
-              <a:buNone/>
-            </a:pPr>
-            <a:r>
-              <a:rPr lang="es-ES_tradnl" dirty="0" smtClean="0">
-                <a:solidFill>
-                  <a:schemeClr val="accent2">
-                    <a:lumMod val="75000"/>
-                  </a:schemeClr>
-                </a:solidFill>
-              </a:rPr>
-              <a:t>&lt;</a:t>
-            </a:r>
-            <a:r>
-              <a:rPr lang="es-ES_tradnl" dirty="0" err="1" smtClean="0">
-                <a:solidFill>
-                  <a:schemeClr val="accent2">
-                    <a:lumMod val="75000"/>
-                  </a:schemeClr>
-                </a:solidFill>
-              </a:rPr>
-              <a:t>body</a:t>
-            </a:r>
-            <a:r>
-              <a:rPr lang="es-ES_tradnl" dirty="0" smtClean="0">
-                <a:solidFill>
-                  <a:schemeClr val="accent2">
-                    <a:lumMod val="75000"/>
-                  </a:schemeClr>
-                </a:solidFill>
-              </a:rPr>
-              <a:t>&gt;</a:t>
-            </a:r>
-          </a:p>
-          <a:p>
-            <a:pPr marL="457200" lvl="1" indent="0">
-              <a:buNone/>
-            </a:pPr>
-            <a:r>
-              <a:rPr lang="es-ES_tradnl" dirty="0" smtClean="0">
-                <a:solidFill>
-                  <a:schemeClr val="accent2">
-                    <a:lumMod val="75000"/>
-                  </a:schemeClr>
-                </a:solidFill>
-              </a:rPr>
-              <a:t>…</a:t>
-            </a:r>
-          </a:p>
-          <a:p>
-            <a:pPr marL="457200" lvl="1" indent="0">
-              <a:buNone/>
-            </a:pPr>
-            <a:r>
-              <a:rPr lang="es-ES_tradnl" dirty="0" smtClean="0">
-                <a:solidFill>
-                  <a:schemeClr val="accent2">
-                    <a:lumMod val="75000"/>
-                  </a:schemeClr>
-                </a:solidFill>
-              </a:rPr>
-              <a:t>&lt;/</a:t>
-            </a:r>
-            <a:r>
-              <a:rPr lang="es-ES_tradnl" dirty="0" err="1" smtClean="0">
-                <a:solidFill>
-                  <a:schemeClr val="accent2">
-                    <a:lumMod val="75000"/>
-                  </a:schemeClr>
-                </a:solidFill>
-              </a:rPr>
-              <a:t>body</a:t>
-            </a:r>
-            <a:r>
-              <a:rPr lang="es-ES_tradnl" dirty="0" smtClean="0">
-                <a:solidFill>
-                  <a:schemeClr val="accent2">
-                    <a:lumMod val="75000"/>
-                  </a:schemeClr>
-                </a:solidFill>
-              </a:rPr>
-              <a:t>&gt;</a:t>
-            </a:r>
-          </a:p>
-          <a:p>
-            <a:pPr marL="0" indent="0">
-              <a:buNone/>
-            </a:pPr>
-            <a:r>
-              <a:rPr lang="es-ES_tradnl" dirty="0" smtClean="0"/>
-              <a:t>&lt;/</a:t>
-            </a:r>
-            <a:r>
-              <a:rPr lang="es-ES_tradnl" dirty="0" err="1" smtClean="0"/>
-              <a:t>html</a:t>
-            </a:r>
-            <a:r>
-              <a:rPr lang="es-ES_tradnl" dirty="0" smtClean="0"/>
-              <a:t>&gt;</a:t>
-            </a:r>
-            <a:endParaRPr lang="en-US" dirty="0"/>
-          </a:p>
-        </p:txBody>
-      </p:sp>
-    </p:spTree>
-    <p:extLst>
-      <p:ext uri="{BB962C8B-B14F-4D97-AF65-F5344CB8AC3E}">
-        <p14:creationId xmlns:p14="http://schemas.microsoft.com/office/powerpoint/2010/main" val="2347869269"/>
-      </p:ext>
-    </p:extLst>
-  </p:cSld>
-  <p:clrMapOvr>
-    <a:masterClrMapping/>
-  </p:clrMapOvr>
-</p:sld>
-</file>
-
-<file path=ppt/slides/slide8.xml><?xml version="1.0" encoding="utf-8"?>
-<p:sld xmlns:a="http://schemas.openxmlformats.org/drawingml/2006/main" xmlns:r="http://schemas.openxmlformats.org/officeDocument/2006/relationships" xmlns:p="http://schemas.openxmlformats.org/presentationml/2006/main">
-  <p:cSld>
-    <p:spTree>
-      <p:nvGrpSpPr>
-        <p:cNvPr id="1" name=""/>
-        <p:cNvGrpSpPr/>
-        <p:nvPr/>
-      </p:nvGrpSpPr>
-      <p:grpSpPr>
-        <a:xfrm>
-          <a:off x="0" y="0"/>
-          <a:ext cx="0" cy="0"/>
-          <a:chOff x="0" y="0"/>
-          <a:chExt cx="0" cy="0"/>
-        </a:xfrm>
-      </p:grpSpPr>
-      <p:sp>
-        <p:nvSpPr>
-          <p:cNvPr id="2" name="Title 1"/>
-          <p:cNvSpPr>
-            <a:spLocks noGrp="1"/>
-          </p:cNvSpPr>
-          <p:nvPr>
-            <p:ph type="title"/>
-          </p:nvPr>
-        </p:nvSpPr>
-        <p:spPr/>
-        <p:txBody>
-          <a:bodyPr/>
-          <a:lstStyle/>
-          <a:p>
-            <a:r>
-              <a:rPr lang="es-ES_tradnl" dirty="0" smtClean="0"/>
-              <a:t>Modelo basado en cajas</a:t>
-            </a:r>
-            <a:endParaRPr lang="en-US" dirty="0"/>
-          </a:p>
-        </p:txBody>
-      </p:sp>
-      <p:sp>
-        <p:nvSpPr>
-          <p:cNvPr id="3" name="Content Placeholder 2"/>
-          <p:cNvSpPr>
-            <a:spLocks noGrp="1"/>
-          </p:cNvSpPr>
-          <p:nvPr>
-            <p:ph idx="1"/>
-          </p:nvPr>
-        </p:nvSpPr>
-        <p:spPr/>
-        <p:txBody>
-          <a:bodyPr/>
-          <a:lstStyle/>
-          <a:p>
-            <a:r>
-              <a:rPr lang="es-ES_tradnl" dirty="0" err="1" smtClean="0"/>
-              <a:t>Boxing</a:t>
-            </a:r>
-            <a:r>
-              <a:rPr lang="es-ES_tradnl" dirty="0" smtClean="0"/>
-              <a:t> vs </a:t>
-            </a:r>
-            <a:r>
-              <a:rPr lang="es-ES_tradnl" dirty="0" err="1" smtClean="0"/>
-              <a:t>inline</a:t>
-            </a:r>
-            <a:endParaRPr lang="en-US" dirty="0"/>
-          </a:p>
-        </p:txBody>
-      </p:sp>
-    </p:spTree>
-    <p:extLst>
-      <p:ext uri="{BB962C8B-B14F-4D97-AF65-F5344CB8AC3E}">
-        <p14:creationId xmlns:p14="http://schemas.microsoft.com/office/powerpoint/2010/main" val="3714999485"/>
-      </p:ext>
-    </p:extLst>
-  </p:cSld>
-  <p:clrMapOvr>
-    <a:masterClrMapping/>
-  </p:clrMapOvr>
-</p:sld>
-</file>
-
 <file path=ppt/slides/slide9.xml><?xml version="1.0" encoding="utf-8"?>
 <p:sld xmlns:a="http://schemas.openxmlformats.org/drawingml/2006/main" xmlns:r="http://schemas.openxmlformats.org/officeDocument/2006/relationships" xmlns:p="http://schemas.openxmlformats.org/presentationml/2006/main">
   <p:cSld>
@@ -6103,11 +9837,7 @@
           <a:p>
             <a:r>
               <a:rPr lang="es-ES_tradnl" dirty="0" smtClean="0"/>
-              <a:t>Elementos Básicos </a:t>
-            </a:r>
-            <a:r>
-              <a:rPr lang="es-ES_tradnl" dirty="0" err="1" smtClean="0"/>
-              <a:t>body</a:t>
+              <a:t>Sintaxis HTML</a:t>
             </a:r>
             <a:endParaRPr lang="en-US" dirty="0"/>
           </a:p>
@@ -6123,109 +9853,172 @@
             <p:ph idx="1"/>
           </p:nvPr>
         </p:nvSpPr>
-        <p:spPr/>
+        <p:spPr>
+          <a:xfrm>
+            <a:off x="3833802" y="3217284"/>
+            <a:ext cx="4516567" cy="1611638"/>
+          </a:xfrm>
+        </p:spPr>
         <p:txBody>
           <a:bodyPr>
-            <a:normAutofit lnSpcReduction="10000"/>
+            <a:normAutofit/>
           </a:bodyPr>
           <a:lstStyle/>
           <a:p>
-            <a:r>
-              <a:rPr lang="es-ES_tradnl" dirty="0" smtClean="0"/>
-              <a:t>&lt;p&gt;</a:t>
-            </a:r>
-          </a:p>
-          <a:p>
-            <a:r>
-              <a:rPr lang="es-ES_tradnl" dirty="0" smtClean="0"/>
-              <a:t>&lt;a&gt;</a:t>
-            </a:r>
-          </a:p>
-          <a:p>
-            <a:r>
-              <a:rPr lang="es-ES_tradnl" dirty="0" smtClean="0"/>
+            <a:pPr marL="0" indent="0">
+              <a:buNone/>
+            </a:pPr>
+            <a:r>
+              <a:rPr lang="es-ES_tradnl" dirty="0" smtClean="0">
+                <a:solidFill>
+                  <a:schemeClr val="accent2"/>
+                </a:solidFill>
+              </a:rPr>
               <a:t>&lt;</a:t>
             </a:r>
             <a:r>
-              <a:rPr lang="es-ES_tradnl" dirty="0" err="1"/>
-              <a:t>s</a:t>
-            </a:r>
-            <a:r>
-              <a:rPr lang="es-ES_tradnl" dirty="0" err="1" smtClean="0"/>
-              <a:t>trong</a:t>
-            </a:r>
-            <a:r>
-              <a:rPr lang="es-ES_tradnl" dirty="0" smtClean="0"/>
+              <a:rPr lang="es-ES_tradnl" dirty="0" smtClean="0">
+                <a:solidFill>
+                  <a:schemeClr val="accent2"/>
+                </a:solidFill>
+              </a:rPr>
+              <a:t>etiqueta </a:t>
+            </a:r>
+            <a:r>
+              <a:rPr lang="es-ES_tradnl" b="1" dirty="0" smtClean="0">
+                <a:solidFill>
+                  <a:schemeClr val="accent2"/>
+                </a:solidFill>
+              </a:rPr>
+              <a:t>atributo</a:t>
+            </a:r>
+            <a:r>
+              <a:rPr lang="es-ES_tradnl" dirty="0" smtClean="0">
+                <a:solidFill>
+                  <a:schemeClr val="accent2"/>
+                </a:solidFill>
+              </a:rPr>
+              <a:t>=“</a:t>
+            </a:r>
+            <a:r>
+              <a:rPr lang="es-ES_tradnl" b="1" dirty="0" smtClean="0">
+                <a:solidFill>
+                  <a:schemeClr val="accent2"/>
+                </a:solidFill>
+              </a:rPr>
+              <a:t>valor</a:t>
+            </a:r>
+            <a:r>
+              <a:rPr lang="es-ES_tradnl" dirty="0" smtClean="0">
+                <a:solidFill>
+                  <a:schemeClr val="accent2"/>
+                </a:solidFill>
+              </a:rPr>
+              <a:t>”&gt;</a:t>
+            </a:r>
+            <a:endParaRPr lang="es-ES_tradnl" dirty="0" smtClean="0">
+              <a:solidFill>
+                <a:schemeClr val="accent2"/>
+              </a:solidFill>
+            </a:endParaRPr>
+          </a:p>
+          <a:p>
+            <a:pPr marL="0" indent="0">
+              <a:buNone/>
+            </a:pPr>
+            <a:r>
+              <a:rPr lang="es-ES_tradnl" dirty="0"/>
+              <a:t>	</a:t>
+            </a:r>
+            <a:r>
+              <a:rPr lang="es-ES_tradnl" dirty="0" smtClean="0">
+                <a:solidFill>
+                  <a:srgbClr val="00B050"/>
+                </a:solidFill>
+              </a:rPr>
+              <a:t>contenido</a:t>
+            </a:r>
+          </a:p>
+          <a:p>
+            <a:pPr marL="0" indent="0">
+              <a:buNone/>
+            </a:pPr>
+            <a:r>
+              <a:rPr lang="es-ES_tradnl" dirty="0" smtClean="0">
+                <a:solidFill>
+                  <a:schemeClr val="accent2"/>
+                </a:solidFill>
+              </a:rPr>
+              <a:t>&lt;/etiqueta</a:t>
+            </a:r>
+            <a:r>
+              <a:rPr lang="es-ES_tradnl" dirty="0">
+                <a:solidFill>
+                  <a:schemeClr val="accent2"/>
+                </a:solidFill>
+              </a:rPr>
               <a:t>&gt;</a:t>
             </a:r>
-          </a:p>
-          <a:p>
-            <a:r>
-              <a:rPr lang="es-ES_tradnl" dirty="0" smtClean="0"/>
-              <a:t>&lt;</a:t>
-            </a:r>
-            <a:r>
-              <a:rPr lang="es-ES_tradnl" dirty="0" err="1" smtClean="0"/>
-              <a:t>em</a:t>
-            </a:r>
-            <a:r>
-              <a:rPr lang="es-ES_tradnl" dirty="0" smtClean="0"/>
-              <a:t>&gt;</a:t>
-            </a:r>
-          </a:p>
-          <a:p>
-            <a:r>
-              <a:rPr lang="es-ES_tradnl" dirty="0" smtClean="0"/>
-              <a:t>&lt;h1&gt; &lt;h2&gt; … &lt;h6&gt;</a:t>
-            </a:r>
-          </a:p>
-          <a:p>
-            <a:r>
-              <a:rPr lang="es-ES_tradnl" dirty="0" smtClean="0"/>
-              <a:t>&lt;div&gt;</a:t>
-            </a:r>
-          </a:p>
-          <a:p>
-            <a:r>
-              <a:rPr lang="es-ES_tradnl" dirty="0" smtClean="0"/>
-              <a:t>&lt;</a:t>
-            </a:r>
-            <a:r>
-              <a:rPr lang="es-ES_tradnl" dirty="0" err="1" smtClean="0"/>
-              <a:t>span</a:t>
-            </a:r>
-            <a:r>
-              <a:rPr lang="es-ES_tradnl" dirty="0" smtClean="0"/>
-              <a:t>&gt;</a:t>
-            </a:r>
-          </a:p>
-          <a:p>
-            <a:r>
-              <a:rPr lang="es-ES_tradnl" dirty="0" smtClean="0"/>
-              <a:t>&lt;</a:t>
-            </a:r>
-            <a:r>
-              <a:rPr lang="es-ES_tradnl" dirty="0" err="1" smtClean="0"/>
-              <a:t>img</a:t>
-            </a:r>
-            <a:r>
-              <a:rPr lang="es-ES_tradnl" dirty="0" smtClean="0"/>
-              <a:t>&gt;</a:t>
-            </a:r>
-          </a:p>
-          <a:p>
-            <a:r>
-              <a:rPr lang="es-ES_tradnl" dirty="0" smtClean="0"/>
-              <a:t>&lt;input&gt;</a:t>
-            </a:r>
-            <a:endParaRPr lang="en-US" dirty="0"/>
+            <a:endParaRPr lang="en-US" dirty="0">
+              <a:solidFill>
+                <a:schemeClr val="accent2"/>
+              </a:solidFill>
+            </a:endParaRPr>
+          </a:p>
+        </p:txBody>
+      </p:sp>
+      <p:sp>
+        <p:nvSpPr>
+          <p:cNvPr id="4" name="Rounded Rectangular Callout 3"/>
+          <p:cNvSpPr/>
+          <p:nvPr/>
+        </p:nvSpPr>
+        <p:spPr>
+          <a:xfrm>
+            <a:off x="6552226" y="2060940"/>
+            <a:ext cx="2175831" cy="1010377"/>
+          </a:xfrm>
+          <a:prstGeom prst="wedgeRoundRectCallout">
+            <a:avLst>
+              <a:gd name="adj1" fmla="val -69833"/>
+              <a:gd name="adj2" fmla="val 59085"/>
+              <a:gd name="adj3" fmla="val 16667"/>
+            </a:avLst>
+          </a:prstGeom>
+        </p:spPr>
+        <p:style>
+          <a:lnRef idx="2">
+            <a:schemeClr val="accent1">
+              <a:shade val="50000"/>
+            </a:schemeClr>
+          </a:lnRef>
+          <a:fillRef idx="1">
+            <a:schemeClr val="accent1"/>
+          </a:fillRef>
+          <a:effectRef idx="0">
+            <a:schemeClr val="accent1"/>
+          </a:effectRef>
+          <a:fontRef idx="minor">
+            <a:schemeClr val="lt1"/>
+          </a:fontRef>
+        </p:style>
+        <p:txBody>
+          <a:bodyPr rtlCol="0" anchor="ctr"/>
+          <a:lstStyle/>
+          <a:p>
+            <a:pPr algn="ctr"/>
+            <a:r>
+              <a:rPr lang="es-ES_tradnl" sz="3200" dirty="0" smtClean="0"/>
+              <a:t>Atributo</a:t>
+            </a:r>
+            <a:endParaRPr lang="en-US" sz="3200" dirty="0"/>
           </a:p>
         </p:txBody>
       </p:sp>
     </p:spTree>
     <p:extLst>
       <p:ext uri="{BB962C8B-B14F-4D97-AF65-F5344CB8AC3E}">
-        <p14:creationId xmlns:p14="http://schemas.microsoft.com/office/powerpoint/2010/main" val="1457222021"/>
+        <p14:creationId xmlns:p14="http://schemas.microsoft.com/office/powerpoint/2010/main" val="1613332830"/>
       </p:ext>
     </p:extLst>
   </p:cSld>
@@ -6494,4 +10287,265 @@
     </a:ext>
   </a:extLst>
 </a:theme>
+</file>
+
+<file path=ppt/theme/theme2.xml><?xml version="1.0" encoding="utf-8"?>
+<a:theme xmlns:a="http://schemas.openxmlformats.org/drawingml/2006/main" name="Office Theme">
+  <a:themeElements>
+    <a:clrScheme name="Office">
+      <a:dk1>
+        <a:sysClr val="windowText" lastClr="000000"/>
+      </a:dk1>
+      <a:lt1>
+        <a:sysClr val="window" lastClr="FFFFFF"/>
+      </a:lt1>
+      <a:dk2>
+        <a:srgbClr val="44546A"/>
+      </a:dk2>
+      <a:lt2>
+        <a:srgbClr val="E7E6E6"/>
+      </a:lt2>
+      <a:accent1>
+        <a:srgbClr val="5B9BD5"/>
+      </a:accent1>
+      <a:accent2>
+        <a:srgbClr val="ED7D31"/>
+      </a:accent2>
+      <a:accent3>
+        <a:srgbClr val="A5A5A5"/>
+      </a:accent3>
+      <a:accent4>
+        <a:srgbClr val="FFC000"/>
+      </a:accent4>
+      <a:accent5>
+        <a:srgbClr val="4472C4"/>
+      </a:accent5>
+      <a:accent6>
+        <a:srgbClr val="70AD47"/>
+      </a:accent6>
+      <a:hlink>
+        <a:srgbClr val="0563C1"/>
+      </a:hlink>
+      <a:folHlink>
+        <a:srgbClr val="954F72"/>
+      </a:folHlink>
+    </a:clrScheme>
+    <a:fontScheme name="Office">
+      <a:majorFont>
+        <a:latin typeface="Calibri Light" panose="020F0302020204030204"/>
+        <a:ea typeface=""/>
+        <a:cs typeface=""/>
+        <a:font script="Jpan" typeface="ＭＳ Ｐゴシック"/>
+        <a:font script="Hang" typeface="맑은 고딕"/>
+        <a:font script="Hans" typeface="宋体"/>
+        <a:font script="Hant" typeface="新細明體"/>
+        <a:font script="Arab" typeface="Times New Roman"/>
+        <a:font script="Hebr" typeface="Times New Roman"/>
+        <a:font script="Thai" typeface="Angsana New"/>
+        <a:font script="Ethi" typeface="Nyala"/>
+        <a:font script="Beng" typeface="Vrinda"/>
+        <a:font script="Gujr" typeface="Shruti"/>
+        <a:font script="Khmr" typeface="MoolBoran"/>
+        <a:font script="Knda" typeface="Tunga"/>
+        <a:font script="Guru" typeface="Raavi"/>
+        <a:font script="Cans" typeface="Euphemia"/>
+        <a:font script="Cher" typeface="Plantagenet Cherokee"/>
+        <a:font script="Yiii" typeface="Microsoft Yi Baiti"/>
+        <a:font script="Tibt" typeface="Microsoft Himalaya"/>
+        <a:font script="Thaa" typeface="MV Boli"/>
+        <a:font script="Deva" typeface="Mangal"/>
+        <a:font script="Telu" typeface="Gautami"/>
+        <a:font script="Taml" typeface="Latha"/>
+        <a:font script="Syrc" typeface="Estrangelo Edessa"/>
+        <a:font script="Orya" typeface="Kalinga"/>
+        <a:font script="Mlym" typeface="Kartika"/>
+        <a:font script="Laoo" typeface="DokChampa"/>
+        <a:font script="Sinh" typeface="Iskoola Pota"/>
+        <a:font script="Mong" typeface="Mongolian Baiti"/>
+        <a:font script="Viet" typeface="Times New Roman"/>
+        <a:font script="Uigh" typeface="Microsoft Uighur"/>
+        <a:font script="Geor" typeface="Sylfaen"/>
+      </a:majorFont>
+      <a:minorFont>
+        <a:latin typeface="Calibri" panose="020F0502020204030204"/>
+        <a:ea typeface=""/>
+        <a:cs typeface=""/>
+        <a:font script="Jpan" typeface="ＭＳ Ｐゴシック"/>
+        <a:font script="Hang" typeface="맑은 고딕"/>
+        <a:font script="Hans" typeface="宋体"/>
+        <a:font script="Hant" typeface="新細明體"/>
+        <a:font script="Arab" typeface="Arial"/>
+        <a:font script="Hebr" typeface="Arial"/>
+        <a:font script="Thai" typeface="Cordia New"/>
+        <a:font script="Ethi" typeface="Nyala"/>
+        <a:font script="Beng" typeface="Vrinda"/>
+        <a:font script="Gujr" typeface="Shruti"/>
+        <a:font script="Khmr" typeface="DaunPenh"/>
+        <a:font script="Knda" typeface="Tunga"/>
+        <a:font script="Guru" typeface="Raavi"/>
+        <a:font script="Cans" typeface="Euphemia"/>
+        <a:font script="Cher" typeface="Plantagenet Cherokee"/>
+        <a:font script="Yiii" typeface="Microsoft Yi Baiti"/>
+        <a:font script="Tibt" typeface="Microsoft Himalaya"/>
+        <a:font script="Thaa" typeface="MV Boli"/>
+        <a:font script="Deva" typeface="Mangal"/>
+        <a:font script="Telu" typeface="Gautami"/>
+        <a:font script="Taml" typeface="Latha"/>
+        <a:font script="Syrc" typeface="Estrangelo Edessa"/>
+        <a:font script="Orya" typeface="Kalinga"/>
+        <a:font script="Mlym" typeface="Kartika"/>
+        <a:font script="Laoo" typeface="DokChampa"/>
+        <a:font script="Sinh" typeface="Iskoola Pota"/>
+        <a:font script="Mong" typeface="Mongolian Baiti"/>
+        <a:font script="Viet" typeface="Arial"/>
+        <a:font script="Uigh" typeface="Microsoft Uighur"/>
+        <a:font script="Geor" typeface="Sylfaen"/>
+      </a:minorFont>
+    </a:fontScheme>
+    <a:fmtScheme name="Office">
+      <a:fillStyleLst>
+        <a:solidFill>
+          <a:schemeClr val="phClr"/>
+        </a:solidFill>
+        <a:gradFill rotWithShape="1">
+          <a:gsLst>
+            <a:gs pos="0">
+              <a:schemeClr val="phClr">
+                <a:lumMod val="110000"/>
+                <a:satMod val="105000"/>
+                <a:tint val="67000"/>
+              </a:schemeClr>
+            </a:gs>
+            <a:gs pos="50000">
+              <a:schemeClr val="phClr">
+                <a:lumMod val="105000"/>
+                <a:satMod val="103000"/>
+                <a:tint val="73000"/>
+              </a:schemeClr>
+            </a:gs>
+            <a:gs pos="100000">
+              <a:schemeClr val="phClr">
+                <a:lumMod val="105000"/>
+                <a:satMod val="109000"/>
+                <a:tint val="81000"/>
+              </a:schemeClr>
+            </a:gs>
+          </a:gsLst>
+          <a:lin ang="5400000" scaled="0"/>
+        </a:gradFill>
+        <a:gradFill rotWithShape="1">
+          <a:gsLst>
+            <a:gs pos="0">
+              <a:schemeClr val="phClr">
+                <a:satMod val="103000"/>
+                <a:lumMod val="102000"/>
+                <a:tint val="94000"/>
+              </a:schemeClr>
+            </a:gs>
+            <a:gs pos="50000">
+              <a:schemeClr val="phClr">
+                <a:satMod val="110000"/>
+                <a:lumMod val="100000"/>
+                <a:shade val="100000"/>
+              </a:schemeClr>
+            </a:gs>
+            <a:gs pos="100000">
+              <a:schemeClr val="phClr">
+                <a:lumMod val="99000"/>
+                <a:satMod val="120000"/>
+                <a:shade val="78000"/>
+              </a:schemeClr>
+            </a:gs>
+          </a:gsLst>
+          <a:lin ang="5400000" scaled="0"/>
+        </a:gradFill>
+      </a:fillStyleLst>
+      <a:lnStyleLst>
+        <a:ln w="6350" cap="flat" cmpd="sng" algn="ctr">
+          <a:solidFill>
+            <a:schemeClr val="phClr"/>
+          </a:solidFill>
+          <a:prstDash val="solid"/>
+          <a:miter lim="800000"/>
+        </a:ln>
+        <a:ln w="12700" cap="flat" cmpd="sng" algn="ctr">
+          <a:solidFill>
+            <a:schemeClr val="phClr"/>
+          </a:solidFill>
+          <a:prstDash val="solid"/>
+          <a:miter lim="800000"/>
+        </a:ln>
+        <a:ln w="19050" cap="flat" cmpd="sng" algn="ctr">
+          <a:solidFill>
+            <a:schemeClr val="phClr"/>
+          </a:solidFill>
+          <a:prstDash val="solid"/>
+          <a:miter lim="800000"/>
+        </a:ln>
+      </a:lnStyleLst>
+      <a:effectStyleLst>
+        <a:effectStyle>
+          <a:effectLst/>
+        </a:effectStyle>
+        <a:effectStyle>
+          <a:effectLst/>
+        </a:effectStyle>
+        <a:effectStyle>
+          <a:effectLst>
+            <a:outerShdw blurRad="57150" dist="19050" dir="5400000" algn="ctr" rotWithShape="0">
+              <a:srgbClr val="000000">
+                <a:alpha val="63000"/>
+              </a:srgbClr>
+            </a:outerShdw>
+          </a:effectLst>
+        </a:effectStyle>
+      </a:effectStyleLst>
+      <a:bgFillStyleLst>
+        <a:solidFill>
+          <a:schemeClr val="phClr"/>
+        </a:solidFill>
+        <a:solidFill>
+          <a:schemeClr val="phClr">
+            <a:tint val="95000"/>
+            <a:satMod val="170000"/>
+          </a:schemeClr>
+        </a:solidFill>
+        <a:gradFill rotWithShape="1">
+          <a:gsLst>
+            <a:gs pos="0">
+              <a:schemeClr val="phClr">
+                <a:tint val="93000"/>
+                <a:satMod val="150000"/>
+                <a:shade val="98000"/>
+                <a:lumMod val="102000"/>
+              </a:schemeClr>
+            </a:gs>
+            <a:gs pos="50000">
+              <a:schemeClr val="phClr">
+                <a:tint val="98000"/>
+                <a:satMod val="130000"/>
+                <a:shade val="90000"/>
+                <a:lumMod val="103000"/>
+              </a:schemeClr>
+            </a:gs>
+            <a:gs pos="100000">
+              <a:schemeClr val="phClr">
+                <a:shade val="63000"/>
+                <a:satMod val="120000"/>
+              </a:schemeClr>
+            </a:gs>
+          </a:gsLst>
+          <a:lin ang="5400000" scaled="0"/>
+        </a:gradFill>
+      </a:bgFillStyleLst>
+    </a:fmtScheme>
+  </a:themeElements>
+  <a:objectDefaults/>
+  <a:extraClrSchemeLst/>
+  <a:extLst>
+    <a:ext uri="{05A4C25C-085E-4340-85A3-A5531E510DB2}">
+      <thm15:themeFamily xmlns:thm15="http://schemas.microsoft.com/office/thememl/2012/main" name="Office Theme" id="{62F939B6-93AF-4DB8-9C6B-D6C7DFDC589F}" vid="{4A3C46E8-61CC-4603-A589-7422A47A8E4A}"/>
+    </a:ext>
+  </a:extLst>
+</a:theme>
 </file>
--- a/Slides/Clase.pptx
+++ b/Slides/Clase.pptx
@@ -5,40 +5,38 @@
     <p:sldMasterId id="2147483648" r:id="rId1"/>
   </p:sldMasterIdLst>
   <p:notesMasterIdLst>
-    <p:notesMasterId r:id="rId33"/>
+    <p:notesMasterId r:id="rId31"/>
   </p:notesMasterIdLst>
   <p:sldIdLst>
     <p:sldId id="256" r:id="rId2"/>
-    <p:sldId id="258" r:id="rId3"/>
-    <p:sldId id="260" r:id="rId4"/>
-    <p:sldId id="277" r:id="rId5"/>
-    <p:sldId id="278" r:id="rId6"/>
-    <p:sldId id="257" r:id="rId7"/>
-    <p:sldId id="262" r:id="rId8"/>
-    <p:sldId id="263" r:id="rId9"/>
-    <p:sldId id="282" r:id="rId10"/>
-    <p:sldId id="265" r:id="rId11"/>
-    <p:sldId id="267" r:id="rId12"/>
-    <p:sldId id="264" r:id="rId13"/>
-    <p:sldId id="266" r:id="rId14"/>
-    <p:sldId id="268" r:id="rId15"/>
-    <p:sldId id="269" r:id="rId16"/>
-    <p:sldId id="270" r:id="rId17"/>
-    <p:sldId id="271" r:id="rId18"/>
-    <p:sldId id="280" r:id="rId19"/>
-    <p:sldId id="272" r:id="rId20"/>
-    <p:sldId id="274" r:id="rId21"/>
-    <p:sldId id="273" r:id="rId22"/>
-    <p:sldId id="279" r:id="rId23"/>
-    <p:sldId id="275" r:id="rId24"/>
-    <p:sldId id="285" r:id="rId25"/>
-    <p:sldId id="284" r:id="rId26"/>
-    <p:sldId id="276" r:id="rId27"/>
-    <p:sldId id="286" r:id="rId28"/>
-    <p:sldId id="287" r:id="rId29"/>
+    <p:sldId id="260" r:id="rId3"/>
+    <p:sldId id="277" r:id="rId4"/>
+    <p:sldId id="278" r:id="rId5"/>
+    <p:sldId id="262" r:id="rId6"/>
+    <p:sldId id="263" r:id="rId7"/>
+    <p:sldId id="282" r:id="rId8"/>
+    <p:sldId id="265" r:id="rId9"/>
+    <p:sldId id="267" r:id="rId10"/>
+    <p:sldId id="264" r:id="rId11"/>
+    <p:sldId id="266" r:id="rId12"/>
+    <p:sldId id="268" r:id="rId13"/>
+    <p:sldId id="269" r:id="rId14"/>
+    <p:sldId id="270" r:id="rId15"/>
+    <p:sldId id="271" r:id="rId16"/>
+    <p:sldId id="280" r:id="rId17"/>
+    <p:sldId id="272" r:id="rId18"/>
+    <p:sldId id="274" r:id="rId19"/>
+    <p:sldId id="273" r:id="rId20"/>
+    <p:sldId id="279" r:id="rId21"/>
+    <p:sldId id="275" r:id="rId22"/>
+    <p:sldId id="285" r:id="rId23"/>
+    <p:sldId id="284" r:id="rId24"/>
+    <p:sldId id="276" r:id="rId25"/>
+    <p:sldId id="286" r:id="rId26"/>
+    <p:sldId id="287" r:id="rId27"/>
+    <p:sldId id="261" r:id="rId28"/>
+    <p:sldId id="283" r:id="rId29"/>
     <p:sldId id="259" r:id="rId30"/>
-    <p:sldId id="261" r:id="rId31"/>
-    <p:sldId id="283" r:id="rId32"/>
   </p:sldIdLst>
   <p:sldSz cx="12192000" cy="6858000"/>
   <p:notesSz cx="6858000" cy="9144000"/>
@@ -623,7 +621,7 @@
           <a:p>
             <a:fld id="{33490EC4-9ED2-4743-9A12-62D7D00FD99C}" type="slidenum">
               <a:rPr lang="en-US" smtClean="0"/>
-              <a:t>3</a:t>
+              <a:t>2</a:t>
             </a:fld>
             <a:endParaRPr lang="en-US"/>
           </a:p>
@@ -743,7 +741,7 @@
           <a:p>
             <a:fld id="{33490EC4-9ED2-4743-9A12-62D7D00FD99C}" type="slidenum">
               <a:rPr lang="en-US" smtClean="0"/>
-              <a:t>11</a:t>
+              <a:t>9</a:t>
             </a:fld>
             <a:endParaRPr lang="en-US"/>
           </a:p>
@@ -883,7 +881,7 @@
           <a:p>
             <a:fld id="{33490EC4-9ED2-4743-9A12-62D7D00FD99C}" type="slidenum">
               <a:rPr lang="en-US" smtClean="0"/>
-              <a:t>26</a:t>
+              <a:t>24</a:t>
             </a:fld>
             <a:endParaRPr lang="en-US"/>
           </a:p>
@@ -3852,7 +3850,11 @@
           <a:p>
             <a:r>
               <a:rPr lang="es-ES_tradnl" dirty="0" smtClean="0"/>
-              <a:t>Estructura básica</a:t>
+              <a:t>Elementos Básicos </a:t>
+            </a:r>
+            <a:r>
+              <a:rPr lang="es-ES_tradnl" dirty="0" err="1" smtClean="0"/>
+              <a:t>body</a:t>
             </a:r>
             <a:endParaRPr lang="en-US" dirty="0"/>
           </a:p>
@@ -3870,164 +3872,184 @@
         </p:nvSpPr>
         <p:spPr/>
         <p:txBody>
-          <a:bodyPr/>
-          <a:lstStyle/>
-          <a:p>
-            <a:pPr marL="0" indent="0">
-              <a:buNone/>
-            </a:pPr>
+          <a:bodyPr>
+            <a:normAutofit lnSpcReduction="10000"/>
+          </a:bodyPr>
+          <a:lstStyle/>
+          <a:p>
+            <a:r>
+              <a:rPr lang="es-ES_tradnl" dirty="0" smtClean="0"/>
+              <a:t>&lt;p&gt; </a:t>
+            </a:r>
+            <a:r>
+              <a:rPr lang="es-ES_tradnl" dirty="0" smtClean="0">
+                <a:sym typeface="Wingdings" panose="05000000000000000000" pitchFamily="2" charset="2"/>
+              </a:rPr>
+              <a:t> párrafo</a:t>
+            </a:r>
+            <a:endParaRPr lang="es-ES_tradnl" dirty="0" smtClean="0"/>
+          </a:p>
+          <a:p>
+            <a:r>
+              <a:rPr lang="es-ES_tradnl" dirty="0" smtClean="0"/>
+              <a:t>&lt;a&gt; </a:t>
+            </a:r>
+            <a:r>
+              <a:rPr lang="es-ES_tradnl" dirty="0" smtClean="0">
+                <a:sym typeface="Wingdings" panose="05000000000000000000" pitchFamily="2" charset="2"/>
+              </a:rPr>
+              <a:t> link</a:t>
+            </a:r>
+            <a:endParaRPr lang="es-ES_tradnl" dirty="0" smtClean="0"/>
+          </a:p>
+          <a:p>
             <a:r>
               <a:rPr lang="es-ES_tradnl" dirty="0" smtClean="0"/>
               <a:t>&lt;</a:t>
             </a:r>
             <a:r>
+              <a:rPr lang="es-ES_tradnl" dirty="0" err="1"/>
+              <a:t>s</a:t>
+            </a:r>
+            <a:r>
               <a:rPr lang="es-ES_tradnl" dirty="0" err="1" smtClean="0"/>
-              <a:t>html</a:t>
+              <a:t>trong</a:t>
             </a:r>
             <a:r>
               <a:rPr lang="es-ES_tradnl" dirty="0" smtClean="0"/>
-              <a:t>&gt;</a:t>
-            </a:r>
-          </a:p>
-          <a:p>
-            <a:pPr marL="457200" lvl="1" indent="0">
-              <a:buNone/>
-            </a:pPr>
+              <a:t>&gt; </a:t>
+            </a:r>
             <a:r>
               <a:rPr lang="es-ES_tradnl" dirty="0" smtClean="0">
-                <a:solidFill>
-                  <a:srgbClr val="00B050"/>
-                </a:solidFill>
-              </a:rPr>
-              <a:t>&lt;head&gt;</a:t>
-            </a:r>
-          </a:p>
-          <a:p>
-            <a:pPr marL="457200" lvl="1" indent="0">
-              <a:buNone/>
-            </a:pPr>
+                <a:sym typeface="Wingdings" panose="05000000000000000000" pitchFamily="2" charset="2"/>
+              </a:rPr>
+              <a:t> negrita</a:t>
+            </a:r>
+            <a:endParaRPr lang="es-ES_tradnl" dirty="0" smtClean="0"/>
+          </a:p>
+          <a:p>
+            <a:r>
+              <a:rPr lang="es-ES_tradnl" dirty="0" smtClean="0"/>
+              <a:t>&lt;</a:t>
+            </a:r>
+            <a:r>
+              <a:rPr lang="es-ES_tradnl" dirty="0" err="1" smtClean="0"/>
+              <a:t>em</a:t>
+            </a:r>
+            <a:r>
+              <a:rPr lang="es-ES_tradnl" dirty="0" smtClean="0"/>
+              <a:t>&gt; </a:t>
+            </a:r>
             <a:r>
               <a:rPr lang="es-ES_tradnl" dirty="0" smtClean="0">
-                <a:solidFill>
-                  <a:srgbClr val="00B050"/>
-                </a:solidFill>
-              </a:rPr>
-              <a:t>…</a:t>
-            </a:r>
-          </a:p>
-          <a:p>
-            <a:pPr marL="457200" lvl="1" indent="0">
-              <a:buNone/>
-            </a:pPr>
+                <a:sym typeface="Wingdings" panose="05000000000000000000" pitchFamily="2" charset="2"/>
+              </a:rPr>
+              <a:t> itálica</a:t>
+            </a:r>
+            <a:endParaRPr lang="es-ES_tradnl" dirty="0" smtClean="0"/>
+          </a:p>
+          <a:p>
+            <a:r>
+              <a:rPr lang="es-ES_tradnl" dirty="0" smtClean="0"/>
+              <a:t>&lt;h1&gt; &lt;h2&gt; … &lt;h6&gt; </a:t>
+            </a:r>
             <a:r>
               <a:rPr lang="es-ES_tradnl" dirty="0" smtClean="0">
-                <a:solidFill>
-                  <a:srgbClr val="00B050"/>
-                </a:solidFill>
-              </a:rPr>
-              <a:t>&lt;/head&gt;</a:t>
-            </a:r>
-          </a:p>
-          <a:p>
-            <a:pPr marL="457200" lvl="1" indent="0">
-              <a:buNone/>
-            </a:pPr>
+                <a:sym typeface="Wingdings" panose="05000000000000000000" pitchFamily="2" charset="2"/>
+              </a:rPr>
+              <a:t> </a:t>
+            </a:r>
+            <a:r>
+              <a:rPr lang="es-ES_tradnl" dirty="0" err="1" smtClean="0">
+                <a:sym typeface="Wingdings" panose="05000000000000000000" pitchFamily="2" charset="2"/>
+              </a:rPr>
+              <a:t>titulos</a:t>
+            </a:r>
+            <a:endParaRPr lang="es-ES_tradnl" dirty="0" smtClean="0"/>
+          </a:p>
+          <a:p>
+            <a:r>
+              <a:rPr lang="es-ES_tradnl" dirty="0" smtClean="0"/>
+              <a:t>&lt;div&gt; </a:t>
+            </a:r>
+            <a:r>
+              <a:rPr lang="es-ES_tradnl" dirty="0">
+                <a:sym typeface="Wingdings" panose="05000000000000000000" pitchFamily="2" charset="2"/>
+              </a:rPr>
+              <a:t> agrupación de elementos </a:t>
+            </a:r>
             <a:r>
               <a:rPr lang="es-ES_tradnl" dirty="0" smtClean="0">
-                <a:solidFill>
-                  <a:schemeClr val="accent2">
-                    <a:lumMod val="75000"/>
-                  </a:schemeClr>
-                </a:solidFill>
-              </a:rPr>
+                <a:sym typeface="Wingdings" panose="05000000000000000000" pitchFamily="2" charset="2"/>
+              </a:rPr>
+              <a:t>con box</a:t>
+            </a:r>
+            <a:endParaRPr lang="es-ES_tradnl" dirty="0" smtClean="0"/>
+          </a:p>
+          <a:p>
+            <a:r>
+              <a:rPr lang="es-ES_tradnl" dirty="0" smtClean="0"/>
               <a:t>&lt;</a:t>
             </a:r>
             <a:r>
+              <a:rPr lang="es-ES_tradnl" dirty="0" err="1" smtClean="0"/>
+              <a:t>span</a:t>
+            </a:r>
+            <a:r>
+              <a:rPr lang="es-ES_tradnl" dirty="0" smtClean="0"/>
+              <a:t>&gt; </a:t>
+            </a:r>
+            <a:r>
+              <a:rPr lang="es-ES_tradnl" dirty="0" smtClean="0">
+                <a:sym typeface="Wingdings" panose="05000000000000000000" pitchFamily="2" charset="2"/>
+              </a:rPr>
+              <a:t> agrupación de elementos </a:t>
+            </a:r>
+            <a:r>
               <a:rPr lang="es-ES_tradnl" dirty="0" err="1" smtClean="0">
-                <a:solidFill>
-                  <a:schemeClr val="accent2">
-                    <a:lumMod val="75000"/>
-                  </a:schemeClr>
-                </a:solidFill>
-              </a:rPr>
-              <a:t>body</a:t>
+                <a:sym typeface="Wingdings" panose="05000000000000000000" pitchFamily="2" charset="2"/>
+              </a:rPr>
+              <a:t>inline</a:t>
+            </a:r>
+            <a:endParaRPr lang="es-ES_tradnl" dirty="0" smtClean="0"/>
+          </a:p>
+          <a:p>
+            <a:r>
+              <a:rPr lang="es-ES_tradnl" dirty="0" smtClean="0"/>
+              <a:t>&lt;</a:t>
+            </a:r>
+            <a:r>
+              <a:rPr lang="es-ES_tradnl" dirty="0" err="1" smtClean="0"/>
+              <a:t>img</a:t>
+            </a:r>
+            <a:r>
+              <a:rPr lang="es-ES_tradnl" dirty="0" smtClean="0"/>
+              <a:t>&gt; </a:t>
             </a:r>
             <a:r>
               <a:rPr lang="es-ES_tradnl" dirty="0" smtClean="0">
-                <a:solidFill>
-                  <a:schemeClr val="accent2">
-                    <a:lumMod val="75000"/>
-                  </a:schemeClr>
-                </a:solidFill>
-              </a:rPr>
-              <a:t>&gt;</a:t>
-            </a:r>
-          </a:p>
-          <a:p>
-            <a:pPr marL="457200" lvl="1" indent="0">
-              <a:buNone/>
-            </a:pPr>
+                <a:sym typeface="Wingdings" panose="05000000000000000000" pitchFamily="2" charset="2"/>
+              </a:rPr>
+              <a:t> </a:t>
+            </a:r>
+            <a:r>
+              <a:rPr lang="es-ES_tradnl" dirty="0" err="1" smtClean="0">
+                <a:sym typeface="Wingdings" panose="05000000000000000000" pitchFamily="2" charset="2"/>
+              </a:rPr>
+              <a:t>imagenes</a:t>
+            </a:r>
+            <a:endParaRPr lang="es-ES_tradnl" dirty="0" smtClean="0"/>
+          </a:p>
+          <a:p>
+            <a:r>
+              <a:rPr lang="es-ES_tradnl" dirty="0" smtClean="0"/>
+              <a:t>&lt;input&gt; </a:t>
+            </a:r>
             <a:r>
               <a:rPr lang="es-ES_tradnl" dirty="0" smtClean="0">
-                <a:solidFill>
-                  <a:schemeClr val="accent2">
-                    <a:lumMod val="75000"/>
-                  </a:schemeClr>
-                </a:solidFill>
-              </a:rPr>
-              <a:t>…</a:t>
-            </a:r>
-          </a:p>
-          <a:p>
-            <a:pPr marL="457200" lvl="1" indent="0">
-              <a:buNone/>
-            </a:pPr>
-            <a:r>
-              <a:rPr lang="es-ES_tradnl" dirty="0" smtClean="0">
-                <a:solidFill>
-                  <a:schemeClr val="accent2">
-                    <a:lumMod val="75000"/>
-                  </a:schemeClr>
-                </a:solidFill>
-              </a:rPr>
-              <a:t>&lt;/</a:t>
-            </a:r>
-            <a:r>
-              <a:rPr lang="es-ES_tradnl" dirty="0" err="1" smtClean="0">
-                <a:solidFill>
-                  <a:schemeClr val="accent2">
-                    <a:lumMod val="75000"/>
-                  </a:schemeClr>
-                </a:solidFill>
-              </a:rPr>
-              <a:t>body</a:t>
-            </a:r>
-            <a:r>
-              <a:rPr lang="es-ES_tradnl" dirty="0" smtClean="0">
-                <a:solidFill>
-                  <a:schemeClr val="accent2">
-                    <a:lumMod val="75000"/>
-                  </a:schemeClr>
-                </a:solidFill>
-              </a:rPr>
-              <a:t>&gt;</a:t>
-            </a:r>
-          </a:p>
-          <a:p>
-            <a:pPr marL="0" indent="0">
-              <a:buNone/>
-            </a:pPr>
-            <a:r>
-              <a:rPr lang="es-ES_tradnl" dirty="0" smtClean="0"/>
-              <a:t>&lt;/</a:t>
-            </a:r>
-            <a:r>
-              <a:rPr lang="es-ES_tradnl" dirty="0" err="1" smtClean="0"/>
-              <a:t>html</a:t>
-            </a:r>
-            <a:r>
-              <a:rPr lang="es-ES_tradnl" dirty="0" smtClean="0"/>
-              <a:t>&gt;</a:t>
+                <a:sym typeface="Wingdings" panose="05000000000000000000" pitchFamily="2" charset="2"/>
+              </a:rPr>
+              <a:t> inputs en formularios</a:t>
             </a:r>
             <a:endParaRPr lang="en-US" dirty="0"/>
           </a:p>
@@ -4036,7 +4058,7 @@
     </p:spTree>
     <p:extLst>
       <p:ext uri="{BB962C8B-B14F-4D97-AF65-F5344CB8AC3E}">
-        <p14:creationId xmlns:p14="http://schemas.microsoft.com/office/powerpoint/2010/main" val="2347869269"/>
+        <p14:creationId xmlns:p14="http://schemas.microsoft.com/office/powerpoint/2010/main" val="1457222021"/>
       </p:ext>
     </p:extLst>
   </p:cSld>
@@ -4079,284 +4101,84 @@
           <a:lstStyle/>
           <a:p>
             <a:r>
-              <a:rPr lang="es-ES_tradnl" dirty="0"/>
-              <a:t>Block vs </a:t>
+              <a:rPr lang="es-ES_tradnl" dirty="0" smtClean="0"/>
+              <a:t>Elementos básicos Head</a:t>
+            </a:r>
+            <a:endParaRPr lang="en-US" dirty="0"/>
+          </a:p>
+        </p:txBody>
+      </p:sp>
+      <p:sp>
+        <p:nvSpPr>
+          <p:cNvPr id="3" name="Content Placeholder 2"/>
+          <p:cNvSpPr>
+            <a:spLocks noGrp="1"/>
+          </p:cNvSpPr>
+          <p:nvPr>
+            <p:ph idx="1"/>
+          </p:nvPr>
+        </p:nvSpPr>
+        <p:spPr/>
+        <p:txBody>
+          <a:bodyPr/>
+          <a:lstStyle/>
+          <a:p>
+            <a:r>
+              <a:rPr lang="es-ES_tradnl" dirty="0" smtClean="0"/>
+              <a:t>&lt;</a:t>
+            </a:r>
+            <a:r>
+              <a:rPr lang="es-ES_tradnl" dirty="0" err="1"/>
+              <a:t>t</a:t>
             </a:r>
             <a:r>
               <a:rPr lang="es-ES_tradnl" dirty="0" err="1" smtClean="0"/>
-              <a:t>inline</a:t>
+              <a:t>itle</a:t>
+            </a:r>
+            <a:r>
+              <a:rPr lang="es-ES_tradnl" dirty="0" smtClean="0"/>
+              <a:t>&gt;</a:t>
+            </a:r>
+          </a:p>
+          <a:p>
+            <a:r>
+              <a:rPr lang="es-ES_tradnl" dirty="0" smtClean="0"/>
+              <a:t>&lt;meta&gt;</a:t>
+            </a:r>
+          </a:p>
+          <a:p>
+            <a:r>
+              <a:rPr lang="es-ES_tradnl" dirty="0" smtClean="0"/>
+              <a:t>&lt;link&gt;</a:t>
+            </a:r>
+          </a:p>
+          <a:p>
+            <a:r>
+              <a:rPr lang="es-ES_tradnl" dirty="0" smtClean="0"/>
+              <a:t>&lt;script&gt;</a:t>
+            </a:r>
+          </a:p>
+          <a:p>
+            <a:r>
+              <a:rPr lang="es-ES_tradnl" dirty="0" smtClean="0"/>
+              <a:t>&lt;</a:t>
+            </a:r>
+            <a:r>
+              <a:rPr lang="es-ES_tradnl" dirty="0" err="1" smtClean="0"/>
+              <a:t>style</a:t>
+            </a:r>
+            <a:r>
+              <a:rPr lang="es-ES_tradnl" dirty="0" smtClean="0"/>
+              <a:t>&gt;</a:t>
             </a:r>
             <a:endParaRPr lang="en-US" dirty="0"/>
           </a:p>
         </p:txBody>
       </p:sp>
-      <p:grpSp>
-        <p:nvGrpSpPr>
-          <p:cNvPr id="14" name="Group 13"/>
-          <p:cNvGrpSpPr/>
-          <p:nvPr/>
-        </p:nvGrpSpPr>
-        <p:grpSpPr>
-          <a:xfrm>
-            <a:off x="1823047" y="2644131"/>
-            <a:ext cx="8545906" cy="2674638"/>
-            <a:chOff x="2233883" y="2702225"/>
-            <a:chExt cx="8545906" cy="2674638"/>
-          </a:xfrm>
-        </p:grpSpPr>
-        <p:grpSp>
-          <p:nvGrpSpPr>
-            <p:cNvPr id="12" name="Group 11"/>
-            <p:cNvGrpSpPr/>
-            <p:nvPr/>
-          </p:nvGrpSpPr>
-          <p:grpSpPr>
-            <a:xfrm>
-              <a:off x="2233883" y="2961019"/>
-              <a:ext cx="1897812" cy="1828800"/>
-              <a:chOff x="2398145" y="3657601"/>
-              <a:chExt cx="1897812" cy="1828800"/>
-            </a:xfrm>
-          </p:grpSpPr>
-          <p:sp>
-            <p:nvSpPr>
-              <p:cNvPr id="4" name="Rectangle 3"/>
-              <p:cNvSpPr/>
-              <p:nvPr/>
-            </p:nvSpPr>
-            <p:spPr>
-              <a:xfrm>
-                <a:off x="2398146" y="3657601"/>
-                <a:ext cx="1897811" cy="914400"/>
-              </a:xfrm>
-              <a:prstGeom prst="rect">
-                <a:avLst/>
-              </a:prstGeom>
-            </p:spPr>
-            <p:style>
-              <a:lnRef idx="2">
-                <a:schemeClr val="accent1">
-                  <a:shade val="50000"/>
-                </a:schemeClr>
-              </a:lnRef>
-              <a:fillRef idx="1">
-                <a:schemeClr val="accent1"/>
-              </a:fillRef>
-              <a:effectRef idx="0">
-                <a:schemeClr val="accent1"/>
-              </a:effectRef>
-              <a:fontRef idx="minor">
-                <a:schemeClr val="lt1"/>
-              </a:fontRef>
-            </p:style>
-            <p:txBody>
-              <a:bodyPr rtlCol="0" anchor="ctr"/>
-              <a:lstStyle/>
-              <a:p>
-                <a:pPr algn="ctr"/>
-                <a:r>
-                  <a:rPr lang="es-ES_tradnl" sz="3200" dirty="0"/>
-                  <a:t>b</a:t>
-                </a:r>
-                <a:r>
-                  <a:rPr lang="es-ES_tradnl" sz="3200" dirty="0" smtClean="0"/>
-                  <a:t>lock</a:t>
-                </a:r>
-                <a:endParaRPr lang="en-US" sz="3200" dirty="0"/>
-              </a:p>
-            </p:txBody>
-          </p:sp>
-          <p:sp>
-            <p:nvSpPr>
-              <p:cNvPr id="5" name="Rectangle 4"/>
-              <p:cNvSpPr/>
-              <p:nvPr/>
-            </p:nvSpPr>
-            <p:spPr>
-              <a:xfrm>
-                <a:off x="2398145" y="4572001"/>
-                <a:ext cx="1897811" cy="914400"/>
-              </a:xfrm>
-              <a:prstGeom prst="rect">
-                <a:avLst/>
-              </a:prstGeom>
-            </p:spPr>
-            <p:style>
-              <a:lnRef idx="2">
-                <a:schemeClr val="accent1">
-                  <a:shade val="50000"/>
-                </a:schemeClr>
-              </a:lnRef>
-              <a:fillRef idx="1">
-                <a:schemeClr val="accent1"/>
-              </a:fillRef>
-              <a:effectRef idx="0">
-                <a:schemeClr val="accent1"/>
-              </a:effectRef>
-              <a:fontRef idx="minor">
-                <a:schemeClr val="lt1"/>
-              </a:fontRef>
-            </p:style>
-            <p:txBody>
-              <a:bodyPr rtlCol="0" anchor="ctr"/>
-              <a:lstStyle/>
-              <a:p>
-                <a:pPr algn="ctr"/>
-                <a:r>
-                  <a:rPr lang="es-ES_tradnl" sz="3200" dirty="0" smtClean="0"/>
-                  <a:t>block</a:t>
-                </a:r>
-                <a:endParaRPr lang="en-US" sz="3200" dirty="0"/>
-              </a:p>
-            </p:txBody>
-          </p:sp>
-        </p:grpSp>
-        <p:grpSp>
-          <p:nvGrpSpPr>
-            <p:cNvPr id="11" name="Group 10"/>
-            <p:cNvGrpSpPr/>
-            <p:nvPr/>
-          </p:nvGrpSpPr>
-          <p:grpSpPr>
-            <a:xfrm>
-              <a:off x="6984167" y="3339218"/>
-              <a:ext cx="3795622" cy="914400"/>
-              <a:chOff x="6648094" y="3725246"/>
-              <a:chExt cx="3795622" cy="914400"/>
-            </a:xfrm>
-          </p:grpSpPr>
-          <p:sp>
-            <p:nvSpPr>
-              <p:cNvPr id="6" name="Rectangle 5"/>
-              <p:cNvSpPr/>
-              <p:nvPr/>
-            </p:nvSpPr>
-            <p:spPr>
-              <a:xfrm>
-                <a:off x="6648094" y="3725246"/>
-                <a:ext cx="1897811" cy="914400"/>
-              </a:xfrm>
-              <a:prstGeom prst="rect">
-                <a:avLst/>
-              </a:prstGeom>
-            </p:spPr>
-            <p:style>
-              <a:lnRef idx="2">
-                <a:schemeClr val="accent1">
-                  <a:shade val="50000"/>
-                </a:schemeClr>
-              </a:lnRef>
-              <a:fillRef idx="1">
-                <a:schemeClr val="accent1"/>
-              </a:fillRef>
-              <a:effectRef idx="0">
-                <a:schemeClr val="accent1"/>
-              </a:effectRef>
-              <a:fontRef idx="minor">
-                <a:schemeClr val="lt1"/>
-              </a:fontRef>
-            </p:style>
-            <p:txBody>
-              <a:bodyPr rtlCol="0" anchor="ctr"/>
-              <a:lstStyle/>
-              <a:p>
-                <a:pPr algn="ctr"/>
-                <a:r>
-                  <a:rPr lang="es-ES_tradnl" sz="3200" dirty="0" err="1" smtClean="0"/>
-                  <a:t>inline</a:t>
-                </a:r>
-                <a:endParaRPr lang="en-US" sz="3200" dirty="0"/>
-              </a:p>
-            </p:txBody>
-          </p:sp>
-          <p:sp>
-            <p:nvSpPr>
-              <p:cNvPr id="7" name="Rectangle 6"/>
-              <p:cNvSpPr/>
-              <p:nvPr/>
-            </p:nvSpPr>
-            <p:spPr>
-              <a:xfrm>
-                <a:off x="8545905" y="3725246"/>
-                <a:ext cx="1897811" cy="914400"/>
-              </a:xfrm>
-              <a:prstGeom prst="rect">
-                <a:avLst/>
-              </a:prstGeom>
-            </p:spPr>
-            <p:style>
-              <a:lnRef idx="2">
-                <a:schemeClr val="accent1">
-                  <a:shade val="50000"/>
-                </a:schemeClr>
-              </a:lnRef>
-              <a:fillRef idx="1">
-                <a:schemeClr val="accent1"/>
-              </a:fillRef>
-              <a:effectRef idx="0">
-                <a:schemeClr val="accent1"/>
-              </a:effectRef>
-              <a:fontRef idx="minor">
-                <a:schemeClr val="lt1"/>
-              </a:fontRef>
-            </p:style>
-            <p:txBody>
-              <a:bodyPr rtlCol="0" anchor="ctr"/>
-              <a:lstStyle/>
-              <a:p>
-                <a:pPr algn="ctr"/>
-                <a:r>
-                  <a:rPr lang="es-ES_tradnl" sz="3200" dirty="0" err="1" smtClean="0"/>
-                  <a:t>inline</a:t>
-                </a:r>
-                <a:endParaRPr lang="en-US" sz="3200" dirty="0"/>
-              </a:p>
-            </p:txBody>
-          </p:sp>
-        </p:grpSp>
-        <p:cxnSp>
-          <p:nvCxnSpPr>
-            <p:cNvPr id="9" name="Straight Connector 8"/>
-            <p:cNvCxnSpPr/>
-            <p:nvPr/>
-          </p:nvCxnSpPr>
-          <p:spPr>
-            <a:xfrm>
-              <a:off x="6000750" y="2702225"/>
-              <a:ext cx="0" cy="2674638"/>
-            </a:xfrm>
-            <a:prstGeom prst="line">
-              <a:avLst/>
-            </a:prstGeom>
-            <a:ln w="28575">
-              <a:solidFill>
-                <a:schemeClr val="bg2">
-                  <a:lumMod val="75000"/>
-                </a:schemeClr>
-              </a:solidFill>
-              <a:prstDash val="dash"/>
-            </a:ln>
-          </p:spPr>
-          <p:style>
-            <a:lnRef idx="1">
-              <a:schemeClr val="accent1"/>
-            </a:lnRef>
-            <a:fillRef idx="0">
-              <a:schemeClr val="accent1"/>
-            </a:fillRef>
-            <a:effectRef idx="0">
-              <a:schemeClr val="accent1"/>
-            </a:effectRef>
-            <a:fontRef idx="minor">
-              <a:schemeClr val="tx1"/>
-            </a:fontRef>
-          </p:style>
-        </p:cxnSp>
-      </p:grpSp>
     </p:spTree>
     <p:extLst>
       <p:ext uri="{BB962C8B-B14F-4D97-AF65-F5344CB8AC3E}">
-        <p14:creationId xmlns:p14="http://schemas.microsoft.com/office/powerpoint/2010/main" val="3714999485"/>
+        <p14:creationId xmlns:p14="http://schemas.microsoft.com/office/powerpoint/2010/main" val="202465279"/>
       </p:ext>
     </p:extLst>
   </p:cSld>
@@ -4400,226 +4222,48 @@
           <a:p>
             <a:r>
               <a:rPr lang="es-ES_tradnl" dirty="0" smtClean="0"/>
-              <a:t>Elementos Básicos </a:t>
+              <a:t>HTML 5</a:t>
+            </a:r>
+            <a:endParaRPr lang="en-US" dirty="0"/>
+          </a:p>
+        </p:txBody>
+      </p:sp>
+      <p:sp>
+        <p:nvSpPr>
+          <p:cNvPr id="3" name="Content Placeholder 2"/>
+          <p:cNvSpPr>
+            <a:spLocks noGrp="1"/>
+          </p:cNvSpPr>
+          <p:nvPr>
+            <p:ph idx="1"/>
+          </p:nvPr>
+        </p:nvSpPr>
+        <p:spPr/>
+        <p:txBody>
+          <a:bodyPr/>
+          <a:lstStyle/>
+          <a:p>
+            <a:r>
+              <a:rPr lang="es-ES_tradnl" dirty="0" smtClean="0"/>
+              <a:t>&lt;!DOCTYPE </a:t>
             </a:r>
             <a:r>
               <a:rPr lang="es-ES_tradnl" dirty="0" err="1" smtClean="0"/>
-              <a:t>body</a:t>
-            </a:r>
-            <a:endParaRPr lang="en-US" dirty="0"/>
-          </a:p>
-        </p:txBody>
-      </p:sp>
-      <p:sp>
-        <p:nvSpPr>
-          <p:cNvPr id="3" name="Content Placeholder 2"/>
-          <p:cNvSpPr>
-            <a:spLocks noGrp="1"/>
-          </p:cNvSpPr>
-          <p:nvPr>
-            <p:ph idx="1"/>
-          </p:nvPr>
-        </p:nvSpPr>
-        <p:spPr/>
-        <p:txBody>
-          <a:bodyPr>
-            <a:normAutofit lnSpcReduction="10000"/>
-          </a:bodyPr>
-          <a:lstStyle/>
-          <a:p>
+              <a:t>html</a:t>
+            </a:r>
             <a:r>
               <a:rPr lang="es-ES_tradnl" dirty="0" smtClean="0"/>
-              <a:t>&lt;p</a:t>
-            </a:r>
+              <a:t>&gt;</a:t>
+            </a:r>
+          </a:p>
+          <a:p>
             <a:r>
               <a:rPr lang="es-ES_tradnl" dirty="0" smtClean="0"/>
-              <a:t>&gt; </a:t>
-            </a:r>
-            <a:r>
-              <a:rPr lang="es-ES_tradnl" dirty="0" smtClean="0">
-                <a:sym typeface="Wingdings" panose="05000000000000000000" pitchFamily="2" charset="2"/>
-              </a:rPr>
-              <a:t> párrafo</a:t>
-            </a:r>
-            <a:endParaRPr lang="es-ES_tradnl" dirty="0" smtClean="0"/>
-          </a:p>
-          <a:p>
-            <a:r>
-              <a:rPr lang="es-ES_tradnl" dirty="0" smtClean="0"/>
-              <a:t>&lt;a</a:t>
-            </a:r>
-            <a:r>
-              <a:rPr lang="es-ES_tradnl" dirty="0" smtClean="0"/>
-              <a:t>&gt; </a:t>
-            </a:r>
-            <a:r>
-              <a:rPr lang="es-ES_tradnl" dirty="0" smtClean="0">
-                <a:sym typeface="Wingdings" panose="05000000000000000000" pitchFamily="2" charset="2"/>
-              </a:rPr>
-              <a:t> link</a:t>
-            </a:r>
-            <a:endParaRPr lang="es-ES_tradnl" dirty="0" smtClean="0"/>
-          </a:p>
-          <a:p>
-            <a:r>
-              <a:rPr lang="es-ES_tradnl" dirty="0" smtClean="0"/>
-              <a:t>&lt;</a:t>
-            </a:r>
-            <a:r>
-              <a:rPr lang="es-ES_tradnl" dirty="0" err="1"/>
-              <a:t>s</a:t>
+              <a:t>Nuevos </a:t>
             </a:r>
             <a:r>
               <a:rPr lang="es-ES_tradnl" dirty="0" err="1" smtClean="0"/>
-              <a:t>trong</a:t>
-            </a:r>
-            <a:r>
-              <a:rPr lang="es-ES_tradnl" dirty="0" smtClean="0"/>
-              <a:t>&gt; </a:t>
-            </a:r>
-            <a:r>
-              <a:rPr lang="es-ES_tradnl" dirty="0" smtClean="0">
-                <a:sym typeface="Wingdings" panose="05000000000000000000" pitchFamily="2" charset="2"/>
-              </a:rPr>
-              <a:t> negrita</a:t>
-            </a:r>
-            <a:endParaRPr lang="es-ES_tradnl" dirty="0" smtClean="0"/>
-          </a:p>
-          <a:p>
-            <a:r>
-              <a:rPr lang="es-ES_tradnl" dirty="0" smtClean="0"/>
-              <a:t>&lt;</a:t>
-            </a:r>
-            <a:r>
-              <a:rPr lang="es-ES_tradnl" dirty="0" err="1" smtClean="0"/>
-              <a:t>em</a:t>
-            </a:r>
-            <a:r>
-              <a:rPr lang="es-ES_tradnl" dirty="0" smtClean="0"/>
-              <a:t>&gt; </a:t>
-            </a:r>
-            <a:r>
-              <a:rPr lang="es-ES_tradnl" dirty="0" smtClean="0">
-                <a:sym typeface="Wingdings" panose="05000000000000000000" pitchFamily="2" charset="2"/>
-              </a:rPr>
-              <a:t> itálica</a:t>
-            </a:r>
-            <a:endParaRPr lang="es-ES_tradnl" dirty="0" smtClean="0"/>
-          </a:p>
-          <a:p>
-            <a:r>
-              <a:rPr lang="es-ES_tradnl" dirty="0" smtClean="0"/>
-              <a:t>&lt;h1&gt; &lt;h2&gt; … &lt;h6</a:t>
-            </a:r>
-            <a:r>
-              <a:rPr lang="es-ES_tradnl" dirty="0" smtClean="0"/>
-              <a:t>&gt; </a:t>
-            </a:r>
-            <a:r>
-              <a:rPr lang="es-ES_tradnl" dirty="0" smtClean="0">
-                <a:sym typeface="Wingdings" panose="05000000000000000000" pitchFamily="2" charset="2"/>
-              </a:rPr>
-              <a:t> </a:t>
-            </a:r>
-            <a:r>
-              <a:rPr lang="es-ES_tradnl" dirty="0" err="1" smtClean="0">
-                <a:sym typeface="Wingdings" panose="05000000000000000000" pitchFamily="2" charset="2"/>
-              </a:rPr>
-              <a:t>titulos</a:t>
-            </a:r>
-            <a:endParaRPr lang="es-ES_tradnl" dirty="0" smtClean="0"/>
-          </a:p>
-          <a:p>
-            <a:r>
-              <a:rPr lang="es-ES_tradnl" dirty="0" smtClean="0"/>
-              <a:t>&lt;div</a:t>
-            </a:r>
-            <a:r>
-              <a:rPr lang="es-ES_tradnl" dirty="0" smtClean="0"/>
-              <a:t>&gt; </a:t>
-            </a:r>
-            <a:r>
-              <a:rPr lang="es-ES_tradnl" dirty="0">
-                <a:sym typeface="Wingdings" panose="05000000000000000000" pitchFamily="2" charset="2"/>
-              </a:rPr>
-              <a:t> agrupación de elementos </a:t>
-            </a:r>
-            <a:r>
-              <a:rPr lang="es-ES_tradnl" dirty="0" smtClean="0">
-                <a:sym typeface="Wingdings" panose="05000000000000000000" pitchFamily="2" charset="2"/>
-              </a:rPr>
-              <a:t>con box</a:t>
-            </a:r>
-            <a:endParaRPr lang="es-ES_tradnl" dirty="0" smtClean="0"/>
-          </a:p>
-          <a:p>
-            <a:r>
-              <a:rPr lang="es-ES_tradnl" dirty="0" smtClean="0"/>
-              <a:t>&lt;</a:t>
-            </a:r>
-            <a:r>
-              <a:rPr lang="es-ES_tradnl" dirty="0" err="1" smtClean="0"/>
-              <a:t>span</a:t>
-            </a:r>
-            <a:r>
-              <a:rPr lang="es-ES_tradnl" dirty="0" smtClean="0"/>
-              <a:t>&gt; </a:t>
-            </a:r>
-            <a:r>
-              <a:rPr lang="es-ES_tradnl" dirty="0" smtClean="0">
-                <a:sym typeface="Wingdings" panose="05000000000000000000" pitchFamily="2" charset="2"/>
-              </a:rPr>
-              <a:t> agrupación de elementos </a:t>
-            </a:r>
-            <a:r>
-              <a:rPr lang="es-ES_tradnl" dirty="0" err="1" smtClean="0">
-                <a:sym typeface="Wingdings" panose="05000000000000000000" pitchFamily="2" charset="2"/>
-              </a:rPr>
-              <a:t>inline</a:t>
-            </a:r>
-            <a:endParaRPr lang="es-ES_tradnl" dirty="0" smtClean="0"/>
-          </a:p>
-          <a:p>
-            <a:r>
-              <a:rPr lang="es-ES_tradnl" dirty="0" smtClean="0"/>
-              <a:t>&lt;</a:t>
-            </a:r>
-            <a:r>
-              <a:rPr lang="es-ES_tradnl" dirty="0" err="1" smtClean="0"/>
-              <a:t>img</a:t>
-            </a:r>
-            <a:r>
-              <a:rPr lang="es-ES_tradnl" dirty="0" smtClean="0"/>
-              <a:t>&gt; </a:t>
-            </a:r>
-            <a:r>
-              <a:rPr lang="es-ES_tradnl" dirty="0" smtClean="0">
-                <a:sym typeface="Wingdings" panose="05000000000000000000" pitchFamily="2" charset="2"/>
-              </a:rPr>
-              <a:t> </a:t>
-            </a:r>
-            <a:r>
-              <a:rPr lang="es-ES_tradnl" dirty="0" err="1" smtClean="0">
-                <a:sym typeface="Wingdings" panose="05000000000000000000" pitchFamily="2" charset="2"/>
-              </a:rPr>
-              <a:t>imagenes</a:t>
-            </a:r>
-            <a:endParaRPr lang="es-ES_tradnl" dirty="0" smtClean="0"/>
-          </a:p>
-          <a:p>
-            <a:r>
-              <a:rPr lang="es-ES_tradnl" dirty="0" smtClean="0"/>
-              <a:t>&lt;input</a:t>
-            </a:r>
-            <a:r>
-              <a:rPr lang="es-ES_tradnl" dirty="0" smtClean="0"/>
-              <a:t>&gt; </a:t>
-            </a:r>
-            <a:r>
-              <a:rPr lang="es-ES_tradnl" dirty="0" smtClean="0">
-                <a:sym typeface="Wingdings" panose="05000000000000000000" pitchFamily="2" charset="2"/>
-              </a:rPr>
-              <a:t> inputs en formularios</a:t>
+              <a:t>tags</a:t>
             </a:r>
             <a:endParaRPr lang="en-US" dirty="0"/>
           </a:p>
@@ -4628,7 +4272,7 @@
     </p:spTree>
     <p:extLst>
       <p:ext uri="{BB962C8B-B14F-4D97-AF65-F5344CB8AC3E}">
-        <p14:creationId xmlns:p14="http://schemas.microsoft.com/office/powerpoint/2010/main" val="1457222021"/>
+        <p14:creationId xmlns:p14="http://schemas.microsoft.com/office/powerpoint/2010/main" val="1199194102"/>
       </p:ext>
     </p:extLst>
   </p:cSld>
@@ -4672,7 +4316,15 @@
           <a:p>
             <a:r>
               <a:rPr lang="es-ES_tradnl" dirty="0" smtClean="0"/>
-              <a:t>Elementos básicos Head</a:t>
+              <a:t>Nuevos </a:t>
+            </a:r>
+            <a:r>
+              <a:rPr lang="es-ES_tradnl" dirty="0" err="1" smtClean="0"/>
+              <a:t>Tags</a:t>
+            </a:r>
+            <a:r>
+              <a:rPr lang="es-ES_tradnl" dirty="0" smtClean="0"/>
+              <a:t> (media)</a:t>
             </a:r>
             <a:endParaRPr lang="en-US" dirty="0"/>
           </a:p>
@@ -4692,50 +4344,26 @@
         <p:txBody>
           <a:bodyPr/>
           <a:lstStyle/>
+          <a:p>
+            <a:r>
+              <a:rPr lang="es-ES_tradnl" dirty="0" smtClean="0"/>
+              <a:t>&lt;audio&gt;</a:t>
+            </a:r>
+          </a:p>
+          <a:p>
+            <a:r>
+              <a:rPr lang="es-ES_tradnl" dirty="0" smtClean="0"/>
+              <a:t>&lt;video&gt;</a:t>
+            </a:r>
+          </a:p>
           <a:p>
             <a:r>
               <a:rPr lang="es-ES_tradnl" dirty="0" smtClean="0"/>
               <a:t>&lt;</a:t>
             </a:r>
             <a:r>
-              <a:rPr lang="es-ES_tradnl" dirty="0" err="1"/>
-              <a:t>t</a:t>
-            </a:r>
-            <a:r>
               <a:rPr lang="es-ES_tradnl" dirty="0" err="1" smtClean="0"/>
-              <a:t>itle</a:t>
-            </a:r>
-            <a:r>
-              <a:rPr lang="es-ES_tradnl" dirty="0" smtClean="0"/>
-              <a:t>&gt;</a:t>
-            </a:r>
-          </a:p>
-          <a:p>
-            <a:r>
-              <a:rPr lang="es-ES_tradnl" dirty="0" smtClean="0"/>
-              <a:t>&lt;meta&gt;</a:t>
-            </a:r>
-          </a:p>
-          <a:p>
-            <a:r>
-              <a:rPr lang="es-ES_tradnl" dirty="0" smtClean="0"/>
-              <a:t>&lt;link&gt;</a:t>
-            </a:r>
-          </a:p>
-          <a:p>
-            <a:r>
-              <a:rPr lang="es-ES_tradnl" dirty="0" smtClean="0"/>
-              <a:t>&lt;script&gt;</a:t>
-            </a:r>
-          </a:p>
-          <a:p>
-            <a:r>
-              <a:rPr lang="es-ES_tradnl" dirty="0" smtClean="0"/>
-              <a:t>&lt;</a:t>
-            </a:r>
-            <a:r>
-              <a:rPr lang="es-ES_tradnl" dirty="0" err="1" smtClean="0"/>
-              <a:t>style</a:t>
+              <a:t>canvas</a:t>
             </a:r>
             <a:r>
               <a:rPr lang="es-ES_tradnl" dirty="0" smtClean="0"/>
@@ -4748,7 +4376,7 @@
     </p:spTree>
     <p:extLst>
       <p:ext uri="{BB962C8B-B14F-4D97-AF65-F5344CB8AC3E}">
-        <p14:creationId xmlns:p14="http://schemas.microsoft.com/office/powerpoint/2010/main" val="202465279"/>
+        <p14:creationId xmlns:p14="http://schemas.microsoft.com/office/powerpoint/2010/main" val="2125965985"/>
       </p:ext>
     </p:extLst>
   </p:cSld>
@@ -4792,57 +4420,163 @@
           <a:p>
             <a:r>
               <a:rPr lang="es-ES_tradnl" dirty="0" smtClean="0"/>
-              <a:t>HTML 5</a:t>
-            </a:r>
-            <a:endParaRPr lang="en-US" dirty="0"/>
-          </a:p>
-        </p:txBody>
-      </p:sp>
-      <p:sp>
-        <p:nvSpPr>
-          <p:cNvPr id="3" name="Content Placeholder 2"/>
-          <p:cNvSpPr>
-            <a:spLocks noGrp="1"/>
-          </p:cNvSpPr>
-          <p:nvPr>
-            <p:ph idx="1"/>
-          </p:nvPr>
-        </p:nvSpPr>
-        <p:spPr/>
-        <p:txBody>
-          <a:bodyPr/>
-          <a:lstStyle/>
-          <a:p>
-            <a:r>
-              <a:rPr lang="es-ES_tradnl" dirty="0" smtClean="0"/>
-              <a:t>&lt;!DOCTYPE </a:t>
-            </a:r>
-            <a:r>
-              <a:rPr lang="es-ES_tradnl" dirty="0" err="1" smtClean="0"/>
-              <a:t>html</a:t>
-            </a:r>
-            <a:r>
-              <a:rPr lang="es-ES_tradnl" dirty="0" smtClean="0"/>
-              <a:t>&gt;</a:t>
-            </a:r>
-          </a:p>
-          <a:p>
-            <a:r>
-              <a:rPr lang="es-ES_tradnl" dirty="0" smtClean="0"/>
               <a:t>Nuevos </a:t>
             </a:r>
             <a:r>
               <a:rPr lang="es-ES_tradnl" dirty="0" err="1" smtClean="0"/>
               <a:t>tags</a:t>
             </a:r>
+            <a:r>
+              <a:rPr lang="es-ES_tradnl" dirty="0" smtClean="0"/>
+              <a:t> (estructurales)</a:t>
+            </a:r>
             <a:endParaRPr lang="en-US" dirty="0"/>
+          </a:p>
+        </p:txBody>
+      </p:sp>
+      <p:sp>
+        <p:nvSpPr>
+          <p:cNvPr id="3" name="Content Placeholder 2"/>
+          <p:cNvSpPr>
+            <a:spLocks noGrp="1"/>
+          </p:cNvSpPr>
+          <p:nvPr>
+            <p:ph idx="1"/>
+          </p:nvPr>
+        </p:nvSpPr>
+        <p:spPr/>
+        <p:txBody>
+          <a:bodyPr/>
+          <a:lstStyle/>
+          <a:p>
+            <a:r>
+              <a:rPr lang="es-ES_tradnl" dirty="0" smtClean="0"/>
+              <a:t>&lt;</a:t>
+            </a:r>
+            <a:r>
+              <a:rPr lang="es-ES_tradnl" dirty="0" err="1" smtClean="0"/>
+              <a:t>header</a:t>
+            </a:r>
+            <a:r>
+              <a:rPr lang="es-ES_tradnl" dirty="0" smtClean="0"/>
+              <a:t>&gt; </a:t>
+            </a:r>
+            <a:r>
+              <a:rPr lang="es-ES_tradnl" dirty="0" smtClean="0">
+                <a:sym typeface="Wingdings" panose="05000000000000000000" pitchFamily="2" charset="2"/>
+              </a:rPr>
+              <a:t> encabezado</a:t>
+            </a:r>
+            <a:endParaRPr lang="es-ES_tradnl" dirty="0" smtClean="0"/>
+          </a:p>
+          <a:p>
+            <a:r>
+              <a:rPr lang="es-ES_tradnl" dirty="0" smtClean="0"/>
+              <a:t>&lt;</a:t>
+            </a:r>
+            <a:r>
+              <a:rPr lang="es-ES_tradnl" dirty="0" err="1" smtClean="0"/>
+              <a:t>aside</a:t>
+            </a:r>
+            <a:r>
+              <a:rPr lang="es-ES_tradnl" dirty="0" smtClean="0"/>
+              <a:t>&gt; </a:t>
+            </a:r>
+            <a:r>
+              <a:rPr lang="es-ES_tradnl" dirty="0" smtClean="0">
+                <a:sym typeface="Wingdings" panose="05000000000000000000" pitchFamily="2" charset="2"/>
+              </a:rPr>
+              <a:t> </a:t>
+            </a:r>
+            <a:r>
+              <a:rPr lang="es-ES_tradnl" dirty="0" err="1" smtClean="0">
+                <a:sym typeface="Wingdings" panose="05000000000000000000" pitchFamily="2" charset="2"/>
+              </a:rPr>
+              <a:t>info</a:t>
+            </a:r>
+            <a:r>
+              <a:rPr lang="es-ES_tradnl" dirty="0" smtClean="0">
+                <a:sym typeface="Wingdings" panose="05000000000000000000" pitchFamily="2" charset="2"/>
+              </a:rPr>
+              <a:t> complementaria / </a:t>
+            </a:r>
+            <a:r>
+              <a:rPr lang="es-ES_tradnl" dirty="0" err="1" smtClean="0">
+                <a:sym typeface="Wingdings" panose="05000000000000000000" pitchFamily="2" charset="2"/>
+              </a:rPr>
+              <a:t>sidebar</a:t>
+            </a:r>
+            <a:endParaRPr lang="es-ES_tradnl" dirty="0" smtClean="0"/>
+          </a:p>
+          <a:p>
+            <a:r>
+              <a:rPr lang="es-ES_tradnl" dirty="0" smtClean="0"/>
+              <a:t>&lt;</a:t>
+            </a:r>
+            <a:r>
+              <a:rPr lang="es-ES_tradnl" dirty="0" err="1" smtClean="0"/>
+              <a:t>footer</a:t>
+            </a:r>
+            <a:r>
+              <a:rPr lang="es-ES_tradnl" dirty="0" smtClean="0"/>
+              <a:t>&gt; </a:t>
+            </a:r>
+            <a:r>
+              <a:rPr lang="es-ES_tradnl" dirty="0" smtClean="0">
+                <a:sym typeface="Wingdings" panose="05000000000000000000" pitchFamily="2" charset="2"/>
+              </a:rPr>
+              <a:t> pie de página</a:t>
+            </a:r>
+            <a:endParaRPr lang="es-ES_tradnl" dirty="0" smtClean="0"/>
+          </a:p>
+          <a:p>
+            <a:r>
+              <a:rPr lang="es-ES_tradnl" dirty="0" smtClean="0"/>
+              <a:t>&lt;</a:t>
+            </a:r>
+            <a:r>
+              <a:rPr lang="es-ES_tradnl" dirty="0" err="1" smtClean="0"/>
+              <a:t>hgroup</a:t>
+            </a:r>
+            <a:r>
+              <a:rPr lang="es-ES_tradnl" dirty="0" smtClean="0"/>
+              <a:t>&gt; </a:t>
+            </a:r>
+            <a:r>
+              <a:rPr lang="es-ES_tradnl" dirty="0" smtClean="0">
+                <a:sym typeface="Wingdings" panose="05000000000000000000" pitchFamily="2" charset="2"/>
+              </a:rPr>
+              <a:t> grupo de encabezados</a:t>
+            </a:r>
+            <a:endParaRPr lang="es-ES_tradnl" dirty="0" smtClean="0"/>
+          </a:p>
+          <a:p>
+            <a:r>
+              <a:rPr lang="es-ES_tradnl" dirty="0" smtClean="0"/>
+              <a:t>&lt;</a:t>
+            </a:r>
+            <a:r>
+              <a:rPr lang="es-ES_tradnl" dirty="0" err="1" smtClean="0"/>
+              <a:t>nav</a:t>
+            </a:r>
+            <a:r>
+              <a:rPr lang="es-ES_tradnl" dirty="0" smtClean="0"/>
+              <a:t>&gt; </a:t>
+            </a:r>
+            <a:r>
+              <a:rPr lang="es-ES_tradnl" dirty="0" smtClean="0">
+                <a:sym typeface="Wingdings" panose="05000000000000000000" pitchFamily="2" charset="2"/>
+              </a:rPr>
+              <a:t> menú de navegación</a:t>
+            </a:r>
+            <a:endParaRPr lang="en-US" dirty="0" smtClean="0"/>
           </a:p>
         </p:txBody>
       </p:sp>
     </p:spTree>
     <p:extLst>
       <p:ext uri="{BB962C8B-B14F-4D97-AF65-F5344CB8AC3E}">
-        <p14:creationId xmlns:p14="http://schemas.microsoft.com/office/powerpoint/2010/main" val="1199194102"/>
+        <p14:creationId xmlns:p14="http://schemas.microsoft.com/office/powerpoint/2010/main" val="3014043091"/>
       </p:ext>
     </p:extLst>
   </p:cSld>
@@ -4890,310 +4624,6 @@
             </a:r>
             <a:r>
               <a:rPr lang="es-ES_tradnl" dirty="0" err="1" smtClean="0"/>
-              <a:t>Tags</a:t>
-            </a:r>
-            <a:r>
-              <a:rPr lang="es-ES_tradnl" dirty="0" smtClean="0"/>
-              <a:t> (media)</a:t>
-            </a:r>
-            <a:endParaRPr lang="en-US" dirty="0"/>
-          </a:p>
-        </p:txBody>
-      </p:sp>
-      <p:sp>
-        <p:nvSpPr>
-          <p:cNvPr id="3" name="Content Placeholder 2"/>
-          <p:cNvSpPr>
-            <a:spLocks noGrp="1"/>
-          </p:cNvSpPr>
-          <p:nvPr>
-            <p:ph idx="1"/>
-          </p:nvPr>
-        </p:nvSpPr>
-        <p:spPr/>
-        <p:txBody>
-          <a:bodyPr/>
-          <a:lstStyle/>
-          <a:p>
-            <a:r>
-              <a:rPr lang="es-ES_tradnl" dirty="0" smtClean="0"/>
-              <a:t>&lt;audio&gt;</a:t>
-            </a:r>
-          </a:p>
-          <a:p>
-            <a:r>
-              <a:rPr lang="es-ES_tradnl" dirty="0" smtClean="0"/>
-              <a:t>&lt;video&gt;</a:t>
-            </a:r>
-          </a:p>
-          <a:p>
-            <a:r>
-              <a:rPr lang="es-ES_tradnl" dirty="0" smtClean="0"/>
-              <a:t>&lt;</a:t>
-            </a:r>
-            <a:r>
-              <a:rPr lang="es-ES_tradnl" dirty="0" err="1" smtClean="0"/>
-              <a:t>canvas</a:t>
-            </a:r>
-            <a:r>
-              <a:rPr lang="es-ES_tradnl" dirty="0" smtClean="0"/>
-              <a:t>&gt;</a:t>
-            </a:r>
-            <a:endParaRPr lang="en-US" dirty="0"/>
-          </a:p>
-        </p:txBody>
-      </p:sp>
-    </p:spTree>
-    <p:extLst>
-      <p:ext uri="{BB962C8B-B14F-4D97-AF65-F5344CB8AC3E}">
-        <p14:creationId xmlns:p14="http://schemas.microsoft.com/office/powerpoint/2010/main" val="2125965985"/>
-      </p:ext>
-    </p:extLst>
-  </p:cSld>
-  <p:clrMapOvr>
-    <a:masterClrMapping/>
-  </p:clrMapOvr>
-</p:sld>
-</file>
-
-<file path=ppt/slides/slide16.xml><?xml version="1.0" encoding="utf-8"?>
-<p:sld xmlns:a="http://schemas.openxmlformats.org/drawingml/2006/main" xmlns:r="http://schemas.openxmlformats.org/officeDocument/2006/relationships" xmlns:p="http://schemas.openxmlformats.org/presentationml/2006/main">
-  <p:cSld>
-    <p:spTree>
-      <p:nvGrpSpPr>
-        <p:cNvPr id="1" name=""/>
-        <p:cNvGrpSpPr/>
-        <p:nvPr/>
-      </p:nvGrpSpPr>
-      <p:grpSpPr>
-        <a:xfrm>
-          <a:off x="0" y="0"/>
-          <a:ext cx="0" cy="0"/>
-          <a:chOff x="0" y="0"/>
-          <a:chExt cx="0" cy="0"/>
-        </a:xfrm>
-      </p:grpSpPr>
-      <p:sp>
-        <p:nvSpPr>
-          <p:cNvPr id="2" name="Title 1"/>
-          <p:cNvSpPr>
-            <a:spLocks noGrp="1"/>
-          </p:cNvSpPr>
-          <p:nvPr>
-            <p:ph type="title"/>
-          </p:nvPr>
-        </p:nvSpPr>
-        <p:spPr/>
-        <p:txBody>
-          <a:bodyPr/>
-          <a:lstStyle/>
-          <a:p>
-            <a:r>
-              <a:rPr lang="es-ES_tradnl" dirty="0" smtClean="0"/>
-              <a:t>Nuevos </a:t>
-            </a:r>
-            <a:r>
-              <a:rPr lang="es-ES_tradnl" dirty="0" err="1" smtClean="0"/>
-              <a:t>tags</a:t>
-            </a:r>
-            <a:r>
-              <a:rPr lang="es-ES_tradnl" dirty="0" smtClean="0"/>
-              <a:t> (estructurales)</a:t>
-            </a:r>
-            <a:endParaRPr lang="en-US" dirty="0"/>
-          </a:p>
-        </p:txBody>
-      </p:sp>
-      <p:sp>
-        <p:nvSpPr>
-          <p:cNvPr id="3" name="Content Placeholder 2"/>
-          <p:cNvSpPr>
-            <a:spLocks noGrp="1"/>
-          </p:cNvSpPr>
-          <p:nvPr>
-            <p:ph idx="1"/>
-          </p:nvPr>
-        </p:nvSpPr>
-        <p:spPr/>
-        <p:txBody>
-          <a:bodyPr/>
-          <a:lstStyle/>
-          <a:p>
-            <a:r>
-              <a:rPr lang="es-ES_tradnl" dirty="0" smtClean="0"/>
-              <a:t>&lt;</a:t>
-            </a:r>
-            <a:r>
-              <a:rPr lang="es-ES_tradnl" dirty="0" err="1" smtClean="0"/>
-              <a:t>header</a:t>
-            </a:r>
-            <a:r>
-              <a:rPr lang="es-ES_tradnl" dirty="0" smtClean="0"/>
-              <a:t>&gt; </a:t>
-            </a:r>
-            <a:r>
-              <a:rPr lang="es-ES_tradnl" dirty="0" smtClean="0">
-                <a:sym typeface="Wingdings" panose="05000000000000000000" pitchFamily="2" charset="2"/>
-              </a:rPr>
-              <a:t> encabezado</a:t>
-            </a:r>
-            <a:endParaRPr lang="es-ES_tradnl" dirty="0" smtClean="0"/>
-          </a:p>
-          <a:p>
-            <a:r>
-              <a:rPr lang="es-ES_tradnl" dirty="0" smtClean="0"/>
-              <a:t>&lt;</a:t>
-            </a:r>
-            <a:r>
-              <a:rPr lang="es-ES_tradnl" dirty="0" err="1" smtClean="0"/>
-              <a:t>aside</a:t>
-            </a:r>
-            <a:r>
-              <a:rPr lang="es-ES_tradnl" dirty="0" smtClean="0"/>
-              <a:t>&gt; </a:t>
-            </a:r>
-            <a:r>
-              <a:rPr lang="es-ES_tradnl" dirty="0" smtClean="0">
-                <a:sym typeface="Wingdings" panose="05000000000000000000" pitchFamily="2" charset="2"/>
-              </a:rPr>
-              <a:t> </a:t>
-            </a:r>
-            <a:r>
-              <a:rPr lang="es-ES_tradnl" dirty="0" err="1" smtClean="0">
-                <a:sym typeface="Wingdings" panose="05000000000000000000" pitchFamily="2" charset="2"/>
-              </a:rPr>
-              <a:t>info</a:t>
-            </a:r>
-            <a:r>
-              <a:rPr lang="es-ES_tradnl" dirty="0" smtClean="0">
-                <a:sym typeface="Wingdings" panose="05000000000000000000" pitchFamily="2" charset="2"/>
-              </a:rPr>
-              <a:t> complementaria / </a:t>
-            </a:r>
-            <a:r>
-              <a:rPr lang="es-ES_tradnl" dirty="0" err="1" smtClean="0">
-                <a:sym typeface="Wingdings" panose="05000000000000000000" pitchFamily="2" charset="2"/>
-              </a:rPr>
-              <a:t>sidebar</a:t>
-            </a:r>
-            <a:endParaRPr lang="es-ES_tradnl" dirty="0" smtClean="0"/>
-          </a:p>
-          <a:p>
-            <a:r>
-              <a:rPr lang="es-ES_tradnl" dirty="0" smtClean="0"/>
-              <a:t>&lt;</a:t>
-            </a:r>
-            <a:r>
-              <a:rPr lang="es-ES_tradnl" dirty="0" err="1" smtClean="0"/>
-              <a:t>footer</a:t>
-            </a:r>
-            <a:r>
-              <a:rPr lang="es-ES_tradnl" dirty="0" smtClean="0"/>
-              <a:t>&gt; </a:t>
-            </a:r>
-            <a:r>
-              <a:rPr lang="es-ES_tradnl" dirty="0" smtClean="0">
-                <a:sym typeface="Wingdings" panose="05000000000000000000" pitchFamily="2" charset="2"/>
-              </a:rPr>
-              <a:t> pie de página</a:t>
-            </a:r>
-            <a:endParaRPr lang="es-ES_tradnl" dirty="0" smtClean="0"/>
-          </a:p>
-          <a:p>
-            <a:r>
-              <a:rPr lang="es-ES_tradnl" dirty="0" smtClean="0"/>
-              <a:t>&lt;</a:t>
-            </a:r>
-            <a:r>
-              <a:rPr lang="es-ES_tradnl" dirty="0" err="1" smtClean="0"/>
-              <a:t>hgroup</a:t>
-            </a:r>
-            <a:r>
-              <a:rPr lang="es-ES_tradnl" dirty="0" smtClean="0"/>
-              <a:t>&gt; </a:t>
-            </a:r>
-            <a:r>
-              <a:rPr lang="es-ES_tradnl" dirty="0" smtClean="0">
-                <a:sym typeface="Wingdings" panose="05000000000000000000" pitchFamily="2" charset="2"/>
-              </a:rPr>
-              <a:t> grupo de encabezados</a:t>
-            </a:r>
-            <a:endParaRPr lang="es-ES_tradnl" dirty="0" smtClean="0"/>
-          </a:p>
-          <a:p>
-            <a:r>
-              <a:rPr lang="es-ES_tradnl" dirty="0" smtClean="0"/>
-              <a:t>&lt;</a:t>
-            </a:r>
-            <a:r>
-              <a:rPr lang="es-ES_tradnl" dirty="0" err="1" smtClean="0"/>
-              <a:t>nav</a:t>
-            </a:r>
-            <a:r>
-              <a:rPr lang="es-ES_tradnl" dirty="0" smtClean="0"/>
-              <a:t>&gt; </a:t>
-            </a:r>
-            <a:r>
-              <a:rPr lang="es-ES_tradnl" dirty="0" smtClean="0">
-                <a:sym typeface="Wingdings" panose="05000000000000000000" pitchFamily="2" charset="2"/>
-              </a:rPr>
-              <a:t> menú de navegación</a:t>
-            </a:r>
-            <a:endParaRPr lang="en-US" dirty="0" smtClean="0"/>
-          </a:p>
-        </p:txBody>
-      </p:sp>
-    </p:spTree>
-    <p:extLst>
-      <p:ext uri="{BB962C8B-B14F-4D97-AF65-F5344CB8AC3E}">
-        <p14:creationId xmlns:p14="http://schemas.microsoft.com/office/powerpoint/2010/main" val="3014043091"/>
-      </p:ext>
-    </p:extLst>
-  </p:cSld>
-  <p:clrMapOvr>
-    <a:masterClrMapping/>
-  </p:clrMapOvr>
-</p:sld>
-</file>
-
-<file path=ppt/slides/slide17.xml><?xml version="1.0" encoding="utf-8"?>
-<p:sld xmlns:a="http://schemas.openxmlformats.org/drawingml/2006/main" xmlns:r="http://schemas.openxmlformats.org/officeDocument/2006/relationships" xmlns:p="http://schemas.openxmlformats.org/presentationml/2006/main">
-  <p:cSld>
-    <p:spTree>
-      <p:nvGrpSpPr>
-        <p:cNvPr id="1" name=""/>
-        <p:cNvGrpSpPr/>
-        <p:nvPr/>
-      </p:nvGrpSpPr>
-      <p:grpSpPr>
-        <a:xfrm>
-          <a:off x="0" y="0"/>
-          <a:ext cx="0" cy="0"/>
-          <a:chOff x="0" y="0"/>
-          <a:chExt cx="0" cy="0"/>
-        </a:xfrm>
-      </p:grpSpPr>
-      <p:sp>
-        <p:nvSpPr>
-          <p:cNvPr id="2" name="Title 1"/>
-          <p:cNvSpPr>
-            <a:spLocks noGrp="1"/>
-          </p:cNvSpPr>
-          <p:nvPr>
-            <p:ph type="title"/>
-          </p:nvPr>
-        </p:nvSpPr>
-        <p:spPr/>
-        <p:txBody>
-          <a:bodyPr/>
-          <a:lstStyle/>
-          <a:p>
-            <a:r>
-              <a:rPr lang="es-ES_tradnl" dirty="0" smtClean="0"/>
-              <a:t>Nuevos </a:t>
-            </a:r>
-            <a:r>
-              <a:rPr lang="es-ES_tradnl" dirty="0" err="1" smtClean="0"/>
               <a:t>tags</a:t>
             </a:r>
             <a:r>
@@ -5288,7 +4718,7 @@
 </p:sld>
 </file>
 
-<file path=ppt/slides/slide18.xml><?xml version="1.0" encoding="utf-8"?>
+<file path=ppt/slides/slide16.xml><?xml version="1.0" encoding="utf-8"?>
 <p:sld xmlns:a="http://schemas.openxmlformats.org/drawingml/2006/main" xmlns:r="http://schemas.openxmlformats.org/officeDocument/2006/relationships" xmlns:p="http://schemas.openxmlformats.org/presentationml/2006/main">
   <p:cSld>
     <p:spTree>
@@ -5829,7 +5259,7 @@
 </p:sld>
 </file>
 
-<file path=ppt/slides/slide19.xml><?xml version="1.0" encoding="utf-8"?>
+<file path=ppt/slides/slide17.xml><?xml version="1.0" encoding="utf-8"?>
 <p:sld xmlns:a="http://schemas.openxmlformats.org/drawingml/2006/main" xmlns:r="http://schemas.openxmlformats.org/officeDocument/2006/relationships" xmlns:p="http://schemas.openxmlformats.org/presentationml/2006/main">
   <p:cSld>
     <p:spTree>
@@ -5885,38 +5315,45 @@
         </p:nvSpPr>
         <p:spPr/>
         <p:txBody>
-          <a:bodyPr/>
-          <a:lstStyle/>
-          <a:p>
-            <a:r>
-              <a:rPr lang="es-ES_tradnl" dirty="0" err="1" smtClean="0"/>
+          <a:bodyPr>
+            <a:normAutofit/>
+          </a:bodyPr>
+          <a:lstStyle/>
+          <a:p>
+            <a:r>
+              <a:rPr lang="es-ES_tradnl" sz="3600" dirty="0" err="1" smtClean="0"/>
               <a:t>Class</a:t>
             </a:r>
             <a:r>
-              <a:rPr lang="es-ES_tradnl" dirty="0" smtClean="0"/>
+              <a:rPr lang="es-ES_tradnl" sz="3600" dirty="0" smtClean="0"/>
               <a:t> == muchas veces</a:t>
             </a:r>
           </a:p>
           <a:p>
             <a:pPr lvl="1"/>
             <a:r>
-              <a:rPr lang="es-ES_tradnl" dirty="0" smtClean="0"/>
-              <a:t>reutilización</a:t>
-            </a:r>
-          </a:p>
-          <a:p>
-            <a:r>
-              <a:rPr lang="es-ES_tradnl" dirty="0" smtClean="0"/>
+              <a:rPr lang="es-ES_tradnl" sz="3200" dirty="0" smtClean="0"/>
+              <a:t>Reutilización</a:t>
+            </a:r>
+          </a:p>
+          <a:p>
+            <a:pPr marL="457200" lvl="1" indent="0">
+              <a:buNone/>
+            </a:pPr>
+            <a:endParaRPr lang="es-ES_tradnl" sz="3200" dirty="0" smtClean="0"/>
+          </a:p>
+          <a:p>
+            <a:r>
+              <a:rPr lang="es-ES_tradnl" sz="3600" dirty="0" smtClean="0"/>
               <a:t>Id == solo una vez</a:t>
             </a:r>
           </a:p>
           <a:p>
             <a:pPr lvl="1"/>
             <a:r>
-              <a:rPr lang="es-ES_tradnl" dirty="0" smtClean="0"/>
-              <a:t>diferenciación</a:t>
-            </a:r>
-            <a:endParaRPr lang="en-US" dirty="0"/>
+              <a:rPr lang="es-ES_tradnl" sz="3200" dirty="0" smtClean="0"/>
+              <a:t>Diferenciación</a:t>
+            </a:r>
           </a:p>
         </p:txBody>
       </p:sp>
@@ -5933,7 +5370,7 @@
 </p:sld>
 </file>
 
-<file path=ppt/slides/slide2.xml><?xml version="1.0" encoding="utf-8"?>
+<file path=ppt/slides/slide18.xml><?xml version="1.0" encoding="utf-8"?>
 <p:sld xmlns:a="http://schemas.openxmlformats.org/drawingml/2006/main" xmlns:r="http://schemas.openxmlformats.org/officeDocument/2006/relationships" xmlns:p="http://schemas.openxmlformats.org/presentationml/2006/main">
   <p:cSld>
     <p:spTree>
@@ -5952,98 +5389,6 @@
       </p:grpSpPr>
       <p:sp>
         <p:nvSpPr>
-          <p:cNvPr id="2" name="Title 1"/>
-          <p:cNvSpPr>
-            <a:spLocks noGrp="1"/>
-          </p:cNvSpPr>
-          <p:nvPr>
-            <p:ph type="title"/>
-          </p:nvPr>
-        </p:nvSpPr>
-        <p:spPr/>
-        <p:txBody>
-          <a:bodyPr/>
-          <a:lstStyle/>
-          <a:p>
-            <a:r>
-              <a:rPr lang="es-ES_tradnl" dirty="0" err="1" smtClean="0"/>
-              <a:t>Request</a:t>
-            </a:r>
-            <a:r>
-              <a:rPr lang="es-ES_tradnl" dirty="0" smtClean="0"/>
-              <a:t>	</a:t>
-            </a:r>
-            <a:endParaRPr lang="en-US" dirty="0"/>
-          </a:p>
-        </p:txBody>
-      </p:sp>
-      <p:sp>
-        <p:nvSpPr>
-          <p:cNvPr id="3" name="Content Placeholder 2"/>
-          <p:cNvSpPr>
-            <a:spLocks noGrp="1"/>
-          </p:cNvSpPr>
-          <p:nvPr>
-            <p:ph idx="1"/>
-          </p:nvPr>
-        </p:nvSpPr>
-        <p:spPr/>
-        <p:txBody>
-          <a:bodyPr/>
-          <a:lstStyle/>
-          <a:p>
-            <a:r>
-              <a:rPr lang="es-ES_tradnl" dirty="0" smtClean="0"/>
-              <a:t>Usuario envía un </a:t>
-            </a:r>
-            <a:r>
-              <a:rPr lang="es-ES_tradnl" dirty="0" err="1" smtClean="0"/>
-              <a:t>request</a:t>
-            </a:r>
-            <a:r>
-              <a:rPr lang="es-ES_tradnl" dirty="0" smtClean="0"/>
-              <a:t> a un servidor, este procesa y devuelve un </a:t>
-            </a:r>
-            <a:r>
-              <a:rPr lang="es-ES_tradnl" dirty="0" err="1" smtClean="0"/>
-              <a:t>html</a:t>
-            </a:r>
-            <a:endParaRPr lang="es-ES_tradnl" dirty="0" smtClean="0"/>
-          </a:p>
-        </p:txBody>
-      </p:sp>
-    </p:spTree>
-    <p:extLst>
-      <p:ext uri="{BB962C8B-B14F-4D97-AF65-F5344CB8AC3E}">
-        <p14:creationId xmlns:p14="http://schemas.microsoft.com/office/powerpoint/2010/main" val="2884283473"/>
-      </p:ext>
-    </p:extLst>
-  </p:cSld>
-  <p:clrMapOvr>
-    <a:masterClrMapping/>
-  </p:clrMapOvr>
-</p:sld>
-</file>
-
-<file path=ppt/slides/slide20.xml><?xml version="1.0" encoding="utf-8"?>
-<p:sld xmlns:a="http://schemas.openxmlformats.org/drawingml/2006/main" xmlns:r="http://schemas.openxmlformats.org/officeDocument/2006/relationships" xmlns:p="http://schemas.openxmlformats.org/presentationml/2006/main">
-  <p:cSld>
-    <p:spTree>
-      <p:nvGrpSpPr>
-        <p:cNvPr id="1" name=""/>
-        <p:cNvGrpSpPr/>
-        <p:nvPr/>
-      </p:nvGrpSpPr>
-      <p:grpSpPr>
-        <a:xfrm>
-          <a:off x="0" y="0"/>
-          <a:ext cx="0" cy="0"/>
-          <a:chOff x="0" y="0"/>
-          <a:chExt cx="0" cy="0"/>
-        </a:xfrm>
-      </p:grpSpPr>
-      <p:sp>
-        <p:nvSpPr>
           <p:cNvPr id="4" name="Title 3"/>
           <p:cNvSpPr>
             <a:spLocks noGrp="1"/>
@@ -6098,7 +5443,7 @@
 </p:sld>
 </file>
 
-<file path=ppt/slides/slide21.xml><?xml version="1.0" encoding="utf-8"?>
+<file path=ppt/slides/slide19.xml><?xml version="1.0" encoding="utf-8"?>
 <p:sld xmlns:a="http://schemas.openxmlformats.org/drawingml/2006/main" xmlns:r="http://schemas.openxmlformats.org/officeDocument/2006/relationships" xmlns:p="http://schemas.openxmlformats.org/presentationml/2006/main">
   <p:cSld>
     <p:spTree>
@@ -6381,7 +5726,72 @@
 </p:sld>
 </file>
 
-<file path=ppt/slides/slide22.xml><?xml version="1.0" encoding="utf-8"?>
+<file path=ppt/slides/slide2.xml><?xml version="1.0" encoding="utf-8"?>
+<p:sld xmlns:a="http://schemas.openxmlformats.org/drawingml/2006/main" xmlns:r="http://schemas.openxmlformats.org/officeDocument/2006/relationships" xmlns:p="http://schemas.openxmlformats.org/presentationml/2006/main">
+  <p:cSld>
+    <p:spTree>
+      <p:nvGrpSpPr>
+        <p:cNvPr id="1" name=""/>
+        <p:cNvGrpSpPr/>
+        <p:nvPr/>
+      </p:nvGrpSpPr>
+      <p:grpSpPr>
+        <a:xfrm>
+          <a:off x="0" y="0"/>
+          <a:ext cx="0" cy="0"/>
+          <a:chOff x="0" y="0"/>
+          <a:chExt cx="0" cy="0"/>
+        </a:xfrm>
+      </p:grpSpPr>
+      <p:sp>
+        <p:nvSpPr>
+          <p:cNvPr id="2" name="Title 1"/>
+          <p:cNvSpPr>
+            <a:spLocks noGrp="1"/>
+          </p:cNvSpPr>
+          <p:nvPr>
+            <p:ph type="title"/>
+          </p:nvPr>
+        </p:nvSpPr>
+        <p:spPr/>
+        <p:txBody>
+          <a:bodyPr/>
+          <a:lstStyle/>
+          <a:p>
+            <a:r>
+              <a:rPr lang="es-ES_tradnl" dirty="0" smtClean="0"/>
+              <a:t>HTML: </a:t>
+            </a:r>
+            <a:r>
+              <a:rPr lang="en-US" dirty="0" err="1"/>
+              <a:t>HyperText</a:t>
+            </a:r>
+            <a:r>
+              <a:rPr lang="en-US" dirty="0"/>
+              <a:t> Markup </a:t>
+            </a:r>
+            <a:r>
+              <a:rPr lang="en-US" dirty="0" smtClean="0"/>
+              <a:t>Language</a:t>
+            </a:r>
+            <a:endParaRPr lang="en-US" dirty="0"/>
+          </a:p>
+        </p:txBody>
+      </p:sp>
+    </p:spTree>
+    <p:extLst>
+      <p:ext uri="{BB962C8B-B14F-4D97-AF65-F5344CB8AC3E}">
+        <p14:creationId xmlns:p14="http://schemas.microsoft.com/office/powerpoint/2010/main" val="1469098206"/>
+      </p:ext>
+    </p:extLst>
+  </p:cSld>
+  <p:clrMapOvr>
+    <a:masterClrMapping/>
+  </p:clrMapOvr>
+</p:sld>
+</file>
+
+<file path=ppt/slides/slide20.xml><?xml version="1.0" encoding="utf-8"?>
 <p:sld xmlns:a="http://schemas.openxmlformats.org/drawingml/2006/main" xmlns:r="http://schemas.openxmlformats.org/officeDocument/2006/relationships" xmlns:p="http://schemas.openxmlformats.org/presentationml/2006/main">
   <p:cSld>
     <p:spTree>
@@ -6716,7 +6126,7 @@
 </p:sld>
 </file>
 
-<file path=ppt/slides/slide23.xml><?xml version="1.0" encoding="utf-8"?>
+<file path=ppt/slides/slide21.xml><?xml version="1.0" encoding="utf-8"?>
 <p:sld xmlns:a="http://schemas.openxmlformats.org/drawingml/2006/main" xmlns:r="http://schemas.openxmlformats.org/officeDocument/2006/relationships" xmlns:p="http://schemas.openxmlformats.org/presentationml/2006/main">
   <p:cSld>
     <p:spTree>
@@ -6788,14 +6198,25 @@
               <a:rPr lang="es-ES_tradnl" dirty="0" smtClean="0">
                 <a:sym typeface="Wingdings" panose="05000000000000000000" pitchFamily="2" charset="2"/>
               </a:rPr>
-              <a:t> &lt;etiqueta&gt;</a:t>
-            </a:r>
-            <a:endParaRPr lang="es-ES_tradnl" dirty="0" smtClean="0"/>
+              <a:t> &lt;etiqueta</a:t>
+            </a:r>
+            <a:r>
+              <a:rPr lang="es-ES_tradnl" dirty="0" smtClean="0">
+                <a:sym typeface="Wingdings" panose="05000000000000000000" pitchFamily="2" charset="2"/>
+              </a:rPr>
+              <a:t>&gt;</a:t>
+            </a:r>
           </a:p>
           <a:p>
             <a:pPr marL="0" indent="0">
               <a:buNone/>
             </a:pPr>
+            <a:endParaRPr lang="es-ES_tradnl" dirty="0" smtClean="0"/>
+          </a:p>
+          <a:p>
+            <a:pPr marL="0" indent="0">
+              <a:buNone/>
+            </a:pPr>
             <a:r>
               <a:rPr lang="es-ES_tradnl" dirty="0" smtClean="0"/>
               <a:t>.clase </a:t>
@@ -6816,8 +6237,19 @@
               <a:rPr lang="es-ES_tradnl" dirty="0" smtClean="0">
                 <a:sym typeface="Wingdings" panose="05000000000000000000" pitchFamily="2" charset="2"/>
               </a:rPr>
-              <a:t>=“clase”</a:t>
-            </a:r>
+              <a:t>=“clase</a:t>
+            </a:r>
+            <a:r>
+              <a:rPr lang="es-ES_tradnl" dirty="0" smtClean="0">
+                <a:sym typeface="Wingdings" panose="05000000000000000000" pitchFamily="2" charset="2"/>
+              </a:rPr>
+              <a:t>”</a:t>
+            </a:r>
+          </a:p>
+          <a:p>
+            <a:pPr marL="0" indent="0">
+              <a:buNone/>
+            </a:pPr>
             <a:endParaRPr lang="es-ES_tradnl" dirty="0" smtClean="0"/>
           </a:p>
           <a:p>
@@ -6851,7 +6283,7 @@
 </p:sld>
 </file>
 
-<file path=ppt/slides/slide24.xml><?xml version="1.0" encoding="utf-8"?>
+<file path=ppt/slides/slide22.xml><?xml version="1.0" encoding="utf-8"?>
 <p:sld xmlns:a="http://schemas.openxmlformats.org/drawingml/2006/main" xmlns:r="http://schemas.openxmlformats.org/officeDocument/2006/relationships" xmlns:p="http://schemas.openxmlformats.org/presentationml/2006/main">
   <p:cSld>
     <p:spTree>
@@ -7123,7 +6555,7 @@
 </p:sld>
 </file>
 
-<file path=ppt/slides/slide25.xml><?xml version="1.0" encoding="utf-8"?>
+<file path=ppt/slides/slide23.xml><?xml version="1.0" encoding="utf-8"?>
 <p:sld xmlns:a="http://schemas.openxmlformats.org/drawingml/2006/main" xmlns:r="http://schemas.openxmlformats.org/officeDocument/2006/relationships" xmlns:p="http://schemas.openxmlformats.org/presentationml/2006/main">
   <p:cSld>
     <p:spTree>
@@ -7196,7 +6628,7 @@
 </p:sld>
 </file>
 
-<file path=ppt/slides/slide26.xml><?xml version="1.0" encoding="utf-8"?>
+<file path=ppt/slides/slide24.xml><?xml version="1.0" encoding="utf-8"?>
 <p:sld xmlns:a="http://schemas.openxmlformats.org/drawingml/2006/main" xmlns:r="http://schemas.openxmlformats.org/officeDocument/2006/relationships" xmlns:p="http://schemas.openxmlformats.org/presentationml/2006/main">
   <p:cSld>
     <p:spTree>
@@ -7425,7 +6857,7 @@
 </p:sld>
 </file>
 
-<file path=ppt/slides/slide27.xml><?xml version="1.0" encoding="utf-8"?>
+<file path=ppt/slides/slide25.xml><?xml version="1.0" encoding="utf-8"?>
 <p:sld xmlns:a="http://schemas.openxmlformats.org/drawingml/2006/main" xmlns:r="http://schemas.openxmlformats.org/officeDocument/2006/relationships" xmlns:p="http://schemas.openxmlformats.org/presentationml/2006/main">
   <p:cSld>
     <p:spTree>
@@ -7537,7 +6969,7 @@
 </p:sld>
 </file>
 
-<file path=ppt/slides/slide28.xml><?xml version="1.0" encoding="utf-8"?>
+<file path=ppt/slides/slide26.xml><?xml version="1.0" encoding="utf-8"?>
 <p:sld xmlns:a="http://schemas.openxmlformats.org/drawingml/2006/main" xmlns:r="http://schemas.openxmlformats.org/officeDocument/2006/relationships" xmlns:p="http://schemas.openxmlformats.org/presentationml/2006/main">
   <p:cSld>
     <p:spTree>
@@ -7688,7 +7120,7 @@
 </p:sld>
 </file>
 
-<file path=ppt/slides/slide29.xml><?xml version="1.0" encoding="utf-8"?>
+<file path=ppt/slides/slide27.xml><?xml version="1.0" encoding="utf-8"?>
 <p:sld xmlns:a="http://schemas.openxmlformats.org/drawingml/2006/main" xmlns:r="http://schemas.openxmlformats.org/officeDocument/2006/relationships" xmlns:p="http://schemas.openxmlformats.org/presentationml/2006/main">
   <p:cSld>
     <p:spTree>
@@ -7721,8 +7153,12 @@
           <a:lstStyle/>
           <a:p>
             <a:r>
+              <a:rPr lang="es-ES_tradnl" dirty="0" err="1" smtClean="0"/>
+              <a:t>Frameworks</a:t>
+            </a:r>
+            <a:r>
               <a:rPr lang="es-ES_tradnl" dirty="0" smtClean="0"/>
-              <a:t>Para ver	</a:t>
+              <a:t> CSS</a:t>
             </a:r>
             <a:endParaRPr lang="en-US" dirty="0"/>
           </a:p>
@@ -7740,37 +7176,44 @@
         </p:nvSpPr>
         <p:spPr/>
         <p:txBody>
-          <a:bodyPr>
-            <a:normAutofit lnSpcReduction="10000"/>
-          </a:bodyPr>
+          <a:bodyPr/>
           <a:lstStyle/>
           <a:p>
             <a:r>
               <a:rPr lang="en-US" dirty="0" smtClean="0">
                 <a:hlinkClick r:id="rId2"/>
               </a:rPr>
-              <a:t>https://speakerdeck.com/shesho/html-plus-css</a:t>
+              <a:t>http://www.getskeleton.com/</a:t>
             </a:r>
             <a:endParaRPr lang="en-US" dirty="0" smtClean="0"/>
+          </a:p>
+          <a:p>
+            <a:endParaRPr lang="es-ES_tradnl" dirty="0"/>
           </a:p>
           <a:p>
             <a:r>
               <a:rPr lang="en-US" dirty="0" smtClean="0">
                 <a:hlinkClick r:id="rId3"/>
               </a:rPr>
-              <a:t>https://speakerdeck.com/ryhan/introductory-html-and-css</a:t>
+              <a:t>http://twitter.github.io/bootstrap/</a:t>
             </a:r>
             <a:endParaRPr lang="en-US" dirty="0" smtClean="0"/>
           </a:p>
           <a:p>
-            <a:endParaRPr lang="es-ES_tradnl" dirty="0" smtClean="0"/>
-          </a:p>
-          <a:p>
+            <a:endParaRPr lang="es-ES_tradnl" dirty="0"/>
+          </a:p>
+          <a:p>
+            <a:r>
+              <a:rPr lang="en-US" dirty="0">
+                <a:hlinkClick r:id="rId4"/>
+              </a:rPr>
+              <a:t>http://foundation.zurb.com</a:t>
+            </a:r>
             <a:r>
               <a:rPr lang="en-US" dirty="0" smtClean="0">
                 <a:hlinkClick r:id="rId4"/>
               </a:rPr>
-              <a:t>https://speakerdeck.com/lumilux/intro-to-html</a:t>
+              <a:t>/</a:t>
             </a:r>
             <a:endParaRPr lang="en-US" dirty="0" smtClean="0"/>
           </a:p>
@@ -7779,35 +7222,11 @@
           </a:p>
           <a:p>
             <a:r>
-              <a:rPr lang="en-US" dirty="0" smtClean="0">
+              <a:rPr lang="en-US" dirty="0">
                 <a:hlinkClick r:id="rId5"/>
               </a:rPr>
-              <a:t>https://speakerdeck.com/stupig/html-and-css-basics</a:t>
-            </a:r>
-            <a:endParaRPr lang="es-ES_tradnl" dirty="0"/>
-          </a:p>
-          <a:p>
-            <a:endParaRPr lang="es-ES_tradnl" dirty="0" smtClean="0"/>
-          </a:p>
-          <a:p>
-            <a:r>
-              <a:rPr lang="en-US" dirty="0" smtClean="0">
-                <a:hlinkClick r:id="rId6"/>
-              </a:rPr>
-              <a:t>https://speakerdeck.com/pacheco_hn/html-5</a:t>
-            </a:r>
-            <a:endParaRPr lang="en-US" dirty="0" smtClean="0"/>
-          </a:p>
-          <a:p>
-            <a:r>
-              <a:rPr lang="en-US" dirty="0" smtClean="0">
-                <a:hlinkClick r:id="rId7"/>
-              </a:rPr>
-              <a:t>https://speakerdeck.com/slant/html-and-css</a:t>
-            </a:r>
-            <a:endParaRPr lang="en-US" dirty="0" smtClean="0"/>
-          </a:p>
-          <a:p>
+              <a:t>http://purecss.io/</a:t>
+            </a:r>
             <a:endParaRPr lang="en-US" dirty="0"/>
           </a:p>
         </p:txBody>
@@ -7815,7 +7234,7 @@
     </p:spTree>
     <p:extLst>
       <p:ext uri="{BB962C8B-B14F-4D97-AF65-F5344CB8AC3E}">
-        <p14:creationId xmlns:p14="http://schemas.microsoft.com/office/powerpoint/2010/main" val="982115055"/>
+        <p14:creationId xmlns:p14="http://schemas.microsoft.com/office/powerpoint/2010/main" val="2313433037"/>
       </p:ext>
     </p:extLst>
   </p:cSld>
@@ -7825,7 +7244,7 @@
 </p:sld>
 </file>
 
-<file path=ppt/slides/slide3.xml><?xml version="1.0" encoding="utf-8"?>
+<file path=ppt/slides/slide28.xml><?xml version="1.0" encoding="utf-8"?>
 <p:sld xmlns:a="http://schemas.openxmlformats.org/drawingml/2006/main" xmlns:r="http://schemas.openxmlformats.org/officeDocument/2006/relationships" xmlns:p="http://schemas.openxmlformats.org/presentationml/2006/main">
   <p:cSld>
     <p:spTree>
@@ -7859,28 +7278,110 @@
           <a:p>
             <a:r>
               <a:rPr lang="es-ES_tradnl" dirty="0" smtClean="0"/>
-              <a:t>HTML: </a:t>
-            </a:r>
-            <a:r>
-              <a:rPr lang="en-US" dirty="0" err="1"/>
-              <a:t>HyperText</a:t>
-            </a:r>
-            <a:r>
-              <a:rPr lang="en-US" dirty="0"/>
-              <a:t> Markup </a:t>
-            </a:r>
-            <a:r>
-              <a:rPr lang="en-US" dirty="0" smtClean="0"/>
-              <a:t>Language</a:t>
+              <a:t>Recursos</a:t>
             </a:r>
             <a:endParaRPr lang="en-US" dirty="0"/>
+          </a:p>
+        </p:txBody>
+      </p:sp>
+      <p:sp>
+        <p:nvSpPr>
+          <p:cNvPr id="3" name="Content Placeholder 2"/>
+          <p:cNvSpPr>
+            <a:spLocks noGrp="1"/>
+          </p:cNvSpPr>
+          <p:nvPr>
+            <p:ph idx="1"/>
+          </p:nvPr>
+        </p:nvSpPr>
+        <p:spPr/>
+        <p:txBody>
+          <a:bodyPr/>
+          <a:lstStyle/>
+          <a:p>
+            <a:r>
+              <a:rPr lang="es-ES_tradnl" dirty="0">
+                <a:hlinkClick r:id="rId2"/>
+              </a:rPr>
+              <a:t>https://</a:t>
+            </a:r>
+            <a:r>
+              <a:rPr lang="es-ES_tradnl" dirty="0" smtClean="0">
+                <a:hlinkClick r:id="rId2"/>
+              </a:rPr>
+              <a:t>developer.mozilla.org/en-US/docs/Web/HTML</a:t>
+            </a:r>
+            <a:endParaRPr lang="es-ES_tradnl" dirty="0" smtClean="0"/>
+          </a:p>
+          <a:p>
+            <a:r>
+              <a:rPr lang="en-US" dirty="0" smtClean="0">
+                <a:hlinkClick r:id="rId3"/>
+              </a:rPr>
+              <a:t>https</a:t>
+            </a:r>
+            <a:r>
+              <a:rPr lang="en-US" dirty="0">
+                <a:hlinkClick r:id="rId3"/>
+              </a:rPr>
+              <a:t>://developer.mozilla.org/en-US/docs/Web/CSS</a:t>
+            </a:r>
+            <a:endParaRPr lang="es-ES_tradnl" dirty="0" smtClean="0"/>
+          </a:p>
+          <a:p>
+            <a:r>
+              <a:rPr lang="en-US" dirty="0">
+                <a:hlinkClick r:id="rId4"/>
+              </a:rPr>
+              <a:t>http://www.w3.org</a:t>
+            </a:r>
+            <a:r>
+              <a:rPr lang="en-US" dirty="0" smtClean="0">
+                <a:hlinkClick r:id="rId4"/>
+              </a:rPr>
+              <a:t>/</a:t>
+            </a:r>
+            <a:endParaRPr lang="en-US" dirty="0" smtClean="0"/>
+          </a:p>
+          <a:p>
+            <a:r>
+              <a:rPr lang="en-US" dirty="0">
+                <a:hlinkClick r:id="rId5"/>
+              </a:rPr>
+              <a:t>http://validator.w3.org/</a:t>
+            </a:r>
+            <a:endParaRPr lang="en-US" dirty="0" smtClean="0"/>
+          </a:p>
+          <a:p>
+            <a:r>
+              <a:rPr lang="en-US" dirty="0">
+                <a:hlinkClick r:id="rId6"/>
+              </a:rPr>
+              <a:t>http://</a:t>
+            </a:r>
+            <a:r>
+              <a:rPr lang="en-US" dirty="0" smtClean="0">
+                <a:hlinkClick r:id="rId6"/>
+              </a:rPr>
+              <a:t>www.codecademy.com/tracks/web</a:t>
+            </a:r>
+            <a:endParaRPr lang="en-US" dirty="0" smtClean="0"/>
+          </a:p>
+          <a:p>
+            <a:r>
+              <a:rPr lang="en-US" dirty="0">
+                <a:hlinkClick r:id="rId7"/>
+              </a:rPr>
+              <a:t>http://www.w3schools.com/</a:t>
+            </a:r>
+            <a:endParaRPr lang="es-ES_tradnl" dirty="0" smtClean="0"/>
           </a:p>
         </p:txBody>
       </p:sp>
     </p:spTree>
     <p:extLst>
       <p:ext uri="{BB962C8B-B14F-4D97-AF65-F5344CB8AC3E}">
-        <p14:creationId xmlns:p14="http://schemas.microsoft.com/office/powerpoint/2010/main" val="1469098206"/>
+        <p14:creationId xmlns:p14="http://schemas.microsoft.com/office/powerpoint/2010/main" val="1310797858"/>
       </p:ext>
     </p:extLst>
   </p:cSld>
@@ -7890,8 +7391,8 @@
 </p:sld>
 </file>
 
-<file path=ppt/slides/slide30.xml><?xml version="1.0" encoding="utf-8"?>
-<p:sld xmlns:a="http://schemas.openxmlformats.org/drawingml/2006/main" xmlns:r="http://schemas.openxmlformats.org/officeDocument/2006/relationships" xmlns:p="http://schemas.openxmlformats.org/presentationml/2006/main">
+<file path=ppt/slides/slide29.xml><?xml version="1.0" encoding="utf-8"?>
+<p:sld xmlns:a="http://schemas.openxmlformats.org/drawingml/2006/main" xmlns:r="http://schemas.openxmlformats.org/officeDocument/2006/relationships" xmlns:p="http://schemas.openxmlformats.org/presentationml/2006/main" show="0">
   <p:cSld>
     <p:spTree>
       <p:nvGrpSpPr>
@@ -7923,12 +7424,8 @@
           <a:lstStyle/>
           <a:p>
             <a:r>
-              <a:rPr lang="es-ES_tradnl" dirty="0" err="1" smtClean="0"/>
-              <a:t>Frameworks</a:t>
-            </a:r>
-            <a:r>
               <a:rPr lang="es-ES_tradnl" dirty="0" smtClean="0"/>
-              <a:t> CSS</a:t>
+              <a:t>Para ver	</a:t>
             </a:r>
             <a:endParaRPr lang="en-US" dirty="0"/>
           </a:p>
@@ -7946,50 +7443,37 @@
         </p:nvSpPr>
         <p:spPr/>
         <p:txBody>
-          <a:bodyPr/>
+          <a:bodyPr>
+            <a:normAutofit lnSpcReduction="10000"/>
+          </a:bodyPr>
           <a:lstStyle/>
           <a:p>
             <a:r>
               <a:rPr lang="en-US" dirty="0" smtClean="0">
                 <a:hlinkClick r:id="rId2"/>
               </a:rPr>
-              <a:t>http://www.getskeleton.com/</a:t>
+              <a:t>https://speakerdeck.com/shesho/html-plus-css</a:t>
             </a:r>
             <a:endParaRPr lang="en-US" dirty="0" smtClean="0"/>
-          </a:p>
-          <a:p>
-            <a:endParaRPr lang="es-ES_tradnl" dirty="0"/>
           </a:p>
           <a:p>
             <a:r>
               <a:rPr lang="en-US" dirty="0" smtClean="0">
                 <a:hlinkClick r:id="rId3"/>
               </a:rPr>
-              <a:t>http://twitter.github.io/bootstrap</a:t>
-            </a:r>
-            <a:r>
-              <a:rPr lang="en-US" dirty="0" smtClean="0">
-                <a:hlinkClick r:id="rId3"/>
-              </a:rPr>
-              <a:t>/</a:t>
+              <a:t>https://speakerdeck.com/ryhan/introductory-html-and-css</a:t>
             </a:r>
             <a:endParaRPr lang="en-US" dirty="0" smtClean="0"/>
           </a:p>
           <a:p>
-            <a:endParaRPr lang="es-ES_tradnl" dirty="0"/>
-          </a:p>
-          <a:p>
-            <a:r>
-              <a:rPr lang="en-US" dirty="0">
-                <a:hlinkClick r:id="rId4"/>
-              </a:rPr>
-              <a:t>http://foundation.zurb.com</a:t>
-            </a:r>
+            <a:endParaRPr lang="es-ES_tradnl" dirty="0" smtClean="0"/>
+          </a:p>
+          <a:p>
             <a:r>
               <a:rPr lang="en-US" dirty="0" smtClean="0">
                 <a:hlinkClick r:id="rId4"/>
               </a:rPr>
-              <a:t>/</a:t>
+              <a:t>https://speakerdeck.com/lumilux/intro-to-html</a:t>
             </a:r>
             <a:endParaRPr lang="en-US" dirty="0" smtClean="0"/>
           </a:p>
@@ -7998,11 +7482,35 @@
           </a:p>
           <a:p>
             <a:r>
-              <a:rPr lang="en-US" dirty="0">
+              <a:rPr lang="en-US" dirty="0" smtClean="0">
                 <a:hlinkClick r:id="rId5"/>
               </a:rPr>
-              <a:t>http://purecss.io/</a:t>
-            </a:r>
+              <a:t>https://speakerdeck.com/stupig/html-and-css-basics</a:t>
+            </a:r>
+            <a:endParaRPr lang="es-ES_tradnl" dirty="0"/>
+          </a:p>
+          <a:p>
+            <a:endParaRPr lang="es-ES_tradnl" dirty="0" smtClean="0"/>
+          </a:p>
+          <a:p>
+            <a:r>
+              <a:rPr lang="en-US" dirty="0" smtClean="0">
+                <a:hlinkClick r:id="rId6"/>
+              </a:rPr>
+              <a:t>https://speakerdeck.com/pacheco_hn/html-5</a:t>
+            </a:r>
+            <a:endParaRPr lang="en-US" dirty="0" smtClean="0"/>
+          </a:p>
+          <a:p>
+            <a:r>
+              <a:rPr lang="en-US" dirty="0" smtClean="0">
+                <a:hlinkClick r:id="rId7"/>
+              </a:rPr>
+              <a:t>https://speakerdeck.com/slant/html-and-css</a:t>
+            </a:r>
+            <a:endParaRPr lang="en-US" dirty="0" smtClean="0"/>
+          </a:p>
+          <a:p>
             <a:endParaRPr lang="en-US" dirty="0"/>
           </a:p>
         </p:txBody>
@@ -8010,164 +7518,25 @@
     </p:spTree>
     <p:extLst>
       <p:ext uri="{BB962C8B-B14F-4D97-AF65-F5344CB8AC3E}">
-        <p14:creationId xmlns:p14="http://schemas.microsoft.com/office/powerpoint/2010/main" val="2313433037"/>
+        <p14:creationId xmlns:p14="http://schemas.microsoft.com/office/powerpoint/2010/main" val="982115055"/>
       </p:ext>
     </p:extLst>
   </p:cSld>
   <p:clrMapOvr>
     <a:masterClrMapping/>
   </p:clrMapOvr>
+  <mc:AlternateContent xmlns:mc="http://schemas.openxmlformats.org/markup-compatibility/2006">
+    <mc:Choice xmlns:p14="http://schemas.microsoft.com/office/powerpoint/2010/main" Requires="p14">
+      <p:transition spd="slow" p14:dur="2000"/>
+    </mc:Choice>
+    <mc:Fallback>
+      <p:transition spd="slow"/>
+    </mc:Fallback>
+  </mc:AlternateContent>
 </p:sld>
 </file>
 
-<file path=ppt/slides/slide31.xml><?xml version="1.0" encoding="utf-8"?>
-<p:sld xmlns:a="http://schemas.openxmlformats.org/drawingml/2006/main" xmlns:r="http://schemas.openxmlformats.org/officeDocument/2006/relationships" xmlns:p="http://schemas.openxmlformats.org/presentationml/2006/main">
-  <p:cSld>
-    <p:spTree>
-      <p:nvGrpSpPr>
-        <p:cNvPr id="1" name=""/>
-        <p:cNvGrpSpPr/>
-        <p:nvPr/>
-      </p:nvGrpSpPr>
-      <p:grpSpPr>
-        <a:xfrm>
-          <a:off x="0" y="0"/>
-          <a:ext cx="0" cy="0"/>
-          <a:chOff x="0" y="0"/>
-          <a:chExt cx="0" cy="0"/>
-        </a:xfrm>
-      </p:grpSpPr>
-      <p:sp>
-        <p:nvSpPr>
-          <p:cNvPr id="2" name="Title 1"/>
-          <p:cNvSpPr>
-            <a:spLocks noGrp="1"/>
-          </p:cNvSpPr>
-          <p:nvPr>
-            <p:ph type="title"/>
-          </p:nvPr>
-        </p:nvSpPr>
-        <p:spPr/>
-        <p:txBody>
-          <a:bodyPr/>
-          <a:lstStyle/>
-          <a:p>
-            <a:r>
-              <a:rPr lang="es-ES_tradnl" dirty="0" smtClean="0"/>
-              <a:t>Recursos</a:t>
-            </a:r>
-            <a:endParaRPr lang="en-US" dirty="0"/>
-          </a:p>
-        </p:txBody>
-      </p:sp>
-      <p:sp>
-        <p:nvSpPr>
-          <p:cNvPr id="3" name="Content Placeholder 2"/>
-          <p:cNvSpPr>
-            <a:spLocks noGrp="1"/>
-          </p:cNvSpPr>
-          <p:nvPr>
-            <p:ph idx="1"/>
-          </p:nvPr>
-        </p:nvSpPr>
-        <p:spPr/>
-        <p:txBody>
-          <a:bodyPr/>
-          <a:lstStyle/>
-          <a:p>
-            <a:r>
-              <a:rPr lang="es-ES_tradnl" dirty="0">
-                <a:hlinkClick r:id="rId2"/>
-              </a:rPr>
-              <a:t>https://</a:t>
-            </a:r>
-            <a:r>
-              <a:rPr lang="es-ES_tradnl" dirty="0" smtClean="0">
-                <a:hlinkClick r:id="rId2"/>
-              </a:rPr>
-              <a:t>developer.mozilla.org/en-US/docs/Web/HTML</a:t>
-            </a:r>
-            <a:endParaRPr lang="es-ES_tradnl" dirty="0" smtClean="0"/>
-          </a:p>
-          <a:p>
-            <a:r>
-              <a:rPr lang="en-US" dirty="0" smtClean="0">
-                <a:hlinkClick r:id="rId3"/>
-              </a:rPr>
-              <a:t>https</a:t>
-            </a:r>
-            <a:r>
-              <a:rPr lang="en-US" dirty="0">
-                <a:hlinkClick r:id="rId3"/>
-              </a:rPr>
-              <a:t>://developer.mozilla.org/en-US/docs/Web/CSS</a:t>
-            </a:r>
-            <a:endParaRPr lang="es-ES_tradnl" dirty="0" smtClean="0"/>
-          </a:p>
-          <a:p>
-            <a:r>
-              <a:rPr lang="en-US" dirty="0">
-                <a:hlinkClick r:id="rId4"/>
-              </a:rPr>
-              <a:t>http://www.w3.org</a:t>
-            </a:r>
-            <a:r>
-              <a:rPr lang="en-US" dirty="0" smtClean="0">
-                <a:hlinkClick r:id="rId4"/>
-              </a:rPr>
-              <a:t>/</a:t>
-            </a:r>
-            <a:endParaRPr lang="en-US" dirty="0" smtClean="0"/>
-          </a:p>
-          <a:p>
-            <a:r>
-              <a:rPr lang="en-US" dirty="0">
-                <a:hlinkClick r:id="rId5"/>
-              </a:rPr>
-              <a:t>http://validator.w3.org/</a:t>
-            </a:r>
-            <a:endParaRPr lang="en-US" dirty="0" smtClean="0"/>
-          </a:p>
-          <a:p>
-            <a:r>
-              <a:rPr lang="en-US" dirty="0">
-                <a:hlinkClick r:id="rId6"/>
-              </a:rPr>
-              <a:t>http://</a:t>
-            </a:r>
-            <a:r>
-              <a:rPr lang="en-US" dirty="0" smtClean="0">
-                <a:hlinkClick r:id="rId6"/>
-              </a:rPr>
-              <a:t>www.codecademy.com/tracks/web</a:t>
-            </a:r>
-            <a:endParaRPr lang="en-US" dirty="0" smtClean="0"/>
-          </a:p>
-          <a:p>
-            <a:r>
-              <a:rPr lang="en-US" dirty="0">
-                <a:hlinkClick r:id="rId7"/>
-              </a:rPr>
-              <a:t>http://www.w3schools.com/</a:t>
-            </a:r>
-            <a:endParaRPr lang="es-ES_tradnl" dirty="0" smtClean="0"/>
-          </a:p>
-        </p:txBody>
-      </p:sp>
-    </p:spTree>
-    <p:extLst>
-      <p:ext uri="{BB962C8B-B14F-4D97-AF65-F5344CB8AC3E}">
-        <p14:creationId xmlns:p14="http://schemas.microsoft.com/office/powerpoint/2010/main" val="1310797858"/>
-      </p:ext>
-    </p:extLst>
-  </p:cSld>
-  <p:clrMapOvr>
-    <a:masterClrMapping/>
-  </p:clrMapOvr>
-</p:sld>
-</file>
-
-<file path=ppt/slides/slide4.xml><?xml version="1.0" encoding="utf-8"?>
+<file path=ppt/slides/slide3.xml><?xml version="1.0" encoding="utf-8"?>
 <p:sld xmlns:a="http://schemas.openxmlformats.org/drawingml/2006/main" xmlns:r="http://schemas.openxmlformats.org/officeDocument/2006/relationships" xmlns:p="http://schemas.openxmlformats.org/presentationml/2006/main">
   <p:cSld>
     <p:spTree>
@@ -8192,10 +7561,10 @@
         </p:nvGrpSpPr>
         <p:grpSpPr>
           <a:xfrm>
-            <a:off x="3440981" y="994884"/>
-            <a:ext cx="5310038" cy="4868233"/>
-            <a:chOff x="2852438" y="1196165"/>
-            <a:chExt cx="5310038" cy="4868233"/>
+            <a:off x="3018885" y="469269"/>
+            <a:ext cx="6154230" cy="5919462"/>
+            <a:chOff x="2430342" y="549780"/>
+            <a:chExt cx="6154230" cy="5919462"/>
           </a:xfrm>
         </p:grpSpPr>
         <p:sp>
@@ -8206,8 +7575,8 @@
           </p:nvSpPr>
           <p:spPr>
             <a:xfrm>
-              <a:off x="2852438" y="1196165"/>
-              <a:ext cx="2869780" cy="2869780"/>
+              <a:off x="2430342" y="549780"/>
+              <a:ext cx="3472434" cy="3472434"/>
             </a:xfrm>
             <a:prstGeom prst="ellipse">
               <a:avLst/>
@@ -8240,7 +7609,7 @@
             <a:p>
               <a:pPr algn="ctr"/>
               <a:r>
-                <a:rPr lang="es-ES_tradnl" sz="3200" b="1" dirty="0">
+                <a:rPr lang="es-ES_tradnl" sz="4000" b="1" dirty="0">
                   <a:ln w="3175">
                     <a:solidFill>
                       <a:schemeClr val="tx1">
@@ -8252,7 +7621,7 @@
                 </a:rPr>
                 <a:t>HTML</a:t>
               </a:r>
-              <a:endParaRPr lang="en-US" sz="3200" b="1" dirty="0">
+              <a:endParaRPr lang="en-US" sz="4000" b="1" dirty="0">
                 <a:ln w="3175">
                   <a:solidFill>
                     <a:schemeClr val="tx1">
@@ -8273,8 +7642,8 @@
           </p:nvSpPr>
           <p:spPr>
             <a:xfrm>
-              <a:off x="5292696" y="1196165"/>
-              <a:ext cx="2869780" cy="2869780"/>
+              <a:off x="5112138" y="549780"/>
+              <a:ext cx="3472434" cy="3472434"/>
             </a:xfrm>
             <a:prstGeom prst="ellipse">
               <a:avLst/>
@@ -8307,7 +7676,7 @@
             <a:p>
               <a:pPr algn="ctr"/>
               <a:r>
-                <a:rPr lang="es-ES_tradnl" sz="3200" b="1" dirty="0">
+                <a:rPr lang="es-ES_tradnl" sz="4000" b="1" dirty="0">
                   <a:ln w="3175">
                     <a:solidFill>
                       <a:schemeClr val="tx1">
@@ -8319,7 +7688,7 @@
                 </a:rPr>
                 <a:t>CSS</a:t>
               </a:r>
-              <a:endParaRPr lang="en-US" sz="3200" b="1" dirty="0">
+              <a:endParaRPr lang="en-US" sz="4000" b="1" dirty="0">
                 <a:ln w="3175">
                   <a:solidFill>
                     <a:schemeClr val="tx1">
@@ -8340,8 +7709,8 @@
           </p:nvSpPr>
           <p:spPr>
             <a:xfrm>
-              <a:off x="4072567" y="3194618"/>
-              <a:ext cx="2869780" cy="2869780"/>
+              <a:off x="3771240" y="2996808"/>
+              <a:ext cx="3472434" cy="3472434"/>
             </a:xfrm>
             <a:prstGeom prst="ellipse">
               <a:avLst/>
@@ -8374,7 +7743,7 @@
             <a:p>
               <a:pPr algn="ctr"/>
               <a:r>
-                <a:rPr lang="es-ES_tradnl" sz="3200" b="1" dirty="0" smtClean="0">
+                <a:rPr lang="es-ES_tradnl" sz="4000" b="1" dirty="0" smtClean="0">
                   <a:ln w="3175">
                     <a:solidFill>
                       <a:schemeClr val="tx1">
@@ -8386,7 +7755,7 @@
                 </a:rPr>
                 <a:t>JavaScript</a:t>
               </a:r>
-              <a:endParaRPr lang="en-US" b="1" dirty="0">
+              <a:endParaRPr lang="en-US" sz="2400" b="1" dirty="0">
                 <a:ln w="3175">
                   <a:solidFill>
                     <a:schemeClr val="tx1">
@@ -8413,7 +7782,7 @@
 </p:sld>
 </file>
 
-<file path=ppt/slides/slide5.xml><?xml version="1.0" encoding="utf-8"?>
+<file path=ppt/slides/slide4.xml><?xml version="1.0" encoding="utf-8"?>
 <p:sld xmlns:a="http://schemas.openxmlformats.org/drawingml/2006/main" xmlns:r="http://schemas.openxmlformats.org/officeDocument/2006/relationships" xmlns:p="http://schemas.openxmlformats.org/presentationml/2006/main">
   <p:cSld>
     <p:spTree>
@@ -8438,8 +7807,8 @@
         </p:nvSpPr>
         <p:spPr>
           <a:xfrm>
-            <a:off x="1129103" y="958942"/>
-            <a:ext cx="2869780" cy="2869780"/>
+            <a:off x="827776" y="657615"/>
+            <a:ext cx="3472434" cy="3472434"/>
           </a:xfrm>
           <a:prstGeom prst="ellipse">
             <a:avLst/>
@@ -8472,7 +7841,7 @@
           <a:p>
             <a:pPr algn="ctr"/>
             <a:r>
-              <a:rPr lang="es-ES_tradnl" sz="3200" b="1" dirty="0">
+              <a:rPr lang="es-ES_tradnl" sz="4400" b="1" dirty="0">
                 <a:ln w="3175">
                   <a:solidFill>
                     <a:schemeClr val="tx1">
@@ -8505,8 +7874,8 @@
         </p:nvSpPr>
         <p:spPr>
           <a:xfrm>
-            <a:off x="8543640" y="946910"/>
-            <a:ext cx="2869780" cy="2869780"/>
+            <a:off x="8242313" y="645583"/>
+            <a:ext cx="3472434" cy="3472434"/>
           </a:xfrm>
           <a:prstGeom prst="ellipse">
             <a:avLst/>
@@ -8539,7 +7908,7 @@
           <a:p>
             <a:pPr algn="ctr"/>
             <a:r>
-              <a:rPr lang="es-ES_tradnl" sz="3200" b="1" dirty="0" smtClean="0">
+              <a:rPr lang="es-ES_tradnl" sz="4000" b="1" dirty="0" smtClean="0">
                 <a:ln w="3175">
                   <a:solidFill>
                     <a:schemeClr val="tx1">
@@ -8572,13 +7941,13 @@
         </p:nvSpPr>
         <p:spPr>
           <a:xfrm>
-            <a:off x="1485939" y="4109399"/>
+            <a:off x="1485939" y="4566163"/>
             <a:ext cx="2156108" cy="896977"/>
           </a:xfrm>
           <a:prstGeom prst="wedgeRoundRectCallout">
             <a:avLst>
-              <a:gd name="adj1" fmla="val 17367"/>
-              <a:gd name="adj2" fmla="val -117869"/>
+              <a:gd name="adj1" fmla="val 10965"/>
+              <a:gd name="adj2" fmla="val -125563"/>
               <a:gd name="adj3" fmla="val 16667"/>
             </a:avLst>
           </a:prstGeom>
@@ -8620,7 +7989,7 @@
         </p:nvSpPr>
         <p:spPr>
           <a:xfrm>
-            <a:off x="8400151" y="4097367"/>
+            <a:off x="8400151" y="4566163"/>
             <a:ext cx="3156758" cy="896977"/>
           </a:xfrm>
           <a:prstGeom prst="wedgeRoundRectCallout">
@@ -8668,10 +8037,10 @@
         </p:nvGrpSpPr>
         <p:grpSpPr>
           <a:xfrm>
-            <a:off x="4764627" y="946910"/>
-            <a:ext cx="2869780" cy="4047434"/>
-            <a:chOff x="8400151" y="958942"/>
-            <a:chExt cx="2869780" cy="4047434"/>
+            <a:off x="4535044" y="657615"/>
+            <a:ext cx="3472434" cy="4817557"/>
+            <a:chOff x="8098824" y="657615"/>
+            <a:chExt cx="3472434" cy="4817557"/>
           </a:xfrm>
         </p:grpSpPr>
         <p:sp>
@@ -8682,8 +8051,8 @@
           </p:nvSpPr>
           <p:spPr>
             <a:xfrm>
-              <a:off x="8400151" y="958942"/>
-              <a:ext cx="2869780" cy="2869780"/>
+              <a:off x="8098824" y="657615"/>
+              <a:ext cx="3472434" cy="3472434"/>
             </a:xfrm>
             <a:prstGeom prst="ellipse">
               <a:avLst/>
@@ -8716,7 +8085,7 @@
             <a:p>
               <a:pPr algn="ctr"/>
               <a:r>
-                <a:rPr lang="es-ES_tradnl" sz="3200" b="1" dirty="0">
+                <a:rPr lang="es-ES_tradnl" sz="4400" b="1" dirty="0">
                   <a:ln w="3175">
                     <a:solidFill>
                       <a:schemeClr val="tx1">
@@ -8749,13 +8118,13 @@
           </p:nvSpPr>
           <p:spPr>
             <a:xfrm>
-              <a:off x="8530595" y="4109399"/>
+              <a:off x="8530595" y="4578195"/>
               <a:ext cx="2608891" cy="896977"/>
             </a:xfrm>
             <a:prstGeom prst="wedgeRoundRectCallout">
               <a:avLst>
-                <a:gd name="adj1" fmla="val 7996"/>
-                <a:gd name="adj2" fmla="val -108252"/>
+                <a:gd name="adj1" fmla="val 10641"/>
+                <a:gd name="adj2" fmla="val -127486"/>
                 <a:gd name="adj3" fmla="val 16667"/>
               </a:avLst>
             </a:prstGeom>
@@ -8803,131 +8172,7 @@
 </p:sld>
 </file>
 
-<file path=ppt/slides/slide6.xml><?xml version="1.0" encoding="utf-8"?>
-<p:sld xmlns:a="http://schemas.openxmlformats.org/drawingml/2006/main" xmlns:r="http://schemas.openxmlformats.org/officeDocument/2006/relationships" xmlns:p="http://schemas.openxmlformats.org/presentationml/2006/main">
-  <p:cSld>
-    <p:spTree>
-      <p:nvGrpSpPr>
-        <p:cNvPr id="1" name=""/>
-        <p:cNvGrpSpPr/>
-        <p:nvPr/>
-      </p:nvGrpSpPr>
-      <p:grpSpPr>
-        <a:xfrm>
-          <a:off x="0" y="0"/>
-          <a:ext cx="0" cy="0"/>
-          <a:chOff x="0" y="0"/>
-          <a:chExt cx="0" cy="0"/>
-        </a:xfrm>
-      </p:grpSpPr>
-      <p:sp>
-        <p:nvSpPr>
-          <p:cNvPr id="2" name="Title 1"/>
-          <p:cNvSpPr>
-            <a:spLocks noGrp="1"/>
-          </p:cNvSpPr>
-          <p:nvPr>
-            <p:ph type="title"/>
-          </p:nvPr>
-        </p:nvSpPr>
-        <p:spPr/>
-        <p:txBody>
-          <a:bodyPr/>
-          <a:lstStyle/>
-          <a:p>
-            <a:endParaRPr lang="en-US"/>
-          </a:p>
-        </p:txBody>
-      </p:sp>
-      <p:sp>
-        <p:nvSpPr>
-          <p:cNvPr id="3" name="Content Placeholder 2"/>
-          <p:cNvSpPr>
-            <a:spLocks noGrp="1"/>
-          </p:cNvSpPr>
-          <p:nvPr>
-            <p:ph idx="1"/>
-          </p:nvPr>
-        </p:nvSpPr>
-        <p:spPr/>
-        <p:txBody>
-          <a:bodyPr/>
-          <a:lstStyle/>
-          <a:p>
-            <a:r>
-              <a:rPr lang="es-ES_tradnl" dirty="0" smtClean="0"/>
-              <a:t>HTML : Contenido // que</a:t>
-            </a:r>
-          </a:p>
-          <a:p>
-            <a:pPr lvl="1"/>
-            <a:r>
-              <a:rPr lang="es-ES_tradnl" dirty="0" smtClean="0"/>
-              <a:t>&lt;p&gt;Hola mundo&lt;/p&gt;</a:t>
-            </a:r>
-          </a:p>
-          <a:p>
-            <a:r>
-              <a:rPr lang="es-ES_tradnl" dirty="0" smtClean="0"/>
-              <a:t>CSS: presentación //como</a:t>
-            </a:r>
-          </a:p>
-          <a:p>
-            <a:pPr lvl="1"/>
-            <a:r>
-              <a:rPr lang="es-ES_tradnl" dirty="0" smtClean="0"/>
-              <a:t>p { font-size:2em; </a:t>
-            </a:r>
-            <a:r>
-              <a:rPr lang="es-ES_tradnl" dirty="0" err="1" smtClean="0"/>
-              <a:t>font-weight:bold</a:t>
-            </a:r>
-            <a:r>
-              <a:rPr lang="es-ES_tradnl" dirty="0" smtClean="0"/>
-              <a:t>; </a:t>
-            </a:r>
-            <a:r>
-              <a:rPr lang="es-ES_tradnl" dirty="0" err="1" smtClean="0"/>
-              <a:t>color:red</a:t>
-            </a:r>
-            <a:r>
-              <a:rPr lang="es-ES_tradnl" dirty="0" smtClean="0"/>
-              <a:t>; </a:t>
-            </a:r>
-            <a:r>
-              <a:rPr lang="es-ES_tradnl" dirty="0" err="1" smtClean="0"/>
-              <a:t>background</a:t>
-            </a:r>
-            <a:r>
-              <a:rPr lang="es-ES_tradnl" dirty="0" smtClean="0"/>
-              <a:t>-color: </a:t>
-            </a:r>
-            <a:r>
-              <a:rPr lang="es-ES_tradnl" dirty="0" err="1" smtClean="0"/>
-              <a:t>black</a:t>
-            </a:r>
-            <a:r>
-              <a:rPr lang="es-ES_tradnl" dirty="0" smtClean="0"/>
-              <a:t>;}</a:t>
-            </a:r>
-            <a:endParaRPr lang="en-US" dirty="0"/>
-          </a:p>
-        </p:txBody>
-      </p:sp>
-    </p:spTree>
-    <p:extLst>
-      <p:ext uri="{BB962C8B-B14F-4D97-AF65-F5344CB8AC3E}">
-        <p14:creationId xmlns:p14="http://schemas.microsoft.com/office/powerpoint/2010/main" val="3215222923"/>
-      </p:ext>
-    </p:extLst>
-  </p:cSld>
-  <p:clrMapOvr>
-    <a:masterClrMapping/>
-  </p:clrMapOvr>
-</p:sld>
-</file>
-
-<file path=ppt/slides/slide7.xml><?xml version="1.0" encoding="utf-8"?>
+<file path=ppt/slides/slide5.xml><?xml version="1.0" encoding="utf-8"?>
 <p:sld xmlns:a="http://schemas.openxmlformats.org/drawingml/2006/main" xmlns:r="http://schemas.openxmlformats.org/officeDocument/2006/relationships" xmlns:p="http://schemas.openxmlformats.org/presentationml/2006/main">
   <p:cSld>
     <p:spTree>
@@ -8952,10 +8197,10 @@
         </p:nvGrpSpPr>
         <p:grpSpPr>
           <a:xfrm>
-            <a:off x="2783347" y="901336"/>
-            <a:ext cx="6625306" cy="5055328"/>
-            <a:chOff x="2783347" y="945405"/>
-            <a:chExt cx="6625306" cy="5055328"/>
+            <a:off x="2783347" y="903703"/>
+            <a:ext cx="6625306" cy="5052961"/>
+            <a:chOff x="2783347" y="947772"/>
+            <a:chExt cx="6625306" cy="5052961"/>
           </a:xfrm>
         </p:grpSpPr>
         <p:grpSp>
@@ -9365,8 +8610,8 @@
           </p:nvSpPr>
           <p:spPr>
             <a:xfrm>
-              <a:off x="5747133" y="945405"/>
-              <a:ext cx="782587" cy="584775"/>
+              <a:off x="4744574" y="947772"/>
+              <a:ext cx="2778133" cy="584775"/>
             </a:xfrm>
             <a:prstGeom prst="rect">
               <a:avLst/>
@@ -9385,7 +8630,7 @@
                     <a:srgbClr val="C00000"/>
                   </a:solidFill>
                 </a:rPr>
-                <a:t>CSS</a:t>
+                <a:t>CSS / JavaScript</a:t>
               </a:r>
               <a:endParaRPr lang="en-US" sz="3200" dirty="0">
                 <a:solidFill>
@@ -9577,7 +8822,7 @@
 </p:sld>
 </file>
 
-<file path=ppt/slides/slide8.xml><?xml version="1.0" encoding="utf-8"?>
+<file path=ppt/slides/slide6.xml><?xml version="1.0" encoding="utf-8"?>
 <p:sld xmlns:a="http://schemas.openxmlformats.org/drawingml/2006/main" xmlns:r="http://schemas.openxmlformats.org/officeDocument/2006/relationships" xmlns:p="http://schemas.openxmlformats.org/presentationml/2006/main">
   <p:cSld>
     <p:spTree>
@@ -9803,7 +9048,7 @@
 </p:sld>
 </file>
 
-<file path=ppt/slides/slide9.xml><?xml version="1.0" encoding="utf-8"?>
+<file path=ppt/slides/slide7.xml><?xml version="1.0" encoding="utf-8"?>
 <p:sld xmlns:a="http://schemas.openxmlformats.org/drawingml/2006/main" xmlns:r="http://schemas.openxmlformats.org/officeDocument/2006/relationships" xmlns:p="http://schemas.openxmlformats.org/presentationml/2006/main">
   <p:cSld>
     <p:spTree>
@@ -9874,7 +9119,15 @@
                   <a:schemeClr val="accent2"/>
                 </a:solidFill>
               </a:rPr>
-              <a:t>&lt;</a:t>
+              <a:t>&lt;etiqueta </a:t>
+            </a:r>
+            <a:r>
+              <a:rPr lang="es-ES_tradnl" b="1" dirty="0" smtClean="0">
+                <a:solidFill>
+                  <a:schemeClr val="accent2"/>
+                </a:solidFill>
+              </a:rPr>
+              <a:t>atributo</a:t>
             </a:r>
             <a:r>
               <a:rPr lang="es-ES_tradnl" dirty="0" smtClean="0">
@@ -9882,7 +9135,7 @@
                   <a:schemeClr val="accent2"/>
                 </a:solidFill>
               </a:rPr>
-              <a:t>etiqueta </a:t>
+              <a:t>=“</a:t>
             </a:r>
             <a:r>
               <a:rPr lang="es-ES_tradnl" b="1" dirty="0" smtClean="0">
@@ -9890,7 +9143,7 @@
                   <a:schemeClr val="accent2"/>
                 </a:solidFill>
               </a:rPr>
-              <a:t>atributo</a:t>
+              <a:t>valor</a:t>
             </a:r>
             <a:r>
               <a:rPr lang="es-ES_tradnl" dirty="0" smtClean="0">
@@ -9898,29 +9151,8 @@
                   <a:schemeClr val="accent2"/>
                 </a:solidFill>
               </a:rPr>
-              <a:t>=“</a:t>
-            </a:r>
-            <a:r>
-              <a:rPr lang="es-ES_tradnl" b="1" dirty="0" smtClean="0">
-                <a:solidFill>
-                  <a:schemeClr val="accent2"/>
-                </a:solidFill>
-              </a:rPr>
-              <a:t>valor</a:t>
-            </a:r>
-            <a:r>
-              <a:rPr lang="es-ES_tradnl" dirty="0" smtClean="0">
-                <a:solidFill>
-                  <a:schemeClr val="accent2"/>
-                </a:solidFill>
-              </a:rPr>
               <a:t>”&gt;</a:t>
             </a:r>
-            <a:endParaRPr lang="es-ES_tradnl" dirty="0" smtClean="0">
-              <a:solidFill>
-                <a:schemeClr val="accent2"/>
-              </a:solidFill>
-            </a:endParaRPr>
           </a:p>
           <a:p>
             <a:pPr marL="0" indent="0">
@@ -10019,6 +9251,554 @@
     <p:extLst>
       <p:ext uri="{BB962C8B-B14F-4D97-AF65-F5344CB8AC3E}">
         <p14:creationId xmlns:p14="http://schemas.microsoft.com/office/powerpoint/2010/main" val="1613332830"/>
+      </p:ext>
+    </p:extLst>
+  </p:cSld>
+  <p:clrMapOvr>
+    <a:masterClrMapping/>
+  </p:clrMapOvr>
+</p:sld>
+</file>
+
+<file path=ppt/slides/slide8.xml><?xml version="1.0" encoding="utf-8"?>
+<p:sld xmlns:a="http://schemas.openxmlformats.org/drawingml/2006/main" xmlns:r="http://schemas.openxmlformats.org/officeDocument/2006/relationships" xmlns:p="http://schemas.openxmlformats.org/presentationml/2006/main">
+  <p:cSld>
+    <p:spTree>
+      <p:nvGrpSpPr>
+        <p:cNvPr id="1" name=""/>
+        <p:cNvGrpSpPr/>
+        <p:nvPr/>
+      </p:nvGrpSpPr>
+      <p:grpSpPr>
+        <a:xfrm>
+          <a:off x="0" y="0"/>
+          <a:ext cx="0" cy="0"/>
+          <a:chOff x="0" y="0"/>
+          <a:chExt cx="0" cy="0"/>
+        </a:xfrm>
+      </p:grpSpPr>
+      <p:sp>
+        <p:nvSpPr>
+          <p:cNvPr id="2" name="Title 1"/>
+          <p:cNvSpPr>
+            <a:spLocks noGrp="1"/>
+          </p:cNvSpPr>
+          <p:nvPr>
+            <p:ph type="title"/>
+          </p:nvPr>
+        </p:nvSpPr>
+        <p:spPr/>
+        <p:txBody>
+          <a:bodyPr/>
+          <a:lstStyle/>
+          <a:p>
+            <a:r>
+              <a:rPr lang="es-ES_tradnl" dirty="0" smtClean="0"/>
+              <a:t>Estructura básica</a:t>
+            </a:r>
+            <a:endParaRPr lang="en-US" dirty="0"/>
+          </a:p>
+        </p:txBody>
+      </p:sp>
+      <p:sp>
+        <p:nvSpPr>
+          <p:cNvPr id="3" name="Content Placeholder 2"/>
+          <p:cNvSpPr>
+            <a:spLocks noGrp="1"/>
+          </p:cNvSpPr>
+          <p:nvPr>
+            <p:ph idx="1"/>
+          </p:nvPr>
+        </p:nvSpPr>
+        <p:spPr/>
+        <p:txBody>
+          <a:bodyPr/>
+          <a:lstStyle/>
+          <a:p>
+            <a:pPr marL="0" indent="0">
+              <a:buNone/>
+            </a:pPr>
+            <a:r>
+              <a:rPr lang="es-ES_tradnl" dirty="0" smtClean="0"/>
+              <a:t>&lt;</a:t>
+            </a:r>
+            <a:r>
+              <a:rPr lang="es-ES_tradnl" dirty="0" err="1" smtClean="0"/>
+              <a:t>html</a:t>
+            </a:r>
+            <a:r>
+              <a:rPr lang="es-ES_tradnl" dirty="0" smtClean="0"/>
+              <a:t>&gt;</a:t>
+            </a:r>
+          </a:p>
+          <a:p>
+            <a:pPr marL="457200" lvl="1" indent="0">
+              <a:buNone/>
+            </a:pPr>
+            <a:r>
+              <a:rPr lang="es-ES_tradnl" dirty="0" smtClean="0">
+                <a:solidFill>
+                  <a:srgbClr val="00B050"/>
+                </a:solidFill>
+              </a:rPr>
+              <a:t>&lt;head&gt;</a:t>
+            </a:r>
+          </a:p>
+          <a:p>
+            <a:pPr marL="457200" lvl="1" indent="0">
+              <a:buNone/>
+            </a:pPr>
+            <a:r>
+              <a:rPr lang="es-ES_tradnl" dirty="0" smtClean="0">
+                <a:solidFill>
+                  <a:srgbClr val="00B050"/>
+                </a:solidFill>
+              </a:rPr>
+              <a:t>…</a:t>
+            </a:r>
+          </a:p>
+          <a:p>
+            <a:pPr marL="457200" lvl="1" indent="0">
+              <a:buNone/>
+            </a:pPr>
+            <a:r>
+              <a:rPr lang="es-ES_tradnl" dirty="0" smtClean="0">
+                <a:solidFill>
+                  <a:srgbClr val="00B050"/>
+                </a:solidFill>
+              </a:rPr>
+              <a:t>&lt;/head&gt;</a:t>
+            </a:r>
+          </a:p>
+          <a:p>
+            <a:pPr marL="457200" lvl="1" indent="0">
+              <a:buNone/>
+            </a:pPr>
+            <a:r>
+              <a:rPr lang="es-ES_tradnl" dirty="0" smtClean="0">
+                <a:solidFill>
+                  <a:schemeClr val="accent2">
+                    <a:lumMod val="75000"/>
+                  </a:schemeClr>
+                </a:solidFill>
+              </a:rPr>
+              <a:t>&lt;</a:t>
+            </a:r>
+            <a:r>
+              <a:rPr lang="es-ES_tradnl" dirty="0" err="1" smtClean="0">
+                <a:solidFill>
+                  <a:schemeClr val="accent2">
+                    <a:lumMod val="75000"/>
+                  </a:schemeClr>
+                </a:solidFill>
+              </a:rPr>
+              <a:t>body</a:t>
+            </a:r>
+            <a:r>
+              <a:rPr lang="es-ES_tradnl" dirty="0" smtClean="0">
+                <a:solidFill>
+                  <a:schemeClr val="accent2">
+                    <a:lumMod val="75000"/>
+                  </a:schemeClr>
+                </a:solidFill>
+              </a:rPr>
+              <a:t>&gt;</a:t>
+            </a:r>
+          </a:p>
+          <a:p>
+            <a:pPr marL="457200" lvl="1" indent="0">
+              <a:buNone/>
+            </a:pPr>
+            <a:r>
+              <a:rPr lang="es-ES_tradnl" dirty="0" smtClean="0">
+                <a:solidFill>
+                  <a:schemeClr val="accent2">
+                    <a:lumMod val="75000"/>
+                  </a:schemeClr>
+                </a:solidFill>
+              </a:rPr>
+              <a:t>…</a:t>
+            </a:r>
+          </a:p>
+          <a:p>
+            <a:pPr marL="457200" lvl="1" indent="0">
+              <a:buNone/>
+            </a:pPr>
+            <a:r>
+              <a:rPr lang="es-ES_tradnl" dirty="0" smtClean="0">
+                <a:solidFill>
+                  <a:schemeClr val="accent2">
+                    <a:lumMod val="75000"/>
+                  </a:schemeClr>
+                </a:solidFill>
+              </a:rPr>
+              <a:t>&lt;/</a:t>
+            </a:r>
+            <a:r>
+              <a:rPr lang="es-ES_tradnl" dirty="0" err="1" smtClean="0">
+                <a:solidFill>
+                  <a:schemeClr val="accent2">
+                    <a:lumMod val="75000"/>
+                  </a:schemeClr>
+                </a:solidFill>
+              </a:rPr>
+              <a:t>body</a:t>
+            </a:r>
+            <a:r>
+              <a:rPr lang="es-ES_tradnl" dirty="0" smtClean="0">
+                <a:solidFill>
+                  <a:schemeClr val="accent2">
+                    <a:lumMod val="75000"/>
+                  </a:schemeClr>
+                </a:solidFill>
+              </a:rPr>
+              <a:t>&gt;</a:t>
+            </a:r>
+          </a:p>
+          <a:p>
+            <a:pPr marL="0" indent="0">
+              <a:buNone/>
+            </a:pPr>
+            <a:r>
+              <a:rPr lang="es-ES_tradnl" dirty="0" smtClean="0"/>
+              <a:t>&lt;/</a:t>
+            </a:r>
+            <a:r>
+              <a:rPr lang="es-ES_tradnl" dirty="0" err="1" smtClean="0"/>
+              <a:t>html</a:t>
+            </a:r>
+            <a:r>
+              <a:rPr lang="es-ES_tradnl" dirty="0" smtClean="0"/>
+              <a:t>&gt;</a:t>
+            </a:r>
+            <a:endParaRPr lang="en-US" dirty="0"/>
+          </a:p>
+        </p:txBody>
+      </p:sp>
+    </p:spTree>
+    <p:extLst>
+      <p:ext uri="{BB962C8B-B14F-4D97-AF65-F5344CB8AC3E}">
+        <p14:creationId xmlns:p14="http://schemas.microsoft.com/office/powerpoint/2010/main" val="2347869269"/>
+      </p:ext>
+    </p:extLst>
+  </p:cSld>
+  <p:clrMapOvr>
+    <a:masterClrMapping/>
+  </p:clrMapOvr>
+</p:sld>
+</file>
+
+<file path=ppt/slides/slide9.xml><?xml version="1.0" encoding="utf-8"?>
+<p:sld xmlns:a="http://schemas.openxmlformats.org/drawingml/2006/main" xmlns:r="http://schemas.openxmlformats.org/officeDocument/2006/relationships" xmlns:p="http://schemas.openxmlformats.org/presentationml/2006/main">
+  <p:cSld>
+    <p:spTree>
+      <p:nvGrpSpPr>
+        <p:cNvPr id="1" name=""/>
+        <p:cNvGrpSpPr/>
+        <p:nvPr/>
+      </p:nvGrpSpPr>
+      <p:grpSpPr>
+        <a:xfrm>
+          <a:off x="0" y="0"/>
+          <a:ext cx="0" cy="0"/>
+          <a:chOff x="0" y="0"/>
+          <a:chExt cx="0" cy="0"/>
+        </a:xfrm>
+      </p:grpSpPr>
+      <p:sp>
+        <p:nvSpPr>
+          <p:cNvPr id="2" name="Title 1"/>
+          <p:cNvSpPr>
+            <a:spLocks noGrp="1"/>
+          </p:cNvSpPr>
+          <p:nvPr>
+            <p:ph type="title"/>
+          </p:nvPr>
+        </p:nvSpPr>
+        <p:spPr/>
+        <p:txBody>
+          <a:bodyPr/>
+          <a:lstStyle/>
+          <a:p>
+            <a:r>
+              <a:rPr lang="es-ES_tradnl" dirty="0"/>
+              <a:t>Block vs </a:t>
+            </a:r>
+            <a:r>
+              <a:rPr lang="es-ES_tradnl" dirty="0" err="1" smtClean="0"/>
+              <a:t>inline</a:t>
+            </a:r>
+            <a:endParaRPr lang="en-US" dirty="0"/>
+          </a:p>
+        </p:txBody>
+      </p:sp>
+      <p:grpSp>
+        <p:nvGrpSpPr>
+          <p:cNvPr id="14" name="Group 13"/>
+          <p:cNvGrpSpPr/>
+          <p:nvPr/>
+        </p:nvGrpSpPr>
+        <p:grpSpPr>
+          <a:xfrm>
+            <a:off x="1823047" y="2644131"/>
+            <a:ext cx="8545906" cy="2674638"/>
+            <a:chOff x="2233883" y="2702225"/>
+            <a:chExt cx="8545906" cy="2674638"/>
+          </a:xfrm>
+        </p:grpSpPr>
+        <p:grpSp>
+          <p:nvGrpSpPr>
+            <p:cNvPr id="12" name="Group 11"/>
+            <p:cNvGrpSpPr/>
+            <p:nvPr/>
+          </p:nvGrpSpPr>
+          <p:grpSpPr>
+            <a:xfrm>
+              <a:off x="2233883" y="2961019"/>
+              <a:ext cx="1897812" cy="1828800"/>
+              <a:chOff x="2398145" y="3657601"/>
+              <a:chExt cx="1897812" cy="1828800"/>
+            </a:xfrm>
+          </p:grpSpPr>
+          <p:sp>
+            <p:nvSpPr>
+              <p:cNvPr id="4" name="Rectangle 3"/>
+              <p:cNvSpPr/>
+              <p:nvPr/>
+            </p:nvSpPr>
+            <p:spPr>
+              <a:xfrm>
+                <a:off x="2398146" y="3657601"/>
+                <a:ext cx="1897811" cy="914400"/>
+              </a:xfrm>
+              <a:prstGeom prst="rect">
+                <a:avLst/>
+              </a:prstGeom>
+            </p:spPr>
+            <p:style>
+              <a:lnRef idx="2">
+                <a:schemeClr val="accent1">
+                  <a:shade val="50000"/>
+                </a:schemeClr>
+              </a:lnRef>
+              <a:fillRef idx="1">
+                <a:schemeClr val="accent1"/>
+              </a:fillRef>
+              <a:effectRef idx="0">
+                <a:schemeClr val="accent1"/>
+              </a:effectRef>
+              <a:fontRef idx="minor">
+                <a:schemeClr val="lt1"/>
+              </a:fontRef>
+            </p:style>
+            <p:txBody>
+              <a:bodyPr rtlCol="0" anchor="ctr"/>
+              <a:lstStyle/>
+              <a:p>
+                <a:pPr algn="ctr"/>
+                <a:r>
+                  <a:rPr lang="es-ES_tradnl" sz="3200" dirty="0"/>
+                  <a:t>b</a:t>
+                </a:r>
+                <a:r>
+                  <a:rPr lang="es-ES_tradnl" sz="3200" dirty="0" smtClean="0"/>
+                  <a:t>lock</a:t>
+                </a:r>
+                <a:endParaRPr lang="en-US" sz="3200" dirty="0"/>
+              </a:p>
+            </p:txBody>
+          </p:sp>
+          <p:sp>
+            <p:nvSpPr>
+              <p:cNvPr id="5" name="Rectangle 4"/>
+              <p:cNvSpPr/>
+              <p:nvPr/>
+            </p:nvSpPr>
+            <p:spPr>
+              <a:xfrm>
+                <a:off x="2398145" y="4572001"/>
+                <a:ext cx="1897811" cy="914400"/>
+              </a:xfrm>
+              <a:prstGeom prst="rect">
+                <a:avLst/>
+              </a:prstGeom>
+            </p:spPr>
+            <p:style>
+              <a:lnRef idx="2">
+                <a:schemeClr val="accent1">
+                  <a:shade val="50000"/>
+                </a:schemeClr>
+              </a:lnRef>
+              <a:fillRef idx="1">
+                <a:schemeClr val="accent1"/>
+              </a:fillRef>
+              <a:effectRef idx="0">
+                <a:schemeClr val="accent1"/>
+              </a:effectRef>
+              <a:fontRef idx="minor">
+                <a:schemeClr val="lt1"/>
+              </a:fontRef>
+            </p:style>
+            <p:txBody>
+              <a:bodyPr rtlCol="0" anchor="ctr"/>
+              <a:lstStyle/>
+              <a:p>
+                <a:pPr algn="ctr"/>
+                <a:r>
+                  <a:rPr lang="es-ES_tradnl" sz="3200" dirty="0" smtClean="0"/>
+                  <a:t>block</a:t>
+                </a:r>
+                <a:endParaRPr lang="en-US" sz="3200" dirty="0"/>
+              </a:p>
+            </p:txBody>
+          </p:sp>
+        </p:grpSp>
+        <p:grpSp>
+          <p:nvGrpSpPr>
+            <p:cNvPr id="11" name="Group 10"/>
+            <p:cNvGrpSpPr/>
+            <p:nvPr/>
+          </p:nvGrpSpPr>
+          <p:grpSpPr>
+            <a:xfrm>
+              <a:off x="6984167" y="3339218"/>
+              <a:ext cx="3795622" cy="914400"/>
+              <a:chOff x="6648094" y="3725246"/>
+              <a:chExt cx="3795622" cy="914400"/>
+            </a:xfrm>
+          </p:grpSpPr>
+          <p:sp>
+            <p:nvSpPr>
+              <p:cNvPr id="6" name="Rectangle 5"/>
+              <p:cNvSpPr/>
+              <p:nvPr/>
+            </p:nvSpPr>
+            <p:spPr>
+              <a:xfrm>
+                <a:off x="6648094" y="3725246"/>
+                <a:ext cx="1897811" cy="914400"/>
+              </a:xfrm>
+              <a:prstGeom prst="rect">
+                <a:avLst/>
+              </a:prstGeom>
+            </p:spPr>
+            <p:style>
+              <a:lnRef idx="2">
+                <a:schemeClr val="accent1">
+                  <a:shade val="50000"/>
+                </a:schemeClr>
+              </a:lnRef>
+              <a:fillRef idx="1">
+                <a:schemeClr val="accent1"/>
+              </a:fillRef>
+              <a:effectRef idx="0">
+                <a:schemeClr val="accent1"/>
+              </a:effectRef>
+              <a:fontRef idx="minor">
+                <a:schemeClr val="lt1"/>
+              </a:fontRef>
+            </p:style>
+            <p:txBody>
+              <a:bodyPr rtlCol="0" anchor="ctr"/>
+              <a:lstStyle/>
+              <a:p>
+                <a:pPr algn="ctr"/>
+                <a:r>
+                  <a:rPr lang="es-ES_tradnl" sz="3200" dirty="0" err="1" smtClean="0"/>
+                  <a:t>inline</a:t>
+                </a:r>
+                <a:endParaRPr lang="en-US" sz="3200" dirty="0"/>
+              </a:p>
+            </p:txBody>
+          </p:sp>
+          <p:sp>
+            <p:nvSpPr>
+              <p:cNvPr id="7" name="Rectangle 6"/>
+              <p:cNvSpPr/>
+              <p:nvPr/>
+            </p:nvSpPr>
+            <p:spPr>
+              <a:xfrm>
+                <a:off x="8545905" y="3725246"/>
+                <a:ext cx="1897811" cy="914400"/>
+              </a:xfrm>
+              <a:prstGeom prst="rect">
+                <a:avLst/>
+              </a:prstGeom>
+            </p:spPr>
+            <p:style>
+              <a:lnRef idx="2">
+                <a:schemeClr val="accent1">
+                  <a:shade val="50000"/>
+                </a:schemeClr>
+              </a:lnRef>
+              <a:fillRef idx="1">
+                <a:schemeClr val="accent1"/>
+              </a:fillRef>
+              <a:effectRef idx="0">
+                <a:schemeClr val="accent1"/>
+              </a:effectRef>
+              <a:fontRef idx="minor">
+                <a:schemeClr val="lt1"/>
+              </a:fontRef>
+            </p:style>
+            <p:txBody>
+              <a:bodyPr rtlCol="0" anchor="ctr"/>
+              <a:lstStyle/>
+              <a:p>
+                <a:pPr algn="ctr"/>
+                <a:r>
+                  <a:rPr lang="es-ES_tradnl" sz="3200" dirty="0" err="1" smtClean="0"/>
+                  <a:t>inline</a:t>
+                </a:r>
+                <a:endParaRPr lang="en-US" sz="3200" dirty="0"/>
+              </a:p>
+            </p:txBody>
+          </p:sp>
+        </p:grpSp>
+        <p:cxnSp>
+          <p:nvCxnSpPr>
+            <p:cNvPr id="9" name="Straight Connector 8"/>
+            <p:cNvCxnSpPr/>
+            <p:nvPr/>
+          </p:nvCxnSpPr>
+          <p:spPr>
+            <a:xfrm>
+              <a:off x="6000750" y="2702225"/>
+              <a:ext cx="0" cy="2674638"/>
+            </a:xfrm>
+            <a:prstGeom prst="line">
+              <a:avLst/>
+            </a:prstGeom>
+            <a:ln w="28575">
+              <a:solidFill>
+                <a:schemeClr val="bg2">
+                  <a:lumMod val="75000"/>
+                </a:schemeClr>
+              </a:solidFill>
+              <a:prstDash val="dash"/>
+            </a:ln>
+          </p:spPr>
+          <p:style>
+            <a:lnRef idx="1">
+              <a:schemeClr val="accent1"/>
+            </a:lnRef>
+            <a:fillRef idx="0">
+              <a:schemeClr val="accent1"/>
+            </a:fillRef>
+            <a:effectRef idx="0">
+              <a:schemeClr val="accent1"/>
+            </a:effectRef>
+            <a:fontRef idx="minor">
+              <a:schemeClr val="tx1"/>
+            </a:fontRef>
+          </p:style>
+        </p:cxnSp>
+      </p:grpSp>
+    </p:spTree>
+    <p:extLst>
+      <p:ext uri="{BB962C8B-B14F-4D97-AF65-F5344CB8AC3E}">
+        <p14:creationId xmlns:p14="http://schemas.microsoft.com/office/powerpoint/2010/main" val="3714999485"/>
       </p:ext>
     </p:extLst>
   </p:cSld>

--- a/Slides/Clase.pptx
+++ b/Slides/Clase.pptx
@@ -5,7 +5,7 @@
     <p:sldMasterId id="2147483648" r:id="rId1"/>
   </p:sldMasterIdLst>
   <p:notesMasterIdLst>
-    <p:notesMasterId r:id="rId31"/>
+    <p:notesMasterId r:id="rId40"/>
   </p:notesMasterIdLst>
   <p:sldIdLst>
     <p:sldId id="256" r:id="rId2"/>
@@ -15,28 +15,37 @@
     <p:sldId id="262" r:id="rId6"/>
     <p:sldId id="263" r:id="rId7"/>
     <p:sldId id="282" r:id="rId8"/>
-    <p:sldId id="265" r:id="rId9"/>
-    <p:sldId id="267" r:id="rId10"/>
-    <p:sldId id="264" r:id="rId11"/>
-    <p:sldId id="266" r:id="rId12"/>
-    <p:sldId id="268" r:id="rId13"/>
-    <p:sldId id="269" r:id="rId14"/>
-    <p:sldId id="270" r:id="rId15"/>
-    <p:sldId id="271" r:id="rId16"/>
-    <p:sldId id="280" r:id="rId17"/>
-    <p:sldId id="272" r:id="rId18"/>
-    <p:sldId id="274" r:id="rId19"/>
-    <p:sldId id="273" r:id="rId20"/>
-    <p:sldId id="279" r:id="rId21"/>
-    <p:sldId id="275" r:id="rId22"/>
-    <p:sldId id="285" r:id="rId23"/>
-    <p:sldId id="284" r:id="rId24"/>
-    <p:sldId id="276" r:id="rId25"/>
-    <p:sldId id="286" r:id="rId26"/>
-    <p:sldId id="287" r:id="rId27"/>
-    <p:sldId id="261" r:id="rId28"/>
-    <p:sldId id="283" r:id="rId29"/>
-    <p:sldId id="259" r:id="rId30"/>
+    <p:sldId id="272" r:id="rId9"/>
+    <p:sldId id="265" r:id="rId10"/>
+    <p:sldId id="267" r:id="rId11"/>
+    <p:sldId id="264" r:id="rId12"/>
+    <p:sldId id="289" r:id="rId13"/>
+    <p:sldId id="266" r:id="rId14"/>
+    <p:sldId id="268" r:id="rId15"/>
+    <p:sldId id="269" r:id="rId16"/>
+    <p:sldId id="270" r:id="rId17"/>
+    <p:sldId id="271" r:id="rId18"/>
+    <p:sldId id="291" r:id="rId19"/>
+    <p:sldId id="280" r:id="rId20"/>
+    <p:sldId id="290" r:id="rId21"/>
+    <p:sldId id="292" r:id="rId22"/>
+    <p:sldId id="296" r:id="rId23"/>
+    <p:sldId id="274" r:id="rId24"/>
+    <p:sldId id="273" r:id="rId25"/>
+    <p:sldId id="279" r:id="rId26"/>
+    <p:sldId id="275" r:id="rId27"/>
+    <p:sldId id="285" r:id="rId28"/>
+    <p:sldId id="284" r:id="rId29"/>
+    <p:sldId id="276" r:id="rId30"/>
+    <p:sldId id="286" r:id="rId31"/>
+    <p:sldId id="287" r:id="rId32"/>
+    <p:sldId id="293" r:id="rId33"/>
+    <p:sldId id="295" r:id="rId34"/>
+    <p:sldId id="261" r:id="rId35"/>
+    <p:sldId id="294" r:id="rId36"/>
+    <p:sldId id="297" r:id="rId37"/>
+    <p:sldId id="298" r:id="rId38"/>
+    <p:sldId id="283" r:id="rId39"/>
   </p:sldIdLst>
   <p:sldSz cx="12192000" cy="6858000"/>
   <p:notesSz cx="6858000" cy="9144000"/>
@@ -155,34 +164,6 @@
 </p:cmAuthorLst>
 </file>
 
-<file path=ppt/comments/comment1.xml><?xml version="1.0" encoding="utf-8"?>
-<p:cmLst xmlns:a="http://schemas.openxmlformats.org/drawingml/2006/main" xmlns:r="http://schemas.openxmlformats.org/officeDocument/2006/relationships" xmlns:p="http://schemas.openxmlformats.org/presentationml/2006/main">
-  <p:cm authorId="1" dt="2013-06-03T08:53:21.128" idx="2">
-    <p:pos x="10" y="10"/>
-    <p:text>ver como mejorar la presentación de este tema</p:text>
-    <p:extLst>
-      <p:ext uri="{C676402C-5697-4E1C-873F-D02D1690AC5C}">
-        <p15:threadingInfo xmlns:p15="http://schemas.microsoft.com/office/powerpoint/2012/main" timeZoneBias="180"/>
-      </p:ext>
-    </p:extLst>
-  </p:cm>
-</p:cmLst>
-</file>
-
-<file path=ppt/comments/comment2.xml><?xml version="1.0" encoding="utf-8"?>
-<p:cmLst xmlns:a="http://schemas.openxmlformats.org/drawingml/2006/main" xmlns:r="http://schemas.openxmlformats.org/officeDocument/2006/relationships" xmlns:p="http://schemas.openxmlformats.org/presentationml/2006/main">
-  <p:cm authorId="1" dt="2013-06-03T08:53:05.655" idx="1">
-    <p:pos x="1130" y="1978"/>
-    <p:text>Separar en algo mas consumible</p:text>
-    <p:extLst>
-      <p:ext uri="{C676402C-5697-4E1C-873F-D02D1690AC5C}">
-        <p15:threadingInfo xmlns:p15="http://schemas.microsoft.com/office/powerpoint/2012/main" timeZoneBias="180"/>
-      </p:ext>
-    </p:extLst>
-  </p:cm>
-</p:cmLst>
-</file>
-
 <file path=ppt/notesMasters/notesMaster1.xml><?xml version="1.0" encoding="utf-8"?>
 <p:notesMaster xmlns:a="http://schemas.openxmlformats.org/drawingml/2006/main" xmlns:r="http://schemas.openxmlformats.org/officeDocument/2006/relationships" xmlns:p="http://schemas.openxmlformats.org/presentationml/2006/main">
   <p:cSld>
@@ -265,7 +246,7 @@
           <a:p>
             <a:fld id="{9EE80FC8-2411-480F-8805-F0ECF3A4843D}" type="datetimeFigureOut">
               <a:rPr lang="en-US" smtClean="0"/>
-              <a:t>6/3/2013</a:t>
+              <a:t>6/10/2013</a:t>
             </a:fld>
             <a:endParaRPr lang="en-US"/>
           </a:p>
@@ -600,6 +581,121 @@
             <a:endParaRPr lang="es-ES_tradnl" dirty="0" smtClean="0"/>
           </a:p>
           <a:p>
+            <a:endParaRPr lang="es-ES_tradnl" dirty="0" smtClean="0"/>
+          </a:p>
+          <a:p>
+            <a:r>
+              <a:rPr lang="en-US" sz="1200" b="0" i="0" kern="1200" dirty="0" smtClean="0">
+                <a:solidFill>
+                  <a:schemeClr val="tx1"/>
+                </a:solidFill>
+                <a:effectLst/>
+                <a:latin typeface="+mn-lt"/>
+                <a:ea typeface="+mn-ea"/>
+                <a:cs typeface="+mn-cs"/>
+              </a:rPr>
+              <a:t>In the late 1980s, </a:t>
+            </a:r>
+            <a:r>
+              <a:rPr lang="en-US" sz="1200" b="0" i="0" u="none" strike="noStrike" kern="1200" dirty="0" smtClean="0">
+                <a:solidFill>
+                  <a:schemeClr val="tx1"/>
+                </a:solidFill>
+                <a:effectLst/>
+                <a:latin typeface="+mn-lt"/>
+                <a:ea typeface="+mn-ea"/>
+                <a:cs typeface="+mn-cs"/>
+                <a:hlinkClick r:id="rId3" tooltip="http://www.w3.org/People/Berners-Lee/"/>
+              </a:rPr>
+              <a:t>Tim Berners-Lee</a:t>
+            </a:r>
+            <a:r>
+              <a:rPr lang="en-US" sz="1200" b="0" i="0" kern="1200" dirty="0" smtClean="0">
+                <a:solidFill>
+                  <a:schemeClr val="tx1"/>
+                </a:solidFill>
+                <a:effectLst/>
+                <a:latin typeface="+mn-lt"/>
+                <a:ea typeface="+mn-ea"/>
+                <a:cs typeface="+mn-cs"/>
+              </a:rPr>
+              <a:t> was working as a physicist at </a:t>
+            </a:r>
+            <a:r>
+              <a:rPr lang="en-US" sz="1200" b="0" i="0" u="none" strike="noStrike" kern="1200" dirty="0" smtClean="0">
+                <a:solidFill>
+                  <a:schemeClr val="tx1"/>
+                </a:solidFill>
+                <a:effectLst/>
+                <a:latin typeface="+mn-lt"/>
+                <a:ea typeface="+mn-ea"/>
+                <a:cs typeface="+mn-cs"/>
+                <a:hlinkClick r:id="rId4" tooltip="http://public.web.cern.ch/public/"/>
+              </a:rPr>
+              <a:t>CERN</a:t>
+            </a:r>
+            <a:r>
+              <a:rPr lang="en-US" sz="1200" b="0" i="0" kern="1200" dirty="0" smtClean="0">
+                <a:solidFill>
+                  <a:schemeClr val="tx1"/>
+                </a:solidFill>
+                <a:effectLst/>
+                <a:latin typeface="+mn-lt"/>
+                <a:ea typeface="+mn-ea"/>
+                <a:cs typeface="+mn-cs"/>
+              </a:rPr>
+              <a:t> (the European Organization for Nuclear Research). He devised a way for scientists to share documents over the internet. Prior to his invention, communication via the internet was limited to plain text, using technologies such as email, </a:t>
+            </a:r>
+            <a:r>
+              <a:rPr lang="en-US" sz="1200" b="0" i="0" u="none" strike="noStrike" kern="1200" dirty="0" smtClean="0">
+                <a:solidFill>
+                  <a:schemeClr val="tx1"/>
+                </a:solidFill>
+                <a:effectLst/>
+                <a:latin typeface="+mn-lt"/>
+                <a:ea typeface="+mn-ea"/>
+                <a:cs typeface="+mn-cs"/>
+                <a:hlinkClick r:id="rId5" tooltip="http://en.wikipedia.org/wiki/Ftp"/>
+              </a:rPr>
+              <a:t>FTP</a:t>
+            </a:r>
+            <a:r>
+              <a:rPr lang="en-US" sz="1200" b="0" i="0" kern="1200" dirty="0" smtClean="0">
+                <a:solidFill>
+                  <a:schemeClr val="tx1"/>
+                </a:solidFill>
+                <a:effectLst/>
+                <a:latin typeface="+mn-lt"/>
+                <a:ea typeface="+mn-ea"/>
+                <a:cs typeface="+mn-cs"/>
+              </a:rPr>
+              <a:t> (File Transfer Protocol), and </a:t>
+            </a:r>
+            <a:r>
+              <a:rPr lang="en-US" sz="1200" b="0" i="0" u="none" strike="noStrike" kern="1200" dirty="0" smtClean="0">
+                <a:solidFill>
+                  <a:schemeClr val="tx1"/>
+                </a:solidFill>
+                <a:effectLst/>
+                <a:latin typeface="+mn-lt"/>
+                <a:ea typeface="+mn-ea"/>
+                <a:cs typeface="+mn-cs"/>
+                <a:hlinkClick r:id="rId6" tooltip="http://en.wikipedia.org/wiki/Usenet"/>
+              </a:rPr>
+              <a:t>Usenet</a:t>
+            </a:r>
+            <a:r>
+              <a:rPr lang="en-US" sz="1200" b="0" i="0" kern="1200" dirty="0" smtClean="0">
+                <a:solidFill>
+                  <a:schemeClr val="tx1"/>
+                </a:solidFill>
+                <a:effectLst/>
+                <a:latin typeface="+mn-lt"/>
+                <a:ea typeface="+mn-ea"/>
+                <a:cs typeface="+mn-cs"/>
+              </a:rPr>
+              <a:t>-based discussion boards. The invention of HTML made use of a model of content stored on a central server that could be transferred and displayed on a local workstation via a browser. It simplified access to content and enabled the display of "rich" content (such as sophisticated text formatting and the display of images).</a:t>
+            </a:r>
             <a:endParaRPr lang="en-US" dirty="0"/>
           </a:p>
         </p:txBody>
@@ -684,43 +780,31 @@
           <a:bodyPr/>
           <a:lstStyle/>
           <a:p>
-            <a:pPr marL="0" marR="0" indent="0" algn="l" defTabSz="914400" rtl="0" eaLnBrk="1" fontAlgn="auto" latinLnBrk="0" hangingPunct="1">
-              <a:lnSpc>
-                <a:spcPct val="100000"/>
-              </a:lnSpc>
-              <a:spcBef>
-                <a:spcPts val="0"/>
-              </a:spcBef>
-              <a:spcAft>
-                <a:spcPts val="0"/>
-              </a:spcAft>
-              <a:buClrTx/>
-              <a:buSzTx/>
-              <a:buFontTx/>
-              <a:buNone/>
-              <a:tabLst/>
-              <a:defRPr/>
-            </a:pPr>
-            <a:r>
-              <a:rPr lang="es-ES_tradnl" dirty="0" smtClean="0"/>
-              <a:t>Todo en </a:t>
-            </a:r>
-            <a:r>
-              <a:rPr lang="es-ES_tradnl" dirty="0" err="1" smtClean="0"/>
-              <a:t>html</a:t>
-            </a:r>
-            <a:r>
-              <a:rPr lang="es-ES_tradnl" dirty="0" smtClean="0"/>
-              <a:t>/</a:t>
-            </a:r>
-            <a:r>
-              <a:rPr lang="es-ES_tradnl" dirty="0" err="1" smtClean="0"/>
-              <a:t>css</a:t>
-            </a:r>
-            <a:r>
-              <a:rPr lang="es-ES_tradnl" dirty="0" smtClean="0"/>
-              <a:t> son cajas</a:t>
-            </a:r>
+            <a:r>
+              <a:rPr lang="es-ES_tradnl" dirty="0" smtClean="0"/>
+              <a:t>Con html5 el valor</a:t>
+            </a:r>
+            <a:r>
+              <a:rPr lang="es-ES_tradnl" baseline="0" dirty="0" smtClean="0"/>
+              <a:t> a veces es optativo. Ejemplo existe un atributo </a:t>
+            </a:r>
+            <a:r>
+              <a:rPr lang="es-ES_tradnl" baseline="0" dirty="0" err="1" smtClean="0"/>
+              <a:t>required</a:t>
+            </a:r>
+            <a:r>
+              <a:rPr lang="es-ES_tradnl" baseline="0" dirty="0" smtClean="0"/>
+              <a:t> para los inputs de los </a:t>
+            </a:r>
+            <a:r>
+              <a:rPr lang="es-ES_tradnl" baseline="0" dirty="0" err="1" smtClean="0"/>
+              <a:t>forms</a:t>
+            </a:r>
+            <a:r>
+              <a:rPr lang="es-ES_tradnl" baseline="0" dirty="0" smtClean="0"/>
+              <a:t>.</a:t>
+            </a:r>
+            <a:endParaRPr lang="en-US" dirty="0"/>
           </a:p>
         </p:txBody>
       </p:sp>
@@ -741,7 +825,7 @@
           <a:p>
             <a:fld id="{33490EC4-9ED2-4743-9A12-62D7D00FD99C}" type="slidenum">
               <a:rPr lang="en-US" smtClean="0"/>
-              <a:t>9</a:t>
+              <a:t>7</a:t>
             </a:fld>
             <a:endParaRPr lang="en-US"/>
           </a:p>
@@ -750,7 +834,7 @@
     </p:spTree>
     <p:extLst>
       <p:ext uri="{BB962C8B-B14F-4D97-AF65-F5344CB8AC3E}">
-        <p14:creationId xmlns:p14="http://schemas.microsoft.com/office/powerpoint/2010/main" val="2515815111"/>
+        <p14:creationId xmlns:p14="http://schemas.microsoft.com/office/powerpoint/2010/main" val="572788237"/>
       </p:ext>
     </p:extLst>
   </p:cSld>
@@ -822,6 +906,276 @@
               <a:defRPr/>
             </a:pPr>
             <a:r>
+              <a:rPr lang="es-ES_tradnl" dirty="0" smtClean="0"/>
+              <a:t>Todo en </a:t>
+            </a:r>
+            <a:r>
+              <a:rPr lang="es-ES_tradnl" dirty="0" err="1" smtClean="0"/>
+              <a:t>html</a:t>
+            </a:r>
+            <a:r>
+              <a:rPr lang="es-ES_tradnl" dirty="0" smtClean="0"/>
+              <a:t>/</a:t>
+            </a:r>
+            <a:r>
+              <a:rPr lang="es-ES_tradnl" dirty="0" err="1" smtClean="0"/>
+              <a:t>css</a:t>
+            </a:r>
+            <a:r>
+              <a:rPr lang="es-ES_tradnl" dirty="0" smtClean="0"/>
+              <a:t> son </a:t>
+            </a:r>
+            <a:r>
+              <a:rPr lang="es-ES_tradnl" dirty="0" smtClean="0"/>
+              <a:t>cajas</a:t>
+            </a:r>
+          </a:p>
+          <a:p>
+            <a:pPr marL="0" marR="0" indent="0" algn="l" defTabSz="914400" rtl="0" eaLnBrk="1" fontAlgn="auto" latinLnBrk="0" hangingPunct="1">
+              <a:lnSpc>
+                <a:spcPct val="100000"/>
+              </a:lnSpc>
+              <a:spcBef>
+                <a:spcPts val="0"/>
+              </a:spcBef>
+              <a:spcAft>
+                <a:spcPts val="0"/>
+              </a:spcAft>
+              <a:buClrTx/>
+              <a:buSzTx/>
+              <a:buFontTx/>
+              <a:buNone/>
+              <a:tabLst/>
+              <a:defRPr/>
+            </a:pPr>
+            <a:endParaRPr lang="es-ES_tradnl" dirty="0" smtClean="0"/>
+          </a:p>
+          <a:p>
+            <a:pPr marL="0" marR="0" indent="0" algn="l" defTabSz="914400" rtl="0" eaLnBrk="1" fontAlgn="auto" latinLnBrk="0" hangingPunct="1">
+              <a:lnSpc>
+                <a:spcPct val="100000"/>
+              </a:lnSpc>
+              <a:spcBef>
+                <a:spcPts val="0"/>
+              </a:spcBef>
+              <a:spcAft>
+                <a:spcPts val="0"/>
+              </a:spcAft>
+              <a:buClrTx/>
+              <a:buSzTx/>
+              <a:buFontTx/>
+              <a:buNone/>
+              <a:tabLst/>
+              <a:defRPr/>
+            </a:pPr>
+            <a:r>
+              <a:rPr lang="en-US" dirty="0" smtClean="0">
+                <a:hlinkClick r:id="rId3"/>
+              </a:rPr>
+              <a:t>http://www.impressivewebs.com/difference-block-inline-css/</a:t>
+            </a:r>
+            <a:endParaRPr lang="es-ES_tradnl" dirty="0" smtClean="0"/>
+          </a:p>
+        </p:txBody>
+      </p:sp>
+      <p:sp>
+        <p:nvSpPr>
+          <p:cNvPr id="4" name="Slide Number Placeholder 3"/>
+          <p:cNvSpPr>
+            <a:spLocks noGrp="1"/>
+          </p:cNvSpPr>
+          <p:nvPr>
+            <p:ph type="sldNum" sz="quarter" idx="10"/>
+          </p:nvPr>
+        </p:nvSpPr>
+        <p:spPr/>
+        <p:txBody>
+          <a:bodyPr/>
+          <a:lstStyle/>
+          <a:p>
+            <a:fld id="{33490EC4-9ED2-4743-9A12-62D7D00FD99C}" type="slidenum">
+              <a:rPr lang="en-US" smtClean="0"/>
+              <a:t>10</a:t>
+            </a:fld>
+            <a:endParaRPr lang="en-US"/>
+          </a:p>
+        </p:txBody>
+      </p:sp>
+    </p:spTree>
+    <p:extLst>
+      <p:ext uri="{BB962C8B-B14F-4D97-AF65-F5344CB8AC3E}">
+        <p14:creationId xmlns:p14="http://schemas.microsoft.com/office/powerpoint/2010/main" val="2515815111"/>
+      </p:ext>
+    </p:extLst>
+  </p:cSld>
+  <p:clrMapOvr>
+    <a:masterClrMapping/>
+  </p:clrMapOvr>
+</p:notes>
+</file>
+
+<file path=ppt/notesSlides/notesSlide4.xml><?xml version="1.0" encoding="utf-8"?>
+<p:notes xmlns:a="http://schemas.openxmlformats.org/drawingml/2006/main" xmlns:r="http://schemas.openxmlformats.org/officeDocument/2006/relationships" xmlns:p="http://schemas.openxmlformats.org/presentationml/2006/main">
+  <p:cSld>
+    <p:spTree>
+      <p:nvGrpSpPr>
+        <p:cNvPr id="1" name=""/>
+        <p:cNvGrpSpPr/>
+        <p:nvPr/>
+      </p:nvGrpSpPr>
+      <p:grpSpPr>
+        <a:xfrm>
+          <a:off x="0" y="0"/>
+          <a:ext cx="0" cy="0"/>
+          <a:chOff x="0" y="0"/>
+          <a:chExt cx="0" cy="0"/>
+        </a:xfrm>
+      </p:grpSpPr>
+      <p:sp>
+        <p:nvSpPr>
+          <p:cNvPr id="2" name="Slide Image Placeholder 1"/>
+          <p:cNvSpPr>
+            <a:spLocks noGrp="1" noRot="1" noChangeAspect="1"/>
+          </p:cNvSpPr>
+          <p:nvPr>
+            <p:ph type="sldImg"/>
+          </p:nvPr>
+        </p:nvSpPr>
+        <p:spPr/>
+      </p:sp>
+      <p:sp>
+        <p:nvSpPr>
+          <p:cNvPr id="3" name="Notes Placeholder 2"/>
+          <p:cNvSpPr>
+            <a:spLocks noGrp="1"/>
+          </p:cNvSpPr>
+          <p:nvPr>
+            <p:ph type="body" idx="1"/>
+          </p:nvPr>
+        </p:nvSpPr>
+        <p:spPr/>
+        <p:txBody>
+          <a:bodyPr/>
+          <a:lstStyle/>
+          <a:p>
+            <a:r>
+              <a:rPr lang="es-ES_tradnl" dirty="0" err="1" smtClean="0"/>
+              <a:t>Td</a:t>
+            </a:r>
+            <a:r>
+              <a:rPr lang="es-ES_tradnl" dirty="0" smtClean="0"/>
+              <a:t> : </a:t>
+            </a:r>
+            <a:r>
+              <a:rPr lang="es-ES_tradnl" dirty="0" err="1" smtClean="0"/>
+              <a:t>table</a:t>
+            </a:r>
+            <a:r>
+              <a:rPr lang="es-ES_tradnl" dirty="0" smtClean="0"/>
+              <a:t> data</a:t>
+            </a:r>
+            <a:endParaRPr lang="en-US" dirty="0"/>
+          </a:p>
+        </p:txBody>
+      </p:sp>
+      <p:sp>
+        <p:nvSpPr>
+          <p:cNvPr id="4" name="Slide Number Placeholder 3"/>
+          <p:cNvSpPr>
+            <a:spLocks noGrp="1"/>
+          </p:cNvSpPr>
+          <p:nvPr>
+            <p:ph type="sldNum" sz="quarter" idx="10"/>
+          </p:nvPr>
+        </p:nvSpPr>
+        <p:spPr/>
+        <p:txBody>
+          <a:bodyPr/>
+          <a:lstStyle/>
+          <a:p>
+            <a:fld id="{33490EC4-9ED2-4743-9A12-62D7D00FD99C}" type="slidenum">
+              <a:rPr lang="en-US" smtClean="0"/>
+              <a:t>12</a:t>
+            </a:fld>
+            <a:endParaRPr lang="en-US"/>
+          </a:p>
+        </p:txBody>
+      </p:sp>
+    </p:spTree>
+    <p:extLst>
+      <p:ext uri="{BB962C8B-B14F-4D97-AF65-F5344CB8AC3E}">
+        <p14:creationId xmlns:p14="http://schemas.microsoft.com/office/powerpoint/2010/main" val="3555162724"/>
+      </p:ext>
+    </p:extLst>
+  </p:cSld>
+  <p:clrMapOvr>
+    <a:masterClrMapping/>
+  </p:clrMapOvr>
+</p:notes>
+</file>
+
+<file path=ppt/notesSlides/notesSlide5.xml><?xml version="1.0" encoding="utf-8"?>
+<p:notes xmlns:a="http://schemas.openxmlformats.org/drawingml/2006/main" xmlns:r="http://schemas.openxmlformats.org/officeDocument/2006/relationships" xmlns:p="http://schemas.openxmlformats.org/presentationml/2006/main">
+  <p:cSld>
+    <p:spTree>
+      <p:nvGrpSpPr>
+        <p:cNvPr id="1" name=""/>
+        <p:cNvGrpSpPr/>
+        <p:nvPr/>
+      </p:nvGrpSpPr>
+      <p:grpSpPr>
+        <a:xfrm>
+          <a:off x="0" y="0"/>
+          <a:ext cx="0" cy="0"/>
+          <a:chOff x="0" y="0"/>
+          <a:chExt cx="0" cy="0"/>
+        </a:xfrm>
+      </p:grpSpPr>
+      <p:sp>
+        <p:nvSpPr>
+          <p:cNvPr id="2" name="Slide Image Placeholder 1"/>
+          <p:cNvSpPr>
+            <a:spLocks noGrp="1" noRot="1" noChangeAspect="1"/>
+          </p:cNvSpPr>
+          <p:nvPr>
+            <p:ph type="sldImg"/>
+          </p:nvPr>
+        </p:nvSpPr>
+        <p:spPr/>
+      </p:sp>
+      <p:sp>
+        <p:nvSpPr>
+          <p:cNvPr id="3" name="Notes Placeholder 2"/>
+          <p:cNvSpPr>
+            <a:spLocks noGrp="1"/>
+          </p:cNvSpPr>
+          <p:nvPr>
+            <p:ph type="body" idx="1"/>
+          </p:nvPr>
+        </p:nvSpPr>
+        <p:spPr/>
+        <p:txBody>
+          <a:bodyPr/>
+          <a:lstStyle/>
+          <a:p>
+            <a:pPr marL="0" marR="0" indent="0" algn="l" defTabSz="914400" rtl="0" eaLnBrk="1" fontAlgn="auto" latinLnBrk="0" hangingPunct="1">
+              <a:lnSpc>
+                <a:spcPct val="100000"/>
+              </a:lnSpc>
+              <a:spcBef>
+                <a:spcPts val="0"/>
+              </a:spcBef>
+              <a:spcAft>
+                <a:spcPts val="0"/>
+              </a:spcAft>
+              <a:buClrTx/>
+              <a:buSzTx/>
+              <a:buFontTx/>
+              <a:buNone/>
+              <a:tabLst/>
+              <a:defRPr/>
+            </a:pPr>
+            <a:r>
               <a:rPr lang="es-ES_tradnl" dirty="0" err="1" smtClean="0"/>
               <a:t>Margin</a:t>
             </a:r>
@@ -881,7 +1235,7 @@
           <a:p>
             <a:fld id="{33490EC4-9ED2-4743-9A12-62D7D00FD99C}" type="slidenum">
               <a:rPr lang="en-US" smtClean="0"/>
-              <a:t>24</a:t>
+              <a:t>29</a:t>
             </a:fld>
             <a:endParaRPr lang="en-US"/>
           </a:p>
@@ -891,6 +1245,202 @@
     <p:extLst>
       <p:ext uri="{BB962C8B-B14F-4D97-AF65-F5344CB8AC3E}">
         <p14:creationId xmlns:p14="http://schemas.microsoft.com/office/powerpoint/2010/main" val="4179861764"/>
+      </p:ext>
+    </p:extLst>
+  </p:cSld>
+  <p:clrMapOvr>
+    <a:masterClrMapping/>
+  </p:clrMapOvr>
+</p:notes>
+</file>
+
+<file path=ppt/notesSlides/notesSlide6.xml><?xml version="1.0" encoding="utf-8"?>
+<p:notes xmlns:a="http://schemas.openxmlformats.org/drawingml/2006/main" xmlns:r="http://schemas.openxmlformats.org/officeDocument/2006/relationships" xmlns:p="http://schemas.openxmlformats.org/presentationml/2006/main">
+  <p:cSld>
+    <p:spTree>
+      <p:nvGrpSpPr>
+        <p:cNvPr id="1" name=""/>
+        <p:cNvGrpSpPr/>
+        <p:nvPr/>
+      </p:nvGrpSpPr>
+      <p:grpSpPr>
+        <a:xfrm>
+          <a:off x="0" y="0"/>
+          <a:ext cx="0" cy="0"/>
+          <a:chOff x="0" y="0"/>
+          <a:chExt cx="0" cy="0"/>
+        </a:xfrm>
+      </p:grpSpPr>
+      <p:sp>
+        <p:nvSpPr>
+          <p:cNvPr id="2" name="Slide Image Placeholder 1"/>
+          <p:cNvSpPr>
+            <a:spLocks noGrp="1" noRot="1" noChangeAspect="1"/>
+          </p:cNvSpPr>
+          <p:nvPr>
+            <p:ph type="sldImg"/>
+          </p:nvPr>
+        </p:nvSpPr>
+        <p:spPr/>
+      </p:sp>
+      <p:sp>
+        <p:nvSpPr>
+          <p:cNvPr id="3" name="Notes Placeholder 2"/>
+          <p:cNvSpPr>
+            <a:spLocks noGrp="1"/>
+          </p:cNvSpPr>
+          <p:nvPr>
+            <p:ph type="body" idx="1"/>
+          </p:nvPr>
+        </p:nvSpPr>
+        <p:spPr/>
+        <p:txBody>
+          <a:bodyPr/>
+          <a:lstStyle/>
+          <a:p>
+            <a:r>
+              <a:rPr lang="es-ES_tradnl" dirty="0" smtClean="0"/>
+              <a:t>Como </a:t>
+            </a:r>
+            <a:r>
+              <a:rPr lang="es-ES_tradnl" dirty="0" err="1" smtClean="0"/>
+              <a:t>float</a:t>
+            </a:r>
+            <a:r>
+              <a:rPr lang="es-ES_tradnl" baseline="0" dirty="0" smtClean="0"/>
+              <a:t> rompe un poco el </a:t>
+            </a:r>
+            <a:r>
+              <a:rPr lang="es-ES_tradnl" baseline="0" dirty="0" err="1" smtClean="0"/>
+              <a:t>flow</a:t>
+            </a:r>
+            <a:r>
+              <a:rPr lang="es-ES_tradnl" baseline="0" dirty="0" smtClean="0"/>
+              <a:t> del documento, se requiere de este </a:t>
+            </a:r>
+            <a:r>
+              <a:rPr lang="es-ES_tradnl" baseline="0" dirty="0" err="1" smtClean="0"/>
+              <a:t>hack</a:t>
+            </a:r>
+            <a:r>
+              <a:rPr lang="es-ES_tradnl" baseline="0" dirty="0" smtClean="0"/>
+              <a:t> (que van a encontrar en mil versiones diferentes) para arreglar el problema.</a:t>
+            </a:r>
+            <a:endParaRPr lang="en-US" dirty="0"/>
+          </a:p>
+        </p:txBody>
+      </p:sp>
+      <p:sp>
+        <p:nvSpPr>
+          <p:cNvPr id="4" name="Slide Number Placeholder 3"/>
+          <p:cNvSpPr>
+            <a:spLocks noGrp="1"/>
+          </p:cNvSpPr>
+          <p:nvPr>
+            <p:ph type="sldNum" sz="quarter" idx="10"/>
+          </p:nvPr>
+        </p:nvSpPr>
+        <p:spPr/>
+        <p:txBody>
+          <a:bodyPr/>
+          <a:lstStyle/>
+          <a:p>
+            <a:fld id="{33490EC4-9ED2-4743-9A12-62D7D00FD99C}" type="slidenum">
+              <a:rPr lang="en-US" smtClean="0"/>
+              <a:t>32</a:t>
+            </a:fld>
+            <a:endParaRPr lang="en-US"/>
+          </a:p>
+        </p:txBody>
+      </p:sp>
+    </p:spTree>
+    <p:extLst>
+      <p:ext uri="{BB962C8B-B14F-4D97-AF65-F5344CB8AC3E}">
+        <p14:creationId xmlns:p14="http://schemas.microsoft.com/office/powerpoint/2010/main" val="2856696533"/>
+      </p:ext>
+    </p:extLst>
+  </p:cSld>
+  <p:clrMapOvr>
+    <a:masterClrMapping/>
+  </p:clrMapOvr>
+</p:notes>
+</file>
+
+<file path=ppt/notesSlides/notesSlide7.xml><?xml version="1.0" encoding="utf-8"?>
+<p:notes xmlns:a="http://schemas.openxmlformats.org/drawingml/2006/main" xmlns:r="http://schemas.openxmlformats.org/officeDocument/2006/relationships" xmlns:p="http://schemas.openxmlformats.org/presentationml/2006/main">
+  <p:cSld>
+    <p:spTree>
+      <p:nvGrpSpPr>
+        <p:cNvPr id="1" name=""/>
+        <p:cNvGrpSpPr/>
+        <p:nvPr/>
+      </p:nvGrpSpPr>
+      <p:grpSpPr>
+        <a:xfrm>
+          <a:off x="0" y="0"/>
+          <a:ext cx="0" cy="0"/>
+          <a:chOff x="0" y="0"/>
+          <a:chExt cx="0" cy="0"/>
+        </a:xfrm>
+      </p:grpSpPr>
+      <p:sp>
+        <p:nvSpPr>
+          <p:cNvPr id="2" name="Slide Image Placeholder 1"/>
+          <p:cNvSpPr>
+            <a:spLocks noGrp="1" noRot="1" noChangeAspect="1"/>
+          </p:cNvSpPr>
+          <p:nvPr>
+            <p:ph type="sldImg"/>
+          </p:nvPr>
+        </p:nvSpPr>
+        <p:spPr/>
+      </p:sp>
+      <p:sp>
+        <p:nvSpPr>
+          <p:cNvPr id="3" name="Notes Placeholder 2"/>
+          <p:cNvSpPr>
+            <a:spLocks noGrp="1"/>
+          </p:cNvSpPr>
+          <p:nvPr>
+            <p:ph type="body" idx="1"/>
+          </p:nvPr>
+        </p:nvSpPr>
+        <p:spPr/>
+        <p:txBody>
+          <a:bodyPr/>
+          <a:lstStyle/>
+          <a:p>
+            <a:endParaRPr lang="en-US" dirty="0"/>
+          </a:p>
+        </p:txBody>
+      </p:sp>
+      <p:sp>
+        <p:nvSpPr>
+          <p:cNvPr id="4" name="Slide Number Placeholder 3"/>
+          <p:cNvSpPr>
+            <a:spLocks noGrp="1"/>
+          </p:cNvSpPr>
+          <p:nvPr>
+            <p:ph type="sldNum" sz="quarter" idx="10"/>
+          </p:nvPr>
+        </p:nvSpPr>
+        <p:spPr/>
+        <p:txBody>
+          <a:bodyPr/>
+          <a:lstStyle/>
+          <a:p>
+            <a:fld id="{33490EC4-9ED2-4743-9A12-62D7D00FD99C}" type="slidenum">
+              <a:rPr lang="en-US" smtClean="0"/>
+              <a:t>34</a:t>
+            </a:fld>
+            <a:endParaRPr lang="en-US"/>
+          </a:p>
+        </p:txBody>
+      </p:sp>
+    </p:spTree>
+    <p:extLst>
+      <p:ext uri="{BB962C8B-B14F-4D97-AF65-F5344CB8AC3E}">
+        <p14:creationId xmlns:p14="http://schemas.microsoft.com/office/powerpoint/2010/main" val="1687821039"/>
       </p:ext>
     </p:extLst>
   </p:cSld>
@@ -1031,7 +1581,7 @@
           <a:p>
             <a:fld id="{8C91A079-CAE8-47E0-8427-4BEC14467E6E}" type="datetimeFigureOut">
               <a:rPr lang="en-US" smtClean="0"/>
-              <a:t>6/3/2013</a:t>
+              <a:t>6/10/2013</a:t>
             </a:fld>
             <a:endParaRPr lang="en-US"/>
           </a:p>
@@ -1201,7 +1751,7 @@
           <a:p>
             <a:fld id="{8C91A079-CAE8-47E0-8427-4BEC14467E6E}" type="datetimeFigureOut">
               <a:rPr lang="en-US" smtClean="0"/>
-              <a:t>6/3/2013</a:t>
+              <a:t>6/10/2013</a:t>
             </a:fld>
             <a:endParaRPr lang="en-US"/>
           </a:p>
@@ -1381,7 +1931,7 @@
           <a:p>
             <a:fld id="{8C91A079-CAE8-47E0-8427-4BEC14467E6E}" type="datetimeFigureOut">
               <a:rPr lang="en-US" smtClean="0"/>
-              <a:t>6/3/2013</a:t>
+              <a:t>6/10/2013</a:t>
             </a:fld>
             <a:endParaRPr lang="en-US"/>
           </a:p>
@@ -1551,7 +2101,7 @@
           <a:p>
             <a:fld id="{8C91A079-CAE8-47E0-8427-4BEC14467E6E}" type="datetimeFigureOut">
               <a:rPr lang="en-US" smtClean="0"/>
-              <a:t>6/3/2013</a:t>
+              <a:t>6/10/2013</a:t>
             </a:fld>
             <a:endParaRPr lang="en-US"/>
           </a:p>
@@ -1797,7 +2347,7 @@
           <a:p>
             <a:fld id="{8C91A079-CAE8-47E0-8427-4BEC14467E6E}" type="datetimeFigureOut">
               <a:rPr lang="en-US" smtClean="0"/>
-              <a:t>6/3/2013</a:t>
+              <a:t>6/10/2013</a:t>
             </a:fld>
             <a:endParaRPr lang="en-US"/>
           </a:p>
@@ -2029,7 +2579,7 @@
           <a:p>
             <a:fld id="{8C91A079-CAE8-47E0-8427-4BEC14467E6E}" type="datetimeFigureOut">
               <a:rPr lang="en-US" smtClean="0"/>
-              <a:t>6/3/2013</a:t>
+              <a:t>6/10/2013</a:t>
             </a:fld>
             <a:endParaRPr lang="en-US"/>
           </a:p>
@@ -2396,7 +2946,7 @@
           <a:p>
             <a:fld id="{8C91A079-CAE8-47E0-8427-4BEC14467E6E}" type="datetimeFigureOut">
               <a:rPr lang="en-US" smtClean="0"/>
-              <a:t>6/3/2013</a:t>
+              <a:t>6/10/2013</a:t>
             </a:fld>
             <a:endParaRPr lang="en-US"/>
           </a:p>
@@ -2514,7 +3064,7 @@
           <a:p>
             <a:fld id="{8C91A079-CAE8-47E0-8427-4BEC14467E6E}" type="datetimeFigureOut">
               <a:rPr lang="en-US" smtClean="0"/>
-              <a:t>6/3/2013</a:t>
+              <a:t>6/10/2013</a:t>
             </a:fld>
             <a:endParaRPr lang="en-US"/>
           </a:p>
@@ -2609,7 +3159,7 @@
           <a:p>
             <a:fld id="{8C91A079-CAE8-47E0-8427-4BEC14467E6E}" type="datetimeFigureOut">
               <a:rPr lang="en-US" smtClean="0"/>
-              <a:t>6/3/2013</a:t>
+              <a:t>6/10/2013</a:t>
             </a:fld>
             <a:endParaRPr lang="en-US"/>
           </a:p>
@@ -2886,7 +3436,7 @@
           <a:p>
             <a:fld id="{8C91A079-CAE8-47E0-8427-4BEC14467E6E}" type="datetimeFigureOut">
               <a:rPr lang="en-US" smtClean="0"/>
-              <a:t>6/3/2013</a:t>
+              <a:t>6/10/2013</a:t>
             </a:fld>
             <a:endParaRPr lang="en-US"/>
           </a:p>
@@ -3139,7 +3689,7 @@
           <a:p>
             <a:fld id="{8C91A079-CAE8-47E0-8427-4BEC14467E6E}" type="datetimeFigureOut">
               <a:rPr lang="en-US" smtClean="0"/>
-              <a:t>6/3/2013</a:t>
+              <a:t>6/10/2013</a:t>
             </a:fld>
             <a:endParaRPr lang="en-US"/>
           </a:p>
@@ -3352,7 +3902,7 @@
           <a:p>
             <a:fld id="{8C91A079-CAE8-47E0-8427-4BEC14467E6E}" type="datetimeFigureOut">
               <a:rPr lang="en-US" smtClean="0"/>
-              <a:t>6/3/2013</a:t>
+              <a:t>6/10/2013</a:t>
             </a:fld>
             <a:endParaRPr lang="en-US"/>
           </a:p>
@@ -3849,216 +4399,284 @@
           <a:lstStyle/>
           <a:p>
             <a:r>
-              <a:rPr lang="es-ES_tradnl" dirty="0" smtClean="0"/>
-              <a:t>Elementos Básicos </a:t>
+              <a:rPr lang="es-ES_tradnl" dirty="0"/>
+              <a:t>Block vs </a:t>
             </a:r>
             <a:r>
               <a:rPr lang="es-ES_tradnl" dirty="0" err="1" smtClean="0"/>
-              <a:t>body</a:t>
+              <a:t>inline</a:t>
             </a:r>
             <a:endParaRPr lang="en-US" dirty="0"/>
           </a:p>
         </p:txBody>
       </p:sp>
-      <p:sp>
-        <p:nvSpPr>
-          <p:cNvPr id="3" name="Content Placeholder 2"/>
-          <p:cNvSpPr>
-            <a:spLocks noGrp="1"/>
-          </p:cNvSpPr>
-          <p:nvPr>
-            <p:ph idx="1"/>
-          </p:nvPr>
-        </p:nvSpPr>
-        <p:spPr/>
-        <p:txBody>
-          <a:bodyPr>
-            <a:normAutofit lnSpcReduction="10000"/>
-          </a:bodyPr>
-          <a:lstStyle/>
-          <a:p>
-            <a:r>
-              <a:rPr lang="es-ES_tradnl" dirty="0" smtClean="0"/>
-              <a:t>&lt;p&gt; </a:t>
-            </a:r>
-            <a:r>
-              <a:rPr lang="es-ES_tradnl" dirty="0" smtClean="0">
-                <a:sym typeface="Wingdings" panose="05000000000000000000" pitchFamily="2" charset="2"/>
-              </a:rPr>
-              <a:t> párrafo</a:t>
-            </a:r>
-            <a:endParaRPr lang="es-ES_tradnl" dirty="0" smtClean="0"/>
-          </a:p>
-          <a:p>
-            <a:r>
-              <a:rPr lang="es-ES_tradnl" dirty="0" smtClean="0"/>
-              <a:t>&lt;a&gt; </a:t>
-            </a:r>
-            <a:r>
-              <a:rPr lang="es-ES_tradnl" dirty="0" smtClean="0">
-                <a:sym typeface="Wingdings" panose="05000000000000000000" pitchFamily="2" charset="2"/>
-              </a:rPr>
-              <a:t> link</a:t>
-            </a:r>
-            <a:endParaRPr lang="es-ES_tradnl" dirty="0" smtClean="0"/>
-          </a:p>
-          <a:p>
-            <a:r>
-              <a:rPr lang="es-ES_tradnl" dirty="0" smtClean="0"/>
-              <a:t>&lt;</a:t>
-            </a:r>
-            <a:r>
-              <a:rPr lang="es-ES_tradnl" dirty="0" err="1"/>
-              <a:t>s</a:t>
-            </a:r>
-            <a:r>
-              <a:rPr lang="es-ES_tradnl" dirty="0" err="1" smtClean="0"/>
-              <a:t>trong</a:t>
-            </a:r>
-            <a:r>
-              <a:rPr lang="es-ES_tradnl" dirty="0" smtClean="0"/>
-              <a:t>&gt; </a:t>
-            </a:r>
-            <a:r>
-              <a:rPr lang="es-ES_tradnl" dirty="0" smtClean="0">
-                <a:sym typeface="Wingdings" panose="05000000000000000000" pitchFamily="2" charset="2"/>
-              </a:rPr>
-              <a:t> negrita</a:t>
-            </a:r>
-            <a:endParaRPr lang="es-ES_tradnl" dirty="0" smtClean="0"/>
-          </a:p>
-          <a:p>
-            <a:r>
-              <a:rPr lang="es-ES_tradnl" dirty="0" smtClean="0"/>
-              <a:t>&lt;</a:t>
-            </a:r>
-            <a:r>
-              <a:rPr lang="es-ES_tradnl" dirty="0" err="1" smtClean="0"/>
-              <a:t>em</a:t>
-            </a:r>
-            <a:r>
-              <a:rPr lang="es-ES_tradnl" dirty="0" smtClean="0"/>
-              <a:t>&gt; </a:t>
-            </a:r>
-            <a:r>
-              <a:rPr lang="es-ES_tradnl" dirty="0" smtClean="0">
-                <a:sym typeface="Wingdings" panose="05000000000000000000" pitchFamily="2" charset="2"/>
-              </a:rPr>
-              <a:t> itálica</a:t>
-            </a:r>
-            <a:endParaRPr lang="es-ES_tradnl" dirty="0" smtClean="0"/>
-          </a:p>
-          <a:p>
-            <a:r>
-              <a:rPr lang="es-ES_tradnl" dirty="0" smtClean="0"/>
-              <a:t>&lt;h1&gt; &lt;h2&gt; … &lt;h6&gt; </a:t>
-            </a:r>
-            <a:r>
-              <a:rPr lang="es-ES_tradnl" dirty="0" smtClean="0">
-                <a:sym typeface="Wingdings" panose="05000000000000000000" pitchFamily="2" charset="2"/>
-              </a:rPr>
-              <a:t> </a:t>
-            </a:r>
-            <a:r>
-              <a:rPr lang="es-ES_tradnl" dirty="0" err="1" smtClean="0">
-                <a:sym typeface="Wingdings" panose="05000000000000000000" pitchFamily="2" charset="2"/>
-              </a:rPr>
-              <a:t>titulos</a:t>
-            </a:r>
-            <a:endParaRPr lang="es-ES_tradnl" dirty="0" smtClean="0"/>
-          </a:p>
-          <a:p>
-            <a:r>
-              <a:rPr lang="es-ES_tradnl" dirty="0" smtClean="0"/>
-              <a:t>&lt;div&gt; </a:t>
-            </a:r>
-            <a:r>
-              <a:rPr lang="es-ES_tradnl" dirty="0">
-                <a:sym typeface="Wingdings" panose="05000000000000000000" pitchFamily="2" charset="2"/>
-              </a:rPr>
-              <a:t> agrupación de elementos </a:t>
-            </a:r>
-            <a:r>
-              <a:rPr lang="es-ES_tradnl" dirty="0" smtClean="0">
-                <a:sym typeface="Wingdings" panose="05000000000000000000" pitchFamily="2" charset="2"/>
-              </a:rPr>
-              <a:t>con box</a:t>
-            </a:r>
-            <a:endParaRPr lang="es-ES_tradnl" dirty="0" smtClean="0"/>
-          </a:p>
-          <a:p>
-            <a:r>
-              <a:rPr lang="es-ES_tradnl" dirty="0" smtClean="0"/>
-              <a:t>&lt;</a:t>
-            </a:r>
-            <a:r>
-              <a:rPr lang="es-ES_tradnl" dirty="0" err="1" smtClean="0"/>
-              <a:t>span</a:t>
-            </a:r>
-            <a:r>
-              <a:rPr lang="es-ES_tradnl" dirty="0" smtClean="0"/>
-              <a:t>&gt; </a:t>
-            </a:r>
-            <a:r>
-              <a:rPr lang="es-ES_tradnl" dirty="0" smtClean="0">
-                <a:sym typeface="Wingdings" panose="05000000000000000000" pitchFamily="2" charset="2"/>
-              </a:rPr>
-              <a:t> agrupación de elementos </a:t>
-            </a:r>
-            <a:r>
-              <a:rPr lang="es-ES_tradnl" dirty="0" err="1" smtClean="0">
-                <a:sym typeface="Wingdings" panose="05000000000000000000" pitchFamily="2" charset="2"/>
-              </a:rPr>
-              <a:t>inline</a:t>
-            </a:r>
-            <a:endParaRPr lang="es-ES_tradnl" dirty="0" smtClean="0"/>
-          </a:p>
-          <a:p>
-            <a:r>
-              <a:rPr lang="es-ES_tradnl" dirty="0" smtClean="0"/>
-              <a:t>&lt;</a:t>
-            </a:r>
-            <a:r>
-              <a:rPr lang="es-ES_tradnl" dirty="0" err="1" smtClean="0"/>
-              <a:t>img</a:t>
-            </a:r>
-            <a:r>
-              <a:rPr lang="es-ES_tradnl" dirty="0" smtClean="0"/>
-              <a:t>&gt; </a:t>
-            </a:r>
-            <a:r>
-              <a:rPr lang="es-ES_tradnl" dirty="0" smtClean="0">
-                <a:sym typeface="Wingdings" panose="05000000000000000000" pitchFamily="2" charset="2"/>
-              </a:rPr>
-              <a:t> </a:t>
-            </a:r>
-            <a:r>
-              <a:rPr lang="es-ES_tradnl" dirty="0" err="1" smtClean="0">
-                <a:sym typeface="Wingdings" panose="05000000000000000000" pitchFamily="2" charset="2"/>
-              </a:rPr>
-              <a:t>imagenes</a:t>
-            </a:r>
-            <a:endParaRPr lang="es-ES_tradnl" dirty="0" smtClean="0"/>
-          </a:p>
-          <a:p>
-            <a:r>
-              <a:rPr lang="es-ES_tradnl" dirty="0" smtClean="0"/>
-              <a:t>&lt;input&gt; </a:t>
-            </a:r>
-            <a:r>
-              <a:rPr lang="es-ES_tradnl" dirty="0" smtClean="0">
-                <a:sym typeface="Wingdings" panose="05000000000000000000" pitchFamily="2" charset="2"/>
-              </a:rPr>
-              <a:t> inputs en formularios</a:t>
-            </a:r>
-            <a:endParaRPr lang="en-US" dirty="0"/>
-          </a:p>
-        </p:txBody>
-      </p:sp>
+      <p:grpSp>
+        <p:nvGrpSpPr>
+          <p:cNvPr id="14" name="Group 13"/>
+          <p:cNvGrpSpPr/>
+          <p:nvPr/>
+        </p:nvGrpSpPr>
+        <p:grpSpPr>
+          <a:xfrm>
+            <a:off x="1455032" y="2644131"/>
+            <a:ext cx="9281936" cy="2674638"/>
+            <a:chOff x="1302231" y="2702225"/>
+            <a:chExt cx="9281936" cy="2674638"/>
+          </a:xfrm>
+        </p:grpSpPr>
+        <p:grpSp>
+          <p:nvGrpSpPr>
+            <p:cNvPr id="12" name="Group 11"/>
+            <p:cNvGrpSpPr/>
+            <p:nvPr/>
+          </p:nvGrpSpPr>
+          <p:grpSpPr>
+            <a:xfrm>
+              <a:off x="1302231" y="2961019"/>
+              <a:ext cx="3600001" cy="1828800"/>
+              <a:chOff x="1466493" y="3657601"/>
+              <a:chExt cx="3600001" cy="1828800"/>
+            </a:xfrm>
+          </p:grpSpPr>
+          <p:sp>
+            <p:nvSpPr>
+              <p:cNvPr id="4" name="Rectangle 3"/>
+              <p:cNvSpPr/>
+              <p:nvPr/>
+            </p:nvSpPr>
+            <p:spPr>
+              <a:xfrm>
+                <a:off x="1466494" y="3657601"/>
+                <a:ext cx="3600000" cy="914400"/>
+              </a:xfrm>
+              <a:prstGeom prst="rect">
+                <a:avLst/>
+              </a:prstGeom>
+            </p:spPr>
+            <p:style>
+              <a:lnRef idx="2">
+                <a:schemeClr val="accent1">
+                  <a:shade val="50000"/>
+                </a:schemeClr>
+              </a:lnRef>
+              <a:fillRef idx="1">
+                <a:schemeClr val="accent1"/>
+              </a:fillRef>
+              <a:effectRef idx="0">
+                <a:schemeClr val="accent1"/>
+              </a:effectRef>
+              <a:fontRef idx="minor">
+                <a:schemeClr val="lt1"/>
+              </a:fontRef>
+            </p:style>
+            <p:txBody>
+              <a:bodyPr rtlCol="0" anchor="ctr"/>
+              <a:lstStyle/>
+              <a:p>
+                <a:pPr algn="ctr"/>
+                <a:r>
+                  <a:rPr lang="es-ES_tradnl" sz="3200" dirty="0"/>
+                  <a:t>b</a:t>
+                </a:r>
+                <a:r>
+                  <a:rPr lang="es-ES_tradnl" sz="3200" dirty="0" smtClean="0"/>
+                  <a:t>lock</a:t>
+                </a:r>
+                <a:endParaRPr lang="en-US" sz="3200" dirty="0"/>
+              </a:p>
+            </p:txBody>
+          </p:sp>
+          <p:sp>
+            <p:nvSpPr>
+              <p:cNvPr id="5" name="Rectangle 4"/>
+              <p:cNvSpPr/>
+              <p:nvPr/>
+            </p:nvSpPr>
+            <p:spPr>
+              <a:xfrm>
+                <a:off x="1466493" y="4572001"/>
+                <a:ext cx="3600000" cy="914400"/>
+              </a:xfrm>
+              <a:prstGeom prst="rect">
+                <a:avLst/>
+              </a:prstGeom>
+            </p:spPr>
+            <p:style>
+              <a:lnRef idx="2">
+                <a:schemeClr val="accent1">
+                  <a:shade val="50000"/>
+                </a:schemeClr>
+              </a:lnRef>
+              <a:fillRef idx="1">
+                <a:schemeClr val="accent1"/>
+              </a:fillRef>
+              <a:effectRef idx="0">
+                <a:schemeClr val="accent1"/>
+              </a:effectRef>
+              <a:fontRef idx="minor">
+                <a:schemeClr val="lt1"/>
+              </a:fontRef>
+            </p:style>
+            <p:txBody>
+              <a:bodyPr rtlCol="0" anchor="ctr"/>
+              <a:lstStyle/>
+              <a:p>
+                <a:pPr algn="ctr"/>
+                <a:r>
+                  <a:rPr lang="es-ES_tradnl" sz="3200" dirty="0" smtClean="0"/>
+                  <a:t>block</a:t>
+                </a:r>
+                <a:endParaRPr lang="en-US" sz="3200" dirty="0"/>
+              </a:p>
+            </p:txBody>
+          </p:sp>
+        </p:grpSp>
+        <p:grpSp>
+          <p:nvGrpSpPr>
+            <p:cNvPr id="11" name="Group 10"/>
+            <p:cNvGrpSpPr/>
+            <p:nvPr/>
+          </p:nvGrpSpPr>
+          <p:grpSpPr>
+            <a:xfrm>
+              <a:off x="6984167" y="3339218"/>
+              <a:ext cx="3600000" cy="914400"/>
+              <a:chOff x="6648094" y="3725246"/>
+              <a:chExt cx="3600000" cy="914400"/>
+            </a:xfrm>
+          </p:grpSpPr>
+          <p:sp>
+            <p:nvSpPr>
+              <p:cNvPr id="6" name="Rectangle 5"/>
+              <p:cNvSpPr/>
+              <p:nvPr/>
+            </p:nvSpPr>
+            <p:spPr>
+              <a:xfrm>
+                <a:off x="6648094" y="3725246"/>
+                <a:ext cx="1800000" cy="914400"/>
+              </a:xfrm>
+              <a:prstGeom prst="rect">
+                <a:avLst/>
+              </a:prstGeom>
+            </p:spPr>
+            <p:style>
+              <a:lnRef idx="2">
+                <a:schemeClr val="accent1">
+                  <a:shade val="50000"/>
+                </a:schemeClr>
+              </a:lnRef>
+              <a:fillRef idx="1">
+                <a:schemeClr val="accent1"/>
+              </a:fillRef>
+              <a:effectRef idx="0">
+                <a:schemeClr val="accent1"/>
+              </a:effectRef>
+              <a:fontRef idx="minor">
+                <a:schemeClr val="lt1"/>
+              </a:fontRef>
+            </p:style>
+            <p:txBody>
+              <a:bodyPr rtlCol="0" anchor="ctr"/>
+              <a:lstStyle/>
+              <a:p>
+                <a:pPr algn="ctr"/>
+                <a:r>
+                  <a:rPr lang="es-ES_tradnl" sz="3200" dirty="0" err="1" smtClean="0"/>
+                  <a:t>inline</a:t>
+                </a:r>
+                <a:endParaRPr lang="en-US" sz="3200" dirty="0"/>
+              </a:p>
+            </p:txBody>
+          </p:sp>
+          <p:sp>
+            <p:nvSpPr>
+              <p:cNvPr id="7" name="Rectangle 6"/>
+              <p:cNvSpPr/>
+              <p:nvPr/>
+            </p:nvSpPr>
+            <p:spPr>
+              <a:xfrm>
+                <a:off x="8448094" y="3725246"/>
+                <a:ext cx="1800000" cy="914400"/>
+              </a:xfrm>
+              <a:prstGeom prst="rect">
+                <a:avLst/>
+              </a:prstGeom>
+            </p:spPr>
+            <p:style>
+              <a:lnRef idx="2">
+                <a:schemeClr val="accent1">
+                  <a:shade val="50000"/>
+                </a:schemeClr>
+              </a:lnRef>
+              <a:fillRef idx="1">
+                <a:schemeClr val="accent1"/>
+              </a:fillRef>
+              <a:effectRef idx="0">
+                <a:schemeClr val="accent1"/>
+              </a:effectRef>
+              <a:fontRef idx="minor">
+                <a:schemeClr val="lt1"/>
+              </a:fontRef>
+            </p:style>
+            <p:txBody>
+              <a:bodyPr rtlCol="0" anchor="ctr"/>
+              <a:lstStyle/>
+              <a:p>
+                <a:pPr algn="ctr"/>
+                <a:r>
+                  <a:rPr lang="es-ES_tradnl" sz="3200" dirty="0" err="1" smtClean="0"/>
+                  <a:t>inline</a:t>
+                </a:r>
+                <a:endParaRPr lang="en-US" sz="3200" dirty="0"/>
+              </a:p>
+            </p:txBody>
+          </p:sp>
+        </p:grpSp>
+        <p:cxnSp>
+          <p:nvCxnSpPr>
+            <p:cNvPr id="9" name="Straight Connector 8"/>
+            <p:cNvCxnSpPr/>
+            <p:nvPr/>
+          </p:nvCxnSpPr>
+          <p:spPr>
+            <a:xfrm>
+              <a:off x="6000750" y="2702225"/>
+              <a:ext cx="0" cy="2674638"/>
+            </a:xfrm>
+            <a:prstGeom prst="line">
+              <a:avLst/>
+            </a:prstGeom>
+            <a:ln w="28575">
+              <a:solidFill>
+                <a:schemeClr val="bg2">
+                  <a:lumMod val="75000"/>
+                </a:schemeClr>
+              </a:solidFill>
+              <a:prstDash val="dash"/>
+            </a:ln>
+          </p:spPr>
+          <p:style>
+            <a:lnRef idx="1">
+              <a:schemeClr val="accent1"/>
+            </a:lnRef>
+            <a:fillRef idx="0">
+              <a:schemeClr val="accent1"/>
+            </a:fillRef>
+            <a:effectRef idx="0">
+              <a:schemeClr val="accent1"/>
+            </a:effectRef>
+            <a:fontRef idx="minor">
+              <a:schemeClr val="tx1"/>
+            </a:fontRef>
+          </p:style>
+        </p:cxnSp>
+      </p:grpSp>
     </p:spTree>
     <p:extLst>
       <p:ext uri="{BB962C8B-B14F-4D97-AF65-F5344CB8AC3E}">
-        <p14:creationId xmlns:p14="http://schemas.microsoft.com/office/powerpoint/2010/main" val="1457222021"/>
+        <p14:creationId xmlns:p14="http://schemas.microsoft.com/office/powerpoint/2010/main" val="3714999485"/>
       </p:ext>
     </p:extLst>
   </p:cSld>
@@ -4102,7 +4720,11 @@
           <a:p>
             <a:r>
               <a:rPr lang="es-ES_tradnl" dirty="0" smtClean="0"/>
-              <a:t>Elementos básicos Head</a:t>
+              <a:t>Elementos Básicos </a:t>
+            </a:r>
+            <a:r>
+              <a:rPr lang="es-ES_tradnl" dirty="0" err="1" smtClean="0"/>
+              <a:t>body</a:t>
             </a:r>
             <a:endParaRPr lang="en-US" dirty="0"/>
           </a:p>
@@ -4120,8 +4742,36 @@
         </p:nvSpPr>
         <p:spPr/>
         <p:txBody>
-          <a:bodyPr/>
-          <a:lstStyle/>
+          <a:bodyPr>
+            <a:normAutofit/>
+          </a:bodyPr>
+          <a:lstStyle/>
+          <a:p>
+            <a:r>
+              <a:rPr lang="es-ES_tradnl" dirty="0" smtClean="0"/>
+              <a:t>&lt;p&gt; </a:t>
+            </a:r>
+            <a:r>
+              <a:rPr lang="es-ES_tradnl" dirty="0" smtClean="0">
+                <a:sym typeface="Wingdings" panose="05000000000000000000" pitchFamily="2" charset="2"/>
+              </a:rPr>
+              <a:t> párrafo</a:t>
+            </a:r>
+            <a:endParaRPr lang="es-ES_tradnl" dirty="0" smtClean="0"/>
+          </a:p>
+          <a:p>
+            <a:r>
+              <a:rPr lang="es-ES_tradnl" dirty="0" smtClean="0"/>
+              <a:t>&lt;a&gt; </a:t>
+            </a:r>
+            <a:r>
+              <a:rPr lang="es-ES_tradnl" dirty="0" smtClean="0">
+                <a:sym typeface="Wingdings" panose="05000000000000000000" pitchFamily="2" charset="2"/>
+              </a:rPr>
+              <a:t> link</a:t>
+            </a:r>
+            <a:endParaRPr lang="es-ES_tradnl" dirty="0" smtClean="0"/>
+          </a:p>
           <a:p>
             <a:r>
               <a:rPr lang="es-ES_tradnl" dirty="0" smtClean="0"/>
@@ -4129,34 +4779,23 @@
             </a:r>
             <a:r>
               <a:rPr lang="es-ES_tradnl" dirty="0" err="1"/>
-              <a:t>t</a:t>
+              <a:t>s</a:t>
             </a:r>
             <a:r>
               <a:rPr lang="es-ES_tradnl" dirty="0" err="1" smtClean="0"/>
-              <a:t>itle</a:t>
-            </a:r>
-            <a:r>
-              <a:rPr lang="es-ES_tradnl" dirty="0" smtClean="0"/>
-              <a:t>&gt;</a:t>
-            </a:r>
-          </a:p>
-          <a:p>
-            <a:r>
-              <a:rPr lang="es-ES_tradnl" dirty="0" smtClean="0"/>
-              <a:t>&lt;meta&gt;</a:t>
-            </a:r>
-          </a:p>
-          <a:p>
-            <a:r>
-              <a:rPr lang="es-ES_tradnl" dirty="0" smtClean="0"/>
-              <a:t>&lt;link&gt;</a:t>
-            </a:r>
-          </a:p>
-          <a:p>
-            <a:r>
-              <a:rPr lang="es-ES_tradnl" dirty="0" smtClean="0"/>
-              <a:t>&lt;script&gt;</a:t>
-            </a:r>
+              <a:t>trong</a:t>
+            </a:r>
+            <a:r>
+              <a:rPr lang="es-ES_tradnl" dirty="0" smtClean="0"/>
+              <a:t>&gt; </a:t>
+            </a:r>
+            <a:r>
+              <a:rPr lang="es-ES_tradnl" dirty="0" smtClean="0">
+                <a:sym typeface="Wingdings" panose="05000000000000000000" pitchFamily="2" charset="2"/>
+              </a:rPr>
+              <a:t> negrita</a:t>
+            </a:r>
+            <a:endParaRPr lang="es-ES_tradnl" dirty="0" smtClean="0"/>
           </a:p>
           <a:p>
             <a:r>
@@ -4165,20 +4804,45 @@
             </a:r>
             <a:r>
               <a:rPr lang="es-ES_tradnl" dirty="0" err="1" smtClean="0"/>
-              <a:t>style</a:t>
-            </a:r>
-            <a:r>
-              <a:rPr lang="es-ES_tradnl" dirty="0" smtClean="0"/>
-              <a:t>&gt;</a:t>
-            </a:r>
-            <a:endParaRPr lang="en-US" dirty="0"/>
+              <a:t>em</a:t>
+            </a:r>
+            <a:r>
+              <a:rPr lang="es-ES_tradnl" dirty="0" smtClean="0"/>
+              <a:t>&gt; </a:t>
+            </a:r>
+            <a:r>
+              <a:rPr lang="es-ES_tradnl" dirty="0" smtClean="0">
+                <a:sym typeface="Wingdings" panose="05000000000000000000" pitchFamily="2" charset="2"/>
+              </a:rPr>
+              <a:t> itálica</a:t>
+            </a:r>
+            <a:endParaRPr lang="es-ES_tradnl" dirty="0" smtClean="0"/>
+          </a:p>
+          <a:p>
+            <a:r>
+              <a:rPr lang="es-ES_tradnl" dirty="0" smtClean="0"/>
+              <a:t>&lt;h1&gt; &lt;h2&gt; … &lt;h6&gt; </a:t>
+            </a:r>
+            <a:r>
+              <a:rPr lang="es-ES_tradnl" dirty="0" smtClean="0">
+                <a:sym typeface="Wingdings" panose="05000000000000000000" pitchFamily="2" charset="2"/>
+              </a:rPr>
+              <a:t> </a:t>
+            </a:r>
+            <a:r>
+              <a:rPr lang="es-ES_tradnl" dirty="0" smtClean="0">
+                <a:sym typeface="Wingdings" panose="05000000000000000000" pitchFamily="2" charset="2"/>
+              </a:rPr>
+              <a:t>títulos</a:t>
+            </a:r>
+            <a:endParaRPr lang="es-ES_tradnl" dirty="0" smtClean="0"/>
           </a:p>
         </p:txBody>
       </p:sp>
     </p:spTree>
     <p:extLst>
       <p:ext uri="{BB962C8B-B14F-4D97-AF65-F5344CB8AC3E}">
-        <p14:creationId xmlns:p14="http://schemas.microsoft.com/office/powerpoint/2010/main" val="202465279"/>
+        <p14:creationId xmlns:p14="http://schemas.microsoft.com/office/powerpoint/2010/main" val="1457222021"/>
       </p:ext>
     </p:extLst>
   </p:cSld>
@@ -4222,7 +4886,11 @@
           <a:p>
             <a:r>
               <a:rPr lang="es-ES_tradnl" dirty="0" smtClean="0"/>
-              <a:t>HTML 5</a:t>
+              <a:t>Elementos Básicos </a:t>
+            </a:r>
+            <a:r>
+              <a:rPr lang="es-ES_tradnl" dirty="0" err="1" smtClean="0"/>
+              <a:t>body</a:t>
             </a:r>
             <a:endParaRPr lang="en-US" dirty="0"/>
           </a:p>
@@ -4240,30 +4908,221 @@
         </p:nvSpPr>
         <p:spPr/>
         <p:txBody>
-          <a:bodyPr/>
-          <a:lstStyle/>
-          <a:p>
-            <a:r>
-              <a:rPr lang="es-ES_tradnl" dirty="0" smtClean="0"/>
-              <a:t>&lt;!DOCTYPE </a:t>
+          <a:bodyPr>
+            <a:normAutofit/>
+          </a:bodyPr>
+          <a:lstStyle/>
+          <a:p>
+            <a:r>
+              <a:rPr lang="es-ES_tradnl" dirty="0" smtClean="0"/>
+              <a:t>&lt;</a:t>
+            </a:r>
+            <a:r>
+              <a:rPr lang="es-ES_tradnl" dirty="0" smtClean="0"/>
+              <a:t>div&gt; </a:t>
+            </a:r>
+            <a:r>
+              <a:rPr lang="es-ES_tradnl" dirty="0">
+                <a:sym typeface="Wingdings" panose="05000000000000000000" pitchFamily="2" charset="2"/>
+              </a:rPr>
+              <a:t> agrupación de </a:t>
+            </a:r>
+            <a:r>
+              <a:rPr lang="es-ES_tradnl" dirty="0" smtClean="0">
+                <a:sym typeface="Wingdings" panose="05000000000000000000" pitchFamily="2" charset="2"/>
+              </a:rPr>
+              <a:t>elementos (block)</a:t>
+            </a:r>
+            <a:endParaRPr lang="es-ES_tradnl" dirty="0" smtClean="0"/>
+          </a:p>
+          <a:p>
+            <a:r>
+              <a:rPr lang="es-ES_tradnl" dirty="0" smtClean="0"/>
+              <a:t>&lt;</a:t>
             </a:r>
             <a:r>
               <a:rPr lang="es-ES_tradnl" dirty="0" err="1" smtClean="0"/>
-              <a:t>html</a:t>
-            </a:r>
-            <a:r>
-              <a:rPr lang="es-ES_tradnl" dirty="0" smtClean="0"/>
-              <a:t>&gt;</a:t>
-            </a:r>
-          </a:p>
-          <a:p>
-            <a:r>
-              <a:rPr lang="es-ES_tradnl" dirty="0" smtClean="0"/>
-              <a:t>Nuevos </a:t>
+              <a:t>span</a:t>
+            </a:r>
+            <a:r>
+              <a:rPr lang="es-ES_tradnl" dirty="0" smtClean="0"/>
+              <a:t>&gt; </a:t>
+            </a:r>
+            <a:r>
+              <a:rPr lang="es-ES_tradnl" dirty="0" smtClean="0">
+                <a:sym typeface="Wingdings" panose="05000000000000000000" pitchFamily="2" charset="2"/>
+              </a:rPr>
+              <a:t> agrupación de elementos </a:t>
+            </a:r>
+            <a:r>
+              <a:rPr lang="es-ES_tradnl" dirty="0" smtClean="0">
+                <a:sym typeface="Wingdings" panose="05000000000000000000" pitchFamily="2" charset="2"/>
+              </a:rPr>
+              <a:t>(</a:t>
+            </a:r>
+            <a:r>
+              <a:rPr lang="es-ES_tradnl" dirty="0" err="1" smtClean="0">
+                <a:sym typeface="Wingdings" panose="05000000000000000000" pitchFamily="2" charset="2"/>
+              </a:rPr>
+              <a:t>inline</a:t>
+            </a:r>
+            <a:r>
+              <a:rPr lang="es-ES_tradnl" dirty="0" smtClean="0">
+                <a:sym typeface="Wingdings" panose="05000000000000000000" pitchFamily="2" charset="2"/>
+              </a:rPr>
+              <a:t>)</a:t>
+            </a:r>
+            <a:endParaRPr lang="es-ES_tradnl" dirty="0" smtClean="0"/>
+          </a:p>
+          <a:p>
+            <a:r>
+              <a:rPr lang="es-ES_tradnl" dirty="0" smtClean="0"/>
+              <a:t>&lt;</a:t>
             </a:r>
             <a:r>
               <a:rPr lang="es-ES_tradnl" dirty="0" err="1" smtClean="0"/>
-              <a:t>tags</a:t>
+              <a:t>img</a:t>
+            </a:r>
+            <a:r>
+              <a:rPr lang="es-ES_tradnl" dirty="0" smtClean="0"/>
+              <a:t>&gt; </a:t>
+            </a:r>
+            <a:r>
+              <a:rPr lang="es-ES_tradnl" dirty="0" smtClean="0">
+                <a:sym typeface="Wingdings" panose="05000000000000000000" pitchFamily="2" charset="2"/>
+              </a:rPr>
+              <a:t> </a:t>
+            </a:r>
+            <a:r>
+              <a:rPr lang="es-ES_tradnl" dirty="0" err="1" smtClean="0">
+                <a:sym typeface="Wingdings" panose="05000000000000000000" pitchFamily="2" charset="2"/>
+              </a:rPr>
+              <a:t>imagenes</a:t>
+            </a:r>
+            <a:endParaRPr lang="es-ES_tradnl" dirty="0" smtClean="0"/>
+          </a:p>
+          <a:p>
+            <a:r>
+              <a:rPr lang="es-ES_tradnl" dirty="0" smtClean="0"/>
+              <a:t>&lt;input</a:t>
+            </a:r>
+            <a:r>
+              <a:rPr lang="es-ES_tradnl" dirty="0" smtClean="0"/>
+              <a:t>&gt;, &lt;</a:t>
+            </a:r>
+            <a:r>
+              <a:rPr lang="es-ES_tradnl" dirty="0" err="1" smtClean="0"/>
+              <a:t>form</a:t>
+            </a:r>
+            <a:r>
+              <a:rPr lang="es-ES_tradnl" dirty="0" smtClean="0"/>
+              <a:t>&gt; </a:t>
+            </a:r>
+            <a:r>
+              <a:rPr lang="es-ES_tradnl" dirty="0" smtClean="0">
+                <a:sym typeface="Wingdings" panose="05000000000000000000" pitchFamily="2" charset="2"/>
+              </a:rPr>
+              <a:t> </a:t>
+            </a:r>
+            <a:r>
+              <a:rPr lang="es-ES_tradnl" dirty="0" smtClean="0">
+                <a:sym typeface="Wingdings" panose="05000000000000000000" pitchFamily="2" charset="2"/>
+              </a:rPr>
+              <a:t>elementos para formularios</a:t>
+            </a:r>
+          </a:p>
+          <a:p>
+            <a:r>
+              <a:rPr lang="es-ES_tradnl" dirty="0" smtClean="0">
+                <a:sym typeface="Wingdings" panose="05000000000000000000" pitchFamily="2" charset="2"/>
+              </a:rPr>
+              <a:t>&lt;</a:t>
+            </a:r>
+            <a:r>
+              <a:rPr lang="es-ES_tradnl" dirty="0" err="1" smtClean="0">
+                <a:sym typeface="Wingdings" panose="05000000000000000000" pitchFamily="2" charset="2"/>
+              </a:rPr>
+              <a:t>table</a:t>
+            </a:r>
+            <a:r>
+              <a:rPr lang="es-ES_tradnl" dirty="0" smtClean="0">
+                <a:sym typeface="Wingdings" panose="05000000000000000000" pitchFamily="2" charset="2"/>
+              </a:rPr>
+              <a:t>&gt;, &lt;</a:t>
+            </a:r>
+            <a:r>
+              <a:rPr lang="es-ES_tradnl" dirty="0" err="1" smtClean="0">
+                <a:sym typeface="Wingdings" panose="05000000000000000000" pitchFamily="2" charset="2"/>
+              </a:rPr>
+              <a:t>tr</a:t>
+            </a:r>
+            <a:r>
+              <a:rPr lang="es-ES_tradnl" dirty="0" smtClean="0">
+                <a:sym typeface="Wingdings" panose="05000000000000000000" pitchFamily="2" charset="2"/>
+              </a:rPr>
+              <a:t>&gt;, &lt;</a:t>
+            </a:r>
+            <a:r>
+              <a:rPr lang="es-ES_tradnl" dirty="0" err="1" smtClean="0">
+                <a:sym typeface="Wingdings" panose="05000000000000000000" pitchFamily="2" charset="2"/>
+              </a:rPr>
+              <a:t>th</a:t>
+            </a:r>
+            <a:r>
+              <a:rPr lang="es-ES_tradnl" dirty="0" smtClean="0">
+                <a:sym typeface="Wingdings" panose="05000000000000000000" pitchFamily="2" charset="2"/>
+              </a:rPr>
+              <a:t>&gt;, &lt;</a:t>
+            </a:r>
+            <a:r>
+              <a:rPr lang="es-ES_tradnl" dirty="0" err="1" smtClean="0">
+                <a:sym typeface="Wingdings" panose="05000000000000000000" pitchFamily="2" charset="2"/>
+              </a:rPr>
+              <a:t>td</a:t>
+            </a:r>
+            <a:r>
+              <a:rPr lang="es-ES_tradnl" dirty="0" smtClean="0">
+                <a:sym typeface="Wingdings" panose="05000000000000000000" pitchFamily="2" charset="2"/>
+              </a:rPr>
+              <a:t>&gt;  Elementos para la creación de tablas</a:t>
+            </a:r>
+          </a:p>
+          <a:p>
+            <a:r>
+              <a:rPr lang="es-ES_tradnl" dirty="0" smtClean="0">
+                <a:sym typeface="Wingdings" panose="05000000000000000000" pitchFamily="2" charset="2"/>
+              </a:rPr>
+              <a:t>&lt;</a:t>
+            </a:r>
+            <a:r>
+              <a:rPr lang="es-ES_tradnl" dirty="0" err="1" smtClean="0">
+                <a:sym typeface="Wingdings" panose="05000000000000000000" pitchFamily="2" charset="2"/>
+              </a:rPr>
+              <a:t>ul</a:t>
+            </a:r>
+            <a:r>
+              <a:rPr lang="es-ES_tradnl" dirty="0">
+                <a:sym typeface="Wingdings" panose="05000000000000000000" pitchFamily="2" charset="2"/>
+              </a:rPr>
+              <a:t>&gt;, &lt;</a:t>
+            </a:r>
+            <a:r>
+              <a:rPr lang="es-ES_tradnl" dirty="0" err="1">
+                <a:sym typeface="Wingdings" panose="05000000000000000000" pitchFamily="2" charset="2"/>
+              </a:rPr>
+              <a:t>ol</a:t>
+            </a:r>
+            <a:r>
+              <a:rPr lang="es-ES_tradnl" dirty="0">
+                <a:sym typeface="Wingdings" panose="05000000000000000000" pitchFamily="2" charset="2"/>
+              </a:rPr>
+              <a:t>&gt;, </a:t>
+            </a:r>
+            <a:r>
+              <a:rPr lang="es-ES_tradnl" dirty="0" smtClean="0">
+                <a:sym typeface="Wingdings" panose="05000000000000000000" pitchFamily="2" charset="2"/>
+              </a:rPr>
+              <a:t>&lt;li&gt;  Elementos para creación de listas</a:t>
             </a:r>
             <a:endParaRPr lang="en-US" dirty="0"/>
           </a:p>
@@ -4272,7 +5131,7 @@
     </p:spTree>
     <p:extLst>
       <p:ext uri="{BB962C8B-B14F-4D97-AF65-F5344CB8AC3E}">
-        <p14:creationId xmlns:p14="http://schemas.microsoft.com/office/powerpoint/2010/main" val="1199194102"/>
+        <p14:creationId xmlns:p14="http://schemas.microsoft.com/office/powerpoint/2010/main" val="3310390303"/>
       </p:ext>
     </p:extLst>
   </p:cSld>
@@ -4316,44 +5175,60 @@
           <a:p>
             <a:r>
               <a:rPr lang="es-ES_tradnl" dirty="0" smtClean="0"/>
-              <a:t>Nuevos </a:t>
+              <a:t>Elementos básicos Head</a:t>
+            </a:r>
+            <a:endParaRPr lang="en-US" dirty="0"/>
+          </a:p>
+        </p:txBody>
+      </p:sp>
+      <p:sp>
+        <p:nvSpPr>
+          <p:cNvPr id="3" name="Content Placeholder 2"/>
+          <p:cNvSpPr>
+            <a:spLocks noGrp="1"/>
+          </p:cNvSpPr>
+          <p:nvPr>
+            <p:ph idx="1"/>
+          </p:nvPr>
+        </p:nvSpPr>
+        <p:spPr/>
+        <p:txBody>
+          <a:bodyPr/>
+          <a:lstStyle/>
+          <a:p>
+            <a:r>
+              <a:rPr lang="es-ES_tradnl" dirty="0" smtClean="0"/>
+              <a:t>&lt;</a:t>
+            </a:r>
+            <a:r>
+              <a:rPr lang="es-ES_tradnl" dirty="0" err="1"/>
+              <a:t>t</a:t>
             </a:r>
             <a:r>
               <a:rPr lang="es-ES_tradnl" dirty="0" err="1" smtClean="0"/>
-              <a:t>Tags</a:t>
-            </a:r>
-            <a:r>
-              <a:rPr lang="es-ES_tradnl" dirty="0" smtClean="0"/>
-              <a:t> (media)</a:t>
-            </a:r>
-            <a:endParaRPr lang="en-US" dirty="0"/>
-          </a:p>
-        </p:txBody>
-      </p:sp>
-      <p:sp>
-        <p:nvSpPr>
-          <p:cNvPr id="3" name="Content Placeholder 2"/>
-          <p:cNvSpPr>
-            <a:spLocks noGrp="1"/>
-          </p:cNvSpPr>
-          <p:nvPr>
-            <p:ph idx="1"/>
-          </p:nvPr>
-        </p:nvSpPr>
-        <p:spPr/>
-        <p:txBody>
-          <a:bodyPr/>
-          <a:lstStyle/>
-          <a:p>
-            <a:r>
-              <a:rPr lang="es-ES_tradnl" dirty="0" smtClean="0"/>
-              <a:t>&lt;audio&gt;</a:t>
-            </a:r>
-          </a:p>
-          <a:p>
-            <a:r>
-              <a:rPr lang="es-ES_tradnl" dirty="0" smtClean="0"/>
-              <a:t>&lt;video&gt;</a:t>
+              <a:t>itle</a:t>
+            </a:r>
+            <a:r>
+              <a:rPr lang="es-ES_tradnl" dirty="0" smtClean="0"/>
+              <a:t>&gt;</a:t>
+            </a:r>
+          </a:p>
+          <a:p>
+            <a:r>
+              <a:rPr lang="es-ES_tradnl" dirty="0" smtClean="0"/>
+              <a:t>&lt;meta&gt;</a:t>
+            </a:r>
+          </a:p>
+          <a:p>
+            <a:r>
+              <a:rPr lang="es-ES_tradnl" dirty="0" smtClean="0"/>
+              <a:t>&lt;link&gt;</a:t>
+            </a:r>
+          </a:p>
+          <a:p>
+            <a:r>
+              <a:rPr lang="es-ES_tradnl" dirty="0" smtClean="0"/>
+              <a:t>&lt;script&gt;</a:t>
             </a:r>
           </a:p>
           <a:p>
@@ -4363,7 +5238,7 @@
             </a:r>
             <a:r>
               <a:rPr lang="es-ES_tradnl" dirty="0" err="1" smtClean="0"/>
-              <a:t>canvas</a:t>
+              <a:t>style</a:t>
             </a:r>
             <a:r>
               <a:rPr lang="es-ES_tradnl" dirty="0" smtClean="0"/>
@@ -4376,7 +5251,7 @@
     </p:spTree>
     <p:extLst>
       <p:ext uri="{BB962C8B-B14F-4D97-AF65-F5344CB8AC3E}">
-        <p14:creationId xmlns:p14="http://schemas.microsoft.com/office/powerpoint/2010/main" val="2125965985"/>
+        <p14:creationId xmlns:p14="http://schemas.microsoft.com/office/powerpoint/2010/main" val="202465279"/>
       </p:ext>
     </p:extLst>
   </p:cSld>
@@ -4420,163 +5295,97 @@
           <a:p>
             <a:r>
               <a:rPr lang="es-ES_tradnl" dirty="0" smtClean="0"/>
+              <a:t>HTML 5</a:t>
+            </a:r>
+            <a:endParaRPr lang="en-US" dirty="0"/>
+          </a:p>
+        </p:txBody>
+      </p:sp>
+      <p:sp>
+        <p:nvSpPr>
+          <p:cNvPr id="3" name="Content Placeholder 2"/>
+          <p:cNvSpPr>
+            <a:spLocks noGrp="1"/>
+          </p:cNvSpPr>
+          <p:nvPr>
+            <p:ph idx="1"/>
+          </p:nvPr>
+        </p:nvSpPr>
+        <p:spPr/>
+        <p:txBody>
+          <a:bodyPr/>
+          <a:lstStyle/>
+          <a:p>
+            <a:r>
+              <a:rPr lang="es-ES_tradnl" dirty="0" smtClean="0"/>
+              <a:t>&lt;!DOCTYPE </a:t>
+            </a:r>
+            <a:r>
+              <a:rPr lang="es-ES_tradnl" dirty="0" err="1" smtClean="0"/>
+              <a:t>html</a:t>
+            </a:r>
+            <a:r>
+              <a:rPr lang="es-ES_tradnl" dirty="0" smtClean="0"/>
+              <a:t>&gt;</a:t>
+            </a:r>
+          </a:p>
+          <a:p>
+            <a:r>
+              <a:rPr lang="es-ES_tradnl" dirty="0" smtClean="0"/>
               <a:t>Nuevos </a:t>
             </a:r>
             <a:r>
               <a:rPr lang="es-ES_tradnl" dirty="0" err="1" smtClean="0"/>
               <a:t>tags</a:t>
             </a:r>
-            <a:r>
-              <a:rPr lang="es-ES_tradnl" dirty="0" smtClean="0"/>
-              <a:t> (estructurales)</a:t>
-            </a:r>
-            <a:endParaRPr lang="en-US" dirty="0"/>
-          </a:p>
-        </p:txBody>
-      </p:sp>
-      <p:sp>
-        <p:nvSpPr>
-          <p:cNvPr id="3" name="Content Placeholder 2"/>
-          <p:cNvSpPr>
-            <a:spLocks noGrp="1"/>
-          </p:cNvSpPr>
-          <p:nvPr>
-            <p:ph idx="1"/>
-          </p:nvPr>
-        </p:nvSpPr>
-        <p:spPr/>
-        <p:txBody>
-          <a:bodyPr/>
-          <a:lstStyle/>
-          <a:p>
-            <a:r>
-              <a:rPr lang="es-ES_tradnl" dirty="0" smtClean="0"/>
-              <a:t>&lt;</a:t>
-            </a:r>
-            <a:r>
-              <a:rPr lang="es-ES_tradnl" dirty="0" err="1" smtClean="0"/>
-              <a:t>header</a:t>
-            </a:r>
-            <a:r>
-              <a:rPr lang="es-ES_tradnl" dirty="0" smtClean="0"/>
-              <a:t>&gt; </a:t>
+            <a:endParaRPr lang="es-ES_tradnl" dirty="0" smtClean="0"/>
+          </a:p>
+          <a:p>
+            <a:r>
+              <a:rPr lang="es-ES_tradnl" dirty="0" smtClean="0"/>
+              <a:t>Performance e Integración</a:t>
+            </a:r>
+          </a:p>
+          <a:p>
+            <a:r>
+              <a:rPr lang="es-ES_tradnl" dirty="0" smtClean="0"/>
+              <a:t>Conectividad </a:t>
             </a:r>
             <a:r>
               <a:rPr lang="es-ES_tradnl" dirty="0" smtClean="0">
                 <a:sym typeface="Wingdings" panose="05000000000000000000" pitchFamily="2" charset="2"/>
               </a:rPr>
-              <a:t> encabezado</a:t>
-            </a:r>
-            <a:endParaRPr lang="es-ES_tradnl" dirty="0" smtClean="0"/>
-          </a:p>
-          <a:p>
-            <a:r>
-              <a:rPr lang="es-ES_tradnl" dirty="0" smtClean="0"/>
-              <a:t>&lt;</a:t>
-            </a:r>
-            <a:r>
-              <a:rPr lang="es-ES_tradnl" dirty="0" err="1" smtClean="0"/>
-              <a:t>aside</a:t>
-            </a:r>
-            <a:r>
-              <a:rPr lang="es-ES_tradnl" dirty="0" smtClean="0"/>
-              <a:t>&gt; </a:t>
-            </a:r>
+              <a:t> web sockets</a:t>
+            </a:r>
+          </a:p>
+          <a:p>
             <a:r>
               <a:rPr lang="es-ES_tradnl" dirty="0" smtClean="0">
                 <a:sym typeface="Wingdings" panose="05000000000000000000" pitchFamily="2" charset="2"/>
               </a:rPr>
-              <a:t> </a:t>
-            </a:r>
+              <a:t>Offline y Storage</a:t>
+            </a:r>
+          </a:p>
+          <a:p>
             <a:r>
               <a:rPr lang="es-ES_tradnl" dirty="0" err="1" smtClean="0">
                 <a:sym typeface="Wingdings" panose="05000000000000000000" pitchFamily="2" charset="2"/>
               </a:rPr>
-              <a:t>info</a:t>
+              <a:t>Device</a:t>
             </a:r>
             <a:r>
               <a:rPr lang="es-ES_tradnl" dirty="0" smtClean="0">
                 <a:sym typeface="Wingdings" panose="05000000000000000000" pitchFamily="2" charset="2"/>
               </a:rPr>
-              <a:t> complementaria / </a:t>
-            </a:r>
-            <a:r>
-              <a:rPr lang="es-ES_tradnl" dirty="0" err="1" smtClean="0">
-                <a:sym typeface="Wingdings" panose="05000000000000000000" pitchFamily="2" charset="2"/>
-              </a:rPr>
-              <a:t>sidebar</a:t>
-            </a:r>
-            <a:endParaRPr lang="es-ES_tradnl" dirty="0" smtClean="0"/>
-          </a:p>
-          <a:p>
-            <a:r>
-              <a:rPr lang="es-ES_tradnl" dirty="0" smtClean="0"/>
-              <a:t>&lt;</a:t>
-            </a:r>
-            <a:r>
-              <a:rPr lang="es-ES_tradnl" dirty="0" err="1" smtClean="0"/>
-              <a:t>footer</a:t>
-            </a:r>
-            <a:r>
-              <a:rPr lang="es-ES_tradnl" dirty="0" smtClean="0"/>
-              <a:t>&gt; </a:t>
-            </a:r>
-            <a:r>
-              <a:rPr lang="es-ES_tradnl" dirty="0" smtClean="0">
-                <a:sym typeface="Wingdings" panose="05000000000000000000" pitchFamily="2" charset="2"/>
-              </a:rPr>
-              <a:t> pie de página</a:t>
-            </a:r>
-            <a:endParaRPr lang="es-ES_tradnl" dirty="0" smtClean="0"/>
-          </a:p>
-          <a:p>
-            <a:r>
-              <a:rPr lang="es-ES_tradnl" dirty="0" smtClean="0"/>
-              <a:t>&lt;</a:t>
-            </a:r>
-            <a:r>
-              <a:rPr lang="es-ES_tradnl" dirty="0" err="1" smtClean="0"/>
-              <a:t>hgroup</a:t>
-            </a:r>
-            <a:r>
-              <a:rPr lang="es-ES_tradnl" dirty="0" smtClean="0"/>
-              <a:t>&gt; </a:t>
-            </a:r>
-            <a:r>
-              <a:rPr lang="es-ES_tradnl" dirty="0" smtClean="0">
-                <a:sym typeface="Wingdings" panose="05000000000000000000" pitchFamily="2" charset="2"/>
-              </a:rPr>
-              <a:t> grupo de encabezados</a:t>
-            </a:r>
-            <a:endParaRPr lang="es-ES_tradnl" dirty="0" smtClean="0"/>
-          </a:p>
-          <a:p>
-            <a:r>
-              <a:rPr lang="es-ES_tradnl" dirty="0" smtClean="0"/>
-              <a:t>&lt;</a:t>
-            </a:r>
-            <a:r>
-              <a:rPr lang="es-ES_tradnl" dirty="0" err="1" smtClean="0"/>
-              <a:t>nav</a:t>
-            </a:r>
-            <a:r>
-              <a:rPr lang="es-ES_tradnl" dirty="0" smtClean="0"/>
-              <a:t>&gt; </a:t>
-            </a:r>
-            <a:r>
-              <a:rPr lang="es-ES_tradnl" dirty="0" smtClean="0">
-                <a:sym typeface="Wingdings" panose="05000000000000000000" pitchFamily="2" charset="2"/>
-              </a:rPr>
-              <a:t> menú de navegación</a:t>
-            </a:r>
-            <a:endParaRPr lang="en-US" dirty="0" smtClean="0"/>
+              <a:t> Access</a:t>
+            </a:r>
           </a:p>
         </p:txBody>
       </p:sp>
     </p:spTree>
     <p:extLst>
       <p:ext uri="{BB962C8B-B14F-4D97-AF65-F5344CB8AC3E}">
-        <p14:creationId xmlns:p14="http://schemas.microsoft.com/office/powerpoint/2010/main" val="3014043091"/>
+        <p14:creationId xmlns:p14="http://schemas.microsoft.com/office/powerpoint/2010/main" val="1199194102"/>
       </p:ext>
     </p:extLst>
   </p:cSld>
@@ -4624,11 +5433,134 @@
             </a:r>
             <a:r>
               <a:rPr lang="es-ES_tradnl" dirty="0" err="1" smtClean="0"/>
+              <a:t>Tags</a:t>
+            </a:r>
+            <a:r>
+              <a:rPr lang="es-ES_tradnl" dirty="0" smtClean="0"/>
+              <a:t> (media)</a:t>
+            </a:r>
+            <a:endParaRPr lang="en-US" dirty="0"/>
+          </a:p>
+        </p:txBody>
+      </p:sp>
+      <p:sp>
+        <p:nvSpPr>
+          <p:cNvPr id="3" name="Content Placeholder 2"/>
+          <p:cNvSpPr>
+            <a:spLocks noGrp="1"/>
+          </p:cNvSpPr>
+          <p:nvPr>
+            <p:ph idx="1"/>
+          </p:nvPr>
+        </p:nvSpPr>
+        <p:spPr/>
+        <p:txBody>
+          <a:bodyPr/>
+          <a:lstStyle/>
+          <a:p>
+            <a:r>
+              <a:rPr lang="es-ES_tradnl" dirty="0" smtClean="0"/>
+              <a:t>&lt;audio&gt;</a:t>
+            </a:r>
+          </a:p>
+          <a:p>
+            <a:r>
+              <a:rPr lang="es-ES_tradnl" dirty="0" smtClean="0"/>
+              <a:t>&lt;video&gt;</a:t>
+            </a:r>
+          </a:p>
+          <a:p>
+            <a:r>
+              <a:rPr lang="es-ES_tradnl" dirty="0" smtClean="0"/>
+              <a:t>&lt;</a:t>
+            </a:r>
+            <a:r>
+              <a:rPr lang="es-ES_tradnl" dirty="0" err="1" smtClean="0"/>
+              <a:t>canvas</a:t>
+            </a:r>
+            <a:r>
+              <a:rPr lang="es-ES_tradnl" dirty="0" smtClean="0"/>
+              <a:t>&gt;</a:t>
+            </a:r>
+          </a:p>
+          <a:p>
+            <a:pPr lvl="1"/>
+            <a:r>
+              <a:rPr lang="es-ES_tradnl" dirty="0" err="1" smtClean="0"/>
+              <a:t>Graficos</a:t>
+            </a:r>
+            <a:r>
+              <a:rPr lang="es-ES_tradnl" dirty="0" smtClean="0"/>
+              <a:t> 2D y 3D (usado </a:t>
+            </a:r>
+            <a:r>
+              <a:rPr lang="es-ES_tradnl" dirty="0" err="1" smtClean="0"/>
+              <a:t>WebGL</a:t>
+            </a:r>
+            <a:r>
+              <a:rPr lang="es-ES_tradnl" dirty="0" smtClean="0"/>
+              <a:t>)</a:t>
+            </a:r>
+            <a:endParaRPr lang="en-US" dirty="0"/>
+          </a:p>
+        </p:txBody>
+      </p:sp>
+    </p:spTree>
+    <p:extLst>
+      <p:ext uri="{BB962C8B-B14F-4D97-AF65-F5344CB8AC3E}">
+        <p14:creationId xmlns:p14="http://schemas.microsoft.com/office/powerpoint/2010/main" val="2125965985"/>
+      </p:ext>
+    </p:extLst>
+  </p:cSld>
+  <p:clrMapOvr>
+    <a:masterClrMapping/>
+  </p:clrMapOvr>
+</p:sld>
+</file>
+
+<file path=ppt/slides/slide16.xml><?xml version="1.0" encoding="utf-8"?>
+<p:sld xmlns:a="http://schemas.openxmlformats.org/drawingml/2006/main" xmlns:r="http://schemas.openxmlformats.org/officeDocument/2006/relationships" xmlns:p="http://schemas.openxmlformats.org/presentationml/2006/main">
+  <p:cSld>
+    <p:spTree>
+      <p:nvGrpSpPr>
+        <p:cNvPr id="1" name=""/>
+        <p:cNvGrpSpPr/>
+        <p:nvPr/>
+      </p:nvGrpSpPr>
+      <p:grpSpPr>
+        <a:xfrm>
+          <a:off x="0" y="0"/>
+          <a:ext cx="0" cy="0"/>
+          <a:chOff x="0" y="0"/>
+          <a:chExt cx="0" cy="0"/>
+        </a:xfrm>
+      </p:grpSpPr>
+      <p:sp>
+        <p:nvSpPr>
+          <p:cNvPr id="2" name="Title 1"/>
+          <p:cNvSpPr>
+            <a:spLocks noGrp="1"/>
+          </p:cNvSpPr>
+          <p:nvPr>
+            <p:ph type="title"/>
+          </p:nvPr>
+        </p:nvSpPr>
+        <p:spPr/>
+        <p:txBody>
+          <a:bodyPr/>
+          <a:lstStyle/>
+          <a:p>
+            <a:r>
+              <a:rPr lang="es-ES_tradnl" dirty="0" smtClean="0"/>
+              <a:t>Nuevos </a:t>
+            </a:r>
+            <a:r>
+              <a:rPr lang="es-ES_tradnl" dirty="0" err="1" smtClean="0"/>
               <a:t>tags</a:t>
             </a:r>
             <a:r>
               <a:rPr lang="es-ES_tradnl" dirty="0" smtClean="0"/>
-              <a:t> (semánticos)</a:t>
+              <a:t> (estructurales)</a:t>
             </a:r>
             <a:endParaRPr lang="en-US" dirty="0"/>
           </a:p>
@@ -4648,6 +5580,134 @@
         <p:txBody>
           <a:bodyPr/>
           <a:lstStyle/>
+          <a:p>
+            <a:r>
+              <a:rPr lang="es-ES_tradnl" dirty="0" smtClean="0"/>
+              <a:t>&lt;</a:t>
+            </a:r>
+            <a:r>
+              <a:rPr lang="es-ES_tradnl" dirty="0" err="1" smtClean="0"/>
+              <a:t>header</a:t>
+            </a:r>
+            <a:r>
+              <a:rPr lang="es-ES_tradnl" dirty="0" smtClean="0"/>
+              <a:t>&gt; </a:t>
+            </a:r>
+            <a:r>
+              <a:rPr lang="es-ES_tradnl" dirty="0" smtClean="0">
+                <a:sym typeface="Wingdings" panose="05000000000000000000" pitchFamily="2" charset="2"/>
+              </a:rPr>
+              <a:t> encabezado</a:t>
+            </a:r>
+            <a:endParaRPr lang="es-ES_tradnl" dirty="0" smtClean="0"/>
+          </a:p>
+          <a:p>
+            <a:r>
+              <a:rPr lang="es-ES_tradnl" dirty="0" smtClean="0"/>
+              <a:t>&lt;</a:t>
+            </a:r>
+            <a:r>
+              <a:rPr lang="es-ES_tradnl" dirty="0" err="1" smtClean="0"/>
+              <a:t>aside</a:t>
+            </a:r>
+            <a:r>
+              <a:rPr lang="es-ES_tradnl" dirty="0" smtClean="0"/>
+              <a:t>&gt; </a:t>
+            </a:r>
+            <a:r>
+              <a:rPr lang="es-ES_tradnl" dirty="0" smtClean="0">
+                <a:sym typeface="Wingdings" panose="05000000000000000000" pitchFamily="2" charset="2"/>
+              </a:rPr>
+              <a:t> </a:t>
+            </a:r>
+            <a:r>
+              <a:rPr lang="es-ES_tradnl" dirty="0" err="1" smtClean="0">
+                <a:sym typeface="Wingdings" panose="05000000000000000000" pitchFamily="2" charset="2"/>
+              </a:rPr>
+              <a:t>info</a:t>
+            </a:r>
+            <a:r>
+              <a:rPr lang="es-ES_tradnl" dirty="0" smtClean="0">
+                <a:sym typeface="Wingdings" panose="05000000000000000000" pitchFamily="2" charset="2"/>
+              </a:rPr>
+              <a:t> complementaria / </a:t>
+            </a:r>
+            <a:r>
+              <a:rPr lang="es-ES_tradnl" dirty="0" err="1" smtClean="0">
+                <a:sym typeface="Wingdings" panose="05000000000000000000" pitchFamily="2" charset="2"/>
+              </a:rPr>
+              <a:t>sidebar</a:t>
+            </a:r>
+            <a:endParaRPr lang="es-ES_tradnl" dirty="0" smtClean="0"/>
+          </a:p>
+          <a:p>
+            <a:r>
+              <a:rPr lang="es-ES_tradnl" dirty="0" smtClean="0"/>
+              <a:t>&lt;</a:t>
+            </a:r>
+            <a:r>
+              <a:rPr lang="es-ES_tradnl" dirty="0" err="1" smtClean="0"/>
+              <a:t>footer</a:t>
+            </a:r>
+            <a:r>
+              <a:rPr lang="es-ES_tradnl" dirty="0" smtClean="0"/>
+              <a:t>&gt; </a:t>
+            </a:r>
+            <a:r>
+              <a:rPr lang="es-ES_tradnl" dirty="0" smtClean="0">
+                <a:sym typeface="Wingdings" panose="05000000000000000000" pitchFamily="2" charset="2"/>
+              </a:rPr>
+              <a:t> pie de página</a:t>
+            </a:r>
+            <a:endParaRPr lang="es-ES_tradnl" dirty="0" smtClean="0"/>
+          </a:p>
+          <a:p>
+            <a:r>
+              <a:rPr lang="es-ES_tradnl" dirty="0" smtClean="0"/>
+              <a:t>&lt;</a:t>
+            </a:r>
+            <a:r>
+              <a:rPr lang="es-ES_tradnl" dirty="0" err="1" smtClean="0"/>
+              <a:t>hgroup</a:t>
+            </a:r>
+            <a:r>
+              <a:rPr lang="es-ES_tradnl" dirty="0" smtClean="0"/>
+              <a:t>&gt; </a:t>
+            </a:r>
+            <a:r>
+              <a:rPr lang="es-ES_tradnl" dirty="0" smtClean="0">
+                <a:sym typeface="Wingdings" panose="05000000000000000000" pitchFamily="2" charset="2"/>
+              </a:rPr>
+              <a:t> grupo de encabezados</a:t>
+            </a:r>
+            <a:endParaRPr lang="es-ES_tradnl" dirty="0" smtClean="0"/>
+          </a:p>
+          <a:p>
+            <a:r>
+              <a:rPr lang="es-ES_tradnl" dirty="0" smtClean="0"/>
+              <a:t>&lt;</a:t>
+            </a:r>
+            <a:r>
+              <a:rPr lang="es-ES_tradnl" dirty="0" err="1" smtClean="0"/>
+              <a:t>nav</a:t>
+            </a:r>
+            <a:r>
+              <a:rPr lang="es-ES_tradnl" dirty="0" smtClean="0"/>
+              <a:t>&gt; </a:t>
+            </a:r>
+            <a:r>
+              <a:rPr lang="es-ES_tradnl" dirty="0" smtClean="0">
+                <a:sym typeface="Wingdings" panose="05000000000000000000" pitchFamily="2" charset="2"/>
+              </a:rPr>
+              <a:t> menú de </a:t>
+            </a:r>
+            <a:r>
+              <a:rPr lang="es-ES_tradnl" dirty="0" smtClean="0">
+                <a:sym typeface="Wingdings" panose="05000000000000000000" pitchFamily="2" charset="2"/>
+              </a:rPr>
+              <a:t>navegación</a:t>
+            </a:r>
+          </a:p>
           <a:p>
             <a:r>
               <a:rPr lang="es-ES_tradnl" dirty="0"/>
@@ -4658,48 +5718,254 @@
               <a:t>article</a:t>
             </a:r>
             <a:r>
-              <a:rPr lang="es-ES_tradnl" dirty="0" smtClean="0"/>
+              <a:rPr lang="es-ES_tradnl" dirty="0"/>
               <a:t>&gt; </a:t>
+            </a:r>
+            <a:r>
+              <a:rPr lang="es-ES_tradnl" dirty="0">
+                <a:sym typeface="Wingdings" panose="05000000000000000000" pitchFamily="2" charset="2"/>
+              </a:rPr>
+              <a:t> unidad de información</a:t>
+            </a:r>
+            <a:endParaRPr lang="es-ES_tradnl" dirty="0"/>
+          </a:p>
+          <a:p>
+            <a:r>
+              <a:rPr lang="es-ES_tradnl" dirty="0"/>
+              <a:t>&lt;</a:t>
+            </a:r>
+            <a:r>
+              <a:rPr lang="es-ES_tradnl" dirty="0" err="1"/>
+              <a:t>section</a:t>
+            </a:r>
+            <a:r>
+              <a:rPr lang="es-ES_tradnl" dirty="0"/>
+              <a:t>&gt; </a:t>
+            </a:r>
+            <a:r>
+              <a:rPr lang="es-ES_tradnl" dirty="0">
+                <a:sym typeface="Wingdings" panose="05000000000000000000" pitchFamily="2" charset="2"/>
+              </a:rPr>
+              <a:t> grupo de unidades de </a:t>
             </a:r>
             <a:r>
               <a:rPr lang="es-ES_tradnl" dirty="0" smtClean="0">
                 <a:sym typeface="Wingdings" panose="05000000000000000000" pitchFamily="2" charset="2"/>
               </a:rPr>
-              <a:t> unidad de información</a:t>
+              <a:t>información</a:t>
             </a:r>
             <a:endParaRPr lang="es-ES_tradnl" dirty="0"/>
           </a:p>
+        </p:txBody>
+      </p:sp>
+    </p:spTree>
+    <p:extLst>
+      <p:ext uri="{BB962C8B-B14F-4D97-AF65-F5344CB8AC3E}">
+        <p14:creationId xmlns:p14="http://schemas.microsoft.com/office/powerpoint/2010/main" val="3014043091"/>
+      </p:ext>
+    </p:extLst>
+  </p:cSld>
+  <p:clrMapOvr>
+    <a:masterClrMapping/>
+  </p:clrMapOvr>
+</p:sld>
+</file>
+
+<file path=ppt/slides/slide17.xml><?xml version="1.0" encoding="utf-8"?>
+<p:sld xmlns:a="http://schemas.openxmlformats.org/drawingml/2006/main" xmlns:r="http://schemas.openxmlformats.org/officeDocument/2006/relationships" xmlns:p="http://schemas.openxmlformats.org/presentationml/2006/main">
+  <p:cSld>
+    <p:spTree>
+      <p:nvGrpSpPr>
+        <p:cNvPr id="1" name=""/>
+        <p:cNvGrpSpPr/>
+        <p:nvPr/>
+      </p:nvGrpSpPr>
+      <p:grpSpPr>
+        <a:xfrm>
+          <a:off x="0" y="0"/>
+          <a:ext cx="0" cy="0"/>
+          <a:chOff x="0" y="0"/>
+          <a:chExt cx="0" cy="0"/>
+        </a:xfrm>
+      </p:grpSpPr>
+      <p:sp>
+        <p:nvSpPr>
+          <p:cNvPr id="2" name="Title 1"/>
+          <p:cNvSpPr>
+            <a:spLocks noGrp="1"/>
+          </p:cNvSpPr>
+          <p:nvPr>
+            <p:ph type="title"/>
+          </p:nvPr>
+        </p:nvSpPr>
+        <p:spPr/>
+        <p:txBody>
+          <a:bodyPr/>
+          <a:lstStyle/>
+          <a:p>
+            <a:r>
+              <a:rPr lang="es-ES_tradnl" dirty="0" smtClean="0"/>
+              <a:t>Nuevos </a:t>
+            </a:r>
+            <a:r>
+              <a:rPr lang="es-ES_tradnl" dirty="0" err="1" smtClean="0"/>
+              <a:t>tags</a:t>
+            </a:r>
+            <a:r>
+              <a:rPr lang="es-ES_tradnl" dirty="0" smtClean="0"/>
+              <a:t> (semánticos)</a:t>
+            </a:r>
+            <a:endParaRPr lang="en-US" dirty="0"/>
+          </a:p>
+        </p:txBody>
+      </p:sp>
+      <p:sp>
+        <p:nvSpPr>
+          <p:cNvPr id="3" name="Content Placeholder 2"/>
+          <p:cNvSpPr>
+            <a:spLocks noGrp="1"/>
+          </p:cNvSpPr>
+          <p:nvPr>
+            <p:ph idx="1"/>
+          </p:nvPr>
+        </p:nvSpPr>
+        <p:spPr/>
+        <p:txBody>
+          <a:bodyPr/>
+          <a:lstStyle/>
           <a:p>
             <a:r>
               <a:rPr lang="es-ES_tradnl" dirty="0" smtClean="0"/>
               <a:t>&lt;</a:t>
             </a:r>
             <a:r>
-              <a:rPr lang="es-ES_tradnl" dirty="0" err="1" smtClean="0"/>
-              <a:t>section</a:t>
-            </a:r>
-            <a:r>
-              <a:rPr lang="es-ES_tradnl" dirty="0" smtClean="0"/>
-              <a:t>&gt; </a:t>
+              <a:rPr lang="es-ES_tradnl" dirty="0" smtClean="0"/>
+              <a:t>time&gt; </a:t>
             </a:r>
             <a:r>
               <a:rPr lang="es-ES_tradnl" dirty="0" smtClean="0">
                 <a:sym typeface="Wingdings" panose="05000000000000000000" pitchFamily="2" charset="2"/>
               </a:rPr>
-              <a:t> grupo de unidades de información</a:t>
-            </a:r>
-            <a:endParaRPr lang="es-ES_tradnl" dirty="0" smtClean="0"/>
-          </a:p>
-          <a:p>
-            <a:r>
-              <a:rPr lang="es-ES_tradnl" dirty="0" smtClean="0"/>
-              <a:t>&lt;time&gt; </a:t>
+              <a:t> </a:t>
             </a:r>
             <a:r>
               <a:rPr lang="es-ES_tradnl" dirty="0" smtClean="0">
                 <a:sym typeface="Wingdings" panose="05000000000000000000" pitchFamily="2" charset="2"/>
               </a:rPr>
-              <a:t> fecha/hora</a:t>
+              <a:t>fecha/hora</a:t>
+            </a:r>
+          </a:p>
+          <a:p>
+            <a:r>
+              <a:rPr lang="es-ES_tradnl" dirty="0">
+                <a:sym typeface="Wingdings" panose="05000000000000000000" pitchFamily="2" charset="2"/>
+              </a:rPr>
+              <a:t>&lt;</a:t>
+            </a:r>
+            <a:r>
+              <a:rPr lang="es-ES_tradnl" dirty="0" smtClean="0">
+                <a:sym typeface="Wingdings" panose="05000000000000000000" pitchFamily="2" charset="2"/>
+              </a:rPr>
+              <a:t>figure&gt;  contenido </a:t>
+            </a:r>
+            <a:r>
+              <a:rPr lang="es-ES_tradnl" dirty="0" err="1" smtClean="0">
+                <a:sym typeface="Wingdings" panose="05000000000000000000" pitchFamily="2" charset="2"/>
+              </a:rPr>
+              <a:t>autocontenido</a:t>
+            </a:r>
+            <a:endParaRPr lang="es-ES_tradnl" dirty="0" smtClean="0">
+              <a:sym typeface="Wingdings" panose="05000000000000000000" pitchFamily="2" charset="2"/>
+            </a:endParaRPr>
+          </a:p>
+          <a:p>
+            <a:r>
+              <a:rPr lang="es-ES_tradnl" dirty="0" smtClean="0">
+                <a:sym typeface="Wingdings" panose="05000000000000000000" pitchFamily="2" charset="2"/>
+              </a:rPr>
+              <a:t>&lt;</a:t>
+            </a:r>
+            <a:r>
+              <a:rPr lang="es-ES_tradnl" dirty="0" err="1" smtClean="0">
+                <a:sym typeface="Wingdings" panose="05000000000000000000" pitchFamily="2" charset="2"/>
+              </a:rPr>
+              <a:t>figcaption</a:t>
+            </a:r>
+            <a:r>
+              <a:rPr lang="es-ES_tradnl" dirty="0" smtClean="0">
+                <a:sym typeface="Wingdings" panose="05000000000000000000" pitchFamily="2" charset="2"/>
+              </a:rPr>
+              <a:t>&gt;  leyenda vinculada al contenido de figure</a:t>
+            </a:r>
+          </a:p>
+          <a:p>
+            <a:r>
+              <a:rPr lang="es-ES_tradnl" dirty="0" smtClean="0">
+                <a:sym typeface="Wingdings" panose="05000000000000000000" pitchFamily="2" charset="2"/>
+              </a:rPr>
+              <a:t>&lt;</a:t>
+            </a:r>
+            <a:r>
+              <a:rPr lang="es-ES_tradnl" dirty="0" err="1" smtClean="0">
+                <a:sym typeface="Wingdings" panose="05000000000000000000" pitchFamily="2" charset="2"/>
+              </a:rPr>
+              <a:t>mark</a:t>
+            </a:r>
+            <a:r>
+              <a:rPr lang="es-ES_tradnl" dirty="0" smtClean="0">
+                <a:sym typeface="Wingdings" panose="05000000000000000000" pitchFamily="2" charset="2"/>
+              </a:rPr>
+              <a:t>&gt;  marca relevancia (resaltado, diferente a </a:t>
+            </a:r>
+            <a:r>
+              <a:rPr lang="es-ES_tradnl" dirty="0" err="1" smtClean="0">
+                <a:sym typeface="Wingdings" panose="05000000000000000000" pitchFamily="2" charset="2"/>
+              </a:rPr>
+              <a:t>strong</a:t>
+            </a:r>
+            <a:r>
+              <a:rPr lang="es-ES_tradnl" dirty="0" smtClean="0">
+                <a:sym typeface="Wingdings" panose="05000000000000000000" pitchFamily="2" charset="2"/>
+              </a:rPr>
+              <a:t>, que marca importancia)</a:t>
+            </a:r>
+          </a:p>
+          <a:p>
+            <a:r>
+              <a:rPr lang="es-ES_tradnl" dirty="0" smtClean="0">
+                <a:sym typeface="Wingdings" panose="05000000000000000000" pitchFamily="2" charset="2"/>
+              </a:rPr>
+              <a:t>&lt;</a:t>
+            </a:r>
+            <a:r>
+              <a:rPr lang="es-ES_tradnl" dirty="0" err="1">
+                <a:sym typeface="Wingdings" panose="05000000000000000000" pitchFamily="2" charset="2"/>
+              </a:rPr>
+              <a:t>p</a:t>
+            </a:r>
+            <a:r>
+              <a:rPr lang="es-ES_tradnl" dirty="0" err="1" smtClean="0">
+                <a:sym typeface="Wingdings" panose="05000000000000000000" pitchFamily="2" charset="2"/>
+              </a:rPr>
+              <a:t>rogress</a:t>
+            </a:r>
+            <a:r>
+              <a:rPr lang="es-ES_tradnl" dirty="0" smtClean="0">
+                <a:sym typeface="Wingdings" panose="05000000000000000000" pitchFamily="2" charset="2"/>
+              </a:rPr>
+              <a:t>&gt;  </a:t>
+            </a:r>
+            <a:r>
+              <a:rPr lang="es-ES_tradnl" dirty="0" err="1" smtClean="0">
+                <a:sym typeface="Wingdings" panose="05000000000000000000" pitchFamily="2" charset="2"/>
+              </a:rPr>
+              <a:t>progress</a:t>
+            </a:r>
+            <a:r>
+              <a:rPr lang="es-ES_tradnl" dirty="0" smtClean="0">
+                <a:sym typeface="Wingdings" panose="05000000000000000000" pitchFamily="2" charset="2"/>
+              </a:rPr>
+              <a:t> bar</a:t>
             </a:r>
             <a:endParaRPr lang="en-US" dirty="0"/>
           </a:p>
@@ -4718,7 +5984,185 @@
 </p:sld>
 </file>
 
-<file path=ppt/slides/slide16.xml><?xml version="1.0" encoding="utf-8"?>
+<file path=ppt/slides/slide18.xml><?xml version="1.0" encoding="utf-8"?>
+<p:sld xmlns:a="http://schemas.openxmlformats.org/drawingml/2006/main" xmlns:r="http://schemas.openxmlformats.org/officeDocument/2006/relationships" xmlns:p="http://schemas.openxmlformats.org/presentationml/2006/main">
+  <p:cSld>
+    <p:spTree>
+      <p:nvGrpSpPr>
+        <p:cNvPr id="1" name=""/>
+        <p:cNvGrpSpPr/>
+        <p:nvPr/>
+      </p:nvGrpSpPr>
+      <p:grpSpPr>
+        <a:xfrm>
+          <a:off x="0" y="0"/>
+          <a:ext cx="0" cy="0"/>
+          <a:chOff x="0" y="0"/>
+          <a:chExt cx="0" cy="0"/>
+        </a:xfrm>
+      </p:grpSpPr>
+      <p:sp>
+        <p:nvSpPr>
+          <p:cNvPr id="2" name="Title 1"/>
+          <p:cNvSpPr>
+            <a:spLocks noGrp="1"/>
+          </p:cNvSpPr>
+          <p:nvPr>
+            <p:ph type="title"/>
+          </p:nvPr>
+        </p:nvSpPr>
+        <p:spPr/>
+        <p:txBody>
+          <a:bodyPr/>
+          <a:lstStyle/>
+          <a:p>
+            <a:r>
+              <a:rPr lang="es-ES_tradnl" dirty="0" smtClean="0"/>
+              <a:t>Performance e Integración</a:t>
+            </a:r>
+            <a:endParaRPr lang="en-US" dirty="0"/>
+          </a:p>
+        </p:txBody>
+      </p:sp>
+      <p:sp>
+        <p:nvSpPr>
+          <p:cNvPr id="3" name="Content Placeholder 2"/>
+          <p:cNvSpPr>
+            <a:spLocks noGrp="1"/>
+          </p:cNvSpPr>
+          <p:nvPr>
+            <p:ph idx="1"/>
+          </p:nvPr>
+        </p:nvSpPr>
+        <p:spPr/>
+        <p:txBody>
+          <a:bodyPr/>
+          <a:lstStyle/>
+          <a:p>
+            <a:r>
+              <a:rPr lang="es-ES_tradnl" dirty="0" smtClean="0"/>
+              <a:t>Web </a:t>
+            </a:r>
+            <a:r>
+              <a:rPr lang="es-ES_tradnl" dirty="0" err="1" smtClean="0"/>
+              <a:t>Workers</a:t>
+            </a:r>
+            <a:endParaRPr lang="es-ES_tradnl" dirty="0" smtClean="0"/>
+          </a:p>
+          <a:p>
+            <a:pPr lvl="1"/>
+            <a:r>
+              <a:rPr lang="es-ES_tradnl" dirty="0" smtClean="0"/>
+              <a:t>Procesos de </a:t>
+            </a:r>
+            <a:r>
+              <a:rPr lang="es-ES_tradnl" dirty="0" err="1" smtClean="0"/>
+              <a:t>Javascript</a:t>
+            </a:r>
+            <a:r>
+              <a:rPr lang="es-ES_tradnl" dirty="0" smtClean="0"/>
+              <a:t> en </a:t>
+            </a:r>
+            <a:r>
+              <a:rPr lang="es-ES_tradnl" dirty="0" err="1" smtClean="0"/>
+              <a:t>background</a:t>
+            </a:r>
+            <a:endParaRPr lang="es-ES_tradnl" dirty="0" smtClean="0"/>
+          </a:p>
+          <a:p>
+            <a:r>
+              <a:rPr lang="es-ES_tradnl" dirty="0" err="1" smtClean="0"/>
+              <a:t>XMLHttpRequest</a:t>
+            </a:r>
+            <a:r>
+              <a:rPr lang="es-ES_tradnl" dirty="0" smtClean="0"/>
+              <a:t> </a:t>
+            </a:r>
+            <a:r>
+              <a:rPr lang="es-ES_tradnl" dirty="0" err="1" smtClean="0"/>
+              <a:t>level</a:t>
+            </a:r>
+            <a:r>
+              <a:rPr lang="es-ES_tradnl" dirty="0" smtClean="0"/>
+              <a:t> 2</a:t>
+            </a:r>
+          </a:p>
+          <a:p>
+            <a:r>
+              <a:rPr lang="es-ES_tradnl" dirty="0" smtClean="0"/>
+              <a:t>Jit-</a:t>
+            </a:r>
+            <a:r>
+              <a:rPr lang="es-ES_tradnl" dirty="0" err="1" smtClean="0"/>
+              <a:t>compiling</a:t>
+            </a:r>
+            <a:r>
+              <a:rPr lang="es-ES_tradnl" dirty="0" smtClean="0"/>
+              <a:t> JavaScript </a:t>
+            </a:r>
+            <a:r>
+              <a:rPr lang="es-ES_tradnl" dirty="0" err="1" smtClean="0"/>
+              <a:t>engines</a:t>
+            </a:r>
+            <a:endParaRPr lang="es-ES_tradnl" dirty="0" smtClean="0"/>
+          </a:p>
+          <a:p>
+            <a:r>
+              <a:rPr lang="es-ES_tradnl" dirty="0" err="1" smtClean="0"/>
+              <a:t>History</a:t>
+            </a:r>
+            <a:r>
+              <a:rPr lang="es-ES_tradnl" dirty="0" smtClean="0"/>
+              <a:t> API</a:t>
+            </a:r>
+          </a:p>
+          <a:p>
+            <a:pPr lvl="1"/>
+            <a:r>
+              <a:rPr lang="es-ES_tradnl" dirty="0" smtClean="0"/>
+              <a:t>Permite modificar el historial. Ideal para Web Apps</a:t>
+            </a:r>
+          </a:p>
+          <a:p>
+            <a:r>
+              <a:rPr lang="es-ES_tradnl" dirty="0" err="1" smtClean="0"/>
+              <a:t>Drag</a:t>
+            </a:r>
+            <a:r>
+              <a:rPr lang="es-ES_tradnl" dirty="0" smtClean="0"/>
+              <a:t> and </a:t>
+            </a:r>
+            <a:r>
+              <a:rPr lang="es-ES_tradnl" dirty="0" err="1" smtClean="0"/>
+              <a:t>drop</a:t>
+            </a:r>
+            <a:endParaRPr lang="es-ES_tradnl" dirty="0"/>
+          </a:p>
+          <a:p>
+            <a:pPr marL="0" indent="0">
+              <a:buNone/>
+            </a:pPr>
+            <a:endParaRPr lang="es-ES_tradnl" dirty="0" smtClean="0"/>
+          </a:p>
+          <a:p>
+            <a:endParaRPr lang="en-US" dirty="0"/>
+          </a:p>
+        </p:txBody>
+      </p:sp>
+    </p:spTree>
+    <p:extLst>
+      <p:ext uri="{BB962C8B-B14F-4D97-AF65-F5344CB8AC3E}">
+        <p14:creationId xmlns:p14="http://schemas.microsoft.com/office/powerpoint/2010/main" val="491141864"/>
+      </p:ext>
+    </p:extLst>
+  </p:cSld>
+  <p:clrMapOvr>
+    <a:masterClrMapping/>
+  </p:clrMapOvr>
+</p:sld>
+</file>
+
+<file path=ppt/slides/slide19.xml><?xml version="1.0" encoding="utf-8"?>
 <p:sld xmlns:a="http://schemas.openxmlformats.org/drawingml/2006/main" xmlns:r="http://schemas.openxmlformats.org/officeDocument/2006/relationships" xmlns:p="http://schemas.openxmlformats.org/presentationml/2006/main">
   <p:cSld>
     <p:spTree>
@@ -5259,473 +6703,6 @@
 </p:sld>
 </file>
 
-<file path=ppt/slides/slide17.xml><?xml version="1.0" encoding="utf-8"?>
-<p:sld xmlns:a="http://schemas.openxmlformats.org/drawingml/2006/main" xmlns:r="http://schemas.openxmlformats.org/officeDocument/2006/relationships" xmlns:p="http://schemas.openxmlformats.org/presentationml/2006/main">
-  <p:cSld>
-    <p:spTree>
-      <p:nvGrpSpPr>
-        <p:cNvPr id="1" name=""/>
-        <p:cNvGrpSpPr/>
-        <p:nvPr/>
-      </p:nvGrpSpPr>
-      <p:grpSpPr>
-        <a:xfrm>
-          <a:off x="0" y="0"/>
-          <a:ext cx="0" cy="0"/>
-          <a:chOff x="0" y="0"/>
-          <a:chExt cx="0" cy="0"/>
-        </a:xfrm>
-      </p:grpSpPr>
-      <p:sp>
-        <p:nvSpPr>
-          <p:cNvPr id="2" name="Title 1"/>
-          <p:cNvSpPr>
-            <a:spLocks noGrp="1"/>
-          </p:cNvSpPr>
-          <p:nvPr>
-            <p:ph type="title"/>
-          </p:nvPr>
-        </p:nvSpPr>
-        <p:spPr/>
-        <p:txBody>
-          <a:bodyPr/>
-          <a:lstStyle/>
-          <a:p>
-            <a:r>
-              <a:rPr lang="es-ES_tradnl" dirty="0" err="1" smtClean="0"/>
-              <a:t>Class</a:t>
-            </a:r>
-            <a:r>
-              <a:rPr lang="es-ES_tradnl" dirty="0" smtClean="0"/>
-              <a:t> vs Id</a:t>
-            </a:r>
-            <a:endParaRPr lang="en-US" dirty="0"/>
-          </a:p>
-        </p:txBody>
-      </p:sp>
-      <p:sp>
-        <p:nvSpPr>
-          <p:cNvPr id="3" name="Content Placeholder 2"/>
-          <p:cNvSpPr>
-            <a:spLocks noGrp="1"/>
-          </p:cNvSpPr>
-          <p:nvPr>
-            <p:ph idx="1"/>
-          </p:nvPr>
-        </p:nvSpPr>
-        <p:spPr/>
-        <p:txBody>
-          <a:bodyPr>
-            <a:normAutofit/>
-          </a:bodyPr>
-          <a:lstStyle/>
-          <a:p>
-            <a:r>
-              <a:rPr lang="es-ES_tradnl" sz="3600" dirty="0" err="1" smtClean="0"/>
-              <a:t>Class</a:t>
-            </a:r>
-            <a:r>
-              <a:rPr lang="es-ES_tradnl" sz="3600" dirty="0" smtClean="0"/>
-              <a:t> == muchas veces</a:t>
-            </a:r>
-          </a:p>
-          <a:p>
-            <a:pPr lvl="1"/>
-            <a:r>
-              <a:rPr lang="es-ES_tradnl" sz="3200" dirty="0" smtClean="0"/>
-              <a:t>Reutilización</a:t>
-            </a:r>
-          </a:p>
-          <a:p>
-            <a:pPr marL="457200" lvl="1" indent="0">
-              <a:buNone/>
-            </a:pPr>
-            <a:endParaRPr lang="es-ES_tradnl" sz="3200" dirty="0" smtClean="0"/>
-          </a:p>
-          <a:p>
-            <a:r>
-              <a:rPr lang="es-ES_tradnl" sz="3600" dirty="0" smtClean="0"/>
-              <a:t>Id == solo una vez</a:t>
-            </a:r>
-          </a:p>
-          <a:p>
-            <a:pPr lvl="1"/>
-            <a:r>
-              <a:rPr lang="es-ES_tradnl" sz="3200" dirty="0" smtClean="0"/>
-              <a:t>Diferenciación</a:t>
-            </a:r>
-          </a:p>
-        </p:txBody>
-      </p:sp>
-    </p:spTree>
-    <p:extLst>
-      <p:ext uri="{BB962C8B-B14F-4D97-AF65-F5344CB8AC3E}">
-        <p14:creationId xmlns:p14="http://schemas.microsoft.com/office/powerpoint/2010/main" val="1580177591"/>
-      </p:ext>
-    </p:extLst>
-  </p:cSld>
-  <p:clrMapOvr>
-    <a:masterClrMapping/>
-  </p:clrMapOvr>
-</p:sld>
-</file>
-
-<file path=ppt/slides/slide18.xml><?xml version="1.0" encoding="utf-8"?>
-<p:sld xmlns:a="http://schemas.openxmlformats.org/drawingml/2006/main" xmlns:r="http://schemas.openxmlformats.org/officeDocument/2006/relationships" xmlns:p="http://schemas.openxmlformats.org/presentationml/2006/main">
-  <p:cSld>
-    <p:spTree>
-      <p:nvGrpSpPr>
-        <p:cNvPr id="1" name=""/>
-        <p:cNvGrpSpPr/>
-        <p:nvPr/>
-      </p:nvGrpSpPr>
-      <p:grpSpPr>
-        <a:xfrm>
-          <a:off x="0" y="0"/>
-          <a:ext cx="0" cy="0"/>
-          <a:chOff x="0" y="0"/>
-          <a:chExt cx="0" cy="0"/>
-        </a:xfrm>
-      </p:grpSpPr>
-      <p:sp>
-        <p:nvSpPr>
-          <p:cNvPr id="4" name="Title 3"/>
-          <p:cNvSpPr>
-            <a:spLocks noGrp="1"/>
-          </p:cNvSpPr>
-          <p:nvPr>
-            <p:ph type="title"/>
-          </p:nvPr>
-        </p:nvSpPr>
-        <p:spPr/>
-        <p:txBody>
-          <a:bodyPr/>
-          <a:lstStyle/>
-          <a:p>
-            <a:r>
-              <a:rPr lang="es-ES_tradnl" dirty="0" smtClean="0"/>
-              <a:t>CSS :  </a:t>
-            </a:r>
-            <a:r>
-              <a:rPr lang="es-ES_tradnl" dirty="0" err="1" smtClean="0"/>
-              <a:t>Cascading</a:t>
-            </a:r>
-            <a:r>
-              <a:rPr lang="es-ES_tradnl" dirty="0" smtClean="0"/>
-              <a:t> </a:t>
-            </a:r>
-            <a:r>
-              <a:rPr lang="es-ES_tradnl" dirty="0" err="1" smtClean="0"/>
-              <a:t>style</a:t>
-            </a:r>
-            <a:r>
-              <a:rPr lang="es-ES_tradnl" dirty="0" smtClean="0"/>
-              <a:t> </a:t>
-            </a:r>
-            <a:r>
-              <a:rPr lang="es-ES_tradnl" dirty="0" err="1" smtClean="0"/>
-              <a:t>sheets</a:t>
-            </a:r>
-            <a:endParaRPr lang="en-US" dirty="0"/>
-          </a:p>
-        </p:txBody>
-      </p:sp>
-    </p:spTree>
-    <p:extLst>
-      <p:ext uri="{BB962C8B-B14F-4D97-AF65-F5344CB8AC3E}">
-        <p14:creationId xmlns:p14="http://schemas.microsoft.com/office/powerpoint/2010/main" val="769260831"/>
-      </p:ext>
-    </p:extLst>
-  </p:cSld>
-  <p:clrMapOvr>
-    <a:masterClrMapping/>
-  </p:clrMapOvr>
-</p:sld>
-</file>
-
-<file path=ppt/slides/slide19.xml><?xml version="1.0" encoding="utf-8"?>
-<p:sld xmlns:a="http://schemas.openxmlformats.org/drawingml/2006/main" xmlns:r="http://schemas.openxmlformats.org/officeDocument/2006/relationships" xmlns:p="http://schemas.openxmlformats.org/presentationml/2006/main">
-  <p:cSld>
-    <p:spTree>
-      <p:nvGrpSpPr>
-        <p:cNvPr id="1" name=""/>
-        <p:cNvGrpSpPr/>
-        <p:nvPr/>
-      </p:nvGrpSpPr>
-      <p:grpSpPr>
-        <a:xfrm>
-          <a:off x="0" y="0"/>
-          <a:ext cx="0" cy="0"/>
-          <a:chOff x="0" y="0"/>
-          <a:chExt cx="0" cy="0"/>
-        </a:xfrm>
-      </p:grpSpPr>
-      <p:sp>
-        <p:nvSpPr>
-          <p:cNvPr id="2" name="Title 1"/>
-          <p:cNvSpPr>
-            <a:spLocks noGrp="1"/>
-          </p:cNvSpPr>
-          <p:nvPr>
-            <p:ph type="title"/>
-          </p:nvPr>
-        </p:nvSpPr>
-        <p:spPr/>
-        <p:txBody>
-          <a:bodyPr/>
-          <a:lstStyle/>
-          <a:p>
-            <a:r>
-              <a:rPr lang="es-ES_tradnl" dirty="0" smtClean="0"/>
-              <a:t>Sintaxis CSS</a:t>
-            </a:r>
-            <a:endParaRPr lang="en-US" dirty="0"/>
-          </a:p>
-        </p:txBody>
-      </p:sp>
-      <p:sp>
-        <p:nvSpPr>
-          <p:cNvPr id="3" name="Content Placeholder 2"/>
-          <p:cNvSpPr>
-            <a:spLocks noGrp="1"/>
-          </p:cNvSpPr>
-          <p:nvPr>
-            <p:ph idx="1"/>
-          </p:nvPr>
-        </p:nvSpPr>
-        <p:spPr>
-          <a:xfrm>
-            <a:off x="4544792" y="3110138"/>
-            <a:ext cx="3494314" cy="2115004"/>
-          </a:xfrm>
-        </p:spPr>
-        <p:txBody>
-          <a:bodyPr/>
-          <a:lstStyle/>
-          <a:p>
-            <a:pPr marL="0" indent="0">
-              <a:buNone/>
-            </a:pPr>
-            <a:r>
-              <a:rPr lang="es-ES_tradnl" dirty="0">
-                <a:solidFill>
-                  <a:schemeClr val="accent2">
-                    <a:lumMod val="75000"/>
-                  </a:schemeClr>
-                </a:solidFill>
-              </a:rPr>
-              <a:t>s</a:t>
-            </a:r>
-            <a:r>
-              <a:rPr lang="es-ES_tradnl" dirty="0" smtClean="0">
-                <a:solidFill>
-                  <a:schemeClr val="accent2">
-                    <a:lumMod val="75000"/>
-                  </a:schemeClr>
-                </a:solidFill>
-              </a:rPr>
-              <a:t>elector {</a:t>
-            </a:r>
-          </a:p>
-          <a:p>
-            <a:pPr marL="0" indent="0">
-              <a:buNone/>
-            </a:pPr>
-            <a:r>
-              <a:rPr lang="es-ES_tradnl" dirty="0"/>
-              <a:t>	</a:t>
-            </a:r>
-            <a:r>
-              <a:rPr lang="es-ES_tradnl" dirty="0" smtClean="0">
-                <a:solidFill>
-                  <a:schemeClr val="accent6"/>
-                </a:solidFill>
-              </a:rPr>
-              <a:t>regla1</a:t>
-            </a:r>
-            <a:r>
-              <a:rPr lang="es-ES_tradnl" dirty="0" smtClean="0"/>
-              <a:t>: </a:t>
-            </a:r>
-            <a:r>
-              <a:rPr lang="es-ES_tradnl" dirty="0" smtClean="0">
-                <a:solidFill>
-                  <a:srgbClr val="0070C0"/>
-                </a:solidFill>
-              </a:rPr>
-              <a:t>valor1</a:t>
-            </a:r>
-            <a:r>
-              <a:rPr lang="es-ES_tradnl" dirty="0" smtClean="0"/>
-              <a:t>;</a:t>
-            </a:r>
-          </a:p>
-          <a:p>
-            <a:pPr marL="0" indent="0">
-              <a:buNone/>
-            </a:pPr>
-            <a:r>
-              <a:rPr lang="es-ES_tradnl" dirty="0"/>
-              <a:t>	</a:t>
-            </a:r>
-            <a:r>
-              <a:rPr lang="es-ES_tradnl" dirty="0" smtClean="0">
-                <a:solidFill>
-                  <a:schemeClr val="accent6"/>
-                </a:solidFill>
-              </a:rPr>
-              <a:t>regla2</a:t>
-            </a:r>
-            <a:r>
-              <a:rPr lang="es-ES_tradnl" dirty="0" smtClean="0"/>
-              <a:t>: </a:t>
-            </a:r>
-            <a:r>
-              <a:rPr lang="es-ES_tradnl" dirty="0" smtClean="0">
-                <a:solidFill>
-                  <a:srgbClr val="0070C0"/>
-                </a:solidFill>
-              </a:rPr>
-              <a:t>valor2</a:t>
-            </a:r>
-            <a:r>
-              <a:rPr lang="es-ES_tradnl" dirty="0" smtClean="0"/>
-              <a:t>;</a:t>
-            </a:r>
-          </a:p>
-          <a:p>
-            <a:pPr marL="0" indent="0">
-              <a:buNone/>
-            </a:pPr>
-            <a:r>
-              <a:rPr lang="es-ES_tradnl" dirty="0">
-                <a:solidFill>
-                  <a:schemeClr val="accent2">
-                    <a:lumMod val="75000"/>
-                  </a:schemeClr>
-                </a:solidFill>
-              </a:rPr>
-              <a:t>}</a:t>
-            </a:r>
-            <a:endParaRPr lang="en-US" dirty="0">
-              <a:solidFill>
-                <a:schemeClr val="accent2">
-                  <a:lumMod val="75000"/>
-                </a:schemeClr>
-              </a:solidFill>
-            </a:endParaRPr>
-          </a:p>
-        </p:txBody>
-      </p:sp>
-      <p:sp>
-        <p:nvSpPr>
-          <p:cNvPr id="4" name="Rounded Rectangular Callout 3"/>
-          <p:cNvSpPr/>
-          <p:nvPr/>
-        </p:nvSpPr>
-        <p:spPr>
-          <a:xfrm>
-            <a:off x="1976895" y="2114011"/>
-            <a:ext cx="2198914" cy="961621"/>
-          </a:xfrm>
-          <a:prstGeom prst="wedgeRoundRectCallout">
-            <a:avLst>
-              <a:gd name="adj1" fmla="val 78106"/>
-              <a:gd name="adj2" fmla="val 54705"/>
-              <a:gd name="adj3" fmla="val 16667"/>
-            </a:avLst>
-          </a:prstGeom>
-        </p:spPr>
-        <p:style>
-          <a:lnRef idx="2">
-            <a:schemeClr val="accent2">
-              <a:shade val="50000"/>
-            </a:schemeClr>
-          </a:lnRef>
-          <a:fillRef idx="1">
-            <a:schemeClr val="accent2"/>
-          </a:fillRef>
-          <a:effectRef idx="0">
-            <a:schemeClr val="accent2"/>
-          </a:effectRef>
-          <a:fontRef idx="minor">
-            <a:schemeClr val="lt1"/>
-          </a:fontRef>
-        </p:style>
-        <p:txBody>
-          <a:bodyPr rtlCol="0" anchor="ctr"/>
-          <a:lstStyle/>
-          <a:p>
-            <a:pPr algn="ctr"/>
-            <a:r>
-              <a:rPr lang="es-ES_tradnl" sz="3200" dirty="0" smtClean="0"/>
-              <a:t>Que se modifica</a:t>
-            </a:r>
-            <a:endParaRPr lang="en-US" sz="3200" dirty="0"/>
-          </a:p>
-        </p:txBody>
-      </p:sp>
-      <p:sp>
-        <p:nvSpPr>
-          <p:cNvPr id="5" name="Rounded Rectangular Callout 4"/>
-          <p:cNvSpPr/>
-          <p:nvPr/>
-        </p:nvSpPr>
-        <p:spPr>
-          <a:xfrm>
-            <a:off x="8382006" y="3686829"/>
-            <a:ext cx="2198914" cy="961621"/>
-          </a:xfrm>
-          <a:prstGeom prst="wedgeRoundRectCallout">
-            <a:avLst>
-              <a:gd name="adj1" fmla="val -74368"/>
-              <a:gd name="adj2" fmla="val -20009"/>
-              <a:gd name="adj3" fmla="val 16667"/>
-            </a:avLst>
-          </a:prstGeom>
-        </p:spPr>
-        <p:style>
-          <a:lnRef idx="2">
-            <a:schemeClr val="accent3">
-              <a:shade val="50000"/>
-            </a:schemeClr>
-          </a:lnRef>
-          <a:fillRef idx="1">
-            <a:schemeClr val="accent3"/>
-          </a:fillRef>
-          <a:effectRef idx="0">
-            <a:schemeClr val="accent3"/>
-          </a:effectRef>
-          <a:fontRef idx="minor">
-            <a:schemeClr val="lt1"/>
-          </a:fontRef>
-        </p:style>
-        <p:txBody>
-          <a:bodyPr rtlCol="0" anchor="ctr"/>
-          <a:lstStyle/>
-          <a:p>
-            <a:pPr algn="ctr"/>
-            <a:r>
-              <a:rPr lang="es-ES_tradnl" sz="3200" dirty="0" smtClean="0"/>
-              <a:t>Como se modifica</a:t>
-            </a:r>
-            <a:endParaRPr lang="en-US" sz="3200" dirty="0"/>
-          </a:p>
-        </p:txBody>
-      </p:sp>
-    </p:spTree>
-    <p:extLst>
-      <p:ext uri="{BB962C8B-B14F-4D97-AF65-F5344CB8AC3E}">
-        <p14:creationId xmlns:p14="http://schemas.microsoft.com/office/powerpoint/2010/main" val="3042965058"/>
-      </p:ext>
-    </p:extLst>
-  </p:cSld>
-  <p:clrMapOvr>
-    <a:masterClrMapping/>
-  </p:clrMapOvr>
-</p:sld>
-</file>
-
 <file path=ppt/slides/slide2.xml><?xml version="1.0" encoding="utf-8"?>
 <p:sld xmlns:a="http://schemas.openxmlformats.org/drawingml/2006/main" xmlns:r="http://schemas.openxmlformats.org/officeDocument/2006/relationships" xmlns:p="http://schemas.openxmlformats.org/presentationml/2006/main">
   <p:cSld>
@@ -5820,6 +6797,738 @@
         </p:nvSpPr>
         <p:spPr/>
         <p:txBody>
+          <a:bodyPr>
+            <a:normAutofit/>
+          </a:bodyPr>
+          <a:lstStyle/>
+          <a:p>
+            <a:r>
+              <a:rPr lang="es-ES_tradnl" dirty="0">
+                <a:sym typeface="Wingdings" panose="05000000000000000000" pitchFamily="2" charset="2"/>
+              </a:rPr>
+              <a:t>Offline y </a:t>
+            </a:r>
+            <a:r>
+              <a:rPr lang="es-ES_tradnl" dirty="0" smtClean="0">
+                <a:sym typeface="Wingdings" panose="05000000000000000000" pitchFamily="2" charset="2"/>
+              </a:rPr>
+              <a:t>Storage</a:t>
+            </a:r>
+            <a:endParaRPr lang="en-US" dirty="0"/>
+          </a:p>
+        </p:txBody>
+      </p:sp>
+      <p:sp>
+        <p:nvSpPr>
+          <p:cNvPr id="3" name="Content Placeholder 2"/>
+          <p:cNvSpPr>
+            <a:spLocks noGrp="1"/>
+          </p:cNvSpPr>
+          <p:nvPr>
+            <p:ph idx="1"/>
+          </p:nvPr>
+        </p:nvSpPr>
+        <p:spPr/>
+        <p:txBody>
+          <a:bodyPr/>
+          <a:lstStyle/>
+          <a:p>
+            <a:r>
+              <a:rPr lang="es-ES_tradnl" dirty="0" err="1" smtClean="0"/>
+              <a:t>Application</a:t>
+            </a:r>
+            <a:r>
+              <a:rPr lang="es-ES_tradnl" dirty="0" smtClean="0"/>
+              <a:t> cache</a:t>
+            </a:r>
+          </a:p>
+          <a:p>
+            <a:r>
+              <a:rPr lang="es-ES_tradnl" dirty="0" err="1" smtClean="0"/>
+              <a:t>LocalStorage</a:t>
+            </a:r>
+            <a:r>
+              <a:rPr lang="es-ES_tradnl" dirty="0" smtClean="0"/>
+              <a:t> (</a:t>
+            </a:r>
+            <a:r>
+              <a:rPr lang="es-ES_tradnl" dirty="0" err="1" smtClean="0"/>
+              <a:t>key-value</a:t>
+            </a:r>
+            <a:r>
+              <a:rPr lang="es-ES_tradnl" dirty="0" smtClean="0"/>
+              <a:t> </a:t>
+            </a:r>
+            <a:r>
+              <a:rPr lang="es-ES_tradnl" dirty="0" err="1" smtClean="0"/>
+              <a:t>database</a:t>
+            </a:r>
+            <a:r>
+              <a:rPr lang="es-ES_tradnl" dirty="0" smtClean="0"/>
+              <a:t>)</a:t>
+            </a:r>
+          </a:p>
+          <a:p>
+            <a:r>
+              <a:rPr lang="es-ES_tradnl" dirty="0" smtClean="0"/>
+              <a:t>Web SQL (base de datos </a:t>
+            </a:r>
+            <a:r>
+              <a:rPr lang="es-ES_tradnl" dirty="0" err="1" smtClean="0"/>
+              <a:t>sql</a:t>
+            </a:r>
+            <a:r>
+              <a:rPr lang="es-ES_tradnl" dirty="0" smtClean="0"/>
+              <a:t>)</a:t>
+            </a:r>
+          </a:p>
+          <a:p>
+            <a:r>
+              <a:rPr lang="es-ES_tradnl" dirty="0" err="1"/>
+              <a:t>I</a:t>
+            </a:r>
+            <a:r>
+              <a:rPr lang="es-ES_tradnl" dirty="0" err="1" smtClean="0"/>
+              <a:t>ndexed</a:t>
+            </a:r>
+            <a:r>
+              <a:rPr lang="es-ES_tradnl" dirty="0" smtClean="0"/>
+              <a:t> </a:t>
+            </a:r>
+            <a:r>
+              <a:rPr lang="es-ES_tradnl" dirty="0" err="1" smtClean="0"/>
+              <a:t>database</a:t>
+            </a:r>
+            <a:r>
+              <a:rPr lang="es-ES_tradnl" dirty="0" smtClean="0"/>
+              <a:t> (mix entre </a:t>
+            </a:r>
+            <a:r>
+              <a:rPr lang="es-ES_tradnl" dirty="0" err="1" smtClean="0"/>
+              <a:t>localstorage</a:t>
+            </a:r>
+            <a:r>
+              <a:rPr lang="es-ES_tradnl" dirty="0" smtClean="0"/>
+              <a:t> y web </a:t>
+            </a:r>
+            <a:r>
+              <a:rPr lang="es-ES_tradnl" dirty="0" err="1" smtClean="0"/>
+              <a:t>sql</a:t>
+            </a:r>
+            <a:r>
+              <a:rPr lang="es-ES_tradnl" dirty="0" smtClean="0"/>
+              <a:t>)</a:t>
+            </a:r>
+          </a:p>
+          <a:p>
+            <a:r>
+              <a:rPr lang="es-ES_tradnl" dirty="0" smtClean="0"/>
+              <a:t>File Access (Api para leer contenido de archivos desde JavaScript)</a:t>
+            </a:r>
+          </a:p>
+          <a:p>
+            <a:r>
+              <a:rPr lang="es-ES_tradnl" dirty="0" smtClean="0"/>
+              <a:t>Online/offline </a:t>
+            </a:r>
+            <a:r>
+              <a:rPr lang="es-ES_tradnl" dirty="0" err="1" smtClean="0"/>
+              <a:t>events</a:t>
+            </a:r>
+            <a:endParaRPr lang="en-US" dirty="0"/>
+          </a:p>
+        </p:txBody>
+      </p:sp>
+    </p:spTree>
+    <p:extLst>
+      <p:ext uri="{BB962C8B-B14F-4D97-AF65-F5344CB8AC3E}">
+        <p14:creationId xmlns:p14="http://schemas.microsoft.com/office/powerpoint/2010/main" val="1646533207"/>
+      </p:ext>
+    </p:extLst>
+  </p:cSld>
+  <p:clrMapOvr>
+    <a:masterClrMapping/>
+  </p:clrMapOvr>
+</p:sld>
+</file>
+
+<file path=ppt/slides/slide21.xml><?xml version="1.0" encoding="utf-8"?>
+<p:sld xmlns:a="http://schemas.openxmlformats.org/drawingml/2006/main" xmlns:r="http://schemas.openxmlformats.org/officeDocument/2006/relationships" xmlns:p="http://schemas.openxmlformats.org/presentationml/2006/main">
+  <p:cSld>
+    <p:spTree>
+      <p:nvGrpSpPr>
+        <p:cNvPr id="1" name=""/>
+        <p:cNvGrpSpPr/>
+        <p:nvPr/>
+      </p:nvGrpSpPr>
+      <p:grpSpPr>
+        <a:xfrm>
+          <a:off x="0" y="0"/>
+          <a:ext cx="0" cy="0"/>
+          <a:chOff x="0" y="0"/>
+          <a:chExt cx="0" cy="0"/>
+        </a:xfrm>
+      </p:grpSpPr>
+      <p:sp>
+        <p:nvSpPr>
+          <p:cNvPr id="2" name="Title 1"/>
+          <p:cNvSpPr>
+            <a:spLocks noGrp="1"/>
+          </p:cNvSpPr>
+          <p:nvPr>
+            <p:ph type="title"/>
+          </p:nvPr>
+        </p:nvSpPr>
+        <p:spPr/>
+        <p:txBody>
+          <a:bodyPr/>
+          <a:lstStyle/>
+          <a:p>
+            <a:r>
+              <a:rPr lang="es-ES_tradnl" dirty="0" err="1">
+                <a:sym typeface="Wingdings" panose="05000000000000000000" pitchFamily="2" charset="2"/>
+              </a:rPr>
+              <a:t>Device</a:t>
+            </a:r>
+            <a:r>
+              <a:rPr lang="es-ES_tradnl" dirty="0">
+                <a:sym typeface="Wingdings" panose="05000000000000000000" pitchFamily="2" charset="2"/>
+              </a:rPr>
+              <a:t> Access</a:t>
+            </a:r>
+            <a:endParaRPr lang="en-US" dirty="0"/>
+          </a:p>
+        </p:txBody>
+      </p:sp>
+      <p:sp>
+        <p:nvSpPr>
+          <p:cNvPr id="3" name="Content Placeholder 2"/>
+          <p:cNvSpPr>
+            <a:spLocks noGrp="1"/>
+          </p:cNvSpPr>
+          <p:nvPr>
+            <p:ph idx="1"/>
+          </p:nvPr>
+        </p:nvSpPr>
+        <p:spPr/>
+        <p:txBody>
+          <a:bodyPr/>
+          <a:lstStyle/>
+          <a:p>
+            <a:r>
+              <a:rPr lang="es-ES_tradnl" dirty="0" err="1" smtClean="0"/>
+              <a:t>Camara</a:t>
+            </a:r>
+            <a:r>
+              <a:rPr lang="es-ES_tradnl" dirty="0" smtClean="0"/>
+              <a:t> API</a:t>
+            </a:r>
+          </a:p>
+          <a:p>
+            <a:r>
+              <a:rPr lang="es-ES_tradnl" dirty="0" err="1" smtClean="0"/>
+              <a:t>Touch</a:t>
+            </a:r>
+            <a:r>
+              <a:rPr lang="es-ES_tradnl" dirty="0" smtClean="0"/>
+              <a:t> </a:t>
+            </a:r>
+            <a:r>
+              <a:rPr lang="es-ES_tradnl" dirty="0" err="1" smtClean="0"/>
+              <a:t>Events</a:t>
+            </a:r>
+            <a:endParaRPr lang="es-ES_tradnl" dirty="0" smtClean="0"/>
+          </a:p>
+          <a:p>
+            <a:r>
+              <a:rPr lang="es-ES_tradnl" dirty="0" err="1" smtClean="0"/>
+              <a:t>Geolocalization</a:t>
+            </a:r>
+            <a:endParaRPr lang="es-ES_tradnl" dirty="0" smtClean="0"/>
+          </a:p>
+          <a:p>
+            <a:r>
+              <a:rPr lang="es-ES_tradnl" dirty="0" err="1" smtClean="0"/>
+              <a:t>Device</a:t>
+            </a:r>
+            <a:r>
+              <a:rPr lang="es-ES_tradnl" dirty="0" smtClean="0"/>
+              <a:t> </a:t>
+            </a:r>
+            <a:r>
+              <a:rPr lang="es-ES_tradnl" dirty="0" err="1" smtClean="0"/>
+              <a:t>orientation</a:t>
+            </a:r>
+            <a:endParaRPr lang="es-ES_tradnl" dirty="0" smtClean="0"/>
+          </a:p>
+          <a:p>
+            <a:r>
+              <a:rPr lang="es-ES_tradnl" dirty="0" smtClean="0"/>
+              <a:t>Pointer </a:t>
+            </a:r>
+            <a:r>
+              <a:rPr lang="es-ES_tradnl" dirty="0" err="1" smtClean="0"/>
+              <a:t>lock</a:t>
+            </a:r>
+            <a:r>
+              <a:rPr lang="es-ES_tradnl" dirty="0" smtClean="0"/>
+              <a:t> API</a:t>
+            </a:r>
+            <a:endParaRPr lang="en-US" dirty="0"/>
+          </a:p>
+        </p:txBody>
+      </p:sp>
+    </p:spTree>
+    <p:extLst>
+      <p:ext uri="{BB962C8B-B14F-4D97-AF65-F5344CB8AC3E}">
+        <p14:creationId xmlns:p14="http://schemas.microsoft.com/office/powerpoint/2010/main" val="4201924794"/>
+      </p:ext>
+    </p:extLst>
+  </p:cSld>
+  <p:clrMapOvr>
+    <a:masterClrMapping/>
+  </p:clrMapOvr>
+</p:sld>
+</file>
+
+<file path=ppt/slides/slide22.xml><?xml version="1.0" encoding="utf-8"?>
+<p:sld xmlns:a="http://schemas.openxmlformats.org/drawingml/2006/main" xmlns:r="http://schemas.openxmlformats.org/officeDocument/2006/relationships" xmlns:p="http://schemas.openxmlformats.org/presentationml/2006/main">
+  <p:cSld>
+    <p:spTree>
+      <p:nvGrpSpPr>
+        <p:cNvPr id="1" name=""/>
+        <p:cNvGrpSpPr/>
+        <p:nvPr/>
+      </p:nvGrpSpPr>
+      <p:grpSpPr>
+        <a:xfrm>
+          <a:off x="0" y="0"/>
+          <a:ext cx="0" cy="0"/>
+          <a:chOff x="0" y="0"/>
+          <a:chExt cx="0" cy="0"/>
+        </a:xfrm>
+      </p:grpSpPr>
+      <p:sp>
+        <p:nvSpPr>
+          <p:cNvPr id="4" name="Title 3"/>
+          <p:cNvSpPr>
+            <a:spLocks noGrp="1"/>
+          </p:cNvSpPr>
+          <p:nvPr>
+            <p:ph type="title"/>
+          </p:nvPr>
+        </p:nvSpPr>
+        <p:spPr/>
+        <p:txBody>
+          <a:bodyPr/>
+          <a:lstStyle/>
+          <a:p>
+            <a:r>
+              <a:rPr lang="es-ES_tradnl" dirty="0" smtClean="0"/>
+              <a:t>Demo HTML 5</a:t>
+            </a:r>
+            <a:endParaRPr lang="en-US" dirty="0"/>
+          </a:p>
+        </p:txBody>
+      </p:sp>
+    </p:spTree>
+    <p:extLst>
+      <p:ext uri="{BB962C8B-B14F-4D97-AF65-F5344CB8AC3E}">
+        <p14:creationId xmlns:p14="http://schemas.microsoft.com/office/powerpoint/2010/main" val="1296930910"/>
+      </p:ext>
+    </p:extLst>
+  </p:cSld>
+  <p:clrMapOvr>
+    <a:masterClrMapping/>
+  </p:clrMapOvr>
+</p:sld>
+</file>
+
+<file path=ppt/slides/slide23.xml><?xml version="1.0" encoding="utf-8"?>
+<p:sld xmlns:a="http://schemas.openxmlformats.org/drawingml/2006/main" xmlns:r="http://schemas.openxmlformats.org/officeDocument/2006/relationships" xmlns:p="http://schemas.openxmlformats.org/presentationml/2006/main">
+  <p:cSld>
+    <p:spTree>
+      <p:nvGrpSpPr>
+        <p:cNvPr id="1" name=""/>
+        <p:cNvGrpSpPr/>
+        <p:nvPr/>
+      </p:nvGrpSpPr>
+      <p:grpSpPr>
+        <a:xfrm>
+          <a:off x="0" y="0"/>
+          <a:ext cx="0" cy="0"/>
+          <a:chOff x="0" y="0"/>
+          <a:chExt cx="0" cy="0"/>
+        </a:xfrm>
+      </p:grpSpPr>
+      <p:sp>
+        <p:nvSpPr>
+          <p:cNvPr id="4" name="Title 3"/>
+          <p:cNvSpPr>
+            <a:spLocks noGrp="1"/>
+          </p:cNvSpPr>
+          <p:nvPr>
+            <p:ph type="title"/>
+          </p:nvPr>
+        </p:nvSpPr>
+        <p:spPr/>
+        <p:txBody>
+          <a:bodyPr/>
+          <a:lstStyle/>
+          <a:p>
+            <a:r>
+              <a:rPr lang="es-ES_tradnl" dirty="0" smtClean="0"/>
+              <a:t>CSS :  </a:t>
+            </a:r>
+            <a:r>
+              <a:rPr lang="es-ES_tradnl" dirty="0" err="1" smtClean="0"/>
+              <a:t>Cascading</a:t>
+            </a:r>
+            <a:r>
+              <a:rPr lang="es-ES_tradnl" dirty="0" smtClean="0"/>
+              <a:t> </a:t>
+            </a:r>
+            <a:r>
+              <a:rPr lang="es-ES_tradnl" dirty="0" err="1" smtClean="0"/>
+              <a:t>style</a:t>
+            </a:r>
+            <a:r>
+              <a:rPr lang="es-ES_tradnl" dirty="0" smtClean="0"/>
+              <a:t> </a:t>
+            </a:r>
+            <a:r>
+              <a:rPr lang="es-ES_tradnl" dirty="0" err="1" smtClean="0"/>
+              <a:t>sheets</a:t>
+            </a:r>
+            <a:endParaRPr lang="en-US" dirty="0"/>
+          </a:p>
+        </p:txBody>
+      </p:sp>
+    </p:spTree>
+    <p:extLst>
+      <p:ext uri="{BB962C8B-B14F-4D97-AF65-F5344CB8AC3E}">
+        <p14:creationId xmlns:p14="http://schemas.microsoft.com/office/powerpoint/2010/main" val="769260831"/>
+      </p:ext>
+    </p:extLst>
+  </p:cSld>
+  <p:clrMapOvr>
+    <a:masterClrMapping/>
+  </p:clrMapOvr>
+</p:sld>
+</file>
+
+<file path=ppt/slides/slide24.xml><?xml version="1.0" encoding="utf-8"?>
+<p:sld xmlns:a="http://schemas.openxmlformats.org/drawingml/2006/main" xmlns:r="http://schemas.openxmlformats.org/officeDocument/2006/relationships" xmlns:p="http://schemas.openxmlformats.org/presentationml/2006/main">
+  <p:cSld>
+    <p:spTree>
+      <p:nvGrpSpPr>
+        <p:cNvPr id="1" name=""/>
+        <p:cNvGrpSpPr/>
+        <p:nvPr/>
+      </p:nvGrpSpPr>
+      <p:grpSpPr>
+        <a:xfrm>
+          <a:off x="0" y="0"/>
+          <a:ext cx="0" cy="0"/>
+          <a:chOff x="0" y="0"/>
+          <a:chExt cx="0" cy="0"/>
+        </a:xfrm>
+      </p:grpSpPr>
+      <p:sp>
+        <p:nvSpPr>
+          <p:cNvPr id="2" name="Title 1"/>
+          <p:cNvSpPr>
+            <a:spLocks noGrp="1"/>
+          </p:cNvSpPr>
+          <p:nvPr>
+            <p:ph type="title"/>
+          </p:nvPr>
+        </p:nvSpPr>
+        <p:spPr/>
+        <p:txBody>
+          <a:bodyPr/>
+          <a:lstStyle/>
+          <a:p>
+            <a:r>
+              <a:rPr lang="es-ES_tradnl" dirty="0" smtClean="0"/>
+              <a:t>Sintaxis CSS</a:t>
+            </a:r>
+            <a:endParaRPr lang="en-US" dirty="0"/>
+          </a:p>
+        </p:txBody>
+      </p:sp>
+      <p:sp>
+        <p:nvSpPr>
+          <p:cNvPr id="3" name="Content Placeholder 2"/>
+          <p:cNvSpPr>
+            <a:spLocks noGrp="1"/>
+          </p:cNvSpPr>
+          <p:nvPr>
+            <p:ph idx="1"/>
+          </p:nvPr>
+        </p:nvSpPr>
+        <p:spPr>
+          <a:xfrm>
+            <a:off x="4544792" y="3110138"/>
+            <a:ext cx="3494314" cy="2115004"/>
+          </a:xfrm>
+        </p:spPr>
+        <p:txBody>
+          <a:bodyPr/>
+          <a:lstStyle/>
+          <a:p>
+            <a:pPr marL="0" indent="0">
+              <a:buNone/>
+            </a:pPr>
+            <a:r>
+              <a:rPr lang="es-ES_tradnl" dirty="0">
+                <a:solidFill>
+                  <a:schemeClr val="accent2">
+                    <a:lumMod val="75000"/>
+                  </a:schemeClr>
+                </a:solidFill>
+              </a:rPr>
+              <a:t>s</a:t>
+            </a:r>
+            <a:r>
+              <a:rPr lang="es-ES_tradnl" dirty="0" smtClean="0">
+                <a:solidFill>
+                  <a:schemeClr val="accent2">
+                    <a:lumMod val="75000"/>
+                  </a:schemeClr>
+                </a:solidFill>
+              </a:rPr>
+              <a:t>elector {</a:t>
+            </a:r>
+          </a:p>
+          <a:p>
+            <a:pPr marL="0" indent="0">
+              <a:buNone/>
+            </a:pPr>
+            <a:r>
+              <a:rPr lang="es-ES_tradnl" dirty="0"/>
+              <a:t>	</a:t>
+            </a:r>
+            <a:r>
+              <a:rPr lang="es-ES_tradnl" dirty="0" smtClean="0">
+                <a:solidFill>
+                  <a:schemeClr val="accent6"/>
+                </a:solidFill>
+              </a:rPr>
+              <a:t>regla1</a:t>
+            </a:r>
+            <a:r>
+              <a:rPr lang="es-ES_tradnl" dirty="0" smtClean="0"/>
+              <a:t>: </a:t>
+            </a:r>
+            <a:r>
+              <a:rPr lang="es-ES_tradnl" dirty="0" smtClean="0">
+                <a:solidFill>
+                  <a:srgbClr val="0070C0"/>
+                </a:solidFill>
+              </a:rPr>
+              <a:t>valor1</a:t>
+            </a:r>
+            <a:r>
+              <a:rPr lang="es-ES_tradnl" dirty="0" smtClean="0"/>
+              <a:t>;</a:t>
+            </a:r>
+          </a:p>
+          <a:p>
+            <a:pPr marL="0" indent="0">
+              <a:buNone/>
+            </a:pPr>
+            <a:r>
+              <a:rPr lang="es-ES_tradnl" dirty="0"/>
+              <a:t>	</a:t>
+            </a:r>
+            <a:r>
+              <a:rPr lang="es-ES_tradnl" dirty="0" smtClean="0">
+                <a:solidFill>
+                  <a:schemeClr val="accent6"/>
+                </a:solidFill>
+              </a:rPr>
+              <a:t>regla2</a:t>
+            </a:r>
+            <a:r>
+              <a:rPr lang="es-ES_tradnl" dirty="0" smtClean="0"/>
+              <a:t>: </a:t>
+            </a:r>
+            <a:r>
+              <a:rPr lang="es-ES_tradnl" dirty="0" smtClean="0">
+                <a:solidFill>
+                  <a:srgbClr val="0070C0"/>
+                </a:solidFill>
+              </a:rPr>
+              <a:t>valor2</a:t>
+            </a:r>
+            <a:r>
+              <a:rPr lang="es-ES_tradnl" dirty="0" smtClean="0"/>
+              <a:t>;</a:t>
+            </a:r>
+          </a:p>
+          <a:p>
+            <a:pPr marL="0" indent="0">
+              <a:buNone/>
+            </a:pPr>
+            <a:r>
+              <a:rPr lang="es-ES_tradnl" dirty="0">
+                <a:solidFill>
+                  <a:schemeClr val="accent2">
+                    <a:lumMod val="75000"/>
+                  </a:schemeClr>
+                </a:solidFill>
+              </a:rPr>
+              <a:t>}</a:t>
+            </a:r>
+            <a:endParaRPr lang="en-US" dirty="0">
+              <a:solidFill>
+                <a:schemeClr val="accent2">
+                  <a:lumMod val="75000"/>
+                </a:schemeClr>
+              </a:solidFill>
+            </a:endParaRPr>
+          </a:p>
+        </p:txBody>
+      </p:sp>
+      <p:sp>
+        <p:nvSpPr>
+          <p:cNvPr id="4" name="Rounded Rectangular Callout 3"/>
+          <p:cNvSpPr/>
+          <p:nvPr/>
+        </p:nvSpPr>
+        <p:spPr>
+          <a:xfrm>
+            <a:off x="1976895" y="2114011"/>
+            <a:ext cx="2198914" cy="961621"/>
+          </a:xfrm>
+          <a:prstGeom prst="wedgeRoundRectCallout">
+            <a:avLst>
+              <a:gd name="adj1" fmla="val 78106"/>
+              <a:gd name="adj2" fmla="val 54705"/>
+              <a:gd name="adj3" fmla="val 16667"/>
+            </a:avLst>
+          </a:prstGeom>
+        </p:spPr>
+        <p:style>
+          <a:lnRef idx="2">
+            <a:schemeClr val="accent2">
+              <a:shade val="50000"/>
+            </a:schemeClr>
+          </a:lnRef>
+          <a:fillRef idx="1">
+            <a:schemeClr val="accent2"/>
+          </a:fillRef>
+          <a:effectRef idx="0">
+            <a:schemeClr val="accent2"/>
+          </a:effectRef>
+          <a:fontRef idx="minor">
+            <a:schemeClr val="lt1"/>
+          </a:fontRef>
+        </p:style>
+        <p:txBody>
+          <a:bodyPr rtlCol="0" anchor="ctr"/>
+          <a:lstStyle/>
+          <a:p>
+            <a:pPr algn="ctr"/>
+            <a:r>
+              <a:rPr lang="es-ES_tradnl" sz="3200" dirty="0" smtClean="0"/>
+              <a:t>Que se modifica</a:t>
+            </a:r>
+            <a:endParaRPr lang="en-US" sz="3200" dirty="0"/>
+          </a:p>
+        </p:txBody>
+      </p:sp>
+      <p:sp>
+        <p:nvSpPr>
+          <p:cNvPr id="5" name="Rounded Rectangular Callout 4"/>
+          <p:cNvSpPr/>
+          <p:nvPr/>
+        </p:nvSpPr>
+        <p:spPr>
+          <a:xfrm>
+            <a:off x="8382006" y="3686829"/>
+            <a:ext cx="2198914" cy="961621"/>
+          </a:xfrm>
+          <a:prstGeom prst="wedgeRoundRectCallout">
+            <a:avLst>
+              <a:gd name="adj1" fmla="val -74368"/>
+              <a:gd name="adj2" fmla="val -20009"/>
+              <a:gd name="adj3" fmla="val 16667"/>
+            </a:avLst>
+          </a:prstGeom>
+        </p:spPr>
+        <p:style>
+          <a:lnRef idx="2">
+            <a:schemeClr val="accent3">
+              <a:shade val="50000"/>
+            </a:schemeClr>
+          </a:lnRef>
+          <a:fillRef idx="1">
+            <a:schemeClr val="accent3"/>
+          </a:fillRef>
+          <a:effectRef idx="0">
+            <a:schemeClr val="accent3"/>
+          </a:effectRef>
+          <a:fontRef idx="minor">
+            <a:schemeClr val="lt1"/>
+          </a:fontRef>
+        </p:style>
+        <p:txBody>
+          <a:bodyPr rtlCol="0" anchor="ctr"/>
+          <a:lstStyle/>
+          <a:p>
+            <a:pPr algn="ctr"/>
+            <a:r>
+              <a:rPr lang="es-ES_tradnl" sz="3200" dirty="0" smtClean="0"/>
+              <a:t>Como se modifica</a:t>
+            </a:r>
+            <a:endParaRPr lang="en-US" sz="3200" dirty="0"/>
+          </a:p>
+        </p:txBody>
+      </p:sp>
+    </p:spTree>
+    <p:extLst>
+      <p:ext uri="{BB962C8B-B14F-4D97-AF65-F5344CB8AC3E}">
+        <p14:creationId xmlns:p14="http://schemas.microsoft.com/office/powerpoint/2010/main" val="3042965058"/>
+      </p:ext>
+    </p:extLst>
+  </p:cSld>
+  <p:clrMapOvr>
+    <a:masterClrMapping/>
+  </p:clrMapOvr>
+</p:sld>
+</file>
+
+<file path=ppt/slides/slide25.xml><?xml version="1.0" encoding="utf-8"?>
+<p:sld xmlns:a="http://schemas.openxmlformats.org/drawingml/2006/main" xmlns:r="http://schemas.openxmlformats.org/officeDocument/2006/relationships" xmlns:p="http://schemas.openxmlformats.org/presentationml/2006/main">
+  <p:cSld>
+    <p:spTree>
+      <p:nvGrpSpPr>
+        <p:cNvPr id="1" name=""/>
+        <p:cNvGrpSpPr/>
+        <p:nvPr/>
+      </p:nvGrpSpPr>
+      <p:grpSpPr>
+        <a:xfrm>
+          <a:off x="0" y="0"/>
+          <a:ext cx="0" cy="0"/>
+          <a:chOff x="0" y="0"/>
+          <a:chExt cx="0" cy="0"/>
+        </a:xfrm>
+      </p:grpSpPr>
+      <p:sp>
+        <p:nvSpPr>
+          <p:cNvPr id="2" name="Title 1"/>
+          <p:cNvSpPr>
+            <a:spLocks noGrp="1"/>
+          </p:cNvSpPr>
+          <p:nvPr>
+            <p:ph type="title"/>
+          </p:nvPr>
+        </p:nvSpPr>
+        <p:spPr/>
+        <p:txBody>
           <a:bodyPr/>
           <a:lstStyle/>
           <a:p>
@@ -6126,849 +7835,6 @@
 </p:sld>
 </file>
 
-<file path=ppt/slides/slide21.xml><?xml version="1.0" encoding="utf-8"?>
-<p:sld xmlns:a="http://schemas.openxmlformats.org/drawingml/2006/main" xmlns:r="http://schemas.openxmlformats.org/officeDocument/2006/relationships" xmlns:p="http://schemas.openxmlformats.org/presentationml/2006/main">
-  <p:cSld>
-    <p:spTree>
-      <p:nvGrpSpPr>
-        <p:cNvPr id="1" name=""/>
-        <p:cNvGrpSpPr/>
-        <p:nvPr/>
-      </p:nvGrpSpPr>
-      <p:grpSpPr>
-        <a:xfrm>
-          <a:off x="0" y="0"/>
-          <a:ext cx="0" cy="0"/>
-          <a:chOff x="0" y="0"/>
-          <a:chExt cx="0" cy="0"/>
-        </a:xfrm>
-      </p:grpSpPr>
-      <p:sp>
-        <p:nvSpPr>
-          <p:cNvPr id="2" name="Title 1"/>
-          <p:cNvSpPr>
-            <a:spLocks noGrp="1"/>
-          </p:cNvSpPr>
-          <p:nvPr>
-            <p:ph type="title"/>
-          </p:nvPr>
-        </p:nvSpPr>
-        <p:spPr/>
-        <p:txBody>
-          <a:bodyPr/>
-          <a:lstStyle/>
-          <a:p>
-            <a:r>
-              <a:rPr lang="es-ES_tradnl" dirty="0" smtClean="0"/>
-              <a:t>Sintaxis de selectores</a:t>
-            </a:r>
-            <a:endParaRPr lang="en-US" dirty="0"/>
-          </a:p>
-        </p:txBody>
-      </p:sp>
-      <p:sp>
-        <p:nvSpPr>
-          <p:cNvPr id="3" name="Content Placeholder 2"/>
-          <p:cNvSpPr>
-            <a:spLocks noGrp="1"/>
-          </p:cNvSpPr>
-          <p:nvPr>
-            <p:ph idx="1"/>
-          </p:nvPr>
-        </p:nvSpPr>
-        <p:spPr/>
-        <p:txBody>
-          <a:bodyPr/>
-          <a:lstStyle/>
-          <a:p>
-            <a:pPr marL="0" indent="0">
-              <a:buNone/>
-            </a:pPr>
-            <a:endParaRPr lang="es-ES_tradnl" dirty="0" smtClean="0"/>
-          </a:p>
-          <a:p>
-            <a:pPr marL="0" indent="0">
-              <a:buNone/>
-            </a:pPr>
-            <a:r>
-              <a:rPr lang="es-ES_tradnl" dirty="0" smtClean="0"/>
-              <a:t>Etiqueta </a:t>
-            </a:r>
-            <a:r>
-              <a:rPr lang="es-ES_tradnl" dirty="0" smtClean="0">
-                <a:sym typeface="Wingdings" panose="05000000000000000000" pitchFamily="2" charset="2"/>
-              </a:rPr>
-              <a:t> &lt;etiqueta</a:t>
-            </a:r>
-            <a:r>
-              <a:rPr lang="es-ES_tradnl" dirty="0" smtClean="0">
-                <a:sym typeface="Wingdings" panose="05000000000000000000" pitchFamily="2" charset="2"/>
-              </a:rPr>
-              <a:t>&gt;</a:t>
-            </a:r>
-          </a:p>
-          <a:p>
-            <a:pPr marL="0" indent="0">
-              <a:buNone/>
-            </a:pPr>
-            <a:endParaRPr lang="es-ES_tradnl" dirty="0" smtClean="0"/>
-          </a:p>
-          <a:p>
-            <a:pPr marL="0" indent="0">
-              <a:buNone/>
-            </a:pPr>
-            <a:r>
-              <a:rPr lang="es-ES_tradnl" dirty="0" smtClean="0"/>
-              <a:t>.clase </a:t>
-            </a:r>
-            <a:r>
-              <a:rPr lang="es-ES_tradnl" dirty="0" smtClean="0">
-                <a:sym typeface="Wingdings" panose="05000000000000000000" pitchFamily="2" charset="2"/>
-              </a:rPr>
-              <a:t> </a:t>
-            </a:r>
-            <a:r>
-              <a:rPr lang="es-ES_tradnl" dirty="0" err="1" smtClean="0">
-                <a:sym typeface="Wingdings" panose="05000000000000000000" pitchFamily="2" charset="2"/>
-              </a:rPr>
-              <a:t>class</a:t>
-            </a:r>
-            <a:r>
-              <a:rPr lang="es-ES_tradnl" dirty="0" smtClean="0">
-                <a:sym typeface="Wingdings" panose="05000000000000000000" pitchFamily="2" charset="2"/>
-              </a:rPr>
-              <a:t>=“clase</a:t>
-            </a:r>
-            <a:r>
-              <a:rPr lang="es-ES_tradnl" dirty="0" smtClean="0">
-                <a:sym typeface="Wingdings" panose="05000000000000000000" pitchFamily="2" charset="2"/>
-              </a:rPr>
-              <a:t>”</a:t>
-            </a:r>
-          </a:p>
-          <a:p>
-            <a:pPr marL="0" indent="0">
-              <a:buNone/>
-            </a:pPr>
-            <a:endParaRPr lang="es-ES_tradnl" dirty="0" smtClean="0"/>
-          </a:p>
-          <a:p>
-            <a:pPr marL="0" indent="0">
-              <a:buNone/>
-            </a:pPr>
-            <a:r>
-              <a:rPr lang="es-ES_tradnl" dirty="0" smtClean="0"/>
-              <a:t>#id </a:t>
-            </a:r>
-            <a:r>
-              <a:rPr lang="es-ES_tradnl" dirty="0" smtClean="0">
-                <a:sym typeface="Wingdings" panose="05000000000000000000" pitchFamily="2" charset="2"/>
-              </a:rPr>
-              <a:t>id=“id”</a:t>
-            </a:r>
-            <a:endParaRPr lang="en-US" dirty="0"/>
-          </a:p>
-        </p:txBody>
-      </p:sp>
-    </p:spTree>
-    <p:extLst>
-      <p:ext uri="{BB962C8B-B14F-4D97-AF65-F5344CB8AC3E}">
-        <p14:creationId xmlns:p14="http://schemas.microsoft.com/office/powerpoint/2010/main" val="660177771"/>
-      </p:ext>
-    </p:extLst>
-  </p:cSld>
-  <p:clrMapOvr>
-    <a:masterClrMapping/>
-  </p:clrMapOvr>
-</p:sld>
-</file>
-
-<file path=ppt/slides/slide22.xml><?xml version="1.0" encoding="utf-8"?>
-<p:sld xmlns:a="http://schemas.openxmlformats.org/drawingml/2006/main" xmlns:r="http://schemas.openxmlformats.org/officeDocument/2006/relationships" xmlns:p="http://schemas.openxmlformats.org/presentationml/2006/main">
-  <p:cSld>
-    <p:spTree>
-      <p:nvGrpSpPr>
-        <p:cNvPr id="1" name=""/>
-        <p:cNvGrpSpPr/>
-        <p:nvPr/>
-      </p:nvGrpSpPr>
-      <p:grpSpPr>
-        <a:xfrm>
-          <a:off x="0" y="0"/>
-          <a:ext cx="0" cy="0"/>
-          <a:chOff x="0" y="0"/>
-          <a:chExt cx="0" cy="0"/>
-        </a:xfrm>
-      </p:grpSpPr>
-      <p:sp>
-        <p:nvSpPr>
-          <p:cNvPr id="2" name="Title 1"/>
-          <p:cNvSpPr>
-            <a:spLocks noGrp="1"/>
-          </p:cNvSpPr>
-          <p:nvPr>
-            <p:ph type="title"/>
-          </p:nvPr>
-        </p:nvSpPr>
-        <p:spPr/>
-        <p:txBody>
-          <a:bodyPr/>
-          <a:lstStyle/>
-          <a:p>
-            <a:r>
-              <a:rPr lang="es-ES_tradnl" dirty="0" smtClean="0"/>
-              <a:t>Selectores 2</a:t>
-            </a:r>
-            <a:endParaRPr lang="en-US" dirty="0"/>
-          </a:p>
-        </p:txBody>
-      </p:sp>
-      <p:sp>
-        <p:nvSpPr>
-          <p:cNvPr id="3" name="Content Placeholder 2"/>
-          <p:cNvSpPr>
-            <a:spLocks noGrp="1"/>
-          </p:cNvSpPr>
-          <p:nvPr>
-            <p:ph idx="1"/>
-          </p:nvPr>
-        </p:nvSpPr>
-        <p:spPr/>
-        <p:txBody>
-          <a:bodyPr/>
-          <a:lstStyle/>
-          <a:p>
-            <a:r>
-              <a:rPr lang="es-ES_tradnl" dirty="0" smtClean="0"/>
-              <a:t> </a:t>
-            </a:r>
-            <a:r>
-              <a:rPr lang="es-ES_tradnl" dirty="0" err="1" smtClean="0"/>
-              <a:t>ul</a:t>
-            </a:r>
-            <a:r>
-              <a:rPr lang="es-ES_tradnl" dirty="0" smtClean="0"/>
-              <a:t> &gt; li  </a:t>
-            </a:r>
-            <a:r>
-              <a:rPr lang="es-ES_tradnl" dirty="0" smtClean="0">
-                <a:sym typeface="Wingdings" panose="05000000000000000000" pitchFamily="2" charset="2"/>
-              </a:rPr>
-              <a:t> </a:t>
-            </a:r>
-            <a:r>
-              <a:rPr lang="es-ES_tradnl" dirty="0" err="1" smtClean="0"/>
-              <a:t>child</a:t>
-            </a:r>
-            <a:r>
-              <a:rPr lang="es-ES_tradnl" dirty="0" smtClean="0"/>
-              <a:t> selector</a:t>
-            </a:r>
-          </a:p>
-          <a:p>
-            <a:r>
-              <a:rPr lang="es-ES_tradnl" dirty="0"/>
-              <a:t>h</a:t>
-            </a:r>
-            <a:r>
-              <a:rPr lang="es-ES_tradnl" dirty="0" smtClean="0"/>
-              <a:t>3 + p </a:t>
-            </a:r>
-            <a:r>
-              <a:rPr lang="es-ES_tradnl" dirty="0" smtClean="0">
-                <a:sym typeface="Wingdings" panose="05000000000000000000" pitchFamily="2" charset="2"/>
-              </a:rPr>
-              <a:t> </a:t>
-            </a:r>
-            <a:r>
-              <a:rPr lang="es-ES_tradnl" dirty="0" err="1" smtClean="0">
-                <a:sym typeface="Wingdings" panose="05000000000000000000" pitchFamily="2" charset="2"/>
-              </a:rPr>
-              <a:t>adjacent</a:t>
-            </a:r>
-            <a:r>
-              <a:rPr lang="es-ES_tradnl" dirty="0" smtClean="0">
-                <a:sym typeface="Wingdings" panose="05000000000000000000" pitchFamily="2" charset="2"/>
-              </a:rPr>
-              <a:t> selector</a:t>
-            </a:r>
-          </a:p>
-          <a:p>
-            <a:r>
-              <a:rPr lang="es-ES_tradnl" dirty="0">
-                <a:sym typeface="Wingdings" panose="05000000000000000000" pitchFamily="2" charset="2"/>
-              </a:rPr>
-              <a:t>i</a:t>
-            </a:r>
-            <a:r>
-              <a:rPr lang="es-ES_tradnl" dirty="0" smtClean="0">
-                <a:sym typeface="Wingdings" panose="05000000000000000000" pitchFamily="2" charset="2"/>
-              </a:rPr>
-              <a:t>nput[</a:t>
-            </a:r>
-            <a:r>
-              <a:rPr lang="es-ES_tradnl" dirty="0" err="1" smtClean="0">
-                <a:sym typeface="Wingdings" panose="05000000000000000000" pitchFamily="2" charset="2"/>
-              </a:rPr>
-              <a:t>name</a:t>
-            </a:r>
-            <a:r>
-              <a:rPr lang="es-ES_tradnl" dirty="0" smtClean="0">
-                <a:sym typeface="Wingdings" panose="05000000000000000000" pitchFamily="2" charset="2"/>
-              </a:rPr>
-              <a:t>=“</a:t>
-            </a:r>
-            <a:r>
-              <a:rPr lang="es-ES_tradnl" dirty="0" err="1" smtClean="0">
-                <a:sym typeface="Wingdings" panose="05000000000000000000" pitchFamily="2" charset="2"/>
-              </a:rPr>
-              <a:t>mobile</a:t>
-            </a:r>
-            <a:r>
-              <a:rPr lang="es-ES_tradnl" dirty="0" smtClean="0">
-                <a:sym typeface="Wingdings" panose="05000000000000000000" pitchFamily="2" charset="2"/>
-              </a:rPr>
-              <a:t>”]  </a:t>
-            </a:r>
-            <a:r>
-              <a:rPr lang="es-ES_tradnl" dirty="0" err="1" smtClean="0">
-                <a:sym typeface="Wingdings" panose="05000000000000000000" pitchFamily="2" charset="2"/>
-              </a:rPr>
-              <a:t>attribute</a:t>
-            </a:r>
-            <a:r>
-              <a:rPr lang="es-ES_tradnl" dirty="0" smtClean="0">
-                <a:sym typeface="Wingdings" panose="05000000000000000000" pitchFamily="2" charset="2"/>
-              </a:rPr>
-              <a:t> selector</a:t>
-            </a:r>
-          </a:p>
-          <a:p>
-            <a:r>
-              <a:rPr lang="es-ES_tradnl" dirty="0" err="1" smtClean="0">
-                <a:sym typeface="Wingdings" panose="05000000000000000000" pitchFamily="2" charset="2"/>
-              </a:rPr>
-              <a:t>li:first-child</a:t>
-            </a:r>
-            <a:r>
-              <a:rPr lang="es-ES_tradnl" dirty="0" smtClean="0">
-                <a:sym typeface="Wingdings" panose="05000000000000000000" pitchFamily="2" charset="2"/>
-              </a:rPr>
-              <a:t>  </a:t>
-            </a:r>
-            <a:r>
-              <a:rPr lang="es-ES_tradnl" dirty="0" err="1" smtClean="0">
-                <a:sym typeface="Wingdings" panose="05000000000000000000" pitchFamily="2" charset="2"/>
-              </a:rPr>
-              <a:t>first</a:t>
-            </a:r>
-            <a:r>
-              <a:rPr lang="es-ES_tradnl" dirty="0" smtClean="0">
-                <a:sym typeface="Wingdings" panose="05000000000000000000" pitchFamily="2" charset="2"/>
-              </a:rPr>
-              <a:t> </a:t>
-            </a:r>
-            <a:r>
-              <a:rPr lang="es-ES_tradnl" dirty="0" err="1" smtClean="0">
-                <a:sym typeface="Wingdings" panose="05000000000000000000" pitchFamily="2" charset="2"/>
-              </a:rPr>
-              <a:t>child</a:t>
-            </a:r>
-            <a:r>
-              <a:rPr lang="es-ES_tradnl" dirty="0" smtClean="0">
-                <a:sym typeface="Wingdings" panose="05000000000000000000" pitchFamily="2" charset="2"/>
-              </a:rPr>
-              <a:t> selector</a:t>
-            </a:r>
-          </a:p>
-          <a:p>
-            <a:r>
-              <a:rPr lang="es-ES_tradnl" dirty="0" err="1" smtClean="0">
-                <a:sym typeface="Wingdings" panose="05000000000000000000" pitchFamily="2" charset="2"/>
-              </a:rPr>
-              <a:t>li:nth-child</a:t>
-            </a:r>
-            <a:r>
-              <a:rPr lang="es-ES_tradnl" dirty="0" smtClean="0">
-                <a:sym typeface="Wingdings" panose="05000000000000000000" pitchFamily="2" charset="2"/>
-              </a:rPr>
-              <a:t>(2n+1)  selector de impares</a:t>
-            </a:r>
-          </a:p>
-          <a:p>
-            <a:r>
-              <a:rPr lang="es-ES_tradnl" dirty="0" smtClean="0">
-                <a:sym typeface="Wingdings" panose="05000000000000000000" pitchFamily="2" charset="2"/>
-              </a:rPr>
-              <a:t>Selectores </a:t>
-            </a:r>
-            <a:r>
-              <a:rPr lang="es-ES_tradnl" dirty="0" err="1" smtClean="0">
-                <a:sym typeface="Wingdings" panose="05000000000000000000" pitchFamily="2" charset="2"/>
-              </a:rPr>
-              <a:t>pseudo</a:t>
-            </a:r>
-            <a:r>
-              <a:rPr lang="es-ES_tradnl" dirty="0" smtClean="0">
-                <a:sym typeface="Wingdings" panose="05000000000000000000" pitchFamily="2" charset="2"/>
-              </a:rPr>
-              <a:t> dinámicos (:</a:t>
-            </a:r>
-            <a:r>
-              <a:rPr lang="es-ES_tradnl" dirty="0" err="1" smtClean="0">
-                <a:sym typeface="Wingdings" panose="05000000000000000000" pitchFamily="2" charset="2"/>
-              </a:rPr>
-              <a:t>hover</a:t>
-            </a:r>
-            <a:r>
-              <a:rPr lang="es-ES_tradnl" dirty="0" smtClean="0">
-                <a:sym typeface="Wingdings" panose="05000000000000000000" pitchFamily="2" charset="2"/>
-              </a:rPr>
-              <a:t>, :</a:t>
-            </a:r>
-            <a:r>
-              <a:rPr lang="es-ES_tradnl" dirty="0" err="1" smtClean="0">
-                <a:sym typeface="Wingdings" panose="05000000000000000000" pitchFamily="2" charset="2"/>
-              </a:rPr>
-              <a:t>focus</a:t>
-            </a:r>
-            <a:r>
-              <a:rPr lang="es-ES_tradnl" dirty="0" smtClean="0">
-                <a:sym typeface="Wingdings" panose="05000000000000000000" pitchFamily="2" charset="2"/>
-              </a:rPr>
-              <a:t>, :active…)</a:t>
-            </a:r>
-            <a:endParaRPr lang="en-US" dirty="0"/>
-          </a:p>
-        </p:txBody>
-      </p:sp>
-    </p:spTree>
-    <p:extLst>
-      <p:ext uri="{BB962C8B-B14F-4D97-AF65-F5344CB8AC3E}">
-        <p14:creationId xmlns:p14="http://schemas.microsoft.com/office/powerpoint/2010/main" val="2272240497"/>
-      </p:ext>
-    </p:extLst>
-  </p:cSld>
-  <p:clrMapOvr>
-    <a:masterClrMapping/>
-  </p:clrMapOvr>
-</p:sld>
-</file>
-
-<file path=ppt/slides/slide23.xml><?xml version="1.0" encoding="utf-8"?>
-<p:sld xmlns:a="http://schemas.openxmlformats.org/drawingml/2006/main" xmlns:r="http://schemas.openxmlformats.org/officeDocument/2006/relationships" xmlns:p="http://schemas.openxmlformats.org/presentationml/2006/main">
-  <p:cSld>
-    <p:spTree>
-      <p:nvGrpSpPr>
-        <p:cNvPr id="1" name=""/>
-        <p:cNvGrpSpPr/>
-        <p:nvPr/>
-      </p:nvGrpSpPr>
-      <p:grpSpPr>
-        <a:xfrm>
-          <a:off x="0" y="0"/>
-          <a:ext cx="0" cy="0"/>
-          <a:chOff x="0" y="0"/>
-          <a:chExt cx="0" cy="0"/>
-        </a:xfrm>
-      </p:grpSpPr>
-      <p:sp>
-        <p:nvSpPr>
-          <p:cNvPr id="2" name="Title 1"/>
-          <p:cNvSpPr>
-            <a:spLocks noGrp="1"/>
-          </p:cNvSpPr>
-          <p:nvPr>
-            <p:ph type="title"/>
-          </p:nvPr>
-        </p:nvSpPr>
-        <p:spPr/>
-        <p:txBody>
-          <a:bodyPr/>
-          <a:lstStyle/>
-          <a:p>
-            <a:endParaRPr lang="en-US"/>
-          </a:p>
-        </p:txBody>
-      </p:sp>
-      <p:pic>
-        <p:nvPicPr>
-          <p:cNvPr id="4" name="Picture 3"/>
-          <p:cNvPicPr>
-            <a:picLocks noChangeAspect="1"/>
-          </p:cNvPicPr>
-          <p:nvPr/>
-        </p:nvPicPr>
-        <p:blipFill>
-          <a:blip r:embed="rId2"/>
-          <a:stretch>
-            <a:fillRect/>
-          </a:stretch>
-        </p:blipFill>
-        <p:spPr>
-          <a:xfrm>
-            <a:off x="3300412" y="2162175"/>
-            <a:ext cx="5591175" cy="4019550"/>
-          </a:xfrm>
-          <a:prstGeom prst="rect">
-            <a:avLst/>
-          </a:prstGeom>
-        </p:spPr>
-      </p:pic>
-    </p:spTree>
-    <p:extLst>
-      <p:ext uri="{BB962C8B-B14F-4D97-AF65-F5344CB8AC3E}">
-        <p14:creationId xmlns:p14="http://schemas.microsoft.com/office/powerpoint/2010/main" val="2234335239"/>
-      </p:ext>
-    </p:extLst>
-  </p:cSld>
-  <p:clrMapOvr>
-    <a:masterClrMapping/>
-  </p:clrMapOvr>
-</p:sld>
-</file>
-
-<file path=ppt/slides/slide24.xml><?xml version="1.0" encoding="utf-8"?>
-<p:sld xmlns:a="http://schemas.openxmlformats.org/drawingml/2006/main" xmlns:r="http://schemas.openxmlformats.org/officeDocument/2006/relationships" xmlns:p="http://schemas.openxmlformats.org/presentationml/2006/main">
-  <p:cSld>
-    <p:spTree>
-      <p:nvGrpSpPr>
-        <p:cNvPr id="1" name=""/>
-        <p:cNvGrpSpPr/>
-        <p:nvPr/>
-      </p:nvGrpSpPr>
-      <p:grpSpPr>
-        <a:xfrm>
-          <a:off x="0" y="0"/>
-          <a:ext cx="0" cy="0"/>
-          <a:chOff x="0" y="0"/>
-          <a:chExt cx="0" cy="0"/>
-        </a:xfrm>
-      </p:grpSpPr>
-      <p:sp>
-        <p:nvSpPr>
-          <p:cNvPr id="2" name="Title 1"/>
-          <p:cNvSpPr>
-            <a:spLocks noGrp="1"/>
-          </p:cNvSpPr>
-          <p:nvPr>
-            <p:ph type="title"/>
-          </p:nvPr>
-        </p:nvSpPr>
-        <p:spPr/>
-        <p:txBody>
-          <a:bodyPr/>
-          <a:lstStyle/>
-          <a:p>
-            <a:r>
-              <a:rPr lang="es-ES_tradnl" dirty="0" smtClean="0"/>
-              <a:t>Modelo de caja</a:t>
-            </a:r>
-            <a:endParaRPr lang="en-US" dirty="0"/>
-          </a:p>
-        </p:txBody>
-      </p:sp>
-      <p:sp>
-        <p:nvSpPr>
-          <p:cNvPr id="4" name="Rectangle 3"/>
-          <p:cNvSpPr/>
-          <p:nvPr/>
-        </p:nvSpPr>
-        <p:spPr>
-          <a:xfrm>
-            <a:off x="1057275" y="1690688"/>
-            <a:ext cx="10039350" cy="4729162"/>
-          </a:xfrm>
-          <a:prstGeom prst="rect">
-            <a:avLst/>
-          </a:prstGeom>
-        </p:spPr>
-        <p:style>
-          <a:lnRef idx="2">
-            <a:schemeClr val="accent6">
-              <a:shade val="50000"/>
-            </a:schemeClr>
-          </a:lnRef>
-          <a:fillRef idx="1">
-            <a:schemeClr val="accent6"/>
-          </a:fillRef>
-          <a:effectRef idx="0">
-            <a:schemeClr val="accent6"/>
-          </a:effectRef>
-          <a:fontRef idx="minor">
-            <a:schemeClr val="lt1"/>
-          </a:fontRef>
-        </p:style>
-        <p:txBody>
-          <a:bodyPr rtlCol="0" anchor="t"/>
-          <a:lstStyle/>
-          <a:p>
-            <a:pPr algn="ctr"/>
-            <a:r>
-              <a:rPr lang="es-ES_tradnl" sz="3200" dirty="0" err="1" smtClean="0"/>
-              <a:t>Margin</a:t>
-            </a:r>
-            <a:endParaRPr lang="en-US" sz="3200" dirty="0"/>
-          </a:p>
-        </p:txBody>
-      </p:sp>
-      <p:sp>
-        <p:nvSpPr>
-          <p:cNvPr id="5" name="Rectangle 4"/>
-          <p:cNvSpPr/>
-          <p:nvPr/>
-        </p:nvSpPr>
-        <p:spPr>
-          <a:xfrm>
-            <a:off x="2305594" y="2265723"/>
-            <a:ext cx="7542713" cy="3579091"/>
-          </a:xfrm>
-          <a:prstGeom prst="rect">
-            <a:avLst/>
-          </a:prstGeom>
-        </p:spPr>
-        <p:style>
-          <a:lnRef idx="2">
-            <a:schemeClr val="accent3">
-              <a:shade val="50000"/>
-            </a:schemeClr>
-          </a:lnRef>
-          <a:fillRef idx="1">
-            <a:schemeClr val="accent3"/>
-          </a:fillRef>
-          <a:effectRef idx="0">
-            <a:schemeClr val="accent3"/>
-          </a:effectRef>
-          <a:fontRef idx="minor">
-            <a:schemeClr val="lt1"/>
-          </a:fontRef>
-        </p:style>
-        <p:txBody>
-          <a:bodyPr rtlCol="0" anchor="t"/>
-          <a:lstStyle/>
-          <a:p>
-            <a:pPr algn="ctr"/>
-            <a:r>
-              <a:rPr lang="es-ES_tradnl" sz="3200" dirty="0" err="1" smtClean="0"/>
-              <a:t>Padding</a:t>
-            </a:r>
-            <a:endParaRPr lang="en-US" sz="3200" dirty="0"/>
-          </a:p>
-        </p:txBody>
-      </p:sp>
-      <p:sp>
-        <p:nvSpPr>
-          <p:cNvPr id="6" name="Rectangle 5"/>
-          <p:cNvSpPr/>
-          <p:nvPr/>
-        </p:nvSpPr>
-        <p:spPr>
-          <a:xfrm>
-            <a:off x="3262523" y="2944102"/>
-            <a:ext cx="5666953" cy="2222334"/>
-          </a:xfrm>
-          <a:prstGeom prst="rect">
-            <a:avLst/>
-          </a:prstGeom>
-        </p:spPr>
-        <p:style>
-          <a:lnRef idx="2">
-            <a:schemeClr val="accent5">
-              <a:shade val="50000"/>
-            </a:schemeClr>
-          </a:lnRef>
-          <a:fillRef idx="1">
-            <a:schemeClr val="accent5"/>
-          </a:fillRef>
-          <a:effectRef idx="0">
-            <a:schemeClr val="accent5"/>
-          </a:effectRef>
-          <a:fontRef idx="minor">
-            <a:schemeClr val="lt1"/>
-          </a:fontRef>
-        </p:style>
-        <p:txBody>
-          <a:bodyPr rtlCol="0" anchor="t"/>
-          <a:lstStyle/>
-          <a:p>
-            <a:pPr algn="ctr"/>
-            <a:r>
-              <a:rPr lang="es-ES_tradnl" sz="3200" dirty="0" err="1" smtClean="0"/>
-              <a:t>Border</a:t>
-            </a:r>
-            <a:endParaRPr lang="en-US" sz="3200" dirty="0"/>
-          </a:p>
-        </p:txBody>
-      </p:sp>
-      <p:sp>
-        <p:nvSpPr>
-          <p:cNvPr id="7" name="Rectangle 6"/>
-          <p:cNvSpPr/>
-          <p:nvPr/>
-        </p:nvSpPr>
-        <p:spPr>
-          <a:xfrm>
-            <a:off x="4622928" y="3536901"/>
-            <a:ext cx="2908043" cy="1036735"/>
-          </a:xfrm>
-          <a:prstGeom prst="rect">
-            <a:avLst/>
-          </a:prstGeom>
-        </p:spPr>
-        <p:style>
-          <a:lnRef idx="2">
-            <a:schemeClr val="accent2">
-              <a:shade val="50000"/>
-            </a:schemeClr>
-          </a:lnRef>
-          <a:fillRef idx="1">
-            <a:schemeClr val="accent2"/>
-          </a:fillRef>
-          <a:effectRef idx="0">
-            <a:schemeClr val="accent2"/>
-          </a:effectRef>
-          <a:fontRef idx="minor">
-            <a:schemeClr val="lt1"/>
-          </a:fontRef>
-        </p:style>
-        <p:txBody>
-          <a:bodyPr rtlCol="0" anchor="ctr"/>
-          <a:lstStyle/>
-          <a:p>
-            <a:pPr algn="ctr"/>
-            <a:r>
-              <a:rPr lang="es-ES_tradnl" sz="3200" dirty="0" smtClean="0"/>
-              <a:t>Content</a:t>
-            </a:r>
-            <a:endParaRPr lang="en-US" sz="3200" dirty="0"/>
-          </a:p>
-        </p:txBody>
-      </p:sp>
-    </p:spTree>
-    <p:extLst>
-      <p:ext uri="{BB962C8B-B14F-4D97-AF65-F5344CB8AC3E}">
-        <p14:creationId xmlns:p14="http://schemas.microsoft.com/office/powerpoint/2010/main" val="3680185540"/>
-      </p:ext>
-    </p:extLst>
-  </p:cSld>
-  <p:clrMapOvr>
-    <a:masterClrMapping/>
-  </p:clrMapOvr>
-</p:sld>
-</file>
-
-<file path=ppt/slides/slide25.xml><?xml version="1.0" encoding="utf-8"?>
-<p:sld xmlns:a="http://schemas.openxmlformats.org/drawingml/2006/main" xmlns:r="http://schemas.openxmlformats.org/officeDocument/2006/relationships" xmlns:p="http://schemas.openxmlformats.org/presentationml/2006/main">
-  <p:cSld>
-    <p:spTree>
-      <p:nvGrpSpPr>
-        <p:cNvPr id="1" name=""/>
-        <p:cNvGrpSpPr/>
-        <p:nvPr/>
-      </p:nvGrpSpPr>
-      <p:grpSpPr>
-        <a:xfrm>
-          <a:off x="0" y="0"/>
-          <a:ext cx="0" cy="0"/>
-          <a:chOff x="0" y="0"/>
-          <a:chExt cx="0" cy="0"/>
-        </a:xfrm>
-      </p:grpSpPr>
-      <p:sp>
-        <p:nvSpPr>
-          <p:cNvPr id="2" name="Title 1"/>
-          <p:cNvSpPr>
-            <a:spLocks noGrp="1"/>
-          </p:cNvSpPr>
-          <p:nvPr>
-            <p:ph type="title"/>
-          </p:nvPr>
-        </p:nvSpPr>
-        <p:spPr/>
-        <p:txBody>
-          <a:bodyPr/>
-          <a:lstStyle/>
-          <a:p>
-            <a:r>
-              <a:rPr lang="es-ES_tradnl" dirty="0" smtClean="0"/>
-              <a:t>Esquema de posicionamiento</a:t>
-            </a:r>
-            <a:endParaRPr lang="en-US" dirty="0"/>
-          </a:p>
-        </p:txBody>
-      </p:sp>
-      <p:sp>
-        <p:nvSpPr>
-          <p:cNvPr id="3" name="Content Placeholder 2"/>
-          <p:cNvSpPr>
-            <a:spLocks noGrp="1"/>
-          </p:cNvSpPr>
-          <p:nvPr>
-            <p:ph idx="1"/>
-          </p:nvPr>
-        </p:nvSpPr>
-        <p:spPr/>
-        <p:txBody>
-          <a:bodyPr/>
-          <a:lstStyle/>
-          <a:p>
-            <a:r>
-              <a:rPr lang="es-ES_tradnl" dirty="0" err="1"/>
-              <a:t>s</a:t>
-            </a:r>
-            <a:r>
-              <a:rPr lang="es-ES_tradnl" dirty="0" err="1" smtClean="0"/>
-              <a:t>tatic</a:t>
-            </a:r>
-            <a:r>
-              <a:rPr lang="es-ES_tradnl" dirty="0" smtClean="0"/>
-              <a:t> (default)</a:t>
-            </a:r>
-          </a:p>
-          <a:p>
-            <a:r>
-              <a:rPr lang="es-ES_tradnl" dirty="0" err="1"/>
-              <a:t>r</a:t>
-            </a:r>
-            <a:r>
-              <a:rPr lang="es-ES_tradnl" dirty="0" err="1" smtClean="0"/>
-              <a:t>elative</a:t>
-            </a:r>
-            <a:endParaRPr lang="es-ES_tradnl" dirty="0" smtClean="0"/>
-          </a:p>
-          <a:p>
-            <a:r>
-              <a:rPr lang="es-ES_tradnl" dirty="0" err="1"/>
-              <a:t>a</a:t>
-            </a:r>
-            <a:r>
-              <a:rPr lang="es-ES_tradnl" dirty="0" err="1" smtClean="0"/>
-              <a:t>bsolute</a:t>
-            </a:r>
-            <a:endParaRPr lang="es-ES_tradnl" dirty="0" smtClean="0"/>
-          </a:p>
-          <a:p>
-            <a:r>
-              <a:rPr lang="es-ES_tradnl" dirty="0" err="1" smtClean="0"/>
-              <a:t>fixed</a:t>
-            </a:r>
-            <a:endParaRPr lang="en-US" dirty="0"/>
-          </a:p>
-        </p:txBody>
-      </p:sp>
-    </p:spTree>
-    <p:extLst>
-      <p:ext uri="{BB962C8B-B14F-4D97-AF65-F5344CB8AC3E}">
-        <p14:creationId xmlns:p14="http://schemas.microsoft.com/office/powerpoint/2010/main" val="3431599845"/>
-      </p:ext>
-    </p:extLst>
-  </p:cSld>
-  <p:clrMapOvr>
-    <a:masterClrMapping/>
-  </p:clrMapOvr>
-</p:sld>
-</file>
-
 <file path=ppt/slides/slide26.xml><?xml version="1.0" encoding="utf-8"?>
 <p:sld xmlns:a="http://schemas.openxmlformats.org/drawingml/2006/main" xmlns:r="http://schemas.openxmlformats.org/officeDocument/2006/relationships" xmlns:p="http://schemas.openxmlformats.org/presentationml/2006/main">
   <p:cSld>
@@ -7002,8 +7868,8 @@
           <a:lstStyle/>
           <a:p>
             <a:r>
-              <a:rPr lang="es-ES_tradnl" dirty="0" err="1" smtClean="0"/>
-              <a:t>Fload</a:t>
+              <a:rPr lang="es-ES_tradnl" dirty="0" smtClean="0"/>
+              <a:t>Sintaxis de selectores</a:t>
             </a:r>
             <a:endParaRPr lang="en-US" dirty="0"/>
           </a:p>
@@ -7024,93 +7890,87 @@
           <a:bodyPr/>
           <a:lstStyle/>
           <a:p>
-            <a:r>
-              <a:rPr lang="es-ES_tradnl" dirty="0" err="1"/>
-              <a:t>n</a:t>
-            </a:r>
-            <a:r>
-              <a:rPr lang="es-ES_tradnl" dirty="0" err="1" smtClean="0"/>
-              <a:t>one</a:t>
-            </a:r>
-            <a:r>
-              <a:rPr lang="es-ES_tradnl" dirty="0" smtClean="0"/>
-              <a:t> (default)</a:t>
-            </a:r>
-          </a:p>
-          <a:p>
-            <a:r>
-              <a:rPr lang="es-ES_tradnl" dirty="0" err="1"/>
-              <a:t>l</a:t>
-            </a:r>
-            <a:r>
-              <a:rPr lang="es-ES_tradnl" dirty="0" err="1" smtClean="0"/>
-              <a:t>eft</a:t>
-            </a:r>
+            <a:pPr marL="0" indent="0">
+              <a:buNone/>
+            </a:pPr>
             <a:endParaRPr lang="es-ES_tradnl" dirty="0" smtClean="0"/>
           </a:p>
           <a:p>
-            <a:r>
-              <a:rPr lang="es-ES_tradnl" dirty="0" err="1" smtClean="0"/>
-              <a:t>Right</a:t>
-            </a:r>
+            <a:pPr marL="0" indent="0">
+              <a:buNone/>
+            </a:pPr>
+            <a:r>
+              <a:rPr lang="es-ES_tradnl" dirty="0" smtClean="0"/>
+              <a:t>Etiqueta </a:t>
+            </a:r>
+            <a:r>
+              <a:rPr lang="es-ES_tradnl" dirty="0" smtClean="0">
+                <a:sym typeface="Wingdings" panose="05000000000000000000" pitchFamily="2" charset="2"/>
+              </a:rPr>
+              <a:t> &lt;etiqueta&gt;</a:t>
+            </a:r>
+          </a:p>
+          <a:p>
+            <a:pPr marL="0" indent="0">
+              <a:buNone/>
+            </a:pPr>
             <a:endParaRPr lang="es-ES_tradnl" dirty="0" smtClean="0"/>
           </a:p>
           <a:p>
-            <a:r>
-              <a:rPr lang="es-ES_tradnl" dirty="0" err="1"/>
-              <a:t>c</a:t>
-            </a:r>
-            <a:r>
-              <a:rPr lang="es-ES_tradnl" dirty="0" err="1" smtClean="0"/>
-              <a:t>lear</a:t>
-            </a:r>
+            <a:pPr marL="0" indent="0">
+              <a:buNone/>
+            </a:pPr>
+            <a:r>
+              <a:rPr lang="es-ES_tradnl" dirty="0" smtClean="0"/>
+              <a:t>.clase </a:t>
+            </a:r>
+            <a:r>
+              <a:rPr lang="es-ES_tradnl" dirty="0" smtClean="0">
+                <a:sym typeface="Wingdings" panose="05000000000000000000" pitchFamily="2" charset="2"/>
+              </a:rPr>
+              <a:t> </a:t>
+            </a:r>
+            <a:r>
+              <a:rPr lang="es-ES_tradnl" dirty="0" err="1" smtClean="0">
+                <a:sym typeface="Wingdings" panose="05000000000000000000" pitchFamily="2" charset="2"/>
+              </a:rPr>
+              <a:t>class</a:t>
+            </a:r>
+            <a:r>
+              <a:rPr lang="es-ES_tradnl" dirty="0" smtClean="0">
+                <a:sym typeface="Wingdings" panose="05000000000000000000" pitchFamily="2" charset="2"/>
+              </a:rPr>
+              <a:t>=“clase”</a:t>
+            </a:r>
+          </a:p>
+          <a:p>
+            <a:pPr marL="0" indent="0">
+              <a:buNone/>
+            </a:pPr>
             <a:endParaRPr lang="es-ES_tradnl" dirty="0" smtClean="0"/>
           </a:p>
           <a:p>
-            <a:r>
-              <a:rPr lang="es-ES_tradnl" dirty="0" err="1"/>
-              <a:t>c</a:t>
-            </a:r>
-            <a:r>
-              <a:rPr lang="es-ES_tradnl" dirty="0" err="1" smtClean="0"/>
-              <a:t>learfix</a:t>
-            </a:r>
-            <a:r>
-              <a:rPr lang="es-ES_tradnl" dirty="0" smtClean="0"/>
-              <a:t> (ejemplo y para que se usa)</a:t>
+            <a:pPr marL="0" indent="0">
+              <a:buNone/>
+            </a:pPr>
+            <a:r>
+              <a:rPr lang="es-ES_tradnl" dirty="0" smtClean="0"/>
+              <a:t>#id </a:t>
+            </a:r>
+            <a:r>
+              <a:rPr lang="es-ES_tradnl" dirty="0" smtClean="0">
+                <a:sym typeface="Wingdings" panose="05000000000000000000" pitchFamily="2" charset="2"/>
+              </a:rPr>
+              <a:t>id=“id”</a:t>
             </a:r>
             <a:endParaRPr lang="en-US" dirty="0"/>
           </a:p>
         </p:txBody>
       </p:sp>
-      <p:pic>
-        <p:nvPicPr>
-          <p:cNvPr id="4" name="Picture 3"/>
-          <p:cNvPicPr>
-            <a:picLocks noChangeAspect="1"/>
-          </p:cNvPicPr>
-          <p:nvPr/>
-        </p:nvPicPr>
-        <p:blipFill>
-          <a:blip r:embed="rId2"/>
-          <a:stretch>
-            <a:fillRect/>
-          </a:stretch>
-        </p:blipFill>
-        <p:spPr>
-          <a:xfrm>
-            <a:off x="6867525" y="3738562"/>
-            <a:ext cx="2419350" cy="2200275"/>
-          </a:xfrm>
-          <a:prstGeom prst="rect">
-            <a:avLst/>
-          </a:prstGeom>
-        </p:spPr>
-      </p:pic>
     </p:spTree>
     <p:extLst>
       <p:ext uri="{BB962C8B-B14F-4D97-AF65-F5344CB8AC3E}">
-        <p14:creationId xmlns:p14="http://schemas.microsoft.com/office/powerpoint/2010/main" val="327458156"/>
+        <p14:creationId xmlns:p14="http://schemas.microsoft.com/office/powerpoint/2010/main" val="660177771"/>
       </p:ext>
     </p:extLst>
   </p:cSld>
@@ -7153,79 +8013,227 @@
           <a:lstStyle/>
           <a:p>
             <a:r>
+              <a:rPr lang="es-ES_tradnl" dirty="0" smtClean="0"/>
+              <a:t>Selectores 2</a:t>
+            </a:r>
+            <a:endParaRPr lang="en-US" dirty="0"/>
+          </a:p>
+        </p:txBody>
+      </p:sp>
+      <p:sp>
+        <p:nvSpPr>
+          <p:cNvPr id="3" name="Content Placeholder 2"/>
+          <p:cNvSpPr>
+            <a:spLocks noGrp="1"/>
+          </p:cNvSpPr>
+          <p:nvPr>
+            <p:ph idx="1"/>
+          </p:nvPr>
+        </p:nvSpPr>
+        <p:spPr/>
+        <p:txBody>
+          <a:bodyPr/>
+          <a:lstStyle/>
+          <a:p>
+            <a:r>
+              <a:rPr lang="es-ES_tradnl" dirty="0" smtClean="0"/>
+              <a:t> </a:t>
+            </a:r>
+            <a:r>
               <a:rPr lang="es-ES_tradnl" dirty="0" err="1" smtClean="0"/>
-              <a:t>Frameworks</a:t>
-            </a:r>
-            <a:r>
-              <a:rPr lang="es-ES_tradnl" dirty="0" smtClean="0"/>
-              <a:t> CSS</a:t>
-            </a:r>
-            <a:endParaRPr lang="en-US" dirty="0"/>
-          </a:p>
-        </p:txBody>
-      </p:sp>
-      <p:sp>
-        <p:nvSpPr>
-          <p:cNvPr id="3" name="Content Placeholder 2"/>
-          <p:cNvSpPr>
-            <a:spLocks noGrp="1"/>
-          </p:cNvSpPr>
-          <p:nvPr>
-            <p:ph idx="1"/>
-          </p:nvPr>
-        </p:nvSpPr>
-        <p:spPr/>
-        <p:txBody>
-          <a:bodyPr/>
-          <a:lstStyle/>
-          <a:p>
-            <a:r>
-              <a:rPr lang="en-US" dirty="0" smtClean="0">
-                <a:hlinkClick r:id="rId2"/>
-              </a:rPr>
-              <a:t>http://www.getskeleton.com/</a:t>
-            </a:r>
-            <a:endParaRPr lang="en-US" dirty="0" smtClean="0"/>
-          </a:p>
-          <a:p>
-            <a:endParaRPr lang="es-ES_tradnl" dirty="0"/>
-          </a:p>
-          <a:p>
-            <a:r>
-              <a:rPr lang="en-US" dirty="0" smtClean="0">
-                <a:hlinkClick r:id="rId3"/>
-              </a:rPr>
-              <a:t>http://twitter.github.io/bootstrap/</a:t>
-            </a:r>
-            <a:endParaRPr lang="en-US" dirty="0" smtClean="0"/>
-          </a:p>
-          <a:p>
-            <a:endParaRPr lang="es-ES_tradnl" dirty="0"/>
-          </a:p>
-          <a:p>
-            <a:r>
-              <a:rPr lang="en-US" dirty="0">
-                <a:hlinkClick r:id="rId4"/>
-              </a:rPr>
-              <a:t>http://foundation.zurb.com</a:t>
-            </a:r>
-            <a:r>
-              <a:rPr lang="en-US" dirty="0" smtClean="0">
-                <a:hlinkClick r:id="rId4"/>
-              </a:rPr>
-              <a:t>/</a:t>
-            </a:r>
-            <a:endParaRPr lang="en-US" dirty="0" smtClean="0"/>
-          </a:p>
-          <a:p>
-            <a:endParaRPr lang="es-ES_tradnl" dirty="0"/>
-          </a:p>
-          <a:p>
-            <a:r>
-              <a:rPr lang="en-US" dirty="0">
-                <a:hlinkClick r:id="rId5"/>
-              </a:rPr>
-              <a:t>http://purecss.io/</a:t>
+              <a:t>ul</a:t>
+            </a:r>
+            <a:r>
+              <a:rPr lang="es-ES_tradnl" dirty="0" smtClean="0"/>
+              <a:t> &gt; li  </a:t>
+            </a:r>
+            <a:r>
+              <a:rPr lang="es-ES_tradnl" dirty="0" smtClean="0">
+                <a:sym typeface="Wingdings" panose="05000000000000000000" pitchFamily="2" charset="2"/>
+              </a:rPr>
+              <a:t> </a:t>
+            </a:r>
+            <a:r>
+              <a:rPr lang="es-ES_tradnl" dirty="0" err="1" smtClean="0"/>
+              <a:t>child</a:t>
+            </a:r>
+            <a:r>
+              <a:rPr lang="es-ES_tradnl" dirty="0" smtClean="0"/>
+              <a:t> selector</a:t>
+            </a:r>
+          </a:p>
+          <a:p>
+            <a:r>
+              <a:rPr lang="es-ES_tradnl" dirty="0"/>
+              <a:t>h</a:t>
+            </a:r>
+            <a:r>
+              <a:rPr lang="es-ES_tradnl" dirty="0" smtClean="0"/>
+              <a:t>3 + p </a:t>
+            </a:r>
+            <a:r>
+              <a:rPr lang="es-ES_tradnl" dirty="0" smtClean="0">
+                <a:sym typeface="Wingdings" panose="05000000000000000000" pitchFamily="2" charset="2"/>
+              </a:rPr>
+              <a:t> </a:t>
+            </a:r>
+            <a:r>
+              <a:rPr lang="es-ES_tradnl" dirty="0" err="1" smtClean="0">
+                <a:sym typeface="Wingdings" panose="05000000000000000000" pitchFamily="2" charset="2"/>
+              </a:rPr>
+              <a:t>adjacent</a:t>
+            </a:r>
+            <a:r>
+              <a:rPr lang="es-ES_tradnl" dirty="0" smtClean="0">
+                <a:sym typeface="Wingdings" panose="05000000000000000000" pitchFamily="2" charset="2"/>
+              </a:rPr>
+              <a:t> selector</a:t>
+            </a:r>
+          </a:p>
+          <a:p>
+            <a:r>
+              <a:rPr lang="es-ES_tradnl" dirty="0">
+                <a:sym typeface="Wingdings" panose="05000000000000000000" pitchFamily="2" charset="2"/>
+              </a:rPr>
+              <a:t>i</a:t>
+            </a:r>
+            <a:r>
+              <a:rPr lang="es-ES_tradnl" dirty="0" smtClean="0">
+                <a:sym typeface="Wingdings" panose="05000000000000000000" pitchFamily="2" charset="2"/>
+              </a:rPr>
+              <a:t>nput[</a:t>
+            </a:r>
+            <a:r>
+              <a:rPr lang="es-ES_tradnl" dirty="0" err="1" smtClean="0">
+                <a:sym typeface="Wingdings" panose="05000000000000000000" pitchFamily="2" charset="2"/>
+              </a:rPr>
+              <a:t>name</a:t>
+            </a:r>
+            <a:r>
+              <a:rPr lang="es-ES_tradnl" dirty="0" smtClean="0">
+                <a:sym typeface="Wingdings" panose="05000000000000000000" pitchFamily="2" charset="2"/>
+              </a:rPr>
+              <a:t>=“</a:t>
+            </a:r>
+            <a:r>
+              <a:rPr lang="es-ES_tradnl" dirty="0" err="1" smtClean="0">
+                <a:sym typeface="Wingdings" panose="05000000000000000000" pitchFamily="2" charset="2"/>
+              </a:rPr>
+              <a:t>mobile</a:t>
+            </a:r>
+            <a:r>
+              <a:rPr lang="es-ES_tradnl" dirty="0" smtClean="0">
+                <a:sym typeface="Wingdings" panose="05000000000000000000" pitchFamily="2" charset="2"/>
+              </a:rPr>
+              <a:t>”]  </a:t>
+            </a:r>
+            <a:r>
+              <a:rPr lang="es-ES_tradnl" dirty="0" err="1" smtClean="0">
+                <a:sym typeface="Wingdings" panose="05000000000000000000" pitchFamily="2" charset="2"/>
+              </a:rPr>
+              <a:t>attribute</a:t>
+            </a:r>
+            <a:r>
+              <a:rPr lang="es-ES_tradnl" dirty="0" smtClean="0">
+                <a:sym typeface="Wingdings" panose="05000000000000000000" pitchFamily="2" charset="2"/>
+              </a:rPr>
+              <a:t> selector</a:t>
+            </a:r>
+          </a:p>
+          <a:p>
+            <a:r>
+              <a:rPr lang="es-ES_tradnl" dirty="0" err="1" smtClean="0">
+                <a:sym typeface="Wingdings" panose="05000000000000000000" pitchFamily="2" charset="2"/>
+              </a:rPr>
+              <a:t>li:first-child</a:t>
+            </a:r>
+            <a:r>
+              <a:rPr lang="es-ES_tradnl" dirty="0" smtClean="0">
+                <a:sym typeface="Wingdings" panose="05000000000000000000" pitchFamily="2" charset="2"/>
+              </a:rPr>
+              <a:t>  </a:t>
+            </a:r>
+            <a:r>
+              <a:rPr lang="es-ES_tradnl" dirty="0" err="1" smtClean="0">
+                <a:sym typeface="Wingdings" panose="05000000000000000000" pitchFamily="2" charset="2"/>
+              </a:rPr>
+              <a:t>first</a:t>
+            </a:r>
+            <a:r>
+              <a:rPr lang="es-ES_tradnl" dirty="0" smtClean="0">
+                <a:sym typeface="Wingdings" panose="05000000000000000000" pitchFamily="2" charset="2"/>
+              </a:rPr>
+              <a:t> </a:t>
+            </a:r>
+            <a:r>
+              <a:rPr lang="es-ES_tradnl" dirty="0" err="1" smtClean="0">
+                <a:sym typeface="Wingdings" panose="05000000000000000000" pitchFamily="2" charset="2"/>
+              </a:rPr>
+              <a:t>child</a:t>
+            </a:r>
+            <a:r>
+              <a:rPr lang="es-ES_tradnl" dirty="0" smtClean="0">
+                <a:sym typeface="Wingdings" panose="05000000000000000000" pitchFamily="2" charset="2"/>
+              </a:rPr>
+              <a:t> selector</a:t>
+            </a:r>
+          </a:p>
+          <a:p>
+            <a:r>
+              <a:rPr lang="es-ES_tradnl" dirty="0" err="1" smtClean="0">
+                <a:sym typeface="Wingdings" panose="05000000000000000000" pitchFamily="2" charset="2"/>
+              </a:rPr>
+              <a:t>li:nth-child</a:t>
+            </a:r>
+            <a:r>
+              <a:rPr lang="es-ES_tradnl" dirty="0" smtClean="0">
+                <a:sym typeface="Wingdings" panose="05000000000000000000" pitchFamily="2" charset="2"/>
+              </a:rPr>
+              <a:t>(2n+1)  selector de impares</a:t>
+            </a:r>
+          </a:p>
+          <a:p>
+            <a:r>
+              <a:rPr lang="es-ES_tradnl" dirty="0" smtClean="0">
+                <a:sym typeface="Wingdings" panose="05000000000000000000" pitchFamily="2" charset="2"/>
+              </a:rPr>
+              <a:t>Selectores </a:t>
+            </a:r>
+            <a:r>
+              <a:rPr lang="es-ES_tradnl" dirty="0" err="1" smtClean="0">
+                <a:sym typeface="Wingdings" panose="05000000000000000000" pitchFamily="2" charset="2"/>
+              </a:rPr>
+              <a:t>pseudo</a:t>
+            </a:r>
+            <a:r>
+              <a:rPr lang="es-ES_tradnl" dirty="0" smtClean="0">
+                <a:sym typeface="Wingdings" panose="05000000000000000000" pitchFamily="2" charset="2"/>
+              </a:rPr>
+              <a:t> dinámicos (:</a:t>
+            </a:r>
+            <a:r>
+              <a:rPr lang="es-ES_tradnl" dirty="0" err="1" smtClean="0">
+                <a:sym typeface="Wingdings" panose="05000000000000000000" pitchFamily="2" charset="2"/>
+              </a:rPr>
+              <a:t>hover</a:t>
+            </a:r>
+            <a:r>
+              <a:rPr lang="es-ES_tradnl" dirty="0" smtClean="0">
+                <a:sym typeface="Wingdings" panose="05000000000000000000" pitchFamily="2" charset="2"/>
+              </a:rPr>
+              <a:t>, :</a:t>
+            </a:r>
+            <a:r>
+              <a:rPr lang="es-ES_tradnl" dirty="0" err="1" smtClean="0">
+                <a:sym typeface="Wingdings" panose="05000000000000000000" pitchFamily="2" charset="2"/>
+              </a:rPr>
+              <a:t>focus</a:t>
+            </a:r>
+            <a:r>
+              <a:rPr lang="es-ES_tradnl" dirty="0" smtClean="0">
+                <a:sym typeface="Wingdings" panose="05000000000000000000" pitchFamily="2" charset="2"/>
+              </a:rPr>
+              <a:t>, :active…)</a:t>
             </a:r>
             <a:endParaRPr lang="en-US" dirty="0"/>
           </a:p>
@@ -7234,7 +8242,7 @@
     </p:spTree>
     <p:extLst>
       <p:ext uri="{BB962C8B-B14F-4D97-AF65-F5344CB8AC3E}">
-        <p14:creationId xmlns:p14="http://schemas.microsoft.com/office/powerpoint/2010/main" val="2313433037"/>
+        <p14:creationId xmlns:p14="http://schemas.microsoft.com/office/powerpoint/2010/main" val="2272240497"/>
       </p:ext>
     </p:extLst>
   </p:cSld>
@@ -7278,110 +8286,798 @@
           <a:p>
             <a:r>
               <a:rPr lang="es-ES_tradnl" dirty="0" smtClean="0"/>
-              <a:t>Recursos</a:t>
+              <a:t>Prioridad de selectores</a:t>
             </a:r>
             <a:endParaRPr lang="en-US" dirty="0"/>
           </a:p>
         </p:txBody>
       </p:sp>
-      <p:sp>
-        <p:nvSpPr>
-          <p:cNvPr id="3" name="Content Placeholder 2"/>
-          <p:cNvSpPr>
-            <a:spLocks noGrp="1"/>
-          </p:cNvSpPr>
-          <p:nvPr>
-            <p:ph idx="1"/>
-          </p:nvPr>
-        </p:nvSpPr>
-        <p:spPr/>
-        <p:txBody>
-          <a:bodyPr/>
-          <a:lstStyle/>
-          <a:p>
-            <a:r>
-              <a:rPr lang="es-ES_tradnl" dirty="0">
-                <a:hlinkClick r:id="rId2"/>
-              </a:rPr>
-              <a:t>https://</a:t>
-            </a:r>
-            <a:r>
-              <a:rPr lang="es-ES_tradnl" dirty="0" smtClean="0">
-                <a:hlinkClick r:id="rId2"/>
-              </a:rPr>
-              <a:t>developer.mozilla.org/en-US/docs/Web/HTML</a:t>
-            </a:r>
-            <a:endParaRPr lang="es-ES_tradnl" dirty="0" smtClean="0"/>
-          </a:p>
-          <a:p>
-            <a:r>
-              <a:rPr lang="en-US" dirty="0" smtClean="0">
-                <a:hlinkClick r:id="rId3"/>
-              </a:rPr>
-              <a:t>https</a:t>
-            </a:r>
-            <a:r>
-              <a:rPr lang="en-US" dirty="0">
-                <a:hlinkClick r:id="rId3"/>
-              </a:rPr>
-              <a:t>://developer.mozilla.org/en-US/docs/Web/CSS</a:t>
-            </a:r>
-            <a:endParaRPr lang="es-ES_tradnl" dirty="0" smtClean="0"/>
-          </a:p>
-          <a:p>
-            <a:r>
-              <a:rPr lang="en-US" dirty="0">
-                <a:hlinkClick r:id="rId4"/>
-              </a:rPr>
-              <a:t>http://www.w3.org</a:t>
-            </a:r>
-            <a:r>
-              <a:rPr lang="en-US" dirty="0" smtClean="0">
-                <a:hlinkClick r:id="rId4"/>
-              </a:rPr>
-              <a:t>/</a:t>
-            </a:r>
-            <a:endParaRPr lang="en-US" dirty="0" smtClean="0"/>
-          </a:p>
-          <a:p>
-            <a:r>
-              <a:rPr lang="en-US" dirty="0">
-                <a:hlinkClick r:id="rId5"/>
-              </a:rPr>
-              <a:t>http://validator.w3.org/</a:t>
-            </a:r>
-            <a:endParaRPr lang="en-US" dirty="0" smtClean="0"/>
-          </a:p>
-          <a:p>
-            <a:r>
-              <a:rPr lang="en-US" dirty="0">
-                <a:hlinkClick r:id="rId6"/>
-              </a:rPr>
-              <a:t>http://</a:t>
-            </a:r>
-            <a:r>
-              <a:rPr lang="en-US" dirty="0" smtClean="0">
-                <a:hlinkClick r:id="rId6"/>
-              </a:rPr>
-              <a:t>www.codecademy.com/tracks/web</a:t>
-            </a:r>
-            <a:endParaRPr lang="en-US" dirty="0" smtClean="0"/>
-          </a:p>
-          <a:p>
-            <a:r>
-              <a:rPr lang="en-US" dirty="0">
-                <a:hlinkClick r:id="rId7"/>
-              </a:rPr>
-              <a:t>http://www.w3schools.com/</a:t>
-            </a:r>
-            <a:endParaRPr lang="es-ES_tradnl" dirty="0" smtClean="0"/>
-          </a:p>
-        </p:txBody>
-      </p:sp>
+      <p:graphicFrame>
+        <p:nvGraphicFramePr>
+          <p:cNvPr id="3" name="Table 2"/>
+          <p:cNvGraphicFramePr>
+            <a:graphicFrameLocks noGrp="1"/>
+          </p:cNvGraphicFramePr>
+          <p:nvPr>
+            <p:extLst>
+              <p:ext uri="{D42A27DB-BD31-4B8C-83A1-F6EECF244321}">
+                <p14:modId xmlns:p14="http://schemas.microsoft.com/office/powerpoint/2010/main" val="904404418"/>
+              </p:ext>
+            </p:extLst>
+          </p:nvPr>
+        </p:nvGraphicFramePr>
+        <p:xfrm>
+          <a:off x="1205735" y="1599345"/>
+          <a:ext cx="9172154" cy="4305695"/>
+        </p:xfrm>
+        <a:graphic>
+          <a:graphicData uri="http://schemas.openxmlformats.org/drawingml/2006/table">
+            <a:tbl>
+              <a:tblPr firstRow="1" bandRow="1">
+                <a:tableStyleId>{5C22544A-7EE6-4342-B048-85BDC9FD1C3A}</a:tableStyleId>
+              </a:tblPr>
+              <a:tblGrid>
+                <a:gridCol w="3104465"/>
+                <a:gridCol w="1025727"/>
+                <a:gridCol w="670359"/>
+                <a:gridCol w="1103180"/>
+                <a:gridCol w="1742726"/>
+                <a:gridCol w="1525697"/>
+              </a:tblGrid>
+              <a:tr h="539135">
+                <a:tc>
+                  <a:txBody>
+                    <a:bodyPr/>
+                    <a:lstStyle/>
+                    <a:p>
+                      <a:r>
+                        <a:rPr lang="es-ES_tradnl" sz="2400" dirty="0" smtClean="0"/>
+                        <a:t>selector</a:t>
+                      </a:r>
+                      <a:endParaRPr lang="en-US" sz="2400" dirty="0"/>
+                    </a:p>
+                  </a:txBody>
+                  <a:tcPr anchor="ctr"/>
+                </a:tc>
+                <a:tc>
+                  <a:txBody>
+                    <a:bodyPr/>
+                    <a:lstStyle/>
+                    <a:p>
+                      <a:r>
+                        <a:rPr lang="es-ES_tradnl" sz="2400" dirty="0" err="1" smtClean="0"/>
+                        <a:t>style</a:t>
+                      </a:r>
+                      <a:endParaRPr lang="en-US" sz="2400" dirty="0"/>
+                    </a:p>
+                  </a:txBody>
+                  <a:tcPr anchor="ctr"/>
+                </a:tc>
+                <a:tc>
+                  <a:txBody>
+                    <a:bodyPr/>
+                    <a:lstStyle/>
+                    <a:p>
+                      <a:r>
+                        <a:rPr lang="es-ES_tradnl" sz="2400" dirty="0" smtClean="0"/>
+                        <a:t>id</a:t>
+                      </a:r>
+                      <a:endParaRPr lang="en-US" sz="2400" dirty="0"/>
+                    </a:p>
+                  </a:txBody>
+                  <a:tcPr anchor="ctr"/>
+                </a:tc>
+                <a:tc>
+                  <a:txBody>
+                    <a:bodyPr/>
+                    <a:lstStyle/>
+                    <a:p>
+                      <a:r>
+                        <a:rPr lang="es-ES_tradnl" sz="2400" dirty="0" err="1" smtClean="0"/>
+                        <a:t>class</a:t>
+                      </a:r>
+                      <a:endParaRPr lang="en-US" sz="2400" dirty="0"/>
+                    </a:p>
+                  </a:txBody>
+                  <a:tcPr anchor="ctr"/>
+                </a:tc>
+                <a:tc>
+                  <a:txBody>
+                    <a:bodyPr/>
+                    <a:lstStyle/>
+                    <a:p>
+                      <a:r>
+                        <a:rPr lang="es-ES_tradnl" sz="2400" dirty="0" err="1" smtClean="0"/>
+                        <a:t>attribute</a:t>
+                      </a:r>
+                      <a:endParaRPr lang="en-US" sz="2400" dirty="0"/>
+                    </a:p>
+                  </a:txBody>
+                  <a:tcPr anchor="ctr"/>
+                </a:tc>
+                <a:tc>
+                  <a:txBody>
+                    <a:bodyPr/>
+                    <a:lstStyle/>
+                    <a:p>
+                      <a:r>
+                        <a:rPr lang="es-ES_tradnl" sz="2400" dirty="0" err="1" smtClean="0"/>
+                        <a:t>priority</a:t>
+                      </a:r>
+                      <a:endParaRPr lang="en-US" sz="2400" dirty="0"/>
+                    </a:p>
+                  </a:txBody>
+                  <a:tcPr anchor="ctr"/>
+                </a:tc>
+              </a:tr>
+              <a:tr h="539135">
+                <a:tc>
+                  <a:txBody>
+                    <a:bodyPr/>
+                    <a:lstStyle/>
+                    <a:p>
+                      <a:pPr algn="l"/>
+                      <a:r>
+                        <a:rPr lang="es-ES_tradnl" sz="2400" dirty="0" smtClean="0"/>
+                        <a:t>*</a:t>
+                      </a:r>
+                      <a:endParaRPr lang="en-US" sz="2400" dirty="0"/>
+                    </a:p>
+                  </a:txBody>
+                  <a:tcPr anchor="ctr"/>
+                </a:tc>
+                <a:tc>
+                  <a:txBody>
+                    <a:bodyPr/>
+                    <a:lstStyle/>
+                    <a:p>
+                      <a:pPr algn="ctr"/>
+                      <a:r>
+                        <a:rPr lang="es-ES_tradnl" sz="2400" dirty="0" smtClean="0"/>
+                        <a:t>0</a:t>
+                      </a:r>
+                      <a:endParaRPr lang="en-US" sz="2400" dirty="0"/>
+                    </a:p>
+                  </a:txBody>
+                  <a:tcPr anchor="ctr"/>
+                </a:tc>
+                <a:tc>
+                  <a:txBody>
+                    <a:bodyPr/>
+                    <a:lstStyle/>
+                    <a:p>
+                      <a:pPr algn="ctr"/>
+                      <a:r>
+                        <a:rPr lang="es-ES_tradnl" sz="2400" dirty="0" smtClean="0"/>
+                        <a:t>0</a:t>
+                      </a:r>
+                      <a:endParaRPr lang="en-US" sz="2400" dirty="0"/>
+                    </a:p>
+                  </a:txBody>
+                  <a:tcPr anchor="ctr"/>
+                </a:tc>
+                <a:tc>
+                  <a:txBody>
+                    <a:bodyPr/>
+                    <a:lstStyle/>
+                    <a:p>
+                      <a:pPr algn="ctr"/>
+                      <a:r>
+                        <a:rPr lang="es-ES_tradnl" sz="2400" dirty="0" smtClean="0"/>
+                        <a:t>0</a:t>
+                      </a:r>
+                      <a:endParaRPr lang="en-US" sz="2400" dirty="0"/>
+                    </a:p>
+                  </a:txBody>
+                  <a:tcPr anchor="ctr"/>
+                </a:tc>
+                <a:tc>
+                  <a:txBody>
+                    <a:bodyPr/>
+                    <a:lstStyle/>
+                    <a:p>
+                      <a:pPr algn="ctr"/>
+                      <a:r>
+                        <a:rPr lang="es-ES_tradnl" sz="2400" dirty="0" smtClean="0"/>
+                        <a:t>0</a:t>
+                      </a:r>
+                      <a:endParaRPr lang="en-US" sz="2400" dirty="0"/>
+                    </a:p>
+                  </a:txBody>
+                  <a:tcPr anchor="ctr"/>
+                </a:tc>
+                <a:tc>
+                  <a:txBody>
+                    <a:bodyPr/>
+                    <a:lstStyle/>
+                    <a:p>
+                      <a:pPr algn="ctr"/>
+                      <a:r>
+                        <a:rPr lang="es-ES_tradnl" sz="2400" dirty="0" smtClean="0"/>
+                        <a:t>0000</a:t>
+                      </a:r>
+                      <a:endParaRPr lang="en-US" sz="2400" dirty="0"/>
+                    </a:p>
+                  </a:txBody>
+                  <a:tcPr anchor="ctr"/>
+                </a:tc>
+              </a:tr>
+              <a:tr h="539135">
+                <a:tc>
+                  <a:txBody>
+                    <a:bodyPr/>
+                    <a:lstStyle/>
+                    <a:p>
+                      <a:pPr algn="l"/>
+                      <a:r>
+                        <a:rPr lang="es-ES_tradnl" sz="2400" dirty="0" smtClean="0"/>
+                        <a:t>p</a:t>
+                      </a:r>
+                      <a:endParaRPr lang="en-US" sz="2400" dirty="0"/>
+                    </a:p>
+                  </a:txBody>
+                  <a:tcPr anchor="ctr"/>
+                </a:tc>
+                <a:tc>
+                  <a:txBody>
+                    <a:bodyPr/>
+                    <a:lstStyle/>
+                    <a:p>
+                      <a:pPr algn="ctr"/>
+                      <a:r>
+                        <a:rPr lang="es-ES_tradnl" sz="2400" dirty="0" smtClean="0"/>
+                        <a:t>0</a:t>
+                      </a:r>
+                      <a:endParaRPr lang="en-US" sz="2400" dirty="0"/>
+                    </a:p>
+                  </a:txBody>
+                  <a:tcPr anchor="ctr"/>
+                </a:tc>
+                <a:tc>
+                  <a:txBody>
+                    <a:bodyPr/>
+                    <a:lstStyle/>
+                    <a:p>
+                      <a:pPr algn="ctr"/>
+                      <a:r>
+                        <a:rPr lang="es-ES_tradnl" sz="2400" dirty="0" smtClean="0"/>
+                        <a:t>0</a:t>
+                      </a:r>
+                      <a:endParaRPr lang="en-US" sz="2400" dirty="0"/>
+                    </a:p>
+                  </a:txBody>
+                  <a:tcPr anchor="ctr"/>
+                </a:tc>
+                <a:tc>
+                  <a:txBody>
+                    <a:bodyPr/>
+                    <a:lstStyle/>
+                    <a:p>
+                      <a:pPr algn="ctr"/>
+                      <a:r>
+                        <a:rPr lang="es-ES_tradnl" sz="2400" dirty="0" smtClean="0"/>
+                        <a:t>0</a:t>
+                      </a:r>
+                      <a:endParaRPr lang="en-US" sz="2400" dirty="0"/>
+                    </a:p>
+                  </a:txBody>
+                  <a:tcPr anchor="ctr"/>
+                </a:tc>
+                <a:tc>
+                  <a:txBody>
+                    <a:bodyPr/>
+                    <a:lstStyle/>
+                    <a:p>
+                      <a:pPr algn="ctr"/>
+                      <a:r>
+                        <a:rPr lang="es-ES_tradnl" sz="2400" dirty="0" smtClean="0"/>
+                        <a:t>1</a:t>
+                      </a:r>
+                      <a:endParaRPr lang="en-US" sz="2400" dirty="0"/>
+                    </a:p>
+                  </a:txBody>
+                  <a:tcPr anchor="ctr"/>
+                </a:tc>
+                <a:tc>
+                  <a:txBody>
+                    <a:bodyPr/>
+                    <a:lstStyle/>
+                    <a:p>
+                      <a:pPr algn="ctr"/>
+                      <a:r>
+                        <a:rPr lang="es-ES_tradnl" sz="2400" dirty="0" smtClean="0"/>
+                        <a:t>0001</a:t>
+                      </a:r>
+                      <a:endParaRPr lang="en-US" sz="2400" dirty="0"/>
+                    </a:p>
+                  </a:txBody>
+                  <a:tcPr anchor="ctr"/>
+                </a:tc>
+              </a:tr>
+              <a:tr h="539135">
+                <a:tc>
+                  <a:txBody>
+                    <a:bodyPr/>
+                    <a:lstStyle/>
+                    <a:p>
+                      <a:pPr algn="l"/>
+                      <a:r>
+                        <a:rPr lang="es-ES_tradnl" sz="2400" dirty="0" smtClean="0"/>
+                        <a:t>div a</a:t>
+                      </a:r>
+                      <a:endParaRPr lang="en-US" sz="2400" dirty="0"/>
+                    </a:p>
+                  </a:txBody>
+                  <a:tcPr anchor="ctr"/>
+                </a:tc>
+                <a:tc>
+                  <a:txBody>
+                    <a:bodyPr/>
+                    <a:lstStyle/>
+                    <a:p>
+                      <a:pPr algn="ctr"/>
+                      <a:r>
+                        <a:rPr lang="es-ES_tradnl" sz="2400" dirty="0" smtClean="0"/>
+                        <a:t>0</a:t>
+                      </a:r>
+                      <a:endParaRPr lang="en-US" sz="2400" dirty="0"/>
+                    </a:p>
+                  </a:txBody>
+                  <a:tcPr anchor="ctr"/>
+                </a:tc>
+                <a:tc>
+                  <a:txBody>
+                    <a:bodyPr/>
+                    <a:lstStyle/>
+                    <a:p>
+                      <a:pPr algn="ctr"/>
+                      <a:r>
+                        <a:rPr lang="es-ES_tradnl" sz="2400" dirty="0" smtClean="0"/>
+                        <a:t>0</a:t>
+                      </a:r>
+                      <a:endParaRPr lang="en-US" sz="2400" dirty="0"/>
+                    </a:p>
+                  </a:txBody>
+                  <a:tcPr anchor="ctr"/>
+                </a:tc>
+                <a:tc>
+                  <a:txBody>
+                    <a:bodyPr/>
+                    <a:lstStyle/>
+                    <a:p>
+                      <a:pPr algn="ctr"/>
+                      <a:r>
+                        <a:rPr lang="es-ES_tradnl" sz="2400" dirty="0" smtClean="0"/>
+                        <a:t>0</a:t>
+                      </a:r>
+                      <a:endParaRPr lang="en-US" sz="2400" dirty="0"/>
+                    </a:p>
+                  </a:txBody>
+                  <a:tcPr anchor="ctr"/>
+                </a:tc>
+                <a:tc>
+                  <a:txBody>
+                    <a:bodyPr/>
+                    <a:lstStyle/>
+                    <a:p>
+                      <a:pPr algn="ctr"/>
+                      <a:r>
+                        <a:rPr lang="es-ES_tradnl" sz="2400" dirty="0" smtClean="0"/>
+                        <a:t>2</a:t>
+                      </a:r>
+                      <a:endParaRPr lang="en-US" sz="2400" dirty="0"/>
+                    </a:p>
+                  </a:txBody>
+                  <a:tcPr anchor="ctr"/>
+                </a:tc>
+                <a:tc>
+                  <a:txBody>
+                    <a:bodyPr/>
+                    <a:lstStyle/>
+                    <a:p>
+                      <a:pPr algn="ctr"/>
+                      <a:r>
+                        <a:rPr lang="es-ES_tradnl" sz="2400" dirty="0" smtClean="0"/>
+                        <a:t>0002</a:t>
+                      </a:r>
+                      <a:endParaRPr lang="en-US" sz="2400" dirty="0"/>
+                    </a:p>
+                  </a:txBody>
+                  <a:tcPr anchor="ctr"/>
+                </a:tc>
+              </a:tr>
+              <a:tr h="539135">
+                <a:tc>
+                  <a:txBody>
+                    <a:bodyPr/>
+                    <a:lstStyle/>
+                    <a:p>
+                      <a:pPr algn="l"/>
+                      <a:r>
+                        <a:rPr lang="es-ES_tradnl" sz="2400" dirty="0" smtClean="0"/>
+                        <a:t>div </a:t>
+                      </a:r>
+                      <a:r>
+                        <a:rPr lang="es-ES_tradnl" sz="2400" dirty="0" err="1" smtClean="0"/>
+                        <a:t>a.color</a:t>
+                      </a:r>
+                      <a:endParaRPr lang="en-US" sz="2400" dirty="0"/>
+                    </a:p>
+                  </a:txBody>
+                  <a:tcPr anchor="ctr"/>
+                </a:tc>
+                <a:tc>
+                  <a:txBody>
+                    <a:bodyPr/>
+                    <a:lstStyle/>
+                    <a:p>
+                      <a:pPr algn="ctr"/>
+                      <a:r>
+                        <a:rPr lang="es-ES_tradnl" sz="2400" dirty="0" smtClean="0"/>
+                        <a:t>0</a:t>
+                      </a:r>
+                      <a:endParaRPr lang="en-US" sz="2400" dirty="0"/>
+                    </a:p>
+                  </a:txBody>
+                  <a:tcPr anchor="ctr"/>
+                </a:tc>
+                <a:tc>
+                  <a:txBody>
+                    <a:bodyPr/>
+                    <a:lstStyle/>
+                    <a:p>
+                      <a:pPr algn="ctr"/>
+                      <a:r>
+                        <a:rPr lang="es-ES_tradnl" sz="2400" dirty="0" smtClean="0"/>
+                        <a:t>0</a:t>
+                      </a:r>
+                      <a:endParaRPr lang="en-US" sz="2400" dirty="0"/>
+                    </a:p>
+                  </a:txBody>
+                  <a:tcPr anchor="ctr"/>
+                </a:tc>
+                <a:tc>
+                  <a:txBody>
+                    <a:bodyPr/>
+                    <a:lstStyle/>
+                    <a:p>
+                      <a:pPr algn="ctr"/>
+                      <a:r>
+                        <a:rPr lang="es-ES_tradnl" sz="2400" dirty="0" smtClean="0"/>
+                        <a:t>1</a:t>
+                      </a:r>
+                      <a:endParaRPr lang="en-US" sz="2400" dirty="0"/>
+                    </a:p>
+                  </a:txBody>
+                  <a:tcPr anchor="ctr"/>
+                </a:tc>
+                <a:tc>
+                  <a:txBody>
+                    <a:bodyPr/>
+                    <a:lstStyle/>
+                    <a:p>
+                      <a:pPr algn="ctr"/>
+                      <a:r>
+                        <a:rPr lang="es-ES_tradnl" sz="2400" dirty="0" smtClean="0"/>
+                        <a:t>2</a:t>
+                      </a:r>
+                      <a:endParaRPr lang="en-US" sz="2400" dirty="0"/>
+                    </a:p>
+                  </a:txBody>
+                  <a:tcPr anchor="ctr"/>
+                </a:tc>
+                <a:tc>
+                  <a:txBody>
+                    <a:bodyPr/>
+                    <a:lstStyle/>
+                    <a:p>
+                      <a:pPr algn="ctr"/>
+                      <a:r>
+                        <a:rPr lang="es-ES_tradnl" sz="2400" dirty="0" smtClean="0"/>
+                        <a:t>0012</a:t>
+                      </a:r>
+                      <a:endParaRPr lang="en-US" sz="2400" dirty="0"/>
+                    </a:p>
+                  </a:txBody>
+                  <a:tcPr anchor="ctr"/>
+                </a:tc>
+              </a:tr>
+              <a:tr h="539135">
+                <a:tc>
+                  <a:txBody>
+                    <a:bodyPr/>
+                    <a:lstStyle/>
+                    <a:p>
+                      <a:pPr algn="l"/>
+                      <a:r>
+                        <a:rPr lang="es-ES_tradnl" sz="2400" dirty="0" smtClean="0"/>
+                        <a:t>div .color .</a:t>
+                      </a:r>
+                      <a:r>
+                        <a:rPr lang="es-ES_tradnl" sz="2400" dirty="0" err="1" smtClean="0"/>
+                        <a:t>text</a:t>
+                      </a:r>
+                      <a:endParaRPr lang="en-US" sz="2400" dirty="0"/>
+                    </a:p>
+                  </a:txBody>
+                  <a:tcPr anchor="ctr"/>
+                </a:tc>
+                <a:tc>
+                  <a:txBody>
+                    <a:bodyPr/>
+                    <a:lstStyle/>
+                    <a:p>
+                      <a:pPr algn="ctr"/>
+                      <a:r>
+                        <a:rPr lang="es-ES_tradnl" sz="2400" dirty="0" smtClean="0"/>
+                        <a:t>0</a:t>
+                      </a:r>
+                      <a:endParaRPr lang="en-US" sz="2400" dirty="0"/>
+                    </a:p>
+                  </a:txBody>
+                  <a:tcPr anchor="ctr"/>
+                </a:tc>
+                <a:tc>
+                  <a:txBody>
+                    <a:bodyPr/>
+                    <a:lstStyle/>
+                    <a:p>
+                      <a:pPr algn="ctr"/>
+                      <a:r>
+                        <a:rPr lang="es-ES_tradnl" sz="2400" dirty="0" smtClean="0"/>
+                        <a:t>0</a:t>
+                      </a:r>
+                      <a:endParaRPr lang="en-US" sz="2400" dirty="0"/>
+                    </a:p>
+                  </a:txBody>
+                  <a:tcPr anchor="ctr"/>
+                </a:tc>
+                <a:tc>
+                  <a:txBody>
+                    <a:bodyPr/>
+                    <a:lstStyle/>
+                    <a:p>
+                      <a:pPr algn="ctr"/>
+                      <a:r>
+                        <a:rPr lang="es-ES_tradnl" sz="2400" dirty="0" smtClean="0"/>
+                        <a:t>2</a:t>
+                      </a:r>
+                      <a:endParaRPr lang="en-US" sz="2400" dirty="0"/>
+                    </a:p>
+                  </a:txBody>
+                  <a:tcPr anchor="ctr"/>
+                </a:tc>
+                <a:tc>
+                  <a:txBody>
+                    <a:bodyPr/>
+                    <a:lstStyle/>
+                    <a:p>
+                      <a:pPr algn="ctr"/>
+                      <a:r>
+                        <a:rPr lang="es-ES_tradnl" sz="2400" dirty="0" smtClean="0"/>
+                        <a:t>1</a:t>
+                      </a:r>
+                      <a:endParaRPr lang="en-US" sz="2400" dirty="0"/>
+                    </a:p>
+                  </a:txBody>
+                  <a:tcPr anchor="ctr"/>
+                </a:tc>
+                <a:tc>
+                  <a:txBody>
+                    <a:bodyPr/>
+                    <a:lstStyle/>
+                    <a:p>
+                      <a:pPr algn="ctr"/>
+                      <a:r>
+                        <a:rPr lang="es-ES_tradnl" sz="2400" dirty="0" smtClean="0"/>
+                        <a:t>0021</a:t>
+                      </a:r>
+                      <a:endParaRPr lang="en-US" sz="2400" dirty="0"/>
+                    </a:p>
+                  </a:txBody>
+                  <a:tcPr anchor="ctr"/>
+                </a:tc>
+              </a:tr>
+              <a:tr h="539135">
+                <a:tc>
+                  <a:txBody>
+                    <a:bodyPr/>
+                    <a:lstStyle/>
+                    <a:p>
+                      <a:pPr algn="l"/>
+                      <a:r>
+                        <a:rPr lang="es-ES_tradnl" sz="2400" dirty="0" smtClean="0"/>
+                        <a:t>div .color p #</a:t>
+                      </a:r>
+                      <a:r>
+                        <a:rPr lang="es-ES_tradnl" sz="2400" dirty="0" err="1" smtClean="0"/>
+                        <a:t>news</a:t>
+                      </a:r>
+                      <a:endParaRPr lang="en-US" sz="2400" dirty="0"/>
+                    </a:p>
+                  </a:txBody>
+                  <a:tcPr anchor="ctr"/>
+                </a:tc>
+                <a:tc>
+                  <a:txBody>
+                    <a:bodyPr/>
+                    <a:lstStyle/>
+                    <a:p>
+                      <a:pPr algn="ctr"/>
+                      <a:r>
+                        <a:rPr lang="es-ES_tradnl" sz="2400" dirty="0" smtClean="0"/>
+                        <a:t>0</a:t>
+                      </a:r>
+                      <a:endParaRPr lang="en-US" sz="2400" dirty="0"/>
+                    </a:p>
+                  </a:txBody>
+                  <a:tcPr anchor="ctr"/>
+                </a:tc>
+                <a:tc>
+                  <a:txBody>
+                    <a:bodyPr/>
+                    <a:lstStyle/>
+                    <a:p>
+                      <a:pPr algn="ctr"/>
+                      <a:r>
+                        <a:rPr lang="es-ES_tradnl" sz="2400" dirty="0" smtClean="0"/>
+                        <a:t>1</a:t>
+                      </a:r>
+                      <a:endParaRPr lang="en-US" sz="2400" dirty="0"/>
+                    </a:p>
+                  </a:txBody>
+                  <a:tcPr anchor="ctr"/>
+                </a:tc>
+                <a:tc>
+                  <a:txBody>
+                    <a:bodyPr/>
+                    <a:lstStyle/>
+                    <a:p>
+                      <a:pPr algn="ctr"/>
+                      <a:r>
+                        <a:rPr lang="es-ES_tradnl" sz="2400" dirty="0" smtClean="0"/>
+                        <a:t>1</a:t>
+                      </a:r>
+                      <a:endParaRPr lang="en-US" sz="2400" dirty="0"/>
+                    </a:p>
+                  </a:txBody>
+                  <a:tcPr anchor="ctr"/>
+                </a:tc>
+                <a:tc>
+                  <a:txBody>
+                    <a:bodyPr/>
+                    <a:lstStyle/>
+                    <a:p>
+                      <a:pPr algn="ctr"/>
+                      <a:r>
+                        <a:rPr lang="es-ES_tradnl" sz="2400" dirty="0" smtClean="0"/>
+                        <a:t>2</a:t>
+                      </a:r>
+                      <a:endParaRPr lang="en-US" sz="2400" dirty="0"/>
+                    </a:p>
+                  </a:txBody>
+                  <a:tcPr anchor="ctr"/>
+                </a:tc>
+                <a:tc>
+                  <a:txBody>
+                    <a:bodyPr/>
+                    <a:lstStyle/>
+                    <a:p>
+                      <a:pPr algn="ctr"/>
+                      <a:r>
+                        <a:rPr lang="es-ES_tradnl" sz="2400" dirty="0" smtClean="0"/>
+                        <a:t>0112</a:t>
+                      </a:r>
+                      <a:endParaRPr lang="en-US" sz="2400" dirty="0"/>
+                    </a:p>
+                  </a:txBody>
+                  <a:tcPr anchor="ctr"/>
+                </a:tc>
+              </a:tr>
+              <a:tr h="531750">
+                <a:tc>
+                  <a:txBody>
+                    <a:bodyPr/>
+                    <a:lstStyle/>
+                    <a:p>
+                      <a:pPr algn="l"/>
+                      <a:r>
+                        <a:rPr lang="es-ES_tradnl" sz="2400" dirty="0" err="1" smtClean="0"/>
+                        <a:t>style</a:t>
+                      </a:r>
+                      <a:r>
+                        <a:rPr lang="es-ES_tradnl" sz="2400" dirty="0" smtClean="0"/>
+                        <a:t>=“”</a:t>
+                      </a:r>
+                      <a:endParaRPr lang="en-US" sz="2400" dirty="0"/>
+                    </a:p>
+                  </a:txBody>
+                  <a:tcPr anchor="ctr"/>
+                </a:tc>
+                <a:tc>
+                  <a:txBody>
+                    <a:bodyPr/>
+                    <a:lstStyle/>
+                    <a:p>
+                      <a:pPr algn="ctr"/>
+                      <a:r>
+                        <a:rPr lang="es-ES_tradnl" sz="2400" dirty="0" smtClean="0"/>
+                        <a:t>1</a:t>
+                      </a:r>
+                      <a:endParaRPr lang="en-US" sz="2400" dirty="0"/>
+                    </a:p>
+                  </a:txBody>
+                  <a:tcPr anchor="ctr"/>
+                </a:tc>
+                <a:tc>
+                  <a:txBody>
+                    <a:bodyPr/>
+                    <a:lstStyle/>
+                    <a:p>
+                      <a:pPr algn="ctr"/>
+                      <a:r>
+                        <a:rPr lang="es-ES_tradnl" sz="2400" dirty="0" smtClean="0"/>
+                        <a:t>0</a:t>
+                      </a:r>
+                      <a:endParaRPr lang="en-US" sz="2400" dirty="0"/>
+                    </a:p>
+                  </a:txBody>
+                  <a:tcPr anchor="ctr"/>
+                </a:tc>
+                <a:tc>
+                  <a:txBody>
+                    <a:bodyPr/>
+                    <a:lstStyle/>
+                    <a:p>
+                      <a:pPr algn="ctr"/>
+                      <a:r>
+                        <a:rPr lang="es-ES_tradnl" sz="2400" dirty="0" smtClean="0"/>
+                        <a:t>0</a:t>
+                      </a:r>
+                      <a:endParaRPr lang="en-US" sz="2400" dirty="0"/>
+                    </a:p>
+                  </a:txBody>
+                  <a:tcPr anchor="ctr"/>
+                </a:tc>
+                <a:tc>
+                  <a:txBody>
+                    <a:bodyPr/>
+                    <a:lstStyle/>
+                    <a:p>
+                      <a:pPr algn="ctr"/>
+                      <a:r>
+                        <a:rPr lang="es-ES_tradnl" sz="2400" dirty="0" smtClean="0"/>
+                        <a:t>0</a:t>
+                      </a:r>
+                      <a:endParaRPr lang="en-US" sz="2400" dirty="0"/>
+                    </a:p>
+                  </a:txBody>
+                  <a:tcPr anchor="ctr"/>
+                </a:tc>
+                <a:tc>
+                  <a:txBody>
+                    <a:bodyPr/>
+                    <a:lstStyle/>
+                    <a:p>
+                      <a:pPr algn="ctr"/>
+                      <a:r>
+                        <a:rPr lang="es-ES_tradnl" sz="2400" dirty="0" smtClean="0"/>
+                        <a:t>1000</a:t>
+                      </a:r>
+                      <a:endParaRPr lang="en-US" sz="2400" dirty="0"/>
+                    </a:p>
+                  </a:txBody>
+                  <a:tcPr anchor="ctr"/>
+                </a:tc>
+              </a:tr>
+            </a:tbl>
+          </a:graphicData>
+        </a:graphic>
+      </p:graphicFrame>
     </p:spTree>
     <p:extLst>
       <p:ext uri="{BB962C8B-B14F-4D97-AF65-F5344CB8AC3E}">
-        <p14:creationId xmlns:p14="http://schemas.microsoft.com/office/powerpoint/2010/main" val="1310797858"/>
+        <p14:creationId xmlns:p14="http://schemas.microsoft.com/office/powerpoint/2010/main" val="2234335239"/>
       </p:ext>
     </p:extLst>
   </p:cSld>
@@ -7392,7 +9088,7 @@
 </file>
 
 <file path=ppt/slides/slide29.xml><?xml version="1.0" encoding="utf-8"?>
-<p:sld xmlns:a="http://schemas.openxmlformats.org/drawingml/2006/main" xmlns:r="http://schemas.openxmlformats.org/officeDocument/2006/relationships" xmlns:p="http://schemas.openxmlformats.org/presentationml/2006/main" show="0">
+<p:sld xmlns:a="http://schemas.openxmlformats.org/drawingml/2006/main" xmlns:r="http://schemas.openxmlformats.org/officeDocument/2006/relationships" xmlns:p="http://schemas.openxmlformats.org/presentationml/2006/main">
   <p:cSld>
     <p:spTree>
       <p:nvGrpSpPr>
@@ -7425,7 +9121,7 @@
           <a:p>
             <a:r>
               <a:rPr lang="es-ES_tradnl" dirty="0" smtClean="0"/>
-              <a:t>Para ver	</a:t>
+              <a:t>Modelo de caja</a:t>
             </a:r>
             <a:endParaRPr lang="en-US" dirty="0"/>
           </a:p>
@@ -7433,106 +9129,190 @@
       </p:sp>
       <p:sp>
         <p:nvSpPr>
-          <p:cNvPr id="3" name="Content Placeholder 2"/>
-          <p:cNvSpPr>
-            <a:spLocks noGrp="1"/>
-          </p:cNvSpPr>
-          <p:nvPr>
-            <p:ph idx="1"/>
-          </p:nvPr>
-        </p:nvSpPr>
-        <p:spPr/>
-        <p:txBody>
-          <a:bodyPr>
-            <a:normAutofit lnSpcReduction="10000"/>
-          </a:bodyPr>
-          <a:lstStyle/>
-          <a:p>
-            <a:r>
-              <a:rPr lang="en-US" dirty="0" smtClean="0">
-                <a:hlinkClick r:id="rId2"/>
-              </a:rPr>
-              <a:t>https://speakerdeck.com/shesho/html-plus-css</a:t>
-            </a:r>
-            <a:endParaRPr lang="en-US" dirty="0" smtClean="0"/>
-          </a:p>
-          <a:p>
-            <a:r>
-              <a:rPr lang="en-US" dirty="0" smtClean="0">
-                <a:hlinkClick r:id="rId3"/>
-              </a:rPr>
-              <a:t>https://speakerdeck.com/ryhan/introductory-html-and-css</a:t>
-            </a:r>
-            <a:endParaRPr lang="en-US" dirty="0" smtClean="0"/>
-          </a:p>
-          <a:p>
-            <a:endParaRPr lang="es-ES_tradnl" dirty="0" smtClean="0"/>
-          </a:p>
-          <a:p>
-            <a:r>
-              <a:rPr lang="en-US" dirty="0" smtClean="0">
-                <a:hlinkClick r:id="rId4"/>
-              </a:rPr>
-              <a:t>https://speakerdeck.com/lumilux/intro-to-html</a:t>
-            </a:r>
-            <a:endParaRPr lang="en-US" dirty="0" smtClean="0"/>
-          </a:p>
-          <a:p>
-            <a:endParaRPr lang="es-ES_tradnl" dirty="0"/>
-          </a:p>
-          <a:p>
-            <a:r>
-              <a:rPr lang="en-US" dirty="0" smtClean="0">
-                <a:hlinkClick r:id="rId5"/>
-              </a:rPr>
-              <a:t>https://speakerdeck.com/stupig/html-and-css-basics</a:t>
-            </a:r>
-            <a:endParaRPr lang="es-ES_tradnl" dirty="0"/>
-          </a:p>
-          <a:p>
-            <a:endParaRPr lang="es-ES_tradnl" dirty="0" smtClean="0"/>
-          </a:p>
-          <a:p>
-            <a:r>
-              <a:rPr lang="en-US" dirty="0" smtClean="0">
-                <a:hlinkClick r:id="rId6"/>
-              </a:rPr>
-              <a:t>https://speakerdeck.com/pacheco_hn/html-5</a:t>
-            </a:r>
-            <a:endParaRPr lang="en-US" dirty="0" smtClean="0"/>
-          </a:p>
-          <a:p>
-            <a:r>
-              <a:rPr lang="en-US" dirty="0" smtClean="0">
-                <a:hlinkClick r:id="rId7"/>
-              </a:rPr>
-              <a:t>https://speakerdeck.com/slant/html-and-css</a:t>
-            </a:r>
-            <a:endParaRPr lang="en-US" dirty="0" smtClean="0"/>
-          </a:p>
-          <a:p>
-            <a:endParaRPr lang="en-US" dirty="0"/>
+          <p:cNvPr id="4" name="Rectangle 3"/>
+          <p:cNvSpPr/>
+          <p:nvPr/>
+        </p:nvSpPr>
+        <p:spPr>
+          <a:xfrm>
+            <a:off x="1057275" y="1690688"/>
+            <a:ext cx="10039350" cy="4729162"/>
+          </a:xfrm>
+          <a:prstGeom prst="rect">
+            <a:avLst/>
+          </a:prstGeom>
+        </p:spPr>
+        <p:style>
+          <a:lnRef idx="2">
+            <a:schemeClr val="accent6">
+              <a:shade val="50000"/>
+            </a:schemeClr>
+          </a:lnRef>
+          <a:fillRef idx="1">
+            <a:schemeClr val="accent6"/>
+          </a:fillRef>
+          <a:effectRef idx="0">
+            <a:schemeClr val="accent6"/>
+          </a:effectRef>
+          <a:fontRef idx="minor">
+            <a:schemeClr val="lt1"/>
+          </a:fontRef>
+        </p:style>
+        <p:txBody>
+          <a:bodyPr rtlCol="0" anchor="t"/>
+          <a:lstStyle/>
+          <a:p>
+            <a:pPr algn="ctr"/>
+            <a:r>
+              <a:rPr lang="es-ES_tradnl" sz="3200" dirty="0" err="1" smtClean="0"/>
+              <a:t>Margin</a:t>
+            </a:r>
+            <a:endParaRPr lang="en-US" sz="3200" dirty="0"/>
+          </a:p>
+        </p:txBody>
+      </p:sp>
+      <p:sp>
+        <p:nvSpPr>
+          <p:cNvPr id="5" name="Rectangle 4"/>
+          <p:cNvSpPr/>
+          <p:nvPr/>
+        </p:nvSpPr>
+        <p:spPr>
+          <a:xfrm>
+            <a:off x="2305594" y="2265723"/>
+            <a:ext cx="7542713" cy="3579091"/>
+          </a:xfrm>
+          <a:prstGeom prst="rect">
+            <a:avLst/>
+          </a:prstGeom>
+        </p:spPr>
+        <p:style>
+          <a:lnRef idx="2">
+            <a:schemeClr val="accent3">
+              <a:shade val="50000"/>
+            </a:schemeClr>
+          </a:lnRef>
+          <a:fillRef idx="1">
+            <a:schemeClr val="accent3"/>
+          </a:fillRef>
+          <a:effectRef idx="0">
+            <a:schemeClr val="accent3"/>
+          </a:effectRef>
+          <a:fontRef idx="minor">
+            <a:schemeClr val="lt1"/>
+          </a:fontRef>
+        </p:style>
+        <p:txBody>
+          <a:bodyPr rtlCol="0" anchor="t"/>
+          <a:lstStyle/>
+          <a:p>
+            <a:pPr algn="ctr"/>
+            <a:r>
+              <a:rPr lang="es-ES_tradnl" sz="3200" dirty="0" err="1" smtClean="0"/>
+              <a:t>Padding</a:t>
+            </a:r>
+            <a:endParaRPr lang="en-US" sz="3200" dirty="0"/>
+          </a:p>
+        </p:txBody>
+      </p:sp>
+      <p:sp>
+        <p:nvSpPr>
+          <p:cNvPr id="6" name="Rectangle 5"/>
+          <p:cNvSpPr/>
+          <p:nvPr/>
+        </p:nvSpPr>
+        <p:spPr>
+          <a:xfrm>
+            <a:off x="3262523" y="2944102"/>
+            <a:ext cx="5666953" cy="2222334"/>
+          </a:xfrm>
+          <a:prstGeom prst="rect">
+            <a:avLst/>
+          </a:prstGeom>
+        </p:spPr>
+        <p:style>
+          <a:lnRef idx="2">
+            <a:schemeClr val="accent5">
+              <a:shade val="50000"/>
+            </a:schemeClr>
+          </a:lnRef>
+          <a:fillRef idx="1">
+            <a:schemeClr val="accent5"/>
+          </a:fillRef>
+          <a:effectRef idx="0">
+            <a:schemeClr val="accent5"/>
+          </a:effectRef>
+          <a:fontRef idx="minor">
+            <a:schemeClr val="lt1"/>
+          </a:fontRef>
+        </p:style>
+        <p:txBody>
+          <a:bodyPr rtlCol="0" anchor="t"/>
+          <a:lstStyle/>
+          <a:p>
+            <a:pPr algn="ctr"/>
+            <a:r>
+              <a:rPr lang="es-ES_tradnl" sz="3200" dirty="0" err="1" smtClean="0"/>
+              <a:t>Border</a:t>
+            </a:r>
+            <a:endParaRPr lang="en-US" sz="3200" dirty="0"/>
+          </a:p>
+        </p:txBody>
+      </p:sp>
+      <p:sp>
+        <p:nvSpPr>
+          <p:cNvPr id="7" name="Rectangle 6"/>
+          <p:cNvSpPr/>
+          <p:nvPr/>
+        </p:nvSpPr>
+        <p:spPr>
+          <a:xfrm>
+            <a:off x="4622928" y="3536901"/>
+            <a:ext cx="2908043" cy="1036735"/>
+          </a:xfrm>
+          <a:prstGeom prst="rect">
+            <a:avLst/>
+          </a:prstGeom>
+        </p:spPr>
+        <p:style>
+          <a:lnRef idx="2">
+            <a:schemeClr val="accent2">
+              <a:shade val="50000"/>
+            </a:schemeClr>
+          </a:lnRef>
+          <a:fillRef idx="1">
+            <a:schemeClr val="accent2"/>
+          </a:fillRef>
+          <a:effectRef idx="0">
+            <a:schemeClr val="accent2"/>
+          </a:effectRef>
+          <a:fontRef idx="minor">
+            <a:schemeClr val="lt1"/>
+          </a:fontRef>
+        </p:style>
+        <p:txBody>
+          <a:bodyPr rtlCol="0" anchor="ctr"/>
+          <a:lstStyle/>
+          <a:p>
+            <a:pPr algn="ctr"/>
+            <a:r>
+              <a:rPr lang="es-ES_tradnl" sz="3200" dirty="0" smtClean="0"/>
+              <a:t>Content</a:t>
+            </a:r>
+            <a:endParaRPr lang="en-US" sz="3200" dirty="0"/>
           </a:p>
         </p:txBody>
       </p:sp>
     </p:spTree>
     <p:extLst>
       <p:ext uri="{BB962C8B-B14F-4D97-AF65-F5344CB8AC3E}">
-        <p14:creationId xmlns:p14="http://schemas.microsoft.com/office/powerpoint/2010/main" val="982115055"/>
+        <p14:creationId xmlns:p14="http://schemas.microsoft.com/office/powerpoint/2010/main" val="3680185540"/>
       </p:ext>
     </p:extLst>
   </p:cSld>
   <p:clrMapOvr>
     <a:masterClrMapping/>
   </p:clrMapOvr>
-  <mc:AlternateContent xmlns:mc="http://schemas.openxmlformats.org/markup-compatibility/2006">
-    <mc:Choice xmlns:p14="http://schemas.microsoft.com/office/powerpoint/2010/main" Requires="p14">
-      <p:transition spd="slow" p14:dur="2000"/>
-    </mc:Choice>
-    <mc:Fallback>
-      <p:transition spd="slow"/>
-    </mc:Fallback>
-  </mc:AlternateContent>
 </p:sld>
 </file>
 
@@ -7773,6 +9553,1208 @@
     <p:extLst>
       <p:ext uri="{BB962C8B-B14F-4D97-AF65-F5344CB8AC3E}">
         <p14:creationId xmlns:p14="http://schemas.microsoft.com/office/powerpoint/2010/main" val="1321226762"/>
+      </p:ext>
+    </p:extLst>
+  </p:cSld>
+  <p:clrMapOvr>
+    <a:masterClrMapping/>
+  </p:clrMapOvr>
+</p:sld>
+</file>
+
+<file path=ppt/slides/slide30.xml><?xml version="1.0" encoding="utf-8"?>
+<p:sld xmlns:a="http://schemas.openxmlformats.org/drawingml/2006/main" xmlns:r="http://schemas.openxmlformats.org/officeDocument/2006/relationships" xmlns:p="http://schemas.openxmlformats.org/presentationml/2006/main">
+  <p:cSld>
+    <p:spTree>
+      <p:nvGrpSpPr>
+        <p:cNvPr id="1" name=""/>
+        <p:cNvGrpSpPr/>
+        <p:nvPr/>
+      </p:nvGrpSpPr>
+      <p:grpSpPr>
+        <a:xfrm>
+          <a:off x="0" y="0"/>
+          <a:ext cx="0" cy="0"/>
+          <a:chOff x="0" y="0"/>
+          <a:chExt cx="0" cy="0"/>
+        </a:xfrm>
+      </p:grpSpPr>
+      <p:sp>
+        <p:nvSpPr>
+          <p:cNvPr id="2" name="Title 1"/>
+          <p:cNvSpPr>
+            <a:spLocks noGrp="1"/>
+          </p:cNvSpPr>
+          <p:nvPr>
+            <p:ph type="title"/>
+          </p:nvPr>
+        </p:nvSpPr>
+        <p:spPr/>
+        <p:txBody>
+          <a:bodyPr/>
+          <a:lstStyle/>
+          <a:p>
+            <a:r>
+              <a:rPr lang="es-ES_tradnl" dirty="0" smtClean="0"/>
+              <a:t>Esquema de posicionamiento</a:t>
+            </a:r>
+            <a:endParaRPr lang="en-US" dirty="0"/>
+          </a:p>
+        </p:txBody>
+      </p:sp>
+      <p:sp>
+        <p:nvSpPr>
+          <p:cNvPr id="3" name="Content Placeholder 2"/>
+          <p:cNvSpPr>
+            <a:spLocks noGrp="1"/>
+          </p:cNvSpPr>
+          <p:nvPr>
+            <p:ph idx="1"/>
+          </p:nvPr>
+        </p:nvSpPr>
+        <p:spPr/>
+        <p:txBody>
+          <a:bodyPr/>
+          <a:lstStyle/>
+          <a:p>
+            <a:r>
+              <a:rPr lang="es-ES_tradnl" dirty="0" err="1"/>
+              <a:t>s</a:t>
+            </a:r>
+            <a:r>
+              <a:rPr lang="es-ES_tradnl" dirty="0" err="1" smtClean="0"/>
+              <a:t>tatic</a:t>
+            </a:r>
+            <a:r>
+              <a:rPr lang="es-ES_tradnl" dirty="0" smtClean="0"/>
+              <a:t> (default)</a:t>
+            </a:r>
+          </a:p>
+          <a:p>
+            <a:r>
+              <a:rPr lang="es-ES_tradnl" dirty="0" err="1"/>
+              <a:t>r</a:t>
+            </a:r>
+            <a:r>
+              <a:rPr lang="es-ES_tradnl" dirty="0" err="1" smtClean="0"/>
+              <a:t>elative</a:t>
+            </a:r>
+            <a:endParaRPr lang="es-ES_tradnl" dirty="0" smtClean="0"/>
+          </a:p>
+          <a:p>
+            <a:r>
+              <a:rPr lang="es-ES_tradnl" dirty="0" err="1"/>
+              <a:t>a</a:t>
+            </a:r>
+            <a:r>
+              <a:rPr lang="es-ES_tradnl" dirty="0" err="1" smtClean="0"/>
+              <a:t>bsolute</a:t>
+            </a:r>
+            <a:endParaRPr lang="es-ES_tradnl" dirty="0" smtClean="0"/>
+          </a:p>
+          <a:p>
+            <a:r>
+              <a:rPr lang="es-ES_tradnl" dirty="0" err="1" smtClean="0"/>
+              <a:t>fixed</a:t>
+            </a:r>
+            <a:endParaRPr lang="en-US" dirty="0"/>
+          </a:p>
+        </p:txBody>
+      </p:sp>
+    </p:spTree>
+    <p:extLst>
+      <p:ext uri="{BB962C8B-B14F-4D97-AF65-F5344CB8AC3E}">
+        <p14:creationId xmlns:p14="http://schemas.microsoft.com/office/powerpoint/2010/main" val="3431599845"/>
+      </p:ext>
+    </p:extLst>
+  </p:cSld>
+  <p:clrMapOvr>
+    <a:masterClrMapping/>
+  </p:clrMapOvr>
+</p:sld>
+</file>
+
+<file path=ppt/slides/slide31.xml><?xml version="1.0" encoding="utf-8"?>
+<p:sld xmlns:a="http://schemas.openxmlformats.org/drawingml/2006/main" xmlns:r="http://schemas.openxmlformats.org/officeDocument/2006/relationships" xmlns:p="http://schemas.openxmlformats.org/presentationml/2006/main">
+  <p:cSld>
+    <p:spTree>
+      <p:nvGrpSpPr>
+        <p:cNvPr id="1" name=""/>
+        <p:cNvGrpSpPr/>
+        <p:nvPr/>
+      </p:nvGrpSpPr>
+      <p:grpSpPr>
+        <a:xfrm>
+          <a:off x="0" y="0"/>
+          <a:ext cx="0" cy="0"/>
+          <a:chOff x="0" y="0"/>
+          <a:chExt cx="0" cy="0"/>
+        </a:xfrm>
+      </p:grpSpPr>
+      <p:sp>
+        <p:nvSpPr>
+          <p:cNvPr id="2" name="Title 1"/>
+          <p:cNvSpPr>
+            <a:spLocks noGrp="1"/>
+          </p:cNvSpPr>
+          <p:nvPr>
+            <p:ph type="title"/>
+          </p:nvPr>
+        </p:nvSpPr>
+        <p:spPr/>
+        <p:txBody>
+          <a:bodyPr/>
+          <a:lstStyle/>
+          <a:p>
+            <a:r>
+              <a:rPr lang="es-ES_tradnl" dirty="0" err="1" smtClean="0"/>
+              <a:t>Float</a:t>
+            </a:r>
+            <a:endParaRPr lang="en-US" dirty="0"/>
+          </a:p>
+        </p:txBody>
+      </p:sp>
+      <p:sp>
+        <p:nvSpPr>
+          <p:cNvPr id="3" name="Content Placeholder 2"/>
+          <p:cNvSpPr>
+            <a:spLocks noGrp="1"/>
+          </p:cNvSpPr>
+          <p:nvPr>
+            <p:ph idx="1"/>
+          </p:nvPr>
+        </p:nvSpPr>
+        <p:spPr/>
+        <p:txBody>
+          <a:bodyPr/>
+          <a:lstStyle/>
+          <a:p>
+            <a:r>
+              <a:rPr lang="es-ES_tradnl" dirty="0" err="1"/>
+              <a:t>n</a:t>
+            </a:r>
+            <a:r>
+              <a:rPr lang="es-ES_tradnl" dirty="0" err="1" smtClean="0"/>
+              <a:t>one</a:t>
+            </a:r>
+            <a:r>
+              <a:rPr lang="es-ES_tradnl" dirty="0" smtClean="0"/>
+              <a:t> (default)</a:t>
+            </a:r>
+          </a:p>
+          <a:p>
+            <a:r>
+              <a:rPr lang="es-ES_tradnl" dirty="0" err="1"/>
+              <a:t>l</a:t>
+            </a:r>
+            <a:r>
+              <a:rPr lang="es-ES_tradnl" dirty="0" err="1" smtClean="0"/>
+              <a:t>eft</a:t>
+            </a:r>
+            <a:endParaRPr lang="es-ES_tradnl" dirty="0" smtClean="0"/>
+          </a:p>
+          <a:p>
+            <a:r>
+              <a:rPr lang="es-ES_tradnl" dirty="0" err="1"/>
+              <a:t>r</a:t>
+            </a:r>
+            <a:r>
+              <a:rPr lang="es-ES_tradnl" dirty="0" err="1" smtClean="0"/>
+              <a:t>ight</a:t>
+            </a:r>
+            <a:endParaRPr lang="es-ES_tradnl" dirty="0" smtClean="0"/>
+          </a:p>
+          <a:p>
+            <a:r>
+              <a:rPr lang="es-ES_tradnl" dirty="0" err="1" smtClean="0"/>
+              <a:t>clear</a:t>
+            </a:r>
+            <a:endParaRPr lang="es-ES_tradnl" dirty="0" smtClean="0"/>
+          </a:p>
+        </p:txBody>
+      </p:sp>
+    </p:spTree>
+    <p:extLst>
+      <p:ext uri="{BB962C8B-B14F-4D97-AF65-F5344CB8AC3E}">
+        <p14:creationId xmlns:p14="http://schemas.microsoft.com/office/powerpoint/2010/main" val="327458156"/>
+      </p:ext>
+    </p:extLst>
+  </p:cSld>
+  <p:clrMapOvr>
+    <a:masterClrMapping/>
+  </p:clrMapOvr>
+</p:sld>
+</file>
+
+<file path=ppt/slides/slide32.xml><?xml version="1.0" encoding="utf-8"?>
+<p:sld xmlns:a="http://schemas.openxmlformats.org/drawingml/2006/main" xmlns:r="http://schemas.openxmlformats.org/officeDocument/2006/relationships" xmlns:p="http://schemas.openxmlformats.org/presentationml/2006/main">
+  <p:cSld>
+    <p:spTree>
+      <p:nvGrpSpPr>
+        <p:cNvPr id="1" name=""/>
+        <p:cNvGrpSpPr/>
+        <p:nvPr/>
+      </p:nvGrpSpPr>
+      <p:grpSpPr>
+        <a:xfrm>
+          <a:off x="0" y="0"/>
+          <a:ext cx="0" cy="0"/>
+          <a:chOff x="0" y="0"/>
+          <a:chExt cx="0" cy="0"/>
+        </a:xfrm>
+      </p:grpSpPr>
+      <p:sp>
+        <p:nvSpPr>
+          <p:cNvPr id="2" name="Title 1"/>
+          <p:cNvSpPr>
+            <a:spLocks noGrp="1"/>
+          </p:cNvSpPr>
+          <p:nvPr>
+            <p:ph type="title"/>
+          </p:nvPr>
+        </p:nvSpPr>
+        <p:spPr/>
+        <p:txBody>
+          <a:bodyPr/>
+          <a:lstStyle/>
+          <a:p>
+            <a:r>
+              <a:rPr lang="es-ES_tradnl" dirty="0" err="1" smtClean="0"/>
+              <a:t>Clearfix</a:t>
+            </a:r>
+            <a:endParaRPr lang="en-US" dirty="0"/>
+          </a:p>
+        </p:txBody>
+      </p:sp>
+      <p:sp>
+        <p:nvSpPr>
+          <p:cNvPr id="3" name="Content Placeholder 2"/>
+          <p:cNvSpPr>
+            <a:spLocks noGrp="1"/>
+          </p:cNvSpPr>
+          <p:nvPr>
+            <p:ph idx="1"/>
+          </p:nvPr>
+        </p:nvSpPr>
+        <p:spPr/>
+        <p:txBody>
+          <a:bodyPr/>
+          <a:lstStyle/>
+          <a:p>
+            <a:pPr marL="0" indent="0">
+              <a:buNone/>
+            </a:pPr>
+            <a:r>
+              <a:rPr lang="es-ES_tradnl" dirty="0" smtClean="0"/>
+              <a:t>.</a:t>
+            </a:r>
+            <a:r>
+              <a:rPr lang="es-ES_tradnl" dirty="0" err="1" smtClean="0"/>
+              <a:t>clearfix:after</a:t>
+            </a:r>
+            <a:r>
+              <a:rPr lang="es-ES_tradnl" dirty="0" smtClean="0"/>
+              <a:t> {</a:t>
+            </a:r>
+          </a:p>
+          <a:p>
+            <a:pPr marL="0" indent="0">
+              <a:buNone/>
+            </a:pPr>
+            <a:r>
+              <a:rPr lang="es-ES_tradnl" dirty="0" smtClean="0"/>
+              <a:t>	</a:t>
+            </a:r>
+            <a:r>
+              <a:rPr lang="es-ES_tradnl" dirty="0" err="1" smtClean="0"/>
+              <a:t>content</a:t>
+            </a:r>
+            <a:r>
+              <a:rPr lang="es-ES_tradnl" dirty="0" smtClean="0"/>
+              <a:t>: ”.”;</a:t>
+            </a:r>
+          </a:p>
+          <a:p>
+            <a:pPr marL="0" indent="0">
+              <a:buNone/>
+            </a:pPr>
+            <a:r>
+              <a:rPr lang="es-ES_tradnl" dirty="0"/>
+              <a:t>	</a:t>
+            </a:r>
+            <a:r>
+              <a:rPr lang="es-ES_tradnl" dirty="0" err="1" smtClean="0"/>
+              <a:t>visibility</a:t>
+            </a:r>
+            <a:r>
+              <a:rPr lang="es-ES_tradnl" dirty="0" smtClean="0"/>
+              <a:t>: </a:t>
+            </a:r>
+            <a:r>
+              <a:rPr lang="es-ES_tradnl" dirty="0" err="1" smtClean="0"/>
+              <a:t>hidden</a:t>
+            </a:r>
+            <a:r>
+              <a:rPr lang="es-ES_tradnl" dirty="0" smtClean="0"/>
+              <a:t>;</a:t>
+            </a:r>
+          </a:p>
+          <a:p>
+            <a:pPr marL="0" indent="0">
+              <a:buNone/>
+            </a:pPr>
+            <a:r>
+              <a:rPr lang="es-ES_tradnl" dirty="0"/>
+              <a:t>	</a:t>
+            </a:r>
+            <a:r>
+              <a:rPr lang="es-ES_tradnl" dirty="0" err="1" smtClean="0"/>
+              <a:t>display</a:t>
+            </a:r>
+            <a:r>
+              <a:rPr lang="es-ES_tradnl" dirty="0" smtClean="0"/>
+              <a:t>: block;</a:t>
+            </a:r>
+          </a:p>
+          <a:p>
+            <a:pPr marL="0" indent="0">
+              <a:buNone/>
+            </a:pPr>
+            <a:r>
+              <a:rPr lang="es-ES_tradnl" dirty="0"/>
+              <a:t>	</a:t>
+            </a:r>
+            <a:r>
+              <a:rPr lang="es-ES_tradnl" dirty="0" err="1" smtClean="0"/>
+              <a:t>font-size</a:t>
+            </a:r>
+            <a:r>
+              <a:rPr lang="es-ES_tradnl" dirty="0" smtClean="0"/>
+              <a:t>: 0;</a:t>
+            </a:r>
+          </a:p>
+          <a:p>
+            <a:pPr marL="0" indent="0">
+              <a:buNone/>
+            </a:pPr>
+            <a:r>
+              <a:rPr lang="es-ES_tradnl" dirty="0"/>
+              <a:t>	</a:t>
+            </a:r>
+            <a:r>
+              <a:rPr lang="es-ES_tradnl" dirty="0" err="1" smtClean="0"/>
+              <a:t>clear</a:t>
+            </a:r>
+            <a:r>
+              <a:rPr lang="es-ES_tradnl" dirty="0" smtClean="0"/>
+              <a:t>: </a:t>
+            </a:r>
+            <a:r>
+              <a:rPr lang="es-ES_tradnl" dirty="0" err="1" smtClean="0"/>
+              <a:t>both</a:t>
+            </a:r>
+            <a:r>
+              <a:rPr lang="es-ES_tradnl" dirty="0" smtClean="0"/>
+              <a:t>;</a:t>
+            </a:r>
+          </a:p>
+          <a:p>
+            <a:pPr marL="0" indent="0">
+              <a:buNone/>
+            </a:pPr>
+            <a:r>
+              <a:rPr lang="es-ES_tradnl" dirty="0"/>
+              <a:t>	</a:t>
+            </a:r>
+            <a:r>
+              <a:rPr lang="es-ES_tradnl" dirty="0" err="1" smtClean="0"/>
+              <a:t>height</a:t>
+            </a:r>
+            <a:r>
+              <a:rPr lang="es-ES_tradnl" dirty="0" smtClean="0"/>
+              <a:t>: 0;</a:t>
+            </a:r>
+            <a:endParaRPr lang="es-ES_tradnl" dirty="0"/>
+          </a:p>
+          <a:p>
+            <a:pPr marL="0" indent="0">
+              <a:buNone/>
+            </a:pPr>
+            <a:r>
+              <a:rPr lang="es-ES_tradnl" dirty="0"/>
+              <a:t>}</a:t>
+            </a:r>
+            <a:endParaRPr lang="en-US" dirty="0"/>
+          </a:p>
+        </p:txBody>
+      </p:sp>
+    </p:spTree>
+    <p:extLst>
+      <p:ext uri="{BB962C8B-B14F-4D97-AF65-F5344CB8AC3E}">
+        <p14:creationId xmlns:p14="http://schemas.microsoft.com/office/powerpoint/2010/main" val="2658374227"/>
+      </p:ext>
+    </p:extLst>
+  </p:cSld>
+  <p:clrMapOvr>
+    <a:masterClrMapping/>
+  </p:clrMapOvr>
+</p:sld>
+</file>
+
+<file path=ppt/slides/slide33.xml><?xml version="1.0" encoding="utf-8"?>
+<p:sld xmlns:a="http://schemas.openxmlformats.org/drawingml/2006/main" xmlns:r="http://schemas.openxmlformats.org/officeDocument/2006/relationships" xmlns:p="http://schemas.openxmlformats.org/presentationml/2006/main">
+  <p:cSld>
+    <p:spTree>
+      <p:nvGrpSpPr>
+        <p:cNvPr id="1" name=""/>
+        <p:cNvGrpSpPr/>
+        <p:nvPr/>
+      </p:nvGrpSpPr>
+      <p:grpSpPr>
+        <a:xfrm>
+          <a:off x="0" y="0"/>
+          <a:ext cx="0" cy="0"/>
+          <a:chOff x="0" y="0"/>
+          <a:chExt cx="0" cy="0"/>
+        </a:xfrm>
+      </p:grpSpPr>
+      <p:sp>
+        <p:nvSpPr>
+          <p:cNvPr id="2" name="Title 1"/>
+          <p:cNvSpPr>
+            <a:spLocks noGrp="1"/>
+          </p:cNvSpPr>
+          <p:nvPr>
+            <p:ph type="title"/>
+          </p:nvPr>
+        </p:nvSpPr>
+        <p:spPr/>
+        <p:txBody>
+          <a:bodyPr/>
+          <a:lstStyle/>
+          <a:p>
+            <a:r>
+              <a:rPr lang="es-ES_tradnl" dirty="0" smtClean="0"/>
+              <a:t>Demo CSS</a:t>
+            </a:r>
+            <a:endParaRPr lang="en-US" dirty="0"/>
+          </a:p>
+        </p:txBody>
+      </p:sp>
+    </p:spTree>
+    <p:extLst>
+      <p:ext uri="{BB962C8B-B14F-4D97-AF65-F5344CB8AC3E}">
+        <p14:creationId xmlns:p14="http://schemas.microsoft.com/office/powerpoint/2010/main" val="1343058198"/>
+      </p:ext>
+    </p:extLst>
+  </p:cSld>
+  <p:clrMapOvr>
+    <a:masterClrMapping/>
+  </p:clrMapOvr>
+</p:sld>
+</file>
+
+<file path=ppt/slides/slide34.xml><?xml version="1.0" encoding="utf-8"?>
+<p:sld xmlns:a="http://schemas.openxmlformats.org/drawingml/2006/main" xmlns:r="http://schemas.openxmlformats.org/officeDocument/2006/relationships" xmlns:p="http://schemas.openxmlformats.org/presentationml/2006/main">
+  <p:cSld>
+    <p:spTree>
+      <p:nvGrpSpPr>
+        <p:cNvPr id="1" name=""/>
+        <p:cNvGrpSpPr/>
+        <p:nvPr/>
+      </p:nvGrpSpPr>
+      <p:grpSpPr>
+        <a:xfrm>
+          <a:off x="0" y="0"/>
+          <a:ext cx="0" cy="0"/>
+          <a:chOff x="0" y="0"/>
+          <a:chExt cx="0" cy="0"/>
+        </a:xfrm>
+      </p:grpSpPr>
+      <p:sp>
+        <p:nvSpPr>
+          <p:cNvPr id="2" name="Title 1"/>
+          <p:cNvSpPr>
+            <a:spLocks noGrp="1"/>
+          </p:cNvSpPr>
+          <p:nvPr>
+            <p:ph type="title"/>
+          </p:nvPr>
+        </p:nvSpPr>
+        <p:spPr/>
+        <p:txBody>
+          <a:bodyPr/>
+          <a:lstStyle/>
+          <a:p>
+            <a:r>
+              <a:rPr lang="es-ES_tradnl" dirty="0" err="1" smtClean="0"/>
+              <a:t>Frameworks</a:t>
+            </a:r>
+            <a:r>
+              <a:rPr lang="es-ES_tradnl" dirty="0" smtClean="0"/>
+              <a:t> CSS</a:t>
+            </a:r>
+            <a:endParaRPr lang="en-US" dirty="0"/>
+          </a:p>
+        </p:txBody>
+      </p:sp>
+      <p:sp>
+        <p:nvSpPr>
+          <p:cNvPr id="3" name="Content Placeholder 2"/>
+          <p:cNvSpPr>
+            <a:spLocks noGrp="1"/>
+          </p:cNvSpPr>
+          <p:nvPr>
+            <p:ph idx="1"/>
+          </p:nvPr>
+        </p:nvSpPr>
+        <p:spPr/>
+        <p:txBody>
+          <a:bodyPr>
+            <a:normAutofit/>
+          </a:bodyPr>
+          <a:lstStyle/>
+          <a:p>
+            <a:r>
+              <a:rPr lang="en-US" dirty="0" smtClean="0">
+                <a:hlinkClick r:id="rId3"/>
+              </a:rPr>
+              <a:t>http://www.getskeleton.com</a:t>
+            </a:r>
+            <a:r>
+              <a:rPr lang="en-US" dirty="0" smtClean="0">
+                <a:hlinkClick r:id="rId3"/>
+              </a:rPr>
+              <a:t>/</a:t>
+            </a:r>
+            <a:endParaRPr lang="es-ES_tradnl" dirty="0"/>
+          </a:p>
+          <a:p>
+            <a:r>
+              <a:rPr lang="en-US" dirty="0" smtClean="0">
+                <a:hlinkClick r:id="rId4"/>
+              </a:rPr>
+              <a:t>http://twitter.github.io/bootstrap</a:t>
+            </a:r>
+            <a:r>
+              <a:rPr lang="en-US" dirty="0" smtClean="0">
+                <a:hlinkClick r:id="rId4"/>
+              </a:rPr>
+              <a:t>/</a:t>
+            </a:r>
+            <a:endParaRPr lang="es-ES_tradnl" dirty="0"/>
+          </a:p>
+          <a:p>
+            <a:r>
+              <a:rPr lang="en-US" dirty="0">
+                <a:hlinkClick r:id="rId5"/>
+              </a:rPr>
+              <a:t>http://foundation.zurb.com</a:t>
+            </a:r>
+            <a:r>
+              <a:rPr lang="en-US" dirty="0" smtClean="0">
+                <a:hlinkClick r:id="rId5"/>
+              </a:rPr>
+              <a:t>/</a:t>
+            </a:r>
+            <a:endParaRPr lang="es-ES_tradnl" dirty="0"/>
+          </a:p>
+          <a:p>
+            <a:r>
+              <a:rPr lang="en-US" dirty="0">
+                <a:hlinkClick r:id="rId6"/>
+              </a:rPr>
+              <a:t>http://purecss.io</a:t>
+            </a:r>
+            <a:r>
+              <a:rPr lang="en-US" dirty="0" smtClean="0">
+                <a:hlinkClick r:id="rId6"/>
+              </a:rPr>
+              <a:t>/</a:t>
+            </a:r>
+            <a:endParaRPr lang="en-US" dirty="0" smtClean="0"/>
+          </a:p>
+          <a:p>
+            <a:r>
+              <a:rPr lang="en-US" dirty="0">
+                <a:hlinkClick r:id="rId7"/>
+              </a:rPr>
+              <a:t>http://960.gs</a:t>
+            </a:r>
+            <a:r>
+              <a:rPr lang="en-US" dirty="0" smtClean="0">
+                <a:hlinkClick r:id="rId7"/>
+              </a:rPr>
+              <a:t>/</a:t>
+            </a:r>
+            <a:endParaRPr lang="es-ES_tradnl" dirty="0"/>
+          </a:p>
+          <a:p>
+            <a:r>
+              <a:rPr lang="en-US" dirty="0">
+                <a:hlinkClick r:id="rId8"/>
+              </a:rPr>
+              <a:t>http://unsemantic.com/</a:t>
+            </a:r>
+            <a:endParaRPr lang="en-US" dirty="0"/>
+          </a:p>
+        </p:txBody>
+      </p:sp>
+    </p:spTree>
+    <p:extLst>
+      <p:ext uri="{BB962C8B-B14F-4D97-AF65-F5344CB8AC3E}">
+        <p14:creationId xmlns:p14="http://schemas.microsoft.com/office/powerpoint/2010/main" val="2313433037"/>
+      </p:ext>
+    </p:extLst>
+  </p:cSld>
+  <p:clrMapOvr>
+    <a:masterClrMapping/>
+  </p:clrMapOvr>
+</p:sld>
+</file>
+
+<file path=ppt/slides/slide35.xml><?xml version="1.0" encoding="utf-8"?>
+<p:sld xmlns:a="http://schemas.openxmlformats.org/drawingml/2006/main" xmlns:r="http://schemas.openxmlformats.org/officeDocument/2006/relationships" xmlns:p="http://schemas.openxmlformats.org/presentationml/2006/main">
+  <p:cSld>
+    <p:spTree>
+      <p:nvGrpSpPr>
+        <p:cNvPr id="1" name=""/>
+        <p:cNvGrpSpPr/>
+        <p:nvPr/>
+      </p:nvGrpSpPr>
+      <p:grpSpPr>
+        <a:xfrm>
+          <a:off x="0" y="0"/>
+          <a:ext cx="0" cy="0"/>
+          <a:chOff x="0" y="0"/>
+          <a:chExt cx="0" cy="0"/>
+        </a:xfrm>
+      </p:grpSpPr>
+      <p:sp>
+        <p:nvSpPr>
+          <p:cNvPr id="2" name="Title 1"/>
+          <p:cNvSpPr>
+            <a:spLocks noGrp="1"/>
+          </p:cNvSpPr>
+          <p:nvPr>
+            <p:ph type="title"/>
+          </p:nvPr>
+        </p:nvSpPr>
+        <p:spPr/>
+        <p:txBody>
+          <a:bodyPr/>
+          <a:lstStyle/>
+          <a:p>
+            <a:r>
+              <a:rPr lang="es-ES_tradnl" dirty="0" err="1" smtClean="0"/>
+              <a:t>Bootstrap</a:t>
+            </a:r>
+            <a:endParaRPr lang="en-US" dirty="0"/>
+          </a:p>
+        </p:txBody>
+      </p:sp>
+      <p:sp>
+        <p:nvSpPr>
+          <p:cNvPr id="3" name="Content Placeholder 2"/>
+          <p:cNvSpPr>
+            <a:spLocks noGrp="1"/>
+          </p:cNvSpPr>
+          <p:nvPr>
+            <p:ph idx="1"/>
+          </p:nvPr>
+        </p:nvSpPr>
+        <p:spPr/>
+        <p:txBody>
+          <a:bodyPr/>
+          <a:lstStyle/>
+          <a:p>
+            <a:r>
+              <a:rPr lang="es-ES_tradnl" dirty="0" err="1" smtClean="0"/>
+              <a:t>Scaffolding</a:t>
+            </a:r>
+            <a:endParaRPr lang="es-ES_tradnl" dirty="0" smtClean="0"/>
+          </a:p>
+          <a:p>
+            <a:pPr lvl="1"/>
+            <a:r>
+              <a:rPr lang="es-ES_tradnl" dirty="0" err="1" smtClean="0"/>
+              <a:t>Grid</a:t>
+            </a:r>
+            <a:r>
+              <a:rPr lang="es-ES_tradnl" dirty="0" smtClean="0"/>
+              <a:t> </a:t>
+            </a:r>
+            <a:r>
+              <a:rPr lang="es-ES_tradnl" dirty="0" err="1" smtClean="0"/>
+              <a:t>system</a:t>
+            </a:r>
+            <a:r>
+              <a:rPr lang="es-ES_tradnl" dirty="0" smtClean="0"/>
+              <a:t>: 12 columnas</a:t>
+            </a:r>
+          </a:p>
+          <a:p>
+            <a:pPr lvl="1"/>
+            <a:r>
+              <a:rPr lang="es-ES_tradnl" dirty="0" err="1" smtClean="0"/>
+              <a:t>Layouts</a:t>
+            </a:r>
+            <a:endParaRPr lang="es-ES_tradnl" dirty="0" smtClean="0"/>
+          </a:p>
+          <a:p>
+            <a:pPr lvl="1"/>
+            <a:r>
+              <a:rPr lang="es-ES_tradnl" dirty="0" err="1" smtClean="0"/>
+              <a:t>Responsive</a:t>
+            </a:r>
+            <a:r>
+              <a:rPr lang="es-ES_tradnl" dirty="0" smtClean="0"/>
+              <a:t> </a:t>
+            </a:r>
+            <a:r>
+              <a:rPr lang="es-ES_tradnl" dirty="0" err="1" smtClean="0"/>
+              <a:t>design</a:t>
+            </a:r>
+            <a:endParaRPr lang="es-ES_tradnl" dirty="0" smtClean="0"/>
+          </a:p>
+          <a:p>
+            <a:r>
+              <a:rPr lang="es-ES_tradnl" dirty="0" smtClean="0"/>
+              <a:t>Base </a:t>
+            </a:r>
+            <a:r>
+              <a:rPr lang="es-ES_tradnl" dirty="0" err="1" smtClean="0"/>
+              <a:t>css</a:t>
+            </a:r>
+            <a:endParaRPr lang="es-ES_tradnl" dirty="0" smtClean="0"/>
+          </a:p>
+          <a:p>
+            <a:pPr lvl="1"/>
+            <a:r>
+              <a:rPr lang="es-ES_tradnl" dirty="0" err="1" smtClean="0"/>
+              <a:t>Tag</a:t>
+            </a:r>
+            <a:r>
+              <a:rPr lang="es-ES_tradnl" dirty="0" smtClean="0"/>
+              <a:t> </a:t>
+            </a:r>
+            <a:r>
+              <a:rPr lang="es-ES_tradnl" dirty="0" err="1"/>
+              <a:t>c</a:t>
+            </a:r>
+            <a:r>
+              <a:rPr lang="es-ES_tradnl" dirty="0" err="1" smtClean="0"/>
+              <a:t>ode</a:t>
+            </a:r>
+            <a:r>
+              <a:rPr lang="es-ES_tradnl" dirty="0" smtClean="0"/>
+              <a:t>, Tablas, </a:t>
+            </a:r>
+            <a:r>
+              <a:rPr lang="es-ES_tradnl" dirty="0" err="1" smtClean="0"/>
+              <a:t>forms</a:t>
+            </a:r>
+            <a:r>
+              <a:rPr lang="es-ES_tradnl" dirty="0" smtClean="0"/>
+              <a:t>, botones, imágenes e iconos</a:t>
+            </a:r>
+          </a:p>
+          <a:p>
+            <a:r>
+              <a:rPr lang="es-ES_tradnl" dirty="0" smtClean="0"/>
+              <a:t>Componentes</a:t>
+            </a:r>
+          </a:p>
+          <a:p>
+            <a:pPr lvl="1"/>
+            <a:r>
+              <a:rPr lang="es-ES_tradnl" dirty="0" smtClean="0"/>
+              <a:t>Grupos de botones, </a:t>
+            </a:r>
+            <a:r>
+              <a:rPr lang="es-ES_tradnl" dirty="0" err="1" smtClean="0"/>
+              <a:t>tabs</a:t>
+            </a:r>
+            <a:r>
+              <a:rPr lang="es-ES_tradnl" dirty="0" smtClean="0"/>
+              <a:t>, </a:t>
+            </a:r>
+            <a:r>
+              <a:rPr lang="es-ES_tradnl" dirty="0" err="1" smtClean="0"/>
+              <a:t>nav</a:t>
+            </a:r>
+            <a:r>
+              <a:rPr lang="es-ES_tradnl" dirty="0" smtClean="0"/>
+              <a:t> bar, </a:t>
+            </a:r>
+            <a:r>
+              <a:rPr lang="es-ES_tradnl" dirty="0" err="1" smtClean="0"/>
+              <a:t>dropdowns</a:t>
+            </a:r>
+            <a:r>
+              <a:rPr lang="es-ES_tradnl" dirty="0" smtClean="0"/>
+              <a:t>, </a:t>
+            </a:r>
+            <a:r>
+              <a:rPr lang="es-ES_tradnl" dirty="0" err="1" smtClean="0"/>
+              <a:t>alerts</a:t>
+            </a:r>
+            <a:r>
+              <a:rPr lang="es-ES_tradnl" dirty="0" smtClean="0"/>
+              <a:t>, </a:t>
+            </a:r>
+            <a:r>
+              <a:rPr lang="es-ES_tradnl" dirty="0" err="1" smtClean="0"/>
+              <a:t>progress</a:t>
+            </a:r>
+            <a:r>
+              <a:rPr lang="es-ES_tradnl" dirty="0" smtClean="0"/>
+              <a:t> bar, paginación, etc.</a:t>
+            </a:r>
+          </a:p>
+          <a:p>
+            <a:endParaRPr lang="en-US" dirty="0"/>
+          </a:p>
+        </p:txBody>
+      </p:sp>
+    </p:spTree>
+    <p:extLst>
+      <p:ext uri="{BB962C8B-B14F-4D97-AF65-F5344CB8AC3E}">
+        <p14:creationId xmlns:p14="http://schemas.microsoft.com/office/powerpoint/2010/main" val="1813128353"/>
+      </p:ext>
+    </p:extLst>
+  </p:cSld>
+  <p:clrMapOvr>
+    <a:masterClrMapping/>
+  </p:clrMapOvr>
+</p:sld>
+</file>
+
+<file path=ppt/slides/slide36.xml><?xml version="1.0" encoding="utf-8"?>
+<p:sld xmlns:a="http://schemas.openxmlformats.org/drawingml/2006/main" xmlns:r="http://schemas.openxmlformats.org/officeDocument/2006/relationships" xmlns:p="http://schemas.openxmlformats.org/presentationml/2006/main">
+  <p:cSld>
+    <p:spTree>
+      <p:nvGrpSpPr>
+        <p:cNvPr id="1" name=""/>
+        <p:cNvGrpSpPr/>
+        <p:nvPr/>
+      </p:nvGrpSpPr>
+      <p:grpSpPr>
+        <a:xfrm>
+          <a:off x="0" y="0"/>
+          <a:ext cx="0" cy="0"/>
+          <a:chOff x="0" y="0"/>
+          <a:chExt cx="0" cy="0"/>
+        </a:xfrm>
+      </p:grpSpPr>
+      <p:sp>
+        <p:nvSpPr>
+          <p:cNvPr id="2" name="Title 1"/>
+          <p:cNvSpPr>
+            <a:spLocks noGrp="1"/>
+          </p:cNvSpPr>
+          <p:nvPr>
+            <p:ph type="title"/>
+          </p:nvPr>
+        </p:nvSpPr>
+        <p:spPr/>
+        <p:txBody>
+          <a:bodyPr/>
+          <a:lstStyle/>
+          <a:p>
+            <a:r>
+              <a:rPr lang="es-ES_tradnl" dirty="0" smtClean="0"/>
+              <a:t>Demo </a:t>
+            </a:r>
+            <a:r>
+              <a:rPr lang="es-ES_tradnl" dirty="0" err="1" smtClean="0"/>
+              <a:t>Bootstrap</a:t>
+            </a:r>
+            <a:endParaRPr lang="en-US" dirty="0"/>
+          </a:p>
+        </p:txBody>
+      </p:sp>
+    </p:spTree>
+    <p:extLst>
+      <p:ext uri="{BB962C8B-B14F-4D97-AF65-F5344CB8AC3E}">
+        <p14:creationId xmlns:p14="http://schemas.microsoft.com/office/powerpoint/2010/main" val="442459297"/>
+      </p:ext>
+    </p:extLst>
+  </p:cSld>
+  <p:clrMapOvr>
+    <a:masterClrMapping/>
+  </p:clrMapOvr>
+</p:sld>
+</file>
+
+<file path=ppt/slides/slide37.xml><?xml version="1.0" encoding="utf-8"?>
+<p:sld xmlns:a="http://schemas.openxmlformats.org/drawingml/2006/main" xmlns:r="http://schemas.openxmlformats.org/officeDocument/2006/relationships" xmlns:p="http://schemas.openxmlformats.org/presentationml/2006/main">
+  <p:cSld>
+    <p:spTree>
+      <p:nvGrpSpPr>
+        <p:cNvPr id="1" name=""/>
+        <p:cNvGrpSpPr/>
+        <p:nvPr/>
+      </p:nvGrpSpPr>
+      <p:grpSpPr>
+        <a:xfrm>
+          <a:off x="0" y="0"/>
+          <a:ext cx="0" cy="0"/>
+          <a:chOff x="0" y="0"/>
+          <a:chExt cx="0" cy="0"/>
+        </a:xfrm>
+      </p:grpSpPr>
+      <p:sp>
+        <p:nvSpPr>
+          <p:cNvPr id="2" name="Title 1"/>
+          <p:cNvSpPr>
+            <a:spLocks noGrp="1"/>
+          </p:cNvSpPr>
+          <p:nvPr>
+            <p:ph type="title"/>
+          </p:nvPr>
+        </p:nvSpPr>
+        <p:spPr/>
+        <p:txBody>
+          <a:bodyPr/>
+          <a:lstStyle/>
+          <a:p>
+            <a:r>
+              <a:rPr lang="es-ES_tradnl" dirty="0" smtClean="0"/>
+              <a:t>Preprocesadores CSS</a:t>
+            </a:r>
+            <a:endParaRPr lang="en-US" dirty="0"/>
+          </a:p>
+        </p:txBody>
+      </p:sp>
+      <p:sp>
+        <p:nvSpPr>
+          <p:cNvPr id="3" name="Content Placeholder 2"/>
+          <p:cNvSpPr>
+            <a:spLocks noGrp="1"/>
+          </p:cNvSpPr>
+          <p:nvPr>
+            <p:ph idx="1"/>
+          </p:nvPr>
+        </p:nvSpPr>
+        <p:spPr/>
+        <p:txBody>
+          <a:bodyPr/>
+          <a:lstStyle/>
+          <a:p>
+            <a:r>
+              <a:rPr lang="es-ES_tradnl" dirty="0" err="1" smtClean="0"/>
+              <a:t>Less</a:t>
+            </a:r>
+            <a:r>
+              <a:rPr lang="es-ES_tradnl" dirty="0" smtClean="0"/>
+              <a:t> (</a:t>
+            </a:r>
+            <a:r>
+              <a:rPr lang="en-US" dirty="0">
+                <a:hlinkClick r:id="rId2"/>
+              </a:rPr>
+              <a:t>http://lesscss.org/</a:t>
+            </a:r>
+            <a:r>
+              <a:rPr lang="es-ES_tradnl" dirty="0" smtClean="0"/>
+              <a:t>)</a:t>
+            </a:r>
+          </a:p>
+          <a:p>
+            <a:r>
+              <a:rPr lang="es-ES_tradnl" dirty="0" err="1" smtClean="0"/>
+              <a:t>Sass</a:t>
+            </a:r>
+            <a:r>
+              <a:rPr lang="es-ES_tradnl" dirty="0" smtClean="0"/>
+              <a:t> (</a:t>
+            </a:r>
+            <a:r>
+              <a:rPr lang="en-US" dirty="0">
+                <a:hlinkClick r:id="rId3"/>
+              </a:rPr>
+              <a:t>http://sass-lang.com/</a:t>
+            </a:r>
+            <a:r>
+              <a:rPr lang="es-ES_tradnl" dirty="0" smtClean="0"/>
+              <a:t>)</a:t>
+            </a:r>
+          </a:p>
+          <a:p>
+            <a:r>
+              <a:rPr lang="es-ES_tradnl" dirty="0" err="1" smtClean="0"/>
+              <a:t>Compass</a:t>
+            </a:r>
+            <a:r>
+              <a:rPr lang="es-ES_tradnl" dirty="0" smtClean="0"/>
+              <a:t> (</a:t>
+            </a:r>
+            <a:r>
+              <a:rPr lang="en-US" dirty="0">
+                <a:hlinkClick r:id="rId4"/>
+              </a:rPr>
+              <a:t>http://compass-style.org/</a:t>
+            </a:r>
+            <a:r>
+              <a:rPr lang="es-ES_tradnl" dirty="0" smtClean="0"/>
+              <a:t>)</a:t>
+            </a:r>
+            <a:endParaRPr lang="en-US" dirty="0"/>
+          </a:p>
+        </p:txBody>
+      </p:sp>
+    </p:spTree>
+    <p:extLst>
+      <p:ext uri="{BB962C8B-B14F-4D97-AF65-F5344CB8AC3E}">
+        <p14:creationId xmlns:p14="http://schemas.microsoft.com/office/powerpoint/2010/main" val="1699156958"/>
+      </p:ext>
+    </p:extLst>
+  </p:cSld>
+  <p:clrMapOvr>
+    <a:masterClrMapping/>
+  </p:clrMapOvr>
+</p:sld>
+</file>
+
+<file path=ppt/slides/slide38.xml><?xml version="1.0" encoding="utf-8"?>
+<p:sld xmlns:a="http://schemas.openxmlformats.org/drawingml/2006/main" xmlns:r="http://schemas.openxmlformats.org/officeDocument/2006/relationships" xmlns:p="http://schemas.openxmlformats.org/presentationml/2006/main">
+  <p:cSld>
+    <p:spTree>
+      <p:nvGrpSpPr>
+        <p:cNvPr id="1" name=""/>
+        <p:cNvGrpSpPr/>
+        <p:nvPr/>
+      </p:nvGrpSpPr>
+      <p:grpSpPr>
+        <a:xfrm>
+          <a:off x="0" y="0"/>
+          <a:ext cx="0" cy="0"/>
+          <a:chOff x="0" y="0"/>
+          <a:chExt cx="0" cy="0"/>
+        </a:xfrm>
+      </p:grpSpPr>
+      <p:sp>
+        <p:nvSpPr>
+          <p:cNvPr id="2" name="Title 1"/>
+          <p:cNvSpPr>
+            <a:spLocks noGrp="1"/>
+          </p:cNvSpPr>
+          <p:nvPr>
+            <p:ph type="title"/>
+          </p:nvPr>
+        </p:nvSpPr>
+        <p:spPr/>
+        <p:txBody>
+          <a:bodyPr/>
+          <a:lstStyle/>
+          <a:p>
+            <a:r>
+              <a:rPr lang="es-ES_tradnl" dirty="0" smtClean="0"/>
+              <a:t>Recursos</a:t>
+            </a:r>
+            <a:endParaRPr lang="en-US" dirty="0"/>
+          </a:p>
+        </p:txBody>
+      </p:sp>
+      <p:sp>
+        <p:nvSpPr>
+          <p:cNvPr id="3" name="Content Placeholder 2"/>
+          <p:cNvSpPr>
+            <a:spLocks noGrp="1"/>
+          </p:cNvSpPr>
+          <p:nvPr>
+            <p:ph idx="1"/>
+          </p:nvPr>
+        </p:nvSpPr>
+        <p:spPr/>
+        <p:txBody>
+          <a:bodyPr/>
+          <a:lstStyle/>
+          <a:p>
+            <a:r>
+              <a:rPr lang="es-ES_tradnl" dirty="0">
+                <a:hlinkClick r:id="rId2"/>
+              </a:rPr>
+              <a:t>https://</a:t>
+            </a:r>
+            <a:r>
+              <a:rPr lang="es-ES_tradnl" dirty="0" smtClean="0">
+                <a:hlinkClick r:id="rId2"/>
+              </a:rPr>
+              <a:t>developer.mozilla.org/en-US/docs/Web/HTML</a:t>
+            </a:r>
+            <a:endParaRPr lang="es-ES_tradnl" dirty="0" smtClean="0"/>
+          </a:p>
+          <a:p>
+            <a:r>
+              <a:rPr lang="en-US" dirty="0" smtClean="0">
+                <a:hlinkClick r:id="rId3"/>
+              </a:rPr>
+              <a:t>https</a:t>
+            </a:r>
+            <a:r>
+              <a:rPr lang="en-US" dirty="0">
+                <a:hlinkClick r:id="rId3"/>
+              </a:rPr>
+              <a:t>://developer.mozilla.org/en-US/docs/Web/CSS</a:t>
+            </a:r>
+            <a:endParaRPr lang="es-ES_tradnl" dirty="0" smtClean="0"/>
+          </a:p>
+          <a:p>
+            <a:r>
+              <a:rPr lang="en-US" dirty="0">
+                <a:hlinkClick r:id="rId4"/>
+              </a:rPr>
+              <a:t>http://www.w3.org</a:t>
+            </a:r>
+            <a:r>
+              <a:rPr lang="en-US" dirty="0" smtClean="0">
+                <a:hlinkClick r:id="rId4"/>
+              </a:rPr>
+              <a:t>/</a:t>
+            </a:r>
+            <a:endParaRPr lang="en-US" dirty="0" smtClean="0"/>
+          </a:p>
+          <a:p>
+            <a:r>
+              <a:rPr lang="en-US" dirty="0">
+                <a:hlinkClick r:id="rId5"/>
+              </a:rPr>
+              <a:t>http://validator.w3.org/</a:t>
+            </a:r>
+            <a:endParaRPr lang="en-US" dirty="0" smtClean="0"/>
+          </a:p>
+          <a:p>
+            <a:r>
+              <a:rPr lang="en-US" dirty="0">
+                <a:hlinkClick r:id="rId6"/>
+              </a:rPr>
+              <a:t>http://</a:t>
+            </a:r>
+            <a:r>
+              <a:rPr lang="en-US" dirty="0" smtClean="0">
+                <a:hlinkClick r:id="rId6"/>
+              </a:rPr>
+              <a:t>www.codecademy.com/tracks/web</a:t>
+            </a:r>
+            <a:endParaRPr lang="en-US" dirty="0" smtClean="0"/>
+          </a:p>
+          <a:p>
+            <a:r>
+              <a:rPr lang="en-US" dirty="0">
+                <a:hlinkClick r:id="rId7"/>
+              </a:rPr>
+              <a:t>http://www.w3schools.com/</a:t>
+            </a:r>
+            <a:endParaRPr lang="es-ES_tradnl" dirty="0" smtClean="0"/>
+          </a:p>
+        </p:txBody>
+      </p:sp>
+    </p:spTree>
+    <p:extLst>
+      <p:ext uri="{BB962C8B-B14F-4D97-AF65-F5344CB8AC3E}">
+        <p14:creationId xmlns:p14="http://schemas.microsoft.com/office/powerpoint/2010/main" val="1310797858"/>
       </p:ext>
     </p:extLst>
   </p:cSld>
@@ -9293,8 +12275,12 @@
           <a:lstStyle/>
           <a:p>
             <a:r>
-              <a:rPr lang="es-ES_tradnl" dirty="0" smtClean="0"/>
-              <a:t>Estructura básica</a:t>
+              <a:rPr lang="es-ES_tradnl" dirty="0" err="1" smtClean="0"/>
+              <a:t>Class</a:t>
+            </a:r>
+            <a:r>
+              <a:rPr lang="es-ES_tradnl" dirty="0" smtClean="0"/>
+              <a:t> vs Id</a:t>
             </a:r>
             <a:endParaRPr lang="en-US" dirty="0"/>
           </a:p>
@@ -9312,173 +12298,52 @@
         </p:nvSpPr>
         <p:spPr/>
         <p:txBody>
-          <a:bodyPr/>
-          <a:lstStyle/>
-          <a:p>
-            <a:pPr marL="0" indent="0">
-              <a:buNone/>
-            </a:pPr>
-            <a:r>
-              <a:rPr lang="es-ES_tradnl" dirty="0" smtClean="0"/>
-              <a:t>&lt;</a:t>
-            </a:r>
-            <a:r>
-              <a:rPr lang="es-ES_tradnl" dirty="0" err="1" smtClean="0"/>
-              <a:t>html</a:t>
-            </a:r>
-            <a:r>
-              <a:rPr lang="es-ES_tradnl" dirty="0" smtClean="0"/>
-              <a:t>&gt;</a:t>
+          <a:bodyPr>
+            <a:normAutofit/>
+          </a:bodyPr>
+          <a:lstStyle/>
+          <a:p>
+            <a:r>
+              <a:rPr lang="es-ES_tradnl" sz="3600" dirty="0" err="1" smtClean="0"/>
+              <a:t>Class</a:t>
+            </a:r>
+            <a:r>
+              <a:rPr lang="es-ES_tradnl" sz="3600" dirty="0" smtClean="0"/>
+              <a:t> == muchas veces</a:t>
+            </a:r>
+          </a:p>
+          <a:p>
+            <a:pPr lvl="1"/>
+            <a:r>
+              <a:rPr lang="es-ES_tradnl" sz="3200" dirty="0" smtClean="0"/>
+              <a:t>Reutilización</a:t>
             </a:r>
           </a:p>
           <a:p>
             <a:pPr marL="457200" lvl="1" indent="0">
               <a:buNone/>
             </a:pPr>
-            <a:r>
-              <a:rPr lang="es-ES_tradnl" dirty="0" smtClean="0">
-                <a:solidFill>
-                  <a:srgbClr val="00B050"/>
-                </a:solidFill>
-              </a:rPr>
-              <a:t>&lt;head&gt;</a:t>
-            </a:r>
-          </a:p>
-          <a:p>
-            <a:pPr marL="457200" lvl="1" indent="0">
-              <a:buNone/>
-            </a:pPr>
-            <a:r>
-              <a:rPr lang="es-ES_tradnl" dirty="0" smtClean="0">
-                <a:solidFill>
-                  <a:srgbClr val="00B050"/>
-                </a:solidFill>
-              </a:rPr>
-              <a:t>…</a:t>
-            </a:r>
-          </a:p>
-          <a:p>
-            <a:pPr marL="457200" lvl="1" indent="0">
-              <a:buNone/>
-            </a:pPr>
-            <a:r>
-              <a:rPr lang="es-ES_tradnl" dirty="0" smtClean="0">
-                <a:solidFill>
-                  <a:srgbClr val="00B050"/>
-                </a:solidFill>
-              </a:rPr>
-              <a:t>&lt;/head&gt;</a:t>
-            </a:r>
-          </a:p>
-          <a:p>
-            <a:pPr marL="457200" lvl="1" indent="0">
-              <a:buNone/>
-            </a:pPr>
-            <a:r>
-              <a:rPr lang="es-ES_tradnl" dirty="0" smtClean="0">
-                <a:solidFill>
-                  <a:schemeClr val="accent2">
-                    <a:lumMod val="75000"/>
-                  </a:schemeClr>
-                </a:solidFill>
-              </a:rPr>
-              <a:t>&lt;</a:t>
-            </a:r>
-            <a:r>
-              <a:rPr lang="es-ES_tradnl" dirty="0" err="1" smtClean="0">
-                <a:solidFill>
-                  <a:schemeClr val="accent2">
-                    <a:lumMod val="75000"/>
-                  </a:schemeClr>
-                </a:solidFill>
-              </a:rPr>
-              <a:t>body</a:t>
-            </a:r>
-            <a:r>
-              <a:rPr lang="es-ES_tradnl" dirty="0" smtClean="0">
-                <a:solidFill>
-                  <a:schemeClr val="accent2">
-                    <a:lumMod val="75000"/>
-                  </a:schemeClr>
-                </a:solidFill>
-              </a:rPr>
-              <a:t>&gt;</a:t>
-            </a:r>
-          </a:p>
-          <a:p>
-            <a:pPr marL="457200" lvl="1" indent="0">
-              <a:buNone/>
-            </a:pPr>
-            <a:r>
-              <a:rPr lang="es-ES_tradnl" dirty="0" smtClean="0">
-                <a:solidFill>
-                  <a:schemeClr val="accent2">
-                    <a:lumMod val="75000"/>
-                  </a:schemeClr>
-                </a:solidFill>
-              </a:rPr>
-              <a:t>…</a:t>
-            </a:r>
-          </a:p>
-          <a:p>
-            <a:pPr marL="457200" lvl="1" indent="0">
-              <a:buNone/>
-            </a:pPr>
-            <a:r>
-              <a:rPr lang="es-ES_tradnl" dirty="0" smtClean="0">
-                <a:solidFill>
-                  <a:schemeClr val="accent2">
-                    <a:lumMod val="75000"/>
-                  </a:schemeClr>
-                </a:solidFill>
-              </a:rPr>
-              <a:t>&lt;/</a:t>
-            </a:r>
-            <a:r>
-              <a:rPr lang="es-ES_tradnl" dirty="0" err="1" smtClean="0">
-                <a:solidFill>
-                  <a:schemeClr val="accent2">
-                    <a:lumMod val="75000"/>
-                  </a:schemeClr>
-                </a:solidFill>
-              </a:rPr>
-              <a:t>body</a:t>
-            </a:r>
-            <a:r>
-              <a:rPr lang="es-ES_tradnl" dirty="0" smtClean="0">
-                <a:solidFill>
-                  <a:schemeClr val="accent2">
-                    <a:lumMod val="75000"/>
-                  </a:schemeClr>
-                </a:solidFill>
-              </a:rPr>
-              <a:t>&gt;</a:t>
-            </a:r>
-          </a:p>
-          <a:p>
-            <a:pPr marL="0" indent="0">
-              <a:buNone/>
-            </a:pPr>
-            <a:r>
-              <a:rPr lang="es-ES_tradnl" dirty="0" smtClean="0"/>
-              <a:t>&lt;/</a:t>
-            </a:r>
-            <a:r>
-              <a:rPr lang="es-ES_tradnl" dirty="0" err="1" smtClean="0"/>
-              <a:t>html</a:t>
-            </a:r>
-            <a:r>
-              <a:rPr lang="es-ES_tradnl" dirty="0" smtClean="0"/>
-              <a:t>&gt;</a:t>
-            </a:r>
-            <a:endParaRPr lang="en-US" dirty="0"/>
+            <a:endParaRPr lang="es-ES_tradnl" sz="3200" dirty="0" smtClean="0"/>
+          </a:p>
+          <a:p>
+            <a:r>
+              <a:rPr lang="es-ES_tradnl" sz="3600" dirty="0" smtClean="0"/>
+              <a:t>Id == solo una vez</a:t>
+            </a:r>
+          </a:p>
+          <a:p>
+            <a:pPr lvl="1"/>
+            <a:r>
+              <a:rPr lang="es-ES_tradnl" sz="3200" dirty="0" smtClean="0"/>
+              <a:t>Diferenciación</a:t>
+            </a:r>
           </a:p>
         </p:txBody>
       </p:sp>
     </p:spTree>
     <p:extLst>
       <p:ext uri="{BB962C8B-B14F-4D97-AF65-F5344CB8AC3E}">
-        <p14:creationId xmlns:p14="http://schemas.microsoft.com/office/powerpoint/2010/main" val="2347869269"/>
+        <p14:creationId xmlns:p14="http://schemas.microsoft.com/office/powerpoint/2010/main" val="1580177591"/>
       </p:ext>
     </p:extLst>
   </p:cSld>
@@ -9521,284 +12386,192 @@
           <a:lstStyle/>
           <a:p>
             <a:r>
-              <a:rPr lang="es-ES_tradnl" dirty="0"/>
-              <a:t>Block vs </a:t>
+              <a:rPr lang="es-ES_tradnl" dirty="0" smtClean="0"/>
+              <a:t>Estructura básica</a:t>
+            </a:r>
+            <a:endParaRPr lang="en-US" dirty="0"/>
+          </a:p>
+        </p:txBody>
+      </p:sp>
+      <p:sp>
+        <p:nvSpPr>
+          <p:cNvPr id="3" name="Content Placeholder 2"/>
+          <p:cNvSpPr>
+            <a:spLocks noGrp="1"/>
+          </p:cNvSpPr>
+          <p:nvPr>
+            <p:ph idx="1"/>
+          </p:nvPr>
+        </p:nvSpPr>
+        <p:spPr/>
+        <p:txBody>
+          <a:bodyPr/>
+          <a:lstStyle/>
+          <a:p>
+            <a:pPr marL="0" indent="0">
+              <a:buNone/>
+            </a:pPr>
+            <a:r>
+              <a:rPr lang="es-ES_tradnl" dirty="0" smtClean="0"/>
+              <a:t>&lt;</a:t>
             </a:r>
             <a:r>
               <a:rPr lang="es-ES_tradnl" dirty="0" err="1" smtClean="0"/>
-              <a:t>inline</a:t>
+              <a:t>html</a:t>
+            </a:r>
+            <a:r>
+              <a:rPr lang="es-ES_tradnl" dirty="0" smtClean="0"/>
+              <a:t>&gt;</a:t>
+            </a:r>
+          </a:p>
+          <a:p>
+            <a:pPr marL="457200" lvl="1" indent="0">
+              <a:buNone/>
+            </a:pPr>
+            <a:r>
+              <a:rPr lang="es-ES_tradnl" dirty="0" smtClean="0">
+                <a:solidFill>
+                  <a:srgbClr val="00B050"/>
+                </a:solidFill>
+              </a:rPr>
+              <a:t>&lt;head&gt;</a:t>
+            </a:r>
+          </a:p>
+          <a:p>
+            <a:pPr marL="457200" lvl="1" indent="0">
+              <a:buNone/>
+            </a:pPr>
+            <a:r>
+              <a:rPr lang="es-ES_tradnl" dirty="0" smtClean="0">
+                <a:solidFill>
+                  <a:srgbClr val="00B050"/>
+                </a:solidFill>
+              </a:rPr>
+              <a:t>…</a:t>
+            </a:r>
+          </a:p>
+          <a:p>
+            <a:pPr marL="457200" lvl="1" indent="0">
+              <a:buNone/>
+            </a:pPr>
+            <a:r>
+              <a:rPr lang="es-ES_tradnl" dirty="0" smtClean="0">
+                <a:solidFill>
+                  <a:srgbClr val="00B050"/>
+                </a:solidFill>
+              </a:rPr>
+              <a:t>&lt;/head&gt;</a:t>
+            </a:r>
+          </a:p>
+          <a:p>
+            <a:pPr marL="457200" lvl="1" indent="0">
+              <a:buNone/>
+            </a:pPr>
+            <a:r>
+              <a:rPr lang="es-ES_tradnl" dirty="0" smtClean="0">
+                <a:solidFill>
+                  <a:schemeClr val="accent2">
+                    <a:lumMod val="75000"/>
+                  </a:schemeClr>
+                </a:solidFill>
+              </a:rPr>
+              <a:t>&lt;</a:t>
+            </a:r>
+            <a:r>
+              <a:rPr lang="es-ES_tradnl" dirty="0" err="1" smtClean="0">
+                <a:solidFill>
+                  <a:schemeClr val="accent2">
+                    <a:lumMod val="75000"/>
+                  </a:schemeClr>
+                </a:solidFill>
+              </a:rPr>
+              <a:t>body</a:t>
+            </a:r>
+            <a:r>
+              <a:rPr lang="es-ES_tradnl" dirty="0" smtClean="0">
+                <a:solidFill>
+                  <a:schemeClr val="accent2">
+                    <a:lumMod val="75000"/>
+                  </a:schemeClr>
+                </a:solidFill>
+              </a:rPr>
+              <a:t>&gt;</a:t>
+            </a:r>
+          </a:p>
+          <a:p>
+            <a:pPr marL="457200" lvl="1" indent="0">
+              <a:buNone/>
+            </a:pPr>
+            <a:r>
+              <a:rPr lang="es-ES_tradnl" dirty="0" smtClean="0">
+                <a:solidFill>
+                  <a:schemeClr val="accent2">
+                    <a:lumMod val="75000"/>
+                  </a:schemeClr>
+                </a:solidFill>
+              </a:rPr>
+              <a:t>…</a:t>
+            </a:r>
+          </a:p>
+          <a:p>
+            <a:pPr marL="457200" lvl="1" indent="0">
+              <a:buNone/>
+            </a:pPr>
+            <a:r>
+              <a:rPr lang="es-ES_tradnl" dirty="0" smtClean="0">
+                <a:solidFill>
+                  <a:schemeClr val="accent2">
+                    <a:lumMod val="75000"/>
+                  </a:schemeClr>
+                </a:solidFill>
+              </a:rPr>
+              <a:t>&lt;/</a:t>
+            </a:r>
+            <a:r>
+              <a:rPr lang="es-ES_tradnl" dirty="0" err="1" smtClean="0">
+                <a:solidFill>
+                  <a:schemeClr val="accent2">
+                    <a:lumMod val="75000"/>
+                  </a:schemeClr>
+                </a:solidFill>
+              </a:rPr>
+              <a:t>body</a:t>
+            </a:r>
+            <a:r>
+              <a:rPr lang="es-ES_tradnl" dirty="0" smtClean="0">
+                <a:solidFill>
+                  <a:schemeClr val="accent2">
+                    <a:lumMod val="75000"/>
+                  </a:schemeClr>
+                </a:solidFill>
+              </a:rPr>
+              <a:t>&gt;</a:t>
+            </a:r>
+          </a:p>
+          <a:p>
+            <a:pPr marL="0" indent="0">
+              <a:buNone/>
+            </a:pPr>
+            <a:r>
+              <a:rPr lang="es-ES_tradnl" dirty="0" smtClean="0"/>
+              <a:t>&lt;/</a:t>
+            </a:r>
+            <a:r>
+              <a:rPr lang="es-ES_tradnl" dirty="0" err="1" smtClean="0"/>
+              <a:t>html</a:t>
+            </a:r>
+            <a:r>
+              <a:rPr lang="es-ES_tradnl" dirty="0" smtClean="0"/>
+              <a:t>&gt;</a:t>
             </a:r>
             <a:endParaRPr lang="en-US" dirty="0"/>
           </a:p>
         </p:txBody>
       </p:sp>
-      <p:grpSp>
-        <p:nvGrpSpPr>
-          <p:cNvPr id="14" name="Group 13"/>
-          <p:cNvGrpSpPr/>
-          <p:nvPr/>
-        </p:nvGrpSpPr>
-        <p:grpSpPr>
-          <a:xfrm>
-            <a:off x="1823047" y="2644131"/>
-            <a:ext cx="8545906" cy="2674638"/>
-            <a:chOff x="2233883" y="2702225"/>
-            <a:chExt cx="8545906" cy="2674638"/>
-          </a:xfrm>
-        </p:grpSpPr>
-        <p:grpSp>
-          <p:nvGrpSpPr>
-            <p:cNvPr id="12" name="Group 11"/>
-            <p:cNvGrpSpPr/>
-            <p:nvPr/>
-          </p:nvGrpSpPr>
-          <p:grpSpPr>
-            <a:xfrm>
-              <a:off x="2233883" y="2961019"/>
-              <a:ext cx="1897812" cy="1828800"/>
-              <a:chOff x="2398145" y="3657601"/>
-              <a:chExt cx="1897812" cy="1828800"/>
-            </a:xfrm>
-          </p:grpSpPr>
-          <p:sp>
-            <p:nvSpPr>
-              <p:cNvPr id="4" name="Rectangle 3"/>
-              <p:cNvSpPr/>
-              <p:nvPr/>
-            </p:nvSpPr>
-            <p:spPr>
-              <a:xfrm>
-                <a:off x="2398146" y="3657601"/>
-                <a:ext cx="1897811" cy="914400"/>
-              </a:xfrm>
-              <a:prstGeom prst="rect">
-                <a:avLst/>
-              </a:prstGeom>
-            </p:spPr>
-            <p:style>
-              <a:lnRef idx="2">
-                <a:schemeClr val="accent1">
-                  <a:shade val="50000"/>
-                </a:schemeClr>
-              </a:lnRef>
-              <a:fillRef idx="1">
-                <a:schemeClr val="accent1"/>
-              </a:fillRef>
-              <a:effectRef idx="0">
-                <a:schemeClr val="accent1"/>
-              </a:effectRef>
-              <a:fontRef idx="minor">
-                <a:schemeClr val="lt1"/>
-              </a:fontRef>
-            </p:style>
-            <p:txBody>
-              <a:bodyPr rtlCol="0" anchor="ctr"/>
-              <a:lstStyle/>
-              <a:p>
-                <a:pPr algn="ctr"/>
-                <a:r>
-                  <a:rPr lang="es-ES_tradnl" sz="3200" dirty="0"/>
-                  <a:t>b</a:t>
-                </a:r>
-                <a:r>
-                  <a:rPr lang="es-ES_tradnl" sz="3200" dirty="0" smtClean="0"/>
-                  <a:t>lock</a:t>
-                </a:r>
-                <a:endParaRPr lang="en-US" sz="3200" dirty="0"/>
-              </a:p>
-            </p:txBody>
-          </p:sp>
-          <p:sp>
-            <p:nvSpPr>
-              <p:cNvPr id="5" name="Rectangle 4"/>
-              <p:cNvSpPr/>
-              <p:nvPr/>
-            </p:nvSpPr>
-            <p:spPr>
-              <a:xfrm>
-                <a:off x="2398145" y="4572001"/>
-                <a:ext cx="1897811" cy="914400"/>
-              </a:xfrm>
-              <a:prstGeom prst="rect">
-                <a:avLst/>
-              </a:prstGeom>
-            </p:spPr>
-            <p:style>
-              <a:lnRef idx="2">
-                <a:schemeClr val="accent1">
-                  <a:shade val="50000"/>
-                </a:schemeClr>
-              </a:lnRef>
-              <a:fillRef idx="1">
-                <a:schemeClr val="accent1"/>
-              </a:fillRef>
-              <a:effectRef idx="0">
-                <a:schemeClr val="accent1"/>
-              </a:effectRef>
-              <a:fontRef idx="minor">
-                <a:schemeClr val="lt1"/>
-              </a:fontRef>
-            </p:style>
-            <p:txBody>
-              <a:bodyPr rtlCol="0" anchor="ctr"/>
-              <a:lstStyle/>
-              <a:p>
-                <a:pPr algn="ctr"/>
-                <a:r>
-                  <a:rPr lang="es-ES_tradnl" sz="3200" dirty="0" smtClean="0"/>
-                  <a:t>block</a:t>
-                </a:r>
-                <a:endParaRPr lang="en-US" sz="3200" dirty="0"/>
-              </a:p>
-            </p:txBody>
-          </p:sp>
-        </p:grpSp>
-        <p:grpSp>
-          <p:nvGrpSpPr>
-            <p:cNvPr id="11" name="Group 10"/>
-            <p:cNvGrpSpPr/>
-            <p:nvPr/>
-          </p:nvGrpSpPr>
-          <p:grpSpPr>
-            <a:xfrm>
-              <a:off x="6984167" y="3339218"/>
-              <a:ext cx="3795622" cy="914400"/>
-              <a:chOff x="6648094" y="3725246"/>
-              <a:chExt cx="3795622" cy="914400"/>
-            </a:xfrm>
-          </p:grpSpPr>
-          <p:sp>
-            <p:nvSpPr>
-              <p:cNvPr id="6" name="Rectangle 5"/>
-              <p:cNvSpPr/>
-              <p:nvPr/>
-            </p:nvSpPr>
-            <p:spPr>
-              <a:xfrm>
-                <a:off x="6648094" y="3725246"/>
-                <a:ext cx="1897811" cy="914400"/>
-              </a:xfrm>
-              <a:prstGeom prst="rect">
-                <a:avLst/>
-              </a:prstGeom>
-            </p:spPr>
-            <p:style>
-              <a:lnRef idx="2">
-                <a:schemeClr val="accent1">
-                  <a:shade val="50000"/>
-                </a:schemeClr>
-              </a:lnRef>
-              <a:fillRef idx="1">
-                <a:schemeClr val="accent1"/>
-              </a:fillRef>
-              <a:effectRef idx="0">
-                <a:schemeClr val="accent1"/>
-              </a:effectRef>
-              <a:fontRef idx="minor">
-                <a:schemeClr val="lt1"/>
-              </a:fontRef>
-            </p:style>
-            <p:txBody>
-              <a:bodyPr rtlCol="0" anchor="ctr"/>
-              <a:lstStyle/>
-              <a:p>
-                <a:pPr algn="ctr"/>
-                <a:r>
-                  <a:rPr lang="es-ES_tradnl" sz="3200" dirty="0" err="1" smtClean="0"/>
-                  <a:t>inline</a:t>
-                </a:r>
-                <a:endParaRPr lang="en-US" sz="3200" dirty="0"/>
-              </a:p>
-            </p:txBody>
-          </p:sp>
-          <p:sp>
-            <p:nvSpPr>
-              <p:cNvPr id="7" name="Rectangle 6"/>
-              <p:cNvSpPr/>
-              <p:nvPr/>
-            </p:nvSpPr>
-            <p:spPr>
-              <a:xfrm>
-                <a:off x="8545905" y="3725246"/>
-                <a:ext cx="1897811" cy="914400"/>
-              </a:xfrm>
-              <a:prstGeom prst="rect">
-                <a:avLst/>
-              </a:prstGeom>
-            </p:spPr>
-            <p:style>
-              <a:lnRef idx="2">
-                <a:schemeClr val="accent1">
-                  <a:shade val="50000"/>
-                </a:schemeClr>
-              </a:lnRef>
-              <a:fillRef idx="1">
-                <a:schemeClr val="accent1"/>
-              </a:fillRef>
-              <a:effectRef idx="0">
-                <a:schemeClr val="accent1"/>
-              </a:effectRef>
-              <a:fontRef idx="minor">
-                <a:schemeClr val="lt1"/>
-              </a:fontRef>
-            </p:style>
-            <p:txBody>
-              <a:bodyPr rtlCol="0" anchor="ctr"/>
-              <a:lstStyle/>
-              <a:p>
-                <a:pPr algn="ctr"/>
-                <a:r>
-                  <a:rPr lang="es-ES_tradnl" sz="3200" dirty="0" err="1" smtClean="0"/>
-                  <a:t>inline</a:t>
-                </a:r>
-                <a:endParaRPr lang="en-US" sz="3200" dirty="0"/>
-              </a:p>
-            </p:txBody>
-          </p:sp>
-        </p:grpSp>
-        <p:cxnSp>
-          <p:nvCxnSpPr>
-            <p:cNvPr id="9" name="Straight Connector 8"/>
-            <p:cNvCxnSpPr/>
-            <p:nvPr/>
-          </p:nvCxnSpPr>
-          <p:spPr>
-            <a:xfrm>
-              <a:off x="6000750" y="2702225"/>
-              <a:ext cx="0" cy="2674638"/>
-            </a:xfrm>
-            <a:prstGeom prst="line">
-              <a:avLst/>
-            </a:prstGeom>
-            <a:ln w="28575">
-              <a:solidFill>
-                <a:schemeClr val="bg2">
-                  <a:lumMod val="75000"/>
-                </a:schemeClr>
-              </a:solidFill>
-              <a:prstDash val="dash"/>
-            </a:ln>
-          </p:spPr>
-          <p:style>
-            <a:lnRef idx="1">
-              <a:schemeClr val="accent1"/>
-            </a:lnRef>
-            <a:fillRef idx="0">
-              <a:schemeClr val="accent1"/>
-            </a:fillRef>
-            <a:effectRef idx="0">
-              <a:schemeClr val="accent1"/>
-            </a:effectRef>
-            <a:fontRef idx="minor">
-              <a:schemeClr val="tx1"/>
-            </a:fontRef>
-          </p:style>
-        </p:cxnSp>
-      </p:grpSp>
     </p:spTree>
     <p:extLst>
       <p:ext uri="{BB962C8B-B14F-4D97-AF65-F5344CB8AC3E}">
-        <p14:creationId xmlns:p14="http://schemas.microsoft.com/office/powerpoint/2010/main" val="3714999485"/>
+        <p14:creationId xmlns:p14="http://schemas.microsoft.com/office/powerpoint/2010/main" val="2347869269"/>
       </p:ext>
     </p:extLst>
   </p:cSld>

--- a/Slides/Clase.pptx
+++ b/Slides/Clase.pptx
@@ -5,7 +5,7 @@
     <p:sldMasterId id="2147483648" r:id="rId1"/>
   </p:sldMasterIdLst>
   <p:notesMasterIdLst>
-    <p:notesMasterId r:id="rId40"/>
+    <p:notesMasterId r:id="rId41"/>
   </p:notesMasterIdLst>
   <p:sldIdLst>
     <p:sldId id="256" r:id="rId2"/>
@@ -24,9 +24,9 @@
     <p:sldId id="268" r:id="rId15"/>
     <p:sldId id="269" r:id="rId16"/>
     <p:sldId id="270" r:id="rId17"/>
-    <p:sldId id="271" r:id="rId18"/>
-    <p:sldId id="291" r:id="rId19"/>
-    <p:sldId id="280" r:id="rId20"/>
+    <p:sldId id="280" r:id="rId18"/>
+    <p:sldId id="271" r:id="rId19"/>
+    <p:sldId id="291" r:id="rId20"/>
     <p:sldId id="290" r:id="rId21"/>
     <p:sldId id="292" r:id="rId22"/>
     <p:sldId id="296" r:id="rId23"/>
@@ -40,12 +40,13 @@
     <p:sldId id="286" r:id="rId31"/>
     <p:sldId id="287" r:id="rId32"/>
     <p:sldId id="293" r:id="rId33"/>
-    <p:sldId id="295" r:id="rId34"/>
-    <p:sldId id="261" r:id="rId35"/>
-    <p:sldId id="294" r:id="rId36"/>
-    <p:sldId id="297" r:id="rId37"/>
-    <p:sldId id="298" r:id="rId38"/>
-    <p:sldId id="283" r:id="rId39"/>
+    <p:sldId id="299" r:id="rId34"/>
+    <p:sldId id="295" r:id="rId35"/>
+    <p:sldId id="261" r:id="rId36"/>
+    <p:sldId id="294" r:id="rId37"/>
+    <p:sldId id="297" r:id="rId38"/>
+    <p:sldId id="298" r:id="rId39"/>
+    <p:sldId id="283" r:id="rId40"/>
   </p:sldIdLst>
   <p:sldSz cx="12192000" cy="6858000"/>
   <p:notesSz cx="6858000" cy="9144000"/>
@@ -246,7 +247,7 @@
           <a:p>
             <a:fld id="{9EE80FC8-2411-480F-8805-F0ECF3A4843D}" type="datetimeFigureOut">
               <a:rPr lang="en-US" smtClean="0"/>
-              <a:t>6/10/2013</a:t>
+              <a:t>6/11/2013</a:t>
             </a:fld>
             <a:endParaRPr lang="en-US"/>
           </a:p>
@@ -923,11 +924,7 @@
             </a:r>
             <a:r>
               <a:rPr lang="es-ES_tradnl" dirty="0" smtClean="0"/>
-              <a:t> son </a:t>
-            </a:r>
-            <a:r>
-              <a:rPr lang="es-ES_tradnl" dirty="0" smtClean="0"/>
-              <a:t>cajas</a:t>
+              <a:t> son cajas</a:t>
             </a:r>
           </a:p>
           <a:p>
@@ -1431,7 +1428,7 @@
           <a:p>
             <a:fld id="{33490EC4-9ED2-4743-9A12-62D7D00FD99C}" type="slidenum">
               <a:rPr lang="en-US" smtClean="0"/>
-              <a:t>34</a:t>
+              <a:t>35</a:t>
             </a:fld>
             <a:endParaRPr lang="en-US"/>
           </a:p>
@@ -1581,7 +1578,7 @@
           <a:p>
             <a:fld id="{8C91A079-CAE8-47E0-8427-4BEC14467E6E}" type="datetimeFigureOut">
               <a:rPr lang="en-US" smtClean="0"/>
-              <a:t>6/10/2013</a:t>
+              <a:t>6/11/2013</a:t>
             </a:fld>
             <a:endParaRPr lang="en-US"/>
           </a:p>
@@ -1751,7 +1748,7 @@
           <a:p>
             <a:fld id="{8C91A079-CAE8-47E0-8427-4BEC14467E6E}" type="datetimeFigureOut">
               <a:rPr lang="en-US" smtClean="0"/>
-              <a:t>6/10/2013</a:t>
+              <a:t>6/11/2013</a:t>
             </a:fld>
             <a:endParaRPr lang="en-US"/>
           </a:p>
@@ -1931,7 +1928,7 @@
           <a:p>
             <a:fld id="{8C91A079-CAE8-47E0-8427-4BEC14467E6E}" type="datetimeFigureOut">
               <a:rPr lang="en-US" smtClean="0"/>
-              <a:t>6/10/2013</a:t>
+              <a:t>6/11/2013</a:t>
             </a:fld>
             <a:endParaRPr lang="en-US"/>
           </a:p>
@@ -2101,7 +2098,7 @@
           <a:p>
             <a:fld id="{8C91A079-CAE8-47E0-8427-4BEC14467E6E}" type="datetimeFigureOut">
               <a:rPr lang="en-US" smtClean="0"/>
-              <a:t>6/10/2013</a:t>
+              <a:t>6/11/2013</a:t>
             </a:fld>
             <a:endParaRPr lang="en-US"/>
           </a:p>
@@ -2347,7 +2344,7 @@
           <a:p>
             <a:fld id="{8C91A079-CAE8-47E0-8427-4BEC14467E6E}" type="datetimeFigureOut">
               <a:rPr lang="en-US" smtClean="0"/>
-              <a:t>6/10/2013</a:t>
+              <a:t>6/11/2013</a:t>
             </a:fld>
             <a:endParaRPr lang="en-US"/>
           </a:p>
@@ -2579,7 +2576,7 @@
           <a:p>
             <a:fld id="{8C91A079-CAE8-47E0-8427-4BEC14467E6E}" type="datetimeFigureOut">
               <a:rPr lang="en-US" smtClean="0"/>
-              <a:t>6/10/2013</a:t>
+              <a:t>6/11/2013</a:t>
             </a:fld>
             <a:endParaRPr lang="en-US"/>
           </a:p>
@@ -2946,7 +2943,7 @@
           <a:p>
             <a:fld id="{8C91A079-CAE8-47E0-8427-4BEC14467E6E}" type="datetimeFigureOut">
               <a:rPr lang="en-US" smtClean="0"/>
-              <a:t>6/10/2013</a:t>
+              <a:t>6/11/2013</a:t>
             </a:fld>
             <a:endParaRPr lang="en-US"/>
           </a:p>
@@ -3064,7 +3061,7 @@
           <a:p>
             <a:fld id="{8C91A079-CAE8-47E0-8427-4BEC14467E6E}" type="datetimeFigureOut">
               <a:rPr lang="en-US" smtClean="0"/>
-              <a:t>6/10/2013</a:t>
+              <a:t>6/11/2013</a:t>
             </a:fld>
             <a:endParaRPr lang="en-US"/>
           </a:p>
@@ -3159,7 +3156,7 @@
           <a:p>
             <a:fld id="{8C91A079-CAE8-47E0-8427-4BEC14467E6E}" type="datetimeFigureOut">
               <a:rPr lang="en-US" smtClean="0"/>
-              <a:t>6/10/2013</a:t>
+              <a:t>6/11/2013</a:t>
             </a:fld>
             <a:endParaRPr lang="en-US"/>
           </a:p>
@@ -3436,7 +3433,7 @@
           <a:p>
             <a:fld id="{8C91A079-CAE8-47E0-8427-4BEC14467E6E}" type="datetimeFigureOut">
               <a:rPr lang="en-US" smtClean="0"/>
-              <a:t>6/10/2013</a:t>
+              <a:t>6/11/2013</a:t>
             </a:fld>
             <a:endParaRPr lang="en-US"/>
           </a:p>
@@ -3689,7 +3686,7 @@
           <a:p>
             <a:fld id="{8C91A079-CAE8-47E0-8427-4BEC14467E6E}" type="datetimeFigureOut">
               <a:rPr lang="en-US" smtClean="0"/>
-              <a:t>6/10/2013</a:t>
+              <a:t>6/11/2013</a:t>
             </a:fld>
             <a:endParaRPr lang="en-US"/>
           </a:p>
@@ -3902,7 +3899,7 @@
           <a:p>
             <a:fld id="{8C91A079-CAE8-47E0-8427-4BEC14467E6E}" type="datetimeFigureOut">
               <a:rPr lang="en-US" smtClean="0"/>
-              <a:t>6/10/2013</a:t>
+              <a:t>6/11/2013</a:t>
             </a:fld>
             <a:endParaRPr lang="en-US"/>
           </a:p>
@@ -4827,13 +4824,7 @@
               <a:rPr lang="es-ES_tradnl" dirty="0" smtClean="0">
                 <a:sym typeface="Wingdings" panose="05000000000000000000" pitchFamily="2" charset="2"/>
               </a:rPr>
-              <a:t> </a:t>
-            </a:r>
-            <a:r>
-              <a:rPr lang="es-ES_tradnl" dirty="0" smtClean="0">
-                <a:sym typeface="Wingdings" panose="05000000000000000000" pitchFamily="2" charset="2"/>
-              </a:rPr>
-              <a:t>títulos</a:t>
+              <a:t> títulos</a:t>
             </a:r>
             <a:endParaRPr lang="es-ES_tradnl" dirty="0" smtClean="0"/>
           </a:p>
@@ -4915,11 +4906,7 @@
           <a:p>
             <a:r>
               <a:rPr lang="es-ES_tradnl" dirty="0" smtClean="0"/>
-              <a:t>&lt;</a:t>
-            </a:r>
-            <a:r>
-              <a:rPr lang="es-ES_tradnl" dirty="0" smtClean="0"/>
-              <a:t>div&gt; </a:t>
+              <a:t>&lt;div&gt; </a:t>
             </a:r>
             <a:r>
               <a:rPr lang="es-ES_tradnl" dirty="0">
@@ -4952,83 +4939,67 @@
               <a:rPr lang="es-ES_tradnl" dirty="0" smtClean="0">
                 <a:sym typeface="Wingdings" panose="05000000000000000000" pitchFamily="2" charset="2"/>
               </a:rPr>
-              <a:t> agrupación de elementos </a:t>
+              <a:t> agrupación de elementos (</a:t>
+            </a:r>
+            <a:r>
+              <a:rPr lang="es-ES_tradnl" dirty="0" err="1" smtClean="0">
+                <a:sym typeface="Wingdings" panose="05000000000000000000" pitchFamily="2" charset="2"/>
+              </a:rPr>
+              <a:t>inline</a:t>
             </a:r>
             <a:r>
               <a:rPr lang="es-ES_tradnl" dirty="0" smtClean="0">
                 <a:sym typeface="Wingdings" panose="05000000000000000000" pitchFamily="2" charset="2"/>
               </a:rPr>
-              <a:t>(</a:t>
+              <a:t>)</a:t>
+            </a:r>
+            <a:endParaRPr lang="es-ES_tradnl" dirty="0" smtClean="0"/>
+          </a:p>
+          <a:p>
+            <a:r>
+              <a:rPr lang="es-ES_tradnl" dirty="0" smtClean="0"/>
+              <a:t>&lt;</a:t>
+            </a:r>
+            <a:r>
+              <a:rPr lang="es-ES_tradnl" dirty="0" err="1" smtClean="0"/>
+              <a:t>img</a:t>
+            </a:r>
+            <a:r>
+              <a:rPr lang="es-ES_tradnl" dirty="0" smtClean="0"/>
+              <a:t>&gt; </a:t>
+            </a:r>
+            <a:r>
+              <a:rPr lang="es-ES_tradnl" dirty="0" smtClean="0">
+                <a:sym typeface="Wingdings" panose="05000000000000000000" pitchFamily="2" charset="2"/>
+              </a:rPr>
+              <a:t> </a:t>
             </a:r>
             <a:r>
               <a:rPr lang="es-ES_tradnl" dirty="0" err="1" smtClean="0">
                 <a:sym typeface="Wingdings" panose="05000000000000000000" pitchFamily="2" charset="2"/>
               </a:rPr>
-              <a:t>inline</a:t>
+              <a:t>imagenes</a:t>
+            </a:r>
+            <a:endParaRPr lang="es-ES_tradnl" dirty="0" smtClean="0"/>
+          </a:p>
+          <a:p>
+            <a:r>
+              <a:rPr lang="es-ES_tradnl" dirty="0" smtClean="0"/>
+              <a:t>&lt;input&gt;, &lt;</a:t>
+            </a:r>
+            <a:r>
+              <a:rPr lang="es-ES_tradnl" dirty="0" err="1" smtClean="0"/>
+              <a:t>form</a:t>
+            </a:r>
+            <a:r>
+              <a:rPr lang="es-ES_tradnl" dirty="0" smtClean="0"/>
+              <a:t>&gt; </a:t>
             </a:r>
             <a:r>
               <a:rPr lang="es-ES_tradnl" dirty="0" smtClean="0">
                 <a:sym typeface="Wingdings" panose="05000000000000000000" pitchFamily="2" charset="2"/>
               </a:rPr>
-              <a:t>)</a:t>
-            </a:r>
-            <a:endParaRPr lang="es-ES_tradnl" dirty="0" smtClean="0"/>
-          </a:p>
-          <a:p>
-            <a:r>
-              <a:rPr lang="es-ES_tradnl" dirty="0" smtClean="0"/>
-              <a:t>&lt;</a:t>
-            </a:r>
-            <a:r>
-              <a:rPr lang="es-ES_tradnl" dirty="0" err="1" smtClean="0"/>
-              <a:t>img</a:t>
-            </a:r>
-            <a:r>
-              <a:rPr lang="es-ES_tradnl" dirty="0" smtClean="0"/>
-              <a:t>&gt; </a:t>
-            </a:r>
-            <a:r>
-              <a:rPr lang="es-ES_tradnl" dirty="0" smtClean="0">
-                <a:sym typeface="Wingdings" panose="05000000000000000000" pitchFamily="2" charset="2"/>
-              </a:rPr>
-              <a:t> </a:t>
-            </a:r>
-            <a:r>
-              <a:rPr lang="es-ES_tradnl" dirty="0" err="1" smtClean="0">
-                <a:sym typeface="Wingdings" panose="05000000000000000000" pitchFamily="2" charset="2"/>
-              </a:rPr>
-              <a:t>imagenes</a:t>
-            </a:r>
-            <a:endParaRPr lang="es-ES_tradnl" dirty="0" smtClean="0"/>
-          </a:p>
-          <a:p>
-            <a:r>
-              <a:rPr lang="es-ES_tradnl" dirty="0" smtClean="0"/>
-              <a:t>&lt;input</a:t>
-            </a:r>
-            <a:r>
-              <a:rPr lang="es-ES_tradnl" dirty="0" smtClean="0"/>
-              <a:t>&gt;, &lt;</a:t>
-            </a:r>
-            <a:r>
-              <a:rPr lang="es-ES_tradnl" dirty="0" err="1" smtClean="0"/>
-              <a:t>form</a:t>
-            </a:r>
-            <a:r>
-              <a:rPr lang="es-ES_tradnl" dirty="0" smtClean="0"/>
-              <a:t>&gt; </a:t>
-            </a:r>
-            <a:r>
-              <a:rPr lang="es-ES_tradnl" dirty="0" smtClean="0">
-                <a:sym typeface="Wingdings" panose="05000000000000000000" pitchFamily="2" charset="2"/>
-              </a:rPr>
-              <a:t> </a:t>
-            </a:r>
-            <a:r>
-              <a:rPr lang="es-ES_tradnl" dirty="0" smtClean="0">
-                <a:sym typeface="Wingdings" panose="05000000000000000000" pitchFamily="2" charset="2"/>
-              </a:rPr>
-              <a:t>elementos para formularios</a:t>
+              <a:t> elementos para formularios</a:t>
             </a:r>
           </a:p>
           <a:p>
@@ -5699,13 +5670,7 @@
               <a:rPr lang="es-ES_tradnl" dirty="0" smtClean="0">
                 <a:sym typeface="Wingdings" panose="05000000000000000000" pitchFamily="2" charset="2"/>
               </a:rPr>
-              <a:t> menú de </a:t>
-            </a:r>
-            <a:r>
-              <a:rPr lang="es-ES_tradnl" dirty="0" smtClean="0">
-                <a:sym typeface="Wingdings" panose="05000000000000000000" pitchFamily="2" charset="2"/>
-              </a:rPr>
-              <a:t>navegación</a:t>
+              <a:t> menú de navegación</a:t>
             </a:r>
           </a:p>
           <a:p>
@@ -5772,397 +5737,6 @@
 </file>
 
 <file path=ppt/slides/slide17.xml><?xml version="1.0" encoding="utf-8"?>
-<p:sld xmlns:a="http://schemas.openxmlformats.org/drawingml/2006/main" xmlns:r="http://schemas.openxmlformats.org/officeDocument/2006/relationships" xmlns:p="http://schemas.openxmlformats.org/presentationml/2006/main">
-  <p:cSld>
-    <p:spTree>
-      <p:nvGrpSpPr>
-        <p:cNvPr id="1" name=""/>
-        <p:cNvGrpSpPr/>
-        <p:nvPr/>
-      </p:nvGrpSpPr>
-      <p:grpSpPr>
-        <a:xfrm>
-          <a:off x="0" y="0"/>
-          <a:ext cx="0" cy="0"/>
-          <a:chOff x="0" y="0"/>
-          <a:chExt cx="0" cy="0"/>
-        </a:xfrm>
-      </p:grpSpPr>
-      <p:sp>
-        <p:nvSpPr>
-          <p:cNvPr id="2" name="Title 1"/>
-          <p:cNvSpPr>
-            <a:spLocks noGrp="1"/>
-          </p:cNvSpPr>
-          <p:nvPr>
-            <p:ph type="title"/>
-          </p:nvPr>
-        </p:nvSpPr>
-        <p:spPr/>
-        <p:txBody>
-          <a:bodyPr/>
-          <a:lstStyle/>
-          <a:p>
-            <a:r>
-              <a:rPr lang="es-ES_tradnl" dirty="0" smtClean="0"/>
-              <a:t>Nuevos </a:t>
-            </a:r>
-            <a:r>
-              <a:rPr lang="es-ES_tradnl" dirty="0" err="1" smtClean="0"/>
-              <a:t>tags</a:t>
-            </a:r>
-            <a:r>
-              <a:rPr lang="es-ES_tradnl" dirty="0" smtClean="0"/>
-              <a:t> (semánticos)</a:t>
-            </a:r>
-            <a:endParaRPr lang="en-US" dirty="0"/>
-          </a:p>
-        </p:txBody>
-      </p:sp>
-      <p:sp>
-        <p:nvSpPr>
-          <p:cNvPr id="3" name="Content Placeholder 2"/>
-          <p:cNvSpPr>
-            <a:spLocks noGrp="1"/>
-          </p:cNvSpPr>
-          <p:nvPr>
-            <p:ph idx="1"/>
-          </p:nvPr>
-        </p:nvSpPr>
-        <p:spPr/>
-        <p:txBody>
-          <a:bodyPr/>
-          <a:lstStyle/>
-          <a:p>
-            <a:r>
-              <a:rPr lang="es-ES_tradnl" dirty="0" smtClean="0"/>
-              <a:t>&lt;</a:t>
-            </a:r>
-            <a:r>
-              <a:rPr lang="es-ES_tradnl" dirty="0" smtClean="0"/>
-              <a:t>time&gt; </a:t>
-            </a:r>
-            <a:r>
-              <a:rPr lang="es-ES_tradnl" dirty="0" smtClean="0">
-                <a:sym typeface="Wingdings" panose="05000000000000000000" pitchFamily="2" charset="2"/>
-              </a:rPr>
-              <a:t> </a:t>
-            </a:r>
-            <a:r>
-              <a:rPr lang="es-ES_tradnl" dirty="0" smtClean="0">
-                <a:sym typeface="Wingdings" panose="05000000000000000000" pitchFamily="2" charset="2"/>
-              </a:rPr>
-              <a:t>fecha/hora</a:t>
-            </a:r>
-          </a:p>
-          <a:p>
-            <a:r>
-              <a:rPr lang="es-ES_tradnl" dirty="0">
-                <a:sym typeface="Wingdings" panose="05000000000000000000" pitchFamily="2" charset="2"/>
-              </a:rPr>
-              <a:t>&lt;</a:t>
-            </a:r>
-            <a:r>
-              <a:rPr lang="es-ES_tradnl" dirty="0" smtClean="0">
-                <a:sym typeface="Wingdings" panose="05000000000000000000" pitchFamily="2" charset="2"/>
-              </a:rPr>
-              <a:t>figure&gt;  contenido </a:t>
-            </a:r>
-            <a:r>
-              <a:rPr lang="es-ES_tradnl" dirty="0" err="1" smtClean="0">
-                <a:sym typeface="Wingdings" panose="05000000000000000000" pitchFamily="2" charset="2"/>
-              </a:rPr>
-              <a:t>autocontenido</a:t>
-            </a:r>
-            <a:endParaRPr lang="es-ES_tradnl" dirty="0" smtClean="0">
-              <a:sym typeface="Wingdings" panose="05000000000000000000" pitchFamily="2" charset="2"/>
-            </a:endParaRPr>
-          </a:p>
-          <a:p>
-            <a:r>
-              <a:rPr lang="es-ES_tradnl" dirty="0" smtClean="0">
-                <a:sym typeface="Wingdings" panose="05000000000000000000" pitchFamily="2" charset="2"/>
-              </a:rPr>
-              <a:t>&lt;</a:t>
-            </a:r>
-            <a:r>
-              <a:rPr lang="es-ES_tradnl" dirty="0" err="1" smtClean="0">
-                <a:sym typeface="Wingdings" panose="05000000000000000000" pitchFamily="2" charset="2"/>
-              </a:rPr>
-              <a:t>figcaption</a:t>
-            </a:r>
-            <a:r>
-              <a:rPr lang="es-ES_tradnl" dirty="0" smtClean="0">
-                <a:sym typeface="Wingdings" panose="05000000000000000000" pitchFamily="2" charset="2"/>
-              </a:rPr>
-              <a:t>&gt;  leyenda vinculada al contenido de figure</a:t>
-            </a:r>
-          </a:p>
-          <a:p>
-            <a:r>
-              <a:rPr lang="es-ES_tradnl" dirty="0" smtClean="0">
-                <a:sym typeface="Wingdings" panose="05000000000000000000" pitchFamily="2" charset="2"/>
-              </a:rPr>
-              <a:t>&lt;</a:t>
-            </a:r>
-            <a:r>
-              <a:rPr lang="es-ES_tradnl" dirty="0" err="1" smtClean="0">
-                <a:sym typeface="Wingdings" panose="05000000000000000000" pitchFamily="2" charset="2"/>
-              </a:rPr>
-              <a:t>mark</a:t>
-            </a:r>
-            <a:r>
-              <a:rPr lang="es-ES_tradnl" dirty="0" smtClean="0">
-                <a:sym typeface="Wingdings" panose="05000000000000000000" pitchFamily="2" charset="2"/>
-              </a:rPr>
-              <a:t>&gt;  marca relevancia (resaltado, diferente a </a:t>
-            </a:r>
-            <a:r>
-              <a:rPr lang="es-ES_tradnl" dirty="0" err="1" smtClean="0">
-                <a:sym typeface="Wingdings" panose="05000000000000000000" pitchFamily="2" charset="2"/>
-              </a:rPr>
-              <a:t>strong</a:t>
-            </a:r>
-            <a:r>
-              <a:rPr lang="es-ES_tradnl" dirty="0" smtClean="0">
-                <a:sym typeface="Wingdings" panose="05000000000000000000" pitchFamily="2" charset="2"/>
-              </a:rPr>
-              <a:t>, que marca importancia)</a:t>
-            </a:r>
-          </a:p>
-          <a:p>
-            <a:r>
-              <a:rPr lang="es-ES_tradnl" dirty="0" smtClean="0">
-                <a:sym typeface="Wingdings" panose="05000000000000000000" pitchFamily="2" charset="2"/>
-              </a:rPr>
-              <a:t>&lt;</a:t>
-            </a:r>
-            <a:r>
-              <a:rPr lang="es-ES_tradnl" dirty="0" err="1">
-                <a:sym typeface="Wingdings" panose="05000000000000000000" pitchFamily="2" charset="2"/>
-              </a:rPr>
-              <a:t>p</a:t>
-            </a:r>
-            <a:r>
-              <a:rPr lang="es-ES_tradnl" dirty="0" err="1" smtClean="0">
-                <a:sym typeface="Wingdings" panose="05000000000000000000" pitchFamily="2" charset="2"/>
-              </a:rPr>
-              <a:t>rogress</a:t>
-            </a:r>
-            <a:r>
-              <a:rPr lang="es-ES_tradnl" dirty="0" smtClean="0">
-                <a:sym typeface="Wingdings" panose="05000000000000000000" pitchFamily="2" charset="2"/>
-              </a:rPr>
-              <a:t>&gt;  </a:t>
-            </a:r>
-            <a:r>
-              <a:rPr lang="es-ES_tradnl" dirty="0" err="1" smtClean="0">
-                <a:sym typeface="Wingdings" panose="05000000000000000000" pitchFamily="2" charset="2"/>
-              </a:rPr>
-              <a:t>progress</a:t>
-            </a:r>
-            <a:r>
-              <a:rPr lang="es-ES_tradnl" dirty="0" smtClean="0">
-                <a:sym typeface="Wingdings" panose="05000000000000000000" pitchFamily="2" charset="2"/>
-              </a:rPr>
-              <a:t> bar</a:t>
-            </a:r>
-            <a:endParaRPr lang="en-US" dirty="0"/>
-          </a:p>
-        </p:txBody>
-      </p:sp>
-    </p:spTree>
-    <p:extLst>
-      <p:ext uri="{BB962C8B-B14F-4D97-AF65-F5344CB8AC3E}">
-        <p14:creationId xmlns:p14="http://schemas.microsoft.com/office/powerpoint/2010/main" val="3573270690"/>
-      </p:ext>
-    </p:extLst>
-  </p:cSld>
-  <p:clrMapOvr>
-    <a:masterClrMapping/>
-  </p:clrMapOvr>
-</p:sld>
-</file>
-
-<file path=ppt/slides/slide18.xml><?xml version="1.0" encoding="utf-8"?>
-<p:sld xmlns:a="http://schemas.openxmlformats.org/drawingml/2006/main" xmlns:r="http://schemas.openxmlformats.org/officeDocument/2006/relationships" xmlns:p="http://schemas.openxmlformats.org/presentationml/2006/main">
-  <p:cSld>
-    <p:spTree>
-      <p:nvGrpSpPr>
-        <p:cNvPr id="1" name=""/>
-        <p:cNvGrpSpPr/>
-        <p:nvPr/>
-      </p:nvGrpSpPr>
-      <p:grpSpPr>
-        <a:xfrm>
-          <a:off x="0" y="0"/>
-          <a:ext cx="0" cy="0"/>
-          <a:chOff x="0" y="0"/>
-          <a:chExt cx="0" cy="0"/>
-        </a:xfrm>
-      </p:grpSpPr>
-      <p:sp>
-        <p:nvSpPr>
-          <p:cNvPr id="2" name="Title 1"/>
-          <p:cNvSpPr>
-            <a:spLocks noGrp="1"/>
-          </p:cNvSpPr>
-          <p:nvPr>
-            <p:ph type="title"/>
-          </p:nvPr>
-        </p:nvSpPr>
-        <p:spPr/>
-        <p:txBody>
-          <a:bodyPr/>
-          <a:lstStyle/>
-          <a:p>
-            <a:r>
-              <a:rPr lang="es-ES_tradnl" dirty="0" smtClean="0"/>
-              <a:t>Performance e Integración</a:t>
-            </a:r>
-            <a:endParaRPr lang="en-US" dirty="0"/>
-          </a:p>
-        </p:txBody>
-      </p:sp>
-      <p:sp>
-        <p:nvSpPr>
-          <p:cNvPr id="3" name="Content Placeholder 2"/>
-          <p:cNvSpPr>
-            <a:spLocks noGrp="1"/>
-          </p:cNvSpPr>
-          <p:nvPr>
-            <p:ph idx="1"/>
-          </p:nvPr>
-        </p:nvSpPr>
-        <p:spPr/>
-        <p:txBody>
-          <a:bodyPr/>
-          <a:lstStyle/>
-          <a:p>
-            <a:r>
-              <a:rPr lang="es-ES_tradnl" dirty="0" smtClean="0"/>
-              <a:t>Web </a:t>
-            </a:r>
-            <a:r>
-              <a:rPr lang="es-ES_tradnl" dirty="0" err="1" smtClean="0"/>
-              <a:t>Workers</a:t>
-            </a:r>
-            <a:endParaRPr lang="es-ES_tradnl" dirty="0" smtClean="0"/>
-          </a:p>
-          <a:p>
-            <a:pPr lvl="1"/>
-            <a:r>
-              <a:rPr lang="es-ES_tradnl" dirty="0" smtClean="0"/>
-              <a:t>Procesos de </a:t>
-            </a:r>
-            <a:r>
-              <a:rPr lang="es-ES_tradnl" dirty="0" err="1" smtClean="0"/>
-              <a:t>Javascript</a:t>
-            </a:r>
-            <a:r>
-              <a:rPr lang="es-ES_tradnl" dirty="0" smtClean="0"/>
-              <a:t> en </a:t>
-            </a:r>
-            <a:r>
-              <a:rPr lang="es-ES_tradnl" dirty="0" err="1" smtClean="0"/>
-              <a:t>background</a:t>
-            </a:r>
-            <a:endParaRPr lang="es-ES_tradnl" dirty="0" smtClean="0"/>
-          </a:p>
-          <a:p>
-            <a:r>
-              <a:rPr lang="es-ES_tradnl" dirty="0" err="1" smtClean="0"/>
-              <a:t>XMLHttpRequest</a:t>
-            </a:r>
-            <a:r>
-              <a:rPr lang="es-ES_tradnl" dirty="0" smtClean="0"/>
-              <a:t> </a:t>
-            </a:r>
-            <a:r>
-              <a:rPr lang="es-ES_tradnl" dirty="0" err="1" smtClean="0"/>
-              <a:t>level</a:t>
-            </a:r>
-            <a:r>
-              <a:rPr lang="es-ES_tradnl" dirty="0" smtClean="0"/>
-              <a:t> 2</a:t>
-            </a:r>
-          </a:p>
-          <a:p>
-            <a:r>
-              <a:rPr lang="es-ES_tradnl" dirty="0" smtClean="0"/>
-              <a:t>Jit-</a:t>
-            </a:r>
-            <a:r>
-              <a:rPr lang="es-ES_tradnl" dirty="0" err="1" smtClean="0"/>
-              <a:t>compiling</a:t>
-            </a:r>
-            <a:r>
-              <a:rPr lang="es-ES_tradnl" dirty="0" smtClean="0"/>
-              <a:t> JavaScript </a:t>
-            </a:r>
-            <a:r>
-              <a:rPr lang="es-ES_tradnl" dirty="0" err="1" smtClean="0"/>
-              <a:t>engines</a:t>
-            </a:r>
-            <a:endParaRPr lang="es-ES_tradnl" dirty="0" smtClean="0"/>
-          </a:p>
-          <a:p>
-            <a:r>
-              <a:rPr lang="es-ES_tradnl" dirty="0" err="1" smtClean="0"/>
-              <a:t>History</a:t>
-            </a:r>
-            <a:r>
-              <a:rPr lang="es-ES_tradnl" dirty="0" smtClean="0"/>
-              <a:t> API</a:t>
-            </a:r>
-          </a:p>
-          <a:p>
-            <a:pPr lvl="1"/>
-            <a:r>
-              <a:rPr lang="es-ES_tradnl" dirty="0" smtClean="0"/>
-              <a:t>Permite modificar el historial. Ideal para Web Apps</a:t>
-            </a:r>
-          </a:p>
-          <a:p>
-            <a:r>
-              <a:rPr lang="es-ES_tradnl" dirty="0" err="1" smtClean="0"/>
-              <a:t>Drag</a:t>
-            </a:r>
-            <a:r>
-              <a:rPr lang="es-ES_tradnl" dirty="0" smtClean="0"/>
-              <a:t> and </a:t>
-            </a:r>
-            <a:r>
-              <a:rPr lang="es-ES_tradnl" dirty="0" err="1" smtClean="0"/>
-              <a:t>drop</a:t>
-            </a:r>
-            <a:endParaRPr lang="es-ES_tradnl" dirty="0"/>
-          </a:p>
-          <a:p>
-            <a:pPr marL="0" indent="0">
-              <a:buNone/>
-            </a:pPr>
-            <a:endParaRPr lang="es-ES_tradnl" dirty="0" smtClean="0"/>
-          </a:p>
-          <a:p>
-            <a:endParaRPr lang="en-US" dirty="0"/>
-          </a:p>
-        </p:txBody>
-      </p:sp>
-    </p:spTree>
-    <p:extLst>
-      <p:ext uri="{BB962C8B-B14F-4D97-AF65-F5344CB8AC3E}">
-        <p14:creationId xmlns:p14="http://schemas.microsoft.com/office/powerpoint/2010/main" val="491141864"/>
-      </p:ext>
-    </p:extLst>
-  </p:cSld>
-  <p:clrMapOvr>
-    <a:masterClrMapping/>
-  </p:clrMapOvr>
-</p:sld>
-</file>
-
-<file path=ppt/slides/slide19.xml><?xml version="1.0" encoding="utf-8"?>
 <p:sld xmlns:a="http://schemas.openxmlformats.org/drawingml/2006/main" xmlns:r="http://schemas.openxmlformats.org/officeDocument/2006/relationships" xmlns:p="http://schemas.openxmlformats.org/presentationml/2006/main">
   <p:cSld>
     <p:spTree>
@@ -6694,6 +6268,387 @@
     <p:extLst>
       <p:ext uri="{BB962C8B-B14F-4D97-AF65-F5344CB8AC3E}">
         <p14:creationId xmlns:p14="http://schemas.microsoft.com/office/powerpoint/2010/main" val="2455534035"/>
+      </p:ext>
+    </p:extLst>
+  </p:cSld>
+  <p:clrMapOvr>
+    <a:masterClrMapping/>
+  </p:clrMapOvr>
+</p:sld>
+</file>
+
+<file path=ppt/slides/slide18.xml><?xml version="1.0" encoding="utf-8"?>
+<p:sld xmlns:a="http://schemas.openxmlformats.org/drawingml/2006/main" xmlns:r="http://schemas.openxmlformats.org/officeDocument/2006/relationships" xmlns:p="http://schemas.openxmlformats.org/presentationml/2006/main">
+  <p:cSld>
+    <p:spTree>
+      <p:nvGrpSpPr>
+        <p:cNvPr id="1" name=""/>
+        <p:cNvGrpSpPr/>
+        <p:nvPr/>
+      </p:nvGrpSpPr>
+      <p:grpSpPr>
+        <a:xfrm>
+          <a:off x="0" y="0"/>
+          <a:ext cx="0" cy="0"/>
+          <a:chOff x="0" y="0"/>
+          <a:chExt cx="0" cy="0"/>
+        </a:xfrm>
+      </p:grpSpPr>
+      <p:sp>
+        <p:nvSpPr>
+          <p:cNvPr id="2" name="Title 1"/>
+          <p:cNvSpPr>
+            <a:spLocks noGrp="1"/>
+          </p:cNvSpPr>
+          <p:nvPr>
+            <p:ph type="title"/>
+          </p:nvPr>
+        </p:nvSpPr>
+        <p:spPr/>
+        <p:txBody>
+          <a:bodyPr/>
+          <a:lstStyle/>
+          <a:p>
+            <a:r>
+              <a:rPr lang="es-ES_tradnl" dirty="0" smtClean="0"/>
+              <a:t>Nuevos </a:t>
+            </a:r>
+            <a:r>
+              <a:rPr lang="es-ES_tradnl" dirty="0" err="1" smtClean="0"/>
+              <a:t>tags</a:t>
+            </a:r>
+            <a:r>
+              <a:rPr lang="es-ES_tradnl" dirty="0" smtClean="0"/>
+              <a:t> (semánticos)</a:t>
+            </a:r>
+            <a:endParaRPr lang="en-US" dirty="0"/>
+          </a:p>
+        </p:txBody>
+      </p:sp>
+      <p:sp>
+        <p:nvSpPr>
+          <p:cNvPr id="3" name="Content Placeholder 2"/>
+          <p:cNvSpPr>
+            <a:spLocks noGrp="1"/>
+          </p:cNvSpPr>
+          <p:nvPr>
+            <p:ph idx="1"/>
+          </p:nvPr>
+        </p:nvSpPr>
+        <p:spPr/>
+        <p:txBody>
+          <a:bodyPr/>
+          <a:lstStyle/>
+          <a:p>
+            <a:r>
+              <a:rPr lang="es-ES_tradnl" dirty="0" smtClean="0"/>
+              <a:t>&lt;time&gt; </a:t>
+            </a:r>
+            <a:r>
+              <a:rPr lang="es-ES_tradnl" dirty="0" smtClean="0">
+                <a:sym typeface="Wingdings" panose="05000000000000000000" pitchFamily="2" charset="2"/>
+              </a:rPr>
+              <a:t> fecha/hora</a:t>
+            </a:r>
+          </a:p>
+          <a:p>
+            <a:r>
+              <a:rPr lang="es-ES_tradnl" dirty="0">
+                <a:sym typeface="Wingdings" panose="05000000000000000000" pitchFamily="2" charset="2"/>
+              </a:rPr>
+              <a:t>&lt;</a:t>
+            </a:r>
+            <a:r>
+              <a:rPr lang="es-ES_tradnl" dirty="0" smtClean="0">
+                <a:sym typeface="Wingdings" panose="05000000000000000000" pitchFamily="2" charset="2"/>
+              </a:rPr>
+              <a:t>figure&gt;  contenido </a:t>
+            </a:r>
+            <a:r>
+              <a:rPr lang="es-ES_tradnl" dirty="0" err="1" smtClean="0">
+                <a:sym typeface="Wingdings" panose="05000000000000000000" pitchFamily="2" charset="2"/>
+              </a:rPr>
+              <a:t>autocontenido</a:t>
+            </a:r>
+            <a:endParaRPr lang="es-ES_tradnl" dirty="0" smtClean="0">
+              <a:sym typeface="Wingdings" panose="05000000000000000000" pitchFamily="2" charset="2"/>
+            </a:endParaRPr>
+          </a:p>
+          <a:p>
+            <a:r>
+              <a:rPr lang="es-ES_tradnl" dirty="0" smtClean="0">
+                <a:sym typeface="Wingdings" panose="05000000000000000000" pitchFamily="2" charset="2"/>
+              </a:rPr>
+              <a:t>&lt;</a:t>
+            </a:r>
+            <a:r>
+              <a:rPr lang="es-ES_tradnl" dirty="0" err="1" smtClean="0">
+                <a:sym typeface="Wingdings" panose="05000000000000000000" pitchFamily="2" charset="2"/>
+              </a:rPr>
+              <a:t>figcaption</a:t>
+            </a:r>
+            <a:r>
+              <a:rPr lang="es-ES_tradnl" dirty="0" smtClean="0">
+                <a:sym typeface="Wingdings" panose="05000000000000000000" pitchFamily="2" charset="2"/>
+              </a:rPr>
+              <a:t>&gt;  leyenda vinculada al contenido de figure</a:t>
+            </a:r>
+          </a:p>
+          <a:p>
+            <a:r>
+              <a:rPr lang="es-ES_tradnl" dirty="0" smtClean="0">
+                <a:sym typeface="Wingdings" panose="05000000000000000000" pitchFamily="2" charset="2"/>
+              </a:rPr>
+              <a:t>&lt;</a:t>
+            </a:r>
+            <a:r>
+              <a:rPr lang="es-ES_tradnl" dirty="0" err="1" smtClean="0">
+                <a:sym typeface="Wingdings" panose="05000000000000000000" pitchFamily="2" charset="2"/>
+              </a:rPr>
+              <a:t>mark</a:t>
+            </a:r>
+            <a:r>
+              <a:rPr lang="es-ES_tradnl" dirty="0" smtClean="0">
+                <a:sym typeface="Wingdings" panose="05000000000000000000" pitchFamily="2" charset="2"/>
+              </a:rPr>
+              <a:t>&gt;  marca relevancia (resaltado, diferente a </a:t>
+            </a:r>
+            <a:r>
+              <a:rPr lang="es-ES_tradnl" dirty="0" err="1" smtClean="0">
+                <a:sym typeface="Wingdings" panose="05000000000000000000" pitchFamily="2" charset="2"/>
+              </a:rPr>
+              <a:t>strong</a:t>
+            </a:r>
+            <a:r>
+              <a:rPr lang="es-ES_tradnl" dirty="0" smtClean="0">
+                <a:sym typeface="Wingdings" panose="05000000000000000000" pitchFamily="2" charset="2"/>
+              </a:rPr>
+              <a:t>, que marca importancia)</a:t>
+            </a:r>
+          </a:p>
+          <a:p>
+            <a:r>
+              <a:rPr lang="es-ES_tradnl" dirty="0" smtClean="0">
+                <a:sym typeface="Wingdings" panose="05000000000000000000" pitchFamily="2" charset="2"/>
+              </a:rPr>
+              <a:t>&lt;</a:t>
+            </a:r>
+            <a:r>
+              <a:rPr lang="es-ES_tradnl" dirty="0" err="1">
+                <a:sym typeface="Wingdings" panose="05000000000000000000" pitchFamily="2" charset="2"/>
+              </a:rPr>
+              <a:t>p</a:t>
+            </a:r>
+            <a:r>
+              <a:rPr lang="es-ES_tradnl" dirty="0" err="1" smtClean="0">
+                <a:sym typeface="Wingdings" panose="05000000000000000000" pitchFamily="2" charset="2"/>
+              </a:rPr>
+              <a:t>rogress</a:t>
+            </a:r>
+            <a:r>
+              <a:rPr lang="es-ES_tradnl" dirty="0" smtClean="0">
+                <a:sym typeface="Wingdings" panose="05000000000000000000" pitchFamily="2" charset="2"/>
+              </a:rPr>
+              <a:t>&gt;  </a:t>
+            </a:r>
+            <a:r>
+              <a:rPr lang="es-ES_tradnl" dirty="0" err="1" smtClean="0">
+                <a:sym typeface="Wingdings" panose="05000000000000000000" pitchFamily="2" charset="2"/>
+              </a:rPr>
+              <a:t>progress</a:t>
+            </a:r>
+            <a:r>
+              <a:rPr lang="es-ES_tradnl" dirty="0" smtClean="0">
+                <a:sym typeface="Wingdings" panose="05000000000000000000" pitchFamily="2" charset="2"/>
+              </a:rPr>
+              <a:t> bar</a:t>
+            </a:r>
+            <a:endParaRPr lang="en-US" dirty="0"/>
+          </a:p>
+        </p:txBody>
+      </p:sp>
+    </p:spTree>
+    <p:extLst>
+      <p:ext uri="{BB962C8B-B14F-4D97-AF65-F5344CB8AC3E}">
+        <p14:creationId xmlns:p14="http://schemas.microsoft.com/office/powerpoint/2010/main" val="3573270690"/>
+      </p:ext>
+    </p:extLst>
+  </p:cSld>
+  <p:clrMapOvr>
+    <a:masterClrMapping/>
+  </p:clrMapOvr>
+</p:sld>
+</file>
+
+<file path=ppt/slides/slide19.xml><?xml version="1.0" encoding="utf-8"?>
+<p:sld xmlns:a="http://schemas.openxmlformats.org/drawingml/2006/main" xmlns:r="http://schemas.openxmlformats.org/officeDocument/2006/relationships" xmlns:p="http://schemas.openxmlformats.org/presentationml/2006/main">
+  <p:cSld>
+    <p:spTree>
+      <p:nvGrpSpPr>
+        <p:cNvPr id="1" name=""/>
+        <p:cNvGrpSpPr/>
+        <p:nvPr/>
+      </p:nvGrpSpPr>
+      <p:grpSpPr>
+        <a:xfrm>
+          <a:off x="0" y="0"/>
+          <a:ext cx="0" cy="0"/>
+          <a:chOff x="0" y="0"/>
+          <a:chExt cx="0" cy="0"/>
+        </a:xfrm>
+      </p:grpSpPr>
+      <p:sp>
+        <p:nvSpPr>
+          <p:cNvPr id="2" name="Title 1"/>
+          <p:cNvSpPr>
+            <a:spLocks noGrp="1"/>
+          </p:cNvSpPr>
+          <p:nvPr>
+            <p:ph type="title"/>
+          </p:nvPr>
+        </p:nvSpPr>
+        <p:spPr/>
+        <p:txBody>
+          <a:bodyPr/>
+          <a:lstStyle/>
+          <a:p>
+            <a:r>
+              <a:rPr lang="es-ES_tradnl" dirty="0" smtClean="0"/>
+              <a:t>Performance e Integración</a:t>
+            </a:r>
+            <a:endParaRPr lang="en-US" dirty="0"/>
+          </a:p>
+        </p:txBody>
+      </p:sp>
+      <p:sp>
+        <p:nvSpPr>
+          <p:cNvPr id="3" name="Content Placeholder 2"/>
+          <p:cNvSpPr>
+            <a:spLocks noGrp="1"/>
+          </p:cNvSpPr>
+          <p:nvPr>
+            <p:ph idx="1"/>
+          </p:nvPr>
+        </p:nvSpPr>
+        <p:spPr/>
+        <p:txBody>
+          <a:bodyPr/>
+          <a:lstStyle/>
+          <a:p>
+            <a:r>
+              <a:rPr lang="es-ES_tradnl" dirty="0" smtClean="0"/>
+              <a:t>Web </a:t>
+            </a:r>
+            <a:r>
+              <a:rPr lang="es-ES_tradnl" dirty="0" err="1" smtClean="0"/>
+              <a:t>Workers</a:t>
+            </a:r>
+            <a:endParaRPr lang="es-ES_tradnl" dirty="0" smtClean="0"/>
+          </a:p>
+          <a:p>
+            <a:pPr lvl="1"/>
+            <a:r>
+              <a:rPr lang="es-ES_tradnl" dirty="0" smtClean="0"/>
+              <a:t>Procesos de </a:t>
+            </a:r>
+            <a:r>
+              <a:rPr lang="es-ES_tradnl" dirty="0" err="1" smtClean="0"/>
+              <a:t>Javascript</a:t>
+            </a:r>
+            <a:r>
+              <a:rPr lang="es-ES_tradnl" dirty="0" smtClean="0"/>
+              <a:t> en </a:t>
+            </a:r>
+            <a:r>
+              <a:rPr lang="es-ES_tradnl" dirty="0" err="1" smtClean="0"/>
+              <a:t>background</a:t>
+            </a:r>
+            <a:endParaRPr lang="es-ES_tradnl" dirty="0" smtClean="0"/>
+          </a:p>
+          <a:p>
+            <a:r>
+              <a:rPr lang="es-ES_tradnl" dirty="0" err="1" smtClean="0"/>
+              <a:t>XMLHttpRequest</a:t>
+            </a:r>
+            <a:r>
+              <a:rPr lang="es-ES_tradnl" dirty="0" smtClean="0"/>
+              <a:t> </a:t>
+            </a:r>
+            <a:r>
+              <a:rPr lang="es-ES_tradnl" dirty="0" err="1" smtClean="0"/>
+              <a:t>level</a:t>
+            </a:r>
+            <a:r>
+              <a:rPr lang="es-ES_tradnl" dirty="0" smtClean="0"/>
+              <a:t> 2</a:t>
+            </a:r>
+          </a:p>
+          <a:p>
+            <a:r>
+              <a:rPr lang="es-ES_tradnl" dirty="0" smtClean="0"/>
+              <a:t>Jit-</a:t>
+            </a:r>
+            <a:r>
+              <a:rPr lang="es-ES_tradnl" dirty="0" err="1" smtClean="0"/>
+              <a:t>compiling</a:t>
+            </a:r>
+            <a:r>
+              <a:rPr lang="es-ES_tradnl" dirty="0" smtClean="0"/>
+              <a:t> JavaScript </a:t>
+            </a:r>
+            <a:r>
+              <a:rPr lang="es-ES_tradnl" dirty="0" err="1" smtClean="0"/>
+              <a:t>engines</a:t>
+            </a:r>
+            <a:endParaRPr lang="es-ES_tradnl" dirty="0" smtClean="0"/>
+          </a:p>
+          <a:p>
+            <a:r>
+              <a:rPr lang="es-ES_tradnl" dirty="0" err="1" smtClean="0"/>
+              <a:t>History</a:t>
+            </a:r>
+            <a:r>
+              <a:rPr lang="es-ES_tradnl" dirty="0" smtClean="0"/>
+              <a:t> API</a:t>
+            </a:r>
+          </a:p>
+          <a:p>
+            <a:pPr lvl="1"/>
+            <a:r>
+              <a:rPr lang="es-ES_tradnl" dirty="0" smtClean="0"/>
+              <a:t>Permite modificar el historial. Ideal para Web Apps</a:t>
+            </a:r>
+          </a:p>
+          <a:p>
+            <a:r>
+              <a:rPr lang="es-ES_tradnl" dirty="0" err="1" smtClean="0"/>
+              <a:t>Drag</a:t>
+            </a:r>
+            <a:r>
+              <a:rPr lang="es-ES_tradnl" dirty="0" smtClean="0"/>
+              <a:t> and </a:t>
+            </a:r>
+            <a:r>
+              <a:rPr lang="es-ES_tradnl" dirty="0" err="1" smtClean="0"/>
+              <a:t>drop</a:t>
+            </a:r>
+            <a:endParaRPr lang="es-ES_tradnl" dirty="0"/>
+          </a:p>
+          <a:p>
+            <a:pPr marL="0" indent="0">
+              <a:buNone/>
+            </a:pPr>
+            <a:endParaRPr lang="es-ES_tradnl" dirty="0" smtClean="0"/>
+          </a:p>
+          <a:p>
+            <a:endParaRPr lang="en-US" dirty="0"/>
+          </a:p>
+        </p:txBody>
+      </p:sp>
+    </p:spTree>
+    <p:extLst>
+      <p:ext uri="{BB962C8B-B14F-4D97-AF65-F5344CB8AC3E}">
+        <p14:creationId xmlns:p14="http://schemas.microsoft.com/office/powerpoint/2010/main" val="491141864"/>
       </p:ext>
     </p:extLst>
   </p:cSld>
@@ -10035,8 +9990,108 @@
           <a:p>
             <a:r>
               <a:rPr lang="es-ES_tradnl" dirty="0" smtClean="0"/>
-              <a:t>Demo CSS</a:t>
-            </a:r>
+              <a:t>CSS 3</a:t>
+            </a:r>
+            <a:endParaRPr lang="en-US" dirty="0"/>
+          </a:p>
+        </p:txBody>
+      </p:sp>
+      <p:sp>
+        <p:nvSpPr>
+          <p:cNvPr id="3" name="Content Placeholder 2"/>
+          <p:cNvSpPr>
+            <a:spLocks noGrp="1"/>
+          </p:cNvSpPr>
+          <p:nvPr>
+            <p:ph idx="1"/>
+          </p:nvPr>
+        </p:nvSpPr>
+        <p:spPr/>
+        <p:txBody>
+          <a:bodyPr/>
+          <a:lstStyle/>
+          <a:p>
+            <a:r>
+              <a:rPr lang="es-ES_tradnl" dirty="0" smtClean="0"/>
+              <a:t>Media </a:t>
+            </a:r>
+            <a:r>
+              <a:rPr lang="es-ES_tradnl" dirty="0" err="1" smtClean="0"/>
+              <a:t>Queries</a:t>
+            </a:r>
+            <a:endParaRPr lang="es-ES_tradnl" dirty="0" smtClean="0"/>
+          </a:p>
+          <a:p>
+            <a:r>
+              <a:rPr lang="es-ES_tradnl" dirty="0" smtClean="0"/>
+              <a:t>Soporte para</a:t>
+            </a:r>
+          </a:p>
+          <a:p>
+            <a:pPr lvl="1"/>
+            <a:r>
+              <a:rPr lang="es-ES_tradnl" dirty="0" err="1" smtClean="0"/>
+              <a:t>Animations</a:t>
+            </a:r>
+            <a:endParaRPr lang="es-ES_tradnl" dirty="0" smtClean="0"/>
+          </a:p>
+          <a:p>
+            <a:pPr lvl="1"/>
+            <a:r>
+              <a:rPr lang="es-ES_tradnl" dirty="0" err="1" smtClean="0"/>
+              <a:t>Transitions</a:t>
+            </a:r>
+            <a:endParaRPr lang="es-ES_tradnl" dirty="0" smtClean="0"/>
+          </a:p>
+          <a:p>
+            <a:pPr lvl="1"/>
+            <a:r>
+              <a:rPr lang="es-ES_tradnl" dirty="0" err="1" smtClean="0"/>
+              <a:t>Transformations</a:t>
+            </a:r>
+            <a:r>
+              <a:rPr lang="es-ES_tradnl" dirty="0" smtClean="0"/>
+              <a:t> (2d y 3d)</a:t>
+            </a:r>
+          </a:p>
+          <a:p>
+            <a:pPr lvl="1"/>
+            <a:r>
+              <a:rPr lang="es-ES_tradnl" dirty="0" err="1" smtClean="0"/>
+              <a:t>Gradients</a:t>
+            </a:r>
+            <a:endParaRPr lang="es-ES_tradnl" dirty="0" smtClean="0"/>
+          </a:p>
+          <a:p>
+            <a:r>
+              <a:rPr lang="es-ES_tradnl" dirty="0" smtClean="0"/>
+              <a:t>Web </a:t>
+            </a:r>
+            <a:r>
+              <a:rPr lang="es-ES_tradnl" dirty="0" err="1" smtClean="0"/>
+              <a:t>Fonts</a:t>
+            </a:r>
+            <a:endParaRPr lang="es-ES_tradnl" dirty="0" smtClean="0"/>
+          </a:p>
+          <a:p>
+            <a:r>
+              <a:rPr lang="es-ES_tradnl" dirty="0" err="1" smtClean="0"/>
+              <a:t>Pseudo</a:t>
+            </a:r>
+            <a:r>
+              <a:rPr lang="es-ES_tradnl" dirty="0" smtClean="0"/>
+              <a:t> clases y </a:t>
+            </a:r>
+            <a:r>
+              <a:rPr lang="es-ES_tradnl" dirty="0" err="1" smtClean="0"/>
+              <a:t>pseudo</a:t>
+            </a:r>
+            <a:r>
+              <a:rPr lang="es-ES_tradnl" dirty="0" smtClean="0"/>
+              <a:t> elementos</a:t>
+            </a:r>
+          </a:p>
+          <a:p>
             <a:endParaRPr lang="en-US" dirty="0"/>
           </a:p>
         </p:txBody>
@@ -10044,7 +10099,7 @@
     </p:spTree>
     <p:extLst>
       <p:ext uri="{BB962C8B-B14F-4D97-AF65-F5344CB8AC3E}">
-        <p14:creationId xmlns:p14="http://schemas.microsoft.com/office/powerpoint/2010/main" val="1343058198"/>
+        <p14:creationId xmlns:p14="http://schemas.microsoft.com/office/powerpoint/2010/main" val="413119868"/>
       </p:ext>
     </p:extLst>
   </p:cSld>
@@ -10087,114 +10142,8 @@
           <a:lstStyle/>
           <a:p>
             <a:r>
-              <a:rPr lang="es-ES_tradnl" dirty="0" err="1" smtClean="0"/>
-              <a:t>Frameworks</a:t>
-            </a:r>
-            <a:r>
-              <a:rPr lang="es-ES_tradnl" dirty="0" smtClean="0"/>
-              <a:t> CSS</a:t>
-            </a:r>
-            <a:endParaRPr lang="en-US" dirty="0"/>
-          </a:p>
-        </p:txBody>
-      </p:sp>
-      <p:sp>
-        <p:nvSpPr>
-          <p:cNvPr id="3" name="Content Placeholder 2"/>
-          <p:cNvSpPr>
-            <a:spLocks noGrp="1"/>
-          </p:cNvSpPr>
-          <p:nvPr>
-            <p:ph idx="1"/>
-          </p:nvPr>
-        </p:nvSpPr>
-        <p:spPr/>
-        <p:txBody>
-          <a:bodyPr>
-            <a:normAutofit/>
-          </a:bodyPr>
-          <a:lstStyle/>
-          <a:p>
-            <a:r>
-              <a:rPr lang="en-US" dirty="0" smtClean="0">
-                <a:hlinkClick r:id="rId3"/>
-              </a:rPr>
-              <a:t>http://www.getskeleton.com</a:t>
-            </a:r>
-            <a:r>
-              <a:rPr lang="en-US" dirty="0" smtClean="0">
-                <a:hlinkClick r:id="rId3"/>
-              </a:rPr>
-              <a:t>/</a:t>
-            </a:r>
-            <a:endParaRPr lang="es-ES_tradnl" dirty="0"/>
-          </a:p>
-          <a:p>
-            <a:r>
-              <a:rPr lang="en-US" dirty="0" smtClean="0">
-                <a:hlinkClick r:id="rId4"/>
-              </a:rPr>
-              <a:t>http://twitter.github.io/bootstrap</a:t>
-            </a:r>
-            <a:r>
-              <a:rPr lang="en-US" dirty="0" smtClean="0">
-                <a:hlinkClick r:id="rId4"/>
-              </a:rPr>
-              <a:t>/</a:t>
-            </a:r>
-            <a:endParaRPr lang="es-ES_tradnl" dirty="0"/>
-          </a:p>
-          <a:p>
-            <a:r>
-              <a:rPr lang="en-US" dirty="0">
-                <a:hlinkClick r:id="rId5"/>
-              </a:rPr>
-              <a:t>http://foundation.zurb.com</a:t>
-            </a:r>
-            <a:r>
-              <a:rPr lang="en-US" dirty="0" smtClean="0">
-                <a:hlinkClick r:id="rId5"/>
-              </a:rPr>
-              <a:t>/</a:t>
-            </a:r>
-            <a:endParaRPr lang="es-ES_tradnl" dirty="0"/>
-          </a:p>
-          <a:p>
-            <a:r>
-              <a:rPr lang="en-US" dirty="0">
-                <a:hlinkClick r:id="rId6"/>
-              </a:rPr>
-              <a:t>http://purecss.io</a:t>
-            </a:r>
-            <a:r>
-              <a:rPr lang="en-US" dirty="0" smtClean="0">
-                <a:hlinkClick r:id="rId6"/>
-              </a:rPr>
-              <a:t>/</a:t>
-            </a:r>
-            <a:endParaRPr lang="en-US" dirty="0" smtClean="0"/>
-          </a:p>
-          <a:p>
-            <a:r>
-              <a:rPr lang="en-US" dirty="0">
-                <a:hlinkClick r:id="rId7"/>
-              </a:rPr>
-              <a:t>http://960.gs</a:t>
-            </a:r>
-            <a:r>
-              <a:rPr lang="en-US" dirty="0" smtClean="0">
-                <a:hlinkClick r:id="rId7"/>
-              </a:rPr>
-              <a:t>/</a:t>
-            </a:r>
-            <a:endParaRPr lang="es-ES_tradnl" dirty="0"/>
-          </a:p>
-          <a:p>
-            <a:r>
-              <a:rPr lang="en-US" dirty="0">
-                <a:hlinkClick r:id="rId8"/>
-              </a:rPr>
-              <a:t>http://unsemantic.com/</a:t>
+              <a:rPr lang="es-ES_tradnl" dirty="0" smtClean="0"/>
+              <a:t>Demo CSS</a:t>
             </a:r>
             <a:endParaRPr lang="en-US" dirty="0"/>
           </a:p>
@@ -10203,7 +10152,7 @@
     </p:spTree>
     <p:extLst>
       <p:ext uri="{BB962C8B-B14F-4D97-AF65-F5344CB8AC3E}">
-        <p14:creationId xmlns:p14="http://schemas.microsoft.com/office/powerpoint/2010/main" val="2313433037"/>
+        <p14:creationId xmlns:p14="http://schemas.microsoft.com/office/powerpoint/2010/main" val="1343058198"/>
       </p:ext>
     </p:extLst>
   </p:cSld>
@@ -10247,7 +10196,11 @@
           <a:p>
             <a:r>
               <a:rPr lang="es-ES_tradnl" dirty="0" err="1" smtClean="0"/>
-              <a:t>Bootstrap</a:t>
+              <a:t>Frameworks</a:t>
+            </a:r>
+            <a:r>
+              <a:rPr lang="es-ES_tradnl" dirty="0" smtClean="0"/>
+              <a:t> CSS</a:t>
             </a:r>
             <a:endParaRPr lang="en-US" dirty="0"/>
           </a:p>
@@ -10265,154 +10218,80 @@
         </p:nvSpPr>
         <p:spPr/>
         <p:txBody>
-          <a:bodyPr/>
-          <a:lstStyle/>
-          <a:p>
-            <a:r>
-              <a:rPr lang="es-ES_tradnl" dirty="0" err="1" smtClean="0"/>
-              <a:t>Scaffolding</a:t>
-            </a:r>
-            <a:endParaRPr lang="es-ES_tradnl" dirty="0" smtClean="0"/>
-          </a:p>
-          <a:p>
-            <a:pPr lvl="1"/>
-            <a:r>
-              <a:rPr lang="es-ES_tradnl" dirty="0" err="1" smtClean="0"/>
-              <a:t>Grid</a:t>
-            </a:r>
-            <a:r>
-              <a:rPr lang="es-ES_tradnl" dirty="0" smtClean="0"/>
-              <a:t> </a:t>
-            </a:r>
-            <a:r>
-              <a:rPr lang="es-ES_tradnl" dirty="0" err="1" smtClean="0"/>
-              <a:t>system</a:t>
-            </a:r>
-            <a:r>
-              <a:rPr lang="es-ES_tradnl" dirty="0" smtClean="0"/>
-              <a:t>: 12 columnas</a:t>
-            </a:r>
-          </a:p>
-          <a:p>
-            <a:pPr lvl="1"/>
-            <a:r>
-              <a:rPr lang="es-ES_tradnl" dirty="0" err="1" smtClean="0"/>
-              <a:t>Layouts</a:t>
-            </a:r>
-            <a:endParaRPr lang="es-ES_tradnl" dirty="0" smtClean="0"/>
-          </a:p>
-          <a:p>
-            <a:pPr lvl="1"/>
-            <a:r>
-              <a:rPr lang="es-ES_tradnl" dirty="0" err="1" smtClean="0"/>
-              <a:t>Responsive</a:t>
-            </a:r>
-            <a:r>
-              <a:rPr lang="es-ES_tradnl" dirty="0" smtClean="0"/>
-              <a:t> </a:t>
-            </a:r>
-            <a:r>
-              <a:rPr lang="es-ES_tradnl" dirty="0" err="1" smtClean="0"/>
-              <a:t>design</a:t>
-            </a:r>
-            <a:endParaRPr lang="es-ES_tradnl" dirty="0" smtClean="0"/>
-          </a:p>
-          <a:p>
-            <a:r>
-              <a:rPr lang="es-ES_tradnl" dirty="0" smtClean="0"/>
-              <a:t>Base </a:t>
-            </a:r>
-            <a:r>
-              <a:rPr lang="es-ES_tradnl" dirty="0" err="1" smtClean="0"/>
-              <a:t>css</a:t>
-            </a:r>
-            <a:endParaRPr lang="es-ES_tradnl" dirty="0" smtClean="0"/>
-          </a:p>
-          <a:p>
-            <a:pPr lvl="1"/>
-            <a:r>
-              <a:rPr lang="es-ES_tradnl" dirty="0" err="1" smtClean="0"/>
-              <a:t>Tag</a:t>
-            </a:r>
-            <a:r>
-              <a:rPr lang="es-ES_tradnl" dirty="0" smtClean="0"/>
-              <a:t> </a:t>
-            </a:r>
-            <a:r>
-              <a:rPr lang="es-ES_tradnl" dirty="0" err="1"/>
-              <a:t>c</a:t>
-            </a:r>
-            <a:r>
-              <a:rPr lang="es-ES_tradnl" dirty="0" err="1" smtClean="0"/>
-              <a:t>ode</a:t>
-            </a:r>
-            <a:r>
-              <a:rPr lang="es-ES_tradnl" dirty="0" smtClean="0"/>
-              <a:t>, Tablas, </a:t>
-            </a:r>
-            <a:r>
-              <a:rPr lang="es-ES_tradnl" dirty="0" err="1" smtClean="0"/>
-              <a:t>forms</a:t>
-            </a:r>
-            <a:r>
-              <a:rPr lang="es-ES_tradnl" dirty="0" smtClean="0"/>
-              <a:t>, botones, imágenes e iconos</a:t>
-            </a:r>
-          </a:p>
-          <a:p>
-            <a:r>
-              <a:rPr lang="es-ES_tradnl" dirty="0" smtClean="0"/>
-              <a:t>Componentes</a:t>
-            </a:r>
-          </a:p>
-          <a:p>
-            <a:pPr lvl="1"/>
-            <a:r>
-              <a:rPr lang="es-ES_tradnl" dirty="0" smtClean="0"/>
-              <a:t>Grupos de botones, </a:t>
-            </a:r>
-            <a:r>
-              <a:rPr lang="es-ES_tradnl" dirty="0" err="1" smtClean="0"/>
-              <a:t>tabs</a:t>
-            </a:r>
-            <a:r>
-              <a:rPr lang="es-ES_tradnl" dirty="0" smtClean="0"/>
-              <a:t>, </a:t>
-            </a:r>
-            <a:r>
-              <a:rPr lang="es-ES_tradnl" dirty="0" err="1" smtClean="0"/>
-              <a:t>nav</a:t>
-            </a:r>
-            <a:r>
-              <a:rPr lang="es-ES_tradnl" dirty="0" smtClean="0"/>
-              <a:t> bar, </a:t>
-            </a:r>
-            <a:r>
-              <a:rPr lang="es-ES_tradnl" dirty="0" err="1" smtClean="0"/>
-              <a:t>dropdowns</a:t>
-            </a:r>
-            <a:r>
-              <a:rPr lang="es-ES_tradnl" dirty="0" smtClean="0"/>
-              <a:t>, </a:t>
-            </a:r>
-            <a:r>
-              <a:rPr lang="es-ES_tradnl" dirty="0" err="1" smtClean="0"/>
-              <a:t>alerts</a:t>
-            </a:r>
-            <a:r>
-              <a:rPr lang="es-ES_tradnl" dirty="0" smtClean="0"/>
-              <a:t>, </a:t>
-            </a:r>
-            <a:r>
-              <a:rPr lang="es-ES_tradnl" dirty="0" err="1" smtClean="0"/>
-              <a:t>progress</a:t>
-            </a:r>
-            <a:r>
-              <a:rPr lang="es-ES_tradnl" dirty="0" smtClean="0"/>
-              <a:t> bar, paginación, etc.</a:t>
-            </a:r>
-          </a:p>
-          <a:p>
+          <a:bodyPr>
+            <a:normAutofit/>
+          </a:bodyPr>
+          <a:lstStyle/>
+          <a:p>
+            <a:r>
+              <a:rPr lang="en-US" dirty="0" smtClean="0">
+                <a:hlinkClick r:id="rId3"/>
+              </a:rPr>
+              <a:t>http://www.getskeleton.com/</a:t>
+            </a:r>
+            <a:endParaRPr lang="es-ES_tradnl" dirty="0"/>
+          </a:p>
+          <a:p>
+            <a:r>
+              <a:rPr lang="en-US" dirty="0" smtClean="0">
+                <a:hlinkClick r:id="rId4"/>
+              </a:rPr>
+              <a:t>http://twitter.github.io/bootstrap/</a:t>
+            </a:r>
+            <a:endParaRPr lang="es-ES_tradnl" dirty="0"/>
+          </a:p>
+          <a:p>
+            <a:r>
+              <a:rPr lang="en-US" dirty="0">
+                <a:hlinkClick r:id="rId5"/>
+              </a:rPr>
+              <a:t>http://foundation.zurb.com</a:t>
+            </a:r>
+            <a:r>
+              <a:rPr lang="en-US" dirty="0" smtClean="0">
+                <a:hlinkClick r:id="rId5"/>
+              </a:rPr>
+              <a:t>/</a:t>
+            </a:r>
+            <a:endParaRPr lang="es-ES_tradnl" dirty="0"/>
+          </a:p>
+          <a:p>
+            <a:r>
+              <a:rPr lang="en-US" dirty="0">
+                <a:hlinkClick r:id="rId6"/>
+              </a:rPr>
+              <a:t>http://purecss.io</a:t>
+            </a:r>
+            <a:r>
+              <a:rPr lang="en-US" dirty="0" smtClean="0">
+                <a:hlinkClick r:id="rId6"/>
+              </a:rPr>
+              <a:t>/</a:t>
+            </a:r>
+            <a:endParaRPr lang="en-US" dirty="0" smtClean="0"/>
+          </a:p>
+          <a:p>
+            <a:r>
+              <a:rPr lang="en-US" dirty="0">
+                <a:hlinkClick r:id="rId7"/>
+              </a:rPr>
+              <a:t>http://960.gs</a:t>
+            </a:r>
+            <a:r>
+              <a:rPr lang="en-US" dirty="0" smtClean="0">
+                <a:hlinkClick r:id="rId7"/>
+              </a:rPr>
+              <a:t>/</a:t>
+            </a:r>
+            <a:endParaRPr lang="es-ES_tradnl" dirty="0"/>
+          </a:p>
+          <a:p>
+            <a:r>
+              <a:rPr lang="en-US" dirty="0">
+                <a:hlinkClick r:id="rId8"/>
+              </a:rPr>
+              <a:t>http://unsemantic.com/</a:t>
+            </a:r>
             <a:endParaRPr lang="en-US" dirty="0"/>
           </a:p>
         </p:txBody>
@@ -10420,7 +10299,7 @@
     </p:spTree>
     <p:extLst>
       <p:ext uri="{BB962C8B-B14F-4D97-AF65-F5344CB8AC3E}">
-        <p14:creationId xmlns:p14="http://schemas.microsoft.com/office/powerpoint/2010/main" val="1813128353"/>
+        <p14:creationId xmlns:p14="http://schemas.microsoft.com/office/powerpoint/2010/main" val="2313433037"/>
       </p:ext>
     </p:extLst>
   </p:cSld>
@@ -10463,13 +10342,173 @@
           <a:lstStyle/>
           <a:p>
             <a:r>
-              <a:rPr lang="es-ES_tradnl" dirty="0" smtClean="0"/>
-              <a:t>Demo </a:t>
-            </a:r>
-            <a:r>
               <a:rPr lang="es-ES_tradnl" dirty="0" err="1" smtClean="0"/>
               <a:t>Bootstrap</a:t>
             </a:r>
+            <a:endParaRPr lang="en-US" dirty="0"/>
+          </a:p>
+        </p:txBody>
+      </p:sp>
+      <p:sp>
+        <p:nvSpPr>
+          <p:cNvPr id="3" name="Content Placeholder 2"/>
+          <p:cNvSpPr>
+            <a:spLocks noGrp="1"/>
+          </p:cNvSpPr>
+          <p:nvPr>
+            <p:ph idx="1"/>
+          </p:nvPr>
+        </p:nvSpPr>
+        <p:spPr/>
+        <p:txBody>
+          <a:bodyPr/>
+          <a:lstStyle/>
+          <a:p>
+            <a:r>
+              <a:rPr lang="es-ES_tradnl" dirty="0" err="1" smtClean="0"/>
+              <a:t>Scaffolding</a:t>
+            </a:r>
+            <a:endParaRPr lang="es-ES_tradnl" dirty="0" smtClean="0"/>
+          </a:p>
+          <a:p>
+            <a:pPr lvl="1"/>
+            <a:r>
+              <a:rPr lang="es-ES_tradnl" dirty="0" err="1" smtClean="0"/>
+              <a:t>Grid</a:t>
+            </a:r>
+            <a:r>
+              <a:rPr lang="es-ES_tradnl" dirty="0" smtClean="0"/>
+              <a:t> </a:t>
+            </a:r>
+            <a:r>
+              <a:rPr lang="es-ES_tradnl" dirty="0" err="1" smtClean="0"/>
+              <a:t>system</a:t>
+            </a:r>
+            <a:r>
+              <a:rPr lang="es-ES_tradnl" dirty="0" smtClean="0"/>
+              <a:t>: 12 columnas</a:t>
+            </a:r>
+          </a:p>
+          <a:p>
+            <a:pPr lvl="1"/>
+            <a:r>
+              <a:rPr lang="es-ES_tradnl" dirty="0" err="1" smtClean="0"/>
+              <a:t>Layouts</a:t>
+            </a:r>
+            <a:endParaRPr lang="es-ES_tradnl" dirty="0" smtClean="0"/>
+          </a:p>
+          <a:p>
+            <a:pPr lvl="1"/>
+            <a:r>
+              <a:rPr lang="es-ES_tradnl" dirty="0" err="1" smtClean="0"/>
+              <a:t>Responsive</a:t>
+            </a:r>
+            <a:r>
+              <a:rPr lang="es-ES_tradnl" dirty="0" smtClean="0"/>
+              <a:t> </a:t>
+            </a:r>
+            <a:r>
+              <a:rPr lang="es-ES_tradnl" dirty="0" err="1" smtClean="0"/>
+              <a:t>design</a:t>
+            </a:r>
+            <a:endParaRPr lang="es-ES_tradnl" dirty="0" smtClean="0"/>
+          </a:p>
+          <a:p>
+            <a:r>
+              <a:rPr lang="es-ES_tradnl" dirty="0" smtClean="0"/>
+              <a:t>Base </a:t>
+            </a:r>
+            <a:r>
+              <a:rPr lang="es-ES_tradnl" dirty="0" err="1" smtClean="0"/>
+              <a:t>css</a:t>
+            </a:r>
+            <a:endParaRPr lang="es-ES_tradnl" dirty="0" smtClean="0"/>
+          </a:p>
+          <a:p>
+            <a:pPr lvl="1"/>
+            <a:r>
+              <a:rPr lang="es-ES_tradnl" dirty="0" err="1" smtClean="0"/>
+              <a:t>Tag</a:t>
+            </a:r>
+            <a:r>
+              <a:rPr lang="es-ES_tradnl" dirty="0" smtClean="0"/>
+              <a:t> </a:t>
+            </a:r>
+            <a:r>
+              <a:rPr lang="es-ES_tradnl" dirty="0" err="1"/>
+              <a:t>c</a:t>
+            </a:r>
+            <a:r>
+              <a:rPr lang="es-ES_tradnl" dirty="0" err="1" smtClean="0"/>
+              <a:t>ode</a:t>
+            </a:r>
+            <a:r>
+              <a:rPr lang="es-ES_tradnl" dirty="0" smtClean="0"/>
+              <a:t>, Tablas, </a:t>
+            </a:r>
+            <a:r>
+              <a:rPr lang="es-ES_tradnl" dirty="0" err="1" smtClean="0"/>
+              <a:t>forms</a:t>
+            </a:r>
+            <a:r>
+              <a:rPr lang="es-ES_tradnl" dirty="0" smtClean="0"/>
+              <a:t>, botones, imágenes e iconos</a:t>
+            </a:r>
+          </a:p>
+          <a:p>
+            <a:r>
+              <a:rPr lang="es-ES_tradnl" dirty="0" smtClean="0"/>
+              <a:t>Componentes</a:t>
+            </a:r>
+          </a:p>
+          <a:p>
+            <a:pPr lvl="1"/>
+            <a:r>
+              <a:rPr lang="es-ES_tradnl" dirty="0" smtClean="0"/>
+              <a:t>Grupos de botones, </a:t>
+            </a:r>
+            <a:r>
+              <a:rPr lang="es-ES_tradnl" dirty="0" err="1" smtClean="0"/>
+              <a:t>tabs</a:t>
+            </a:r>
+            <a:r>
+              <a:rPr lang="es-ES_tradnl" dirty="0" smtClean="0"/>
+              <a:t>, </a:t>
+            </a:r>
+            <a:r>
+              <a:rPr lang="es-ES_tradnl" dirty="0" err="1" smtClean="0"/>
+              <a:t>nav</a:t>
+            </a:r>
+            <a:r>
+              <a:rPr lang="es-ES_tradnl" dirty="0" smtClean="0"/>
+              <a:t> bar, </a:t>
+            </a:r>
+            <a:r>
+              <a:rPr lang="es-ES_tradnl" dirty="0" err="1" smtClean="0"/>
+              <a:t>dropdowns</a:t>
+            </a:r>
+            <a:r>
+              <a:rPr lang="es-ES_tradnl" dirty="0" smtClean="0"/>
+              <a:t>, </a:t>
+            </a:r>
+            <a:r>
+              <a:rPr lang="es-ES_tradnl" dirty="0" err="1" smtClean="0"/>
+              <a:t>alerts</a:t>
+            </a:r>
+            <a:r>
+              <a:rPr lang="es-ES_tradnl" dirty="0" smtClean="0"/>
+              <a:t>, </a:t>
+            </a:r>
+            <a:r>
+              <a:rPr lang="es-ES_tradnl" dirty="0" err="1" smtClean="0"/>
+              <a:t>progress</a:t>
+            </a:r>
+            <a:r>
+              <a:rPr lang="es-ES_tradnl" dirty="0" smtClean="0"/>
+              <a:t> bar, paginación, etc.</a:t>
+            </a:r>
+          </a:p>
+          <a:p>
             <a:endParaRPr lang="en-US" dirty="0"/>
           </a:p>
         </p:txBody>
@@ -10477,7 +10516,7 @@
     </p:spTree>
     <p:extLst>
       <p:ext uri="{BB962C8B-B14F-4D97-AF65-F5344CB8AC3E}">
-        <p14:creationId xmlns:p14="http://schemas.microsoft.com/office/powerpoint/2010/main" val="442459297"/>
+        <p14:creationId xmlns:p14="http://schemas.microsoft.com/office/powerpoint/2010/main" val="1813128353"/>
       </p:ext>
     </p:extLst>
   </p:cSld>
@@ -10521,6 +10560,63 @@
           <a:p>
             <a:r>
               <a:rPr lang="es-ES_tradnl" dirty="0" smtClean="0"/>
+              <a:t>Demo </a:t>
+            </a:r>
+            <a:r>
+              <a:rPr lang="es-ES_tradnl" dirty="0" err="1" smtClean="0"/>
+              <a:t>Bootstrap</a:t>
+            </a:r>
+            <a:endParaRPr lang="en-US" dirty="0"/>
+          </a:p>
+        </p:txBody>
+      </p:sp>
+    </p:spTree>
+    <p:extLst>
+      <p:ext uri="{BB962C8B-B14F-4D97-AF65-F5344CB8AC3E}">
+        <p14:creationId xmlns:p14="http://schemas.microsoft.com/office/powerpoint/2010/main" val="442459297"/>
+      </p:ext>
+    </p:extLst>
+  </p:cSld>
+  <p:clrMapOvr>
+    <a:masterClrMapping/>
+  </p:clrMapOvr>
+</p:sld>
+</file>
+
+<file path=ppt/slides/slide38.xml><?xml version="1.0" encoding="utf-8"?>
+<p:sld xmlns:a="http://schemas.openxmlformats.org/drawingml/2006/main" xmlns:r="http://schemas.openxmlformats.org/officeDocument/2006/relationships" xmlns:p="http://schemas.openxmlformats.org/presentationml/2006/main">
+  <p:cSld>
+    <p:spTree>
+      <p:nvGrpSpPr>
+        <p:cNvPr id="1" name=""/>
+        <p:cNvGrpSpPr/>
+        <p:nvPr/>
+      </p:nvGrpSpPr>
+      <p:grpSpPr>
+        <a:xfrm>
+          <a:off x="0" y="0"/>
+          <a:ext cx="0" cy="0"/>
+          <a:chOff x="0" y="0"/>
+          <a:chExt cx="0" cy="0"/>
+        </a:xfrm>
+      </p:grpSpPr>
+      <p:sp>
+        <p:nvSpPr>
+          <p:cNvPr id="2" name="Title 1"/>
+          <p:cNvSpPr>
+            <a:spLocks noGrp="1"/>
+          </p:cNvSpPr>
+          <p:nvPr>
+            <p:ph type="title"/>
+          </p:nvPr>
+        </p:nvSpPr>
+        <p:spPr/>
+        <p:txBody>
+          <a:bodyPr/>
+          <a:lstStyle/>
+          <a:p>
+            <a:r>
+              <a:rPr lang="es-ES_tradnl" dirty="0" smtClean="0"/>
               <a:t>Preprocesadores CSS</a:t>
             </a:r>
             <a:endParaRPr lang="en-US" dirty="0"/>
@@ -10617,7 +10713,7 @@
 </p:sld>
 </file>
 
-<file path=ppt/slides/slide38.xml><?xml version="1.0" encoding="utf-8"?>
+<file path=ppt/slides/slide39.xml><?xml version="1.0" encoding="utf-8"?>
 <p:sld xmlns:a="http://schemas.openxmlformats.org/drawingml/2006/main" xmlns:r="http://schemas.openxmlformats.org/officeDocument/2006/relationships" xmlns:p="http://schemas.openxmlformats.org/presentationml/2006/main">
   <p:cSld>
     <p:spTree>

--- a/Slides/Clase.pptx
+++ b/Slides/Clase.pptx
@@ -7,6 +7,9 @@
   <p:notesMasterIdLst>
     <p:notesMasterId r:id="rId41"/>
   </p:notesMasterIdLst>
+  <p:handoutMasterIdLst>
+    <p:handoutMasterId r:id="rId42"/>
+  </p:handoutMasterIdLst>
   <p:sldIdLst>
     <p:sldId id="256" r:id="rId2"/>
     <p:sldId id="260" r:id="rId3"/>
@@ -49,7 +52,7 @@
     <p:sldId id="283" r:id="rId40"/>
   </p:sldIdLst>
   <p:sldSz cx="12192000" cy="6858000"/>
-  <p:notesSz cx="6858000" cy="9144000"/>
+  <p:notesSz cx="9296400" cy="6881813"/>
   <p:defaultTextStyle>
     <a:defPPr>
       <a:defRPr lang="en-US"/>
@@ -165,6 +168,171 @@
 </p:cmAuthorLst>
 </file>
 
+<file path=ppt/handoutMasters/handoutMaster1.xml><?xml version="1.0" encoding="utf-8"?>
+<p:handoutMaster xmlns:a="http://schemas.openxmlformats.org/drawingml/2006/main" xmlns:r="http://schemas.openxmlformats.org/officeDocument/2006/relationships" xmlns:p="http://schemas.openxmlformats.org/presentationml/2006/main">
+  <p:cSld>
+    <p:bg>
+      <p:bgRef idx="1001">
+        <a:schemeClr val="bg1"/>
+      </p:bgRef>
+    </p:bg>
+    <p:spTree>
+      <p:nvGrpSpPr>
+        <p:cNvPr id="1" name=""/>
+        <p:cNvGrpSpPr/>
+        <p:nvPr/>
+      </p:nvGrpSpPr>
+      <p:grpSpPr>
+        <a:xfrm>
+          <a:off x="0" y="0"/>
+          <a:ext cx="0" cy="0"/>
+          <a:chOff x="0" y="0"/>
+          <a:chExt cx="0" cy="0"/>
+        </a:xfrm>
+      </p:grpSpPr>
+      <p:sp>
+        <p:nvSpPr>
+          <p:cNvPr id="2" name="Header Placeholder 1"/>
+          <p:cNvSpPr>
+            <a:spLocks noGrp="1"/>
+          </p:cNvSpPr>
+          <p:nvPr>
+            <p:ph type="hdr" sz="quarter"/>
+          </p:nvPr>
+        </p:nvSpPr>
+        <p:spPr>
+          <a:xfrm>
+            <a:off x="0" y="0"/>
+            <a:ext cx="4028440" cy="345286"/>
+          </a:xfrm>
+          <a:prstGeom prst="rect">
+            <a:avLst/>
+          </a:prstGeom>
+        </p:spPr>
+        <p:txBody>
+          <a:bodyPr vert="horz" lIns="92446" tIns="46223" rIns="92446" bIns="46223" rtlCol="0"/>
+          <a:lstStyle>
+            <a:lvl1pPr algn="l">
+              <a:defRPr sz="1200"/>
+            </a:lvl1pPr>
+          </a:lstStyle>
+          <a:p>
+            <a:endParaRPr lang="en-US"/>
+          </a:p>
+        </p:txBody>
+      </p:sp>
+      <p:sp>
+        <p:nvSpPr>
+          <p:cNvPr id="3" name="Date Placeholder 2"/>
+          <p:cNvSpPr>
+            <a:spLocks noGrp="1"/>
+          </p:cNvSpPr>
+          <p:nvPr>
+            <p:ph type="dt" sz="quarter" idx="1"/>
+          </p:nvPr>
+        </p:nvSpPr>
+        <p:spPr>
+          <a:xfrm>
+            <a:off x="5265809" y="0"/>
+            <a:ext cx="4028440" cy="345286"/>
+          </a:xfrm>
+          <a:prstGeom prst="rect">
+            <a:avLst/>
+          </a:prstGeom>
+        </p:spPr>
+        <p:txBody>
+          <a:bodyPr vert="horz" lIns="92446" tIns="46223" rIns="92446" bIns="46223" rtlCol="0"/>
+          <a:lstStyle>
+            <a:lvl1pPr algn="r">
+              <a:defRPr sz="1200"/>
+            </a:lvl1pPr>
+          </a:lstStyle>
+          <a:p>
+            <a:fld id="{7BA71279-A592-4655-B490-FD6D69922214}" type="datetimeFigureOut">
+              <a:rPr lang="en-US" smtClean="0"/>
+              <a:t>6/13/2013</a:t>
+            </a:fld>
+            <a:endParaRPr lang="en-US"/>
+          </a:p>
+        </p:txBody>
+      </p:sp>
+      <p:sp>
+        <p:nvSpPr>
+          <p:cNvPr id="4" name="Footer Placeholder 3"/>
+          <p:cNvSpPr>
+            <a:spLocks noGrp="1"/>
+          </p:cNvSpPr>
+          <p:nvPr>
+            <p:ph type="ftr" sz="quarter" idx="2"/>
+          </p:nvPr>
+        </p:nvSpPr>
+        <p:spPr>
+          <a:xfrm>
+            <a:off x="0" y="6536528"/>
+            <a:ext cx="4028440" cy="345285"/>
+          </a:xfrm>
+          <a:prstGeom prst="rect">
+            <a:avLst/>
+          </a:prstGeom>
+        </p:spPr>
+        <p:txBody>
+          <a:bodyPr vert="horz" lIns="92446" tIns="46223" rIns="92446" bIns="46223" rtlCol="0" anchor="b"/>
+          <a:lstStyle>
+            <a:lvl1pPr algn="l">
+              <a:defRPr sz="1200"/>
+            </a:lvl1pPr>
+          </a:lstStyle>
+          <a:p>
+            <a:endParaRPr lang="en-US"/>
+          </a:p>
+        </p:txBody>
+      </p:sp>
+      <p:sp>
+        <p:nvSpPr>
+          <p:cNvPr id="5" name="Slide Number Placeholder 4"/>
+          <p:cNvSpPr>
+            <a:spLocks noGrp="1"/>
+          </p:cNvSpPr>
+          <p:nvPr>
+            <p:ph type="sldNum" sz="quarter" idx="3"/>
+          </p:nvPr>
+        </p:nvSpPr>
+        <p:spPr>
+          <a:xfrm>
+            <a:off x="5265809" y="6536528"/>
+            <a:ext cx="4028440" cy="345285"/>
+          </a:xfrm>
+          <a:prstGeom prst="rect">
+            <a:avLst/>
+          </a:prstGeom>
+        </p:spPr>
+        <p:txBody>
+          <a:bodyPr vert="horz" lIns="92446" tIns="46223" rIns="92446" bIns="46223" rtlCol="0" anchor="b"/>
+          <a:lstStyle>
+            <a:lvl1pPr algn="r">
+              <a:defRPr sz="1200"/>
+            </a:lvl1pPr>
+          </a:lstStyle>
+          <a:p>
+            <a:fld id="{44D8CF9F-F11A-4648-B8CD-67839FFD6780}" type="slidenum">
+              <a:rPr lang="en-US" smtClean="0"/>
+              <a:t>‹#›</a:t>
+            </a:fld>
+            <a:endParaRPr lang="en-US"/>
+          </a:p>
+        </p:txBody>
+      </p:sp>
+    </p:spTree>
+    <p:extLst>
+      <p:ext uri="{BB962C8B-B14F-4D97-AF65-F5344CB8AC3E}">
+        <p14:creationId xmlns:p14="http://schemas.microsoft.com/office/powerpoint/2010/main" val="243967789"/>
+      </p:ext>
+    </p:extLst>
+  </p:cSld>
+  <p:clrMap bg1="lt1" tx1="dk1" bg2="lt2" tx2="dk2" accent1="accent1" accent2="accent2" accent3="accent3" accent4="accent4" accent5="accent5" accent6="accent6" hlink="hlink" folHlink="folHlink"/>
+</p:handoutMaster>
+</file>
+
 <file path=ppt/notesMasters/notesMaster1.xml><?xml version="1.0" encoding="utf-8"?>
 <p:notesMaster xmlns:a="http://schemas.openxmlformats.org/drawingml/2006/main" xmlns:r="http://schemas.openxmlformats.org/officeDocument/2006/relationships" xmlns:p="http://schemas.openxmlformats.org/presentationml/2006/main">
   <p:cSld>
@@ -200,14 +368,14 @@
         <p:spPr>
           <a:xfrm>
             <a:off x="0" y="0"/>
-            <a:ext cx="2971800" cy="458788"/>
+            <a:ext cx="4028440" cy="345286"/>
           </a:xfrm>
           <a:prstGeom prst="rect">
             <a:avLst/>
           </a:prstGeom>
         </p:spPr>
         <p:txBody>
-          <a:bodyPr vert="horz" lIns="91440" tIns="45720" rIns="91440" bIns="45720" rtlCol="0"/>
+          <a:bodyPr vert="horz" lIns="92446" tIns="46223" rIns="92446" bIns="46223" rtlCol="0"/>
           <a:lstStyle>
             <a:lvl1pPr algn="l">
               <a:defRPr sz="1200"/>
@@ -230,15 +398,15 @@
         </p:nvSpPr>
         <p:spPr>
           <a:xfrm>
-            <a:off x="3884613" y="0"/>
-            <a:ext cx="2971800" cy="458788"/>
+            <a:off x="5265809" y="0"/>
+            <a:ext cx="4028440" cy="345286"/>
           </a:xfrm>
           <a:prstGeom prst="rect">
             <a:avLst/>
           </a:prstGeom>
         </p:spPr>
         <p:txBody>
-          <a:bodyPr vert="horz" lIns="91440" tIns="45720" rIns="91440" bIns="45720" rtlCol="0"/>
+          <a:bodyPr vert="horz" lIns="92446" tIns="46223" rIns="92446" bIns="46223" rtlCol="0"/>
           <a:lstStyle>
             <a:lvl1pPr algn="r">
               <a:defRPr sz="1200"/>
@@ -247,7 +415,7 @@
           <a:p>
             <a:fld id="{9EE80FC8-2411-480F-8805-F0ECF3A4843D}" type="datetimeFigureOut">
               <a:rPr lang="en-US" smtClean="0"/>
-              <a:t>6/11/2013</a:t>
+              <a:t>6/13/2013</a:t>
             </a:fld>
             <a:endParaRPr lang="en-US"/>
           </a:p>
@@ -265,8 +433,8 @@
         </p:nvSpPr>
         <p:spPr>
           <a:xfrm>
-            <a:off x="685800" y="1143000"/>
-            <a:ext cx="5486400" cy="3086100"/>
+            <a:off x="2584450" y="860425"/>
+            <a:ext cx="4127500" cy="2322513"/>
           </a:xfrm>
           <a:prstGeom prst="rect">
             <a:avLst/>
@@ -279,7 +447,7 @@
           </a:ln>
         </p:spPr>
         <p:txBody>
-          <a:bodyPr vert="horz" lIns="91440" tIns="45720" rIns="91440" bIns="45720" rtlCol="0" anchor="ctr"/>
+          <a:bodyPr vert="horz" lIns="92446" tIns="46223" rIns="92446" bIns="46223" rtlCol="0" anchor="ctr"/>
           <a:lstStyle/>
           <a:p>
             <a:endParaRPr lang="en-US"/>
@@ -298,15 +466,15 @@
         </p:nvSpPr>
         <p:spPr>
           <a:xfrm>
-            <a:off x="685800" y="4400550"/>
-            <a:ext cx="5486400" cy="3600450"/>
+            <a:off x="929640" y="3311872"/>
+            <a:ext cx="7437120" cy="2709714"/>
           </a:xfrm>
           <a:prstGeom prst="rect">
             <a:avLst/>
           </a:prstGeom>
         </p:spPr>
         <p:txBody>
-          <a:bodyPr vert="horz" lIns="91440" tIns="45720" rIns="91440" bIns="45720" rtlCol="0"/>
+          <a:bodyPr vert="horz" lIns="92446" tIns="46223" rIns="92446" bIns="46223" rtlCol="0"/>
           <a:lstStyle/>
           <a:p>
             <a:pPr lvl="0"/>
@@ -358,15 +526,15 @@
         </p:nvSpPr>
         <p:spPr>
           <a:xfrm>
-            <a:off x="0" y="8685213"/>
-            <a:ext cx="2971800" cy="458787"/>
+            <a:off x="0" y="6536528"/>
+            <a:ext cx="4028440" cy="345285"/>
           </a:xfrm>
           <a:prstGeom prst="rect">
             <a:avLst/>
           </a:prstGeom>
         </p:spPr>
         <p:txBody>
-          <a:bodyPr vert="horz" lIns="91440" tIns="45720" rIns="91440" bIns="45720" rtlCol="0" anchor="b"/>
+          <a:bodyPr vert="horz" lIns="92446" tIns="46223" rIns="92446" bIns="46223" rtlCol="0" anchor="b"/>
           <a:lstStyle>
             <a:lvl1pPr algn="l">
               <a:defRPr sz="1200"/>
@@ -389,15 +557,15 @@
         </p:nvSpPr>
         <p:spPr>
           <a:xfrm>
-            <a:off x="3884613" y="8685213"/>
-            <a:ext cx="2971800" cy="458787"/>
+            <a:off x="5265809" y="6536528"/>
+            <a:ext cx="4028440" cy="345285"/>
           </a:xfrm>
           <a:prstGeom prst="rect">
             <a:avLst/>
           </a:prstGeom>
         </p:spPr>
         <p:txBody>
-          <a:bodyPr vert="horz" lIns="91440" tIns="45720" rIns="91440" bIns="45720" rtlCol="0" anchor="b"/>
+          <a:bodyPr vert="horz" lIns="92446" tIns="46223" rIns="92446" bIns="46223" rtlCol="0" anchor="b"/>
           <a:lstStyle>
             <a:lvl1pPr algn="r">
               <a:defRPr sz="1200"/>
@@ -559,145 +727,7 @@
           <a:bodyPr/>
           <a:lstStyle/>
           <a:p>
-            <a:r>
-              <a:rPr lang="es-ES_tradnl" dirty="0" smtClean="0"/>
-              <a:t>Semántico: los humanos entienden la estructura del documento y su sentido</a:t>
-            </a:r>
-          </a:p>
-          <a:p>
-            <a:r>
-              <a:rPr lang="es-ES_tradnl" dirty="0" smtClean="0"/>
-              <a:t>No sirve para diseño y presentación. Para eso es CSS</a:t>
-            </a:r>
-          </a:p>
-          <a:p>
-            <a:r>
-              <a:rPr lang="es-ES_tradnl" dirty="0" smtClean="0"/>
-              <a:t>No tiene comportamiento.</a:t>
-            </a:r>
-            <a:r>
-              <a:rPr lang="es-ES_tradnl" baseline="0" dirty="0" smtClean="0"/>
-              <a:t> Para eso está JavaScript</a:t>
-            </a:r>
-            <a:endParaRPr lang="es-ES_tradnl" dirty="0" smtClean="0"/>
-          </a:p>
-          <a:p>
-            <a:endParaRPr lang="es-ES_tradnl" dirty="0" smtClean="0"/>
-          </a:p>
-          <a:p>
-            <a:r>
-              <a:rPr lang="en-US" sz="1200" b="0" i="0" kern="1200" dirty="0" smtClean="0">
-                <a:solidFill>
-                  <a:schemeClr val="tx1"/>
-                </a:solidFill>
-                <a:effectLst/>
-                <a:latin typeface="+mn-lt"/>
-                <a:ea typeface="+mn-ea"/>
-                <a:cs typeface="+mn-cs"/>
-              </a:rPr>
-              <a:t>In the late 1980s, </a:t>
-            </a:r>
-            <a:r>
-              <a:rPr lang="en-US" sz="1200" b="0" i="0" u="none" strike="noStrike" kern="1200" dirty="0" smtClean="0">
-                <a:solidFill>
-                  <a:schemeClr val="tx1"/>
-                </a:solidFill>
-                <a:effectLst/>
-                <a:latin typeface="+mn-lt"/>
-                <a:ea typeface="+mn-ea"/>
-                <a:cs typeface="+mn-cs"/>
-                <a:hlinkClick r:id="rId3" tooltip="http://www.w3.org/People/Berners-Lee/"/>
-              </a:rPr>
-              <a:t>Tim Berners-Lee</a:t>
-            </a:r>
-            <a:r>
-              <a:rPr lang="en-US" sz="1200" b="0" i="0" kern="1200" dirty="0" smtClean="0">
-                <a:solidFill>
-                  <a:schemeClr val="tx1"/>
-                </a:solidFill>
-                <a:effectLst/>
-                <a:latin typeface="+mn-lt"/>
-                <a:ea typeface="+mn-ea"/>
-                <a:cs typeface="+mn-cs"/>
-              </a:rPr>
-              <a:t> was working as a physicist at </a:t>
-            </a:r>
-            <a:r>
-              <a:rPr lang="en-US" sz="1200" b="0" i="0" u="none" strike="noStrike" kern="1200" dirty="0" smtClean="0">
-                <a:solidFill>
-                  <a:schemeClr val="tx1"/>
-                </a:solidFill>
-                <a:effectLst/>
-                <a:latin typeface="+mn-lt"/>
-                <a:ea typeface="+mn-ea"/>
-                <a:cs typeface="+mn-cs"/>
-                <a:hlinkClick r:id="rId4" tooltip="http://public.web.cern.ch/public/"/>
-              </a:rPr>
-              <a:t>CERN</a:t>
-            </a:r>
-            <a:r>
-              <a:rPr lang="en-US" sz="1200" b="0" i="0" kern="1200" dirty="0" smtClean="0">
-                <a:solidFill>
-                  <a:schemeClr val="tx1"/>
-                </a:solidFill>
-                <a:effectLst/>
-                <a:latin typeface="+mn-lt"/>
-                <a:ea typeface="+mn-ea"/>
-                <a:cs typeface="+mn-cs"/>
-              </a:rPr>
-              <a:t> (the European Organization for Nuclear Research). He devised a way for scientists to share documents over the internet. Prior to his invention, communication via the internet was limited to plain text, using technologies such as email, </a:t>
-            </a:r>
-            <a:r>
-              <a:rPr lang="en-US" sz="1200" b="0" i="0" u="none" strike="noStrike" kern="1200" dirty="0" smtClean="0">
-                <a:solidFill>
-                  <a:schemeClr val="tx1"/>
-                </a:solidFill>
-                <a:effectLst/>
-                <a:latin typeface="+mn-lt"/>
-                <a:ea typeface="+mn-ea"/>
-                <a:cs typeface="+mn-cs"/>
-                <a:hlinkClick r:id="rId5" tooltip="http://en.wikipedia.org/wiki/Ftp"/>
-              </a:rPr>
-              <a:t>FTP</a:t>
-            </a:r>
-            <a:r>
-              <a:rPr lang="en-US" sz="1200" b="0" i="0" kern="1200" dirty="0" smtClean="0">
-                <a:solidFill>
-                  <a:schemeClr val="tx1"/>
-                </a:solidFill>
-                <a:effectLst/>
-                <a:latin typeface="+mn-lt"/>
-                <a:ea typeface="+mn-ea"/>
-                <a:cs typeface="+mn-cs"/>
-              </a:rPr>
-              <a:t> (File Transfer Protocol), and </a:t>
-            </a:r>
-            <a:r>
-              <a:rPr lang="en-US" sz="1200" b="0" i="0" u="none" strike="noStrike" kern="1200" dirty="0" smtClean="0">
-                <a:solidFill>
-                  <a:schemeClr val="tx1"/>
-                </a:solidFill>
-                <a:effectLst/>
-                <a:latin typeface="+mn-lt"/>
-                <a:ea typeface="+mn-ea"/>
-                <a:cs typeface="+mn-cs"/>
-                <a:hlinkClick r:id="rId6" tooltip="http://en.wikipedia.org/wiki/Usenet"/>
-              </a:rPr>
-              <a:t>Usenet</a:t>
-            </a:r>
-            <a:r>
-              <a:rPr lang="en-US" sz="1200" b="0" i="0" kern="1200" dirty="0" smtClean="0">
-                <a:solidFill>
-                  <a:schemeClr val="tx1"/>
-                </a:solidFill>
-                <a:effectLst/>
-                <a:latin typeface="+mn-lt"/>
-                <a:ea typeface="+mn-ea"/>
-                <a:cs typeface="+mn-cs"/>
-              </a:rPr>
-              <a:t>-based discussion boards. The invention of HTML made use of a model of content stored on a central server that could be transferred and displayed on a local workstation via a browser. It simplified access to content and enabled the display of "rich" content (such as sophisticated text formatting and the display of images).</a:t>
-            </a:r>
-            <a:endParaRPr lang="en-US" dirty="0"/>
+            <a:endParaRPr lang="en-US"/>
           </a:p>
         </p:txBody>
       </p:sp>
@@ -718,7 +748,7 @@
           <a:p>
             <a:fld id="{33490EC4-9ED2-4743-9A12-62D7D00FD99C}" type="slidenum">
               <a:rPr lang="en-US" smtClean="0"/>
-              <a:t>2</a:t>
+              <a:t>1</a:t>
             </a:fld>
             <a:endParaRPr lang="en-US"/>
           </a:p>
@@ -727,7 +757,7 @@
     </p:spTree>
     <p:extLst>
       <p:ext uri="{BB962C8B-B14F-4D97-AF65-F5344CB8AC3E}">
-        <p14:creationId xmlns:p14="http://schemas.microsoft.com/office/powerpoint/2010/main" val="4253486836"/>
+        <p14:creationId xmlns:p14="http://schemas.microsoft.com/office/powerpoint/2010/main" val="1214826480"/>
       </p:ext>
     </p:extLst>
   </p:cSld>
@@ -783,27 +813,73 @@
           <a:p>
             <a:r>
               <a:rPr lang="es-ES_tradnl" dirty="0" smtClean="0"/>
-              <a:t>Con html5 el valor</a:t>
+              <a:t>Semántico: los humanos entienden la estructura del documento y su sentido</a:t>
+            </a:r>
+          </a:p>
+          <a:p>
+            <a:r>
+              <a:rPr lang="es-ES_tradnl" dirty="0" smtClean="0"/>
+              <a:t>No sirve para diseño y presentación. Para eso es CSS</a:t>
+            </a:r>
+          </a:p>
+          <a:p>
+            <a:r>
+              <a:rPr lang="es-ES_tradnl" dirty="0" smtClean="0"/>
+              <a:t>No tiene comportamiento.</a:t>
             </a:r>
             <a:r>
               <a:rPr lang="es-ES_tradnl" baseline="0" dirty="0" smtClean="0"/>
-              <a:t> a veces es optativo. Ejemplo existe un atributo </a:t>
-            </a:r>
-            <a:r>
-              <a:rPr lang="es-ES_tradnl" baseline="0" dirty="0" err="1" smtClean="0"/>
-              <a:t>required</a:t>
-            </a:r>
-            <a:r>
-              <a:rPr lang="es-ES_tradnl" baseline="0" dirty="0" smtClean="0"/>
-              <a:t> para los inputs de los </a:t>
-            </a:r>
-            <a:r>
-              <a:rPr lang="es-ES_tradnl" baseline="0" dirty="0" err="1" smtClean="0"/>
-              <a:t>forms</a:t>
-            </a:r>
-            <a:r>
-              <a:rPr lang="es-ES_tradnl" baseline="0" dirty="0" smtClean="0"/>
-              <a:t>.</a:t>
+              <a:t> Para eso está JavaScript</a:t>
+            </a:r>
+            <a:endParaRPr lang="es-ES_tradnl" dirty="0" smtClean="0"/>
+          </a:p>
+          <a:p>
+            <a:endParaRPr lang="es-ES_tradnl" dirty="0" smtClean="0"/>
+          </a:p>
+          <a:p>
+            <a:r>
+              <a:rPr lang="en-US" dirty="0"/>
+              <a:t>In the late 1980s, </a:t>
+            </a:r>
+            <a:r>
+              <a:rPr lang="en-US" dirty="0">
+                <a:hlinkClick r:id="rId3" tooltip="http://www.w3.org/People/Berners-Lee/"/>
+              </a:rPr>
+              <a:t>Tim Berners-Lee</a:t>
+            </a:r>
+            <a:r>
+              <a:rPr lang="en-US" dirty="0"/>
+              <a:t> was working as a physicist at </a:t>
+            </a:r>
+            <a:r>
+              <a:rPr lang="en-US" dirty="0">
+                <a:hlinkClick r:id="rId4" tooltip="http://public.web.cern.ch/public/"/>
+              </a:rPr>
+              <a:t>CERN</a:t>
+            </a:r>
+            <a:r>
+              <a:rPr lang="en-US" dirty="0"/>
+              <a:t> (the European Organization for Nuclear Research). He devised a way for scientists to share documents over the internet. Prior to his invention, communication via the internet was limited to plain text, using technologies such as email, </a:t>
+            </a:r>
+            <a:r>
+              <a:rPr lang="en-US" dirty="0">
+                <a:hlinkClick r:id="rId5" tooltip="http://en.wikipedia.org/wiki/Ftp"/>
+              </a:rPr>
+              <a:t>FTP</a:t>
+            </a:r>
+            <a:r>
+              <a:rPr lang="en-US" dirty="0"/>
+              <a:t> (File Transfer Protocol), and </a:t>
+            </a:r>
+            <a:r>
+              <a:rPr lang="en-US" dirty="0">
+                <a:hlinkClick r:id="rId6" tooltip="http://en.wikipedia.org/wiki/Usenet"/>
+              </a:rPr>
+              <a:t>Usenet</a:t>
+            </a:r>
+            <a:r>
+              <a:rPr lang="en-US" dirty="0"/>
+              <a:t>-based discussion boards. The invention of HTML made use of a model of content stored on a central server that could be transferred and displayed on a local workstation via a browser. It simplified access to content and enabled the display of "rich" content (such as sophisticated text formatting and the display of images).</a:t>
             </a:r>
             <a:endParaRPr lang="en-US" dirty="0"/>
           </a:p>
@@ -826,7 +902,7 @@
           <a:p>
             <a:fld id="{33490EC4-9ED2-4743-9A12-62D7D00FD99C}" type="slidenum">
               <a:rPr lang="en-US" smtClean="0"/>
-              <a:t>7</a:t>
+              <a:t>2</a:t>
             </a:fld>
             <a:endParaRPr lang="en-US"/>
           </a:p>
@@ -835,7 +911,7 @@
     </p:spTree>
     <p:extLst>
       <p:ext uri="{BB962C8B-B14F-4D97-AF65-F5344CB8AC3E}">
-        <p14:creationId xmlns:p14="http://schemas.microsoft.com/office/powerpoint/2010/main" val="572788237"/>
+        <p14:creationId xmlns:p14="http://schemas.microsoft.com/office/powerpoint/2010/main" val="4253486836"/>
       </p:ext>
     </p:extLst>
   </p:cSld>
@@ -889,89 +965,31 @@
           <a:bodyPr/>
           <a:lstStyle/>
           <a:p>
-            <a:pPr marL="0" marR="0" indent="0" algn="l" defTabSz="914400" rtl="0" eaLnBrk="1" fontAlgn="auto" latinLnBrk="0" hangingPunct="1">
-              <a:lnSpc>
-                <a:spcPct val="100000"/>
-              </a:lnSpc>
-              <a:spcBef>
-                <a:spcPts val="0"/>
-              </a:spcBef>
-              <a:spcAft>
-                <a:spcPts val="0"/>
-              </a:spcAft>
-              <a:buClrTx/>
-              <a:buSzTx/>
-              <a:buFontTx/>
-              <a:buNone/>
-              <a:tabLst/>
-              <a:defRPr/>
-            </a:pPr>
-            <a:r>
-              <a:rPr lang="es-ES_tradnl" dirty="0" smtClean="0"/>
-              <a:t>Todo en </a:t>
-            </a:r>
-            <a:r>
-              <a:rPr lang="es-ES_tradnl" dirty="0" err="1" smtClean="0"/>
-              <a:t>html</a:t>
-            </a:r>
-            <a:r>
-              <a:rPr lang="es-ES_tradnl" dirty="0" smtClean="0"/>
-              <a:t>/</a:t>
-            </a:r>
-            <a:r>
-              <a:rPr lang="es-ES_tradnl" dirty="0" err="1" smtClean="0"/>
-              <a:t>css</a:t>
-            </a:r>
-            <a:r>
-              <a:rPr lang="es-ES_tradnl" dirty="0" smtClean="0"/>
-              <a:t> son cajas</a:t>
-            </a:r>
-          </a:p>
-          <a:p>
-            <a:pPr marL="0" marR="0" indent="0" algn="l" defTabSz="914400" rtl="0" eaLnBrk="1" fontAlgn="auto" latinLnBrk="0" hangingPunct="1">
-              <a:lnSpc>
-                <a:spcPct val="100000"/>
-              </a:lnSpc>
-              <a:spcBef>
-                <a:spcPts val="0"/>
-              </a:spcBef>
-              <a:spcAft>
-                <a:spcPts val="0"/>
-              </a:spcAft>
-              <a:buClrTx/>
-              <a:buSzTx/>
-              <a:buFontTx/>
-              <a:buNone/>
-              <a:tabLst/>
-              <a:defRPr/>
-            </a:pPr>
-            <a:endParaRPr lang="es-ES_tradnl" dirty="0" smtClean="0"/>
-          </a:p>
-          <a:p>
-            <a:pPr marL="0" marR="0" indent="0" algn="l" defTabSz="914400" rtl="0" eaLnBrk="1" fontAlgn="auto" latinLnBrk="0" hangingPunct="1">
-              <a:lnSpc>
-                <a:spcPct val="100000"/>
-              </a:lnSpc>
-              <a:spcBef>
-                <a:spcPts val="0"/>
-              </a:spcBef>
-              <a:spcAft>
-                <a:spcPts val="0"/>
-              </a:spcAft>
-              <a:buClrTx/>
-              <a:buSzTx/>
-              <a:buFontTx/>
-              <a:buNone/>
-              <a:tabLst/>
-              <a:defRPr/>
-            </a:pPr>
-            <a:r>
-              <a:rPr lang="en-US" dirty="0" smtClean="0">
-                <a:hlinkClick r:id="rId3"/>
-              </a:rPr>
-              <a:t>http://www.impressivewebs.com/difference-block-inline-css/</a:t>
-            </a:r>
-            <a:endParaRPr lang="es-ES_tradnl" dirty="0" smtClean="0"/>
+            <a:r>
+              <a:rPr lang="es-ES_tradnl" dirty="0" smtClean="0"/>
+              <a:t>Con html5 el valor</a:t>
+            </a:r>
+            <a:r>
+              <a:rPr lang="es-ES_tradnl" baseline="0" dirty="0" smtClean="0"/>
+              <a:t> a veces es optativo. Ejemplo existe un atributo </a:t>
+            </a:r>
+            <a:r>
+              <a:rPr lang="es-ES_tradnl" baseline="0" dirty="0" err="1" smtClean="0"/>
+              <a:t>required</a:t>
+            </a:r>
+            <a:r>
+              <a:rPr lang="es-ES_tradnl" baseline="0" dirty="0" smtClean="0"/>
+              <a:t> para los inputs de los </a:t>
+            </a:r>
+            <a:r>
+              <a:rPr lang="es-ES_tradnl" baseline="0" dirty="0" err="1" smtClean="0"/>
+              <a:t>forms</a:t>
+            </a:r>
+            <a:r>
+              <a:rPr lang="es-ES_tradnl" baseline="0" dirty="0" smtClean="0"/>
+              <a:t>.</a:t>
+            </a:r>
+            <a:endParaRPr lang="en-US" dirty="0"/>
           </a:p>
         </p:txBody>
       </p:sp>
@@ -992,7 +1010,7 @@
           <a:p>
             <a:fld id="{33490EC4-9ED2-4743-9A12-62D7D00FD99C}" type="slidenum">
               <a:rPr lang="en-US" smtClean="0"/>
-              <a:t>10</a:t>
+              <a:t>7</a:t>
             </a:fld>
             <a:endParaRPr lang="en-US"/>
           </a:p>
@@ -1001,7 +1019,7 @@
     </p:spTree>
     <p:extLst>
       <p:ext uri="{BB962C8B-B14F-4D97-AF65-F5344CB8AC3E}">
-        <p14:creationId xmlns:p14="http://schemas.microsoft.com/office/powerpoint/2010/main" val="2515815111"/>
+        <p14:creationId xmlns:p14="http://schemas.microsoft.com/office/powerpoint/2010/main" val="572788237"/>
       </p:ext>
     </p:extLst>
   </p:cSld>
@@ -1055,23 +1073,47 @@
           <a:bodyPr/>
           <a:lstStyle/>
           <a:p>
+            <a:pPr defTabSz="924458">
+              <a:defRPr/>
+            </a:pPr>
+            <a:r>
+              <a:rPr lang="es-ES_tradnl" dirty="0" smtClean="0"/>
+              <a:t>Todo en </a:t>
+            </a:r>
             <a:r>
               <a:rPr lang="es-ES_tradnl" dirty="0" err="1" smtClean="0"/>
-              <a:t>Td</a:t>
-            </a:r>
-            <a:r>
-              <a:rPr lang="es-ES_tradnl" dirty="0" smtClean="0"/>
-              <a:t> : </a:t>
+              <a:t>html</a:t>
+            </a:r>
+            <a:r>
+              <a:rPr lang="es-ES_tradnl" dirty="0" smtClean="0"/>
+              <a:t>/</a:t>
             </a:r>
             <a:r>
               <a:rPr lang="es-ES_tradnl" dirty="0" err="1" smtClean="0"/>
-              <a:t>table</a:t>
-            </a:r>
-            <a:r>
-              <a:rPr lang="es-ES_tradnl" dirty="0" smtClean="0"/>
-              <a:t> data</a:t>
-            </a:r>
-            <a:endParaRPr lang="en-US" dirty="0"/>
+              <a:t>css</a:t>
+            </a:r>
+            <a:r>
+              <a:rPr lang="es-ES_tradnl" dirty="0" smtClean="0"/>
+              <a:t> son cajas</a:t>
+            </a:r>
+          </a:p>
+          <a:p>
+            <a:pPr defTabSz="924458">
+              <a:defRPr/>
+            </a:pPr>
+            <a:endParaRPr lang="es-ES_tradnl" dirty="0" smtClean="0"/>
+          </a:p>
+          <a:p>
+            <a:pPr defTabSz="924458">
+              <a:defRPr/>
+            </a:pPr>
+            <a:r>
+              <a:rPr lang="en-US" dirty="0" smtClean="0">
+                <a:hlinkClick r:id="rId3"/>
+              </a:rPr>
+              <a:t>http://www.impressivewebs.com/difference-block-inline-css/</a:t>
+            </a:r>
+            <a:endParaRPr lang="es-ES_tradnl" dirty="0" smtClean="0"/>
           </a:p>
         </p:txBody>
       </p:sp>
@@ -1092,7 +1134,7 @@
           <a:p>
             <a:fld id="{33490EC4-9ED2-4743-9A12-62D7D00FD99C}" type="slidenum">
               <a:rPr lang="en-US" smtClean="0"/>
-              <a:t>12</a:t>
+              <a:t>10</a:t>
             </a:fld>
             <a:endParaRPr lang="en-US"/>
           </a:p>
@@ -1101,7 +1143,7 @@
     </p:spTree>
     <p:extLst>
       <p:ext uri="{BB962C8B-B14F-4D97-AF65-F5344CB8AC3E}">
-        <p14:creationId xmlns:p14="http://schemas.microsoft.com/office/powerpoint/2010/main" val="3555162724"/>
+        <p14:creationId xmlns:p14="http://schemas.microsoft.com/office/powerpoint/2010/main" val="2515815111"/>
       </p:ext>
     </p:extLst>
   </p:cSld>
@@ -1155,62 +1197,22 @@
           <a:bodyPr/>
           <a:lstStyle/>
           <a:p>
-            <a:pPr marL="0" marR="0" indent="0" algn="l" defTabSz="914400" rtl="0" eaLnBrk="1" fontAlgn="auto" latinLnBrk="0" hangingPunct="1">
-              <a:lnSpc>
-                <a:spcPct val="100000"/>
-              </a:lnSpc>
-              <a:spcBef>
-                <a:spcPts val="0"/>
-              </a:spcBef>
-              <a:spcAft>
-                <a:spcPts val="0"/>
-              </a:spcAft>
-              <a:buClrTx/>
-              <a:buSzTx/>
-              <a:buFontTx/>
-              <a:buNone/>
-              <a:tabLst/>
-              <a:defRPr/>
-            </a:pPr>
             <a:r>
               <a:rPr lang="es-ES_tradnl" dirty="0" err="1" smtClean="0"/>
-              <a:t>Margin</a:t>
-            </a:r>
-            <a:r>
-              <a:rPr lang="es-ES_tradnl" dirty="0" smtClean="0"/>
-              <a:t>, </a:t>
+              <a:t>Td</a:t>
+            </a:r>
+            <a:r>
+              <a:rPr lang="es-ES_tradnl" dirty="0" smtClean="0"/>
+              <a:t> : </a:t>
             </a:r>
             <a:r>
               <a:rPr lang="es-ES_tradnl" dirty="0" err="1" smtClean="0"/>
-              <a:t>border</a:t>
-            </a:r>
-            <a:r>
-              <a:rPr lang="es-ES_tradnl" dirty="0" smtClean="0"/>
-              <a:t>, </a:t>
-            </a:r>
-            <a:r>
-              <a:rPr lang="es-ES_tradnl" dirty="0" err="1" smtClean="0"/>
-              <a:t>padding</a:t>
-            </a:r>
-            <a:r>
-              <a:rPr lang="es-ES_tradnl" dirty="0" smtClean="0"/>
-              <a:t>, </a:t>
-            </a:r>
-            <a:r>
-              <a:rPr lang="es-ES_tradnl" dirty="0" err="1" smtClean="0"/>
-              <a:t>height</a:t>
-            </a:r>
-            <a:r>
-              <a:rPr lang="es-ES_tradnl" dirty="0" smtClean="0"/>
-              <a:t> &amp; </a:t>
-            </a:r>
-            <a:r>
-              <a:rPr lang="es-ES_tradnl" dirty="0" err="1" smtClean="0"/>
-              <a:t>width</a:t>
-            </a:r>
-            <a:endParaRPr lang="en-US" dirty="0" smtClean="0"/>
-          </a:p>
-          <a:p>
+              <a:t>table</a:t>
+            </a:r>
+            <a:r>
+              <a:rPr lang="es-ES_tradnl" dirty="0" smtClean="0"/>
+              <a:t> data</a:t>
+            </a:r>
             <a:endParaRPr lang="en-US" dirty="0"/>
           </a:p>
         </p:txBody>
@@ -1232,7 +1234,7 @@
           <a:p>
             <a:fld id="{33490EC4-9ED2-4743-9A12-62D7D00FD99C}" type="slidenum">
               <a:rPr lang="en-US" smtClean="0"/>
-              <a:t>29</a:t>
+              <a:t>12</a:t>
             </a:fld>
             <a:endParaRPr lang="en-US"/>
           </a:p>
@@ -1241,7 +1243,7 @@
     </p:spTree>
     <p:extLst>
       <p:ext uri="{BB962C8B-B14F-4D97-AF65-F5344CB8AC3E}">
-        <p14:creationId xmlns:p14="http://schemas.microsoft.com/office/powerpoint/2010/main" val="4179861764"/>
+        <p14:creationId xmlns:p14="http://schemas.microsoft.com/office/powerpoint/2010/main" val="3555162724"/>
       </p:ext>
     </p:extLst>
   </p:cSld>
@@ -1295,6 +1297,132 @@
           <a:bodyPr/>
           <a:lstStyle/>
           <a:p>
+            <a:pPr defTabSz="924458">
+              <a:defRPr/>
+            </a:pPr>
+            <a:r>
+              <a:rPr lang="es-ES_tradnl" dirty="0" err="1" smtClean="0"/>
+              <a:t>Margin</a:t>
+            </a:r>
+            <a:r>
+              <a:rPr lang="es-ES_tradnl" dirty="0" smtClean="0"/>
+              <a:t>, </a:t>
+            </a:r>
+            <a:r>
+              <a:rPr lang="es-ES_tradnl" dirty="0" err="1" smtClean="0"/>
+              <a:t>border</a:t>
+            </a:r>
+            <a:r>
+              <a:rPr lang="es-ES_tradnl" dirty="0" smtClean="0"/>
+              <a:t>, </a:t>
+            </a:r>
+            <a:r>
+              <a:rPr lang="es-ES_tradnl" dirty="0" err="1" smtClean="0"/>
+              <a:t>padding</a:t>
+            </a:r>
+            <a:r>
+              <a:rPr lang="es-ES_tradnl" dirty="0" smtClean="0"/>
+              <a:t>, </a:t>
+            </a:r>
+            <a:r>
+              <a:rPr lang="es-ES_tradnl" dirty="0" err="1" smtClean="0"/>
+              <a:t>height</a:t>
+            </a:r>
+            <a:r>
+              <a:rPr lang="es-ES_tradnl" dirty="0" smtClean="0"/>
+              <a:t> &amp; </a:t>
+            </a:r>
+            <a:r>
+              <a:rPr lang="es-ES_tradnl" dirty="0" err="1" smtClean="0"/>
+              <a:t>width</a:t>
+            </a:r>
+            <a:endParaRPr lang="en-US" dirty="0" smtClean="0"/>
+          </a:p>
+          <a:p>
+            <a:endParaRPr lang="en-US" dirty="0"/>
+          </a:p>
+        </p:txBody>
+      </p:sp>
+      <p:sp>
+        <p:nvSpPr>
+          <p:cNvPr id="4" name="Slide Number Placeholder 3"/>
+          <p:cNvSpPr>
+            <a:spLocks noGrp="1"/>
+          </p:cNvSpPr>
+          <p:nvPr>
+            <p:ph type="sldNum" sz="quarter" idx="10"/>
+          </p:nvPr>
+        </p:nvSpPr>
+        <p:spPr/>
+        <p:txBody>
+          <a:bodyPr/>
+          <a:lstStyle/>
+          <a:p>
+            <a:fld id="{33490EC4-9ED2-4743-9A12-62D7D00FD99C}" type="slidenum">
+              <a:rPr lang="en-US" smtClean="0"/>
+              <a:t>29</a:t>
+            </a:fld>
+            <a:endParaRPr lang="en-US"/>
+          </a:p>
+        </p:txBody>
+      </p:sp>
+    </p:spTree>
+    <p:extLst>
+      <p:ext uri="{BB962C8B-B14F-4D97-AF65-F5344CB8AC3E}">
+        <p14:creationId xmlns:p14="http://schemas.microsoft.com/office/powerpoint/2010/main" val="4179861764"/>
+      </p:ext>
+    </p:extLst>
+  </p:cSld>
+  <p:clrMapOvr>
+    <a:masterClrMapping/>
+  </p:clrMapOvr>
+</p:notes>
+</file>
+
+<file path=ppt/notesSlides/notesSlide7.xml><?xml version="1.0" encoding="utf-8"?>
+<p:notes xmlns:a="http://schemas.openxmlformats.org/drawingml/2006/main" xmlns:r="http://schemas.openxmlformats.org/officeDocument/2006/relationships" xmlns:p="http://schemas.openxmlformats.org/presentationml/2006/main">
+  <p:cSld>
+    <p:spTree>
+      <p:nvGrpSpPr>
+        <p:cNvPr id="1" name=""/>
+        <p:cNvGrpSpPr/>
+        <p:nvPr/>
+      </p:nvGrpSpPr>
+      <p:grpSpPr>
+        <a:xfrm>
+          <a:off x="0" y="0"/>
+          <a:ext cx="0" cy="0"/>
+          <a:chOff x="0" y="0"/>
+          <a:chExt cx="0" cy="0"/>
+        </a:xfrm>
+      </p:grpSpPr>
+      <p:sp>
+        <p:nvSpPr>
+          <p:cNvPr id="2" name="Slide Image Placeholder 1"/>
+          <p:cNvSpPr>
+            <a:spLocks noGrp="1" noRot="1" noChangeAspect="1"/>
+          </p:cNvSpPr>
+          <p:nvPr>
+            <p:ph type="sldImg"/>
+          </p:nvPr>
+        </p:nvSpPr>
+        <p:spPr/>
+      </p:sp>
+      <p:sp>
+        <p:nvSpPr>
+          <p:cNvPr id="3" name="Notes Placeholder 2"/>
+          <p:cNvSpPr>
+            <a:spLocks noGrp="1"/>
+          </p:cNvSpPr>
+          <p:nvPr>
+            <p:ph type="body" idx="1"/>
+          </p:nvPr>
+        </p:nvSpPr>
+        <p:spPr/>
+        <p:txBody>
+          <a:bodyPr/>
+          <a:lstStyle/>
+          <a:p>
             <a:r>
               <a:rPr lang="es-ES_tradnl" dirty="0" smtClean="0"/>
               <a:t>Como </a:t>
@@ -1363,7 +1491,7 @@
 </p:notes>
 </file>
 
-<file path=ppt/notesSlides/notesSlide7.xml><?xml version="1.0" encoding="utf-8"?>
+<file path=ppt/notesSlides/notesSlide8.xml><?xml version="1.0" encoding="utf-8"?>
 <p:notes xmlns:a="http://schemas.openxmlformats.org/drawingml/2006/main" xmlns:r="http://schemas.openxmlformats.org/officeDocument/2006/relationships" xmlns:p="http://schemas.openxmlformats.org/presentationml/2006/main">
   <p:cSld>
     <p:spTree>
@@ -1578,7 +1706,7 @@
           <a:p>
             <a:fld id="{8C91A079-CAE8-47E0-8427-4BEC14467E6E}" type="datetimeFigureOut">
               <a:rPr lang="en-US" smtClean="0"/>
-              <a:t>6/11/2013</a:t>
+              <a:t>6/13/2013</a:t>
             </a:fld>
             <a:endParaRPr lang="en-US"/>
           </a:p>
@@ -1748,7 +1876,7 @@
           <a:p>
             <a:fld id="{8C91A079-CAE8-47E0-8427-4BEC14467E6E}" type="datetimeFigureOut">
               <a:rPr lang="en-US" smtClean="0"/>
-              <a:t>6/11/2013</a:t>
+              <a:t>6/13/2013</a:t>
             </a:fld>
             <a:endParaRPr lang="en-US"/>
           </a:p>
@@ -1928,7 +2056,7 @@
           <a:p>
             <a:fld id="{8C91A079-CAE8-47E0-8427-4BEC14467E6E}" type="datetimeFigureOut">
               <a:rPr lang="en-US" smtClean="0"/>
-              <a:t>6/11/2013</a:t>
+              <a:t>6/13/2013</a:t>
             </a:fld>
             <a:endParaRPr lang="en-US"/>
           </a:p>
@@ -2098,7 +2226,7 @@
           <a:p>
             <a:fld id="{8C91A079-CAE8-47E0-8427-4BEC14467E6E}" type="datetimeFigureOut">
               <a:rPr lang="en-US" smtClean="0"/>
-              <a:t>6/11/2013</a:t>
+              <a:t>6/13/2013</a:t>
             </a:fld>
             <a:endParaRPr lang="en-US"/>
           </a:p>
@@ -2344,7 +2472,7 @@
           <a:p>
             <a:fld id="{8C91A079-CAE8-47E0-8427-4BEC14467E6E}" type="datetimeFigureOut">
               <a:rPr lang="en-US" smtClean="0"/>
-              <a:t>6/11/2013</a:t>
+              <a:t>6/13/2013</a:t>
             </a:fld>
             <a:endParaRPr lang="en-US"/>
           </a:p>
@@ -2576,7 +2704,7 @@
           <a:p>
             <a:fld id="{8C91A079-CAE8-47E0-8427-4BEC14467E6E}" type="datetimeFigureOut">
               <a:rPr lang="en-US" smtClean="0"/>
-              <a:t>6/11/2013</a:t>
+              <a:t>6/13/2013</a:t>
             </a:fld>
             <a:endParaRPr lang="en-US"/>
           </a:p>
@@ -2943,7 +3071,7 @@
           <a:p>
             <a:fld id="{8C91A079-CAE8-47E0-8427-4BEC14467E6E}" type="datetimeFigureOut">
               <a:rPr lang="en-US" smtClean="0"/>
-              <a:t>6/11/2013</a:t>
+              <a:t>6/13/2013</a:t>
             </a:fld>
             <a:endParaRPr lang="en-US"/>
           </a:p>
@@ -3061,7 +3189,7 @@
           <a:p>
             <a:fld id="{8C91A079-CAE8-47E0-8427-4BEC14467E6E}" type="datetimeFigureOut">
               <a:rPr lang="en-US" smtClean="0"/>
-              <a:t>6/11/2013</a:t>
+              <a:t>6/13/2013</a:t>
             </a:fld>
             <a:endParaRPr lang="en-US"/>
           </a:p>
@@ -3156,7 +3284,7 @@
           <a:p>
             <a:fld id="{8C91A079-CAE8-47E0-8427-4BEC14467E6E}" type="datetimeFigureOut">
               <a:rPr lang="en-US" smtClean="0"/>
-              <a:t>6/11/2013</a:t>
+              <a:t>6/13/2013</a:t>
             </a:fld>
             <a:endParaRPr lang="en-US"/>
           </a:p>
@@ -3433,7 +3561,7 @@
           <a:p>
             <a:fld id="{8C91A079-CAE8-47E0-8427-4BEC14467E6E}" type="datetimeFigureOut">
               <a:rPr lang="en-US" smtClean="0"/>
-              <a:t>6/11/2013</a:t>
+              <a:t>6/13/2013</a:t>
             </a:fld>
             <a:endParaRPr lang="en-US"/>
           </a:p>
@@ -3686,7 +3814,7 @@
           <a:p>
             <a:fld id="{8C91A079-CAE8-47E0-8427-4BEC14467E6E}" type="datetimeFigureOut">
               <a:rPr lang="en-US" smtClean="0"/>
-              <a:t>6/11/2013</a:t>
+              <a:t>6/13/2013</a:t>
             </a:fld>
             <a:endParaRPr lang="en-US"/>
           </a:p>
@@ -3899,7 +4027,7 @@
           <a:p>
             <a:fld id="{8C91A079-CAE8-47E0-8427-4BEC14467E6E}" type="datetimeFigureOut">
               <a:rPr lang="en-US" smtClean="0"/>
-              <a:t>6/11/2013</a:t>
+              <a:t>6/13/2013</a:t>
             </a:fld>
             <a:endParaRPr lang="en-US"/>
           </a:p>
@@ -9296,10 +9424,10 @@
         </p:nvGrpSpPr>
         <p:grpSpPr>
           <a:xfrm>
-            <a:off x="3018885" y="469269"/>
-            <a:ext cx="6154230" cy="5919462"/>
-            <a:chOff x="2430342" y="549780"/>
-            <a:chExt cx="6154230" cy="5919462"/>
+            <a:off x="2845264" y="295648"/>
+            <a:ext cx="6501473" cy="6266705"/>
+            <a:chOff x="2256721" y="376159"/>
+            <a:chExt cx="6501473" cy="6266705"/>
           </a:xfrm>
         </p:grpSpPr>
         <p:sp>
@@ -9310,8 +9438,8 @@
           </p:nvSpPr>
           <p:spPr>
             <a:xfrm>
-              <a:off x="2430342" y="549780"/>
-              <a:ext cx="3472434" cy="3472434"/>
+              <a:off x="2256721" y="376159"/>
+              <a:ext cx="3819677" cy="3819677"/>
             </a:xfrm>
             <a:prstGeom prst="ellipse">
               <a:avLst/>
@@ -9377,8 +9505,8 @@
           </p:nvSpPr>
           <p:spPr>
             <a:xfrm>
-              <a:off x="5112138" y="549780"/>
-              <a:ext cx="3472434" cy="3472434"/>
+              <a:off x="4938517" y="376159"/>
+              <a:ext cx="3819677" cy="3819677"/>
             </a:xfrm>
             <a:prstGeom prst="ellipse">
               <a:avLst/>
@@ -9444,8 +9572,8 @@
           </p:nvSpPr>
           <p:spPr>
             <a:xfrm>
-              <a:off x="3771240" y="2996808"/>
-              <a:ext cx="3472434" cy="3472434"/>
+              <a:off x="3597619" y="2823187"/>
+              <a:ext cx="3819677" cy="3819677"/>
             </a:xfrm>
             <a:prstGeom prst="ellipse">
               <a:avLst/>
@@ -10885,8 +11013,8 @@
         </p:nvSpPr>
         <p:spPr>
           <a:xfrm>
-            <a:off x="827776" y="657615"/>
-            <a:ext cx="3472434" cy="3472434"/>
+            <a:off x="244715" y="450366"/>
+            <a:ext cx="3819677" cy="3819677"/>
           </a:xfrm>
           <a:prstGeom prst="ellipse">
             <a:avLst/>
@@ -10952,8 +11080,8 @@
         </p:nvSpPr>
         <p:spPr>
           <a:xfrm>
-            <a:off x="8242313" y="645583"/>
-            <a:ext cx="3472434" cy="3472434"/>
+            <a:off x="8095988" y="450366"/>
+            <a:ext cx="3819677" cy="3819677"/>
           </a:xfrm>
           <a:prstGeom prst="ellipse">
             <a:avLst/>
@@ -11019,8 +11147,8 @@
         </p:nvSpPr>
         <p:spPr>
           <a:xfrm>
-            <a:off x="1485939" y="4566163"/>
-            <a:ext cx="2156108" cy="896977"/>
+            <a:off x="727279" y="4692618"/>
+            <a:ext cx="2608891" cy="896977"/>
           </a:xfrm>
           <a:prstGeom prst="wedgeRoundRectCallout">
             <a:avLst>
@@ -11067,8 +11195,8 @@
         </p:nvSpPr>
         <p:spPr>
           <a:xfrm>
-            <a:off x="8400151" y="4566163"/>
-            <a:ext cx="3156758" cy="896977"/>
+            <a:off x="7973159" y="4692618"/>
+            <a:ext cx="3819677" cy="896977"/>
           </a:xfrm>
           <a:prstGeom prst="wedgeRoundRectCallout">
             <a:avLst>
@@ -11107,75 +11235,49 @@
           </a:p>
         </p:txBody>
       </p:sp>
-      <p:grpSp>
-        <p:nvGrpSpPr>
-          <p:cNvPr id="3" name="Group 2"/>
-          <p:cNvGrpSpPr/>
+      <p:sp>
+        <p:nvSpPr>
+          <p:cNvPr id="10" name="Oval 9"/>
+          <p:cNvSpPr/>
           <p:nvPr/>
-        </p:nvGrpSpPr>
-        <p:grpSpPr>
+        </p:nvSpPr>
+        <p:spPr>
           <a:xfrm>
-            <a:off x="4535044" y="657615"/>
-            <a:ext cx="3472434" cy="4817557"/>
-            <a:chOff x="8098824" y="657615"/>
-            <a:chExt cx="3472434" cy="4817557"/>
+            <a:off x="4170351" y="450365"/>
+            <a:ext cx="3819677" cy="3819678"/>
           </a:xfrm>
-        </p:grpSpPr>
-        <p:sp>
-          <p:nvSpPr>
-            <p:cNvPr id="10" name="Oval 9"/>
-            <p:cNvSpPr/>
-            <p:nvPr/>
-          </p:nvSpPr>
-          <p:spPr>
-            <a:xfrm>
-              <a:off x="8098824" y="657615"/>
-              <a:ext cx="3472434" cy="3472434"/>
-            </a:xfrm>
-            <a:prstGeom prst="ellipse">
-              <a:avLst/>
-            </a:prstGeom>
-            <a:solidFill>
-              <a:schemeClr val="accent2">
-                <a:alpha val="50196"/>
-              </a:schemeClr>
-            </a:solidFill>
-          </p:spPr>
-          <p:style>
-            <a:lnRef idx="2">
-              <a:schemeClr val="accent2">
-                <a:shade val="50000"/>
-              </a:schemeClr>
-            </a:lnRef>
-            <a:fillRef idx="1">
-              <a:schemeClr val="accent2"/>
-            </a:fillRef>
-            <a:effectRef idx="0">
-              <a:schemeClr val="accent2"/>
-            </a:effectRef>
-            <a:fontRef idx="minor">
-              <a:schemeClr val="lt1"/>
-            </a:fontRef>
-          </p:style>
-          <p:txBody>
-            <a:bodyPr rtlCol="0" anchor="ctr"/>
-            <a:lstStyle/>
-            <a:p>
-              <a:pPr algn="ctr"/>
-              <a:r>
-                <a:rPr lang="es-ES_tradnl" sz="4400" b="1" dirty="0">
-                  <a:ln w="3175">
-                    <a:solidFill>
-                      <a:schemeClr val="tx1">
-                        <a:lumMod val="50000"/>
-                        <a:lumOff val="50000"/>
-                      </a:schemeClr>
-                    </a:solidFill>
-                  </a:ln>
-                </a:rPr>
-                <a:t>CSS</a:t>
-              </a:r>
-              <a:endParaRPr lang="en-US" sz="3200" b="1" dirty="0">
+          <a:prstGeom prst="ellipse">
+            <a:avLst/>
+          </a:prstGeom>
+          <a:solidFill>
+            <a:schemeClr val="accent2">
+              <a:alpha val="50196"/>
+            </a:schemeClr>
+          </a:solidFill>
+        </p:spPr>
+        <p:style>
+          <a:lnRef idx="2">
+            <a:schemeClr val="accent2">
+              <a:shade val="50000"/>
+            </a:schemeClr>
+          </a:lnRef>
+          <a:fillRef idx="1">
+            <a:schemeClr val="accent2"/>
+          </a:fillRef>
+          <a:effectRef idx="0">
+            <a:schemeClr val="accent2"/>
+          </a:effectRef>
+          <a:fontRef idx="minor">
+            <a:schemeClr val="lt1"/>
+          </a:fontRef>
+        </p:style>
+        <p:txBody>
+          <a:bodyPr rtlCol="0" anchor="ctr"/>
+          <a:lstStyle/>
+          <a:p>
+            <a:pPr algn="ctr"/>
+            <a:r>
+              <a:rPr lang="es-ES_tradnl" sz="4400" b="1" dirty="0">
                 <a:ln w="3175">
                   <a:solidFill>
                     <a:schemeClr val="tx1">
@@ -11184,59 +11286,70 @@
                     </a:schemeClr>
                   </a:solidFill>
                 </a:ln>
-              </a:endParaRPr>
-            </a:p>
-          </p:txBody>
-        </p:sp>
-        <p:sp>
-          <p:nvSpPr>
-            <p:cNvPr id="11" name="Rounded Rectangular Callout 10"/>
-            <p:cNvSpPr/>
-            <p:nvPr/>
-          </p:nvSpPr>
-          <p:spPr>
-            <a:xfrm>
-              <a:off x="8530595" y="4578195"/>
-              <a:ext cx="2608891" cy="896977"/>
-            </a:xfrm>
-            <a:prstGeom prst="wedgeRoundRectCallout">
-              <a:avLst>
-                <a:gd name="adj1" fmla="val 10641"/>
-                <a:gd name="adj2" fmla="val -127486"/>
-                <a:gd name="adj3" fmla="val 16667"/>
-              </a:avLst>
-            </a:prstGeom>
-          </p:spPr>
-          <p:style>
-            <a:lnRef idx="2">
-              <a:schemeClr val="accent2">
-                <a:shade val="50000"/>
-              </a:schemeClr>
-            </a:lnRef>
-            <a:fillRef idx="1">
-              <a:schemeClr val="accent2"/>
-            </a:fillRef>
-            <a:effectRef idx="0">
-              <a:schemeClr val="accent2"/>
-            </a:effectRef>
-            <a:fontRef idx="minor">
-              <a:schemeClr val="lt1"/>
-            </a:fontRef>
-          </p:style>
-          <p:txBody>
-            <a:bodyPr rtlCol="0" anchor="ctr"/>
-            <a:lstStyle/>
-            <a:p>
-              <a:pPr algn="ctr"/>
-              <a:r>
-                <a:rPr lang="es-ES_tradnl" sz="3200" dirty="0" smtClean="0"/>
-                <a:t>Presentación</a:t>
-              </a:r>
-              <a:endParaRPr lang="en-US" sz="3200" dirty="0"/>
-            </a:p>
-          </p:txBody>
-        </p:sp>
-      </p:grpSp>
+              </a:rPr>
+              <a:t>CSS</a:t>
+            </a:r>
+            <a:endParaRPr lang="en-US" sz="3200" b="1" dirty="0">
+              <a:ln w="3175">
+                <a:solidFill>
+                  <a:schemeClr val="tx1">
+                    <a:lumMod val="50000"/>
+                    <a:lumOff val="50000"/>
+                  </a:schemeClr>
+                </a:solidFill>
+              </a:ln>
+            </a:endParaRPr>
+          </a:p>
+        </p:txBody>
+      </p:sp>
+      <p:sp>
+        <p:nvSpPr>
+          <p:cNvPr id="11" name="Rounded Rectangular Callout 10"/>
+          <p:cNvSpPr/>
+          <p:nvPr/>
+        </p:nvSpPr>
+        <p:spPr>
+          <a:xfrm>
+            <a:off x="4076285" y="4647769"/>
+            <a:ext cx="3156758" cy="986675"/>
+          </a:xfrm>
+          <a:prstGeom prst="wedgeRoundRectCallout">
+            <a:avLst>
+              <a:gd name="adj1" fmla="val 16694"/>
+              <a:gd name="adj2" fmla="val -126103"/>
+              <a:gd name="adj3" fmla="val 16667"/>
+            </a:avLst>
+          </a:prstGeom>
+        </p:spPr>
+        <p:style>
+          <a:lnRef idx="2">
+            <a:schemeClr val="accent2">
+              <a:shade val="50000"/>
+            </a:schemeClr>
+          </a:lnRef>
+          <a:fillRef idx="1">
+            <a:schemeClr val="accent2"/>
+          </a:fillRef>
+          <a:effectRef idx="0">
+            <a:schemeClr val="accent2"/>
+          </a:effectRef>
+          <a:fontRef idx="minor">
+            <a:schemeClr val="lt1"/>
+          </a:fontRef>
+        </p:style>
+        <p:txBody>
+          <a:bodyPr rtlCol="0" anchor="ctr"/>
+          <a:lstStyle/>
+          <a:p>
+            <a:pPr algn="ctr"/>
+            <a:r>
+              <a:rPr lang="es-ES_tradnl" sz="3200" dirty="0" smtClean="0"/>
+              <a:t>Presentación</a:t>
+            </a:r>
+            <a:endParaRPr lang="en-US" sz="3200" dirty="0"/>
+          </a:p>
+        </p:txBody>
+      </p:sp>
     </p:spTree>
     <p:extLst>
       <p:ext uri="{BB962C8B-B14F-4D97-AF65-F5344CB8AC3E}">
@@ -11688,8 +11801,8 @@
           </p:nvSpPr>
           <p:spPr>
             <a:xfrm>
-              <a:off x="4744574" y="947772"/>
-              <a:ext cx="2778133" cy="584775"/>
+              <a:off x="4605668" y="947772"/>
+              <a:ext cx="3055945" cy="584775"/>
             </a:xfrm>
             <a:prstGeom prst="rect">
               <a:avLst/>
@@ -11702,6 +11815,7 @@
             </a:bodyPr>
             <a:lstStyle/>
             <a:p>
+              <a:pPr algn="ctr"/>
               <a:r>
                 <a:rPr lang="es-ES_tradnl" sz="3200" dirty="0" smtClean="0">
                   <a:solidFill>
@@ -13197,4 +13311,265 @@
     </a:ext>
   </a:extLst>
 </a:theme>
+</file>
+
+<file path=ppt/theme/theme3.xml><?xml version="1.0" encoding="utf-8"?>
+<a:theme xmlns:a="http://schemas.openxmlformats.org/drawingml/2006/main" name="Office Theme">
+  <a:themeElements>
+    <a:clrScheme name="Office">
+      <a:dk1>
+        <a:sysClr val="windowText" lastClr="000000"/>
+      </a:dk1>
+      <a:lt1>
+        <a:sysClr val="window" lastClr="FFFFFF"/>
+      </a:lt1>
+      <a:dk2>
+        <a:srgbClr val="44546A"/>
+      </a:dk2>
+      <a:lt2>
+        <a:srgbClr val="E7E6E6"/>
+      </a:lt2>
+      <a:accent1>
+        <a:srgbClr val="5B9BD5"/>
+      </a:accent1>
+      <a:accent2>
+        <a:srgbClr val="ED7D31"/>
+      </a:accent2>
+      <a:accent3>
+        <a:srgbClr val="A5A5A5"/>
+      </a:accent3>
+      <a:accent4>
+        <a:srgbClr val="FFC000"/>
+      </a:accent4>
+      <a:accent5>
+        <a:srgbClr val="4472C4"/>
+      </a:accent5>
+      <a:accent6>
+        <a:srgbClr val="70AD47"/>
+      </a:accent6>
+      <a:hlink>
+        <a:srgbClr val="0563C1"/>
+      </a:hlink>
+      <a:folHlink>
+        <a:srgbClr val="954F72"/>
+      </a:folHlink>
+    </a:clrScheme>
+    <a:fontScheme name="Office">
+      <a:majorFont>
+        <a:latin typeface="Calibri Light" panose="020F0302020204030204"/>
+        <a:ea typeface=""/>
+        <a:cs typeface=""/>
+        <a:font script="Jpan" typeface="ＭＳ Ｐゴシック"/>
+        <a:font script="Hang" typeface="맑은 고딕"/>
+        <a:font script="Hans" typeface="宋体"/>
+        <a:font script="Hant" typeface="新細明體"/>
+        <a:font script="Arab" typeface="Times New Roman"/>
+        <a:font script="Hebr" typeface="Times New Roman"/>
+        <a:font script="Thai" typeface="Angsana New"/>
+        <a:font script="Ethi" typeface="Nyala"/>
+        <a:font script="Beng" typeface="Vrinda"/>
+        <a:font script="Gujr" typeface="Shruti"/>
+        <a:font script="Khmr" typeface="MoolBoran"/>
+        <a:font script="Knda" typeface="Tunga"/>
+        <a:font script="Guru" typeface="Raavi"/>
+        <a:font script="Cans" typeface="Euphemia"/>
+        <a:font script="Cher" typeface="Plantagenet Cherokee"/>
+        <a:font script="Yiii" typeface="Microsoft Yi Baiti"/>
+        <a:font script="Tibt" typeface="Microsoft Himalaya"/>
+        <a:font script="Thaa" typeface="MV Boli"/>
+        <a:font script="Deva" typeface="Mangal"/>
+        <a:font script="Telu" typeface="Gautami"/>
+        <a:font script="Taml" typeface="Latha"/>
+        <a:font script="Syrc" typeface="Estrangelo Edessa"/>
+        <a:font script="Orya" typeface="Kalinga"/>
+        <a:font script="Mlym" typeface="Kartika"/>
+        <a:font script="Laoo" typeface="DokChampa"/>
+        <a:font script="Sinh" typeface="Iskoola Pota"/>
+        <a:font script="Mong" typeface="Mongolian Baiti"/>
+        <a:font script="Viet" typeface="Times New Roman"/>
+        <a:font script="Uigh" typeface="Microsoft Uighur"/>
+        <a:font script="Geor" typeface="Sylfaen"/>
+      </a:majorFont>
+      <a:minorFont>
+        <a:latin typeface="Calibri" panose="020F0502020204030204"/>
+        <a:ea typeface=""/>
+        <a:cs typeface=""/>
+        <a:font script="Jpan" typeface="ＭＳ Ｐゴシック"/>
+        <a:font script="Hang" typeface="맑은 고딕"/>
+        <a:font script="Hans" typeface="宋体"/>
+        <a:font script="Hant" typeface="新細明體"/>
+        <a:font script="Arab" typeface="Arial"/>
+        <a:font script="Hebr" typeface="Arial"/>
+        <a:font script="Thai" typeface="Cordia New"/>
+        <a:font script="Ethi" typeface="Nyala"/>
+        <a:font script="Beng" typeface="Vrinda"/>
+        <a:font script="Gujr" typeface="Shruti"/>
+        <a:font script="Khmr" typeface="DaunPenh"/>
+        <a:font script="Knda" typeface="Tunga"/>
+        <a:font script="Guru" typeface="Raavi"/>
+        <a:font script="Cans" typeface="Euphemia"/>
+        <a:font script="Cher" typeface="Plantagenet Cherokee"/>
+        <a:font script="Yiii" typeface="Microsoft Yi Baiti"/>
+        <a:font script="Tibt" typeface="Microsoft Himalaya"/>
+        <a:font script="Thaa" typeface="MV Boli"/>
+        <a:font script="Deva" typeface="Mangal"/>
+        <a:font script="Telu" typeface="Gautami"/>
+        <a:font script="Taml" typeface="Latha"/>
+        <a:font script="Syrc" typeface="Estrangelo Edessa"/>
+        <a:font script="Orya" typeface="Kalinga"/>
+        <a:font script="Mlym" typeface="Kartika"/>
+        <a:font script="Laoo" typeface="DokChampa"/>
+        <a:font script="Sinh" typeface="Iskoola Pota"/>
+        <a:font script="Mong" typeface="Mongolian Baiti"/>
+        <a:font script="Viet" typeface="Arial"/>
+        <a:font script="Uigh" typeface="Microsoft Uighur"/>
+        <a:font script="Geor" typeface="Sylfaen"/>
+      </a:minorFont>
+    </a:fontScheme>
+    <a:fmtScheme name="Office">
+      <a:fillStyleLst>
+        <a:solidFill>
+          <a:schemeClr val="phClr"/>
+        </a:solidFill>
+        <a:gradFill rotWithShape="1">
+          <a:gsLst>
+            <a:gs pos="0">
+              <a:schemeClr val="phClr">
+                <a:lumMod val="110000"/>
+                <a:satMod val="105000"/>
+                <a:tint val="67000"/>
+              </a:schemeClr>
+            </a:gs>
+            <a:gs pos="50000">
+              <a:schemeClr val="phClr">
+                <a:lumMod val="105000"/>
+                <a:satMod val="103000"/>
+                <a:tint val="73000"/>
+              </a:schemeClr>
+            </a:gs>
+            <a:gs pos="100000">
+              <a:schemeClr val="phClr">
+                <a:lumMod val="105000"/>
+                <a:satMod val="109000"/>
+                <a:tint val="81000"/>
+              </a:schemeClr>
+            </a:gs>
+          </a:gsLst>
+          <a:lin ang="5400000" scaled="0"/>
+        </a:gradFill>
+        <a:gradFill rotWithShape="1">
+          <a:gsLst>
+            <a:gs pos="0">
+              <a:schemeClr val="phClr">
+                <a:satMod val="103000"/>
+                <a:lumMod val="102000"/>
+                <a:tint val="94000"/>
+              </a:schemeClr>
+            </a:gs>
+            <a:gs pos="50000">
+              <a:schemeClr val="phClr">
+                <a:satMod val="110000"/>
+                <a:lumMod val="100000"/>
+                <a:shade val="100000"/>
+              </a:schemeClr>
+            </a:gs>
+            <a:gs pos="100000">
+              <a:schemeClr val="phClr">
+                <a:lumMod val="99000"/>
+                <a:satMod val="120000"/>
+                <a:shade val="78000"/>
+              </a:schemeClr>
+            </a:gs>
+          </a:gsLst>
+          <a:lin ang="5400000" scaled="0"/>
+        </a:gradFill>
+      </a:fillStyleLst>
+      <a:lnStyleLst>
+        <a:ln w="6350" cap="flat" cmpd="sng" algn="ctr">
+          <a:solidFill>
+            <a:schemeClr val="phClr"/>
+          </a:solidFill>
+          <a:prstDash val="solid"/>
+          <a:miter lim="800000"/>
+        </a:ln>
+        <a:ln w="12700" cap="flat" cmpd="sng" algn="ctr">
+          <a:solidFill>
+            <a:schemeClr val="phClr"/>
+          </a:solidFill>
+          <a:prstDash val="solid"/>
+          <a:miter lim="800000"/>
+        </a:ln>
+        <a:ln w="19050" cap="flat" cmpd="sng" algn="ctr">
+          <a:solidFill>
+            <a:schemeClr val="phClr"/>
+          </a:solidFill>
+          <a:prstDash val="solid"/>
+          <a:miter lim="800000"/>
+        </a:ln>
+      </a:lnStyleLst>
+      <a:effectStyleLst>
+        <a:effectStyle>
+          <a:effectLst/>
+        </a:effectStyle>
+        <a:effectStyle>
+          <a:effectLst/>
+        </a:effectStyle>
+        <a:effectStyle>
+          <a:effectLst>
+            <a:outerShdw blurRad="57150" dist="19050" dir="5400000" algn="ctr" rotWithShape="0">
+              <a:srgbClr val="000000">
+                <a:alpha val="63000"/>
+              </a:srgbClr>
+            </a:outerShdw>
+          </a:effectLst>
+        </a:effectStyle>
+      </a:effectStyleLst>
+      <a:bgFillStyleLst>
+        <a:solidFill>
+          <a:schemeClr val="phClr"/>
+        </a:solidFill>
+        <a:solidFill>
+          <a:schemeClr val="phClr">
+            <a:tint val="95000"/>
+            <a:satMod val="170000"/>
+          </a:schemeClr>
+        </a:solidFill>
+        <a:gradFill rotWithShape="1">
+          <a:gsLst>
+            <a:gs pos="0">
+              <a:schemeClr val="phClr">
+                <a:tint val="93000"/>
+                <a:satMod val="150000"/>
+                <a:shade val="98000"/>
+                <a:lumMod val="102000"/>
+              </a:schemeClr>
+            </a:gs>
+            <a:gs pos="50000">
+              <a:schemeClr val="phClr">
+                <a:tint val="98000"/>
+                <a:satMod val="130000"/>
+                <a:shade val="90000"/>
+                <a:lumMod val="103000"/>
+              </a:schemeClr>
+            </a:gs>
+            <a:gs pos="100000">
+              <a:schemeClr val="phClr">
+                <a:shade val="63000"/>
+                <a:satMod val="120000"/>
+              </a:schemeClr>
+            </a:gs>
+          </a:gsLst>
+          <a:lin ang="5400000" scaled="0"/>
+        </a:gradFill>
+      </a:bgFillStyleLst>
+    </a:fmtScheme>
+  </a:themeElements>
+  <a:objectDefaults/>
+  <a:extraClrSchemeLst/>
+  <a:extLst>
+    <a:ext uri="{05A4C25C-085E-4340-85A3-A5531E510DB2}">
+      <thm15:themeFamily xmlns:thm15="http://schemas.microsoft.com/office/thememl/2012/main" name="Office Theme" id="{62F939B6-93AF-4DB8-9C6B-D6C7DFDC589F}" vid="{4A3C46E8-61CC-4603-A589-7422A47A8E4A}"/>
+    </a:ext>
+  </a:extLst>
+</a:theme>
 </file>
--- a/Slides/Clase.pptx
+++ b/Slides/Clase.pptx
@@ -250,7 +250,7 @@
           <a:p>
             <a:fld id="{7BA71279-A592-4655-B490-FD6D69922214}" type="datetimeFigureOut">
               <a:rPr lang="en-US" smtClean="0"/>
-              <a:t>6/13/2013</a:t>
+              <a:t>6/16/2013</a:t>
             </a:fld>
             <a:endParaRPr lang="en-US"/>
           </a:p>
@@ -415,7 +415,7 @@
           <a:p>
             <a:fld id="{9EE80FC8-2411-480F-8805-F0ECF3A4843D}" type="datetimeFigureOut">
               <a:rPr lang="en-US" smtClean="0"/>
-              <a:t>6/13/2013</a:t>
+              <a:t>6/16/2013</a:t>
             </a:fld>
             <a:endParaRPr lang="en-US"/>
           </a:p>
@@ -881,7 +881,6 @@
               <a:rPr lang="en-US" dirty="0"/>
               <a:t>-based discussion boards. The invention of HTML made use of a model of content stored on a central server that could be transferred and displayed on a local workstation via a browser. It simplified access to content and enabled the display of "rich" content (such as sophisticated text formatting and the display of images).</a:t>
             </a:r>
-            <a:endParaRPr lang="en-US" dirty="0"/>
           </a:p>
         </p:txBody>
       </p:sp>
@@ -1706,7 +1705,7 @@
           <a:p>
             <a:fld id="{8C91A079-CAE8-47E0-8427-4BEC14467E6E}" type="datetimeFigureOut">
               <a:rPr lang="en-US" smtClean="0"/>
-              <a:t>6/13/2013</a:t>
+              <a:t>6/16/2013</a:t>
             </a:fld>
             <a:endParaRPr lang="en-US"/>
           </a:p>
@@ -1876,7 +1875,7 @@
           <a:p>
             <a:fld id="{8C91A079-CAE8-47E0-8427-4BEC14467E6E}" type="datetimeFigureOut">
               <a:rPr lang="en-US" smtClean="0"/>
-              <a:t>6/13/2013</a:t>
+              <a:t>6/16/2013</a:t>
             </a:fld>
             <a:endParaRPr lang="en-US"/>
           </a:p>
@@ -2056,7 +2055,7 @@
           <a:p>
             <a:fld id="{8C91A079-CAE8-47E0-8427-4BEC14467E6E}" type="datetimeFigureOut">
               <a:rPr lang="en-US" smtClean="0"/>
-              <a:t>6/13/2013</a:t>
+              <a:t>6/16/2013</a:t>
             </a:fld>
             <a:endParaRPr lang="en-US"/>
           </a:p>
@@ -2226,7 +2225,7 @@
           <a:p>
             <a:fld id="{8C91A079-CAE8-47E0-8427-4BEC14467E6E}" type="datetimeFigureOut">
               <a:rPr lang="en-US" smtClean="0"/>
-              <a:t>6/13/2013</a:t>
+              <a:t>6/16/2013</a:t>
             </a:fld>
             <a:endParaRPr lang="en-US"/>
           </a:p>
@@ -2472,7 +2471,7 @@
           <a:p>
             <a:fld id="{8C91A079-CAE8-47E0-8427-4BEC14467E6E}" type="datetimeFigureOut">
               <a:rPr lang="en-US" smtClean="0"/>
-              <a:t>6/13/2013</a:t>
+              <a:t>6/16/2013</a:t>
             </a:fld>
             <a:endParaRPr lang="en-US"/>
           </a:p>
@@ -2704,7 +2703,7 @@
           <a:p>
             <a:fld id="{8C91A079-CAE8-47E0-8427-4BEC14467E6E}" type="datetimeFigureOut">
               <a:rPr lang="en-US" smtClean="0"/>
-              <a:t>6/13/2013</a:t>
+              <a:t>6/16/2013</a:t>
             </a:fld>
             <a:endParaRPr lang="en-US"/>
           </a:p>
@@ -3071,7 +3070,7 @@
           <a:p>
             <a:fld id="{8C91A079-CAE8-47E0-8427-4BEC14467E6E}" type="datetimeFigureOut">
               <a:rPr lang="en-US" smtClean="0"/>
-              <a:t>6/13/2013</a:t>
+              <a:t>6/16/2013</a:t>
             </a:fld>
             <a:endParaRPr lang="en-US"/>
           </a:p>
@@ -3189,7 +3188,7 @@
           <a:p>
             <a:fld id="{8C91A079-CAE8-47E0-8427-4BEC14467E6E}" type="datetimeFigureOut">
               <a:rPr lang="en-US" smtClean="0"/>
-              <a:t>6/13/2013</a:t>
+              <a:t>6/16/2013</a:t>
             </a:fld>
             <a:endParaRPr lang="en-US"/>
           </a:p>
@@ -3284,7 +3283,7 @@
           <a:p>
             <a:fld id="{8C91A079-CAE8-47E0-8427-4BEC14467E6E}" type="datetimeFigureOut">
               <a:rPr lang="en-US" smtClean="0"/>
-              <a:t>6/13/2013</a:t>
+              <a:t>6/16/2013</a:t>
             </a:fld>
             <a:endParaRPr lang="en-US"/>
           </a:p>
@@ -3561,7 +3560,7 @@
           <a:p>
             <a:fld id="{8C91A079-CAE8-47E0-8427-4BEC14467E6E}" type="datetimeFigureOut">
               <a:rPr lang="en-US" smtClean="0"/>
-              <a:t>6/13/2013</a:t>
+              <a:t>6/16/2013</a:t>
             </a:fld>
             <a:endParaRPr lang="en-US"/>
           </a:p>
@@ -3814,7 +3813,7 @@
           <a:p>
             <a:fld id="{8C91A079-CAE8-47E0-8427-4BEC14467E6E}" type="datetimeFigureOut">
               <a:rPr lang="en-US" smtClean="0"/>
-              <a:t>6/13/2013</a:t>
+              <a:t>6/16/2013</a:t>
             </a:fld>
             <a:endParaRPr lang="en-US"/>
           </a:p>
@@ -4027,7 +4026,7 @@
           <a:p>
             <a:fld id="{8C91A079-CAE8-47E0-8427-4BEC14467E6E}" type="datetimeFigureOut">
               <a:rPr lang="en-US" smtClean="0"/>
-              <a:t>6/13/2013</a:t>
+              <a:t>6/16/2013</a:t>
             </a:fld>
             <a:endParaRPr lang="en-US"/>
           </a:p>
@@ -9292,7 +9291,7 @@
             <a:pPr algn="ctr"/>
             <a:r>
               <a:rPr lang="es-ES_tradnl" sz="3200" dirty="0" err="1" smtClean="0"/>
-              <a:t>Padding</a:t>
+              <a:t>Border</a:t>
             </a:r>
             <a:endParaRPr lang="en-US" sz="3200" dirty="0"/>
           </a:p>
@@ -9335,8 +9334,8 @@
           <a:p>
             <a:pPr algn="ctr"/>
             <a:r>
-              <a:rPr lang="es-ES_tradnl" sz="3200" dirty="0" err="1" smtClean="0"/>
-              <a:t>Border</a:t>
+              <a:rPr lang="es-ES_tradnl" sz="3200" dirty="0" err="1"/>
+              <a:t>Padding</a:t>
             </a:r>
             <a:endParaRPr lang="en-US" sz="3200" dirty="0"/>
           </a:p>

--- a/Slides/Clase.pptx
+++ b/Slides/Clase.pptx
@@ -1196,22 +1196,6 @@
           <a:bodyPr/>
           <a:lstStyle/>
           <a:p>
-            <a:r>
-              <a:rPr lang="es-ES_tradnl" dirty="0" err="1" smtClean="0"/>
-              <a:t>Td</a:t>
-            </a:r>
-            <a:r>
-              <a:rPr lang="es-ES_tradnl" dirty="0" smtClean="0"/>
-              <a:t> : </a:t>
-            </a:r>
-            <a:r>
-              <a:rPr lang="es-ES_tradnl" dirty="0" err="1" smtClean="0"/>
-              <a:t>table</a:t>
-            </a:r>
-            <a:r>
-              <a:rPr lang="es-ES_tradnl" dirty="0" smtClean="0"/>
-              <a:t> data</a:t>
-            </a:r>
             <a:endParaRPr lang="en-US" dirty="0"/>
           </a:p>
         </p:txBody>
@@ -1295,48 +1279,6 @@
         <p:txBody>
           <a:bodyPr/>
           <a:lstStyle/>
-          <a:p>
-            <a:pPr defTabSz="924458">
-              <a:defRPr/>
-            </a:pPr>
-            <a:r>
-              <a:rPr lang="es-ES_tradnl" dirty="0" err="1" smtClean="0"/>
-              <a:t>Margin</a:t>
-            </a:r>
-            <a:r>
-              <a:rPr lang="es-ES_tradnl" dirty="0" smtClean="0"/>
-              <a:t>, </a:t>
-            </a:r>
-            <a:r>
-              <a:rPr lang="es-ES_tradnl" dirty="0" err="1" smtClean="0"/>
-              <a:t>border</a:t>
-            </a:r>
-            <a:r>
-              <a:rPr lang="es-ES_tradnl" dirty="0" smtClean="0"/>
-              <a:t>, </a:t>
-            </a:r>
-            <a:r>
-              <a:rPr lang="es-ES_tradnl" dirty="0" err="1" smtClean="0"/>
-              <a:t>padding</a:t>
-            </a:r>
-            <a:r>
-              <a:rPr lang="es-ES_tradnl" dirty="0" smtClean="0"/>
-              <a:t>, </a:t>
-            </a:r>
-            <a:r>
-              <a:rPr lang="es-ES_tradnl" dirty="0" err="1" smtClean="0"/>
-              <a:t>height</a:t>
-            </a:r>
-            <a:r>
-              <a:rPr lang="es-ES_tradnl" dirty="0" smtClean="0"/>
-              <a:t> &amp; </a:t>
-            </a:r>
-            <a:r>
-              <a:rPr lang="es-ES_tradnl" dirty="0" err="1" smtClean="0"/>
-              <a:t>width</a:t>
-            </a:r>
-            <a:endParaRPr lang="en-US" dirty="0" smtClean="0"/>
-          </a:p>
           <a:p>
             <a:endParaRPr lang="en-US" dirty="0"/>
           </a:p>
